--- a/courses/apcsp/lect1.pptx
+++ b/courses/apcsp/lect1.pptx
@@ -25,7 +25,9 @@
     <p:sldId id="271" r:id="rId19"/>
     <p:sldId id="272" r:id="rId20"/>
     <p:sldId id="293" r:id="rId21"/>
-    <p:sldId id="284" r:id="rId22"/>
+    <p:sldId id="302" r:id="rId22"/>
+    <p:sldId id="303" r:id="rId23"/>
+    <p:sldId id="284" r:id="rId24"/>
   </p:sldIdLst>
   <p:sldSz cx="9144000" cy="5715000" type="screen16x10"/>
   <p:notesSz cx="6858000" cy="9144000"/>
@@ -135,7 +137,7 @@
 <file path=ppt/revisionInfo.xml><?xml version="1.0" encoding="utf-8"?>
 <p1510:revInfo xmlns:a="http://schemas.openxmlformats.org/drawingml/2006/main" xmlns:r="http://schemas.openxmlformats.org/officeDocument/2006/relationships" xmlns:p1510="http://schemas.microsoft.com/office/powerpoint/2015/10/main">
   <p1510:revLst>
-    <p1510:client id="{1AE11430-C232-BB4B-AD26-649DB56977B5}" v="644" dt="2019-09-06T12:20:55.424"/>
+    <p1510:client id="{1AE11430-C232-BB4B-AD26-649DB56977B5}" v="1340" dt="2019-09-06T15:14:32.281"/>
   </p1510:revLst>
 </p1510:revInfo>
 </file>
@@ -417,7 +419,7 @@
   <pc:docChgLst>
     <pc:chgData name="Long B Nguyen" userId="f59fb8f3-a021-417a-8bc1-65c8d471c621" providerId="ADAL" clId="{1AE11430-C232-BB4B-AD26-649DB56977B5}"/>
     <pc:docChg chg="undo custSel addSld delSld modSld">
-      <pc:chgData name="Long B Nguyen" userId="f59fb8f3-a021-417a-8bc1-65c8d471c621" providerId="ADAL" clId="{1AE11430-C232-BB4B-AD26-649DB56977B5}" dt="2019-09-06T12:20:55.424" v="2429"/>
+      <pc:chgData name="Long B Nguyen" userId="f59fb8f3-a021-417a-8bc1-65c8d471c621" providerId="ADAL" clId="{1AE11430-C232-BB4B-AD26-649DB56977B5}" dt="2019-09-06T15:14:32.281" v="3525"/>
       <pc:docMkLst>
         <pc:docMk/>
       </pc:docMkLst>
@@ -443,12 +445,20 @@
           <pc:sldMk cId="216453293" sldId="258"/>
         </pc:sldMkLst>
       </pc:sldChg>
-      <pc:sldChg chg="modAnim">
-        <pc:chgData name="Long B Nguyen" userId="f59fb8f3-a021-417a-8bc1-65c8d471c621" providerId="ADAL" clId="{1AE11430-C232-BB4B-AD26-649DB56977B5}" dt="2019-09-06T12:00:57.777" v="1761"/>
+      <pc:sldChg chg="modSp modAnim">
+        <pc:chgData name="Long B Nguyen" userId="f59fb8f3-a021-417a-8bc1-65c8d471c621" providerId="ADAL" clId="{1AE11430-C232-BB4B-AD26-649DB56977B5}" dt="2019-09-06T12:47:10.593" v="2626" actId="20577"/>
         <pc:sldMkLst>
           <pc:docMk/>
           <pc:sldMk cId="1889908786" sldId="259"/>
         </pc:sldMkLst>
+        <pc:spChg chg="mod">
+          <ac:chgData name="Long B Nguyen" userId="f59fb8f3-a021-417a-8bc1-65c8d471c621" providerId="ADAL" clId="{1AE11430-C232-BB4B-AD26-649DB56977B5}" dt="2019-09-06T12:47:10.593" v="2626" actId="20577"/>
+          <ac:spMkLst>
+            <pc:docMk/>
+            <pc:sldMk cId="1889908786" sldId="259"/>
+            <ac:spMk id="9" creationId="{E3B2E017-30B2-884B-A113-B419A2ED51AD}"/>
+          </ac:spMkLst>
+        </pc:spChg>
       </pc:sldChg>
       <pc:sldChg chg="modAnim">
         <pc:chgData name="Long B Nguyen" userId="f59fb8f3-a021-417a-8bc1-65c8d471c621" providerId="ADAL" clId="{1AE11430-C232-BB4B-AD26-649DB56977B5}" dt="2019-09-06T12:01:13.835" v="1764"/>
@@ -733,13 +743,13 @@
         </pc:cxnChg>
       </pc:sldChg>
       <pc:sldChg chg="modSp add modAnim">
-        <pc:chgData name="Long B Nguyen" userId="f59fb8f3-a021-417a-8bc1-65c8d471c621" providerId="ADAL" clId="{1AE11430-C232-BB4B-AD26-649DB56977B5}" dt="2019-09-06T12:02:57.297" v="1778"/>
+        <pc:chgData name="Long B Nguyen" userId="f59fb8f3-a021-417a-8bc1-65c8d471c621" providerId="ADAL" clId="{1AE11430-C232-BB4B-AD26-649DB56977B5}" dt="2019-09-06T15:14:32.281" v="3525"/>
         <pc:sldMkLst>
           <pc:docMk/>
           <pc:sldMk cId="1822161854" sldId="299"/>
         </pc:sldMkLst>
         <pc:spChg chg="mod">
-          <ac:chgData name="Long B Nguyen" userId="f59fb8f3-a021-417a-8bc1-65c8d471c621" providerId="ADAL" clId="{1AE11430-C232-BB4B-AD26-649DB56977B5}" dt="2019-08-18T20:06:02.005" v="1477" actId="20577"/>
+          <ac:chgData name="Long B Nguyen" userId="f59fb8f3-a021-417a-8bc1-65c8d471c621" providerId="ADAL" clId="{1AE11430-C232-BB4B-AD26-649DB56977B5}" dt="2019-09-06T15:14:32.281" v="3525"/>
           <ac:spMkLst>
             <pc:docMk/>
             <pc:sldMk cId="1822161854" sldId="299"/>
@@ -748,7 +758,7 @@
         </pc:spChg>
       </pc:sldChg>
       <pc:sldChg chg="addSp modSp add modAnim">
-        <pc:chgData name="Long B Nguyen" userId="f59fb8f3-a021-417a-8bc1-65c8d471c621" providerId="ADAL" clId="{1AE11430-C232-BB4B-AD26-649DB56977B5}" dt="2019-09-06T12:20:55.424" v="2429"/>
+        <pc:chgData name="Long B Nguyen" userId="f59fb8f3-a021-417a-8bc1-65c8d471c621" providerId="ADAL" clId="{1AE11430-C232-BB4B-AD26-649DB56977B5}" dt="2019-09-06T13:03:18.321" v="3520"/>
         <pc:sldMkLst>
           <pc:docMk/>
           <pc:sldMk cId="3705756631" sldId="300"/>
@@ -852,6 +862,60 @@
           <ac:spMkLst>
             <pc:docMk/>
             <pc:sldMk cId="3618694306" sldId="301"/>
+            <ac:spMk id="9" creationId="{E3B2E017-30B2-884B-A113-B419A2ED51AD}"/>
+          </ac:spMkLst>
+        </pc:spChg>
+      </pc:sldChg>
+      <pc:sldChg chg="delSp modSp add delAnim modAnim">
+        <pc:chgData name="Long B Nguyen" userId="f59fb8f3-a021-417a-8bc1-65c8d471c621" providerId="ADAL" clId="{1AE11430-C232-BB4B-AD26-649DB56977B5}" dt="2019-09-06T12:53:05.244" v="3123" actId="20577"/>
+        <pc:sldMkLst>
+          <pc:docMk/>
+          <pc:sldMk cId="2064379448" sldId="302"/>
+        </pc:sldMkLst>
+        <pc:spChg chg="mod">
+          <ac:chgData name="Long B Nguyen" userId="f59fb8f3-a021-417a-8bc1-65c8d471c621" providerId="ADAL" clId="{1AE11430-C232-BB4B-AD26-649DB56977B5}" dt="2019-09-06T12:53:05.244" v="3123" actId="20577"/>
+          <ac:spMkLst>
+            <pc:docMk/>
+            <pc:sldMk cId="2064379448" sldId="302"/>
+            <ac:spMk id="2" creationId="{AA3A228F-61D0-D949-A5E7-F83756230BF8}"/>
+          </ac:spMkLst>
+        </pc:spChg>
+        <pc:spChg chg="del mod">
+          <ac:chgData name="Long B Nguyen" userId="f59fb8f3-a021-417a-8bc1-65c8d471c621" providerId="ADAL" clId="{1AE11430-C232-BB4B-AD26-649DB56977B5}" dt="2019-09-06T12:47:52.102" v="2634" actId="478"/>
+          <ac:spMkLst>
+            <pc:docMk/>
+            <pc:sldMk cId="2064379448" sldId="302"/>
+            <ac:spMk id="3" creationId="{4D0CDBB4-7D15-3740-9E57-F40B8D812406}"/>
+          </ac:spMkLst>
+        </pc:spChg>
+        <pc:spChg chg="mod">
+          <ac:chgData name="Long B Nguyen" userId="f59fb8f3-a021-417a-8bc1-65c8d471c621" providerId="ADAL" clId="{1AE11430-C232-BB4B-AD26-649DB56977B5}" dt="2019-09-06T12:52:52.071" v="3121" actId="20577"/>
+          <ac:spMkLst>
+            <pc:docMk/>
+            <pc:sldMk cId="2064379448" sldId="302"/>
+            <ac:spMk id="9" creationId="{E3B2E017-30B2-884B-A113-B419A2ED51AD}"/>
+          </ac:spMkLst>
+        </pc:spChg>
+      </pc:sldChg>
+      <pc:sldChg chg="modSp add">
+        <pc:chgData name="Long B Nguyen" userId="f59fb8f3-a021-417a-8bc1-65c8d471c621" providerId="ADAL" clId="{1AE11430-C232-BB4B-AD26-649DB56977B5}" dt="2019-09-06T12:55:48.378" v="3519" actId="20577"/>
+        <pc:sldMkLst>
+          <pc:docMk/>
+          <pc:sldMk cId="3993483693" sldId="303"/>
+        </pc:sldMkLst>
+        <pc:spChg chg="mod">
+          <ac:chgData name="Long B Nguyen" userId="f59fb8f3-a021-417a-8bc1-65c8d471c621" providerId="ADAL" clId="{1AE11430-C232-BB4B-AD26-649DB56977B5}" dt="2019-09-06T12:53:13.798" v="3126" actId="20577"/>
+          <ac:spMkLst>
+            <pc:docMk/>
+            <pc:sldMk cId="3993483693" sldId="303"/>
+            <ac:spMk id="2" creationId="{AA3A228F-61D0-D949-A5E7-F83756230BF8}"/>
+          </ac:spMkLst>
+        </pc:spChg>
+        <pc:spChg chg="mod">
+          <ac:chgData name="Long B Nguyen" userId="f59fb8f3-a021-417a-8bc1-65c8d471c621" providerId="ADAL" clId="{1AE11430-C232-BB4B-AD26-649DB56977B5}" dt="2019-09-06T12:55:48.378" v="3519" actId="20577"/>
+          <ac:spMkLst>
+            <pc:docMk/>
+            <pc:sldMk cId="3993483693" sldId="303"/>
             <ac:spMk id="9" creationId="{E3B2E017-30B2-884B-A113-B419A2ED51AD}"/>
           </ac:spMkLst>
         </pc:spChg>
@@ -5499,7 +5563,25 @@
                 </a:solidFill>
                 <a:latin typeface="Menlo" panose="020B0609030804020204" pitchFamily="49" charset="0"/>
               </a:rPr>
-              <a:t>", </a:t>
+              <a:t>",”</a:t>
+            </a:r>
+            <a:r>
+              <a:rPr lang="en-US" sz="1800" dirty="0">
+                <a:solidFill>
+                  <a:srgbClr val="000000"/>
+                </a:solidFill>
+                <a:latin typeface="Menlo" panose="020B0609030804020204" pitchFamily="49" charset="0"/>
+              </a:rPr>
+              <a:t>,</a:t>
+            </a:r>
+            <a:r>
+              <a:rPr lang="en-US" sz="1800" dirty="0">
+                <a:solidFill>
+                  <a:srgbClr val="A31515"/>
+                </a:solidFill>
+                <a:latin typeface="Menlo" panose="020B0609030804020204" pitchFamily="49" charset="0"/>
+              </a:rPr>
+              <a:t> </a:t>
             </a:r>
             <a:r>
               <a:rPr lang="en-US" sz="1800" dirty="0">
@@ -7755,33 +7837,6 @@
                                   </p:childTnLst>
                                 </p:cTn>
                               </p:par>
-                              <p:par>
-                                <p:cTn id="37" presetID="1" presetClass="entr" presetSubtype="0" fill="hold" nodeType="withEffect">
-                                  <p:stCondLst>
-                                    <p:cond delay="0"/>
-                                  </p:stCondLst>
-                                  <p:childTnLst>
-                                    <p:set>
-                                      <p:cBhvr>
-                                        <p:cTn id="38" dur="1" fill="hold">
-                                          <p:stCondLst>
-                                            <p:cond delay="0"/>
-                                          </p:stCondLst>
-                                        </p:cTn>
-                                        <p:tgtEl>
-                                          <p:spTgt spid="16"/>
-                                        </p:tgtEl>
-                                        <p:attrNameLst>
-                                          <p:attrName>style.visibility</p:attrName>
-                                        </p:attrNameLst>
-                                      </p:cBhvr>
-                                      <p:to>
-                                        <p:strVal val="visible"/>
-                                      </p:to>
-                                    </p:set>
-                                  </p:childTnLst>
-                                </p:cTn>
-                              </p:par>
                             </p:childTnLst>
                           </p:cTn>
                         </p:par>
@@ -12666,6 +12721,391 @@
           <a:p>
             <a:r>
               <a:rPr lang="en-US" dirty="0"/>
+              <a:t>Lab 1</a:t>
+            </a:r>
+          </a:p>
+        </p:txBody>
+      </p:sp>
+      <p:sp>
+        <p:nvSpPr>
+          <p:cNvPr id="9" name="Content Placeholder 8">
+            <a:extLst>
+              <a:ext uri="{FF2B5EF4-FFF2-40B4-BE49-F238E27FC236}">
+                <a16:creationId xmlns:a16="http://schemas.microsoft.com/office/drawing/2014/main" id="{E3B2E017-30B2-884B-A113-B419A2ED51AD}"/>
+              </a:ext>
+            </a:extLst>
+          </p:cNvPr>
+          <p:cNvSpPr>
+            <a:spLocks noGrp="1"/>
+          </p:cNvSpPr>
+          <p:nvPr>
+            <p:ph idx="1"/>
+          </p:nvPr>
+        </p:nvSpPr>
+        <p:spPr>
+          <a:xfrm>
+            <a:off x="483848" y="1150912"/>
+            <a:ext cx="8051725" cy="4564087"/>
+          </a:xfrm>
+        </p:spPr>
+        <p:txBody>
+          <a:bodyPr>
+            <a:noAutofit/>
+          </a:bodyPr>
+          <a:lstStyle/>
+          <a:p>
+            <a:pPr marL="0" indent="0">
+              <a:buNone/>
+            </a:pPr>
+            <a:r>
+              <a:rPr lang="en-US" dirty="0"/>
+              <a:t> Download and install Anaconda on your home computer. </a:t>
+            </a:r>
+          </a:p>
+          <a:p>
+            <a:pPr marL="0" indent="0">
+              <a:buNone/>
+            </a:pPr>
+            <a:r>
+              <a:rPr lang="en-US" dirty="0">
+                <a:hlinkClick r:id="rId2"/>
+              </a:rPr>
+              <a:t>https://www.anaconda.com/distribution/</a:t>
+            </a:r>
+            <a:endParaRPr lang="en-US" dirty="0"/>
+          </a:p>
+          <a:p>
+            <a:pPr marL="0" indent="0">
+              <a:buNone/>
+            </a:pPr>
+            <a:endParaRPr lang="en-US" dirty="0"/>
+          </a:p>
+          <a:p>
+            <a:pPr marL="0" indent="0">
+              <a:buNone/>
+            </a:pPr>
+            <a:r>
+              <a:rPr lang="en-US" dirty="0"/>
+              <a:t>On your computer. Open the </a:t>
+            </a:r>
+            <a:r>
+              <a:rPr lang="en-US" dirty="0" err="1"/>
+              <a:t>IPython</a:t>
+            </a:r>
+            <a:r>
+              <a:rPr lang="en-US" dirty="0"/>
+              <a:t> interpreter. Experiment with some of the concepts we learn:</a:t>
+            </a:r>
+          </a:p>
+          <a:p>
+            <a:pPr marL="0" indent="0">
+              <a:buNone/>
+            </a:pPr>
+            <a:endParaRPr lang="en-US" dirty="0"/>
+          </a:p>
+          <a:p>
+            <a:pPr marL="457200" indent="-457200">
+              <a:buAutoNum type="arabicParenR"/>
+            </a:pPr>
+            <a:r>
+              <a:rPr lang="en-US" dirty="0"/>
+              <a:t>Print some strings. Experiment with the “</a:t>
+            </a:r>
+            <a:r>
+              <a:rPr lang="en-US" dirty="0" err="1"/>
+              <a:t>sep</a:t>
+            </a:r>
+            <a:r>
+              <a:rPr lang="en-US" dirty="0"/>
+              <a:t>” and “end” parameters.</a:t>
+            </a:r>
+          </a:p>
+          <a:p>
+            <a:pPr marL="457200" indent="-457200">
+              <a:buAutoNum type="arabicParenR"/>
+            </a:pPr>
+            <a:r>
+              <a:rPr lang="en-US" dirty="0"/>
+              <a:t>Try division vs floor division with integers. </a:t>
+            </a:r>
+          </a:p>
+          <a:p>
+            <a:pPr marL="457200" indent="-457200">
+              <a:buAutoNum type="arabicParenR"/>
+            </a:pPr>
+            <a:r>
+              <a:rPr lang="en-US" dirty="0"/>
+              <a:t>Initialize some floating point variables in both standard decimal notation and in exponential notation.</a:t>
+            </a:r>
+          </a:p>
+          <a:p>
+            <a:pPr marL="457200" indent="-457200">
+              <a:buAutoNum type="arabicParenR"/>
+            </a:pPr>
+            <a:r>
+              <a:rPr lang="en-US" dirty="0"/>
+              <a:t>Experiment with the type() function. </a:t>
+            </a:r>
+          </a:p>
+          <a:p>
+            <a:pPr marL="457200" indent="-457200">
+              <a:buAutoNum type="arabicParenR"/>
+            </a:pPr>
+            <a:endParaRPr lang="en-US" dirty="0"/>
+          </a:p>
+          <a:p>
+            <a:pPr marL="457200" indent="-457200">
+              <a:buAutoNum type="arabicParenR"/>
+            </a:pPr>
+            <a:endParaRPr lang="en-US" dirty="0"/>
+          </a:p>
+          <a:p>
+            <a:pPr marL="457200" indent="-457200">
+              <a:buAutoNum type="arabicParenR"/>
+            </a:pPr>
+            <a:endParaRPr lang="en-US" dirty="0"/>
+          </a:p>
+        </p:txBody>
+      </p:sp>
+    </p:spTree>
+    <p:extLst>
+      <p:ext uri="{BB962C8B-B14F-4D97-AF65-F5344CB8AC3E}">
+        <p14:creationId xmlns:p14="http://schemas.microsoft.com/office/powerpoint/2010/main" val="2064379448"/>
+      </p:ext>
+    </p:extLst>
+  </p:cSld>
+  <p:clrMapOvr>
+    <a:masterClrMapping/>
+  </p:clrMapOvr>
+</p:sld>
+</file>
+
+<file path=ppt/slides/slide22.xml><?xml version="1.0" encoding="utf-8"?>
+<p:sld xmlns:a="http://schemas.openxmlformats.org/drawingml/2006/main" xmlns:r="http://schemas.openxmlformats.org/officeDocument/2006/relationships" xmlns:p="http://schemas.openxmlformats.org/presentationml/2006/main">
+  <p:cSld>
+    <p:spTree>
+      <p:nvGrpSpPr>
+        <p:cNvPr id="1" name=""/>
+        <p:cNvGrpSpPr/>
+        <p:nvPr/>
+      </p:nvGrpSpPr>
+      <p:grpSpPr>
+        <a:xfrm>
+          <a:off x="0" y="0"/>
+          <a:ext cx="0" cy="0"/>
+          <a:chOff x="0" y="0"/>
+          <a:chExt cx="0" cy="0"/>
+        </a:xfrm>
+      </p:grpSpPr>
+      <p:sp>
+        <p:nvSpPr>
+          <p:cNvPr id="2" name="Title 1">
+            <a:extLst>
+              <a:ext uri="{FF2B5EF4-FFF2-40B4-BE49-F238E27FC236}">
+                <a16:creationId xmlns:a16="http://schemas.microsoft.com/office/drawing/2014/main" id="{AA3A228F-61D0-D949-A5E7-F83756230BF8}"/>
+              </a:ext>
+            </a:extLst>
+          </p:cNvPr>
+          <p:cNvSpPr>
+            <a:spLocks noGrp="1"/>
+          </p:cNvSpPr>
+          <p:nvPr>
+            <p:ph type="title"/>
+          </p:nvPr>
+        </p:nvSpPr>
+        <p:spPr>
+          <a:xfrm>
+            <a:off x="483848" y="467027"/>
+            <a:ext cx="7053542" cy="683886"/>
+          </a:xfrm>
+        </p:spPr>
+        <p:txBody>
+          <a:bodyPr/>
+          <a:lstStyle/>
+          <a:p>
+            <a:r>
+              <a:rPr lang="en-US" dirty="0"/>
+              <a:t>Lab 2</a:t>
+            </a:r>
+          </a:p>
+        </p:txBody>
+      </p:sp>
+      <p:sp>
+        <p:nvSpPr>
+          <p:cNvPr id="9" name="Content Placeholder 8">
+            <a:extLst>
+              <a:ext uri="{FF2B5EF4-FFF2-40B4-BE49-F238E27FC236}">
+                <a16:creationId xmlns:a16="http://schemas.microsoft.com/office/drawing/2014/main" id="{E3B2E017-30B2-884B-A113-B419A2ED51AD}"/>
+              </a:ext>
+            </a:extLst>
+          </p:cNvPr>
+          <p:cNvSpPr>
+            <a:spLocks noGrp="1"/>
+          </p:cNvSpPr>
+          <p:nvPr>
+            <p:ph idx="1"/>
+          </p:nvPr>
+        </p:nvSpPr>
+        <p:spPr>
+          <a:xfrm>
+            <a:off x="483848" y="1150912"/>
+            <a:ext cx="8051725" cy="4564087"/>
+          </a:xfrm>
+        </p:spPr>
+        <p:txBody>
+          <a:bodyPr>
+            <a:noAutofit/>
+          </a:bodyPr>
+          <a:lstStyle/>
+          <a:p>
+            <a:pPr marL="0" indent="0">
+              <a:buNone/>
+            </a:pPr>
+            <a:endParaRPr lang="en-US" dirty="0"/>
+          </a:p>
+          <a:p>
+            <a:pPr marL="0" indent="0">
+              <a:buNone/>
+            </a:pPr>
+            <a:r>
+              <a:rPr lang="en-US" dirty="0"/>
+              <a:t>Create a new </a:t>
+            </a:r>
+            <a:r>
+              <a:rPr lang="en-US" dirty="0" err="1"/>
+              <a:t>repl</a:t>
+            </a:r>
+            <a:r>
+              <a:rPr lang="en-US" dirty="0"/>
+              <a:t> on </a:t>
+            </a:r>
+            <a:r>
+              <a:rPr lang="en-US" dirty="0" err="1"/>
+              <a:t>repl.it</a:t>
+            </a:r>
+            <a:r>
+              <a:rPr lang="en-US" dirty="0"/>
+              <a:t>.</a:t>
+            </a:r>
+          </a:p>
+          <a:p>
+            <a:pPr marL="0" indent="0">
+              <a:buNone/>
+            </a:pPr>
+            <a:endParaRPr lang="en-US" dirty="0"/>
+          </a:p>
+          <a:p>
+            <a:pPr marL="0" indent="0">
+              <a:buNone/>
+            </a:pPr>
+            <a:r>
+              <a:rPr lang="en-US" dirty="0"/>
+              <a:t>Repeat some of the things you did from Lab 1 in the script </a:t>
+            </a:r>
+            <a:r>
+              <a:rPr lang="en-US" dirty="0" err="1"/>
+              <a:t>main.py</a:t>
+            </a:r>
+            <a:r>
+              <a:rPr lang="en-US" dirty="0"/>
+              <a:t>.</a:t>
+            </a:r>
+          </a:p>
+          <a:p>
+            <a:pPr marL="0" indent="0">
+              <a:buNone/>
+            </a:pPr>
+            <a:endParaRPr lang="en-US" dirty="0"/>
+          </a:p>
+          <a:p>
+            <a:pPr marL="0" indent="0">
+              <a:buNone/>
+            </a:pPr>
+            <a:r>
+              <a:rPr lang="en-US" dirty="0"/>
+              <a:t>The </a:t>
+            </a:r>
+            <a:r>
+              <a:rPr lang="en-US" dirty="0" err="1"/>
+              <a:t>Ipython</a:t>
+            </a:r>
+            <a:r>
+              <a:rPr lang="en-US" dirty="0"/>
+              <a:t> interpreter runs your code and display the outputs. In your script, you won’t have this feature. Instead, use the print() function to print out the values of your variables. </a:t>
+            </a:r>
+          </a:p>
+          <a:p>
+            <a:pPr marL="0" indent="0">
+              <a:buNone/>
+            </a:pPr>
+            <a:endParaRPr lang="en-US" dirty="0"/>
+          </a:p>
+          <a:p>
+            <a:pPr marL="457200" indent="-457200">
+              <a:buAutoNum type="arabicParenR"/>
+            </a:pPr>
+            <a:endParaRPr lang="en-US" dirty="0"/>
+          </a:p>
+        </p:txBody>
+      </p:sp>
+    </p:spTree>
+    <p:extLst>
+      <p:ext uri="{BB962C8B-B14F-4D97-AF65-F5344CB8AC3E}">
+        <p14:creationId xmlns:p14="http://schemas.microsoft.com/office/powerpoint/2010/main" val="3993483693"/>
+      </p:ext>
+    </p:extLst>
+  </p:cSld>
+  <p:clrMapOvr>
+    <a:masterClrMapping/>
+  </p:clrMapOvr>
+</p:sld>
+</file>
+
+<file path=ppt/slides/slide23.xml><?xml version="1.0" encoding="utf-8"?>
+<p:sld xmlns:a="http://schemas.openxmlformats.org/drawingml/2006/main" xmlns:r="http://schemas.openxmlformats.org/officeDocument/2006/relationships" xmlns:p="http://schemas.openxmlformats.org/presentationml/2006/main">
+  <p:cSld>
+    <p:spTree>
+      <p:nvGrpSpPr>
+        <p:cNvPr id="1" name=""/>
+        <p:cNvGrpSpPr/>
+        <p:nvPr/>
+      </p:nvGrpSpPr>
+      <p:grpSpPr>
+        <a:xfrm>
+          <a:off x="0" y="0"/>
+          <a:ext cx="0" cy="0"/>
+          <a:chOff x="0" y="0"/>
+          <a:chExt cx="0" cy="0"/>
+        </a:xfrm>
+      </p:grpSpPr>
+      <p:sp>
+        <p:nvSpPr>
+          <p:cNvPr id="2" name="Title 1">
+            <a:extLst>
+              <a:ext uri="{FF2B5EF4-FFF2-40B4-BE49-F238E27FC236}">
+                <a16:creationId xmlns:a16="http://schemas.microsoft.com/office/drawing/2014/main" id="{AA3A228F-61D0-D949-A5E7-F83756230BF8}"/>
+              </a:ext>
+            </a:extLst>
+          </p:cNvPr>
+          <p:cNvSpPr>
+            <a:spLocks noGrp="1"/>
+          </p:cNvSpPr>
+          <p:nvPr>
+            <p:ph type="title"/>
+          </p:nvPr>
+        </p:nvSpPr>
+        <p:spPr>
+          <a:xfrm>
+            <a:off x="483848" y="467027"/>
+            <a:ext cx="7053542" cy="683886"/>
+          </a:xfrm>
+        </p:spPr>
+        <p:txBody>
+          <a:bodyPr/>
+          <a:lstStyle/>
+          <a:p>
+            <a:r>
+              <a:rPr lang="en-US" dirty="0"/>
               <a:t>References</a:t>
             </a:r>
           </a:p>
@@ -13733,18 +14173,19 @@
               <a:rPr lang="en-US" dirty="0">
                 <a:latin typeface="Gill Sans MT" panose="020B0502020104020203" pitchFamily="34" charset="77"/>
               </a:rPr>
-              <a:t> interpreter. </a:t>
-            </a:r>
-          </a:p>
-          <a:p>
-            <a:pPr marL="0" indent="0">
-              <a:buNone/>
-            </a:pPr>
+              <a:t> interpreter.  Type “</a:t>
+            </a:r>
+            <a:r>
+              <a:rPr lang="en-US" dirty="0" err="1">
+                <a:latin typeface="Gill Sans MT" panose="020B0502020104020203" pitchFamily="34" charset="77"/>
+              </a:rPr>
+              <a:t>ipython</a:t>
+            </a:r>
             <a:r>
               <a:rPr lang="en-US" dirty="0">
                 <a:latin typeface="Gill Sans MT" panose="020B0502020104020203" pitchFamily="34" charset="77"/>
               </a:rPr>
-              <a:t>Type “</a:t>
+              <a:t>” on your terminal(Mac). For windows, bundled with Anaconda is a set of programs. Open the “Anaconda Prompt” program. Then type “</a:t>
             </a:r>
             <a:r>
               <a:rPr lang="en-US" dirty="0" err="1">
@@ -13756,7 +14197,7 @@
               <a:rPr lang="en-US" dirty="0">
                 <a:latin typeface="Gill Sans MT" panose="020B0502020104020203" pitchFamily="34" charset="77"/>
               </a:rPr>
-              <a:t>” on your terminal(Mac) or command prompt(Windows).</a:t>
+              <a:t>”.</a:t>
             </a:r>
           </a:p>
           <a:p>
@@ -13884,37 +14325,6 @@
                                   </p:childTnLst>
                                 </p:cTn>
                               </p:par>
-                              <p:par>
-                                <p:cTn id="7" presetID="1" presetClass="entr" presetSubtype="0" fill="hold" nodeType="withEffect">
-                                  <p:stCondLst>
-                                    <p:cond delay="0"/>
-                                  </p:stCondLst>
-                                  <p:childTnLst>
-                                    <p:set>
-                                      <p:cBhvr>
-                                        <p:cTn id="8" dur="1" fill="hold">
-                                          <p:stCondLst>
-                                            <p:cond delay="0"/>
-                                          </p:stCondLst>
-                                        </p:cTn>
-                                        <p:tgtEl>
-                                          <p:spTgt spid="9">
-                                            <p:txEl>
-                                              <p:pRg st="3" end="3"/>
-                                            </p:txEl>
-                                          </p:spTgt>
-                                        </p:tgtEl>
-                                        <p:attrNameLst>
-                                          <p:attrName>style.visibility</p:attrName>
-                                        </p:attrNameLst>
-                                      </p:cBhvr>
-                                      <p:to>
-                                        <p:strVal val="visible"/>
-                                      </p:to>
-                                    </p:set>
-                                  </p:childTnLst>
-                                </p:cTn>
-                              </p:par>
                             </p:childTnLst>
                           </p:cTn>
                         </p:par>
@@ -13922,26 +14332,26 @@
                     </p:cTn>
                   </p:par>
                   <p:par>
-                    <p:cTn id="9" fill="hold">
+                    <p:cTn id="7" fill="hold">
                       <p:stCondLst>
                         <p:cond delay="indefinite"/>
                       </p:stCondLst>
                       <p:childTnLst>
                         <p:par>
-                          <p:cTn id="10" fill="hold">
+                          <p:cTn id="8" fill="hold">
                             <p:stCondLst>
                               <p:cond delay="0"/>
                             </p:stCondLst>
                             <p:childTnLst>
                               <p:par>
-                                <p:cTn id="11" presetID="1" presetClass="entr" presetSubtype="0" fill="hold" nodeType="clickEffect">
+                                <p:cTn id="9" presetID="1" presetClass="entr" presetSubtype="0" fill="hold" nodeType="clickEffect">
                                   <p:stCondLst>
                                     <p:cond delay="0"/>
                                   </p:stCondLst>
                                   <p:childTnLst>
                                     <p:set>
                                       <p:cBhvr>
-                                        <p:cTn id="12" dur="1" fill="hold">
+                                        <p:cTn id="10" dur="1" fill="hold">
                                           <p:stCondLst>
                                             <p:cond delay="0"/>
                                           </p:stCondLst>

--- a/courses/apcsp/lect1.pptx
+++ b/courses/apcsp/lect1.pptx
@@ -137,7 +137,7 @@
 <file path=ppt/revisionInfo.xml><?xml version="1.0" encoding="utf-8"?>
 <p1510:revInfo xmlns:a="http://schemas.openxmlformats.org/drawingml/2006/main" xmlns:r="http://schemas.openxmlformats.org/officeDocument/2006/relationships" xmlns:p1510="http://schemas.microsoft.com/office/powerpoint/2015/10/main">
   <p1510:revLst>
-    <p1510:client id="{1AE11430-C232-BB4B-AD26-649DB56977B5}" v="1340" dt="2019-09-06T15:14:32.281"/>
+    <p1510:client id="{1AE11430-C232-BB4B-AD26-649DB56977B5}" v="1341" dt="2019-09-06T17:29:53.284"/>
   </p1510:revLst>
 </p1510:revInfo>
 </file>
@@ -419,7 +419,7 @@
   <pc:docChgLst>
     <pc:chgData name="Long B Nguyen" userId="f59fb8f3-a021-417a-8bc1-65c8d471c621" providerId="ADAL" clId="{1AE11430-C232-BB4B-AD26-649DB56977B5}"/>
     <pc:docChg chg="undo custSel addSld delSld modSld">
-      <pc:chgData name="Long B Nguyen" userId="f59fb8f3-a021-417a-8bc1-65c8d471c621" providerId="ADAL" clId="{1AE11430-C232-BB4B-AD26-649DB56977B5}" dt="2019-09-06T15:14:32.281" v="3525"/>
+      <pc:chgData name="Long B Nguyen" userId="f59fb8f3-a021-417a-8bc1-65c8d471c621" providerId="ADAL" clId="{1AE11430-C232-BB4B-AD26-649DB56977B5}" dt="2019-09-06T17:29:53.284" v="3526" actId="20577"/>
       <pc:docMkLst>
         <pc:docMk/>
       </pc:docMkLst>
@@ -743,13 +743,13 @@
         </pc:cxnChg>
       </pc:sldChg>
       <pc:sldChg chg="modSp add modAnim">
-        <pc:chgData name="Long B Nguyen" userId="f59fb8f3-a021-417a-8bc1-65c8d471c621" providerId="ADAL" clId="{1AE11430-C232-BB4B-AD26-649DB56977B5}" dt="2019-09-06T15:14:32.281" v="3525"/>
+        <pc:chgData name="Long B Nguyen" userId="f59fb8f3-a021-417a-8bc1-65c8d471c621" providerId="ADAL" clId="{1AE11430-C232-BB4B-AD26-649DB56977B5}" dt="2019-09-06T17:29:53.284" v="3526" actId="20577"/>
         <pc:sldMkLst>
           <pc:docMk/>
           <pc:sldMk cId="1822161854" sldId="299"/>
         </pc:sldMkLst>
         <pc:spChg chg="mod">
-          <ac:chgData name="Long B Nguyen" userId="f59fb8f3-a021-417a-8bc1-65c8d471c621" providerId="ADAL" clId="{1AE11430-C232-BB4B-AD26-649DB56977B5}" dt="2019-09-06T15:14:32.281" v="3525"/>
+          <ac:chgData name="Long B Nguyen" userId="f59fb8f3-a021-417a-8bc1-65c8d471c621" providerId="ADAL" clId="{1AE11430-C232-BB4B-AD26-649DB56977B5}" dt="2019-09-06T17:29:53.284" v="3526" actId="20577"/>
           <ac:spMkLst>
             <pc:docMk/>
             <pc:sldMk cId="1822161854" sldId="299"/>
@@ -5548,7 +5548,7 @@
               <a:t>sep</a:t>
             </a:r>
             <a:r>
-              <a:rPr lang="en-US" sz="1800" dirty="0">
+              <a:rPr lang="en-US" sz="1800">
                 <a:solidFill>
                   <a:srgbClr val="000000"/>
                 </a:solidFill>
@@ -5557,16 +5557,16 @@
               <a:t>=</a:t>
             </a:r>
             <a:r>
-              <a:rPr lang="en-US" sz="1800" dirty="0">
+              <a:rPr lang="en-US" sz="1800">
                 <a:solidFill>
                   <a:srgbClr val="A31515"/>
                 </a:solidFill>
                 <a:latin typeface="Menlo" panose="020B0609030804020204" pitchFamily="49" charset="0"/>
               </a:rPr>
-              <a:t>",”</a:t>
-            </a:r>
-            <a:r>
-              <a:rPr lang="en-US" sz="1800" dirty="0">
+              <a:t>", ”</a:t>
+            </a:r>
+            <a:r>
+              <a:rPr lang="en-US" sz="1800">
                 <a:solidFill>
                   <a:srgbClr val="000000"/>
                 </a:solidFill>
@@ -5575,7 +5575,7 @@
               <a:t>,</a:t>
             </a:r>
             <a:r>
-              <a:rPr lang="en-US" sz="1800" dirty="0">
+              <a:rPr lang="en-US" sz="1800">
                 <a:solidFill>
                   <a:srgbClr val="A31515"/>
                 </a:solidFill>

--- a/courses/apcsp/lect1.pptx
+++ b/courses/apcsp/lect1.pptx
@@ -25,9 +25,10 @@
     <p:sldId id="271" r:id="rId19"/>
     <p:sldId id="272" r:id="rId20"/>
     <p:sldId id="293" r:id="rId21"/>
-    <p:sldId id="302" r:id="rId22"/>
-    <p:sldId id="303" r:id="rId23"/>
-    <p:sldId id="284" r:id="rId24"/>
+    <p:sldId id="281" r:id="rId22"/>
+    <p:sldId id="302" r:id="rId23"/>
+    <p:sldId id="303" r:id="rId24"/>
+    <p:sldId id="284" r:id="rId25"/>
   </p:sldIdLst>
   <p:sldSz cx="9144000" cy="5715000" type="screen16x10"/>
   <p:notesSz cx="6858000" cy="9144000"/>
@@ -137,7 +138,7 @@
 <file path=ppt/revisionInfo.xml><?xml version="1.0" encoding="utf-8"?>
 <p1510:revInfo xmlns:a="http://schemas.openxmlformats.org/drawingml/2006/main" xmlns:r="http://schemas.openxmlformats.org/officeDocument/2006/relationships" xmlns:p1510="http://schemas.microsoft.com/office/powerpoint/2015/10/main">
   <p1510:revLst>
-    <p1510:client id="{1AE11430-C232-BB4B-AD26-649DB56977B5}" v="1341" dt="2019-09-06T17:29:53.284"/>
+    <p1510:client id="{1AE11430-C232-BB4B-AD26-649DB56977B5}" v="1352" dt="2019-09-07T18:03:39.454"/>
   </p1510:revLst>
 </p1510:revInfo>
 </file>
@@ -419,18 +420,18 @@
   <pc:docChgLst>
     <pc:chgData name="Long B Nguyen" userId="f59fb8f3-a021-417a-8bc1-65c8d471c621" providerId="ADAL" clId="{1AE11430-C232-BB4B-AD26-649DB56977B5}"/>
     <pc:docChg chg="undo custSel addSld delSld modSld">
-      <pc:chgData name="Long B Nguyen" userId="f59fb8f3-a021-417a-8bc1-65c8d471c621" providerId="ADAL" clId="{1AE11430-C232-BB4B-AD26-649DB56977B5}" dt="2019-09-06T17:29:53.284" v="3526" actId="20577"/>
+      <pc:chgData name="Long B Nguyen" userId="f59fb8f3-a021-417a-8bc1-65c8d471c621" providerId="ADAL" clId="{1AE11430-C232-BB4B-AD26-649DB56977B5}" dt="2019-09-08T00:54:16.876" v="3685" actId="20577"/>
       <pc:docMkLst>
         <pc:docMk/>
       </pc:docMkLst>
       <pc:sldChg chg="modSp modAnim">
-        <pc:chgData name="Long B Nguyen" userId="f59fb8f3-a021-417a-8bc1-65c8d471c621" providerId="ADAL" clId="{1AE11430-C232-BB4B-AD26-649DB56977B5}" dt="2019-09-06T12:15:42.472" v="2263" actId="20577"/>
+        <pc:chgData name="Long B Nguyen" userId="f59fb8f3-a021-417a-8bc1-65c8d471c621" providerId="ADAL" clId="{1AE11430-C232-BB4B-AD26-649DB56977B5}" dt="2019-09-07T18:02:27.916" v="3554" actId="20577"/>
         <pc:sldMkLst>
           <pc:docMk/>
           <pc:sldMk cId="2207246265" sldId="257"/>
         </pc:sldMkLst>
         <pc:spChg chg="mod">
-          <ac:chgData name="Long B Nguyen" userId="f59fb8f3-a021-417a-8bc1-65c8d471c621" providerId="ADAL" clId="{1AE11430-C232-BB4B-AD26-649DB56977B5}" dt="2019-09-06T12:15:42.472" v="2263" actId="20577"/>
+          <ac:chgData name="Long B Nguyen" userId="f59fb8f3-a021-417a-8bc1-65c8d471c621" providerId="ADAL" clId="{1AE11430-C232-BB4B-AD26-649DB56977B5}" dt="2019-09-07T18:02:27.916" v="3554" actId="20577"/>
           <ac:spMkLst>
             <pc:docMk/>
             <pc:sldMk cId="2207246265" sldId="257"/>
@@ -564,6 +565,29 @@
           <pc:sldMk cId="587435069" sldId="272"/>
         </pc:sldMkLst>
       </pc:sldChg>
+      <pc:sldChg chg="addSp modSp add">
+        <pc:chgData name="Long B Nguyen" userId="f59fb8f3-a021-417a-8bc1-65c8d471c621" providerId="ADAL" clId="{1AE11430-C232-BB4B-AD26-649DB56977B5}" dt="2019-09-08T00:53:48.725" v="3683" actId="20577"/>
+        <pc:sldMkLst>
+          <pc:docMk/>
+          <pc:sldMk cId="2119170476" sldId="281"/>
+        </pc:sldMkLst>
+        <pc:spChg chg="mod">
+          <ac:chgData name="Long B Nguyen" userId="f59fb8f3-a021-417a-8bc1-65c8d471c621" providerId="ADAL" clId="{1AE11430-C232-BB4B-AD26-649DB56977B5}" dt="2019-09-07T18:06:17.812" v="3666" actId="20577"/>
+          <ac:spMkLst>
+            <pc:docMk/>
+            <pc:sldMk cId="2119170476" sldId="281"/>
+            <ac:spMk id="3" creationId="{899F54E7-5FE4-EF45-9CE3-B2C76F14DE7B}"/>
+          </ac:spMkLst>
+        </pc:spChg>
+        <pc:spChg chg="add mod">
+          <ac:chgData name="Long B Nguyen" userId="f59fb8f3-a021-417a-8bc1-65c8d471c621" providerId="ADAL" clId="{1AE11430-C232-BB4B-AD26-649DB56977B5}" dt="2019-09-08T00:53:48.725" v="3683" actId="20577"/>
+          <ac:spMkLst>
+            <pc:docMk/>
+            <pc:sldMk cId="2119170476" sldId="281"/>
+            <ac:spMk id="5" creationId="{A837F494-BE4D-5645-A5EE-61E70636208A}"/>
+          </ac:spMkLst>
+        </pc:spChg>
+      </pc:sldChg>
       <pc:sldChg chg="modSp">
         <pc:chgData name="Long B Nguyen" userId="f59fb8f3-a021-417a-8bc1-65c8d471c621" providerId="ADAL" clId="{1AE11430-C232-BB4B-AD26-649DB56977B5}" dt="2019-08-17T12:29:37.843" v="139" actId="20577"/>
         <pc:sldMkLst>
@@ -587,13 +611,13 @@
         </pc:sldMkLst>
       </pc:sldChg>
       <pc:sldChg chg="modSp">
-        <pc:chgData name="Long B Nguyen" userId="f59fb8f3-a021-417a-8bc1-65c8d471c621" providerId="ADAL" clId="{1AE11430-C232-BB4B-AD26-649DB56977B5}" dt="2019-08-25T11:28:10.897" v="1749" actId="20577"/>
+        <pc:chgData name="Long B Nguyen" userId="f59fb8f3-a021-417a-8bc1-65c8d471c621" providerId="ADAL" clId="{1AE11430-C232-BB4B-AD26-649DB56977B5}" dt="2019-09-07T18:02:21.123" v="3545" actId="14100"/>
         <pc:sldMkLst>
           <pc:docMk/>
           <pc:sldMk cId="3974060782" sldId="289"/>
         </pc:sldMkLst>
         <pc:spChg chg="mod">
-          <ac:chgData name="Long B Nguyen" userId="f59fb8f3-a021-417a-8bc1-65c8d471c621" providerId="ADAL" clId="{1AE11430-C232-BB4B-AD26-649DB56977B5}" dt="2019-08-25T11:28:10.897" v="1749" actId="20577"/>
+          <ac:chgData name="Long B Nguyen" userId="f59fb8f3-a021-417a-8bc1-65c8d471c621" providerId="ADAL" clId="{1AE11430-C232-BB4B-AD26-649DB56977B5}" dt="2019-09-07T18:02:21.123" v="3545" actId="14100"/>
           <ac:spMkLst>
             <pc:docMk/>
             <pc:sldMk cId="3974060782" sldId="289"/>
@@ -836,21 +860,6 @@
           </ac:cxnSpMkLst>
         </pc:cxnChg>
       </pc:sldChg>
-      <pc:sldChg chg="modSp add del modAnim">
-        <pc:chgData name="Long B Nguyen" userId="f59fb8f3-a021-417a-8bc1-65c8d471c621" providerId="ADAL" clId="{1AE11430-C232-BB4B-AD26-649DB56977B5}" dt="2019-09-06T12:08:38.674" v="1800" actId="2696"/>
-        <pc:sldMkLst>
-          <pc:docMk/>
-          <pc:sldMk cId="2966313050" sldId="301"/>
-        </pc:sldMkLst>
-        <pc:spChg chg="mod">
-          <ac:chgData name="Long B Nguyen" userId="f59fb8f3-a021-417a-8bc1-65c8d471c621" providerId="ADAL" clId="{1AE11430-C232-BB4B-AD26-649DB56977B5}" dt="2019-09-06T12:08:23.461" v="1799" actId="20577"/>
-          <ac:spMkLst>
-            <pc:docMk/>
-            <pc:sldMk cId="2966313050" sldId="301"/>
-            <ac:spMk id="9" creationId="{E3B2E017-30B2-884B-A113-B419A2ED51AD}"/>
-          </ac:spMkLst>
-        </pc:spChg>
-      </pc:sldChg>
       <pc:sldChg chg="modSp add modAnim">
         <pc:chgData name="Long B Nguyen" userId="f59fb8f3-a021-417a-8bc1-65c8d471c621" providerId="ADAL" clId="{1AE11430-C232-BB4B-AD26-649DB56977B5}" dt="2019-09-06T12:12:03.011" v="2205"/>
         <pc:sldMkLst>
@@ -898,7 +907,7 @@
         </pc:spChg>
       </pc:sldChg>
       <pc:sldChg chg="modSp add">
-        <pc:chgData name="Long B Nguyen" userId="f59fb8f3-a021-417a-8bc1-65c8d471c621" providerId="ADAL" clId="{1AE11430-C232-BB4B-AD26-649DB56977B5}" dt="2019-09-06T12:55:48.378" v="3519" actId="20577"/>
+        <pc:chgData name="Long B Nguyen" userId="f59fb8f3-a021-417a-8bc1-65c8d471c621" providerId="ADAL" clId="{1AE11430-C232-BB4B-AD26-649DB56977B5}" dt="2019-09-08T00:54:16.876" v="3685" actId="20577"/>
         <pc:sldMkLst>
           <pc:docMk/>
           <pc:sldMk cId="3993483693" sldId="303"/>
@@ -912,7 +921,7 @@
           </ac:spMkLst>
         </pc:spChg>
         <pc:spChg chg="mod">
-          <ac:chgData name="Long B Nguyen" userId="f59fb8f3-a021-417a-8bc1-65c8d471c621" providerId="ADAL" clId="{1AE11430-C232-BB4B-AD26-649DB56977B5}" dt="2019-09-06T12:55:48.378" v="3519" actId="20577"/>
+          <ac:chgData name="Long B Nguyen" userId="f59fb8f3-a021-417a-8bc1-65c8d471c621" providerId="ADAL" clId="{1AE11430-C232-BB4B-AD26-649DB56977B5}" dt="2019-09-08T00:54:16.876" v="3685" actId="20577"/>
           <ac:spMkLst>
             <pc:docMk/>
             <pc:sldMk cId="3993483693" sldId="303"/>
@@ -1056,7 +1065,7 @@
           <a:p>
             <a:fld id="{4AAD347D-5ACD-4C99-B74B-A9C85AD731AF}" type="datetimeFigureOut">
               <a:rPr lang="en-US" smtClean="0"/>
-              <a:t>9/6/19</a:t>
+              <a:t>9/7/19</a:t>
             </a:fld>
             <a:endParaRPr lang="en-US" dirty="0"/>
           </a:p>
@@ -1226,7 +1235,7 @@
           <a:p>
             <a:fld id="{4509A250-FF31-4206-8172-F9D3106AACB1}" type="datetimeFigureOut">
               <a:rPr lang="en-US" smtClean="0"/>
-              <a:t>9/6/19</a:t>
+              <a:t>9/7/19</a:t>
             </a:fld>
             <a:endParaRPr lang="en-US" dirty="0"/>
           </a:p>
@@ -1406,7 +1415,7 @@
           <a:p>
             <a:fld id="{4509A250-FF31-4206-8172-F9D3106AACB1}" type="datetimeFigureOut">
               <a:rPr lang="en-US" smtClean="0"/>
-              <a:t>9/6/19</a:t>
+              <a:t>9/7/19</a:t>
             </a:fld>
             <a:endParaRPr lang="en-US" dirty="0"/>
           </a:p>
@@ -1576,7 +1585,7 @@
           <a:p>
             <a:fld id="{4509A250-FF31-4206-8172-F9D3106AACB1}" type="datetimeFigureOut">
               <a:rPr lang="en-US" smtClean="0"/>
-              <a:t>9/6/19</a:t>
+              <a:t>9/7/19</a:t>
             </a:fld>
             <a:endParaRPr lang="en-US" dirty="0"/>
           </a:p>
@@ -1822,7 +1831,7 @@
           <a:p>
             <a:fld id="{9796027F-7875-4030-9381-8BD8C4F21935}" type="datetimeFigureOut">
               <a:rPr lang="en-US" smtClean="0"/>
-              <a:t>9/6/19</a:t>
+              <a:t>9/7/19</a:t>
             </a:fld>
             <a:endParaRPr lang="en-US" dirty="0"/>
           </a:p>
@@ -2054,7 +2063,7 @@
           <a:p>
             <a:fld id="{9796027F-7875-4030-9381-8BD8C4F21935}" type="datetimeFigureOut">
               <a:rPr lang="en-US" smtClean="0"/>
-              <a:t>9/6/19</a:t>
+              <a:t>9/7/19</a:t>
             </a:fld>
             <a:endParaRPr lang="en-US" dirty="0"/>
           </a:p>
@@ -2421,7 +2430,7 @@
           <a:p>
             <a:fld id="{9796027F-7875-4030-9381-8BD8C4F21935}" type="datetimeFigureOut">
               <a:rPr lang="en-US" smtClean="0"/>
-              <a:t>9/6/19</a:t>
+              <a:t>9/7/19</a:t>
             </a:fld>
             <a:endParaRPr lang="en-US" dirty="0"/>
           </a:p>
@@ -2539,7 +2548,7 @@
           <a:p>
             <a:fld id="{4509A250-FF31-4206-8172-F9D3106AACB1}" type="datetimeFigureOut">
               <a:rPr lang="en-US" smtClean="0"/>
-              <a:t>9/6/19</a:t>
+              <a:t>9/7/19</a:t>
             </a:fld>
             <a:endParaRPr lang="en-US" dirty="0"/>
           </a:p>
@@ -2634,7 +2643,7 @@
           <a:p>
             <a:fld id="{4509A250-FF31-4206-8172-F9D3106AACB1}" type="datetimeFigureOut">
               <a:rPr lang="en-US" smtClean="0"/>
-              <a:t>9/6/19</a:t>
+              <a:t>9/7/19</a:t>
             </a:fld>
             <a:endParaRPr lang="en-US" dirty="0"/>
           </a:p>
@@ -2911,7 +2920,7 @@
           <a:p>
             <a:fld id="{4509A250-FF31-4206-8172-F9D3106AACB1}" type="datetimeFigureOut">
               <a:rPr lang="en-US" smtClean="0"/>
-              <a:t>9/6/19</a:t>
+              <a:t>9/7/19</a:t>
             </a:fld>
             <a:endParaRPr lang="en-US" dirty="0"/>
           </a:p>
@@ -3168,7 +3177,7 @@
           <a:p>
             <a:fld id="{4509A250-FF31-4206-8172-F9D3106AACB1}" type="datetimeFigureOut">
               <a:rPr lang="en-US" smtClean="0"/>
-              <a:t>9/6/19</a:t>
+              <a:t>9/7/19</a:t>
             </a:fld>
             <a:endParaRPr lang="en-US" dirty="0"/>
           </a:p>
@@ -3381,7 +3390,7 @@
           <a:p>
             <a:fld id="{4AAD347D-5ACD-4C99-B74B-A9C85AD731AF}" type="datetimeFigureOut">
               <a:rPr lang="en-US" smtClean="0"/>
-              <a:t>9/6/19</a:t>
+              <a:t>9/7/19</a:t>
             </a:fld>
             <a:endParaRPr lang="en-US" dirty="0"/>
           </a:p>
@@ -3840,7 +3849,7 @@
         <p:spPr>
           <a:xfrm>
             <a:off x="1849821" y="2550187"/>
-            <a:ext cx="5055475" cy="1277135"/>
+            <a:ext cx="5834089" cy="1277135"/>
           </a:xfrm>
         </p:spPr>
         <p:txBody>
@@ -3851,16 +3860,15 @@
           <a:p>
             <a:pPr algn="l"/>
             <a:r>
-              <a:rPr lang="en-US" sz="2400" b="1"/>
+              <a:rPr lang="en-US" sz="2400" b="1" dirty="0"/>
               <a:t>Basic Syntax </a:t>
             </a:r>
-            <a:endParaRPr lang="en-US" sz="2400" b="1" dirty="0"/>
           </a:p>
           <a:p>
             <a:pPr algn="l"/>
             <a:r>
               <a:rPr lang="en-US" sz="2400" b="1" dirty="0"/>
-              <a:t>Datatypes I: Integers and Floats</a:t>
+              <a:t>Datatypes I: Integers, Floats, Booleans</a:t>
             </a:r>
           </a:p>
         </p:txBody>
@@ -11534,6 +11542,18 @@
               <a:buFont typeface="+mj-lt"/>
               <a:buAutoNum type="alphaLcParenR"/>
             </a:pPr>
+            <a:r>
+              <a:rPr lang="en-US" dirty="0">
+                <a:latin typeface="Gill Sans MT" panose="020B0502020104020203" pitchFamily="34" charset="77"/>
+              </a:rPr>
+              <a:t>Booleans</a:t>
+            </a:r>
+          </a:p>
+          <a:p>
+            <a:pPr marL="800100" lvl="1" indent="-457200">
+              <a:buFont typeface="+mj-lt"/>
+              <a:buAutoNum type="alphaLcParenR"/>
+            </a:pPr>
             <a:endParaRPr lang="en-US" dirty="0">
               <a:latin typeface="Gill Sans MT" panose="020B0502020104020203" pitchFamily="34" charset="77"/>
             </a:endParaRPr>
@@ -11796,6 +11816,37 @@
                                           <p:spTgt spid="9">
                                             <p:txEl>
                                               <p:pRg st="7" end="7"/>
+                                            </p:txEl>
+                                          </p:spTgt>
+                                        </p:tgtEl>
+                                        <p:attrNameLst>
+                                          <p:attrName>style.visibility</p:attrName>
+                                        </p:attrNameLst>
+                                      </p:cBhvr>
+                                      <p:to>
+                                        <p:strVal val="visible"/>
+                                      </p:to>
+                                    </p:set>
+                                  </p:childTnLst>
+                                </p:cTn>
+                              </p:par>
+                              <p:par>
+                                <p:cTn id="19" presetID="1" presetClass="entr" presetSubtype="0" fill="hold" nodeType="withEffect">
+                                  <p:stCondLst>
+                                    <p:cond delay="0"/>
+                                  </p:stCondLst>
+                                  <p:childTnLst>
+                                    <p:set>
+                                      <p:cBhvr>
+                                        <p:cTn id="20" dur="1" fill="hold">
+                                          <p:stCondLst>
+                                            <p:cond delay="0"/>
+                                          </p:stCondLst>
+                                        </p:cTn>
+                                        <p:tgtEl>
+                                          <p:spTgt spid="9">
+                                            <p:txEl>
+                                              <p:pRg st="8" end="8"/>
                                             </p:txEl>
                                           </p:spTgt>
                                         </p:tgtEl>
@@ -12721,7 +12772,7 @@
           <a:p>
             <a:r>
               <a:rPr lang="en-US" dirty="0"/>
-              <a:t>Lab 1</a:t>
+              <a:t>Boolean Type</a:t>
             </a:r>
           </a:p>
         </p:txBody>
@@ -12744,8 +12795,8 @@
         </p:nvSpPr>
         <p:spPr>
           <a:xfrm>
-            <a:off x="483848" y="1150912"/>
-            <a:ext cx="8051725" cy="4564087"/>
+            <a:off x="483848" y="1150913"/>
+            <a:ext cx="8051725" cy="4440590"/>
           </a:xfrm>
         </p:spPr>
         <p:txBody>
@@ -12759,118 +12810,356 @@
             </a:pPr>
             <a:r>
               <a:rPr lang="en-US" dirty="0"/>
-              <a:t> Download and install Anaconda on your home computer. </a:t>
-            </a:r>
-          </a:p>
-          <a:p>
-            <a:pPr marL="0" indent="0">
-              <a:buNone/>
-            </a:pPr>
-            <a:r>
-              <a:rPr lang="en-US" dirty="0">
-                <a:hlinkClick r:id="rId2"/>
-              </a:rPr>
-              <a:t>https://www.anaconda.com/distribution/</a:t>
-            </a:r>
+              <a:t>The Boolean type is a simple type with two possible values: True and False.</a:t>
+            </a:r>
+          </a:p>
+          <a:p>
+            <a:pPr marL="0" indent="0">
+              <a:buNone/>
+            </a:pPr>
+            <a:r>
+              <a:rPr lang="en-US" dirty="0"/>
+              <a:t>Boolean values are case-sensitive: unlike some other languages, True and False must be capitalized! </a:t>
+            </a:r>
+          </a:p>
+          <a:p>
+            <a:pPr marL="0" indent="0">
+              <a:buNone/>
+            </a:pPr>
             <a:endParaRPr lang="en-US" dirty="0"/>
           </a:p>
           <a:p>
             <a:pPr marL="0" indent="0">
               <a:buNone/>
             </a:pPr>
+            <a:r>
+              <a:rPr lang="en-US" dirty="0"/>
+              <a:t>Comparison operators return </a:t>
+            </a:r>
+          </a:p>
+          <a:p>
+            <a:pPr marL="0" indent="0">
+              <a:buNone/>
+            </a:pPr>
+            <a:r>
+              <a:rPr lang="en-US" dirty="0"/>
+              <a:t>True or False values. </a:t>
+            </a:r>
+          </a:p>
+          <a:p>
+            <a:pPr marL="0" indent="0">
+              <a:buNone/>
+            </a:pPr>
             <a:endParaRPr lang="en-US" dirty="0"/>
           </a:p>
           <a:p>
             <a:pPr marL="0" indent="0">
               <a:buNone/>
             </a:pPr>
-            <a:r>
-              <a:rPr lang="en-US" dirty="0"/>
-              <a:t>On your computer. Open the </a:t>
-            </a:r>
-            <a:r>
-              <a:rPr lang="en-US" dirty="0" err="1"/>
-              <a:t>IPython</a:t>
-            </a:r>
-            <a:r>
-              <a:rPr lang="en-US" dirty="0"/>
-              <a:t> interpreter. Experiment with some of the concepts we learn:</a:t>
-            </a:r>
-          </a:p>
-          <a:p>
-            <a:pPr marL="0" indent="0">
-              <a:buNone/>
-            </a:pPr>
             <a:endParaRPr lang="en-US" dirty="0"/>
           </a:p>
           <a:p>
-            <a:pPr marL="457200" indent="-457200">
-              <a:buAutoNum type="arabicParenR"/>
-            </a:pPr>
-            <a:r>
-              <a:rPr lang="en-US" dirty="0"/>
-              <a:t>Print some strings. Experiment with the “</a:t>
-            </a:r>
-            <a:r>
-              <a:rPr lang="en-US" dirty="0" err="1"/>
-              <a:t>sep</a:t>
-            </a:r>
-            <a:r>
-              <a:rPr lang="en-US" dirty="0"/>
-              <a:t>” and “end” parameters.</a:t>
-            </a:r>
-          </a:p>
-          <a:p>
-            <a:pPr marL="457200" indent="-457200">
-              <a:buAutoNum type="arabicParenR"/>
-            </a:pPr>
-            <a:r>
-              <a:rPr lang="en-US" dirty="0"/>
-              <a:t>Try division vs floor division with integers. </a:t>
-            </a:r>
-          </a:p>
-          <a:p>
-            <a:pPr marL="457200" indent="-457200">
-              <a:buAutoNum type="arabicParenR"/>
-            </a:pPr>
-            <a:r>
-              <a:rPr lang="en-US" dirty="0"/>
-              <a:t>Initialize some floating point variables in both standard decimal notation and in exponential notation.</a:t>
-            </a:r>
-          </a:p>
-          <a:p>
-            <a:pPr marL="457200" indent="-457200">
-              <a:buAutoNum type="arabicParenR"/>
-            </a:pPr>
-            <a:r>
-              <a:rPr lang="en-US" dirty="0"/>
-              <a:t>Experiment with the type() function. </a:t>
-            </a:r>
-          </a:p>
-          <a:p>
-            <a:pPr marL="457200" indent="-457200">
-              <a:buAutoNum type="arabicParenR"/>
+            <a:pPr marL="0" indent="0">
+              <a:buNone/>
             </a:pPr>
             <a:endParaRPr lang="en-US" dirty="0"/>
           </a:p>
           <a:p>
-            <a:pPr marL="457200" indent="-457200">
-              <a:buAutoNum type="arabicParenR"/>
+            <a:pPr marL="0" indent="0">
+              <a:buNone/>
             </a:pPr>
             <a:endParaRPr lang="en-US" dirty="0"/>
           </a:p>
           <a:p>
-            <a:pPr marL="457200" indent="-457200">
-              <a:buAutoNum type="arabicParenR"/>
+            <a:pPr marL="0" indent="0">
+              <a:buNone/>
             </a:pPr>
             <a:endParaRPr lang="en-US" dirty="0"/>
+          </a:p>
+          <a:p>
+            <a:pPr marL="0" indent="0">
+              <a:buNone/>
+            </a:pPr>
+            <a:endParaRPr lang="en-US" sz="1900" b="1" dirty="0">
+              <a:latin typeface="Inconsolata Medium" panose="020B0609030003000000" pitchFamily="49" charset="77"/>
+            </a:endParaRPr>
+          </a:p>
+        </p:txBody>
+      </p:sp>
+      <p:sp>
+        <p:nvSpPr>
+          <p:cNvPr id="3" name="TextBox 2">
+            <a:extLst>
+              <a:ext uri="{FF2B5EF4-FFF2-40B4-BE49-F238E27FC236}">
+                <a16:creationId xmlns:a16="http://schemas.microsoft.com/office/drawing/2014/main" id="{899F54E7-5FE4-EF45-9CE3-B2C76F14DE7B}"/>
+              </a:ext>
+            </a:extLst>
+          </p:cNvPr>
+          <p:cNvSpPr txBox="1"/>
+          <p:nvPr/>
+        </p:nvSpPr>
+        <p:spPr>
+          <a:xfrm>
+            <a:off x="4466590" y="3029770"/>
+            <a:ext cx="3880993" cy="2354491"/>
+          </a:xfrm>
+          <a:prstGeom prst="rect">
+            <a:avLst/>
+          </a:prstGeom>
+          <a:noFill/>
+        </p:spPr>
+        <p:txBody>
+          <a:bodyPr wrap="square" rtlCol="0">
+            <a:spAutoFit/>
+          </a:bodyPr>
+          <a:lstStyle/>
+          <a:p>
+            <a:r>
+              <a:rPr lang="en-US" sz="2100" b="1" dirty="0">
+                <a:solidFill>
+                  <a:srgbClr val="000087"/>
+                </a:solidFill>
+                <a:latin typeface="Inconsolata Medium" panose="020B0609030003000000" pitchFamily="49" charset="77"/>
+              </a:rPr>
+              <a:t>In </a:t>
+            </a:r>
+            <a:r>
+              <a:rPr lang="en-US" sz="2100" b="1" dirty="0">
+                <a:latin typeface="Inconsolata Medium" panose="020B0609030003000000" pitchFamily="49" charset="77"/>
+              </a:rPr>
+              <a:t>[</a:t>
+            </a:r>
+            <a:r>
+              <a:rPr lang="en-US" sz="2100" b="1" dirty="0">
+                <a:solidFill>
+                  <a:srgbClr val="FF6600"/>
+                </a:solidFill>
+                <a:latin typeface="Inconsolata Medium" panose="020B0609030003000000" pitchFamily="49" charset="77"/>
+              </a:rPr>
+              <a:t>2</a:t>
+            </a:r>
+            <a:r>
+              <a:rPr lang="en-US" sz="2100" b="1" dirty="0">
+                <a:latin typeface="Inconsolata Medium" panose="020B0609030003000000" pitchFamily="49" charset="77"/>
+              </a:rPr>
+              <a:t>]: </a:t>
+            </a:r>
+            <a:r>
+              <a:rPr lang="en-US" sz="2100" b="1" dirty="0">
+                <a:solidFill>
+                  <a:srgbClr val="000087"/>
+                </a:solidFill>
+                <a:latin typeface="Inconsolata Medium" panose="020B0609030003000000" pitchFamily="49" charset="77"/>
+              </a:rPr>
+              <a:t>result </a:t>
+            </a:r>
+            <a:r>
+              <a:rPr lang="en-US" sz="2100" b="1" dirty="0">
+                <a:solidFill>
+                  <a:srgbClr val="545454"/>
+                </a:solidFill>
+                <a:latin typeface="Inconsolata Medium" panose="020B0609030003000000" pitchFamily="49" charset="77"/>
+              </a:rPr>
+              <a:t>= </a:t>
+            </a:r>
+            <a:r>
+              <a:rPr lang="en-US" sz="2100" b="1" dirty="0">
+                <a:latin typeface="Inconsolata Medium" panose="020B0609030003000000" pitchFamily="49" charset="77"/>
+              </a:rPr>
+              <a:t>(</a:t>
+            </a:r>
+            <a:r>
+              <a:rPr lang="en-US" sz="2100" b="1" dirty="0">
+                <a:solidFill>
+                  <a:srgbClr val="FF6600"/>
+                </a:solidFill>
+                <a:latin typeface="Inconsolata Medium" panose="020B0609030003000000" pitchFamily="49" charset="77"/>
+              </a:rPr>
+              <a:t>4 </a:t>
+            </a:r>
+            <a:r>
+              <a:rPr lang="en-US" sz="2100" b="1" dirty="0">
+                <a:solidFill>
+                  <a:srgbClr val="545454"/>
+                </a:solidFill>
+                <a:latin typeface="Inconsolata Medium" panose="020B0609030003000000" pitchFamily="49" charset="77"/>
+              </a:rPr>
+              <a:t>&lt; </a:t>
+            </a:r>
+            <a:r>
+              <a:rPr lang="en-US" sz="2100" b="1" dirty="0">
+                <a:solidFill>
+                  <a:srgbClr val="FF6600"/>
+                </a:solidFill>
+                <a:latin typeface="Inconsolata Medium" panose="020B0609030003000000" pitchFamily="49" charset="77"/>
+              </a:rPr>
+              <a:t>5</a:t>
+            </a:r>
+            <a:r>
+              <a:rPr lang="en-US" sz="2100" b="1" dirty="0">
+                <a:latin typeface="Inconsolata Medium" panose="020B0609030003000000" pitchFamily="49" charset="77"/>
+              </a:rPr>
+              <a:t>)</a:t>
+            </a:r>
+          </a:p>
+          <a:p>
+            <a:r>
+              <a:rPr lang="en-US" sz="2100" b="1" dirty="0">
+                <a:solidFill>
+                  <a:srgbClr val="000087"/>
+                </a:solidFill>
+                <a:latin typeface="Inconsolata Medium" panose="020B0609030003000000" pitchFamily="49" charset="77"/>
+              </a:rPr>
+              <a:t>        result </a:t>
+            </a:r>
+          </a:p>
+          <a:p>
+            <a:r>
+              <a:rPr lang="en-US" sz="2100" b="1" dirty="0">
+                <a:latin typeface="Inconsolata Medium" panose="020B0609030003000000" pitchFamily="49" charset="77"/>
+              </a:rPr>
+              <a:t>Out[2]: True </a:t>
+            </a:r>
+          </a:p>
+          <a:p>
+            <a:endParaRPr lang="en-US" sz="2100" b="1" dirty="0">
+              <a:solidFill>
+                <a:srgbClr val="000087"/>
+              </a:solidFill>
+              <a:latin typeface="Inconsolata Medium" panose="020B0609030003000000" pitchFamily="49" charset="77"/>
+            </a:endParaRPr>
+          </a:p>
+          <a:p>
+            <a:r>
+              <a:rPr lang="en-US" sz="2100" b="1" dirty="0">
+                <a:solidFill>
+                  <a:srgbClr val="000087"/>
+                </a:solidFill>
+                <a:latin typeface="Inconsolata Medium" panose="020B0609030003000000" pitchFamily="49" charset="77"/>
+              </a:rPr>
+              <a:t>In</a:t>
+            </a:r>
+            <a:r>
+              <a:rPr lang="en-US" sz="2100" b="1" dirty="0">
+                <a:latin typeface="Inconsolata Medium" panose="020B0609030003000000" pitchFamily="49" charset="77"/>
+              </a:rPr>
+              <a:t>[</a:t>
+            </a:r>
+            <a:r>
+              <a:rPr lang="en-US" sz="2100" b="1" dirty="0">
+                <a:solidFill>
+                  <a:srgbClr val="FF6600"/>
+                </a:solidFill>
+                <a:latin typeface="Inconsolata Medium" panose="020B0609030003000000" pitchFamily="49" charset="77"/>
+              </a:rPr>
+              <a:t>3</a:t>
+            </a:r>
+            <a:r>
+              <a:rPr lang="en-US" sz="2100" b="1" dirty="0">
+                <a:latin typeface="Inconsolata Medium" panose="020B0609030003000000" pitchFamily="49" charset="77"/>
+              </a:rPr>
+              <a:t>]: 3 == 5 </a:t>
+            </a:r>
+          </a:p>
+          <a:p>
+            <a:r>
+              <a:rPr lang="en-US" sz="2100" b="1" dirty="0">
+                <a:latin typeface="Inconsolata Medium" panose="020B0609030003000000" pitchFamily="49" charset="77"/>
+              </a:rPr>
+              <a:t>Out[3]: False </a:t>
+            </a:r>
+          </a:p>
+          <a:p>
+            <a:endParaRPr lang="en-US" sz="2100" b="1" dirty="0">
+              <a:latin typeface="Inconsolata Medium" panose="020B0609030003000000" pitchFamily="49" charset="77"/>
+            </a:endParaRPr>
+          </a:p>
+        </p:txBody>
+      </p:sp>
+      <p:sp>
+        <p:nvSpPr>
+          <p:cNvPr id="5" name="TextBox 4">
+            <a:extLst>
+              <a:ext uri="{FF2B5EF4-FFF2-40B4-BE49-F238E27FC236}">
+                <a16:creationId xmlns:a16="http://schemas.microsoft.com/office/drawing/2014/main" id="{A837F494-BE4D-5645-A5EE-61E70636208A}"/>
+              </a:ext>
+            </a:extLst>
+          </p:cNvPr>
+          <p:cNvSpPr txBox="1"/>
+          <p:nvPr/>
+        </p:nvSpPr>
+        <p:spPr>
+          <a:xfrm>
+            <a:off x="483848" y="3878826"/>
+            <a:ext cx="3365327" cy="1061829"/>
+          </a:xfrm>
+          <a:prstGeom prst="rect">
+            <a:avLst/>
+          </a:prstGeom>
+          <a:noFill/>
+        </p:spPr>
+        <p:txBody>
+          <a:bodyPr wrap="square" rtlCol="0">
+            <a:spAutoFit/>
+          </a:bodyPr>
+          <a:lstStyle/>
+          <a:p>
+            <a:r>
+              <a:rPr lang="en-US" sz="2100" b="1" dirty="0">
+                <a:solidFill>
+                  <a:srgbClr val="000087"/>
+                </a:solidFill>
+                <a:latin typeface="Inconsolata Medium" panose="020B0609030003000000" pitchFamily="49" charset="77"/>
+              </a:rPr>
+              <a:t>In</a:t>
+            </a:r>
+            <a:r>
+              <a:rPr lang="en-US" sz="2100" b="1" dirty="0">
+                <a:latin typeface="Inconsolata Medium" panose="020B0609030003000000" pitchFamily="49" charset="77"/>
+              </a:rPr>
+              <a:t>[</a:t>
+            </a:r>
+            <a:r>
+              <a:rPr lang="en-US" sz="2100" b="1" dirty="0">
+                <a:solidFill>
+                  <a:srgbClr val="FF6600"/>
+                </a:solidFill>
+                <a:latin typeface="Inconsolata Medium" panose="020B0609030003000000" pitchFamily="49" charset="77"/>
+              </a:rPr>
+              <a:t>1</a:t>
+            </a:r>
+            <a:r>
+              <a:rPr lang="en-US" sz="2100" b="1" dirty="0">
+                <a:latin typeface="Inconsolata Medium" panose="020B0609030003000000" pitchFamily="49" charset="77"/>
+              </a:rPr>
+              <a:t>]: x = False</a:t>
+            </a:r>
+          </a:p>
+          <a:p>
+            <a:r>
+              <a:rPr lang="en-US" sz="2100" b="1" dirty="0">
+                <a:solidFill>
+                  <a:srgbClr val="000087"/>
+                </a:solidFill>
+                <a:latin typeface="Inconsolata Medium" panose="020B0609030003000000" pitchFamily="49" charset="77"/>
+              </a:rPr>
+              <a:t>       type(x) </a:t>
+            </a:r>
+          </a:p>
+          <a:p>
+            <a:r>
+              <a:rPr lang="en-US" sz="2100" b="1" dirty="0">
+                <a:latin typeface="Inconsolata Medium" panose="020B0609030003000000" pitchFamily="49" charset="77"/>
+              </a:rPr>
+              <a:t>Out[1]: bool </a:t>
+            </a:r>
           </a:p>
         </p:txBody>
       </p:sp>
     </p:spTree>
     <p:extLst>
       <p:ext uri="{BB962C8B-B14F-4D97-AF65-F5344CB8AC3E}">
-        <p14:creationId xmlns:p14="http://schemas.microsoft.com/office/powerpoint/2010/main" val="2064379448"/>
+        <p14:creationId xmlns:p14="http://schemas.microsoft.com/office/powerpoint/2010/main" val="2119170476"/>
       </p:ext>
     </p:extLst>
   </p:cSld>
@@ -12925,7 +13214,7 @@
           <a:p>
             <a:r>
               <a:rPr lang="en-US" dirty="0"/>
-              <a:t>Lab 2</a:t>
+              <a:t>Lab 1</a:t>
             </a:r>
           </a:p>
         </p:txBody>
@@ -12961,6 +13250,210 @@
             <a:pPr marL="0" indent="0">
               <a:buNone/>
             </a:pPr>
+            <a:r>
+              <a:rPr lang="en-US" dirty="0"/>
+              <a:t> Download and install Anaconda on your home computer. </a:t>
+            </a:r>
+          </a:p>
+          <a:p>
+            <a:pPr marL="0" indent="0">
+              <a:buNone/>
+            </a:pPr>
+            <a:r>
+              <a:rPr lang="en-US" dirty="0">
+                <a:hlinkClick r:id="rId2"/>
+              </a:rPr>
+              <a:t>https://www.anaconda.com/distribution/</a:t>
+            </a:r>
+            <a:endParaRPr lang="en-US" dirty="0"/>
+          </a:p>
+          <a:p>
+            <a:pPr marL="0" indent="0">
+              <a:buNone/>
+            </a:pPr>
+            <a:endParaRPr lang="en-US" dirty="0"/>
+          </a:p>
+          <a:p>
+            <a:pPr marL="0" indent="0">
+              <a:buNone/>
+            </a:pPr>
+            <a:r>
+              <a:rPr lang="en-US" dirty="0"/>
+              <a:t>On your computer. Open the </a:t>
+            </a:r>
+            <a:r>
+              <a:rPr lang="en-US" dirty="0" err="1"/>
+              <a:t>IPython</a:t>
+            </a:r>
+            <a:r>
+              <a:rPr lang="en-US" dirty="0"/>
+              <a:t> interpreter. Experiment with some of the concepts we learn:</a:t>
+            </a:r>
+          </a:p>
+          <a:p>
+            <a:pPr marL="0" indent="0">
+              <a:buNone/>
+            </a:pPr>
+            <a:endParaRPr lang="en-US" dirty="0"/>
+          </a:p>
+          <a:p>
+            <a:pPr marL="457200" indent="-457200">
+              <a:buAutoNum type="arabicParenR"/>
+            </a:pPr>
+            <a:r>
+              <a:rPr lang="en-US" dirty="0"/>
+              <a:t>Print some strings. Experiment with the “</a:t>
+            </a:r>
+            <a:r>
+              <a:rPr lang="en-US" dirty="0" err="1"/>
+              <a:t>sep</a:t>
+            </a:r>
+            <a:r>
+              <a:rPr lang="en-US" dirty="0"/>
+              <a:t>” and “end” parameters.</a:t>
+            </a:r>
+          </a:p>
+          <a:p>
+            <a:pPr marL="457200" indent="-457200">
+              <a:buAutoNum type="arabicParenR"/>
+            </a:pPr>
+            <a:r>
+              <a:rPr lang="en-US" dirty="0"/>
+              <a:t>Try division vs floor division with integers. </a:t>
+            </a:r>
+          </a:p>
+          <a:p>
+            <a:pPr marL="457200" indent="-457200">
+              <a:buAutoNum type="arabicParenR"/>
+            </a:pPr>
+            <a:r>
+              <a:rPr lang="en-US" dirty="0"/>
+              <a:t>Initialize some floating point variables in both standard decimal notation and in exponential notation.</a:t>
+            </a:r>
+          </a:p>
+          <a:p>
+            <a:pPr marL="457200" indent="-457200">
+              <a:buAutoNum type="arabicParenR"/>
+            </a:pPr>
+            <a:r>
+              <a:rPr lang="en-US" dirty="0"/>
+              <a:t>Experiment with the type() function. </a:t>
+            </a:r>
+          </a:p>
+          <a:p>
+            <a:pPr marL="457200" indent="-457200">
+              <a:buAutoNum type="arabicParenR"/>
+            </a:pPr>
+            <a:endParaRPr lang="en-US" dirty="0"/>
+          </a:p>
+          <a:p>
+            <a:pPr marL="457200" indent="-457200">
+              <a:buAutoNum type="arabicParenR"/>
+            </a:pPr>
+            <a:endParaRPr lang="en-US" dirty="0"/>
+          </a:p>
+          <a:p>
+            <a:pPr marL="457200" indent="-457200">
+              <a:buAutoNum type="arabicParenR"/>
+            </a:pPr>
+            <a:endParaRPr lang="en-US" dirty="0"/>
+          </a:p>
+        </p:txBody>
+      </p:sp>
+    </p:spTree>
+    <p:extLst>
+      <p:ext uri="{BB962C8B-B14F-4D97-AF65-F5344CB8AC3E}">
+        <p14:creationId xmlns:p14="http://schemas.microsoft.com/office/powerpoint/2010/main" val="2064379448"/>
+      </p:ext>
+    </p:extLst>
+  </p:cSld>
+  <p:clrMapOvr>
+    <a:masterClrMapping/>
+  </p:clrMapOvr>
+</p:sld>
+</file>
+
+<file path=ppt/slides/slide23.xml><?xml version="1.0" encoding="utf-8"?>
+<p:sld xmlns:a="http://schemas.openxmlformats.org/drawingml/2006/main" xmlns:r="http://schemas.openxmlformats.org/officeDocument/2006/relationships" xmlns:p="http://schemas.openxmlformats.org/presentationml/2006/main">
+  <p:cSld>
+    <p:spTree>
+      <p:nvGrpSpPr>
+        <p:cNvPr id="1" name=""/>
+        <p:cNvGrpSpPr/>
+        <p:nvPr/>
+      </p:nvGrpSpPr>
+      <p:grpSpPr>
+        <a:xfrm>
+          <a:off x="0" y="0"/>
+          <a:ext cx="0" cy="0"/>
+          <a:chOff x="0" y="0"/>
+          <a:chExt cx="0" cy="0"/>
+        </a:xfrm>
+      </p:grpSpPr>
+      <p:sp>
+        <p:nvSpPr>
+          <p:cNvPr id="2" name="Title 1">
+            <a:extLst>
+              <a:ext uri="{FF2B5EF4-FFF2-40B4-BE49-F238E27FC236}">
+                <a16:creationId xmlns:a16="http://schemas.microsoft.com/office/drawing/2014/main" id="{AA3A228F-61D0-D949-A5E7-F83756230BF8}"/>
+              </a:ext>
+            </a:extLst>
+          </p:cNvPr>
+          <p:cNvSpPr>
+            <a:spLocks noGrp="1"/>
+          </p:cNvSpPr>
+          <p:nvPr>
+            <p:ph type="title"/>
+          </p:nvPr>
+        </p:nvSpPr>
+        <p:spPr>
+          <a:xfrm>
+            <a:off x="483848" y="467027"/>
+            <a:ext cx="7053542" cy="683886"/>
+          </a:xfrm>
+        </p:spPr>
+        <p:txBody>
+          <a:bodyPr/>
+          <a:lstStyle/>
+          <a:p>
+            <a:r>
+              <a:rPr lang="en-US" dirty="0"/>
+              <a:t>Lab 2</a:t>
+            </a:r>
+          </a:p>
+        </p:txBody>
+      </p:sp>
+      <p:sp>
+        <p:nvSpPr>
+          <p:cNvPr id="9" name="Content Placeholder 8">
+            <a:extLst>
+              <a:ext uri="{FF2B5EF4-FFF2-40B4-BE49-F238E27FC236}">
+                <a16:creationId xmlns:a16="http://schemas.microsoft.com/office/drawing/2014/main" id="{E3B2E017-30B2-884B-A113-B419A2ED51AD}"/>
+              </a:ext>
+            </a:extLst>
+          </p:cNvPr>
+          <p:cNvSpPr>
+            <a:spLocks noGrp="1"/>
+          </p:cNvSpPr>
+          <p:nvPr>
+            <p:ph idx="1"/>
+          </p:nvPr>
+        </p:nvSpPr>
+        <p:spPr>
+          <a:xfrm>
+            <a:off x="483848" y="1150912"/>
+            <a:ext cx="8051725" cy="4564087"/>
+          </a:xfrm>
+        </p:spPr>
+        <p:txBody>
+          <a:bodyPr>
+            <a:noAutofit/>
+          </a:bodyPr>
+          <a:lstStyle/>
+          <a:p>
+            <a:pPr marL="0" indent="0">
+              <a:buNone/>
+            </a:pPr>
             <a:endParaRPr lang="en-US" dirty="0"/>
           </a:p>
           <a:p>
@@ -13027,7 +13520,7 @@
             </a:r>
             <a:r>
               <a:rPr lang="en-US" dirty="0" err="1"/>
-              <a:t>Ipython</a:t>
+              <a:t>IPython</a:t>
             </a:r>
             <a:r>
               <a:rPr lang="en-US" dirty="0"/>
@@ -13061,7 +13554,7 @@
 </p:sld>
 </file>
 
-<file path=ppt/slides/slide23.xml><?xml version="1.0" encoding="utf-8"?>
+<file path=ppt/slides/slide24.xml><?xml version="1.0" encoding="utf-8"?>
 <p:sld xmlns:a="http://schemas.openxmlformats.org/drawingml/2006/main" xmlns:r="http://schemas.openxmlformats.org/officeDocument/2006/relationships" xmlns:p="http://schemas.openxmlformats.org/presentationml/2006/main">
   <p:cSld>
     <p:spTree>

--- a/courses/apcsp/lect1.pptx
+++ b/courses/apcsp/lect1.pptx
@@ -25,10 +25,12 @@
     <p:sldId id="271" r:id="rId19"/>
     <p:sldId id="272" r:id="rId20"/>
     <p:sldId id="293" r:id="rId21"/>
-    <p:sldId id="281" r:id="rId22"/>
-    <p:sldId id="302" r:id="rId23"/>
-    <p:sldId id="303" r:id="rId24"/>
-    <p:sldId id="284" r:id="rId25"/>
+    <p:sldId id="295" r:id="rId22"/>
+    <p:sldId id="281" r:id="rId23"/>
+    <p:sldId id="280" r:id="rId24"/>
+    <p:sldId id="302" r:id="rId25"/>
+    <p:sldId id="303" r:id="rId26"/>
+    <p:sldId id="284" r:id="rId27"/>
   </p:sldIdLst>
   <p:sldSz cx="9144000" cy="5715000" type="screen16x10"/>
   <p:notesSz cx="6858000" cy="9144000"/>
@@ -138,7 +140,7 @@
 <file path=ppt/revisionInfo.xml><?xml version="1.0" encoding="utf-8"?>
 <p1510:revInfo xmlns:a="http://schemas.openxmlformats.org/drawingml/2006/main" xmlns:r="http://schemas.openxmlformats.org/officeDocument/2006/relationships" xmlns:p1510="http://schemas.microsoft.com/office/powerpoint/2015/10/main">
   <p1510:revLst>
-    <p1510:client id="{1AE11430-C232-BB4B-AD26-649DB56977B5}" v="1352" dt="2019-09-07T18:03:39.454"/>
+    <p1510:client id="{1AE11430-C232-BB4B-AD26-649DB56977B5}" v="1375" dt="2019-09-08T13:43:19.919"/>
   </p1510:revLst>
 </p1510:revInfo>
 </file>
@@ -419,19 +421,19 @@
   </pc:docChgLst>
   <pc:docChgLst>
     <pc:chgData name="Long B Nguyen" userId="f59fb8f3-a021-417a-8bc1-65c8d471c621" providerId="ADAL" clId="{1AE11430-C232-BB4B-AD26-649DB56977B5}"/>
-    <pc:docChg chg="undo custSel addSld delSld modSld">
-      <pc:chgData name="Long B Nguyen" userId="f59fb8f3-a021-417a-8bc1-65c8d471c621" providerId="ADAL" clId="{1AE11430-C232-BB4B-AD26-649DB56977B5}" dt="2019-09-08T00:54:16.876" v="3685" actId="20577"/>
+    <pc:docChg chg="undo redo custSel addSld delSld modSld">
+      <pc:chgData name="Long B Nguyen" userId="f59fb8f3-a021-417a-8bc1-65c8d471c621" providerId="ADAL" clId="{1AE11430-C232-BB4B-AD26-649DB56977B5}" dt="2019-09-08T13:43:19.919" v="3758" actId="20577"/>
       <pc:docMkLst>
         <pc:docMk/>
       </pc:docMkLst>
       <pc:sldChg chg="modSp modAnim">
-        <pc:chgData name="Long B Nguyen" userId="f59fb8f3-a021-417a-8bc1-65c8d471c621" providerId="ADAL" clId="{1AE11430-C232-BB4B-AD26-649DB56977B5}" dt="2019-09-07T18:02:27.916" v="3554" actId="20577"/>
+        <pc:chgData name="Long B Nguyen" userId="f59fb8f3-a021-417a-8bc1-65c8d471c621" providerId="ADAL" clId="{1AE11430-C232-BB4B-AD26-649DB56977B5}" dt="2019-09-08T13:43:19.919" v="3758" actId="20577"/>
         <pc:sldMkLst>
           <pc:docMk/>
           <pc:sldMk cId="2207246265" sldId="257"/>
         </pc:sldMkLst>
         <pc:spChg chg="mod">
-          <ac:chgData name="Long B Nguyen" userId="f59fb8f3-a021-417a-8bc1-65c8d471c621" providerId="ADAL" clId="{1AE11430-C232-BB4B-AD26-649DB56977B5}" dt="2019-09-07T18:02:27.916" v="3554" actId="20577"/>
+          <ac:chgData name="Long B Nguyen" userId="f59fb8f3-a021-417a-8bc1-65c8d471c621" providerId="ADAL" clId="{1AE11430-C232-BB4B-AD26-649DB56977B5}" dt="2019-09-08T13:43:19.919" v="3758" actId="20577"/>
           <ac:spMkLst>
             <pc:docMk/>
             <pc:sldMk cId="2207246265" sldId="257"/>
@@ -565,6 +567,13 @@
           <pc:sldMk cId="587435069" sldId="272"/>
         </pc:sldMkLst>
       </pc:sldChg>
+      <pc:sldChg chg="add">
+        <pc:chgData name="Long B Nguyen" userId="f59fb8f3-a021-417a-8bc1-65c8d471c621" providerId="ADAL" clId="{1AE11430-C232-BB4B-AD26-649DB56977B5}" dt="2019-09-08T13:30:23" v="3743"/>
+        <pc:sldMkLst>
+          <pc:docMk/>
+          <pc:sldMk cId="2925367410" sldId="280"/>
+        </pc:sldMkLst>
+      </pc:sldChg>
       <pc:sldChg chg="addSp modSp add">
         <pc:chgData name="Long B Nguyen" userId="f59fb8f3-a021-417a-8bc1-65c8d471c621" providerId="ADAL" clId="{1AE11430-C232-BB4B-AD26-649DB56977B5}" dt="2019-09-08T00:53:48.725" v="3683" actId="20577"/>
         <pc:sldMkLst>
@@ -611,13 +620,13 @@
         </pc:sldMkLst>
       </pc:sldChg>
       <pc:sldChg chg="modSp">
-        <pc:chgData name="Long B Nguyen" userId="f59fb8f3-a021-417a-8bc1-65c8d471c621" providerId="ADAL" clId="{1AE11430-C232-BB4B-AD26-649DB56977B5}" dt="2019-09-07T18:02:21.123" v="3545" actId="14100"/>
+        <pc:chgData name="Long B Nguyen" userId="f59fb8f3-a021-417a-8bc1-65c8d471c621" providerId="ADAL" clId="{1AE11430-C232-BB4B-AD26-649DB56977B5}" dt="2019-09-08T13:30:11.346" v="3742" actId="20577"/>
         <pc:sldMkLst>
           <pc:docMk/>
           <pc:sldMk cId="3974060782" sldId="289"/>
         </pc:sldMkLst>
         <pc:spChg chg="mod">
-          <ac:chgData name="Long B Nguyen" userId="f59fb8f3-a021-417a-8bc1-65c8d471c621" providerId="ADAL" clId="{1AE11430-C232-BB4B-AD26-649DB56977B5}" dt="2019-09-07T18:02:21.123" v="3545" actId="14100"/>
+          <ac:chgData name="Long B Nguyen" userId="f59fb8f3-a021-417a-8bc1-65c8d471c621" providerId="ADAL" clId="{1AE11430-C232-BB4B-AD26-649DB56977B5}" dt="2019-09-08T13:30:11.346" v="3742" actId="20577"/>
           <ac:spMkLst>
             <pc:docMk/>
             <pc:sldMk cId="3974060782" sldId="289"/>
@@ -639,6 +648,35 @@
             <ac:spMk id="3" creationId="{4D0CDBB4-7D15-3740-9E57-F40B8D812406}"/>
           </ac:spMkLst>
         </pc:spChg>
+      </pc:sldChg>
+      <pc:sldChg chg="add del">
+        <pc:chgData name="Long B Nguyen" userId="f59fb8f3-a021-417a-8bc1-65c8d471c621" providerId="ADAL" clId="{1AE11430-C232-BB4B-AD26-649DB56977B5}" dt="2019-09-08T13:30:25.596" v="3744" actId="2696"/>
+        <pc:sldMkLst>
+          <pc:docMk/>
+          <pc:sldMk cId="1406993528" sldId="295"/>
+        </pc:sldMkLst>
+      </pc:sldChg>
+      <pc:sldChg chg="modSp add del">
+        <pc:chgData name="Long B Nguyen" userId="f59fb8f3-a021-417a-8bc1-65c8d471c621" providerId="ADAL" clId="{1AE11430-C232-BB4B-AD26-649DB56977B5}" dt="2019-09-08T03:40:41.216" v="3694"/>
+        <pc:sldMkLst>
+          <pc:docMk/>
+          <pc:sldMk cId="3617353163" sldId="295"/>
+        </pc:sldMkLst>
+        <pc:spChg chg="mod">
+          <ac:chgData name="Long B Nguyen" userId="f59fb8f3-a021-417a-8bc1-65c8d471c621" providerId="ADAL" clId="{1AE11430-C232-BB4B-AD26-649DB56977B5}" dt="2019-09-08T03:40:41.011" v="3693" actId="20577"/>
+          <ac:spMkLst>
+            <pc:docMk/>
+            <pc:sldMk cId="3617353163" sldId="295"/>
+            <ac:spMk id="9" creationId="{E3B2E017-30B2-884B-A113-B419A2ED51AD}"/>
+          </ac:spMkLst>
+        </pc:spChg>
+      </pc:sldChg>
+      <pc:sldChg chg="add">
+        <pc:chgData name="Long B Nguyen" userId="f59fb8f3-a021-417a-8bc1-65c8d471c621" providerId="ADAL" clId="{1AE11430-C232-BB4B-AD26-649DB56977B5}" dt="2019-09-08T13:30:27.987" v="3745"/>
+        <pc:sldMkLst>
+          <pc:docMk/>
+          <pc:sldMk cId="3711861066" sldId="295"/>
+        </pc:sldMkLst>
       </pc:sldChg>
       <pc:sldChg chg="addSp modSp">
         <pc:chgData name="Long B Nguyen" userId="f59fb8f3-a021-417a-8bc1-65c8d471c621" providerId="ADAL" clId="{1AE11430-C232-BB4B-AD26-649DB56977B5}" dt="2019-09-06T12:07:28.617" v="1782" actId="1036"/>
@@ -929,6 +967,13 @@
           </ac:spMkLst>
         </pc:spChg>
       </pc:sldChg>
+      <pc:sldChg chg="add del">
+        <pc:chgData name="Long B Nguyen" userId="f59fb8f3-a021-417a-8bc1-65c8d471c621" providerId="ADAL" clId="{1AE11430-C232-BB4B-AD26-649DB56977B5}" dt="2019-09-08T03:41:42.114" v="3702" actId="2696"/>
+        <pc:sldMkLst>
+          <pc:docMk/>
+          <pc:sldMk cId="1735411058" sldId="304"/>
+        </pc:sldMkLst>
+      </pc:sldChg>
     </pc:docChg>
   </pc:docChgLst>
 </pc:chgInfo>
@@ -1065,7 +1110,7 @@
           <a:p>
             <a:fld id="{4AAD347D-5ACD-4C99-B74B-A9C85AD731AF}" type="datetimeFigureOut">
               <a:rPr lang="en-US" smtClean="0"/>
-              <a:t>9/7/19</a:t>
+              <a:t>9/8/19</a:t>
             </a:fld>
             <a:endParaRPr lang="en-US" dirty="0"/>
           </a:p>
@@ -1235,7 +1280,7 @@
           <a:p>
             <a:fld id="{4509A250-FF31-4206-8172-F9D3106AACB1}" type="datetimeFigureOut">
               <a:rPr lang="en-US" smtClean="0"/>
-              <a:t>9/7/19</a:t>
+              <a:t>9/8/19</a:t>
             </a:fld>
             <a:endParaRPr lang="en-US" dirty="0"/>
           </a:p>
@@ -1415,7 +1460,7 @@
           <a:p>
             <a:fld id="{4509A250-FF31-4206-8172-F9D3106AACB1}" type="datetimeFigureOut">
               <a:rPr lang="en-US" smtClean="0"/>
-              <a:t>9/7/19</a:t>
+              <a:t>9/8/19</a:t>
             </a:fld>
             <a:endParaRPr lang="en-US" dirty="0"/>
           </a:p>
@@ -1585,7 +1630,7 @@
           <a:p>
             <a:fld id="{4509A250-FF31-4206-8172-F9D3106AACB1}" type="datetimeFigureOut">
               <a:rPr lang="en-US" smtClean="0"/>
-              <a:t>9/7/19</a:t>
+              <a:t>9/8/19</a:t>
             </a:fld>
             <a:endParaRPr lang="en-US" dirty="0"/>
           </a:p>
@@ -1831,7 +1876,7 @@
           <a:p>
             <a:fld id="{9796027F-7875-4030-9381-8BD8C4F21935}" type="datetimeFigureOut">
               <a:rPr lang="en-US" smtClean="0"/>
-              <a:t>9/7/19</a:t>
+              <a:t>9/8/19</a:t>
             </a:fld>
             <a:endParaRPr lang="en-US" dirty="0"/>
           </a:p>
@@ -2063,7 +2108,7 @@
           <a:p>
             <a:fld id="{9796027F-7875-4030-9381-8BD8C4F21935}" type="datetimeFigureOut">
               <a:rPr lang="en-US" smtClean="0"/>
-              <a:t>9/7/19</a:t>
+              <a:t>9/8/19</a:t>
             </a:fld>
             <a:endParaRPr lang="en-US" dirty="0"/>
           </a:p>
@@ -2430,7 +2475,7 @@
           <a:p>
             <a:fld id="{9796027F-7875-4030-9381-8BD8C4F21935}" type="datetimeFigureOut">
               <a:rPr lang="en-US" smtClean="0"/>
-              <a:t>9/7/19</a:t>
+              <a:t>9/8/19</a:t>
             </a:fld>
             <a:endParaRPr lang="en-US" dirty="0"/>
           </a:p>
@@ -2548,7 +2593,7 @@
           <a:p>
             <a:fld id="{4509A250-FF31-4206-8172-F9D3106AACB1}" type="datetimeFigureOut">
               <a:rPr lang="en-US" smtClean="0"/>
-              <a:t>9/7/19</a:t>
+              <a:t>9/8/19</a:t>
             </a:fld>
             <a:endParaRPr lang="en-US" dirty="0"/>
           </a:p>
@@ -2643,7 +2688,7 @@
           <a:p>
             <a:fld id="{4509A250-FF31-4206-8172-F9D3106AACB1}" type="datetimeFigureOut">
               <a:rPr lang="en-US" smtClean="0"/>
-              <a:t>9/7/19</a:t>
+              <a:t>9/8/19</a:t>
             </a:fld>
             <a:endParaRPr lang="en-US" dirty="0"/>
           </a:p>
@@ -2920,7 +2965,7 @@
           <a:p>
             <a:fld id="{4509A250-FF31-4206-8172-F9D3106AACB1}" type="datetimeFigureOut">
               <a:rPr lang="en-US" smtClean="0"/>
-              <a:t>9/7/19</a:t>
+              <a:t>9/8/19</a:t>
             </a:fld>
             <a:endParaRPr lang="en-US" dirty="0"/>
           </a:p>
@@ -3177,7 +3222,7 @@
           <a:p>
             <a:fld id="{4509A250-FF31-4206-8172-F9D3106AACB1}" type="datetimeFigureOut">
               <a:rPr lang="en-US" smtClean="0"/>
-              <a:t>9/7/19</a:t>
+              <a:t>9/8/19</a:t>
             </a:fld>
             <a:endParaRPr lang="en-US" dirty="0"/>
           </a:p>
@@ -3390,7 +3435,7 @@
           <a:p>
             <a:fld id="{4AAD347D-5ACD-4C99-B74B-A9C85AD731AF}" type="datetimeFigureOut">
               <a:rPr lang="en-US" smtClean="0"/>
-              <a:t>9/7/19</a:t>
+              <a:t>9/8/19</a:t>
             </a:fld>
             <a:endParaRPr lang="en-US" dirty="0"/>
           </a:p>
@@ -3861,15 +3906,20 @@
             <a:pPr algn="l"/>
             <a:r>
               <a:rPr lang="en-US" sz="2400" b="1" dirty="0"/>
-              <a:t>Basic Syntax </a:t>
+              <a:t>Basic Datatypes </a:t>
             </a:r>
           </a:p>
           <a:p>
             <a:pPr algn="l"/>
             <a:r>
               <a:rPr lang="en-US" sz="2400" b="1" dirty="0"/>
-              <a:t>Datatypes I: Integers, Floats, Booleans</a:t>
-            </a:r>
+              <a:t>Integers, Floats, Booleans, </a:t>
+            </a:r>
+            <a:r>
+              <a:rPr lang="en-US" sz="2400" b="1" dirty="0" err="1"/>
+              <a:t>NoneType</a:t>
+            </a:r>
+            <a:endParaRPr lang="en-US" sz="2400" b="1" dirty="0"/>
           </a:p>
         </p:txBody>
       </p:sp>
@@ -11554,6 +11604,21 @@
               <a:buFont typeface="+mj-lt"/>
               <a:buAutoNum type="alphaLcParenR"/>
             </a:pPr>
+            <a:r>
+              <a:rPr lang="en-US" dirty="0" err="1">
+                <a:latin typeface="Gill Sans MT" panose="020B0502020104020203" pitchFamily="34" charset="77"/>
+              </a:rPr>
+              <a:t>NoneType</a:t>
+            </a:r>
+            <a:endParaRPr lang="en-US" dirty="0">
+              <a:latin typeface="Gill Sans MT" panose="020B0502020104020203" pitchFamily="34" charset="77"/>
+            </a:endParaRPr>
+          </a:p>
+          <a:p>
+            <a:pPr marL="800100" lvl="1" indent="-457200">
+              <a:buFont typeface="+mj-lt"/>
+              <a:buAutoNum type="alphaLcParenR"/>
+            </a:pPr>
             <a:endParaRPr lang="en-US" dirty="0">
               <a:latin typeface="Gill Sans MT" panose="020B0502020104020203" pitchFamily="34" charset="77"/>
             </a:endParaRPr>
@@ -11847,6 +11912,37 @@
                                           <p:spTgt spid="9">
                                             <p:txEl>
                                               <p:pRg st="8" end="8"/>
+                                            </p:txEl>
+                                          </p:spTgt>
+                                        </p:tgtEl>
+                                        <p:attrNameLst>
+                                          <p:attrName>style.visibility</p:attrName>
+                                        </p:attrNameLst>
+                                      </p:cBhvr>
+                                      <p:to>
+                                        <p:strVal val="visible"/>
+                                      </p:to>
+                                    </p:set>
+                                  </p:childTnLst>
+                                </p:cTn>
+                              </p:par>
+                              <p:par>
+                                <p:cTn id="21" presetID="1" presetClass="entr" presetSubtype="0" fill="hold" nodeType="withEffect">
+                                  <p:stCondLst>
+                                    <p:cond delay="0"/>
+                                  </p:stCondLst>
+                                  <p:childTnLst>
+                                    <p:set>
+                                      <p:cBhvr>
+                                        <p:cTn id="22" dur="1" fill="hold">
+                                          <p:stCondLst>
+                                            <p:cond delay="0"/>
+                                          </p:stCondLst>
+                                        </p:cTn>
+                                        <p:tgtEl>
+                                          <p:spTgt spid="9">
+                                            <p:txEl>
+                                              <p:pRg st="9" end="9"/>
                                             </p:txEl>
                                           </p:spTgt>
                                         </p:tgtEl>
@@ -12772,7 +12868,7 @@
           <a:p>
             <a:r>
               <a:rPr lang="en-US" dirty="0"/>
-              <a:t>Boolean Type</a:t>
+              <a:t>Casting</a:t>
             </a:r>
           </a:p>
         </p:txBody>
@@ -12795,13 +12891,13 @@
         </p:nvSpPr>
         <p:spPr>
           <a:xfrm>
-            <a:off x="483848" y="1150913"/>
-            <a:ext cx="8051725" cy="4440590"/>
+            <a:off x="483848" y="1288073"/>
+            <a:ext cx="8051725" cy="4292919"/>
           </a:xfrm>
         </p:spPr>
         <p:txBody>
           <a:bodyPr>
-            <a:noAutofit/>
+            <a:normAutofit/>
           </a:bodyPr>
           <a:lstStyle/>
           <a:p>
@@ -12809,220 +12905,17 @@
               <a:buNone/>
             </a:pPr>
             <a:r>
-              <a:rPr lang="en-US" dirty="0"/>
-              <a:t>The Boolean type is a simple type with two possible values: True and False.</a:t>
-            </a:r>
-          </a:p>
-          <a:p>
-            <a:pPr marL="0" indent="0">
-              <a:buNone/>
-            </a:pPr>
-            <a:r>
-              <a:rPr lang="en-US" dirty="0"/>
-              <a:t>Boolean values are case-sensitive: unlike some other languages, True and False must be capitalized! </a:t>
-            </a:r>
-          </a:p>
-          <a:p>
-            <a:pPr marL="0" indent="0">
-              <a:buNone/>
-            </a:pPr>
-            <a:endParaRPr lang="en-US" dirty="0"/>
-          </a:p>
-          <a:p>
-            <a:pPr marL="0" indent="0">
-              <a:buNone/>
-            </a:pPr>
-            <a:r>
-              <a:rPr lang="en-US" dirty="0"/>
-              <a:t>Comparison operators return </a:t>
-            </a:r>
-          </a:p>
-          <a:p>
-            <a:pPr marL="0" indent="0">
-              <a:buNone/>
-            </a:pPr>
-            <a:r>
-              <a:rPr lang="en-US" dirty="0"/>
-              <a:t>True or False values. </a:t>
-            </a:r>
-          </a:p>
-          <a:p>
-            <a:pPr marL="0" indent="0">
-              <a:buNone/>
-            </a:pPr>
-            <a:endParaRPr lang="en-US" dirty="0"/>
-          </a:p>
-          <a:p>
-            <a:pPr marL="0" indent="0">
-              <a:buNone/>
-            </a:pPr>
-            <a:endParaRPr lang="en-US" dirty="0"/>
-          </a:p>
-          <a:p>
-            <a:pPr marL="0" indent="0">
-              <a:buNone/>
-            </a:pPr>
-            <a:endParaRPr lang="en-US" dirty="0"/>
-          </a:p>
-          <a:p>
-            <a:pPr marL="0" indent="0">
-              <a:buNone/>
-            </a:pPr>
-            <a:endParaRPr lang="en-US" dirty="0"/>
-          </a:p>
-          <a:p>
-            <a:pPr marL="0" indent="0">
-              <a:buNone/>
-            </a:pPr>
-            <a:endParaRPr lang="en-US" dirty="0"/>
-          </a:p>
-          <a:p>
-            <a:pPr marL="0" indent="0">
-              <a:buNone/>
-            </a:pPr>
-            <a:endParaRPr lang="en-US" sz="1900" b="1" dirty="0">
-              <a:latin typeface="Inconsolata Medium" panose="020B0609030003000000" pitchFamily="49" charset="77"/>
-            </a:endParaRPr>
-          </a:p>
-        </p:txBody>
-      </p:sp>
-      <p:sp>
-        <p:nvSpPr>
-          <p:cNvPr id="3" name="TextBox 2">
-            <a:extLst>
-              <a:ext uri="{FF2B5EF4-FFF2-40B4-BE49-F238E27FC236}">
-                <a16:creationId xmlns:a16="http://schemas.microsoft.com/office/drawing/2014/main" id="{899F54E7-5FE4-EF45-9CE3-B2C76F14DE7B}"/>
-              </a:ext>
-            </a:extLst>
-          </p:cNvPr>
-          <p:cNvSpPr txBox="1"/>
-          <p:nvPr/>
-        </p:nvSpPr>
-        <p:spPr>
-          <a:xfrm>
-            <a:off x="4466590" y="3029770"/>
-            <a:ext cx="3880993" cy="2354491"/>
-          </a:xfrm>
-          <a:prstGeom prst="rect">
-            <a:avLst/>
-          </a:prstGeom>
-          <a:noFill/>
-        </p:spPr>
-        <p:txBody>
-          <a:bodyPr wrap="square" rtlCol="0">
-            <a:spAutoFit/>
-          </a:bodyPr>
-          <a:lstStyle/>
-          <a:p>
-            <a:r>
-              <a:rPr lang="en-US" sz="2100" b="1" dirty="0">
-                <a:solidFill>
-                  <a:srgbClr val="000087"/>
-                </a:solidFill>
-                <a:latin typeface="Inconsolata Medium" panose="020B0609030003000000" pitchFamily="49" charset="77"/>
-              </a:rPr>
-              <a:t>In </a:t>
-            </a:r>
-            <a:r>
-              <a:rPr lang="en-US" sz="2100" b="1" dirty="0">
-                <a:latin typeface="Inconsolata Medium" panose="020B0609030003000000" pitchFamily="49" charset="77"/>
-              </a:rPr>
-              <a:t>[</a:t>
-            </a:r>
-            <a:r>
-              <a:rPr lang="en-US" sz="2100" b="1" dirty="0">
-                <a:solidFill>
-                  <a:srgbClr val="FF6600"/>
-                </a:solidFill>
-                <a:latin typeface="Inconsolata Medium" panose="020B0609030003000000" pitchFamily="49" charset="77"/>
-              </a:rPr>
-              <a:t>2</a:t>
-            </a:r>
-            <a:r>
-              <a:rPr lang="en-US" sz="2100" b="1" dirty="0">
-                <a:latin typeface="Inconsolata Medium" panose="020B0609030003000000" pitchFamily="49" charset="77"/>
-              </a:rPr>
-              <a:t>]: </a:t>
-            </a:r>
-            <a:r>
-              <a:rPr lang="en-US" sz="2100" b="1" dirty="0">
-                <a:solidFill>
-                  <a:srgbClr val="000087"/>
-                </a:solidFill>
-                <a:latin typeface="Inconsolata Medium" panose="020B0609030003000000" pitchFamily="49" charset="77"/>
-              </a:rPr>
-              <a:t>result </a:t>
-            </a:r>
-            <a:r>
-              <a:rPr lang="en-US" sz="2100" b="1" dirty="0">
-                <a:solidFill>
-                  <a:srgbClr val="545454"/>
-                </a:solidFill>
-                <a:latin typeface="Inconsolata Medium" panose="020B0609030003000000" pitchFamily="49" charset="77"/>
-              </a:rPr>
-              <a:t>= </a:t>
-            </a:r>
-            <a:r>
-              <a:rPr lang="en-US" sz="2100" b="1" dirty="0">
-                <a:latin typeface="Inconsolata Medium" panose="020B0609030003000000" pitchFamily="49" charset="77"/>
-              </a:rPr>
-              <a:t>(</a:t>
-            </a:r>
-            <a:r>
-              <a:rPr lang="en-US" sz="2100" b="1" dirty="0">
-                <a:solidFill>
-                  <a:srgbClr val="FF6600"/>
-                </a:solidFill>
-                <a:latin typeface="Inconsolata Medium" panose="020B0609030003000000" pitchFamily="49" charset="77"/>
-              </a:rPr>
-              <a:t>4 </a:t>
-            </a:r>
-            <a:r>
-              <a:rPr lang="en-US" sz="2100" b="1" dirty="0">
-                <a:solidFill>
-                  <a:srgbClr val="545454"/>
-                </a:solidFill>
-                <a:latin typeface="Inconsolata Medium" panose="020B0609030003000000" pitchFamily="49" charset="77"/>
-              </a:rPr>
-              <a:t>&lt; </a:t>
-            </a:r>
-            <a:r>
-              <a:rPr lang="en-US" sz="2100" b="1" dirty="0">
-                <a:solidFill>
-                  <a:srgbClr val="FF6600"/>
-                </a:solidFill>
-                <a:latin typeface="Inconsolata Medium" panose="020B0609030003000000" pitchFamily="49" charset="77"/>
-              </a:rPr>
-              <a:t>5</a:t>
-            </a:r>
-            <a:r>
-              <a:rPr lang="en-US" sz="2100" b="1" dirty="0">
-                <a:latin typeface="Inconsolata Medium" panose="020B0609030003000000" pitchFamily="49" charset="77"/>
-              </a:rPr>
-              <a:t>)</a:t>
-            </a:r>
-          </a:p>
-          <a:p>
-            <a:r>
-              <a:rPr lang="en-US" sz="2100" b="1" dirty="0">
-                <a:solidFill>
-                  <a:srgbClr val="000087"/>
-                </a:solidFill>
-                <a:latin typeface="Inconsolata Medium" panose="020B0609030003000000" pitchFamily="49" charset="77"/>
-              </a:rPr>
-              <a:t>        result </a:t>
-            </a:r>
-          </a:p>
-          <a:p>
-            <a:r>
-              <a:rPr lang="en-US" sz="2100" b="1" dirty="0">
-                <a:latin typeface="Inconsolata Medium" panose="020B0609030003000000" pitchFamily="49" charset="77"/>
-              </a:rPr>
-              <a:t>Out[2]: True </a:t>
-            </a:r>
-          </a:p>
-          <a:p>
-            <a:endParaRPr lang="en-US" sz="2100" b="1" dirty="0">
+              <a:rPr lang="en-US" sz="2000" dirty="0">
+                <a:latin typeface="Gill Sans MT" panose="020B0502020104020203" pitchFamily="34" charset="77"/>
+              </a:rPr>
+              <a:t>The int() and float() functions can be called to cast a value to a integer or float, respectively.</a:t>
+            </a:r>
+          </a:p>
+          <a:p>
+            <a:pPr marL="0" indent="0">
+              <a:buNone/>
+            </a:pPr>
+            <a:endParaRPr lang="en-US" sz="2000" b="1" dirty="0">
               <a:solidFill>
                 <a:srgbClr val="000087"/>
               </a:solidFill>
@@ -13030,8 +12923,11 @@
             </a:endParaRPr>
           </a:p>
           <a:p>
-            <a:r>
-              <a:rPr lang="en-US" sz="2100" b="1" dirty="0">
+            <a:pPr marL="0" indent="0">
+              <a:buNone/>
+            </a:pPr>
+            <a:r>
+              <a:rPr lang="en-US" sz="2000" b="1" dirty="0">
                 <a:solidFill>
                   <a:srgbClr val="000087"/>
                 </a:solidFill>
@@ -13040,13 +12936,13 @@
               <a:t>In</a:t>
             </a:r>
             <a:r>
-              <a:rPr lang="en-US" sz="2100" b="1" dirty="0">
+              <a:rPr lang="en-US" sz="2000" b="1" dirty="0">
                 <a:latin typeface="Inconsolata Medium" panose="020B0609030003000000" pitchFamily="49" charset="77"/>
               </a:rPr>
               <a:t>[</a:t>
             </a:r>
             <a:r>
-              <a:rPr lang="en-US" sz="2100" b="1" dirty="0">
+              <a:rPr lang="en-US" sz="2000" b="1" dirty="0">
                 <a:solidFill>
                   <a:srgbClr val="FF6600"/>
                 </a:solidFill>
@@ -13055,111 +12951,427 @@
               <a:t>3</a:t>
             </a:r>
             <a:r>
-              <a:rPr lang="en-US" sz="2100" b="1" dirty="0">
-                <a:latin typeface="Inconsolata Medium" panose="020B0609030003000000" pitchFamily="49" charset="77"/>
-              </a:rPr>
-              <a:t>]: 3 == 5 </a:t>
-            </a:r>
-          </a:p>
-          <a:p>
-            <a:r>
-              <a:rPr lang="en-US" sz="2100" b="1" dirty="0">
-                <a:latin typeface="Inconsolata Medium" panose="020B0609030003000000" pitchFamily="49" charset="77"/>
-              </a:rPr>
-              <a:t>Out[3]: False </a:t>
-            </a:r>
-          </a:p>
-          <a:p>
-            <a:endParaRPr lang="en-US" sz="2100" b="1" dirty="0">
+              <a:rPr lang="en-US" sz="2000" b="1" dirty="0">
+                <a:latin typeface="Inconsolata Medium" panose="020B0609030003000000" pitchFamily="49" charset="77"/>
+              </a:rPr>
+              <a:t>]: </a:t>
+            </a:r>
+            <a:r>
+              <a:rPr lang="en-US" sz="2000" b="1" dirty="0">
+                <a:solidFill>
+                  <a:srgbClr val="000000"/>
+                </a:solidFill>
+                <a:latin typeface="Inconsolata Medium" panose="020B0609030003000000" pitchFamily="49" charset="77"/>
+              </a:rPr>
+              <a:t>x = </a:t>
+            </a:r>
+            <a:r>
+              <a:rPr lang="en-US" sz="2000" b="1" dirty="0">
+                <a:solidFill>
+                  <a:srgbClr val="0000CD"/>
+                </a:solidFill>
+                <a:latin typeface="Inconsolata Medium" panose="020B0609030003000000" pitchFamily="49" charset="77"/>
+              </a:rPr>
+              <a:t>int</a:t>
+            </a:r>
+            <a:r>
+              <a:rPr lang="en-US" sz="2000" b="1" dirty="0">
+                <a:solidFill>
+                  <a:srgbClr val="000000"/>
+                </a:solidFill>
+                <a:latin typeface="Inconsolata Medium" panose="020B0609030003000000" pitchFamily="49" charset="77"/>
+              </a:rPr>
+              <a:t>(</a:t>
+            </a:r>
+            <a:r>
+              <a:rPr lang="en-US" sz="2000" b="1" dirty="0">
+                <a:solidFill>
+                  <a:srgbClr val="FF0000"/>
+                </a:solidFill>
+                <a:latin typeface="Inconsolata Medium" panose="020B0609030003000000" pitchFamily="49" charset="77"/>
+              </a:rPr>
+              <a:t>1</a:t>
+            </a:r>
+            <a:r>
+              <a:rPr lang="en-US" sz="2000" b="1" dirty="0">
+                <a:solidFill>
+                  <a:srgbClr val="000000"/>
+                </a:solidFill>
+                <a:latin typeface="Inconsolata Medium" panose="020B0609030003000000" pitchFamily="49" charset="77"/>
+              </a:rPr>
+              <a:t>)   </a:t>
+            </a:r>
+            <a:r>
+              <a:rPr lang="en-US" sz="2000" b="1" dirty="0">
+                <a:solidFill>
+                  <a:srgbClr val="008000"/>
+                </a:solidFill>
+                <a:latin typeface="Inconsolata Medium" panose="020B0609030003000000" pitchFamily="49" charset="77"/>
+              </a:rPr>
+              <a:t># x will be 1</a:t>
+            </a:r>
+          </a:p>
+          <a:p>
+            <a:pPr marL="0" indent="0">
+              <a:buNone/>
+            </a:pPr>
+            <a:r>
+              <a:rPr lang="en-US" sz="2000" b="1" dirty="0">
+                <a:solidFill>
+                  <a:srgbClr val="008000"/>
+                </a:solidFill>
+                <a:latin typeface="Inconsolata Medium" panose="020B0609030003000000" pitchFamily="49" charset="77"/>
+              </a:rPr>
+              <a:t>       </a:t>
+            </a:r>
+            <a:r>
+              <a:rPr lang="en-US" sz="2000" b="1" dirty="0">
+                <a:solidFill>
+                  <a:srgbClr val="000000"/>
+                </a:solidFill>
+                <a:latin typeface="Inconsolata Medium" panose="020B0609030003000000" pitchFamily="49" charset="77"/>
+              </a:rPr>
+              <a:t>y = </a:t>
+            </a:r>
+            <a:r>
+              <a:rPr lang="en-US" sz="2000" b="1" dirty="0">
+                <a:solidFill>
+                  <a:srgbClr val="0000CD"/>
+                </a:solidFill>
+                <a:latin typeface="Inconsolata Medium" panose="020B0609030003000000" pitchFamily="49" charset="77"/>
+              </a:rPr>
+              <a:t>int</a:t>
+            </a:r>
+            <a:r>
+              <a:rPr lang="en-US" sz="2000" b="1" dirty="0">
+                <a:solidFill>
+                  <a:srgbClr val="000000"/>
+                </a:solidFill>
+                <a:latin typeface="Inconsolata Medium" panose="020B0609030003000000" pitchFamily="49" charset="77"/>
+              </a:rPr>
+              <a:t>(</a:t>
+            </a:r>
+            <a:r>
+              <a:rPr lang="en-US" sz="2000" b="1" dirty="0">
+                <a:solidFill>
+                  <a:srgbClr val="FF0000"/>
+                </a:solidFill>
+                <a:latin typeface="Inconsolata Medium" panose="020B0609030003000000" pitchFamily="49" charset="77"/>
+              </a:rPr>
+              <a:t>2.8</a:t>
+            </a:r>
+            <a:r>
+              <a:rPr lang="en-US" sz="2000" b="1" dirty="0">
+                <a:solidFill>
+                  <a:srgbClr val="000000"/>
+                </a:solidFill>
+                <a:latin typeface="Inconsolata Medium" panose="020B0609030003000000" pitchFamily="49" charset="77"/>
+              </a:rPr>
+              <a:t>) </a:t>
+            </a:r>
+            <a:r>
+              <a:rPr lang="en-US" sz="2000" b="1" dirty="0">
+                <a:solidFill>
+                  <a:srgbClr val="008000"/>
+                </a:solidFill>
+                <a:latin typeface="Inconsolata Medium" panose="020B0609030003000000" pitchFamily="49" charset="77"/>
+              </a:rPr>
+              <a:t># y will be 2</a:t>
+            </a:r>
+            <a:br>
+              <a:rPr lang="en-US" sz="2000" b="1" dirty="0">
+                <a:solidFill>
+                  <a:srgbClr val="008000"/>
+                </a:solidFill>
+                <a:latin typeface="Inconsolata Medium" panose="020B0609030003000000" pitchFamily="49" charset="77"/>
+              </a:rPr>
+            </a:br>
+            <a:r>
+              <a:rPr lang="en-US" sz="2000" b="1" dirty="0">
+                <a:solidFill>
+                  <a:srgbClr val="008000"/>
+                </a:solidFill>
+                <a:latin typeface="Inconsolata Medium" panose="020B0609030003000000" pitchFamily="49" charset="77"/>
+              </a:rPr>
+              <a:t>       </a:t>
+            </a:r>
+            <a:r>
+              <a:rPr lang="en-US" sz="2000" b="1" dirty="0">
+                <a:solidFill>
+                  <a:srgbClr val="000000"/>
+                </a:solidFill>
+                <a:latin typeface="Inconsolata Medium" panose="020B0609030003000000" pitchFamily="49" charset="77"/>
+              </a:rPr>
+              <a:t>z = </a:t>
+            </a:r>
+            <a:r>
+              <a:rPr lang="en-US" sz="2000" b="1" dirty="0">
+                <a:solidFill>
+                  <a:srgbClr val="0000CD"/>
+                </a:solidFill>
+                <a:latin typeface="Inconsolata Medium" panose="020B0609030003000000" pitchFamily="49" charset="77"/>
+              </a:rPr>
+              <a:t>int</a:t>
+            </a:r>
+            <a:r>
+              <a:rPr lang="en-US" sz="2000" b="1" dirty="0">
+                <a:solidFill>
+                  <a:srgbClr val="000000"/>
+                </a:solidFill>
+                <a:latin typeface="Inconsolata Medium" panose="020B0609030003000000" pitchFamily="49" charset="77"/>
+              </a:rPr>
+              <a:t>(</a:t>
+            </a:r>
+            <a:r>
+              <a:rPr lang="en-US" sz="2000" b="1" dirty="0">
+                <a:solidFill>
+                  <a:srgbClr val="A52A2A"/>
+                </a:solidFill>
+                <a:latin typeface="Inconsolata Medium" panose="020B0609030003000000" pitchFamily="49" charset="77"/>
+              </a:rPr>
+              <a:t>‘3’</a:t>
+            </a:r>
+            <a:r>
+              <a:rPr lang="en-US" sz="2000" b="1" dirty="0">
+                <a:solidFill>
+                  <a:srgbClr val="000000"/>
+                </a:solidFill>
+                <a:latin typeface="Inconsolata Medium" panose="020B0609030003000000" pitchFamily="49" charset="77"/>
+              </a:rPr>
+              <a:t>) </a:t>
+            </a:r>
+            <a:r>
+              <a:rPr lang="en-US" sz="2000" b="1" dirty="0">
+                <a:solidFill>
+                  <a:srgbClr val="008000"/>
+                </a:solidFill>
+                <a:latin typeface="Inconsolata Medium" panose="020B0609030003000000" pitchFamily="49" charset="77"/>
+              </a:rPr>
+              <a:t># z will be 3</a:t>
+            </a:r>
+            <a:br>
+              <a:rPr lang="en-US" sz="2000" b="1" dirty="0">
+                <a:solidFill>
+                  <a:srgbClr val="008000"/>
+                </a:solidFill>
+                <a:latin typeface="Inconsolata Medium" panose="020B0609030003000000" pitchFamily="49" charset="77"/>
+              </a:rPr>
+            </a:br>
+            <a:r>
+              <a:rPr lang="en-US" sz="2000" b="1" dirty="0">
+                <a:solidFill>
+                  <a:srgbClr val="008000"/>
+                </a:solidFill>
+                <a:latin typeface="Inconsolata Medium" panose="020B0609030003000000" pitchFamily="49" charset="77"/>
+              </a:rPr>
+              <a:t>       </a:t>
+            </a:r>
+            <a:r>
+              <a:rPr lang="en-US" sz="2000" b="1" dirty="0">
+                <a:solidFill>
+                  <a:srgbClr val="000000"/>
+                </a:solidFill>
+                <a:latin typeface="Inconsolata Medium" panose="020B0609030003000000" pitchFamily="49" charset="77"/>
+              </a:rPr>
+              <a:t>a = </a:t>
+            </a:r>
+            <a:r>
+              <a:rPr lang="en-US" sz="2000" b="1" dirty="0">
+                <a:solidFill>
+                  <a:srgbClr val="0000CD"/>
+                </a:solidFill>
+                <a:latin typeface="Inconsolata Medium" panose="020B0609030003000000" pitchFamily="49" charset="77"/>
+              </a:rPr>
+              <a:t>float</a:t>
+            </a:r>
+            <a:r>
+              <a:rPr lang="en-US" sz="2000" b="1" dirty="0">
+                <a:solidFill>
+                  <a:srgbClr val="000000"/>
+                </a:solidFill>
+                <a:latin typeface="Inconsolata Medium" panose="020B0609030003000000" pitchFamily="49" charset="77"/>
+              </a:rPr>
+              <a:t>(</a:t>
+            </a:r>
+            <a:r>
+              <a:rPr lang="en-US" sz="2000" b="1" dirty="0">
+                <a:solidFill>
+                  <a:srgbClr val="FF0000"/>
+                </a:solidFill>
+                <a:latin typeface="Inconsolata Medium" panose="020B0609030003000000" pitchFamily="49" charset="77"/>
+              </a:rPr>
+              <a:t>2.8</a:t>
+            </a:r>
+            <a:r>
+              <a:rPr lang="en-US" sz="2000" b="1" dirty="0">
+                <a:solidFill>
+                  <a:srgbClr val="000000"/>
+                </a:solidFill>
+                <a:latin typeface="Inconsolata Medium" panose="020B0609030003000000" pitchFamily="49" charset="77"/>
+              </a:rPr>
+              <a:t>)   </a:t>
+            </a:r>
+            <a:r>
+              <a:rPr lang="en-US" sz="2000" b="1" dirty="0">
+                <a:solidFill>
+                  <a:srgbClr val="008000"/>
+                </a:solidFill>
+                <a:latin typeface="Inconsolata Medium" panose="020B0609030003000000" pitchFamily="49" charset="77"/>
+              </a:rPr>
+              <a:t># a will be 2.8</a:t>
+            </a:r>
+            <a:br>
+              <a:rPr lang="en-US" sz="2000" b="1" dirty="0">
+                <a:solidFill>
+                  <a:srgbClr val="008000"/>
+                </a:solidFill>
+                <a:latin typeface="Inconsolata Medium" panose="020B0609030003000000" pitchFamily="49" charset="77"/>
+              </a:rPr>
+            </a:br>
+            <a:r>
+              <a:rPr lang="en-US" sz="2000" b="1" dirty="0">
+                <a:solidFill>
+                  <a:srgbClr val="008000"/>
+                </a:solidFill>
+                <a:latin typeface="Inconsolata Medium" panose="020B0609030003000000" pitchFamily="49" charset="77"/>
+              </a:rPr>
+              <a:t>       </a:t>
+            </a:r>
+            <a:r>
+              <a:rPr lang="en-US" sz="2000" b="1" dirty="0">
+                <a:solidFill>
+                  <a:srgbClr val="000000"/>
+                </a:solidFill>
+                <a:latin typeface="Inconsolata Medium" panose="020B0609030003000000" pitchFamily="49" charset="77"/>
+              </a:rPr>
+              <a:t>b = </a:t>
+            </a:r>
+            <a:r>
+              <a:rPr lang="en-US" sz="2000" b="1" dirty="0">
+                <a:solidFill>
+                  <a:srgbClr val="0000CD"/>
+                </a:solidFill>
+                <a:latin typeface="Inconsolata Medium" panose="020B0609030003000000" pitchFamily="49" charset="77"/>
+              </a:rPr>
+              <a:t>float</a:t>
+            </a:r>
+            <a:r>
+              <a:rPr lang="en-US" sz="2000" b="1" dirty="0">
+                <a:solidFill>
+                  <a:srgbClr val="000000"/>
+                </a:solidFill>
+                <a:latin typeface="Inconsolata Medium" panose="020B0609030003000000" pitchFamily="49" charset="77"/>
+              </a:rPr>
+              <a:t>(</a:t>
+            </a:r>
+            <a:r>
+              <a:rPr lang="en-US" sz="2000" b="1" dirty="0">
+                <a:solidFill>
+                  <a:srgbClr val="A52A2A"/>
+                </a:solidFill>
+                <a:latin typeface="Inconsolata Medium" panose="020B0609030003000000" pitchFamily="49" charset="77"/>
+              </a:rPr>
+              <a:t>“3”</a:t>
+            </a:r>
+            <a:r>
+              <a:rPr lang="en-US" sz="2000" b="1" dirty="0">
+                <a:solidFill>
+                  <a:srgbClr val="000000"/>
+                </a:solidFill>
+                <a:latin typeface="Inconsolata Medium" panose="020B0609030003000000" pitchFamily="49" charset="77"/>
+              </a:rPr>
+              <a:t>)   </a:t>
+            </a:r>
+            <a:r>
+              <a:rPr lang="en-US" sz="2000" b="1" dirty="0">
+                <a:solidFill>
+                  <a:srgbClr val="008000"/>
+                </a:solidFill>
+                <a:latin typeface="Inconsolata Medium" panose="020B0609030003000000" pitchFamily="49" charset="77"/>
+              </a:rPr>
+              <a:t># b will be 3.0</a:t>
+            </a:r>
+            <a:br>
+              <a:rPr lang="en-US" sz="2000" b="1" dirty="0">
+                <a:solidFill>
+                  <a:srgbClr val="008000"/>
+                </a:solidFill>
+                <a:latin typeface="Inconsolata Medium" panose="020B0609030003000000" pitchFamily="49" charset="77"/>
+              </a:rPr>
+            </a:br>
+            <a:r>
+              <a:rPr lang="en-US" sz="2000" b="1" dirty="0">
+                <a:solidFill>
+                  <a:srgbClr val="008000"/>
+                </a:solidFill>
+                <a:latin typeface="Inconsolata Medium" panose="020B0609030003000000" pitchFamily="49" charset="77"/>
+              </a:rPr>
+              <a:t>       </a:t>
+            </a:r>
+            <a:r>
+              <a:rPr lang="en-US" sz="2000" b="1" dirty="0">
+                <a:solidFill>
+                  <a:srgbClr val="000000"/>
+                </a:solidFill>
+                <a:latin typeface="Inconsolata Medium" panose="020B0609030003000000" pitchFamily="49" charset="77"/>
+              </a:rPr>
+              <a:t>c = </a:t>
+            </a:r>
+            <a:r>
+              <a:rPr lang="en-US" sz="2000" b="1" dirty="0">
+                <a:solidFill>
+                  <a:srgbClr val="0000CD"/>
+                </a:solidFill>
+                <a:latin typeface="Inconsolata Medium" panose="020B0609030003000000" pitchFamily="49" charset="77"/>
+              </a:rPr>
+              <a:t>float</a:t>
+            </a:r>
+            <a:r>
+              <a:rPr lang="en-US" sz="2000" b="1" dirty="0">
+                <a:solidFill>
+                  <a:srgbClr val="000000"/>
+                </a:solidFill>
+                <a:latin typeface="Inconsolata Medium" panose="020B0609030003000000" pitchFamily="49" charset="77"/>
+              </a:rPr>
+              <a:t>(</a:t>
+            </a:r>
+            <a:r>
+              <a:rPr lang="en-US" sz="2000" b="1" dirty="0">
+                <a:solidFill>
+                  <a:srgbClr val="A52A2A"/>
+                </a:solidFill>
+                <a:latin typeface="Inconsolata Medium" panose="020B0609030003000000" pitchFamily="49" charset="77"/>
+              </a:rPr>
+              <a:t>‘4.2’</a:t>
+            </a:r>
+            <a:r>
+              <a:rPr lang="en-US" sz="2000" b="1" dirty="0">
+                <a:solidFill>
+                  <a:srgbClr val="000000"/>
+                </a:solidFill>
+                <a:latin typeface="Inconsolata Medium" panose="020B0609030003000000" pitchFamily="49" charset="77"/>
+              </a:rPr>
+              <a:t>) </a:t>
+            </a:r>
+            <a:r>
+              <a:rPr lang="en-US" sz="2000" b="1" dirty="0">
+                <a:solidFill>
+                  <a:srgbClr val="008000"/>
+                </a:solidFill>
+                <a:latin typeface="Inconsolata Medium" panose="020B0609030003000000" pitchFamily="49" charset="77"/>
+              </a:rPr>
+              <a:t># c will be 4.2</a:t>
+            </a:r>
+            <a:endParaRPr lang="en-US" sz="2000" b="1" dirty="0">
               <a:latin typeface="Inconsolata Medium" panose="020B0609030003000000" pitchFamily="49" charset="77"/>
             </a:endParaRPr>
-          </a:p>
-        </p:txBody>
-      </p:sp>
-      <p:sp>
-        <p:nvSpPr>
-          <p:cNvPr id="5" name="TextBox 4">
-            <a:extLst>
-              <a:ext uri="{FF2B5EF4-FFF2-40B4-BE49-F238E27FC236}">
-                <a16:creationId xmlns:a16="http://schemas.microsoft.com/office/drawing/2014/main" id="{A837F494-BE4D-5645-A5EE-61E70636208A}"/>
-              </a:ext>
-            </a:extLst>
-          </p:cNvPr>
-          <p:cNvSpPr txBox="1"/>
-          <p:nvPr/>
-        </p:nvSpPr>
-        <p:spPr>
-          <a:xfrm>
-            <a:off x="483848" y="3878826"/>
-            <a:ext cx="3365327" cy="1061829"/>
-          </a:xfrm>
-          <a:prstGeom prst="rect">
-            <a:avLst/>
-          </a:prstGeom>
-          <a:noFill/>
-        </p:spPr>
-        <p:txBody>
-          <a:bodyPr wrap="square" rtlCol="0">
-            <a:spAutoFit/>
-          </a:bodyPr>
-          <a:lstStyle/>
-          <a:p>
-            <a:r>
-              <a:rPr lang="en-US" sz="2100" b="1" dirty="0">
-                <a:solidFill>
-                  <a:srgbClr val="000087"/>
-                </a:solidFill>
-                <a:latin typeface="Inconsolata Medium" panose="020B0609030003000000" pitchFamily="49" charset="77"/>
-              </a:rPr>
-              <a:t>In</a:t>
-            </a:r>
-            <a:r>
-              <a:rPr lang="en-US" sz="2100" b="1" dirty="0">
-                <a:latin typeface="Inconsolata Medium" panose="020B0609030003000000" pitchFamily="49" charset="77"/>
-              </a:rPr>
-              <a:t>[</a:t>
-            </a:r>
-            <a:r>
-              <a:rPr lang="en-US" sz="2100" b="1" dirty="0">
-                <a:solidFill>
-                  <a:srgbClr val="FF6600"/>
-                </a:solidFill>
-                <a:latin typeface="Inconsolata Medium" panose="020B0609030003000000" pitchFamily="49" charset="77"/>
-              </a:rPr>
-              <a:t>1</a:t>
-            </a:r>
-            <a:r>
-              <a:rPr lang="en-US" sz="2100" b="1" dirty="0">
-                <a:latin typeface="Inconsolata Medium" panose="020B0609030003000000" pitchFamily="49" charset="77"/>
-              </a:rPr>
-              <a:t>]: x = False</a:t>
-            </a:r>
-          </a:p>
-          <a:p>
-            <a:r>
-              <a:rPr lang="en-US" sz="2100" b="1" dirty="0">
-                <a:solidFill>
-                  <a:srgbClr val="000087"/>
-                </a:solidFill>
-                <a:latin typeface="Inconsolata Medium" panose="020B0609030003000000" pitchFamily="49" charset="77"/>
-              </a:rPr>
-              <a:t>       type(x) </a:t>
-            </a:r>
-          </a:p>
-          <a:p>
-            <a:r>
-              <a:rPr lang="en-US" sz="2100" b="1" dirty="0">
-                <a:latin typeface="Inconsolata Medium" panose="020B0609030003000000" pitchFamily="49" charset="77"/>
-              </a:rPr>
-              <a:t>Out[1]: bool </a:t>
-            </a:r>
           </a:p>
         </p:txBody>
       </p:sp>
     </p:spTree>
     <p:extLst>
       <p:ext uri="{BB962C8B-B14F-4D97-AF65-F5344CB8AC3E}">
-        <p14:creationId xmlns:p14="http://schemas.microsoft.com/office/powerpoint/2010/main" val="2119170476"/>
+        <p14:creationId xmlns:p14="http://schemas.microsoft.com/office/powerpoint/2010/main" val="3711861066"/>
       </p:ext>
     </p:extLst>
   </p:cSld>
@@ -13214,7 +13426,7 @@
           <a:p>
             <a:r>
               <a:rPr lang="en-US" dirty="0"/>
-              <a:t>Lab 1</a:t>
+              <a:t>Boolean Type</a:t>
             </a:r>
           </a:p>
         </p:txBody>
@@ -13237,8 +13449,8 @@
         </p:nvSpPr>
         <p:spPr>
           <a:xfrm>
-            <a:off x="483848" y="1150912"/>
-            <a:ext cx="8051725" cy="4564087"/>
+            <a:off x="483848" y="1150913"/>
+            <a:ext cx="8051725" cy="4440590"/>
           </a:xfrm>
         </p:spPr>
         <p:txBody>
@@ -13252,118 +13464,356 @@
             </a:pPr>
             <a:r>
               <a:rPr lang="en-US" dirty="0"/>
-              <a:t> Download and install Anaconda on your home computer. </a:t>
-            </a:r>
-          </a:p>
-          <a:p>
-            <a:pPr marL="0" indent="0">
-              <a:buNone/>
-            </a:pPr>
-            <a:r>
-              <a:rPr lang="en-US" dirty="0">
-                <a:hlinkClick r:id="rId2"/>
-              </a:rPr>
-              <a:t>https://www.anaconda.com/distribution/</a:t>
-            </a:r>
+              <a:t>The Boolean type is a simple type with two possible values: True and False.</a:t>
+            </a:r>
+          </a:p>
+          <a:p>
+            <a:pPr marL="0" indent="0">
+              <a:buNone/>
+            </a:pPr>
+            <a:r>
+              <a:rPr lang="en-US" dirty="0"/>
+              <a:t>Boolean values are case-sensitive: unlike some other languages, True and False must be capitalized! </a:t>
+            </a:r>
+          </a:p>
+          <a:p>
+            <a:pPr marL="0" indent="0">
+              <a:buNone/>
+            </a:pPr>
             <a:endParaRPr lang="en-US" dirty="0"/>
           </a:p>
           <a:p>
             <a:pPr marL="0" indent="0">
               <a:buNone/>
             </a:pPr>
+            <a:r>
+              <a:rPr lang="en-US" dirty="0"/>
+              <a:t>Comparison operators return </a:t>
+            </a:r>
+          </a:p>
+          <a:p>
+            <a:pPr marL="0" indent="0">
+              <a:buNone/>
+            </a:pPr>
+            <a:r>
+              <a:rPr lang="en-US" dirty="0"/>
+              <a:t>True or False values. </a:t>
+            </a:r>
+          </a:p>
+          <a:p>
+            <a:pPr marL="0" indent="0">
+              <a:buNone/>
+            </a:pPr>
             <a:endParaRPr lang="en-US" dirty="0"/>
           </a:p>
           <a:p>
             <a:pPr marL="0" indent="0">
               <a:buNone/>
             </a:pPr>
-            <a:r>
-              <a:rPr lang="en-US" dirty="0"/>
-              <a:t>On your computer. Open the </a:t>
-            </a:r>
-            <a:r>
-              <a:rPr lang="en-US" dirty="0" err="1"/>
-              <a:t>IPython</a:t>
-            </a:r>
-            <a:r>
-              <a:rPr lang="en-US" dirty="0"/>
-              <a:t> interpreter. Experiment with some of the concepts we learn:</a:t>
-            </a:r>
-          </a:p>
-          <a:p>
-            <a:pPr marL="0" indent="0">
-              <a:buNone/>
-            </a:pPr>
             <a:endParaRPr lang="en-US" dirty="0"/>
           </a:p>
           <a:p>
-            <a:pPr marL="457200" indent="-457200">
-              <a:buAutoNum type="arabicParenR"/>
-            </a:pPr>
-            <a:r>
-              <a:rPr lang="en-US" dirty="0"/>
-              <a:t>Print some strings. Experiment with the “</a:t>
-            </a:r>
-            <a:r>
-              <a:rPr lang="en-US" dirty="0" err="1"/>
-              <a:t>sep</a:t>
-            </a:r>
-            <a:r>
-              <a:rPr lang="en-US" dirty="0"/>
-              <a:t>” and “end” parameters.</a:t>
-            </a:r>
-          </a:p>
-          <a:p>
-            <a:pPr marL="457200" indent="-457200">
-              <a:buAutoNum type="arabicParenR"/>
-            </a:pPr>
-            <a:r>
-              <a:rPr lang="en-US" dirty="0"/>
-              <a:t>Try division vs floor division with integers. </a:t>
-            </a:r>
-          </a:p>
-          <a:p>
-            <a:pPr marL="457200" indent="-457200">
-              <a:buAutoNum type="arabicParenR"/>
-            </a:pPr>
-            <a:r>
-              <a:rPr lang="en-US" dirty="0"/>
-              <a:t>Initialize some floating point variables in both standard decimal notation and in exponential notation.</a:t>
-            </a:r>
-          </a:p>
-          <a:p>
-            <a:pPr marL="457200" indent="-457200">
-              <a:buAutoNum type="arabicParenR"/>
-            </a:pPr>
-            <a:r>
-              <a:rPr lang="en-US" dirty="0"/>
-              <a:t>Experiment with the type() function. </a:t>
-            </a:r>
-          </a:p>
-          <a:p>
-            <a:pPr marL="457200" indent="-457200">
-              <a:buAutoNum type="arabicParenR"/>
+            <a:pPr marL="0" indent="0">
+              <a:buNone/>
             </a:pPr>
             <a:endParaRPr lang="en-US" dirty="0"/>
           </a:p>
           <a:p>
-            <a:pPr marL="457200" indent="-457200">
-              <a:buAutoNum type="arabicParenR"/>
+            <a:pPr marL="0" indent="0">
+              <a:buNone/>
             </a:pPr>
             <a:endParaRPr lang="en-US" dirty="0"/>
           </a:p>
           <a:p>
-            <a:pPr marL="457200" indent="-457200">
-              <a:buAutoNum type="arabicParenR"/>
+            <a:pPr marL="0" indent="0">
+              <a:buNone/>
             </a:pPr>
             <a:endParaRPr lang="en-US" dirty="0"/>
+          </a:p>
+          <a:p>
+            <a:pPr marL="0" indent="0">
+              <a:buNone/>
+            </a:pPr>
+            <a:endParaRPr lang="en-US" sz="1900" b="1" dirty="0">
+              <a:latin typeface="Inconsolata Medium" panose="020B0609030003000000" pitchFamily="49" charset="77"/>
+            </a:endParaRPr>
+          </a:p>
+        </p:txBody>
+      </p:sp>
+      <p:sp>
+        <p:nvSpPr>
+          <p:cNvPr id="3" name="TextBox 2">
+            <a:extLst>
+              <a:ext uri="{FF2B5EF4-FFF2-40B4-BE49-F238E27FC236}">
+                <a16:creationId xmlns:a16="http://schemas.microsoft.com/office/drawing/2014/main" id="{899F54E7-5FE4-EF45-9CE3-B2C76F14DE7B}"/>
+              </a:ext>
+            </a:extLst>
+          </p:cNvPr>
+          <p:cNvSpPr txBox="1"/>
+          <p:nvPr/>
+        </p:nvSpPr>
+        <p:spPr>
+          <a:xfrm>
+            <a:off x="4466590" y="3029770"/>
+            <a:ext cx="3880993" cy="2354491"/>
+          </a:xfrm>
+          <a:prstGeom prst="rect">
+            <a:avLst/>
+          </a:prstGeom>
+          <a:noFill/>
+        </p:spPr>
+        <p:txBody>
+          <a:bodyPr wrap="square" rtlCol="0">
+            <a:spAutoFit/>
+          </a:bodyPr>
+          <a:lstStyle/>
+          <a:p>
+            <a:r>
+              <a:rPr lang="en-US" sz="2100" b="1" dirty="0">
+                <a:solidFill>
+                  <a:srgbClr val="000087"/>
+                </a:solidFill>
+                <a:latin typeface="Inconsolata Medium" panose="020B0609030003000000" pitchFamily="49" charset="77"/>
+              </a:rPr>
+              <a:t>In </a:t>
+            </a:r>
+            <a:r>
+              <a:rPr lang="en-US" sz="2100" b="1" dirty="0">
+                <a:latin typeface="Inconsolata Medium" panose="020B0609030003000000" pitchFamily="49" charset="77"/>
+              </a:rPr>
+              <a:t>[</a:t>
+            </a:r>
+            <a:r>
+              <a:rPr lang="en-US" sz="2100" b="1" dirty="0">
+                <a:solidFill>
+                  <a:srgbClr val="FF6600"/>
+                </a:solidFill>
+                <a:latin typeface="Inconsolata Medium" panose="020B0609030003000000" pitchFamily="49" charset="77"/>
+              </a:rPr>
+              <a:t>2</a:t>
+            </a:r>
+            <a:r>
+              <a:rPr lang="en-US" sz="2100" b="1" dirty="0">
+                <a:latin typeface="Inconsolata Medium" panose="020B0609030003000000" pitchFamily="49" charset="77"/>
+              </a:rPr>
+              <a:t>]: </a:t>
+            </a:r>
+            <a:r>
+              <a:rPr lang="en-US" sz="2100" b="1" dirty="0">
+                <a:solidFill>
+                  <a:srgbClr val="000087"/>
+                </a:solidFill>
+                <a:latin typeface="Inconsolata Medium" panose="020B0609030003000000" pitchFamily="49" charset="77"/>
+              </a:rPr>
+              <a:t>result </a:t>
+            </a:r>
+            <a:r>
+              <a:rPr lang="en-US" sz="2100" b="1" dirty="0">
+                <a:solidFill>
+                  <a:srgbClr val="545454"/>
+                </a:solidFill>
+                <a:latin typeface="Inconsolata Medium" panose="020B0609030003000000" pitchFamily="49" charset="77"/>
+              </a:rPr>
+              <a:t>= </a:t>
+            </a:r>
+            <a:r>
+              <a:rPr lang="en-US" sz="2100" b="1" dirty="0">
+                <a:latin typeface="Inconsolata Medium" panose="020B0609030003000000" pitchFamily="49" charset="77"/>
+              </a:rPr>
+              <a:t>(</a:t>
+            </a:r>
+            <a:r>
+              <a:rPr lang="en-US" sz="2100" b="1" dirty="0">
+                <a:solidFill>
+                  <a:srgbClr val="FF6600"/>
+                </a:solidFill>
+                <a:latin typeface="Inconsolata Medium" panose="020B0609030003000000" pitchFamily="49" charset="77"/>
+              </a:rPr>
+              <a:t>4 </a:t>
+            </a:r>
+            <a:r>
+              <a:rPr lang="en-US" sz="2100" b="1" dirty="0">
+                <a:solidFill>
+                  <a:srgbClr val="545454"/>
+                </a:solidFill>
+                <a:latin typeface="Inconsolata Medium" panose="020B0609030003000000" pitchFamily="49" charset="77"/>
+              </a:rPr>
+              <a:t>&lt; </a:t>
+            </a:r>
+            <a:r>
+              <a:rPr lang="en-US" sz="2100" b="1" dirty="0">
+                <a:solidFill>
+                  <a:srgbClr val="FF6600"/>
+                </a:solidFill>
+                <a:latin typeface="Inconsolata Medium" panose="020B0609030003000000" pitchFamily="49" charset="77"/>
+              </a:rPr>
+              <a:t>5</a:t>
+            </a:r>
+            <a:r>
+              <a:rPr lang="en-US" sz="2100" b="1" dirty="0">
+                <a:latin typeface="Inconsolata Medium" panose="020B0609030003000000" pitchFamily="49" charset="77"/>
+              </a:rPr>
+              <a:t>)</a:t>
+            </a:r>
+          </a:p>
+          <a:p>
+            <a:r>
+              <a:rPr lang="en-US" sz="2100" b="1" dirty="0">
+                <a:solidFill>
+                  <a:srgbClr val="000087"/>
+                </a:solidFill>
+                <a:latin typeface="Inconsolata Medium" panose="020B0609030003000000" pitchFamily="49" charset="77"/>
+              </a:rPr>
+              <a:t>        result </a:t>
+            </a:r>
+          </a:p>
+          <a:p>
+            <a:r>
+              <a:rPr lang="en-US" sz="2100" b="1" dirty="0">
+                <a:latin typeface="Inconsolata Medium" panose="020B0609030003000000" pitchFamily="49" charset="77"/>
+              </a:rPr>
+              <a:t>Out[2]: True </a:t>
+            </a:r>
+          </a:p>
+          <a:p>
+            <a:endParaRPr lang="en-US" sz="2100" b="1" dirty="0">
+              <a:solidFill>
+                <a:srgbClr val="000087"/>
+              </a:solidFill>
+              <a:latin typeface="Inconsolata Medium" panose="020B0609030003000000" pitchFamily="49" charset="77"/>
+            </a:endParaRPr>
+          </a:p>
+          <a:p>
+            <a:r>
+              <a:rPr lang="en-US" sz="2100" b="1" dirty="0">
+                <a:solidFill>
+                  <a:srgbClr val="000087"/>
+                </a:solidFill>
+                <a:latin typeface="Inconsolata Medium" panose="020B0609030003000000" pitchFamily="49" charset="77"/>
+              </a:rPr>
+              <a:t>In</a:t>
+            </a:r>
+            <a:r>
+              <a:rPr lang="en-US" sz="2100" b="1" dirty="0">
+                <a:latin typeface="Inconsolata Medium" panose="020B0609030003000000" pitchFamily="49" charset="77"/>
+              </a:rPr>
+              <a:t>[</a:t>
+            </a:r>
+            <a:r>
+              <a:rPr lang="en-US" sz="2100" b="1" dirty="0">
+                <a:solidFill>
+                  <a:srgbClr val="FF6600"/>
+                </a:solidFill>
+                <a:latin typeface="Inconsolata Medium" panose="020B0609030003000000" pitchFamily="49" charset="77"/>
+              </a:rPr>
+              <a:t>3</a:t>
+            </a:r>
+            <a:r>
+              <a:rPr lang="en-US" sz="2100" b="1" dirty="0">
+                <a:latin typeface="Inconsolata Medium" panose="020B0609030003000000" pitchFamily="49" charset="77"/>
+              </a:rPr>
+              <a:t>]: 3 == 5 </a:t>
+            </a:r>
+          </a:p>
+          <a:p>
+            <a:r>
+              <a:rPr lang="en-US" sz="2100" b="1" dirty="0">
+                <a:latin typeface="Inconsolata Medium" panose="020B0609030003000000" pitchFamily="49" charset="77"/>
+              </a:rPr>
+              <a:t>Out[3]: False </a:t>
+            </a:r>
+          </a:p>
+          <a:p>
+            <a:endParaRPr lang="en-US" sz="2100" b="1" dirty="0">
+              <a:latin typeface="Inconsolata Medium" panose="020B0609030003000000" pitchFamily="49" charset="77"/>
+            </a:endParaRPr>
+          </a:p>
+        </p:txBody>
+      </p:sp>
+      <p:sp>
+        <p:nvSpPr>
+          <p:cNvPr id="5" name="TextBox 4">
+            <a:extLst>
+              <a:ext uri="{FF2B5EF4-FFF2-40B4-BE49-F238E27FC236}">
+                <a16:creationId xmlns:a16="http://schemas.microsoft.com/office/drawing/2014/main" id="{A837F494-BE4D-5645-A5EE-61E70636208A}"/>
+              </a:ext>
+            </a:extLst>
+          </p:cNvPr>
+          <p:cNvSpPr txBox="1"/>
+          <p:nvPr/>
+        </p:nvSpPr>
+        <p:spPr>
+          <a:xfrm>
+            <a:off x="483848" y="3878826"/>
+            <a:ext cx="3365327" cy="1061829"/>
+          </a:xfrm>
+          <a:prstGeom prst="rect">
+            <a:avLst/>
+          </a:prstGeom>
+          <a:noFill/>
+        </p:spPr>
+        <p:txBody>
+          <a:bodyPr wrap="square" rtlCol="0">
+            <a:spAutoFit/>
+          </a:bodyPr>
+          <a:lstStyle/>
+          <a:p>
+            <a:r>
+              <a:rPr lang="en-US" sz="2100" b="1" dirty="0">
+                <a:solidFill>
+                  <a:srgbClr val="000087"/>
+                </a:solidFill>
+                <a:latin typeface="Inconsolata Medium" panose="020B0609030003000000" pitchFamily="49" charset="77"/>
+              </a:rPr>
+              <a:t>In</a:t>
+            </a:r>
+            <a:r>
+              <a:rPr lang="en-US" sz="2100" b="1" dirty="0">
+                <a:latin typeface="Inconsolata Medium" panose="020B0609030003000000" pitchFamily="49" charset="77"/>
+              </a:rPr>
+              <a:t>[</a:t>
+            </a:r>
+            <a:r>
+              <a:rPr lang="en-US" sz="2100" b="1" dirty="0">
+                <a:solidFill>
+                  <a:srgbClr val="FF6600"/>
+                </a:solidFill>
+                <a:latin typeface="Inconsolata Medium" panose="020B0609030003000000" pitchFamily="49" charset="77"/>
+              </a:rPr>
+              <a:t>1</a:t>
+            </a:r>
+            <a:r>
+              <a:rPr lang="en-US" sz="2100" b="1" dirty="0">
+                <a:latin typeface="Inconsolata Medium" panose="020B0609030003000000" pitchFamily="49" charset="77"/>
+              </a:rPr>
+              <a:t>]: x = False</a:t>
+            </a:r>
+          </a:p>
+          <a:p>
+            <a:r>
+              <a:rPr lang="en-US" sz="2100" b="1" dirty="0">
+                <a:solidFill>
+                  <a:srgbClr val="000087"/>
+                </a:solidFill>
+                <a:latin typeface="Inconsolata Medium" panose="020B0609030003000000" pitchFamily="49" charset="77"/>
+              </a:rPr>
+              <a:t>       type(x) </a:t>
+            </a:r>
+          </a:p>
+          <a:p>
+            <a:r>
+              <a:rPr lang="en-US" sz="2100" b="1" dirty="0">
+                <a:latin typeface="Inconsolata Medium" panose="020B0609030003000000" pitchFamily="49" charset="77"/>
+              </a:rPr>
+              <a:t>Out[1]: bool </a:t>
+            </a:r>
           </a:p>
         </p:txBody>
       </p:sp>
     </p:spTree>
     <p:extLst>
       <p:ext uri="{BB962C8B-B14F-4D97-AF65-F5344CB8AC3E}">
-        <p14:creationId xmlns:p14="http://schemas.microsoft.com/office/powerpoint/2010/main" val="2064379448"/>
+        <p14:creationId xmlns:p14="http://schemas.microsoft.com/office/powerpoint/2010/main" val="2119170476"/>
       </p:ext>
     </p:extLst>
   </p:cSld>
@@ -13417,8 +13867,247 @@
           <a:lstStyle/>
           <a:p>
             <a:r>
+              <a:rPr lang="en-US" dirty="0" err="1"/>
+              <a:t>NoneType</a:t>
+            </a:r>
+            <a:endParaRPr lang="en-US" dirty="0"/>
+          </a:p>
+        </p:txBody>
+      </p:sp>
+      <p:sp>
+        <p:nvSpPr>
+          <p:cNvPr id="9" name="Content Placeholder 8">
+            <a:extLst>
+              <a:ext uri="{FF2B5EF4-FFF2-40B4-BE49-F238E27FC236}">
+                <a16:creationId xmlns:a16="http://schemas.microsoft.com/office/drawing/2014/main" id="{E3B2E017-30B2-884B-A113-B419A2ED51AD}"/>
+              </a:ext>
+            </a:extLst>
+          </p:cNvPr>
+          <p:cNvSpPr>
+            <a:spLocks noGrp="1"/>
+          </p:cNvSpPr>
+          <p:nvPr>
+            <p:ph idx="1"/>
+          </p:nvPr>
+        </p:nvSpPr>
+        <p:spPr>
+          <a:xfrm>
+            <a:off x="483848" y="1150913"/>
+            <a:ext cx="8051725" cy="4440590"/>
+          </a:xfrm>
+        </p:spPr>
+        <p:txBody>
+          <a:bodyPr>
+            <a:noAutofit/>
+          </a:bodyPr>
+          <a:lstStyle/>
+          <a:p>
+            <a:pPr marL="0" indent="0">
+              <a:buNone/>
+            </a:pPr>
+            <a:endParaRPr lang="en-US" dirty="0"/>
+          </a:p>
+          <a:p>
+            <a:pPr marL="0" indent="0">
+              <a:buNone/>
+            </a:pPr>
+            <a:endParaRPr lang="en-US" dirty="0"/>
+          </a:p>
+          <a:p>
+            <a:pPr marL="0" indent="0">
+              <a:buNone/>
+            </a:pPr>
+            <a:r>
               <a:rPr lang="en-US" dirty="0"/>
-              <a:t>Lab 2</a:t>
+              <a:t>Python includes a special type, the </a:t>
+            </a:r>
+            <a:r>
+              <a:rPr lang="en-US" dirty="0" err="1"/>
+              <a:t>NoneType</a:t>
+            </a:r>
+            <a:r>
+              <a:rPr lang="en-US" dirty="0"/>
+              <a:t>, which has only a single possible value: None. </a:t>
+            </a:r>
+          </a:p>
+          <a:p>
+            <a:pPr marL="0" indent="0">
+              <a:buNone/>
+            </a:pPr>
+            <a:r>
+              <a:rPr lang="en-US" b="1" dirty="0">
+                <a:solidFill>
+                  <a:srgbClr val="000087"/>
+                </a:solidFill>
+                <a:latin typeface="Inconsolata Medium" panose="020B0609030003000000" pitchFamily="49" charset="77"/>
+              </a:rPr>
+              <a:t>In </a:t>
+            </a:r>
+            <a:r>
+              <a:rPr lang="en-US" b="1" dirty="0">
+                <a:latin typeface="Inconsolata Medium" panose="020B0609030003000000" pitchFamily="49" charset="77"/>
+              </a:rPr>
+              <a:t>[</a:t>
+            </a:r>
+            <a:r>
+              <a:rPr lang="en-US" b="1" dirty="0">
+                <a:solidFill>
+                  <a:srgbClr val="FF6600"/>
+                </a:solidFill>
+                <a:latin typeface="Inconsolata Medium" panose="020B0609030003000000" pitchFamily="49" charset="77"/>
+              </a:rPr>
+              <a:t>24</a:t>
+            </a:r>
+            <a:r>
+              <a:rPr lang="en-US" b="1" dirty="0">
+                <a:latin typeface="Inconsolata Medium" panose="020B0609030003000000" pitchFamily="49" charset="77"/>
+              </a:rPr>
+              <a:t>]: </a:t>
+            </a:r>
+            <a:r>
+              <a:rPr lang="en-US" b="1" dirty="0">
+                <a:solidFill>
+                  <a:srgbClr val="336666"/>
+                </a:solidFill>
+                <a:latin typeface="Inconsolata Medium" panose="020B0609030003000000" pitchFamily="49" charset="77"/>
+              </a:rPr>
+              <a:t>type</a:t>
+            </a:r>
+            <a:r>
+              <a:rPr lang="en-US" b="1" dirty="0">
+                <a:latin typeface="Inconsolata Medium" panose="020B0609030003000000" pitchFamily="49" charset="77"/>
+              </a:rPr>
+              <a:t>(</a:t>
+            </a:r>
+            <a:r>
+              <a:rPr lang="en-US" b="1" dirty="0">
+                <a:solidFill>
+                  <a:srgbClr val="336666"/>
+                </a:solidFill>
+                <a:latin typeface="Inconsolata Medium" panose="020B0609030003000000" pitchFamily="49" charset="77"/>
+              </a:rPr>
+              <a:t>None</a:t>
+            </a:r>
+            <a:r>
+              <a:rPr lang="en-US" b="1" dirty="0">
+                <a:latin typeface="Inconsolata Medium" panose="020B0609030003000000" pitchFamily="49" charset="77"/>
+              </a:rPr>
+              <a:t>) </a:t>
+            </a:r>
+          </a:p>
+          <a:p>
+            <a:pPr marL="0" indent="0">
+              <a:buNone/>
+            </a:pPr>
+            <a:r>
+              <a:rPr lang="en-US" b="1" dirty="0">
+                <a:latin typeface="Inconsolata Medium" panose="020B0609030003000000" pitchFamily="49" charset="77"/>
+              </a:rPr>
+              <a:t>Out [24]: </a:t>
+            </a:r>
+            <a:r>
+              <a:rPr lang="en-US" b="1" dirty="0" err="1">
+                <a:latin typeface="Inconsolata Medium" panose="020B0609030003000000" pitchFamily="49" charset="77"/>
+              </a:rPr>
+              <a:t>NoneType</a:t>
+            </a:r>
+            <a:r>
+              <a:rPr lang="en-US" b="1" dirty="0">
+                <a:latin typeface="Inconsolata Medium" panose="020B0609030003000000" pitchFamily="49" charset="77"/>
+              </a:rPr>
+              <a:t> </a:t>
+            </a:r>
+          </a:p>
+          <a:p>
+            <a:pPr marL="0" indent="0">
+              <a:buNone/>
+            </a:pPr>
+            <a:endParaRPr lang="en-US" dirty="0"/>
+          </a:p>
+          <a:p>
+            <a:pPr marL="0" indent="0">
+              <a:buNone/>
+            </a:pPr>
+            <a:r>
+              <a:rPr lang="en-US" dirty="0"/>
+              <a:t>None can is often used as the default value for parameters of methods. More on this later. </a:t>
+            </a:r>
+          </a:p>
+          <a:p>
+            <a:pPr marL="0" indent="0">
+              <a:buNone/>
+            </a:pPr>
+            <a:endParaRPr lang="en-US" dirty="0"/>
+          </a:p>
+          <a:p>
+            <a:pPr marL="0" indent="0">
+              <a:buNone/>
+            </a:pPr>
+            <a:endParaRPr lang="en-US" sz="1900" b="1" dirty="0">
+              <a:latin typeface="Inconsolata Medium" panose="020B0609030003000000" pitchFamily="49" charset="77"/>
+            </a:endParaRPr>
+          </a:p>
+        </p:txBody>
+      </p:sp>
+    </p:spTree>
+    <p:extLst>
+      <p:ext uri="{BB962C8B-B14F-4D97-AF65-F5344CB8AC3E}">
+        <p14:creationId xmlns:p14="http://schemas.microsoft.com/office/powerpoint/2010/main" val="2925367410"/>
+      </p:ext>
+    </p:extLst>
+  </p:cSld>
+  <p:clrMapOvr>
+    <a:masterClrMapping/>
+  </p:clrMapOvr>
+</p:sld>
+</file>
+
+<file path=ppt/slides/slide24.xml><?xml version="1.0" encoding="utf-8"?>
+<p:sld xmlns:a="http://schemas.openxmlformats.org/drawingml/2006/main" xmlns:r="http://schemas.openxmlformats.org/officeDocument/2006/relationships" xmlns:p="http://schemas.openxmlformats.org/presentationml/2006/main">
+  <p:cSld>
+    <p:spTree>
+      <p:nvGrpSpPr>
+        <p:cNvPr id="1" name=""/>
+        <p:cNvGrpSpPr/>
+        <p:nvPr/>
+      </p:nvGrpSpPr>
+      <p:grpSpPr>
+        <a:xfrm>
+          <a:off x="0" y="0"/>
+          <a:ext cx="0" cy="0"/>
+          <a:chOff x="0" y="0"/>
+          <a:chExt cx="0" cy="0"/>
+        </a:xfrm>
+      </p:grpSpPr>
+      <p:sp>
+        <p:nvSpPr>
+          <p:cNvPr id="2" name="Title 1">
+            <a:extLst>
+              <a:ext uri="{FF2B5EF4-FFF2-40B4-BE49-F238E27FC236}">
+                <a16:creationId xmlns:a16="http://schemas.microsoft.com/office/drawing/2014/main" id="{AA3A228F-61D0-D949-A5E7-F83756230BF8}"/>
+              </a:ext>
+            </a:extLst>
+          </p:cNvPr>
+          <p:cNvSpPr>
+            <a:spLocks noGrp="1"/>
+          </p:cNvSpPr>
+          <p:nvPr>
+            <p:ph type="title"/>
+          </p:nvPr>
+        </p:nvSpPr>
+        <p:spPr>
+          <a:xfrm>
+            <a:off x="483848" y="467027"/>
+            <a:ext cx="7053542" cy="683886"/>
+          </a:xfrm>
+        </p:spPr>
+        <p:txBody>
+          <a:bodyPr/>
+          <a:lstStyle/>
+          <a:p>
+            <a:r>
+              <a:rPr lang="en-US" dirty="0"/>
+              <a:t>Lab 1</a:t>
             </a:r>
           </a:p>
         </p:txBody>
@@ -13454,6 +14143,210 @@
             <a:pPr marL="0" indent="0">
               <a:buNone/>
             </a:pPr>
+            <a:r>
+              <a:rPr lang="en-US" dirty="0"/>
+              <a:t> Download and install Anaconda on your home computer. </a:t>
+            </a:r>
+          </a:p>
+          <a:p>
+            <a:pPr marL="0" indent="0">
+              <a:buNone/>
+            </a:pPr>
+            <a:r>
+              <a:rPr lang="en-US" dirty="0">
+                <a:hlinkClick r:id="rId2"/>
+              </a:rPr>
+              <a:t>https://www.anaconda.com/distribution/</a:t>
+            </a:r>
+            <a:endParaRPr lang="en-US" dirty="0"/>
+          </a:p>
+          <a:p>
+            <a:pPr marL="0" indent="0">
+              <a:buNone/>
+            </a:pPr>
+            <a:endParaRPr lang="en-US" dirty="0"/>
+          </a:p>
+          <a:p>
+            <a:pPr marL="0" indent="0">
+              <a:buNone/>
+            </a:pPr>
+            <a:r>
+              <a:rPr lang="en-US" dirty="0"/>
+              <a:t>On your computer. Open the </a:t>
+            </a:r>
+            <a:r>
+              <a:rPr lang="en-US" dirty="0" err="1"/>
+              <a:t>IPython</a:t>
+            </a:r>
+            <a:r>
+              <a:rPr lang="en-US" dirty="0"/>
+              <a:t> interpreter. Experiment with some of the concepts we learn:</a:t>
+            </a:r>
+          </a:p>
+          <a:p>
+            <a:pPr marL="0" indent="0">
+              <a:buNone/>
+            </a:pPr>
+            <a:endParaRPr lang="en-US" dirty="0"/>
+          </a:p>
+          <a:p>
+            <a:pPr marL="457200" indent="-457200">
+              <a:buAutoNum type="arabicParenR"/>
+            </a:pPr>
+            <a:r>
+              <a:rPr lang="en-US" dirty="0"/>
+              <a:t>Print some strings. Experiment with the “</a:t>
+            </a:r>
+            <a:r>
+              <a:rPr lang="en-US" dirty="0" err="1"/>
+              <a:t>sep</a:t>
+            </a:r>
+            <a:r>
+              <a:rPr lang="en-US" dirty="0"/>
+              <a:t>” and “end” parameters.</a:t>
+            </a:r>
+          </a:p>
+          <a:p>
+            <a:pPr marL="457200" indent="-457200">
+              <a:buAutoNum type="arabicParenR"/>
+            </a:pPr>
+            <a:r>
+              <a:rPr lang="en-US" dirty="0"/>
+              <a:t>Try division vs floor division with integers. </a:t>
+            </a:r>
+          </a:p>
+          <a:p>
+            <a:pPr marL="457200" indent="-457200">
+              <a:buAutoNum type="arabicParenR"/>
+            </a:pPr>
+            <a:r>
+              <a:rPr lang="en-US" dirty="0"/>
+              <a:t>Initialize some floating point variables in both standard decimal notation and in exponential notation.</a:t>
+            </a:r>
+          </a:p>
+          <a:p>
+            <a:pPr marL="457200" indent="-457200">
+              <a:buAutoNum type="arabicParenR"/>
+            </a:pPr>
+            <a:r>
+              <a:rPr lang="en-US" dirty="0"/>
+              <a:t>Experiment with the type() function. </a:t>
+            </a:r>
+          </a:p>
+          <a:p>
+            <a:pPr marL="457200" indent="-457200">
+              <a:buAutoNum type="arabicParenR"/>
+            </a:pPr>
+            <a:endParaRPr lang="en-US" dirty="0"/>
+          </a:p>
+          <a:p>
+            <a:pPr marL="457200" indent="-457200">
+              <a:buAutoNum type="arabicParenR"/>
+            </a:pPr>
+            <a:endParaRPr lang="en-US" dirty="0"/>
+          </a:p>
+          <a:p>
+            <a:pPr marL="457200" indent="-457200">
+              <a:buAutoNum type="arabicParenR"/>
+            </a:pPr>
+            <a:endParaRPr lang="en-US" dirty="0"/>
+          </a:p>
+        </p:txBody>
+      </p:sp>
+    </p:spTree>
+    <p:extLst>
+      <p:ext uri="{BB962C8B-B14F-4D97-AF65-F5344CB8AC3E}">
+        <p14:creationId xmlns:p14="http://schemas.microsoft.com/office/powerpoint/2010/main" val="2064379448"/>
+      </p:ext>
+    </p:extLst>
+  </p:cSld>
+  <p:clrMapOvr>
+    <a:masterClrMapping/>
+  </p:clrMapOvr>
+</p:sld>
+</file>
+
+<file path=ppt/slides/slide25.xml><?xml version="1.0" encoding="utf-8"?>
+<p:sld xmlns:a="http://schemas.openxmlformats.org/drawingml/2006/main" xmlns:r="http://schemas.openxmlformats.org/officeDocument/2006/relationships" xmlns:p="http://schemas.openxmlformats.org/presentationml/2006/main">
+  <p:cSld>
+    <p:spTree>
+      <p:nvGrpSpPr>
+        <p:cNvPr id="1" name=""/>
+        <p:cNvGrpSpPr/>
+        <p:nvPr/>
+      </p:nvGrpSpPr>
+      <p:grpSpPr>
+        <a:xfrm>
+          <a:off x="0" y="0"/>
+          <a:ext cx="0" cy="0"/>
+          <a:chOff x="0" y="0"/>
+          <a:chExt cx="0" cy="0"/>
+        </a:xfrm>
+      </p:grpSpPr>
+      <p:sp>
+        <p:nvSpPr>
+          <p:cNvPr id="2" name="Title 1">
+            <a:extLst>
+              <a:ext uri="{FF2B5EF4-FFF2-40B4-BE49-F238E27FC236}">
+                <a16:creationId xmlns:a16="http://schemas.microsoft.com/office/drawing/2014/main" id="{AA3A228F-61D0-D949-A5E7-F83756230BF8}"/>
+              </a:ext>
+            </a:extLst>
+          </p:cNvPr>
+          <p:cNvSpPr>
+            <a:spLocks noGrp="1"/>
+          </p:cNvSpPr>
+          <p:nvPr>
+            <p:ph type="title"/>
+          </p:nvPr>
+        </p:nvSpPr>
+        <p:spPr>
+          <a:xfrm>
+            <a:off x="483848" y="467027"/>
+            <a:ext cx="7053542" cy="683886"/>
+          </a:xfrm>
+        </p:spPr>
+        <p:txBody>
+          <a:bodyPr/>
+          <a:lstStyle/>
+          <a:p>
+            <a:r>
+              <a:rPr lang="en-US" dirty="0"/>
+              <a:t>Lab 2</a:t>
+            </a:r>
+          </a:p>
+        </p:txBody>
+      </p:sp>
+      <p:sp>
+        <p:nvSpPr>
+          <p:cNvPr id="9" name="Content Placeholder 8">
+            <a:extLst>
+              <a:ext uri="{FF2B5EF4-FFF2-40B4-BE49-F238E27FC236}">
+                <a16:creationId xmlns:a16="http://schemas.microsoft.com/office/drawing/2014/main" id="{E3B2E017-30B2-884B-A113-B419A2ED51AD}"/>
+              </a:ext>
+            </a:extLst>
+          </p:cNvPr>
+          <p:cNvSpPr>
+            <a:spLocks noGrp="1"/>
+          </p:cNvSpPr>
+          <p:nvPr>
+            <p:ph idx="1"/>
+          </p:nvPr>
+        </p:nvSpPr>
+        <p:spPr>
+          <a:xfrm>
+            <a:off x="483848" y="1150912"/>
+            <a:ext cx="8051725" cy="4564087"/>
+          </a:xfrm>
+        </p:spPr>
+        <p:txBody>
+          <a:bodyPr>
+            <a:noAutofit/>
+          </a:bodyPr>
+          <a:lstStyle/>
+          <a:p>
+            <a:pPr marL="0" indent="0">
+              <a:buNone/>
+            </a:pPr>
             <a:endParaRPr lang="en-US" dirty="0"/>
           </a:p>
           <a:p>
@@ -13554,7 +14447,7 @@
 </p:sld>
 </file>
 
-<file path=ppt/slides/slide24.xml><?xml version="1.0" encoding="utf-8"?>
+<file path=ppt/slides/slide26.xml><?xml version="1.0" encoding="utf-8"?>
 <p:sld xmlns:a="http://schemas.openxmlformats.org/drawingml/2006/main" xmlns:r="http://schemas.openxmlformats.org/officeDocument/2006/relationships" xmlns:p="http://schemas.openxmlformats.org/presentationml/2006/main">
   <p:cSld>
     <p:spTree>

--- a/courses/apcsp/lect1.pptx
+++ b/courses/apcsp/lect1.pptx
@@ -140,7 +140,7 @@
 <file path=ppt/revisionInfo.xml><?xml version="1.0" encoding="utf-8"?>
 <p1510:revInfo xmlns:a="http://schemas.openxmlformats.org/drawingml/2006/main" xmlns:r="http://schemas.openxmlformats.org/officeDocument/2006/relationships" xmlns:p1510="http://schemas.microsoft.com/office/powerpoint/2015/10/main">
   <p1510:revLst>
-    <p1510:client id="{1AE11430-C232-BB4B-AD26-649DB56977B5}" v="1375" dt="2019-09-08T13:43:19.919"/>
+    <p1510:client id="{1AE11430-C232-BB4B-AD26-649DB56977B5}" v="1387" dt="2019-09-09T14:37:29.949"/>
   </p1510:revLst>
 </p1510:revInfo>
 </file>
@@ -422,7 +422,7 @@
   <pc:docChgLst>
     <pc:chgData name="Long B Nguyen" userId="f59fb8f3-a021-417a-8bc1-65c8d471c621" providerId="ADAL" clId="{1AE11430-C232-BB4B-AD26-649DB56977B5}"/>
     <pc:docChg chg="undo redo custSel addSld delSld modSld">
-      <pc:chgData name="Long B Nguyen" userId="f59fb8f3-a021-417a-8bc1-65c8d471c621" providerId="ADAL" clId="{1AE11430-C232-BB4B-AD26-649DB56977B5}" dt="2019-09-08T13:43:19.919" v="3758" actId="20577"/>
+      <pc:chgData name="Long B Nguyen" userId="f59fb8f3-a021-417a-8bc1-65c8d471c621" providerId="ADAL" clId="{1AE11430-C232-BB4B-AD26-649DB56977B5}" dt="2019-09-09T14:37:29.949" v="3770"/>
       <pc:docMkLst>
         <pc:docMk/>
       </pc:docMkLst>
@@ -567,15 +567,15 @@
           <pc:sldMk cId="587435069" sldId="272"/>
         </pc:sldMkLst>
       </pc:sldChg>
-      <pc:sldChg chg="add">
-        <pc:chgData name="Long B Nguyen" userId="f59fb8f3-a021-417a-8bc1-65c8d471c621" providerId="ADAL" clId="{1AE11430-C232-BB4B-AD26-649DB56977B5}" dt="2019-09-08T13:30:23" v="3743"/>
+      <pc:sldChg chg="add modAnim">
+        <pc:chgData name="Long B Nguyen" userId="f59fb8f3-a021-417a-8bc1-65c8d471c621" providerId="ADAL" clId="{1AE11430-C232-BB4B-AD26-649DB56977B5}" dt="2019-09-09T14:37:29.949" v="3770"/>
         <pc:sldMkLst>
           <pc:docMk/>
           <pc:sldMk cId="2925367410" sldId="280"/>
         </pc:sldMkLst>
       </pc:sldChg>
-      <pc:sldChg chg="addSp modSp add">
-        <pc:chgData name="Long B Nguyen" userId="f59fb8f3-a021-417a-8bc1-65c8d471c621" providerId="ADAL" clId="{1AE11430-C232-BB4B-AD26-649DB56977B5}" dt="2019-09-08T00:53:48.725" v="3683" actId="20577"/>
+      <pc:sldChg chg="addSp modSp add modAnim">
+        <pc:chgData name="Long B Nguyen" userId="f59fb8f3-a021-417a-8bc1-65c8d471c621" providerId="ADAL" clId="{1AE11430-C232-BB4B-AD26-649DB56977B5}" dt="2019-09-09T14:37:22.532" v="3768"/>
         <pc:sldMkLst>
           <pc:docMk/>
           <pc:sldMk cId="2119170476" sldId="281"/>
@@ -671,8 +671,8 @@
           </ac:spMkLst>
         </pc:spChg>
       </pc:sldChg>
-      <pc:sldChg chg="add">
-        <pc:chgData name="Long B Nguyen" userId="f59fb8f3-a021-417a-8bc1-65c8d471c621" providerId="ADAL" clId="{1AE11430-C232-BB4B-AD26-649DB56977B5}" dt="2019-09-08T13:30:27.987" v="3745"/>
+      <pc:sldChg chg="add modAnim">
+        <pc:chgData name="Long B Nguyen" userId="f59fb8f3-a021-417a-8bc1-65c8d471c621" providerId="ADAL" clId="{1AE11430-C232-BB4B-AD26-649DB56977B5}" dt="2019-09-09T14:36:59.230" v="3764"/>
         <pc:sldMkLst>
           <pc:docMk/>
           <pc:sldMk cId="3711861066" sldId="295"/>
@@ -1110,7 +1110,7 @@
           <a:p>
             <a:fld id="{4AAD347D-5ACD-4C99-B74B-A9C85AD731AF}" type="datetimeFigureOut">
               <a:rPr lang="en-US" smtClean="0"/>
-              <a:t>9/8/19</a:t>
+              <a:t>9/9/19</a:t>
             </a:fld>
             <a:endParaRPr lang="en-US" dirty="0"/>
           </a:p>
@@ -1280,7 +1280,7 @@
           <a:p>
             <a:fld id="{4509A250-FF31-4206-8172-F9D3106AACB1}" type="datetimeFigureOut">
               <a:rPr lang="en-US" smtClean="0"/>
-              <a:t>9/8/19</a:t>
+              <a:t>9/9/19</a:t>
             </a:fld>
             <a:endParaRPr lang="en-US" dirty="0"/>
           </a:p>
@@ -1460,7 +1460,7 @@
           <a:p>
             <a:fld id="{4509A250-FF31-4206-8172-F9D3106AACB1}" type="datetimeFigureOut">
               <a:rPr lang="en-US" smtClean="0"/>
-              <a:t>9/8/19</a:t>
+              <a:t>9/9/19</a:t>
             </a:fld>
             <a:endParaRPr lang="en-US" dirty="0"/>
           </a:p>
@@ -1630,7 +1630,7 @@
           <a:p>
             <a:fld id="{4509A250-FF31-4206-8172-F9D3106AACB1}" type="datetimeFigureOut">
               <a:rPr lang="en-US" smtClean="0"/>
-              <a:t>9/8/19</a:t>
+              <a:t>9/9/19</a:t>
             </a:fld>
             <a:endParaRPr lang="en-US" dirty="0"/>
           </a:p>
@@ -1876,7 +1876,7 @@
           <a:p>
             <a:fld id="{9796027F-7875-4030-9381-8BD8C4F21935}" type="datetimeFigureOut">
               <a:rPr lang="en-US" smtClean="0"/>
-              <a:t>9/8/19</a:t>
+              <a:t>9/9/19</a:t>
             </a:fld>
             <a:endParaRPr lang="en-US" dirty="0"/>
           </a:p>
@@ -2108,7 +2108,7 @@
           <a:p>
             <a:fld id="{9796027F-7875-4030-9381-8BD8C4F21935}" type="datetimeFigureOut">
               <a:rPr lang="en-US" smtClean="0"/>
-              <a:t>9/8/19</a:t>
+              <a:t>9/9/19</a:t>
             </a:fld>
             <a:endParaRPr lang="en-US" dirty="0"/>
           </a:p>
@@ -2475,7 +2475,7 @@
           <a:p>
             <a:fld id="{9796027F-7875-4030-9381-8BD8C4F21935}" type="datetimeFigureOut">
               <a:rPr lang="en-US" smtClean="0"/>
-              <a:t>9/8/19</a:t>
+              <a:t>9/9/19</a:t>
             </a:fld>
             <a:endParaRPr lang="en-US" dirty="0"/>
           </a:p>
@@ -2593,7 +2593,7 @@
           <a:p>
             <a:fld id="{4509A250-FF31-4206-8172-F9D3106AACB1}" type="datetimeFigureOut">
               <a:rPr lang="en-US" smtClean="0"/>
-              <a:t>9/8/19</a:t>
+              <a:t>9/9/19</a:t>
             </a:fld>
             <a:endParaRPr lang="en-US" dirty="0"/>
           </a:p>
@@ -2688,7 +2688,7 @@
           <a:p>
             <a:fld id="{4509A250-FF31-4206-8172-F9D3106AACB1}" type="datetimeFigureOut">
               <a:rPr lang="en-US" smtClean="0"/>
-              <a:t>9/8/19</a:t>
+              <a:t>9/9/19</a:t>
             </a:fld>
             <a:endParaRPr lang="en-US" dirty="0"/>
           </a:p>
@@ -2965,7 +2965,7 @@
           <a:p>
             <a:fld id="{4509A250-FF31-4206-8172-F9D3106AACB1}" type="datetimeFigureOut">
               <a:rPr lang="en-US" smtClean="0"/>
-              <a:t>9/8/19</a:t>
+              <a:t>9/9/19</a:t>
             </a:fld>
             <a:endParaRPr lang="en-US" dirty="0"/>
           </a:p>
@@ -3222,7 +3222,7 @@
           <a:p>
             <a:fld id="{4509A250-FF31-4206-8172-F9D3106AACB1}" type="datetimeFigureOut">
               <a:rPr lang="en-US" smtClean="0"/>
-              <a:t>9/8/19</a:t>
+              <a:t>9/9/19</a:t>
             </a:fld>
             <a:endParaRPr lang="en-US" dirty="0"/>
           </a:p>
@@ -3435,7 +3435,7 @@
           <a:p>
             <a:fld id="{4AAD347D-5ACD-4C99-B74B-A9C85AD731AF}" type="datetimeFigureOut">
               <a:rPr lang="en-US" smtClean="0"/>
-              <a:t>9/8/19</a:t>
+              <a:t>9/9/19</a:t>
             </a:fld>
             <a:endParaRPr lang="en-US" dirty="0"/>
           </a:p>
@@ -13820,6 +13820,418 @@
   <p:clrMapOvr>
     <a:masterClrMapping/>
   </p:clrMapOvr>
+  <p:timing>
+    <p:tnLst>
+      <p:par>
+        <p:cTn id="1" dur="indefinite" restart="never" nodeType="tmRoot">
+          <p:childTnLst>
+            <p:seq concurrent="1" nextAc="seek">
+              <p:cTn id="2" dur="indefinite" nodeType="mainSeq">
+                <p:childTnLst>
+                  <p:par>
+                    <p:cTn id="3" fill="hold">
+                      <p:stCondLst>
+                        <p:cond delay="indefinite"/>
+                      </p:stCondLst>
+                      <p:childTnLst>
+                        <p:par>
+                          <p:cTn id="4" fill="hold">
+                            <p:stCondLst>
+                              <p:cond delay="0"/>
+                            </p:stCondLst>
+                            <p:childTnLst>
+                              <p:par>
+                                <p:cTn id="5" presetID="1" presetClass="entr" presetSubtype="0" fill="hold" nodeType="clickEffect">
+                                  <p:stCondLst>
+                                    <p:cond delay="0"/>
+                                  </p:stCondLst>
+                                  <p:childTnLst>
+                                    <p:set>
+                                      <p:cBhvr>
+                                        <p:cTn id="6" dur="1" fill="hold">
+                                          <p:stCondLst>
+                                            <p:cond delay="0"/>
+                                          </p:stCondLst>
+                                        </p:cTn>
+                                        <p:tgtEl>
+                                          <p:spTgt spid="9">
+                                            <p:txEl>
+                                              <p:pRg st="3" end="3"/>
+                                            </p:txEl>
+                                          </p:spTgt>
+                                        </p:tgtEl>
+                                        <p:attrNameLst>
+                                          <p:attrName>style.visibility</p:attrName>
+                                        </p:attrNameLst>
+                                      </p:cBhvr>
+                                      <p:to>
+                                        <p:strVal val="visible"/>
+                                      </p:to>
+                                    </p:set>
+                                  </p:childTnLst>
+                                </p:cTn>
+                              </p:par>
+                              <p:par>
+                                <p:cTn id="7" presetID="1" presetClass="entr" presetSubtype="0" fill="hold" nodeType="withEffect">
+                                  <p:stCondLst>
+                                    <p:cond delay="0"/>
+                                  </p:stCondLst>
+                                  <p:childTnLst>
+                                    <p:set>
+                                      <p:cBhvr>
+                                        <p:cTn id="8" dur="1" fill="hold">
+                                          <p:stCondLst>
+                                            <p:cond delay="0"/>
+                                          </p:stCondLst>
+                                        </p:cTn>
+                                        <p:tgtEl>
+                                          <p:spTgt spid="9">
+                                            <p:txEl>
+                                              <p:pRg st="4" end="4"/>
+                                            </p:txEl>
+                                          </p:spTgt>
+                                        </p:tgtEl>
+                                        <p:attrNameLst>
+                                          <p:attrName>style.visibility</p:attrName>
+                                        </p:attrNameLst>
+                                      </p:cBhvr>
+                                      <p:to>
+                                        <p:strVal val="visible"/>
+                                      </p:to>
+                                    </p:set>
+                                  </p:childTnLst>
+                                </p:cTn>
+                              </p:par>
+                            </p:childTnLst>
+                          </p:cTn>
+                        </p:par>
+                      </p:childTnLst>
+                    </p:cTn>
+                  </p:par>
+                  <p:par>
+                    <p:cTn id="9" fill="hold">
+                      <p:stCondLst>
+                        <p:cond delay="indefinite"/>
+                      </p:stCondLst>
+                      <p:childTnLst>
+                        <p:par>
+                          <p:cTn id="10" fill="hold">
+                            <p:stCondLst>
+                              <p:cond delay="0"/>
+                            </p:stCondLst>
+                            <p:childTnLst>
+                              <p:par>
+                                <p:cTn id="11" presetID="1" presetClass="entr" presetSubtype="0" fill="hold" nodeType="clickEffect">
+                                  <p:stCondLst>
+                                    <p:cond delay="0"/>
+                                  </p:stCondLst>
+                                  <p:childTnLst>
+                                    <p:set>
+                                      <p:cBhvr>
+                                        <p:cTn id="12" dur="1" fill="hold">
+                                          <p:stCondLst>
+                                            <p:cond delay="0"/>
+                                          </p:stCondLst>
+                                        </p:cTn>
+                                        <p:tgtEl>
+                                          <p:spTgt spid="5">
+                                            <p:txEl>
+                                              <p:pRg st="0" end="0"/>
+                                            </p:txEl>
+                                          </p:spTgt>
+                                        </p:tgtEl>
+                                        <p:attrNameLst>
+                                          <p:attrName>style.visibility</p:attrName>
+                                        </p:attrNameLst>
+                                      </p:cBhvr>
+                                      <p:to>
+                                        <p:strVal val="visible"/>
+                                      </p:to>
+                                    </p:set>
+                                  </p:childTnLst>
+                                </p:cTn>
+                              </p:par>
+                              <p:par>
+                                <p:cTn id="13" presetID="1" presetClass="entr" presetSubtype="0" fill="hold" nodeType="withEffect">
+                                  <p:stCondLst>
+                                    <p:cond delay="0"/>
+                                  </p:stCondLst>
+                                  <p:childTnLst>
+                                    <p:set>
+                                      <p:cBhvr>
+                                        <p:cTn id="14" dur="1" fill="hold">
+                                          <p:stCondLst>
+                                            <p:cond delay="0"/>
+                                          </p:stCondLst>
+                                        </p:cTn>
+                                        <p:tgtEl>
+                                          <p:spTgt spid="5">
+                                            <p:txEl>
+                                              <p:pRg st="1" end="1"/>
+                                            </p:txEl>
+                                          </p:spTgt>
+                                        </p:tgtEl>
+                                        <p:attrNameLst>
+                                          <p:attrName>style.visibility</p:attrName>
+                                        </p:attrNameLst>
+                                      </p:cBhvr>
+                                      <p:to>
+                                        <p:strVal val="visible"/>
+                                      </p:to>
+                                    </p:set>
+                                  </p:childTnLst>
+                                </p:cTn>
+                              </p:par>
+                              <p:par>
+                                <p:cTn id="15" presetID="1" presetClass="entr" presetSubtype="0" fill="hold" nodeType="withEffect">
+                                  <p:stCondLst>
+                                    <p:cond delay="0"/>
+                                  </p:stCondLst>
+                                  <p:childTnLst>
+                                    <p:set>
+                                      <p:cBhvr>
+                                        <p:cTn id="16" dur="1" fill="hold">
+                                          <p:stCondLst>
+                                            <p:cond delay="0"/>
+                                          </p:stCondLst>
+                                        </p:cTn>
+                                        <p:tgtEl>
+                                          <p:spTgt spid="5">
+                                            <p:txEl>
+                                              <p:pRg st="2" end="2"/>
+                                            </p:txEl>
+                                          </p:spTgt>
+                                        </p:tgtEl>
+                                        <p:attrNameLst>
+                                          <p:attrName>style.visibility</p:attrName>
+                                        </p:attrNameLst>
+                                      </p:cBhvr>
+                                      <p:to>
+                                        <p:strVal val="visible"/>
+                                      </p:to>
+                                    </p:set>
+                                  </p:childTnLst>
+                                </p:cTn>
+                              </p:par>
+                            </p:childTnLst>
+                          </p:cTn>
+                        </p:par>
+                      </p:childTnLst>
+                    </p:cTn>
+                  </p:par>
+                  <p:par>
+                    <p:cTn id="17" fill="hold">
+                      <p:stCondLst>
+                        <p:cond delay="indefinite"/>
+                      </p:stCondLst>
+                      <p:childTnLst>
+                        <p:par>
+                          <p:cTn id="18" fill="hold">
+                            <p:stCondLst>
+                              <p:cond delay="0"/>
+                            </p:stCondLst>
+                            <p:childTnLst>
+                              <p:par>
+                                <p:cTn id="19" presetID="1" presetClass="entr" presetSubtype="0" fill="hold" nodeType="clickEffect">
+                                  <p:stCondLst>
+                                    <p:cond delay="0"/>
+                                  </p:stCondLst>
+                                  <p:childTnLst>
+                                    <p:set>
+                                      <p:cBhvr>
+                                        <p:cTn id="20" dur="1" fill="hold">
+                                          <p:stCondLst>
+                                            <p:cond delay="0"/>
+                                          </p:stCondLst>
+                                        </p:cTn>
+                                        <p:tgtEl>
+                                          <p:spTgt spid="3">
+                                            <p:txEl>
+                                              <p:pRg st="0" end="0"/>
+                                            </p:txEl>
+                                          </p:spTgt>
+                                        </p:tgtEl>
+                                        <p:attrNameLst>
+                                          <p:attrName>style.visibility</p:attrName>
+                                        </p:attrNameLst>
+                                      </p:cBhvr>
+                                      <p:to>
+                                        <p:strVal val="visible"/>
+                                      </p:to>
+                                    </p:set>
+                                  </p:childTnLst>
+                                </p:cTn>
+                              </p:par>
+                              <p:par>
+                                <p:cTn id="21" presetID="1" presetClass="entr" presetSubtype="0" fill="hold" nodeType="withEffect">
+                                  <p:stCondLst>
+                                    <p:cond delay="0"/>
+                                  </p:stCondLst>
+                                  <p:childTnLst>
+                                    <p:set>
+                                      <p:cBhvr>
+                                        <p:cTn id="22" dur="1" fill="hold">
+                                          <p:stCondLst>
+                                            <p:cond delay="0"/>
+                                          </p:stCondLst>
+                                        </p:cTn>
+                                        <p:tgtEl>
+                                          <p:spTgt spid="3">
+                                            <p:txEl>
+                                              <p:pRg st="1" end="1"/>
+                                            </p:txEl>
+                                          </p:spTgt>
+                                        </p:tgtEl>
+                                        <p:attrNameLst>
+                                          <p:attrName>style.visibility</p:attrName>
+                                        </p:attrNameLst>
+                                      </p:cBhvr>
+                                      <p:to>
+                                        <p:strVal val="visible"/>
+                                      </p:to>
+                                    </p:set>
+                                  </p:childTnLst>
+                                </p:cTn>
+                              </p:par>
+                              <p:par>
+                                <p:cTn id="23" presetID="1" presetClass="entr" presetSubtype="0" fill="hold" nodeType="withEffect">
+                                  <p:stCondLst>
+                                    <p:cond delay="0"/>
+                                  </p:stCondLst>
+                                  <p:childTnLst>
+                                    <p:set>
+                                      <p:cBhvr>
+                                        <p:cTn id="24" dur="1" fill="hold">
+                                          <p:stCondLst>
+                                            <p:cond delay="0"/>
+                                          </p:stCondLst>
+                                        </p:cTn>
+                                        <p:tgtEl>
+                                          <p:spTgt spid="3">
+                                            <p:txEl>
+                                              <p:pRg st="2" end="2"/>
+                                            </p:txEl>
+                                          </p:spTgt>
+                                        </p:tgtEl>
+                                        <p:attrNameLst>
+                                          <p:attrName>style.visibility</p:attrName>
+                                        </p:attrNameLst>
+                                      </p:cBhvr>
+                                      <p:to>
+                                        <p:strVal val="visible"/>
+                                      </p:to>
+                                    </p:set>
+                                  </p:childTnLst>
+                                </p:cTn>
+                              </p:par>
+                            </p:childTnLst>
+                          </p:cTn>
+                        </p:par>
+                      </p:childTnLst>
+                    </p:cTn>
+                  </p:par>
+                  <p:par>
+                    <p:cTn id="25" fill="hold">
+                      <p:stCondLst>
+                        <p:cond delay="indefinite"/>
+                      </p:stCondLst>
+                      <p:childTnLst>
+                        <p:par>
+                          <p:cTn id="26" fill="hold">
+                            <p:stCondLst>
+                              <p:cond delay="0"/>
+                            </p:stCondLst>
+                            <p:childTnLst>
+                              <p:par>
+                                <p:cTn id="27" presetID="1" presetClass="entr" presetSubtype="0" fill="hold" nodeType="clickEffect">
+                                  <p:stCondLst>
+                                    <p:cond delay="0"/>
+                                  </p:stCondLst>
+                                  <p:childTnLst>
+                                    <p:set>
+                                      <p:cBhvr>
+                                        <p:cTn id="28" dur="1" fill="hold">
+                                          <p:stCondLst>
+                                            <p:cond delay="0"/>
+                                          </p:stCondLst>
+                                        </p:cTn>
+                                        <p:tgtEl>
+                                          <p:spTgt spid="3">
+                                            <p:txEl>
+                                              <p:pRg st="4" end="4"/>
+                                            </p:txEl>
+                                          </p:spTgt>
+                                        </p:tgtEl>
+                                        <p:attrNameLst>
+                                          <p:attrName>style.visibility</p:attrName>
+                                        </p:attrNameLst>
+                                      </p:cBhvr>
+                                      <p:to>
+                                        <p:strVal val="visible"/>
+                                      </p:to>
+                                    </p:set>
+                                  </p:childTnLst>
+                                </p:cTn>
+                              </p:par>
+                              <p:par>
+                                <p:cTn id="29" presetID="1" presetClass="entr" presetSubtype="0" fill="hold" nodeType="withEffect">
+                                  <p:stCondLst>
+                                    <p:cond delay="0"/>
+                                  </p:stCondLst>
+                                  <p:childTnLst>
+                                    <p:set>
+                                      <p:cBhvr>
+                                        <p:cTn id="30" dur="1" fill="hold">
+                                          <p:stCondLst>
+                                            <p:cond delay="0"/>
+                                          </p:stCondLst>
+                                        </p:cTn>
+                                        <p:tgtEl>
+                                          <p:spTgt spid="3">
+                                            <p:txEl>
+                                              <p:pRg st="5" end="5"/>
+                                            </p:txEl>
+                                          </p:spTgt>
+                                        </p:tgtEl>
+                                        <p:attrNameLst>
+                                          <p:attrName>style.visibility</p:attrName>
+                                        </p:attrNameLst>
+                                      </p:cBhvr>
+                                      <p:to>
+                                        <p:strVal val="visible"/>
+                                      </p:to>
+                                    </p:set>
+                                  </p:childTnLst>
+                                </p:cTn>
+                              </p:par>
+                            </p:childTnLst>
+                          </p:cTn>
+                        </p:par>
+                      </p:childTnLst>
+                    </p:cTn>
+                  </p:par>
+                </p:childTnLst>
+              </p:cTn>
+              <p:prevCondLst>
+                <p:cond evt="onPrev" delay="0">
+                  <p:tgtEl>
+                    <p:sldTgt/>
+                  </p:tgtEl>
+                </p:cond>
+              </p:prevCondLst>
+              <p:nextCondLst>
+                <p:cond evt="onNext" delay="0">
+                  <p:tgtEl>
+                    <p:sldTgt/>
+                  </p:tgtEl>
+                </p:cond>
+              </p:nextCondLst>
+            </p:seq>
+          </p:childTnLst>
+        </p:cTn>
+      </p:par>
+    </p:tnLst>
+  </p:timing>
 </p:sld>
 </file>
 
@@ -14059,6 +14471,165 @@
   <p:clrMapOvr>
     <a:masterClrMapping/>
   </p:clrMapOvr>
+  <p:timing>
+    <p:tnLst>
+      <p:par>
+        <p:cTn id="1" dur="indefinite" restart="never" nodeType="tmRoot">
+          <p:childTnLst>
+            <p:seq concurrent="1" nextAc="seek">
+              <p:cTn id="2" dur="indefinite" nodeType="mainSeq">
+                <p:childTnLst>
+                  <p:par>
+                    <p:cTn id="3" fill="hold">
+                      <p:stCondLst>
+                        <p:cond delay="indefinite"/>
+                      </p:stCondLst>
+                      <p:childTnLst>
+                        <p:par>
+                          <p:cTn id="4" fill="hold">
+                            <p:stCondLst>
+                              <p:cond delay="0"/>
+                            </p:stCondLst>
+                            <p:childTnLst>
+                              <p:par>
+                                <p:cTn id="5" presetID="1" presetClass="entr" presetSubtype="0" fill="hold" nodeType="clickEffect">
+                                  <p:stCondLst>
+                                    <p:cond delay="0"/>
+                                  </p:stCondLst>
+                                  <p:childTnLst>
+                                    <p:set>
+                                      <p:cBhvr>
+                                        <p:cTn id="6" dur="1" fill="hold">
+                                          <p:stCondLst>
+                                            <p:cond delay="0"/>
+                                          </p:stCondLst>
+                                        </p:cTn>
+                                        <p:tgtEl>
+                                          <p:spTgt spid="9">
+                                            <p:txEl>
+                                              <p:pRg st="3" end="3"/>
+                                            </p:txEl>
+                                          </p:spTgt>
+                                        </p:tgtEl>
+                                        <p:attrNameLst>
+                                          <p:attrName>style.visibility</p:attrName>
+                                        </p:attrNameLst>
+                                      </p:cBhvr>
+                                      <p:to>
+                                        <p:strVal val="visible"/>
+                                      </p:to>
+                                    </p:set>
+                                  </p:childTnLst>
+                                </p:cTn>
+                              </p:par>
+                              <p:par>
+                                <p:cTn id="7" presetID="1" presetClass="entr" presetSubtype="0" fill="hold" nodeType="withEffect">
+                                  <p:stCondLst>
+                                    <p:cond delay="0"/>
+                                  </p:stCondLst>
+                                  <p:childTnLst>
+                                    <p:set>
+                                      <p:cBhvr>
+                                        <p:cTn id="8" dur="1" fill="hold">
+                                          <p:stCondLst>
+                                            <p:cond delay="0"/>
+                                          </p:stCondLst>
+                                        </p:cTn>
+                                        <p:tgtEl>
+                                          <p:spTgt spid="9">
+                                            <p:txEl>
+                                              <p:pRg st="4" end="4"/>
+                                            </p:txEl>
+                                          </p:spTgt>
+                                        </p:tgtEl>
+                                        <p:attrNameLst>
+                                          <p:attrName>style.visibility</p:attrName>
+                                        </p:attrNameLst>
+                                      </p:cBhvr>
+                                      <p:to>
+                                        <p:strVal val="visible"/>
+                                      </p:to>
+                                    </p:set>
+                                  </p:childTnLst>
+                                </p:cTn>
+                              </p:par>
+                            </p:childTnLst>
+                          </p:cTn>
+                        </p:par>
+                      </p:childTnLst>
+                    </p:cTn>
+                  </p:par>
+                  <p:par>
+                    <p:cTn id="9" fill="hold">
+                      <p:stCondLst>
+                        <p:cond delay="indefinite"/>
+                      </p:stCondLst>
+                      <p:childTnLst>
+                        <p:par>
+                          <p:cTn id="10" fill="hold">
+                            <p:stCondLst>
+                              <p:cond delay="0"/>
+                            </p:stCondLst>
+                            <p:childTnLst>
+                              <p:par>
+                                <p:cTn id="11" presetID="1" presetClass="entr" presetSubtype="0" fill="hold" nodeType="clickEffect">
+                                  <p:stCondLst>
+                                    <p:cond delay="0"/>
+                                  </p:stCondLst>
+                                  <p:childTnLst>
+                                    <p:set>
+                                      <p:cBhvr>
+                                        <p:cTn id="12" dur="1" fill="hold">
+                                          <p:stCondLst>
+                                            <p:cond delay="0"/>
+                                          </p:stCondLst>
+                                        </p:cTn>
+                                        <p:tgtEl>
+                                          <p:spTgt spid="9">
+                                            <p:txEl>
+                                              <p:pRg st="6" end="6"/>
+                                            </p:txEl>
+                                          </p:spTgt>
+                                        </p:tgtEl>
+                                        <p:attrNameLst>
+                                          <p:attrName>style.visibility</p:attrName>
+                                        </p:attrNameLst>
+                                      </p:cBhvr>
+                                      <p:to>
+                                        <p:strVal val="visible"/>
+                                      </p:to>
+                                    </p:set>
+                                  </p:childTnLst>
+                                </p:cTn>
+                              </p:par>
+                            </p:childTnLst>
+                          </p:cTn>
+                        </p:par>
+                      </p:childTnLst>
+                    </p:cTn>
+                  </p:par>
+                </p:childTnLst>
+              </p:cTn>
+              <p:prevCondLst>
+                <p:cond evt="onPrev" delay="0">
+                  <p:tgtEl>
+                    <p:sldTgt/>
+                  </p:tgtEl>
+                </p:cond>
+              </p:prevCondLst>
+              <p:nextCondLst>
+                <p:cond evt="onNext" delay="0">
+                  <p:tgtEl>
+                    <p:sldTgt/>
+                  </p:tgtEl>
+                </p:cond>
+              </p:nextCondLst>
+            </p:seq>
+          </p:childTnLst>
+        </p:cTn>
+      </p:par>
+    </p:tnLst>
+  </p:timing>
 </p:sld>
 </file>
 

--- a/courses/apcsp/lect1.pptx
+++ b/courses/apcsp/lect1.pptx
@@ -422,7 +422,7 @@
   <pc:docChgLst>
     <pc:chgData name="Long B Nguyen" userId="f59fb8f3-a021-417a-8bc1-65c8d471c621" providerId="ADAL" clId="{1AE11430-C232-BB4B-AD26-649DB56977B5}"/>
     <pc:docChg chg="undo redo custSel addSld delSld modSld">
-      <pc:chgData name="Long B Nguyen" userId="f59fb8f3-a021-417a-8bc1-65c8d471c621" providerId="ADAL" clId="{1AE11430-C232-BB4B-AD26-649DB56977B5}" dt="2019-09-09T14:37:29.949" v="3770"/>
+      <pc:chgData name="Long B Nguyen" userId="f59fb8f3-a021-417a-8bc1-65c8d471c621" providerId="ADAL" clId="{1AE11430-C232-BB4B-AD26-649DB56977B5}" dt="2019-09-09T17:45:26.984" v="3809" actId="20577"/>
       <pc:docMkLst>
         <pc:docMk/>
       </pc:docMkLst>
@@ -914,7 +914,7 @@
         </pc:spChg>
       </pc:sldChg>
       <pc:sldChg chg="delSp modSp add delAnim modAnim">
-        <pc:chgData name="Long B Nguyen" userId="f59fb8f3-a021-417a-8bc1-65c8d471c621" providerId="ADAL" clId="{1AE11430-C232-BB4B-AD26-649DB56977B5}" dt="2019-09-06T12:53:05.244" v="3123" actId="20577"/>
+        <pc:chgData name="Long B Nguyen" userId="f59fb8f3-a021-417a-8bc1-65c8d471c621" providerId="ADAL" clId="{1AE11430-C232-BB4B-AD26-649DB56977B5}" dt="2019-09-09T17:45:26.984" v="3809" actId="20577"/>
         <pc:sldMkLst>
           <pc:docMk/>
           <pc:sldMk cId="2064379448" sldId="302"/>
@@ -936,7 +936,7 @@
           </ac:spMkLst>
         </pc:spChg>
         <pc:spChg chg="mod">
-          <ac:chgData name="Long B Nguyen" userId="f59fb8f3-a021-417a-8bc1-65c8d471c621" providerId="ADAL" clId="{1AE11430-C232-BB4B-AD26-649DB56977B5}" dt="2019-09-06T12:52:52.071" v="3121" actId="20577"/>
+          <ac:chgData name="Long B Nguyen" userId="f59fb8f3-a021-417a-8bc1-65c8d471c621" providerId="ADAL" clId="{1AE11430-C232-BB4B-AD26-649DB56977B5}" dt="2019-09-09T17:45:26.984" v="3809" actId="20577"/>
           <ac:spMkLst>
             <pc:docMk/>
             <pc:sldMk cId="2064379448" sldId="302"/>
@@ -14755,12 +14755,6 @@
             </a:r>
           </a:p>
           <a:p>
-            <a:pPr marL="0" indent="0">
-              <a:buNone/>
-            </a:pPr>
-            <a:endParaRPr lang="en-US" dirty="0"/>
-          </a:p>
-          <a:p>
             <a:pPr marL="457200" indent="-457200">
               <a:buAutoNum type="arabicParenR"/>
             </a:pPr>
@@ -14803,6 +14797,20 @@
               <a:rPr lang="en-US" dirty="0"/>
               <a:t>Experiment with the type() function. </a:t>
             </a:r>
+          </a:p>
+          <a:p>
+            <a:pPr marL="457200" indent="-457200">
+              <a:buAutoNum type="arabicParenR"/>
+            </a:pPr>
+            <a:r>
+              <a:rPr lang="en-US" dirty="0"/>
+              <a:t>Try to use int() and float() </a:t>
+            </a:r>
+            <a:r>
+              <a:rPr lang="en-US"/>
+              <a:t>to cast.</a:t>
+            </a:r>
+            <a:endParaRPr lang="en-US" dirty="0"/>
           </a:p>
           <a:p>
             <a:pPr marL="457200" indent="-457200">

--- a/courses/apcsp/lect1.pptx
+++ b/courses/apcsp/lect1.pptx
@@ -422,7 +422,7 @@
   <pc:docChgLst>
     <pc:chgData name="Long B Nguyen" userId="f59fb8f3-a021-417a-8bc1-65c8d471c621" providerId="ADAL" clId="{1AE11430-C232-BB4B-AD26-649DB56977B5}"/>
     <pc:docChg chg="undo redo custSel addSld delSld modSld">
-      <pc:chgData name="Long B Nguyen" userId="f59fb8f3-a021-417a-8bc1-65c8d471c621" providerId="ADAL" clId="{1AE11430-C232-BB4B-AD26-649DB56977B5}" dt="2019-09-09T17:45:26.984" v="3809" actId="20577"/>
+      <pc:chgData name="Long B Nguyen" userId="f59fb8f3-a021-417a-8bc1-65c8d471c621" providerId="ADAL" clId="{1AE11430-C232-BB4B-AD26-649DB56977B5}" dt="2019-09-09T17:47:35.004" v="3847" actId="20577"/>
       <pc:docMkLst>
         <pc:docMk/>
       </pc:docMkLst>
@@ -914,7 +914,7 @@
         </pc:spChg>
       </pc:sldChg>
       <pc:sldChg chg="delSp modSp add delAnim modAnim">
-        <pc:chgData name="Long B Nguyen" userId="f59fb8f3-a021-417a-8bc1-65c8d471c621" providerId="ADAL" clId="{1AE11430-C232-BB4B-AD26-649DB56977B5}" dt="2019-09-09T17:45:26.984" v="3809" actId="20577"/>
+        <pc:chgData name="Long B Nguyen" userId="f59fb8f3-a021-417a-8bc1-65c8d471c621" providerId="ADAL" clId="{1AE11430-C232-BB4B-AD26-649DB56977B5}" dt="2019-09-09T17:47:35.004" v="3847" actId="20577"/>
         <pc:sldMkLst>
           <pc:docMk/>
           <pc:sldMk cId="2064379448" sldId="302"/>
@@ -936,7 +936,7 @@
           </ac:spMkLst>
         </pc:spChg>
         <pc:spChg chg="mod">
-          <ac:chgData name="Long B Nguyen" userId="f59fb8f3-a021-417a-8bc1-65c8d471c621" providerId="ADAL" clId="{1AE11430-C232-BB4B-AD26-649DB56977B5}" dt="2019-09-09T17:45:26.984" v="3809" actId="20577"/>
+          <ac:chgData name="Long B Nguyen" userId="f59fb8f3-a021-417a-8bc1-65c8d471c621" providerId="ADAL" clId="{1AE11430-C232-BB4B-AD26-649DB56977B5}" dt="2019-09-09T17:47:35.004" v="3847" actId="20577"/>
           <ac:spMkLst>
             <pc:docMk/>
             <pc:sldMk cId="2064379448" sldId="302"/>
@@ -14735,12 +14735,6 @@
             <a:pPr marL="0" indent="0">
               <a:buNone/>
             </a:pPr>
-            <a:endParaRPr lang="en-US" dirty="0"/>
-          </a:p>
-          <a:p>
-            <a:pPr marL="0" indent="0">
-              <a:buNone/>
-            </a:pPr>
             <a:r>
               <a:rPr lang="en-US" dirty="0"/>
               <a:t>On your computer. Open the </a:t>
@@ -14804,11 +14798,24 @@
             </a:pPr>
             <a:r>
               <a:rPr lang="en-US" dirty="0"/>
-              <a:t>Try to use int() and float() </a:t>
+              <a:t>Try to use int() and float() to cast.</a:t>
+            </a:r>
+          </a:p>
+          <a:p>
+            <a:pPr marL="457200" indent="-457200">
+              <a:buAutoNum type="arabicParenR"/>
+            </a:pPr>
+            <a:r>
+              <a:rPr lang="en-US" dirty="0"/>
+              <a:t>Work with </a:t>
+            </a:r>
+            <a:r>
+              <a:rPr lang="en-US" dirty="0" err="1"/>
+              <a:t>boolean</a:t>
             </a:r>
             <a:r>
               <a:rPr lang="en-US"/>
-              <a:t>to cast.</a:t>
+              <a:t> expressions.</a:t>
             </a:r>
             <a:endParaRPr lang="en-US" dirty="0"/>
           </a:p>

--- a/courses/apcsp/lect1.pptx
+++ b/courses/apcsp/lect1.pptx
@@ -140,7 +140,7 @@
 <file path=ppt/revisionInfo.xml><?xml version="1.0" encoding="utf-8"?>
 <p1510:revInfo xmlns:a="http://schemas.openxmlformats.org/drawingml/2006/main" xmlns:r="http://schemas.openxmlformats.org/officeDocument/2006/relationships" xmlns:p1510="http://schemas.microsoft.com/office/powerpoint/2015/10/main">
   <p1510:revLst>
-    <p1510:client id="{1AE11430-C232-BB4B-AD26-649DB56977B5}" v="1387" dt="2019-09-09T14:37:29.949"/>
+    <p1510:client id="{0A2D55A0-81A8-4E44-855B-5488B777D4BD}" v="266" dt="2020-09-24T11:46:06.196"/>
   </p1510:revLst>
 </p1510:revInfo>
 </file>
@@ -414,10 +414,201 @@
     </pc:docChg>
   </pc:docChgLst>
   <pc:docChgLst>
-    <pc:chgData name="Long B Nguyen" userId="f59fb8f3-a021-417a-8bc1-65c8d471c621" providerId="ADAL" clId="{6CD83B71-C243-244B-B302-DE2E82069201}"/>
-  </pc:docChgLst>
-  <pc:docChgLst>
-    <pc:chgData name="Long B Nguyen" userId="f59fb8f3-a021-417a-8bc1-65c8d471c621" providerId="ADAL" clId="{A2B9980D-0FF0-CA43-9CAC-D70036623538}"/>
+    <pc:chgData name="Long B Nguyen" userId="f59fb8f3-a021-417a-8bc1-65c8d471c621" providerId="ADAL" clId="{0A2D55A0-81A8-4E44-855B-5488B777D4BD}"/>
+    <pc:docChg chg="modSld">
+      <pc:chgData name="Long B Nguyen" userId="f59fb8f3-a021-417a-8bc1-65c8d471c621" providerId="ADAL" clId="{0A2D55A0-81A8-4E44-855B-5488B777D4BD}" dt="2020-09-24T11:47:44.276" v="418" actId="20577"/>
+      <pc:docMkLst>
+        <pc:docMk/>
+      </pc:docMkLst>
+      <pc:sldChg chg="modSp modAnim">
+        <pc:chgData name="Long B Nguyen" userId="f59fb8f3-a021-417a-8bc1-65c8d471c621" providerId="ADAL" clId="{0A2D55A0-81A8-4E44-855B-5488B777D4BD}" dt="2020-09-22T13:34:32.844" v="130" actId="20577"/>
+        <pc:sldMkLst>
+          <pc:docMk/>
+          <pc:sldMk cId="2207246265" sldId="257"/>
+        </pc:sldMkLst>
+        <pc:spChg chg="mod">
+          <ac:chgData name="Long B Nguyen" userId="f59fb8f3-a021-417a-8bc1-65c8d471c621" providerId="ADAL" clId="{0A2D55A0-81A8-4E44-855B-5488B777D4BD}" dt="2020-09-22T13:34:32.844" v="130" actId="20577"/>
+          <ac:spMkLst>
+            <pc:docMk/>
+            <pc:sldMk cId="2207246265" sldId="257"/>
+            <ac:spMk id="9" creationId="{E3B2E017-30B2-884B-A113-B419A2ED51AD}"/>
+          </ac:spMkLst>
+        </pc:spChg>
+      </pc:sldChg>
+      <pc:sldChg chg="modSp">
+        <pc:chgData name="Long B Nguyen" userId="f59fb8f3-a021-417a-8bc1-65c8d471c621" providerId="ADAL" clId="{0A2D55A0-81A8-4E44-855B-5488B777D4BD}" dt="2020-09-24T11:45:20.841" v="278" actId="113"/>
+        <pc:sldMkLst>
+          <pc:docMk/>
+          <pc:sldMk cId="3625497833" sldId="265"/>
+        </pc:sldMkLst>
+        <pc:spChg chg="mod">
+          <ac:chgData name="Long B Nguyen" userId="f59fb8f3-a021-417a-8bc1-65c8d471c621" providerId="ADAL" clId="{0A2D55A0-81A8-4E44-855B-5488B777D4BD}" dt="2020-09-24T11:45:20.841" v="278" actId="113"/>
+          <ac:spMkLst>
+            <pc:docMk/>
+            <pc:sldMk cId="3625497833" sldId="265"/>
+            <ac:spMk id="9" creationId="{E3B2E017-30B2-884B-A113-B419A2ED51AD}"/>
+          </ac:spMkLst>
+        </pc:spChg>
+      </pc:sldChg>
+      <pc:sldChg chg="modSp">
+        <pc:chgData name="Long B Nguyen" userId="f59fb8f3-a021-417a-8bc1-65c8d471c621" providerId="ADAL" clId="{0A2D55A0-81A8-4E44-855B-5488B777D4BD}" dt="2020-09-24T11:45:34.022" v="279" actId="113"/>
+        <pc:sldMkLst>
+          <pc:docMk/>
+          <pc:sldMk cId="4224307978" sldId="270"/>
+        </pc:sldMkLst>
+        <pc:spChg chg="mod">
+          <ac:chgData name="Long B Nguyen" userId="f59fb8f3-a021-417a-8bc1-65c8d471c621" providerId="ADAL" clId="{0A2D55A0-81A8-4E44-855B-5488B777D4BD}" dt="2020-09-24T11:45:34.022" v="279" actId="113"/>
+          <ac:spMkLst>
+            <pc:docMk/>
+            <pc:sldMk cId="4224307978" sldId="270"/>
+            <ac:spMk id="9" creationId="{E3B2E017-30B2-884B-A113-B419A2ED51AD}"/>
+          </ac:spMkLst>
+        </pc:spChg>
+      </pc:sldChg>
+      <pc:sldChg chg="modSp">
+        <pc:chgData name="Long B Nguyen" userId="f59fb8f3-a021-417a-8bc1-65c8d471c621" providerId="ADAL" clId="{0A2D55A0-81A8-4E44-855B-5488B777D4BD}" dt="2020-09-24T11:45:51.041" v="280" actId="113"/>
+        <pc:sldMkLst>
+          <pc:docMk/>
+          <pc:sldMk cId="2130507588" sldId="271"/>
+        </pc:sldMkLst>
+        <pc:spChg chg="mod">
+          <ac:chgData name="Long B Nguyen" userId="f59fb8f3-a021-417a-8bc1-65c8d471c621" providerId="ADAL" clId="{0A2D55A0-81A8-4E44-855B-5488B777D4BD}" dt="2020-09-24T11:45:51.041" v="280" actId="113"/>
+          <ac:spMkLst>
+            <pc:docMk/>
+            <pc:sldMk cId="2130507588" sldId="271"/>
+            <ac:spMk id="9" creationId="{E3B2E017-30B2-884B-A113-B419A2ED51AD}"/>
+          </ac:spMkLst>
+        </pc:spChg>
+      </pc:sldChg>
+      <pc:sldChg chg="modSp">
+        <pc:chgData name="Long B Nguyen" userId="f59fb8f3-a021-417a-8bc1-65c8d471c621" providerId="ADAL" clId="{0A2D55A0-81A8-4E44-855B-5488B777D4BD}" dt="2020-09-24T11:24:03.241" v="154" actId="113"/>
+        <pc:sldMkLst>
+          <pc:docMk/>
+          <pc:sldMk cId="587435069" sldId="272"/>
+        </pc:sldMkLst>
+        <pc:spChg chg="mod">
+          <ac:chgData name="Long B Nguyen" userId="f59fb8f3-a021-417a-8bc1-65c8d471c621" providerId="ADAL" clId="{0A2D55A0-81A8-4E44-855B-5488B777D4BD}" dt="2020-09-24T11:24:03.241" v="154" actId="113"/>
+          <ac:spMkLst>
+            <pc:docMk/>
+            <pc:sldMk cId="587435069" sldId="272"/>
+            <ac:spMk id="9" creationId="{E3B2E017-30B2-884B-A113-B419A2ED51AD}"/>
+          </ac:spMkLst>
+        </pc:spChg>
+      </pc:sldChg>
+      <pc:sldChg chg="modSp">
+        <pc:chgData name="Long B Nguyen" userId="f59fb8f3-a021-417a-8bc1-65c8d471c621" providerId="ADAL" clId="{0A2D55A0-81A8-4E44-855B-5488B777D4BD}" dt="2020-09-22T04:40:52.026" v="101" actId="20577"/>
+        <pc:sldMkLst>
+          <pc:docMk/>
+          <pc:sldMk cId="2925367410" sldId="280"/>
+        </pc:sldMkLst>
+        <pc:spChg chg="mod">
+          <ac:chgData name="Long B Nguyen" userId="f59fb8f3-a021-417a-8bc1-65c8d471c621" providerId="ADAL" clId="{0A2D55A0-81A8-4E44-855B-5488B777D4BD}" dt="2020-09-22T04:40:52.026" v="101" actId="20577"/>
+          <ac:spMkLst>
+            <pc:docMk/>
+            <pc:sldMk cId="2925367410" sldId="280"/>
+            <ac:spMk id="9" creationId="{E3B2E017-30B2-884B-A113-B419A2ED51AD}"/>
+          </ac:spMkLst>
+        </pc:spChg>
+      </pc:sldChg>
+      <pc:sldChg chg="modSp">
+        <pc:chgData name="Long B Nguyen" userId="f59fb8f3-a021-417a-8bc1-65c8d471c621" providerId="ADAL" clId="{0A2D55A0-81A8-4E44-855B-5488B777D4BD}" dt="2020-09-24T11:23:44.909" v="153" actId="113"/>
+        <pc:sldMkLst>
+          <pc:docMk/>
+          <pc:sldMk cId="2119170476" sldId="281"/>
+        </pc:sldMkLst>
+        <pc:spChg chg="mod">
+          <ac:chgData name="Long B Nguyen" userId="f59fb8f3-a021-417a-8bc1-65c8d471c621" providerId="ADAL" clId="{0A2D55A0-81A8-4E44-855B-5488B777D4BD}" dt="2020-09-24T11:23:44.909" v="153" actId="113"/>
+          <ac:spMkLst>
+            <pc:docMk/>
+            <pc:sldMk cId="2119170476" sldId="281"/>
+            <ac:spMk id="9" creationId="{E3B2E017-30B2-884B-A113-B419A2ED51AD}"/>
+          </ac:spMkLst>
+        </pc:spChg>
+      </pc:sldChg>
+      <pc:sldChg chg="modSp">
+        <pc:chgData name="Long B Nguyen" userId="f59fb8f3-a021-417a-8bc1-65c8d471c621" providerId="ADAL" clId="{0A2D55A0-81A8-4E44-855B-5488B777D4BD}" dt="2020-09-22T13:32:11.637" v="120" actId="20577"/>
+        <pc:sldMkLst>
+          <pc:docMk/>
+          <pc:sldMk cId="558223950" sldId="285"/>
+        </pc:sldMkLst>
+        <pc:spChg chg="mod">
+          <ac:chgData name="Long B Nguyen" userId="f59fb8f3-a021-417a-8bc1-65c8d471c621" providerId="ADAL" clId="{0A2D55A0-81A8-4E44-855B-5488B777D4BD}" dt="2020-09-22T13:32:11.637" v="120" actId="20577"/>
+          <ac:spMkLst>
+            <pc:docMk/>
+            <pc:sldMk cId="558223950" sldId="285"/>
+            <ac:spMk id="9" creationId="{E3B2E017-30B2-884B-A113-B419A2ED51AD}"/>
+          </ac:spMkLst>
+        </pc:spChg>
+      </pc:sldChg>
+      <pc:sldChg chg="modSp mod modAnim">
+        <pc:chgData name="Long B Nguyen" userId="f59fb8f3-a021-417a-8bc1-65c8d471c621" providerId="ADAL" clId="{0A2D55A0-81A8-4E44-855B-5488B777D4BD}" dt="2020-09-24T11:46:06.195" v="281" actId="113"/>
+        <pc:sldMkLst>
+          <pc:docMk/>
+          <pc:sldMk cId="3711861066" sldId="295"/>
+        </pc:sldMkLst>
+        <pc:spChg chg="mod">
+          <ac:chgData name="Long B Nguyen" userId="f59fb8f3-a021-417a-8bc1-65c8d471c621" providerId="ADAL" clId="{0A2D55A0-81A8-4E44-855B-5488B777D4BD}" dt="2020-09-24T11:46:06.195" v="281" actId="113"/>
+          <ac:spMkLst>
+            <pc:docMk/>
+            <pc:sldMk cId="3711861066" sldId="295"/>
+            <ac:spMk id="9" creationId="{E3B2E017-30B2-884B-A113-B419A2ED51AD}"/>
+          </ac:spMkLst>
+        </pc:spChg>
+      </pc:sldChg>
+      <pc:sldChg chg="addSp modSp mod modAnim">
+        <pc:chgData name="Long B Nguyen" userId="f59fb8f3-a021-417a-8bc1-65c8d471c621" providerId="ADAL" clId="{0A2D55A0-81A8-4E44-855B-5488B777D4BD}" dt="2020-09-22T13:39:28.298" v="138" actId="14100"/>
+        <pc:sldMkLst>
+          <pc:docMk/>
+          <pc:sldMk cId="3705756631" sldId="300"/>
+        </pc:sldMkLst>
+        <pc:cxnChg chg="mod">
+          <ac:chgData name="Long B Nguyen" userId="f59fb8f3-a021-417a-8bc1-65c8d471c621" providerId="ADAL" clId="{0A2D55A0-81A8-4E44-855B-5488B777D4BD}" dt="2020-09-22T13:38:57.311" v="131" actId="14100"/>
+          <ac:cxnSpMkLst>
+            <pc:docMk/>
+            <pc:sldMk cId="3705756631" sldId="300"/>
+            <ac:cxnSpMk id="12" creationId="{9E356615-13B9-8146-8C06-5A99446B4AB7}"/>
+          </ac:cxnSpMkLst>
+        </pc:cxnChg>
+        <pc:cxnChg chg="add mod">
+          <ac:chgData name="Long B Nguyen" userId="f59fb8f3-a021-417a-8bc1-65c8d471c621" providerId="ADAL" clId="{0A2D55A0-81A8-4E44-855B-5488B777D4BD}" dt="2020-09-22T13:39:28.298" v="138" actId="14100"/>
+          <ac:cxnSpMkLst>
+            <pc:docMk/>
+            <pc:sldMk cId="3705756631" sldId="300"/>
+            <ac:cxnSpMk id="13" creationId="{7F2977E9-F9B1-0644-931A-CE158F3CAECE}"/>
+          </ac:cxnSpMkLst>
+        </pc:cxnChg>
+      </pc:sldChg>
+      <pc:sldChg chg="modSp">
+        <pc:chgData name="Long B Nguyen" userId="f59fb8f3-a021-417a-8bc1-65c8d471c621" providerId="ADAL" clId="{0A2D55A0-81A8-4E44-855B-5488B777D4BD}" dt="2020-09-24T11:45:02.282" v="277" actId="113"/>
+        <pc:sldMkLst>
+          <pc:docMk/>
+          <pc:sldMk cId="3618694306" sldId="301"/>
+        </pc:sldMkLst>
+        <pc:spChg chg="mod">
+          <ac:chgData name="Long B Nguyen" userId="f59fb8f3-a021-417a-8bc1-65c8d471c621" providerId="ADAL" clId="{0A2D55A0-81A8-4E44-855B-5488B777D4BD}" dt="2020-09-24T11:45:02.282" v="277" actId="113"/>
+          <ac:spMkLst>
+            <pc:docMk/>
+            <pc:sldMk cId="3618694306" sldId="301"/>
+            <ac:spMk id="9" creationId="{E3B2E017-30B2-884B-A113-B419A2ED51AD}"/>
+          </ac:spMkLst>
+        </pc:spChg>
+      </pc:sldChg>
+      <pc:sldChg chg="modSp mod">
+        <pc:chgData name="Long B Nguyen" userId="f59fb8f3-a021-417a-8bc1-65c8d471c621" providerId="ADAL" clId="{0A2D55A0-81A8-4E44-855B-5488B777D4BD}" dt="2020-09-24T11:47:44.276" v="418" actId="20577"/>
+        <pc:sldMkLst>
+          <pc:docMk/>
+          <pc:sldMk cId="2064379448" sldId="302"/>
+        </pc:sldMkLst>
+        <pc:spChg chg="mod">
+          <ac:chgData name="Long B Nguyen" userId="f59fb8f3-a021-417a-8bc1-65c8d471c621" providerId="ADAL" clId="{0A2D55A0-81A8-4E44-855B-5488B777D4BD}" dt="2020-09-24T11:47:44.276" v="418" actId="20577"/>
+          <ac:spMkLst>
+            <pc:docMk/>
+            <pc:sldMk cId="2064379448" sldId="302"/>
+            <ac:spMk id="9" creationId="{E3B2E017-30B2-884B-A113-B419A2ED51AD}"/>
+          </ac:spMkLst>
+        </pc:spChg>
+      </pc:sldChg>
+    </pc:docChg>
   </pc:docChgLst>
   <pc:docChgLst>
     <pc:chgData name="Long B Nguyen" userId="f59fb8f3-a021-417a-8bc1-65c8d471c621" providerId="ADAL" clId="{1AE11430-C232-BB4B-AD26-649DB56977B5}"/>
@@ -1110,7 +1301,7 @@
           <a:p>
             <a:fld id="{4AAD347D-5ACD-4C99-B74B-A9C85AD731AF}" type="datetimeFigureOut">
               <a:rPr lang="en-US" smtClean="0"/>
-              <a:t>9/9/19</a:t>
+              <a:t>9/24/20</a:t>
             </a:fld>
             <a:endParaRPr lang="en-US" dirty="0"/>
           </a:p>
@@ -1280,7 +1471,7 @@
           <a:p>
             <a:fld id="{4509A250-FF31-4206-8172-F9D3106AACB1}" type="datetimeFigureOut">
               <a:rPr lang="en-US" smtClean="0"/>
-              <a:t>9/9/19</a:t>
+              <a:t>9/24/20</a:t>
             </a:fld>
             <a:endParaRPr lang="en-US" dirty="0"/>
           </a:p>
@@ -1460,7 +1651,7 @@
           <a:p>
             <a:fld id="{4509A250-FF31-4206-8172-F9D3106AACB1}" type="datetimeFigureOut">
               <a:rPr lang="en-US" smtClean="0"/>
-              <a:t>9/9/19</a:t>
+              <a:t>9/24/20</a:t>
             </a:fld>
             <a:endParaRPr lang="en-US" dirty="0"/>
           </a:p>
@@ -1630,7 +1821,7 @@
           <a:p>
             <a:fld id="{4509A250-FF31-4206-8172-F9D3106AACB1}" type="datetimeFigureOut">
               <a:rPr lang="en-US" smtClean="0"/>
-              <a:t>9/9/19</a:t>
+              <a:t>9/24/20</a:t>
             </a:fld>
             <a:endParaRPr lang="en-US" dirty="0"/>
           </a:p>
@@ -1876,7 +2067,7 @@
           <a:p>
             <a:fld id="{9796027F-7875-4030-9381-8BD8C4F21935}" type="datetimeFigureOut">
               <a:rPr lang="en-US" smtClean="0"/>
-              <a:t>9/9/19</a:t>
+              <a:t>9/24/20</a:t>
             </a:fld>
             <a:endParaRPr lang="en-US" dirty="0"/>
           </a:p>
@@ -2108,7 +2299,7 @@
           <a:p>
             <a:fld id="{9796027F-7875-4030-9381-8BD8C4F21935}" type="datetimeFigureOut">
               <a:rPr lang="en-US" smtClean="0"/>
-              <a:t>9/9/19</a:t>
+              <a:t>9/24/20</a:t>
             </a:fld>
             <a:endParaRPr lang="en-US" dirty="0"/>
           </a:p>
@@ -2475,7 +2666,7 @@
           <a:p>
             <a:fld id="{9796027F-7875-4030-9381-8BD8C4F21935}" type="datetimeFigureOut">
               <a:rPr lang="en-US" smtClean="0"/>
-              <a:t>9/9/19</a:t>
+              <a:t>9/24/20</a:t>
             </a:fld>
             <a:endParaRPr lang="en-US" dirty="0"/>
           </a:p>
@@ -2593,7 +2784,7 @@
           <a:p>
             <a:fld id="{4509A250-FF31-4206-8172-F9D3106AACB1}" type="datetimeFigureOut">
               <a:rPr lang="en-US" smtClean="0"/>
-              <a:t>9/9/19</a:t>
+              <a:t>9/24/20</a:t>
             </a:fld>
             <a:endParaRPr lang="en-US" dirty="0"/>
           </a:p>
@@ -2688,7 +2879,7 @@
           <a:p>
             <a:fld id="{4509A250-FF31-4206-8172-F9D3106AACB1}" type="datetimeFigureOut">
               <a:rPr lang="en-US" smtClean="0"/>
-              <a:t>9/9/19</a:t>
+              <a:t>9/24/20</a:t>
             </a:fld>
             <a:endParaRPr lang="en-US" dirty="0"/>
           </a:p>
@@ -2965,7 +3156,7 @@
           <a:p>
             <a:fld id="{4509A250-FF31-4206-8172-F9D3106AACB1}" type="datetimeFigureOut">
               <a:rPr lang="en-US" smtClean="0"/>
-              <a:t>9/9/19</a:t>
+              <a:t>9/24/20</a:t>
             </a:fld>
             <a:endParaRPr lang="en-US" dirty="0"/>
           </a:p>
@@ -3222,7 +3413,7 @@
           <a:p>
             <a:fld id="{4509A250-FF31-4206-8172-F9D3106AACB1}" type="datetimeFigureOut">
               <a:rPr lang="en-US" smtClean="0"/>
-              <a:t>9/9/19</a:t>
+              <a:t>9/24/20</a:t>
             </a:fld>
             <a:endParaRPr lang="en-US" dirty="0"/>
           </a:p>
@@ -3435,7 +3626,7 @@
           <a:p>
             <a:fld id="{4AAD347D-5ACD-4C99-B74B-A9C85AD731AF}" type="datetimeFigureOut">
               <a:rPr lang="en-US" smtClean="0"/>
-              <a:t>9/9/19</a:t>
+              <a:t>9/24/20</a:t>
             </a:fld>
             <a:endParaRPr lang="en-US" dirty="0"/>
           </a:p>
@@ -7381,8 +7572,8 @@
         </p:nvCxnSpPr>
         <p:spPr>
           <a:xfrm flipH="1" flipV="1">
-            <a:off x="3135086" y="3070724"/>
-            <a:ext cx="1126745" cy="136777"/>
+            <a:off x="3380509" y="3048000"/>
+            <a:ext cx="881323" cy="159502"/>
           </a:xfrm>
           <a:prstGeom prst="straightConnector1">
             <a:avLst/>
@@ -7427,6 +7618,50 @@
           <a:xfrm flipV="1">
             <a:off x="483848" y="3321226"/>
             <a:ext cx="1097124" cy="379918"/>
+          </a:xfrm>
+          <a:prstGeom prst="straightConnector1">
+            <a:avLst/>
+          </a:prstGeom>
+          <a:ln w="38100">
+            <a:solidFill>
+              <a:schemeClr val="tx1"/>
+            </a:solidFill>
+            <a:tailEnd type="triangle"/>
+          </a:ln>
+        </p:spPr>
+        <p:style>
+          <a:lnRef idx="1">
+            <a:schemeClr val="accent1"/>
+          </a:lnRef>
+          <a:fillRef idx="0">
+            <a:schemeClr val="accent1"/>
+          </a:fillRef>
+          <a:effectRef idx="0">
+            <a:schemeClr val="accent1"/>
+          </a:effectRef>
+          <a:fontRef idx="minor">
+            <a:schemeClr val="tx1"/>
+          </a:fontRef>
+        </p:style>
+      </p:cxnSp>
+      <p:cxnSp>
+        <p:nvCxnSpPr>
+          <p:cNvPr id="13" name="Straight Arrow Connector 12">
+            <a:extLst>
+              <a:ext uri="{FF2B5EF4-FFF2-40B4-BE49-F238E27FC236}">
+                <a16:creationId xmlns:a16="http://schemas.microsoft.com/office/drawing/2014/main" id="{7F2977E9-F9B1-0644-931A-CE158F3CAECE}"/>
+              </a:ext>
+            </a:extLst>
+          </p:cNvPr>
+          <p:cNvCxnSpPr>
+            <a:cxnSpLocks/>
+          </p:cNvCxnSpPr>
+          <p:nvPr/>
+        </p:nvCxnSpPr>
+        <p:spPr>
+          <a:xfrm flipH="1" flipV="1">
+            <a:off x="2673247" y="2756489"/>
+            <a:ext cx="1724102" cy="1295107"/>
           </a:xfrm>
           <a:prstGeom prst="straightConnector1">
             <a:avLst/>
@@ -7895,6 +8130,33 @@
                                   </p:childTnLst>
                                 </p:cTn>
                               </p:par>
+                              <p:par>
+                                <p:cTn id="37" presetID="1" presetClass="entr" presetSubtype="0" fill="hold" nodeType="withEffect">
+                                  <p:stCondLst>
+                                    <p:cond delay="0"/>
+                                  </p:stCondLst>
+                                  <p:childTnLst>
+                                    <p:set>
+                                      <p:cBhvr>
+                                        <p:cTn id="38" dur="1" fill="hold">
+                                          <p:stCondLst>
+                                            <p:cond delay="0"/>
+                                          </p:stCondLst>
+                                        </p:cTn>
+                                        <p:tgtEl>
+                                          <p:spTgt spid="13"/>
+                                        </p:tgtEl>
+                                        <p:attrNameLst>
+                                          <p:attrName>style.visibility</p:attrName>
+                                        </p:attrNameLst>
+                                      </p:cBhvr>
+                                      <p:to>
+                                        <p:strVal val="visible"/>
+                                      </p:to>
+                                    </p:set>
+                                  </p:childTnLst>
+                                </p:cTn>
+                              </p:par>
                             </p:childTnLst>
                           </p:cTn>
                         </p:par>
@@ -8016,7 +8278,7 @@
               <a:t>Python is </a:t>
             </a:r>
             <a:r>
-              <a:rPr lang="en-US" i="1" dirty="0"/>
+              <a:rPr lang="en-US" b="1" i="1" dirty="0"/>
               <a:t>dynamically typed</a:t>
             </a:r>
             <a:r>
@@ -9449,7 +9711,15 @@
             </a:pPr>
             <a:r>
               <a:rPr lang="en-US" dirty="0"/>
-              <a:t>Any number without a decimal point is an integer. </a:t>
+              <a:t>Any number without a decimal point is an </a:t>
+            </a:r>
+            <a:r>
+              <a:rPr lang="en-US" b="1" dirty="0"/>
+              <a:t>integer.</a:t>
+            </a:r>
+            <a:r>
+              <a:rPr lang="en-US" dirty="0"/>
+              <a:t> </a:t>
             </a:r>
           </a:p>
           <a:p>
@@ -10169,7 +10439,15 @@
             </a:pPr>
             <a:r>
               <a:rPr lang="en-US" dirty="0"/>
-              <a:t>You can use the floor-division operator //: </a:t>
+              <a:t>You can use the floor-division operator //. </a:t>
+            </a:r>
+            <a:r>
+              <a:rPr lang="en-US" b="1" dirty="0"/>
+              <a:t>Floor-division</a:t>
+            </a:r>
+            <a:r>
+              <a:rPr lang="en-US" dirty="0"/>
+              <a:t> rounds down to next integer after division.</a:t>
             </a:r>
           </a:p>
           <a:p>
@@ -10616,7 +10894,15 @@
             </a:pPr>
             <a:r>
               <a:rPr lang="en-US" dirty="0"/>
-              <a:t>The floating-point type can store fractional numbers. </a:t>
+              <a:t>The </a:t>
+            </a:r>
+            <a:r>
+              <a:rPr lang="en-US" b="1" dirty="0"/>
+              <a:t>floating-point type </a:t>
+            </a:r>
+            <a:r>
+              <a:rPr lang="en-US" dirty="0"/>
+              <a:t>can store fractional numbers. </a:t>
             </a:r>
           </a:p>
           <a:p>
@@ -11546,6 +11832,20 @@
               <a:buAutoNum type="arabicParenR"/>
             </a:pPr>
             <a:r>
+              <a:rPr lang="en-US" dirty="0" err="1">
+                <a:latin typeface="Gill Sans MT" panose="020B0502020104020203" pitchFamily="34" charset="77"/>
+              </a:rPr>
+              <a:t>repl.it</a:t>
+            </a:r>
+            <a:endParaRPr lang="en-US" dirty="0">
+              <a:latin typeface="Gill Sans MT" panose="020B0502020104020203" pitchFamily="34" charset="77"/>
+            </a:endParaRPr>
+          </a:p>
+          <a:p>
+            <a:pPr marL="457200" indent="-457200">
+              <a:buAutoNum type="arabicParenR"/>
+            </a:pPr>
+            <a:r>
               <a:rPr lang="en-US" dirty="0">
                 <a:latin typeface="Gill Sans MT" panose="020B0502020104020203" pitchFamily="34" charset="77"/>
               </a:rPr>
@@ -11833,39 +12133,26 @@
                                   </p:childTnLst>
                                 </p:cTn>
                               </p:par>
+                            </p:childTnLst>
+                          </p:cTn>
+                        </p:par>
+                      </p:childTnLst>
+                    </p:cTn>
+                  </p:par>
+                  <p:par>
+                    <p:cTn id="15" fill="hold">
+                      <p:stCondLst>
+                        <p:cond delay="indefinite"/>
+                      </p:stCondLst>
+                      <p:childTnLst>
+                        <p:par>
+                          <p:cTn id="16" fill="hold">
+                            <p:stCondLst>
+                              <p:cond delay="0"/>
+                            </p:stCondLst>
+                            <p:childTnLst>
                               <p:par>
-                                <p:cTn id="15" presetID="1" presetClass="entr" presetSubtype="0" fill="hold" nodeType="withEffect">
-                                  <p:stCondLst>
-                                    <p:cond delay="0"/>
-                                  </p:stCondLst>
-                                  <p:childTnLst>
-                                    <p:set>
-                                      <p:cBhvr>
-                                        <p:cTn id="16" dur="1" fill="hold">
-                                          <p:stCondLst>
-                                            <p:cond delay="0"/>
-                                          </p:stCondLst>
-                                        </p:cTn>
-                                        <p:tgtEl>
-                                          <p:spTgt spid="9">
-                                            <p:txEl>
-                                              <p:pRg st="6" end="6"/>
-                                            </p:txEl>
-                                          </p:spTgt>
-                                        </p:tgtEl>
-                                        <p:attrNameLst>
-                                          <p:attrName>style.visibility</p:attrName>
-                                        </p:attrNameLst>
-                                      </p:cBhvr>
-                                      <p:to>
-                                        <p:strVal val="visible"/>
-                                      </p:to>
-                                    </p:set>
-                                  </p:childTnLst>
-                                </p:cTn>
-                              </p:par>
-                              <p:par>
-                                <p:cTn id="17" presetID="1" presetClass="entr" presetSubtype="0" fill="hold" nodeType="withEffect">
+                                <p:cTn id="17" presetID="1" presetClass="entr" presetSubtype="0" fill="hold" nodeType="clickEffect">
                                   <p:stCondLst>
                                     <p:cond delay="0"/>
                                   </p:stCondLst>
@@ -11880,7 +12167,7 @@
                                         <p:tgtEl>
                                           <p:spTgt spid="9">
                                             <p:txEl>
-                                              <p:pRg st="7" end="7"/>
+                                              <p:pRg st="6" end="6"/>
                                             </p:txEl>
                                           </p:spTgt>
                                         </p:tgtEl>
@@ -11911,7 +12198,7 @@
                                         <p:tgtEl>
                                           <p:spTgt spid="9">
                                             <p:txEl>
-                                              <p:pRg st="8" end="8"/>
+                                              <p:pRg st="7" end="7"/>
                                             </p:txEl>
                                           </p:spTgt>
                                         </p:tgtEl>
@@ -11942,7 +12229,69 @@
                                         <p:tgtEl>
                                           <p:spTgt spid="9">
                                             <p:txEl>
+                                              <p:pRg st="8" end="8"/>
+                                            </p:txEl>
+                                          </p:spTgt>
+                                        </p:tgtEl>
+                                        <p:attrNameLst>
+                                          <p:attrName>style.visibility</p:attrName>
+                                        </p:attrNameLst>
+                                      </p:cBhvr>
+                                      <p:to>
+                                        <p:strVal val="visible"/>
+                                      </p:to>
+                                    </p:set>
+                                  </p:childTnLst>
+                                </p:cTn>
+                              </p:par>
+                              <p:par>
+                                <p:cTn id="23" presetID="1" presetClass="entr" presetSubtype="0" fill="hold" nodeType="withEffect">
+                                  <p:stCondLst>
+                                    <p:cond delay="0"/>
+                                  </p:stCondLst>
+                                  <p:childTnLst>
+                                    <p:set>
+                                      <p:cBhvr>
+                                        <p:cTn id="24" dur="1" fill="hold">
+                                          <p:stCondLst>
+                                            <p:cond delay="0"/>
+                                          </p:stCondLst>
+                                        </p:cTn>
+                                        <p:tgtEl>
+                                          <p:spTgt spid="9">
+                                            <p:txEl>
                                               <p:pRg st="9" end="9"/>
+                                            </p:txEl>
+                                          </p:spTgt>
+                                        </p:tgtEl>
+                                        <p:attrNameLst>
+                                          <p:attrName>style.visibility</p:attrName>
+                                        </p:attrNameLst>
+                                      </p:cBhvr>
+                                      <p:to>
+                                        <p:strVal val="visible"/>
+                                      </p:to>
+                                    </p:set>
+                                  </p:childTnLst>
+                                </p:cTn>
+                              </p:par>
+                              <p:par>
+                                <p:cTn id="25" presetID="1" presetClass="entr" presetSubtype="0" fill="hold" nodeType="withEffect">
+                                  <p:stCondLst>
+                                    <p:cond delay="0"/>
+                                  </p:stCondLst>
+                                  <p:childTnLst>
+                                    <p:set>
+                                      <p:cBhvr>
+                                        <p:cTn id="26" dur="1" fill="hold">
+                                          <p:stCondLst>
+                                            <p:cond delay="0"/>
+                                          </p:stCondLst>
+                                        </p:cTn>
+                                        <p:tgtEl>
+                                          <p:spTgt spid="9">
+                                            <p:txEl>
+                                              <p:pRg st="10" end="10"/>
                                             </p:txEl>
                                           </p:spTgt>
                                         </p:tgtEl>
@@ -12908,13 +13257,20 @@
               <a:rPr lang="en-US" sz="2000" dirty="0">
                 <a:latin typeface="Gill Sans MT" panose="020B0502020104020203" pitchFamily="34" charset="77"/>
               </a:rPr>
-              <a:t>The int() and float() functions can be called to cast a value to a integer or float, respectively.</a:t>
-            </a:r>
-          </a:p>
-          <a:p>
-            <a:pPr marL="0" indent="0">
-              <a:buNone/>
-            </a:pPr>
+              <a:t>The int() and float() functions can be called to </a:t>
+            </a:r>
+            <a:r>
+              <a:rPr lang="en-US" sz="2000" b="1" dirty="0">
+                <a:latin typeface="Gill Sans MT" panose="020B0502020104020203" pitchFamily="34" charset="77"/>
+              </a:rPr>
+              <a:t>cast</a:t>
+            </a:r>
+            <a:r>
+              <a:rPr lang="en-US" sz="2000" dirty="0">
+                <a:latin typeface="Gill Sans MT" panose="020B0502020104020203" pitchFamily="34" charset="77"/>
+              </a:rPr>
+              <a:t> a value to an integer or float, respectively.</a:t>
+            </a:r>
             <a:endParaRPr lang="en-US" sz="2000" b="1" dirty="0">
               <a:solidFill>
                 <a:srgbClr val="000087"/>
@@ -13015,6 +13371,17 @@
             <a:pPr marL="0" indent="0">
               <a:buNone/>
             </a:pPr>
+            <a:endParaRPr lang="en-US" sz="2000" b="1" dirty="0">
+              <a:solidFill>
+                <a:srgbClr val="008000"/>
+              </a:solidFill>
+              <a:latin typeface="Inconsolata Medium" panose="020B0609030003000000" pitchFamily="49" charset="77"/>
+            </a:endParaRPr>
+          </a:p>
+          <a:p>
+            <a:pPr marL="0" indent="0">
+              <a:buNone/>
+            </a:pPr>
             <a:r>
               <a:rPr lang="en-US" sz="2000" b="1" dirty="0">
                 <a:solidFill>
@@ -13078,6 +13445,11 @@
               </a:rPr>
               <a:t># y will be 2</a:t>
             </a:r>
+          </a:p>
+          <a:p>
+            <a:pPr marL="0" indent="0">
+              <a:buNone/>
+            </a:pPr>
             <a:br>
               <a:rPr lang="en-US" sz="2000" b="1" dirty="0">
                 <a:solidFill>
@@ -13149,6 +13521,11 @@
               </a:rPr>
               <a:t># z will be 3</a:t>
             </a:r>
+          </a:p>
+          <a:p>
+            <a:pPr marL="0" indent="0">
+              <a:buNone/>
+            </a:pPr>
             <a:br>
               <a:rPr lang="en-US" sz="2000" b="1" dirty="0">
                 <a:solidFill>
@@ -13220,6 +13597,11 @@
               </a:rPr>
               <a:t># a will be 2.8</a:t>
             </a:r>
+          </a:p>
+          <a:p>
+            <a:pPr marL="0" indent="0">
+              <a:buNone/>
+            </a:pPr>
             <a:br>
               <a:rPr lang="en-US" sz="2000" b="1" dirty="0">
                 <a:solidFill>
@@ -13291,6 +13673,11 @@
               </a:rPr>
               <a:t># b will be 3.0</a:t>
             </a:r>
+          </a:p>
+          <a:p>
+            <a:pPr marL="0" indent="0">
+              <a:buNone/>
+            </a:pPr>
             <a:br>
               <a:rPr lang="en-US" sz="2000" b="1" dirty="0">
                 <a:solidFill>
@@ -13378,6 +13765,330 @@
   <p:clrMapOvr>
     <a:masterClrMapping/>
   </p:clrMapOvr>
+  <p:timing>
+    <p:tnLst>
+      <p:par>
+        <p:cTn id="1" dur="indefinite" restart="never" nodeType="tmRoot">
+          <p:childTnLst>
+            <p:seq concurrent="1" nextAc="seek">
+              <p:cTn id="2" dur="indefinite" nodeType="mainSeq">
+                <p:childTnLst>
+                  <p:par>
+                    <p:cTn id="3" fill="hold">
+                      <p:stCondLst>
+                        <p:cond delay="indefinite"/>
+                      </p:stCondLst>
+                      <p:childTnLst>
+                        <p:par>
+                          <p:cTn id="4" fill="hold">
+                            <p:stCondLst>
+                              <p:cond delay="0"/>
+                            </p:stCondLst>
+                            <p:childTnLst>
+                              <p:par>
+                                <p:cTn id="5" presetID="1" presetClass="entr" presetSubtype="0" fill="hold" nodeType="clickEffect">
+                                  <p:stCondLst>
+                                    <p:cond delay="0"/>
+                                  </p:stCondLst>
+                                  <p:childTnLst>
+                                    <p:set>
+                                      <p:cBhvr>
+                                        <p:cTn id="6" dur="1" fill="hold">
+                                          <p:stCondLst>
+                                            <p:cond delay="0"/>
+                                          </p:stCondLst>
+                                        </p:cTn>
+                                        <p:tgtEl>
+                                          <p:spTgt spid="9">
+                                            <p:txEl>
+                                              <p:pRg st="1" end="1"/>
+                                            </p:txEl>
+                                          </p:spTgt>
+                                        </p:tgtEl>
+                                        <p:attrNameLst>
+                                          <p:attrName>style.visibility</p:attrName>
+                                        </p:attrNameLst>
+                                      </p:cBhvr>
+                                      <p:to>
+                                        <p:strVal val="visible"/>
+                                      </p:to>
+                                    </p:set>
+                                  </p:childTnLst>
+                                </p:cTn>
+                              </p:par>
+                            </p:childTnLst>
+                          </p:cTn>
+                        </p:par>
+                      </p:childTnLst>
+                    </p:cTn>
+                  </p:par>
+                  <p:par>
+                    <p:cTn id="7" fill="hold">
+                      <p:stCondLst>
+                        <p:cond delay="indefinite"/>
+                      </p:stCondLst>
+                      <p:childTnLst>
+                        <p:par>
+                          <p:cTn id="8" fill="hold">
+                            <p:stCondLst>
+                              <p:cond delay="0"/>
+                            </p:stCondLst>
+                            <p:childTnLst>
+                              <p:par>
+                                <p:cTn id="9" presetID="1" presetClass="entr" presetSubtype="0" fill="hold" nodeType="clickEffect">
+                                  <p:stCondLst>
+                                    <p:cond delay="0"/>
+                                  </p:stCondLst>
+                                  <p:childTnLst>
+                                    <p:set>
+                                      <p:cBhvr>
+                                        <p:cTn id="10" dur="1" fill="hold">
+                                          <p:stCondLst>
+                                            <p:cond delay="0"/>
+                                          </p:stCondLst>
+                                        </p:cTn>
+                                        <p:tgtEl>
+                                          <p:spTgt spid="9">
+                                            <p:txEl>
+                                              <p:pRg st="3" end="3"/>
+                                            </p:txEl>
+                                          </p:spTgt>
+                                        </p:tgtEl>
+                                        <p:attrNameLst>
+                                          <p:attrName>style.visibility</p:attrName>
+                                        </p:attrNameLst>
+                                      </p:cBhvr>
+                                      <p:to>
+                                        <p:strVal val="visible"/>
+                                      </p:to>
+                                    </p:set>
+                                  </p:childTnLst>
+                                </p:cTn>
+                              </p:par>
+                            </p:childTnLst>
+                          </p:cTn>
+                        </p:par>
+                      </p:childTnLst>
+                    </p:cTn>
+                  </p:par>
+                  <p:par>
+                    <p:cTn id="11" fill="hold">
+                      <p:stCondLst>
+                        <p:cond delay="indefinite"/>
+                      </p:stCondLst>
+                      <p:childTnLst>
+                        <p:par>
+                          <p:cTn id="12" fill="hold">
+                            <p:stCondLst>
+                              <p:cond delay="0"/>
+                            </p:stCondLst>
+                            <p:childTnLst>
+                              <p:par>
+                                <p:cTn id="13" presetID="1" presetClass="entr" presetSubtype="0" fill="hold" nodeType="clickEffect">
+                                  <p:stCondLst>
+                                    <p:cond delay="0"/>
+                                  </p:stCondLst>
+                                  <p:childTnLst>
+                                    <p:set>
+                                      <p:cBhvr>
+                                        <p:cTn id="14" dur="1" fill="hold">
+                                          <p:stCondLst>
+                                            <p:cond delay="0"/>
+                                          </p:stCondLst>
+                                        </p:cTn>
+                                        <p:tgtEl>
+                                          <p:spTgt spid="9">
+                                            <p:txEl>
+                                              <p:pRg st="4" end="4"/>
+                                            </p:txEl>
+                                          </p:spTgt>
+                                        </p:tgtEl>
+                                        <p:attrNameLst>
+                                          <p:attrName>style.visibility</p:attrName>
+                                        </p:attrNameLst>
+                                      </p:cBhvr>
+                                      <p:to>
+                                        <p:strVal val="visible"/>
+                                      </p:to>
+                                    </p:set>
+                                  </p:childTnLst>
+                                </p:cTn>
+                              </p:par>
+                            </p:childTnLst>
+                          </p:cTn>
+                        </p:par>
+                      </p:childTnLst>
+                    </p:cTn>
+                  </p:par>
+                  <p:par>
+                    <p:cTn id="15" fill="hold">
+                      <p:stCondLst>
+                        <p:cond delay="indefinite"/>
+                      </p:stCondLst>
+                      <p:childTnLst>
+                        <p:par>
+                          <p:cTn id="16" fill="hold">
+                            <p:stCondLst>
+                              <p:cond delay="0"/>
+                            </p:stCondLst>
+                            <p:childTnLst>
+                              <p:par>
+                                <p:cTn id="17" presetID="1" presetClass="entr" presetSubtype="0" fill="hold" nodeType="clickEffect">
+                                  <p:stCondLst>
+                                    <p:cond delay="0"/>
+                                  </p:stCondLst>
+                                  <p:childTnLst>
+                                    <p:set>
+                                      <p:cBhvr>
+                                        <p:cTn id="18" dur="1" fill="hold">
+                                          <p:stCondLst>
+                                            <p:cond delay="0"/>
+                                          </p:stCondLst>
+                                        </p:cTn>
+                                        <p:tgtEl>
+                                          <p:spTgt spid="9">
+                                            <p:txEl>
+                                              <p:pRg st="5" end="5"/>
+                                            </p:txEl>
+                                          </p:spTgt>
+                                        </p:tgtEl>
+                                        <p:attrNameLst>
+                                          <p:attrName>style.visibility</p:attrName>
+                                        </p:attrNameLst>
+                                      </p:cBhvr>
+                                      <p:to>
+                                        <p:strVal val="visible"/>
+                                      </p:to>
+                                    </p:set>
+                                  </p:childTnLst>
+                                </p:cTn>
+                              </p:par>
+                            </p:childTnLst>
+                          </p:cTn>
+                        </p:par>
+                      </p:childTnLst>
+                    </p:cTn>
+                  </p:par>
+                  <p:par>
+                    <p:cTn id="19" fill="hold">
+                      <p:stCondLst>
+                        <p:cond delay="indefinite"/>
+                      </p:stCondLst>
+                      <p:childTnLst>
+                        <p:par>
+                          <p:cTn id="20" fill="hold">
+                            <p:stCondLst>
+                              <p:cond delay="0"/>
+                            </p:stCondLst>
+                            <p:childTnLst>
+                              <p:par>
+                                <p:cTn id="21" presetID="1" presetClass="entr" presetSubtype="0" fill="hold" nodeType="clickEffect">
+                                  <p:stCondLst>
+                                    <p:cond delay="0"/>
+                                  </p:stCondLst>
+                                  <p:childTnLst>
+                                    <p:set>
+                                      <p:cBhvr>
+                                        <p:cTn id="22" dur="1" fill="hold">
+                                          <p:stCondLst>
+                                            <p:cond delay="0"/>
+                                          </p:stCondLst>
+                                        </p:cTn>
+                                        <p:tgtEl>
+                                          <p:spTgt spid="9">
+                                            <p:txEl>
+                                              <p:pRg st="6" end="6"/>
+                                            </p:txEl>
+                                          </p:spTgt>
+                                        </p:tgtEl>
+                                        <p:attrNameLst>
+                                          <p:attrName>style.visibility</p:attrName>
+                                        </p:attrNameLst>
+                                      </p:cBhvr>
+                                      <p:to>
+                                        <p:strVal val="visible"/>
+                                      </p:to>
+                                    </p:set>
+                                  </p:childTnLst>
+                                </p:cTn>
+                              </p:par>
+                            </p:childTnLst>
+                          </p:cTn>
+                        </p:par>
+                      </p:childTnLst>
+                    </p:cTn>
+                  </p:par>
+                  <p:par>
+                    <p:cTn id="23" fill="hold">
+                      <p:stCondLst>
+                        <p:cond delay="indefinite"/>
+                      </p:stCondLst>
+                      <p:childTnLst>
+                        <p:par>
+                          <p:cTn id="24" fill="hold">
+                            <p:stCondLst>
+                              <p:cond delay="0"/>
+                            </p:stCondLst>
+                            <p:childTnLst>
+                              <p:par>
+                                <p:cTn id="25" presetID="1" presetClass="entr" presetSubtype="0" fill="hold" nodeType="clickEffect">
+                                  <p:stCondLst>
+                                    <p:cond delay="0"/>
+                                  </p:stCondLst>
+                                  <p:childTnLst>
+                                    <p:set>
+                                      <p:cBhvr>
+                                        <p:cTn id="26" dur="1" fill="hold">
+                                          <p:stCondLst>
+                                            <p:cond delay="0"/>
+                                          </p:stCondLst>
+                                        </p:cTn>
+                                        <p:tgtEl>
+                                          <p:spTgt spid="9">
+                                            <p:txEl>
+                                              <p:pRg st="7" end="7"/>
+                                            </p:txEl>
+                                          </p:spTgt>
+                                        </p:tgtEl>
+                                        <p:attrNameLst>
+                                          <p:attrName>style.visibility</p:attrName>
+                                        </p:attrNameLst>
+                                      </p:cBhvr>
+                                      <p:to>
+                                        <p:strVal val="visible"/>
+                                      </p:to>
+                                    </p:set>
+                                  </p:childTnLst>
+                                </p:cTn>
+                              </p:par>
+                            </p:childTnLst>
+                          </p:cTn>
+                        </p:par>
+                      </p:childTnLst>
+                    </p:cTn>
+                  </p:par>
+                </p:childTnLst>
+              </p:cTn>
+              <p:prevCondLst>
+                <p:cond evt="onPrev" delay="0">
+                  <p:tgtEl>
+                    <p:sldTgt/>
+                  </p:tgtEl>
+                </p:cond>
+              </p:prevCondLst>
+              <p:nextCondLst>
+                <p:cond evt="onNext" delay="0">
+                  <p:tgtEl>
+                    <p:sldTgt/>
+                  </p:tgtEl>
+                </p:cond>
+              </p:nextCondLst>
+            </p:seq>
+          </p:childTnLst>
+        </p:cTn>
+      </p:par>
+    </p:tnLst>
+  </p:timing>
 </p:sld>
 </file>
 
@@ -13464,7 +14175,15 @@
             </a:pPr>
             <a:r>
               <a:rPr lang="en-US" dirty="0"/>
-              <a:t>The Boolean type is a simple type with two possible values: True and False.</a:t>
+              <a:t>The </a:t>
+            </a:r>
+            <a:r>
+              <a:rPr lang="en-US" b="1" dirty="0"/>
+              <a:t>Boolean type</a:t>
+            </a:r>
+            <a:r>
+              <a:rPr lang="en-US" dirty="0"/>
+              <a:t> is a simple type with two possible values: True and False.</a:t>
             </a:r>
           </a:p>
           <a:p>
@@ -14442,7 +15161,7 @@
             </a:pPr>
             <a:r>
               <a:rPr lang="en-US" dirty="0"/>
-              <a:t>None can is often used as the default value for parameters of methods. More on this later. </a:t>
+              <a:t>None is often used as the default value for parameters of methods. More on this later. </a:t>
             </a:r>
           </a:p>
           <a:p>
@@ -14771,8 +15490,13 @@
             </a:pPr>
             <a:r>
               <a:rPr lang="en-US" dirty="0"/>
-              <a:t>Try division vs floor division with integers. </a:t>
-            </a:r>
+              <a:t>Try division vs floor division with integers. Try some which has negative dividends as well as negative divisors</a:t>
+            </a:r>
+            <a:r>
+              <a:rPr lang="en-US"/>
+              <a:t>. </a:t>
+            </a:r>
+            <a:endParaRPr lang="en-US" dirty="0"/>
           </a:p>
           <a:p>
             <a:pPr marL="457200" indent="-457200">
@@ -14814,10 +15538,9 @@
               <a:t>boolean</a:t>
             </a:r>
             <a:r>
-              <a:rPr lang="en-US"/>
+              <a:rPr lang="en-US" dirty="0"/>
               <a:t> expressions.</a:t>
             </a:r>
-            <a:endParaRPr lang="en-US" dirty="0"/>
           </a:p>
           <a:p>
             <a:pPr marL="457200" indent="-457200">
@@ -15301,7 +16024,7 @@
               <a:rPr lang="en-US" dirty="0">
                 <a:latin typeface="Gill Sans MT" panose="020B0502020104020203" pitchFamily="34" charset="77"/>
               </a:rPr>
-              <a:t>Assuming that Python is already installed, typing “python” at the command prompt (Terminal on Mac OS X and Unix/Linux systems,  Command Prompt in Windows): </a:t>
+              <a:t>Assuming that Python is already installed, typing “python” at the command prompt (Terminal on Mac OS X and Unix/Linux systems,  Command Prompt or Anaconda Prompt in Windows): </a:t>
             </a:r>
           </a:p>
           <a:p>
@@ -17456,7 +18179,7 @@
             </a:pPr>
             <a:r>
               <a:rPr lang="en-US" dirty="0"/>
-              <a:t>But for more complicated programs it is more convenient to save code to file, and execute it all at once. </a:t>
+              <a:t>But for more complicated programs it is more convenient to save code to file and execute it all at once. </a:t>
             </a:r>
           </a:p>
           <a:p>
@@ -17471,7 +18194,15 @@
             </a:pPr>
             <a:r>
               <a:rPr lang="en-US" dirty="0"/>
-              <a:t>By convention, Python scripts are saved in files with a </a:t>
+              <a:t>By convention, Python </a:t>
+            </a:r>
+            <a:r>
+              <a:rPr lang="en-US" b="1" dirty="0"/>
+              <a:t>scripts</a:t>
+            </a:r>
+            <a:r>
+              <a:rPr lang="en-US" dirty="0"/>
+              <a:t> are saved in files with a </a:t>
             </a:r>
             <a:r>
               <a:rPr lang="en-US" i="1" dirty="0"/>
@@ -17502,7 +18233,15 @@
             </a:pPr>
             <a:r>
               <a:rPr lang="en-US" dirty="0"/>
-              <a:t>Scripts are written using an IDE(Integrated Development Environment). We will initially use an online IDE (</a:t>
+              <a:t>Scripts are written using an </a:t>
+            </a:r>
+            <a:r>
+              <a:rPr lang="en-US" b="1" dirty="0"/>
+              <a:t>IDE</a:t>
+            </a:r>
+            <a:r>
+              <a:rPr lang="en-US" dirty="0"/>
+              <a:t>(Integrated Development Environment). We will initially use an online IDE (</a:t>
             </a:r>
             <a:r>
               <a:rPr lang="en-US" dirty="0" err="1"/>
@@ -17525,7 +18264,7 @@
             </a:pPr>
             <a:r>
               <a:rPr lang="en-US" dirty="0"/>
-              <a:t>Then later, when we start writing games, we will use a popular local IDE called Visual Studio Code.</a:t>
+              <a:t>A popular IDE that can be installed locally on your computer is  Visual Studio Code.</a:t>
             </a:r>
           </a:p>
         </p:txBody>

--- a/courses/apcsp/lect1.pptx
+++ b/courses/apcsp/lect1.pptx
@@ -140,13 +140,37 @@
 <file path=ppt/revisionInfo.xml><?xml version="1.0" encoding="utf-8"?>
 <p1510:revInfo xmlns:a="http://schemas.openxmlformats.org/drawingml/2006/main" xmlns:r="http://schemas.openxmlformats.org/officeDocument/2006/relationships" xmlns:p1510="http://schemas.microsoft.com/office/powerpoint/2015/10/main">
   <p1510:revLst>
-    <p1510:client id="{0A2D55A0-81A8-4E44-855B-5488B777D4BD}" v="266" dt="2020-09-24T11:46:06.196"/>
+    <p1510:client id="{982D8422-27A6-2341-A334-6D849435CBA4}" v="40" dt="2021-04-27T16:03:10.998"/>
   </p1510:revLst>
 </p1510:revInfo>
 </file>
 
 <file path=ppt/changesInfos/changesInfo1.xml><?xml version="1.0" encoding="utf-8"?>
 <pc:chgInfo xmlns:a="http://schemas.openxmlformats.org/drawingml/2006/main" xmlns:r="http://schemas.openxmlformats.org/officeDocument/2006/relationships" xmlns:ac="http://schemas.microsoft.com/office/drawing/2013/main/command" xmlns:pc="http://schemas.microsoft.com/office/powerpoint/2013/main/command">
+  <pc:docChgLst>
+    <pc:chgData name="Long B Nguyen" userId="f59fb8f3-a021-417a-8bc1-65c8d471c621" providerId="ADAL" clId="{982D8422-27A6-2341-A334-6D849435CBA4}"/>
+    <pc:docChg chg="modSld">
+      <pc:chgData name="Long B Nguyen" userId="f59fb8f3-a021-417a-8bc1-65c8d471c621" providerId="ADAL" clId="{982D8422-27A6-2341-A334-6D849435CBA4}" dt="2021-04-27T16:03:10.998" v="39" actId="20577"/>
+      <pc:docMkLst>
+        <pc:docMk/>
+      </pc:docMkLst>
+      <pc:sldChg chg="modSp modAnim">
+        <pc:chgData name="Long B Nguyen" userId="f59fb8f3-a021-417a-8bc1-65c8d471c621" providerId="ADAL" clId="{982D8422-27A6-2341-A334-6D849435CBA4}" dt="2021-04-27T16:03:10.998" v="39" actId="20577"/>
+        <pc:sldMkLst>
+          <pc:docMk/>
+          <pc:sldMk cId="3290810672" sldId="269"/>
+        </pc:sldMkLst>
+        <pc:spChg chg="mod">
+          <ac:chgData name="Long B Nguyen" userId="f59fb8f3-a021-417a-8bc1-65c8d471c621" providerId="ADAL" clId="{982D8422-27A6-2341-A334-6D849435CBA4}" dt="2021-04-27T16:03:10.998" v="39" actId="20577"/>
+          <ac:spMkLst>
+            <pc:docMk/>
+            <pc:sldMk cId="3290810672" sldId="269"/>
+            <ac:spMk id="9" creationId="{E3B2E017-30B2-884B-A113-B419A2ED51AD}"/>
+          </ac:spMkLst>
+        </pc:spChg>
+      </pc:sldChg>
+    </pc:docChg>
+  </pc:docChgLst>
   <pc:docChgLst>
     <pc:chgData name="Long B Nguyen" userId="f59fb8f3-a021-417a-8bc1-65c8d471c621" providerId="ADAL" clId="{05A1C5B8-6AA9-824C-B77D-182A36FCC0A3}"/>
     <pc:docChg chg="custSel addSld delSld modSld">
@@ -1301,7 +1325,7 @@
           <a:p>
             <a:fld id="{4AAD347D-5ACD-4C99-B74B-A9C85AD731AF}" type="datetimeFigureOut">
               <a:rPr lang="en-US" smtClean="0"/>
-              <a:t>9/24/20</a:t>
+              <a:t>4/27/21</a:t>
             </a:fld>
             <a:endParaRPr lang="en-US" dirty="0"/>
           </a:p>
@@ -1471,7 +1495,7 @@
           <a:p>
             <a:fld id="{4509A250-FF31-4206-8172-F9D3106AACB1}" type="datetimeFigureOut">
               <a:rPr lang="en-US" smtClean="0"/>
-              <a:t>9/24/20</a:t>
+              <a:t>4/27/21</a:t>
             </a:fld>
             <a:endParaRPr lang="en-US" dirty="0"/>
           </a:p>
@@ -1651,7 +1675,7 @@
           <a:p>
             <a:fld id="{4509A250-FF31-4206-8172-F9D3106AACB1}" type="datetimeFigureOut">
               <a:rPr lang="en-US" smtClean="0"/>
-              <a:t>9/24/20</a:t>
+              <a:t>4/27/21</a:t>
             </a:fld>
             <a:endParaRPr lang="en-US" dirty="0"/>
           </a:p>
@@ -1821,7 +1845,7 @@
           <a:p>
             <a:fld id="{4509A250-FF31-4206-8172-F9D3106AACB1}" type="datetimeFigureOut">
               <a:rPr lang="en-US" smtClean="0"/>
-              <a:t>9/24/20</a:t>
+              <a:t>4/27/21</a:t>
             </a:fld>
             <a:endParaRPr lang="en-US" dirty="0"/>
           </a:p>
@@ -2067,7 +2091,7 @@
           <a:p>
             <a:fld id="{9796027F-7875-4030-9381-8BD8C4F21935}" type="datetimeFigureOut">
               <a:rPr lang="en-US" smtClean="0"/>
-              <a:t>9/24/20</a:t>
+              <a:t>4/27/21</a:t>
             </a:fld>
             <a:endParaRPr lang="en-US" dirty="0"/>
           </a:p>
@@ -2299,7 +2323,7 @@
           <a:p>
             <a:fld id="{9796027F-7875-4030-9381-8BD8C4F21935}" type="datetimeFigureOut">
               <a:rPr lang="en-US" smtClean="0"/>
-              <a:t>9/24/20</a:t>
+              <a:t>4/27/21</a:t>
             </a:fld>
             <a:endParaRPr lang="en-US" dirty="0"/>
           </a:p>
@@ -2666,7 +2690,7 @@
           <a:p>
             <a:fld id="{9796027F-7875-4030-9381-8BD8C4F21935}" type="datetimeFigureOut">
               <a:rPr lang="en-US" smtClean="0"/>
-              <a:t>9/24/20</a:t>
+              <a:t>4/27/21</a:t>
             </a:fld>
             <a:endParaRPr lang="en-US" dirty="0"/>
           </a:p>
@@ -2784,7 +2808,7 @@
           <a:p>
             <a:fld id="{4509A250-FF31-4206-8172-F9D3106AACB1}" type="datetimeFigureOut">
               <a:rPr lang="en-US" smtClean="0"/>
-              <a:t>9/24/20</a:t>
+              <a:t>4/27/21</a:t>
             </a:fld>
             <a:endParaRPr lang="en-US" dirty="0"/>
           </a:p>
@@ -2879,7 +2903,7 @@
           <a:p>
             <a:fld id="{4509A250-FF31-4206-8172-F9D3106AACB1}" type="datetimeFigureOut">
               <a:rPr lang="en-US" smtClean="0"/>
-              <a:t>9/24/20</a:t>
+              <a:t>4/27/21</a:t>
             </a:fld>
             <a:endParaRPr lang="en-US" dirty="0"/>
           </a:p>
@@ -3156,7 +3180,7 @@
           <a:p>
             <a:fld id="{4509A250-FF31-4206-8172-F9D3106AACB1}" type="datetimeFigureOut">
               <a:rPr lang="en-US" smtClean="0"/>
-              <a:t>9/24/20</a:t>
+              <a:t>4/27/21</a:t>
             </a:fld>
             <a:endParaRPr lang="en-US" dirty="0"/>
           </a:p>
@@ -3413,7 +3437,7 @@
           <a:p>
             <a:fld id="{4509A250-FF31-4206-8172-F9D3106AACB1}" type="datetimeFigureOut">
               <a:rPr lang="en-US" smtClean="0"/>
-              <a:t>9/24/20</a:t>
+              <a:t>4/27/21</a:t>
             </a:fld>
             <a:endParaRPr lang="en-US" dirty="0"/>
           </a:p>
@@ -3626,7 +3650,7 @@
           <a:p>
             <a:fld id="{4AAD347D-5ACD-4C99-B74B-A9C85AD731AF}" type="datetimeFigureOut">
               <a:rPr lang="en-US" smtClean="0"/>
-              <a:t>9/24/20</a:t>
+              <a:t>4/27/21</a:t>
             </a:fld>
             <a:endParaRPr lang="en-US" dirty="0"/>
           </a:p>
@@ -4372,19 +4396,19 @@
             <a:pPr algn="ctr"/>
             <a:r>
               <a:rPr lang="en-US" sz="2800" b="1" dirty="0">
-                <a:latin typeface="Inconsolata Medium" panose="020B0609030003000000" pitchFamily="49" charset="77"/>
+                <a:latin typeface="Inconsolata" panose="020B0609030003000000" pitchFamily="49" charset="77"/>
               </a:rPr>
               <a:t>print(*objects, </a:t>
             </a:r>
             <a:r>
               <a:rPr lang="en-US" sz="2800" b="1" dirty="0" err="1">
-                <a:latin typeface="Inconsolata Medium" panose="020B0609030003000000" pitchFamily="49" charset="77"/>
+                <a:latin typeface="Inconsolata" panose="020B0609030003000000" pitchFamily="49" charset="77"/>
               </a:rPr>
               <a:t>sep</a:t>
             </a:r>
             <a:r>
               <a:rPr lang="en-US" sz="2800" b="1" dirty="0">
-                <a:latin typeface="Inconsolata Medium" panose="020B0609030003000000" pitchFamily="49" charset="77"/>
+                <a:latin typeface="Inconsolata" panose="020B0609030003000000" pitchFamily="49" charset="77"/>
               </a:rPr>
               <a:t>=‘ ’, end=‘\n’) </a:t>
             </a:r>
@@ -4429,7 +4453,7 @@
               <a:buNone/>
             </a:pPr>
             <a:endParaRPr lang="en-US" sz="2000" b="1" dirty="0">
-              <a:latin typeface="Inconsolata Medium" panose="020B0609030003000000" pitchFamily="49" charset="77"/>
+              <a:latin typeface="Inconsolata" panose="020B0609030003000000" pitchFamily="49" charset="77"/>
             </a:endParaRPr>
           </a:p>
           <a:p>
@@ -4437,7 +4461,7 @@
               <a:buNone/>
             </a:pPr>
             <a:endParaRPr lang="en-US" sz="2000" b="1" dirty="0">
-              <a:latin typeface="Inconsolata Medium" panose="020B0609030003000000" pitchFamily="49" charset="77"/>
+              <a:latin typeface="Inconsolata" panose="020B0609030003000000" pitchFamily="49" charset="77"/>
             </a:endParaRPr>
           </a:p>
           <a:p>
@@ -4853,7 +4877,7 @@
               <a:solidFill>
                 <a:srgbClr val="33566B"/>
               </a:solidFill>
-              <a:latin typeface="Inconsolata Medium" panose="020B0609030003000000" pitchFamily="49" charset="77"/>
+              <a:latin typeface="Inconsolata" panose="020B0609030003000000" pitchFamily="49" charset="77"/>
             </a:endParaRPr>
           </a:p>
         </p:txBody>
@@ -5521,19 +5545,19 @@
             <a:pPr algn="ctr"/>
             <a:r>
               <a:rPr lang="en-US" sz="2800" b="1" dirty="0">
-                <a:latin typeface="Inconsolata Medium" panose="020B0609030003000000" pitchFamily="49" charset="77"/>
+                <a:latin typeface="Inconsolata" panose="020B0609030003000000" pitchFamily="49" charset="77"/>
               </a:rPr>
               <a:t>print(*objects, </a:t>
             </a:r>
             <a:r>
               <a:rPr lang="en-US" sz="2800" b="1" dirty="0" err="1">
-                <a:latin typeface="Inconsolata Medium" panose="020B0609030003000000" pitchFamily="49" charset="77"/>
+                <a:latin typeface="Inconsolata" panose="020B0609030003000000" pitchFamily="49" charset="77"/>
               </a:rPr>
               <a:t>sep</a:t>
             </a:r>
             <a:r>
               <a:rPr lang="en-US" sz="2800" b="1" dirty="0">
-                <a:latin typeface="Inconsolata Medium" panose="020B0609030003000000" pitchFamily="49" charset="77"/>
+                <a:latin typeface="Inconsolata" panose="020B0609030003000000" pitchFamily="49" charset="77"/>
               </a:rPr>
               <a:t>=‘ ’, end=‘\n’) </a:t>
             </a:r>
@@ -5578,7 +5602,7 @@
               <a:buNone/>
             </a:pPr>
             <a:endParaRPr lang="en-US" sz="2000" b="1" dirty="0">
-              <a:latin typeface="Inconsolata Medium" panose="020B0609030003000000" pitchFamily="49" charset="77"/>
+              <a:latin typeface="Inconsolata" panose="020B0609030003000000" pitchFamily="49" charset="77"/>
             </a:endParaRPr>
           </a:p>
           <a:p>
@@ -5586,7 +5610,7 @@
               <a:buNone/>
             </a:pPr>
             <a:endParaRPr lang="en-US" sz="2000" b="1" dirty="0">
-              <a:latin typeface="Inconsolata Medium" panose="020B0609030003000000" pitchFamily="49" charset="77"/>
+              <a:latin typeface="Inconsolata" panose="020B0609030003000000" pitchFamily="49" charset="77"/>
             </a:endParaRPr>
           </a:p>
           <a:p>
@@ -6771,7 +6795,7 @@
               <a:solidFill>
                 <a:srgbClr val="0000FF"/>
               </a:solidFill>
-              <a:latin typeface="Inconsolata Medium" panose="020B0609030003000000" pitchFamily="49" charset="77"/>
+              <a:latin typeface="Inconsolata" panose="020B0609030003000000" pitchFamily="49" charset="77"/>
             </a:endParaRPr>
           </a:p>
           <a:p>
@@ -6783,7 +6807,7 @@
                 <a:solidFill>
                   <a:srgbClr val="0000FF"/>
                 </a:solidFill>
-                <a:latin typeface="Inconsolata Medium" panose="020B0609030003000000" pitchFamily="49" charset="77"/>
+                <a:latin typeface="Inconsolata" panose="020B0609030003000000" pitchFamily="49" charset="77"/>
               </a:rPr>
               <a:t>print</a:t>
             </a:r>
@@ -6792,7 +6816,7 @@
                 <a:solidFill>
                   <a:srgbClr val="000000"/>
                 </a:solidFill>
-                <a:latin typeface="Inconsolata Medium" panose="020B0609030003000000" pitchFamily="49" charset="77"/>
+                <a:latin typeface="Inconsolata" panose="020B0609030003000000" pitchFamily="49" charset="77"/>
               </a:rPr>
               <a:t>(</a:t>
             </a:r>
@@ -6801,7 +6825,7 @@
                 <a:solidFill>
                   <a:srgbClr val="A31515"/>
                 </a:solidFill>
-                <a:latin typeface="Inconsolata Medium" panose="020B0609030003000000" pitchFamily="49" charset="77"/>
+                <a:latin typeface="Inconsolata" panose="020B0609030003000000" pitchFamily="49" charset="77"/>
               </a:rPr>
               <a:t>"Hello, World!"</a:t>
             </a:r>
@@ -6810,7 +6834,7 @@
                 <a:solidFill>
                   <a:srgbClr val="000000"/>
                 </a:solidFill>
-                <a:latin typeface="Inconsolata Medium" panose="020B0609030003000000" pitchFamily="49" charset="77"/>
+                <a:latin typeface="Inconsolata" panose="020B0609030003000000" pitchFamily="49" charset="77"/>
               </a:rPr>
               <a:t>)</a:t>
             </a:r>
@@ -7155,7 +7179,7 @@
                 <a:solidFill>
                   <a:srgbClr val="33566B"/>
                 </a:solidFill>
-                <a:latin typeface="Inconsolata Medium" panose="020B0609030003000000" pitchFamily="49" charset="77"/>
+                <a:latin typeface="Inconsolata" panose="020B0609030003000000" pitchFamily="49" charset="77"/>
               </a:rPr>
               <a:t># initialize x </a:t>
             </a:r>
@@ -7169,7 +7193,7 @@
                 <a:solidFill>
                   <a:srgbClr val="000087"/>
                 </a:solidFill>
-                <a:latin typeface="Inconsolata Medium" panose="020B0609030003000000" pitchFamily="49" charset="77"/>
+                <a:latin typeface="Inconsolata" panose="020B0609030003000000" pitchFamily="49" charset="77"/>
               </a:rPr>
               <a:t>x </a:t>
             </a:r>
@@ -7178,7 +7202,7 @@
                 <a:solidFill>
                   <a:srgbClr val="545454"/>
                 </a:solidFill>
-                <a:latin typeface="Inconsolata Medium" panose="020B0609030003000000" pitchFamily="49" charset="77"/>
+                <a:latin typeface="Inconsolata" panose="020B0609030003000000" pitchFamily="49" charset="77"/>
               </a:rPr>
               <a:t>= </a:t>
             </a:r>
@@ -7187,7 +7211,7 @@
                 <a:solidFill>
                   <a:srgbClr val="FF6600"/>
                 </a:solidFill>
-                <a:latin typeface="Inconsolata Medium" panose="020B0609030003000000" pitchFamily="49" charset="77"/>
+                <a:latin typeface="Inconsolata" panose="020B0609030003000000" pitchFamily="49" charset="77"/>
               </a:rPr>
               <a:t>5 </a:t>
             </a:r>
@@ -7200,7 +7224,7 @@
               <a:solidFill>
                 <a:srgbClr val="FF6600"/>
               </a:solidFill>
-              <a:latin typeface="Inconsolata Medium" panose="020B0609030003000000" pitchFamily="49" charset="77"/>
+              <a:latin typeface="Inconsolata" panose="020B0609030003000000" pitchFamily="49" charset="77"/>
             </a:endParaRPr>
           </a:p>
           <a:p>
@@ -7208,7 +7232,7 @@
               <a:buNone/>
             </a:pPr>
             <a:endParaRPr lang="en-US" sz="1700" b="1" dirty="0">
-              <a:latin typeface="Inconsolata Medium" panose="020B0609030003000000" pitchFamily="49" charset="77"/>
+              <a:latin typeface="Inconsolata" panose="020B0609030003000000" pitchFamily="49" charset="77"/>
             </a:endParaRPr>
           </a:p>
           <a:p>
@@ -7220,13 +7244,13 @@
                 <a:solidFill>
                   <a:srgbClr val="006699"/>
                 </a:solidFill>
-                <a:latin typeface="Inconsolata Medium" panose="020B0609030003000000" pitchFamily="49" charset="77"/>
+                <a:latin typeface="Inconsolata" panose="020B0609030003000000" pitchFamily="49" charset="77"/>
               </a:rPr>
               <a:t>if x &lt; 10: </a:t>
             </a:r>
             <a:r>
               <a:rPr lang="en-US" sz="1700" b="1" dirty="0">
-                <a:latin typeface="Inconsolata Medium" panose="020B0609030003000000" pitchFamily="49" charset="77"/>
+                <a:latin typeface="Inconsolata" panose="020B0609030003000000" pitchFamily="49" charset="77"/>
               </a:rPr>
               <a:t> </a:t>
             </a:r>
@@ -7240,7 +7264,7 @@
                 <a:solidFill>
                   <a:srgbClr val="006699"/>
                 </a:solidFill>
-                <a:latin typeface="Inconsolata Medium" panose="020B0609030003000000" pitchFamily="49" charset="77"/>
+                <a:latin typeface="Inconsolata" panose="020B0609030003000000" pitchFamily="49" charset="77"/>
               </a:rPr>
               <a:t>    x = x + 4</a:t>
             </a:r>
@@ -7254,7 +7278,7 @@
                 <a:solidFill>
                   <a:srgbClr val="006699"/>
                 </a:solidFill>
-                <a:latin typeface="Inconsolata Medium" panose="020B0609030003000000" pitchFamily="49" charset="77"/>
+                <a:latin typeface="Inconsolata" panose="020B0609030003000000" pitchFamily="49" charset="77"/>
               </a:rPr>
               <a:t>	 print(x)</a:t>
             </a:r>
@@ -7265,7 +7289,7 @@
             </a:pPr>
             <a:r>
               <a:rPr lang="en-US" sz="1700" b="1" dirty="0">
-                <a:latin typeface="Inconsolata Medium" panose="020B0609030003000000" pitchFamily="49" charset="77"/>
+                <a:latin typeface="Inconsolata" panose="020B0609030003000000" pitchFamily="49" charset="77"/>
               </a:rPr>
               <a:t> </a:t>
             </a:r>
@@ -7279,7 +7303,7 @@
                 <a:solidFill>
                   <a:srgbClr val="006699"/>
                 </a:solidFill>
-                <a:latin typeface="Inconsolata Medium" panose="020B0609030003000000" pitchFamily="49" charset="77"/>
+                <a:latin typeface="Inconsolata" panose="020B0609030003000000" pitchFamily="49" charset="77"/>
               </a:rPr>
               <a:t>print(x)</a:t>
             </a:r>
@@ -7289,7 +7313,7 @@
               <a:buNone/>
             </a:pPr>
             <a:endParaRPr lang="en-US" sz="2000" b="1" dirty="0">
-              <a:latin typeface="Inconsolata Medium" panose="020B0609030003000000" pitchFamily="49" charset="77"/>
+              <a:latin typeface="Inconsolata" panose="020B0609030003000000" pitchFamily="49" charset="77"/>
             </a:endParaRPr>
           </a:p>
         </p:txBody>
@@ -8310,13 +8334,13 @@
                 <a:solidFill>
                   <a:srgbClr val="000087"/>
                 </a:solidFill>
-                <a:latin typeface="Inconsolata Medium" panose="020B0609030003000000" pitchFamily="49" charset="77"/>
+                <a:latin typeface="Inconsolata" panose="020B0609030003000000" pitchFamily="49" charset="77"/>
               </a:rPr>
               <a:t>In </a:t>
             </a:r>
             <a:r>
               <a:rPr lang="en-US" b="1" dirty="0">
-                <a:latin typeface="Inconsolata Medium" panose="020B0609030003000000" pitchFamily="49" charset="77"/>
+                <a:latin typeface="Inconsolata" panose="020B0609030003000000" pitchFamily="49" charset="77"/>
               </a:rPr>
               <a:t>[</a:t>
             </a:r>
@@ -8325,13 +8349,13 @@
                 <a:solidFill>
                   <a:srgbClr val="FF6600"/>
                 </a:solidFill>
-                <a:latin typeface="Inconsolata Medium" panose="020B0609030003000000" pitchFamily="49" charset="77"/>
+                <a:latin typeface="Inconsolata" panose="020B0609030003000000" pitchFamily="49" charset="77"/>
               </a:rPr>
               <a:t>1</a:t>
             </a:r>
             <a:r>
               <a:rPr lang="en-US" b="1" dirty="0">
-                <a:latin typeface="Inconsolata Medium" panose="020B0609030003000000" pitchFamily="49" charset="77"/>
+                <a:latin typeface="Inconsolata" panose="020B0609030003000000" pitchFamily="49" charset="77"/>
               </a:rPr>
               <a:t>]: </a:t>
             </a:r>
@@ -8340,7 +8364,7 @@
                 <a:solidFill>
                   <a:srgbClr val="000087"/>
                 </a:solidFill>
-                <a:latin typeface="Inconsolata Medium" panose="020B0609030003000000" pitchFamily="49" charset="77"/>
+                <a:latin typeface="Inconsolata" panose="020B0609030003000000" pitchFamily="49" charset="77"/>
               </a:rPr>
               <a:t>x </a:t>
             </a:r>
@@ -8349,7 +8373,7 @@
                 <a:solidFill>
                   <a:srgbClr val="545454"/>
                 </a:solidFill>
-                <a:latin typeface="Inconsolata Medium" panose="020B0609030003000000" pitchFamily="49" charset="77"/>
+                <a:latin typeface="Inconsolata" panose="020B0609030003000000" pitchFamily="49" charset="77"/>
               </a:rPr>
               <a:t>= </a:t>
             </a:r>
@@ -8358,7 +8382,7 @@
                 <a:solidFill>
                   <a:srgbClr val="FF6600"/>
                 </a:solidFill>
-                <a:latin typeface="Inconsolata Medium" panose="020B0609030003000000" pitchFamily="49" charset="77"/>
+                <a:latin typeface="Inconsolata" panose="020B0609030003000000" pitchFamily="49" charset="77"/>
               </a:rPr>
               <a:t>1 			</a:t>
             </a:r>
@@ -8367,7 +8391,7 @@
                 <a:solidFill>
                   <a:srgbClr val="33566B"/>
                 </a:solidFill>
-                <a:latin typeface="Inconsolata Medium" panose="020B0609030003000000" pitchFamily="49" charset="77"/>
+                <a:latin typeface="Inconsolata" panose="020B0609030003000000" pitchFamily="49" charset="77"/>
               </a:rPr>
               <a:t># x is an integer </a:t>
             </a:r>
@@ -8381,7 +8405,7 @@
                 <a:solidFill>
                   <a:srgbClr val="000087"/>
                 </a:solidFill>
-                <a:latin typeface="Inconsolata Medium" panose="020B0609030003000000" pitchFamily="49" charset="77"/>
+                <a:latin typeface="Inconsolata" panose="020B0609030003000000" pitchFamily="49" charset="77"/>
               </a:rPr>
               <a:t> 	   x </a:t>
             </a:r>
@@ -8390,7 +8414,7 @@
                 <a:solidFill>
                   <a:srgbClr val="545454"/>
                 </a:solidFill>
-                <a:latin typeface="Inconsolata Medium" panose="020B0609030003000000" pitchFamily="49" charset="77"/>
+                <a:latin typeface="Inconsolata" panose="020B0609030003000000" pitchFamily="49" charset="77"/>
               </a:rPr>
               <a:t>= </a:t>
             </a:r>
@@ -8399,7 +8423,7 @@
                 <a:solidFill>
                   <a:srgbClr val="CC3300"/>
                 </a:solidFill>
-                <a:latin typeface="Inconsolata Medium" panose="020B0609030003000000" pitchFamily="49" charset="77"/>
+                <a:latin typeface="Inconsolata" panose="020B0609030003000000" pitchFamily="49" charset="77"/>
               </a:rPr>
               <a:t>‘hello’ 	</a:t>
             </a:r>
@@ -8408,7 +8432,7 @@
                 <a:solidFill>
                   <a:srgbClr val="33566B"/>
                 </a:solidFill>
-                <a:latin typeface="Inconsolata Medium" panose="020B0609030003000000" pitchFamily="49" charset="77"/>
+                <a:latin typeface="Inconsolata" panose="020B0609030003000000" pitchFamily="49" charset="77"/>
               </a:rPr>
               <a:t># now x is a string </a:t>
             </a:r>
@@ -8422,7 +8446,7 @@
                 <a:solidFill>
                   <a:srgbClr val="33566B"/>
                 </a:solidFill>
-                <a:latin typeface="Inconsolata Medium" panose="020B0609030003000000" pitchFamily="49" charset="77"/>
+                <a:latin typeface="Inconsolata" panose="020B0609030003000000" pitchFamily="49" charset="77"/>
               </a:rPr>
               <a:t>	   </a:t>
             </a:r>
@@ -8431,7 +8455,7 @@
                 <a:solidFill>
                   <a:srgbClr val="000087"/>
                 </a:solidFill>
-                <a:latin typeface="Inconsolata Medium" panose="020B0609030003000000" pitchFamily="49" charset="77"/>
+                <a:latin typeface="Inconsolata" panose="020B0609030003000000" pitchFamily="49" charset="77"/>
               </a:rPr>
               <a:t>x </a:t>
             </a:r>
@@ -8440,13 +8464,13 @@
                 <a:solidFill>
                   <a:srgbClr val="545454"/>
                 </a:solidFill>
-                <a:latin typeface="Inconsolata Medium" panose="020B0609030003000000" pitchFamily="49" charset="77"/>
+                <a:latin typeface="Inconsolata" panose="020B0609030003000000" pitchFamily="49" charset="77"/>
               </a:rPr>
               <a:t>= </a:t>
             </a:r>
             <a:r>
               <a:rPr lang="en-US" b="1" dirty="0">
-                <a:latin typeface="Inconsolata Medium" panose="020B0609030003000000" pitchFamily="49" charset="77"/>
+                <a:latin typeface="Inconsolata" panose="020B0609030003000000" pitchFamily="49" charset="77"/>
               </a:rPr>
               <a:t>[</a:t>
             </a:r>
@@ -8455,13 +8479,13 @@
                 <a:solidFill>
                   <a:srgbClr val="FF6600"/>
                 </a:solidFill>
-                <a:latin typeface="Inconsolata Medium" panose="020B0609030003000000" pitchFamily="49" charset="77"/>
+                <a:latin typeface="Inconsolata" panose="020B0609030003000000" pitchFamily="49" charset="77"/>
               </a:rPr>
               <a:t>1</a:t>
             </a:r>
             <a:r>
               <a:rPr lang="en-US" b="1" dirty="0">
-                <a:latin typeface="Inconsolata Medium" panose="020B0609030003000000" pitchFamily="49" charset="77"/>
+                <a:latin typeface="Inconsolata" panose="020B0609030003000000" pitchFamily="49" charset="77"/>
               </a:rPr>
               <a:t>, </a:t>
             </a:r>
@@ -8470,13 +8494,13 @@
                 <a:solidFill>
                   <a:srgbClr val="FF6600"/>
                 </a:solidFill>
-                <a:latin typeface="Inconsolata Medium" panose="020B0609030003000000" pitchFamily="49" charset="77"/>
+                <a:latin typeface="Inconsolata" panose="020B0609030003000000" pitchFamily="49" charset="77"/>
               </a:rPr>
               <a:t>2</a:t>
             </a:r>
             <a:r>
               <a:rPr lang="en-US" b="1" dirty="0">
-                <a:latin typeface="Inconsolata Medium" panose="020B0609030003000000" pitchFamily="49" charset="77"/>
+                <a:latin typeface="Inconsolata" panose="020B0609030003000000" pitchFamily="49" charset="77"/>
               </a:rPr>
               <a:t>, </a:t>
             </a:r>
@@ -8485,13 +8509,13 @@
                 <a:solidFill>
                   <a:srgbClr val="FF6600"/>
                 </a:solidFill>
-                <a:latin typeface="Inconsolata Medium" panose="020B0609030003000000" pitchFamily="49" charset="77"/>
+                <a:latin typeface="Inconsolata" panose="020B0609030003000000" pitchFamily="49" charset="77"/>
               </a:rPr>
               <a:t>3</a:t>
             </a:r>
             <a:r>
               <a:rPr lang="en-US" b="1" dirty="0">
-                <a:latin typeface="Inconsolata Medium" panose="020B0609030003000000" pitchFamily="49" charset="77"/>
+                <a:latin typeface="Inconsolata" panose="020B0609030003000000" pitchFamily="49" charset="77"/>
               </a:rPr>
               <a:t>] 	</a:t>
             </a:r>
@@ -8500,12 +8524,12 @@
                 <a:solidFill>
                   <a:srgbClr val="33566B"/>
                 </a:solidFill>
-                <a:latin typeface="Inconsolata Medium" panose="020B0609030003000000" pitchFamily="49" charset="77"/>
+                <a:latin typeface="Inconsolata" panose="020B0609030003000000" pitchFamily="49" charset="77"/>
               </a:rPr>
               <a:t># now x is a list </a:t>
             </a:r>
             <a:endParaRPr lang="en-US" b="1" dirty="0">
-              <a:latin typeface="Inconsolata Medium" panose="020B0609030003000000" pitchFamily="49" charset="77"/>
+              <a:latin typeface="Inconsolata" panose="020B0609030003000000" pitchFamily="49" charset="77"/>
             </a:endParaRPr>
           </a:p>
           <a:p>
@@ -8513,7 +8537,7 @@
               <a:buNone/>
             </a:pPr>
             <a:endParaRPr lang="en-US" sz="2000" b="1" dirty="0">
-              <a:latin typeface="Inconsolata Medium" panose="020B0609030003000000" pitchFamily="49" charset="77"/>
+              <a:latin typeface="Inconsolata" panose="020B0609030003000000" pitchFamily="49" charset="77"/>
             </a:endParaRPr>
           </a:p>
         </p:txBody>
@@ -8845,7 +8869,7 @@
               <a:buNone/>
             </a:pPr>
             <a:endParaRPr lang="en-US" sz="2000" b="1" dirty="0">
-              <a:latin typeface="Inconsolata Medium" panose="020B0609030003000000" pitchFamily="49" charset="77"/>
+              <a:latin typeface="Inconsolata" panose="020B0609030003000000" pitchFamily="49" charset="77"/>
             </a:endParaRPr>
           </a:p>
         </p:txBody>
@@ -8979,13 +9003,13 @@
                 <a:solidFill>
                   <a:srgbClr val="000087"/>
                 </a:solidFill>
-                <a:latin typeface="Inconsolata Medium" panose="020B0609030003000000" pitchFamily="49" charset="77"/>
+                <a:latin typeface="Inconsolata" panose="020B0609030003000000" pitchFamily="49" charset="77"/>
               </a:rPr>
               <a:t>In</a:t>
             </a:r>
             <a:r>
               <a:rPr lang="en-US" b="1" dirty="0">
-                <a:latin typeface="Inconsolata Medium" panose="020B0609030003000000" pitchFamily="49" charset="77"/>
+                <a:latin typeface="Inconsolata" panose="020B0609030003000000" pitchFamily="49" charset="77"/>
               </a:rPr>
               <a:t>[</a:t>
             </a:r>
@@ -8994,13 +9018,13 @@
                 <a:solidFill>
                   <a:srgbClr val="FF6600"/>
                 </a:solidFill>
-                <a:latin typeface="Inconsolata Medium" panose="020B0609030003000000" pitchFamily="49" charset="77"/>
-              </a:rPr>
-              <a:t>7</a:t>
-            </a:r>
-            <a:r>
-              <a:rPr lang="en-US" b="1" dirty="0">
-                <a:latin typeface="Inconsolata Medium" panose="020B0609030003000000" pitchFamily="49" charset="77"/>
+                <a:latin typeface="Inconsolata" panose="020B0609030003000000" pitchFamily="49" charset="77"/>
+              </a:rPr>
+              <a:t>1</a:t>
+            </a:r>
+            <a:r>
+              <a:rPr lang="en-US" b="1" dirty="0">
+                <a:latin typeface="Inconsolata" panose="020B0609030003000000" pitchFamily="49" charset="77"/>
               </a:rPr>
               <a:t>]: </a:t>
             </a:r>
@@ -9009,7 +9033,7 @@
                 <a:solidFill>
                   <a:srgbClr val="000087"/>
                 </a:solidFill>
-                <a:latin typeface="Inconsolata Medium" panose="020B0609030003000000" pitchFamily="49" charset="77"/>
+                <a:latin typeface="Inconsolata" panose="020B0609030003000000" pitchFamily="49" charset="77"/>
               </a:rPr>
               <a:t>x </a:t>
             </a:r>
@@ -9018,7 +9042,7 @@
                 <a:solidFill>
                   <a:srgbClr val="545454"/>
                 </a:solidFill>
-                <a:latin typeface="Inconsolata Medium" panose="020B0609030003000000" pitchFamily="49" charset="77"/>
+                <a:latin typeface="Inconsolata" panose="020B0609030003000000" pitchFamily="49" charset="77"/>
               </a:rPr>
               <a:t>= </a:t>
             </a:r>
@@ -9027,7 +9051,7 @@
                 <a:solidFill>
                   <a:srgbClr val="FF6600"/>
                 </a:solidFill>
-                <a:latin typeface="Inconsolata Medium" panose="020B0609030003000000" pitchFamily="49" charset="77"/>
+                <a:latin typeface="Inconsolata" panose="020B0609030003000000" pitchFamily="49" charset="77"/>
               </a:rPr>
               <a:t>4 </a:t>
             </a:r>
@@ -9039,24 +9063,45 @@
             <a:r>
               <a:rPr lang="en-US" b="1" dirty="0">
                 <a:solidFill>
+                  <a:srgbClr val="000087"/>
+                </a:solidFill>
+                <a:latin typeface="Inconsolata" panose="020B0609030003000000" pitchFamily="49" charset="77"/>
+              </a:rPr>
+              <a:t>In</a:t>
+            </a:r>
+            <a:r>
+              <a:rPr lang="en-US" b="1" dirty="0">
+                <a:latin typeface="Inconsolata" panose="020B0609030003000000" pitchFamily="49" charset="77"/>
+              </a:rPr>
+              <a:t>[</a:t>
+            </a:r>
+            <a:r>
+              <a:rPr lang="en-US" b="1" dirty="0">
+                <a:solidFill>
                   <a:srgbClr val="FF6600"/>
                 </a:solidFill>
-                <a:latin typeface="Inconsolata Medium" panose="020B0609030003000000" pitchFamily="49" charset="77"/>
-              </a:rPr>
-              <a:t>	  </a:t>
+                <a:latin typeface="Inconsolata" panose="020B0609030003000000" pitchFamily="49" charset="77"/>
+              </a:rPr>
+              <a:t>2</a:t>
+            </a:r>
+            <a:r>
+              <a:rPr lang="en-US" b="1" dirty="0">
+                <a:latin typeface="Inconsolata" panose="020B0609030003000000" pitchFamily="49" charset="77"/>
+              </a:rPr>
+              <a:t>]: </a:t>
             </a:r>
             <a:r>
               <a:rPr lang="en-US" b="1" dirty="0">
                 <a:solidFill>
                   <a:srgbClr val="336666"/>
                 </a:solidFill>
-                <a:latin typeface="Inconsolata Medium" panose="020B0609030003000000" pitchFamily="49" charset="77"/>
+                <a:latin typeface="Inconsolata" panose="020B0609030003000000" pitchFamily="49" charset="77"/>
               </a:rPr>
               <a:t>type</a:t>
             </a:r>
             <a:r>
               <a:rPr lang="en-US" b="1" dirty="0">
-                <a:latin typeface="Inconsolata Medium" panose="020B0609030003000000" pitchFamily="49" charset="77"/>
+                <a:latin typeface="Inconsolata" panose="020B0609030003000000" pitchFamily="49" charset="77"/>
               </a:rPr>
               <a:t>(</a:t>
             </a:r>
@@ -9065,13 +9110,13 @@
                 <a:solidFill>
                   <a:srgbClr val="000087"/>
                 </a:solidFill>
-                <a:latin typeface="Inconsolata Medium" panose="020B0609030003000000" pitchFamily="49" charset="77"/>
+                <a:latin typeface="Inconsolata" panose="020B0609030003000000" pitchFamily="49" charset="77"/>
               </a:rPr>
               <a:t>x</a:t>
             </a:r>
             <a:r>
               <a:rPr lang="en-US" b="1" dirty="0">
-                <a:latin typeface="Inconsolata Medium" panose="020B0609030003000000" pitchFamily="49" charset="77"/>
+                <a:latin typeface="Inconsolata" panose="020B0609030003000000" pitchFamily="49" charset="77"/>
               </a:rPr>
               <a:t>) </a:t>
             </a:r>
@@ -9082,27 +9127,18 @@
             </a:pPr>
             <a:r>
               <a:rPr lang="en-US" b="1" dirty="0">
-                <a:latin typeface="Inconsolata Medium" panose="020B0609030003000000" pitchFamily="49" charset="77"/>
-              </a:rPr>
-              <a:t>Out [7]: </a:t>
-            </a:r>
-            <a:r>
-              <a:rPr lang="en-US" b="1" dirty="0" err="1">
-                <a:latin typeface="Inconsolata Medium" panose="020B0609030003000000" pitchFamily="49" charset="77"/>
-              </a:rPr>
-              <a:t>int</a:t>
-            </a:r>
-            <a:endParaRPr lang="en-US" b="1" dirty="0">
-              <a:latin typeface="Inconsolata Medium" panose="020B0609030003000000" pitchFamily="49" charset="77"/>
-            </a:endParaRPr>
-          </a:p>
-          <a:p>
-            <a:pPr marL="0" indent="0">
-              <a:buNone/>
-            </a:pPr>
-            <a:r>
-              <a:rPr lang="en-US" b="1" dirty="0">
-                <a:latin typeface="Inconsolata Medium" panose="020B0609030003000000" pitchFamily="49" charset="77"/>
+                <a:latin typeface="Inconsolata" panose="020B0609030003000000" pitchFamily="49" charset="77"/>
+              </a:rPr>
+              <a:t>Out[2]: int</a:t>
+            </a:r>
+          </a:p>
+          <a:p>
+            <a:pPr marL="0" indent="0">
+              <a:buNone/>
+            </a:pPr>
+            <a:r>
+              <a:rPr lang="en-US" b="1" dirty="0">
+                <a:latin typeface="Inconsolata" panose="020B0609030003000000" pitchFamily="49" charset="77"/>
               </a:rPr>
               <a:t> </a:t>
             </a:r>
@@ -9116,13 +9152,13 @@
                 <a:solidFill>
                   <a:srgbClr val="000087"/>
                 </a:solidFill>
-                <a:latin typeface="Inconsolata Medium" panose="020B0609030003000000" pitchFamily="49" charset="77"/>
-              </a:rPr>
-              <a:t>In </a:t>
-            </a:r>
-            <a:r>
-              <a:rPr lang="en-US" b="1" dirty="0">
-                <a:latin typeface="Inconsolata Medium" panose="020B0609030003000000" pitchFamily="49" charset="77"/>
+                <a:latin typeface="Inconsolata" panose="020B0609030003000000" pitchFamily="49" charset="77"/>
+              </a:rPr>
+              <a:t>In</a:t>
+            </a:r>
+            <a:r>
+              <a:rPr lang="en-US" b="1" dirty="0">
+                <a:latin typeface="Inconsolata" panose="020B0609030003000000" pitchFamily="49" charset="77"/>
               </a:rPr>
               <a:t>[</a:t>
             </a:r>
@@ -9131,13 +9167,13 @@
                 <a:solidFill>
                   <a:srgbClr val="FF6600"/>
                 </a:solidFill>
-                <a:latin typeface="Inconsolata Medium" panose="020B0609030003000000" pitchFamily="49" charset="77"/>
-              </a:rPr>
-              <a:t>8</a:t>
-            </a:r>
-            <a:r>
-              <a:rPr lang="en-US" b="1" dirty="0">
-                <a:latin typeface="Inconsolata Medium" panose="020B0609030003000000" pitchFamily="49" charset="77"/>
+                <a:latin typeface="Inconsolata" panose="020B0609030003000000" pitchFamily="49" charset="77"/>
+              </a:rPr>
+              <a:t>3</a:t>
+            </a:r>
+            <a:r>
+              <a:rPr lang="en-US" b="1" dirty="0">
+                <a:latin typeface="Inconsolata" panose="020B0609030003000000" pitchFamily="49" charset="77"/>
               </a:rPr>
               <a:t>]: </a:t>
             </a:r>
@@ -9146,7 +9182,7 @@
                 <a:solidFill>
                   <a:srgbClr val="000087"/>
                 </a:solidFill>
-                <a:latin typeface="Inconsolata Medium" panose="020B0609030003000000" pitchFamily="49" charset="77"/>
+                <a:latin typeface="Inconsolata" panose="020B0609030003000000" pitchFamily="49" charset="77"/>
               </a:rPr>
               <a:t>x </a:t>
             </a:r>
@@ -9155,7 +9191,7 @@
                 <a:solidFill>
                   <a:srgbClr val="545454"/>
                 </a:solidFill>
-                <a:latin typeface="Inconsolata Medium" panose="020B0609030003000000" pitchFamily="49" charset="77"/>
+                <a:latin typeface="Inconsolata" panose="020B0609030003000000" pitchFamily="49" charset="77"/>
               </a:rPr>
               <a:t>= </a:t>
             </a:r>
@@ -9164,7 +9200,7 @@
                 <a:solidFill>
                   <a:srgbClr val="CC3300"/>
                 </a:solidFill>
-                <a:latin typeface="Inconsolata Medium" panose="020B0609030003000000" pitchFamily="49" charset="77"/>
+                <a:latin typeface="Inconsolata" panose="020B0609030003000000" pitchFamily="49" charset="77"/>
               </a:rPr>
               <a:t>‘hello’ </a:t>
             </a:r>
@@ -9176,15 +9212,45 @@
             <a:r>
               <a:rPr lang="en-US" b="1" dirty="0">
                 <a:solidFill>
+                  <a:srgbClr val="000087"/>
+                </a:solidFill>
+                <a:latin typeface="Inconsolata" panose="020B0609030003000000" pitchFamily="49" charset="77"/>
+              </a:rPr>
+              <a:t>In</a:t>
+            </a:r>
+            <a:r>
+              <a:rPr lang="en-US" b="1" dirty="0">
+                <a:latin typeface="Inconsolata" panose="020B0609030003000000" pitchFamily="49" charset="77"/>
+              </a:rPr>
+              <a:t>[</a:t>
+            </a:r>
+            <a:r>
+              <a:rPr lang="en-US" b="1" dirty="0">
+                <a:solidFill>
+                  <a:srgbClr val="FF6600"/>
+                </a:solidFill>
+                <a:latin typeface="Inconsolata" panose="020B0609030003000000" pitchFamily="49" charset="77"/>
+              </a:rPr>
+              <a:t>4</a:t>
+            </a:r>
+            <a:r>
+              <a:rPr lang="en-US" b="1" dirty="0">
+                <a:latin typeface="Inconsolata" panose="020B0609030003000000" pitchFamily="49" charset="77"/>
+              </a:rPr>
+              <a:t>]: </a:t>
+            </a:r>
+            <a:r>
+              <a:rPr lang="en-US" b="1" dirty="0">
+                <a:solidFill>
                   <a:srgbClr val="336666"/>
                 </a:solidFill>
-                <a:latin typeface="Inconsolata Medium" panose="020B0609030003000000" pitchFamily="49" charset="77"/>
-              </a:rPr>
-              <a:t>	   type</a:t>
-            </a:r>
-            <a:r>
-              <a:rPr lang="en-US" b="1" dirty="0">
-                <a:latin typeface="Inconsolata Medium" panose="020B0609030003000000" pitchFamily="49" charset="77"/>
+                <a:latin typeface="Inconsolata" panose="020B0609030003000000" pitchFamily="49" charset="77"/>
+              </a:rPr>
+              <a:t>type</a:t>
+            </a:r>
+            <a:r>
+              <a:rPr lang="en-US" b="1" dirty="0">
+                <a:latin typeface="Inconsolata" panose="020B0609030003000000" pitchFamily="49" charset="77"/>
               </a:rPr>
               <a:t>(</a:t>
             </a:r>
@@ -9193,13 +9259,13 @@
                 <a:solidFill>
                   <a:srgbClr val="000087"/>
                 </a:solidFill>
-                <a:latin typeface="Inconsolata Medium" panose="020B0609030003000000" pitchFamily="49" charset="77"/>
+                <a:latin typeface="Inconsolata" panose="020B0609030003000000" pitchFamily="49" charset="77"/>
               </a:rPr>
               <a:t>x</a:t>
             </a:r>
             <a:r>
               <a:rPr lang="en-US" b="1" dirty="0">
-                <a:latin typeface="Inconsolata Medium" panose="020B0609030003000000" pitchFamily="49" charset="77"/>
+                <a:latin typeface="Inconsolata" panose="020B0609030003000000" pitchFamily="49" charset="77"/>
               </a:rPr>
               <a:t>) </a:t>
             </a:r>
@@ -9210,27 +9276,18 @@
             </a:pPr>
             <a:r>
               <a:rPr lang="en-US" b="1" dirty="0">
-                <a:latin typeface="Inconsolata Medium" panose="020B0609030003000000" pitchFamily="49" charset="77"/>
-              </a:rPr>
-              <a:t>Out [8]: </a:t>
-            </a:r>
-            <a:r>
-              <a:rPr lang="en-US" b="1" dirty="0" err="1">
-                <a:latin typeface="Inconsolata Medium" panose="020B0609030003000000" pitchFamily="49" charset="77"/>
-              </a:rPr>
-              <a:t>str</a:t>
-            </a:r>
-            <a:endParaRPr lang="en-US" b="1" dirty="0">
-              <a:latin typeface="Inconsolata Medium" panose="020B0609030003000000" pitchFamily="49" charset="77"/>
-            </a:endParaRPr>
-          </a:p>
-          <a:p>
-            <a:pPr marL="0" indent="0">
-              <a:buNone/>
-            </a:pPr>
-            <a:r>
-              <a:rPr lang="en-US" b="1" dirty="0">
-                <a:latin typeface="Inconsolata Medium" panose="020B0609030003000000" pitchFamily="49" charset="77"/>
+                <a:latin typeface="Inconsolata" panose="020B0609030003000000" pitchFamily="49" charset="77"/>
+              </a:rPr>
+              <a:t>Out[4]: str</a:t>
+            </a:r>
+          </a:p>
+          <a:p>
+            <a:pPr marL="0" indent="0">
+              <a:buNone/>
+            </a:pPr>
+            <a:r>
+              <a:rPr lang="en-US" b="1" dirty="0">
+                <a:latin typeface="Inconsolata" panose="020B0609030003000000" pitchFamily="49" charset="77"/>
               </a:rPr>
               <a:t> </a:t>
             </a:r>
@@ -9244,13 +9301,13 @@
                 <a:solidFill>
                   <a:srgbClr val="000087"/>
                 </a:solidFill>
-                <a:latin typeface="Inconsolata Medium" panose="020B0609030003000000" pitchFamily="49" charset="77"/>
-              </a:rPr>
-              <a:t>In </a:t>
-            </a:r>
-            <a:r>
-              <a:rPr lang="en-US" b="1" dirty="0">
-                <a:latin typeface="Inconsolata Medium" panose="020B0609030003000000" pitchFamily="49" charset="77"/>
+                <a:latin typeface="Inconsolata" panose="020B0609030003000000" pitchFamily="49" charset="77"/>
+              </a:rPr>
+              <a:t>In</a:t>
+            </a:r>
+            <a:r>
+              <a:rPr lang="en-US" b="1" dirty="0">
+                <a:latin typeface="Inconsolata" panose="020B0609030003000000" pitchFamily="49" charset="77"/>
               </a:rPr>
               <a:t>[</a:t>
             </a:r>
@@ -9259,13 +9316,13 @@
                 <a:solidFill>
                   <a:srgbClr val="FF6600"/>
                 </a:solidFill>
-                <a:latin typeface="Inconsolata Medium" panose="020B0609030003000000" pitchFamily="49" charset="77"/>
-              </a:rPr>
-              <a:t>9</a:t>
-            </a:r>
-            <a:r>
-              <a:rPr lang="en-US" b="1" dirty="0">
-                <a:latin typeface="Inconsolata Medium" panose="020B0609030003000000" pitchFamily="49" charset="77"/>
+                <a:latin typeface="Inconsolata" panose="020B0609030003000000" pitchFamily="49" charset="77"/>
+              </a:rPr>
+              <a:t>5</a:t>
+            </a:r>
+            <a:r>
+              <a:rPr lang="en-US" b="1" dirty="0">
+                <a:latin typeface="Inconsolata" panose="020B0609030003000000" pitchFamily="49" charset="77"/>
               </a:rPr>
               <a:t>]: </a:t>
             </a:r>
@@ -9274,7 +9331,7 @@
                 <a:solidFill>
                   <a:srgbClr val="000087"/>
                 </a:solidFill>
-                <a:latin typeface="Inconsolata Medium" panose="020B0609030003000000" pitchFamily="49" charset="77"/>
+                <a:latin typeface="Inconsolata" panose="020B0609030003000000" pitchFamily="49" charset="77"/>
               </a:rPr>
               <a:t>x </a:t>
             </a:r>
@@ -9283,7 +9340,7 @@
                 <a:solidFill>
                   <a:srgbClr val="545454"/>
                 </a:solidFill>
-                <a:latin typeface="Inconsolata Medium" panose="020B0609030003000000" pitchFamily="49" charset="77"/>
+                <a:latin typeface="Inconsolata" panose="020B0609030003000000" pitchFamily="49" charset="77"/>
               </a:rPr>
               <a:t>= </a:t>
             </a:r>
@@ -9292,7 +9349,7 @@
                 <a:solidFill>
                   <a:srgbClr val="FF6600"/>
                 </a:solidFill>
-                <a:latin typeface="Inconsolata Medium" panose="020B0609030003000000" pitchFamily="49" charset="77"/>
+                <a:latin typeface="Inconsolata" panose="020B0609030003000000" pitchFamily="49" charset="77"/>
               </a:rPr>
               <a:t>3.14159 </a:t>
             </a:r>
@@ -9304,24 +9361,45 @@
             <a:r>
               <a:rPr lang="en-US" b="1" dirty="0">
                 <a:solidFill>
+                  <a:srgbClr val="000087"/>
+                </a:solidFill>
+                <a:latin typeface="Inconsolata" panose="020B0609030003000000" pitchFamily="49" charset="77"/>
+              </a:rPr>
+              <a:t>In</a:t>
+            </a:r>
+            <a:r>
+              <a:rPr lang="en-US" b="1" dirty="0">
+                <a:latin typeface="Inconsolata" panose="020B0609030003000000" pitchFamily="49" charset="77"/>
+              </a:rPr>
+              <a:t>[</a:t>
+            </a:r>
+            <a:r>
+              <a:rPr lang="en-US" b="1" dirty="0">
+                <a:solidFill>
                   <a:srgbClr val="FF6600"/>
                 </a:solidFill>
-                <a:latin typeface="Inconsolata Medium" panose="020B0609030003000000" pitchFamily="49" charset="77"/>
-              </a:rPr>
-              <a:t>	   </a:t>
+                <a:latin typeface="Inconsolata" panose="020B0609030003000000" pitchFamily="49" charset="77"/>
+              </a:rPr>
+              <a:t>6</a:t>
+            </a:r>
+            <a:r>
+              <a:rPr lang="en-US" b="1" dirty="0">
+                <a:latin typeface="Inconsolata" panose="020B0609030003000000" pitchFamily="49" charset="77"/>
+              </a:rPr>
+              <a:t>]: </a:t>
             </a:r>
             <a:r>
               <a:rPr lang="en-US" b="1" dirty="0">
                 <a:solidFill>
                   <a:srgbClr val="336666"/>
                 </a:solidFill>
-                <a:latin typeface="Inconsolata Medium" panose="020B0609030003000000" pitchFamily="49" charset="77"/>
+                <a:latin typeface="Inconsolata" panose="020B0609030003000000" pitchFamily="49" charset="77"/>
               </a:rPr>
               <a:t>type</a:t>
             </a:r>
             <a:r>
               <a:rPr lang="en-US" b="1" dirty="0">
-                <a:latin typeface="Inconsolata Medium" panose="020B0609030003000000" pitchFamily="49" charset="77"/>
+                <a:latin typeface="Inconsolata" panose="020B0609030003000000" pitchFamily="49" charset="77"/>
               </a:rPr>
               <a:t>(</a:t>
             </a:r>
@@ -9330,26 +9408,32 @@
                 <a:solidFill>
                   <a:srgbClr val="000087"/>
                 </a:solidFill>
-                <a:latin typeface="Inconsolata Medium" panose="020B0609030003000000" pitchFamily="49" charset="77"/>
+                <a:latin typeface="Inconsolata" panose="020B0609030003000000" pitchFamily="49" charset="77"/>
               </a:rPr>
               <a:t>x</a:t>
             </a:r>
             <a:r>
               <a:rPr lang="en-US" b="1" dirty="0">
-                <a:latin typeface="Inconsolata Medium" panose="020B0609030003000000" pitchFamily="49" charset="77"/>
+                <a:latin typeface="Inconsolata" panose="020B0609030003000000" pitchFamily="49" charset="77"/>
               </a:rPr>
               <a:t>) </a:t>
             </a:r>
-          </a:p>
-          <a:p>
-            <a:pPr marL="0" indent="0">
-              <a:buNone/>
-            </a:pPr>
-            <a:r>
-              <a:rPr lang="en-US" b="1" dirty="0">
-                <a:latin typeface="Inconsolata Medium" panose="020B0609030003000000" pitchFamily="49" charset="77"/>
-              </a:rPr>
-              <a:t>Out [9]: float </a:t>
+            <a:r>
+              <a:rPr lang="en-US" b="1" dirty="0">
+                <a:latin typeface="Inconsolata" panose="020B0609030003000000" pitchFamily="49" charset="77"/>
+              </a:rPr>
+              <a:t> </a:t>
+            </a:r>
+          </a:p>
+          <a:p>
+            <a:pPr marL="0" indent="0">
+              <a:buNone/>
+            </a:pPr>
+            <a:r>
+              <a:rPr lang="en-US" b="1" dirty="0">
+                <a:latin typeface="Inconsolata" panose="020B0609030003000000" pitchFamily="49" charset="77"/>
+              </a:rPr>
+              <a:t>Out[6]: float </a:t>
             </a:r>
           </a:p>
         </p:txBody>
@@ -9431,7 +9515,7 @@
                                         <p:tgtEl>
                                           <p:spTgt spid="9">
                                             <p:txEl>
-                                              <p:pRg st="5" end="5"/>
+                                              <p:pRg st="6" end="6"/>
                                             </p:txEl>
                                           </p:spTgt>
                                         </p:tgtEl>
@@ -9462,7 +9546,7 @@
                                         <p:tgtEl>
                                           <p:spTgt spid="9">
                                             <p:txEl>
-                                              <p:pRg st="6" end="6"/>
+                                              <p:pRg st="5" end="5"/>
                                             </p:txEl>
                                           </p:spTgt>
                                         </p:tgtEl>
@@ -9731,13 +9815,13 @@
                 <a:solidFill>
                   <a:srgbClr val="000087"/>
                 </a:solidFill>
-                <a:latin typeface="Inconsolata Medium" panose="020B0609030003000000" pitchFamily="49" charset="77"/>
+                <a:latin typeface="Inconsolata" panose="020B0609030003000000" pitchFamily="49" charset="77"/>
               </a:rPr>
               <a:t>In </a:t>
             </a:r>
             <a:r>
               <a:rPr lang="en-US" b="1" dirty="0">
-                <a:latin typeface="Inconsolata Medium" panose="020B0609030003000000" pitchFamily="49" charset="77"/>
+                <a:latin typeface="Inconsolata" panose="020B0609030003000000" pitchFamily="49" charset="77"/>
               </a:rPr>
               <a:t>[</a:t>
             </a:r>
@@ -9746,13 +9830,13 @@
                 <a:solidFill>
                   <a:srgbClr val="FF6600"/>
                 </a:solidFill>
-                <a:latin typeface="Inconsolata Medium" panose="020B0609030003000000" pitchFamily="49" charset="77"/>
+                <a:latin typeface="Inconsolata" panose="020B0609030003000000" pitchFamily="49" charset="77"/>
               </a:rPr>
               <a:t>1</a:t>
             </a:r>
             <a:r>
               <a:rPr lang="en-US" b="1" dirty="0">
-                <a:latin typeface="Inconsolata Medium" panose="020B0609030003000000" pitchFamily="49" charset="77"/>
+                <a:latin typeface="Inconsolata" panose="020B0609030003000000" pitchFamily="49" charset="77"/>
               </a:rPr>
               <a:t>]: </a:t>
             </a:r>
@@ -9761,7 +9845,7 @@
                 <a:solidFill>
                   <a:srgbClr val="000087"/>
                 </a:solidFill>
-                <a:latin typeface="Inconsolata Medium" panose="020B0609030003000000" pitchFamily="49" charset="77"/>
+                <a:latin typeface="Inconsolata" panose="020B0609030003000000" pitchFamily="49" charset="77"/>
               </a:rPr>
               <a:t>x </a:t>
             </a:r>
@@ -9770,7 +9854,7 @@
                 <a:solidFill>
                   <a:srgbClr val="545454"/>
                 </a:solidFill>
-                <a:latin typeface="Inconsolata Medium" panose="020B0609030003000000" pitchFamily="49" charset="77"/>
+                <a:latin typeface="Inconsolata" panose="020B0609030003000000" pitchFamily="49" charset="77"/>
               </a:rPr>
               <a:t>= </a:t>
             </a:r>
@@ -9779,7 +9863,7 @@
                 <a:solidFill>
                   <a:srgbClr val="FF6600"/>
                 </a:solidFill>
-                <a:latin typeface="Inconsolata Medium" panose="020B0609030003000000" pitchFamily="49" charset="77"/>
+                <a:latin typeface="Inconsolata" panose="020B0609030003000000" pitchFamily="49" charset="77"/>
               </a:rPr>
               <a:t>1 </a:t>
             </a:r>
@@ -9793,7 +9877,7 @@
                 <a:solidFill>
                   <a:srgbClr val="FF6600"/>
                 </a:solidFill>
-                <a:latin typeface="Inconsolata Medium" panose="020B0609030003000000" pitchFamily="49" charset="77"/>
+                <a:latin typeface="Inconsolata" panose="020B0609030003000000" pitchFamily="49" charset="77"/>
               </a:rPr>
               <a:t>	   </a:t>
             </a:r>
@@ -9802,13 +9886,13 @@
                 <a:solidFill>
                   <a:srgbClr val="336666"/>
                 </a:solidFill>
-                <a:latin typeface="Inconsolata Medium" panose="020B0609030003000000" pitchFamily="49" charset="77"/>
+                <a:latin typeface="Inconsolata" panose="020B0609030003000000" pitchFamily="49" charset="77"/>
               </a:rPr>
               <a:t>type</a:t>
             </a:r>
             <a:r>
               <a:rPr lang="en-US" b="1" dirty="0">
-                <a:latin typeface="Inconsolata Medium" panose="020B0609030003000000" pitchFamily="49" charset="77"/>
+                <a:latin typeface="Inconsolata" panose="020B0609030003000000" pitchFamily="49" charset="77"/>
               </a:rPr>
               <a:t>(</a:t>
             </a:r>
@@ -9817,13 +9901,13 @@
                 <a:solidFill>
                   <a:srgbClr val="000087"/>
                 </a:solidFill>
-                <a:latin typeface="Inconsolata Medium" panose="020B0609030003000000" pitchFamily="49" charset="77"/>
+                <a:latin typeface="Inconsolata" panose="020B0609030003000000" pitchFamily="49" charset="77"/>
               </a:rPr>
               <a:t>x</a:t>
             </a:r>
             <a:r>
               <a:rPr lang="en-US" b="1" dirty="0">
-                <a:latin typeface="Inconsolata Medium" panose="020B0609030003000000" pitchFamily="49" charset="77"/>
+                <a:latin typeface="Inconsolata" panose="020B0609030003000000" pitchFamily="49" charset="77"/>
               </a:rPr>
               <a:t>) </a:t>
             </a:r>
@@ -9834,19 +9918,19 @@
             </a:pPr>
             <a:r>
               <a:rPr lang="en-US" b="1" dirty="0">
-                <a:latin typeface="Inconsolata Medium" panose="020B0609030003000000" pitchFamily="49" charset="77"/>
+                <a:latin typeface="Inconsolata" panose="020B0609030003000000" pitchFamily="49" charset="77"/>
               </a:rPr>
               <a:t>Out [1]: </a:t>
             </a:r>
             <a:r>
               <a:rPr lang="en-US" b="1" dirty="0" err="1">
-                <a:latin typeface="Inconsolata Medium" panose="020B0609030003000000" pitchFamily="49" charset="77"/>
+                <a:latin typeface="Inconsolata" panose="020B0609030003000000" pitchFamily="49" charset="77"/>
               </a:rPr>
               <a:t>int</a:t>
             </a:r>
             <a:r>
               <a:rPr lang="en-US" b="1" dirty="0">
-                <a:latin typeface="Inconsolata Medium" panose="020B0609030003000000" pitchFamily="49" charset="77"/>
+                <a:latin typeface="Inconsolata" panose="020B0609030003000000" pitchFamily="49" charset="77"/>
               </a:rPr>
               <a:t> </a:t>
             </a:r>
@@ -9881,13 +9965,13 @@
                 <a:solidFill>
                   <a:srgbClr val="000087"/>
                 </a:solidFill>
-                <a:latin typeface="Inconsolata Medium" panose="020B0609030003000000" pitchFamily="49" charset="77"/>
+                <a:latin typeface="Inconsolata" panose="020B0609030003000000" pitchFamily="49" charset="77"/>
               </a:rPr>
               <a:t>In </a:t>
             </a:r>
             <a:r>
               <a:rPr lang="en-US" sz="1900" b="1" dirty="0">
-                <a:latin typeface="Inconsolata Medium" panose="020B0609030003000000" pitchFamily="49" charset="77"/>
+                <a:latin typeface="Inconsolata" panose="020B0609030003000000" pitchFamily="49" charset="77"/>
               </a:rPr>
               <a:t>[</a:t>
             </a:r>
@@ -9896,13 +9980,13 @@
                 <a:solidFill>
                   <a:srgbClr val="FF6600"/>
                 </a:solidFill>
-                <a:latin typeface="Inconsolata Medium" panose="020B0609030003000000" pitchFamily="49" charset="77"/>
+                <a:latin typeface="Inconsolata" panose="020B0609030003000000" pitchFamily="49" charset="77"/>
               </a:rPr>
               <a:t>2</a:t>
             </a:r>
             <a:r>
               <a:rPr lang="en-US" sz="1900" b="1" dirty="0">
-                <a:latin typeface="Inconsolata Medium" panose="020B0609030003000000" pitchFamily="49" charset="77"/>
+                <a:latin typeface="Inconsolata" panose="020B0609030003000000" pitchFamily="49" charset="77"/>
               </a:rPr>
               <a:t>]: </a:t>
             </a:r>
@@ -9911,7 +9995,7 @@
                 <a:solidFill>
                   <a:srgbClr val="FF6600"/>
                 </a:solidFill>
-                <a:latin typeface="Inconsolata Medium" panose="020B0609030003000000" pitchFamily="49" charset="77"/>
+                <a:latin typeface="Inconsolata" panose="020B0609030003000000" pitchFamily="49" charset="77"/>
               </a:rPr>
               <a:t>2 </a:t>
             </a:r>
@@ -9920,7 +10004,7 @@
                 <a:solidFill>
                   <a:srgbClr val="545454"/>
                 </a:solidFill>
-                <a:latin typeface="Inconsolata Medium" panose="020B0609030003000000" pitchFamily="49" charset="77"/>
+                <a:latin typeface="Inconsolata" panose="020B0609030003000000" pitchFamily="49" charset="77"/>
               </a:rPr>
               <a:t>** </a:t>
             </a:r>
@@ -9929,7 +10013,7 @@
                 <a:solidFill>
                   <a:srgbClr val="FF6600"/>
                 </a:solidFill>
-                <a:latin typeface="Inconsolata Medium" panose="020B0609030003000000" pitchFamily="49" charset="77"/>
+                <a:latin typeface="Inconsolata" panose="020B0609030003000000" pitchFamily="49" charset="77"/>
               </a:rPr>
               <a:t>200 </a:t>
             </a:r>
@@ -9940,7 +10024,7 @@
             </a:pPr>
             <a:r>
               <a:rPr lang="en-US" sz="1900" b="1" dirty="0">
-                <a:latin typeface="Inconsolata Medium" panose="020B0609030003000000" pitchFamily="49" charset="77"/>
+                <a:latin typeface="Inconsolata" panose="020B0609030003000000" pitchFamily="49" charset="77"/>
               </a:rPr>
               <a:t>Out [2]: 1606938044258990275541962092341162602522202993782792835301376 </a:t>
             </a:r>
@@ -10341,7 +10425,7 @@
               <a:buNone/>
             </a:pPr>
             <a:endParaRPr lang="en-US" b="1" dirty="0">
-              <a:latin typeface="Inconsolata Medium" panose="020B0609030003000000" pitchFamily="49" charset="77"/>
+              <a:latin typeface="Inconsolata" panose="020B0609030003000000" pitchFamily="49" charset="77"/>
             </a:endParaRPr>
           </a:p>
           <a:p>
@@ -10353,13 +10437,13 @@
                 <a:solidFill>
                   <a:srgbClr val="000087"/>
                 </a:solidFill>
-                <a:latin typeface="Inconsolata Medium" panose="020B0609030003000000" pitchFamily="49" charset="77"/>
+                <a:latin typeface="Inconsolata" panose="020B0609030003000000" pitchFamily="49" charset="77"/>
               </a:rPr>
               <a:t>In </a:t>
             </a:r>
             <a:r>
               <a:rPr lang="en-US" b="1" dirty="0">
-                <a:latin typeface="Inconsolata Medium" panose="020B0609030003000000" pitchFamily="49" charset="77"/>
+                <a:latin typeface="Inconsolata" panose="020B0609030003000000" pitchFamily="49" charset="77"/>
               </a:rPr>
               <a:t>[</a:t>
             </a:r>
@@ -10368,13 +10452,13 @@
                 <a:solidFill>
                   <a:srgbClr val="FF6600"/>
                 </a:solidFill>
-                <a:latin typeface="Inconsolata Medium" panose="020B0609030003000000" pitchFamily="49" charset="77"/>
+                <a:latin typeface="Inconsolata" panose="020B0609030003000000" pitchFamily="49" charset="77"/>
               </a:rPr>
               <a:t>3</a:t>
             </a:r>
             <a:r>
               <a:rPr lang="en-US" b="1" dirty="0">
-                <a:latin typeface="Inconsolata Medium" panose="020B0609030003000000" pitchFamily="49" charset="77"/>
+                <a:latin typeface="Inconsolata" panose="020B0609030003000000" pitchFamily="49" charset="77"/>
               </a:rPr>
               <a:t>]: </a:t>
             </a:r>
@@ -10383,7 +10467,7 @@
                 <a:solidFill>
                   <a:srgbClr val="FF6600"/>
                 </a:solidFill>
-                <a:latin typeface="Inconsolata Medium" panose="020B0609030003000000" pitchFamily="49" charset="77"/>
+                <a:latin typeface="Inconsolata" panose="020B0609030003000000" pitchFamily="49" charset="77"/>
               </a:rPr>
               <a:t>5 </a:t>
             </a:r>
@@ -10392,7 +10476,7 @@
                 <a:solidFill>
                   <a:srgbClr val="545454"/>
                 </a:solidFill>
-                <a:latin typeface="Inconsolata Medium" panose="020B0609030003000000" pitchFamily="49" charset="77"/>
+                <a:latin typeface="Inconsolata" panose="020B0609030003000000" pitchFamily="49" charset="77"/>
               </a:rPr>
               <a:t>/ </a:t>
             </a:r>
@@ -10401,12 +10485,12 @@
                 <a:solidFill>
                   <a:srgbClr val="FF6600"/>
                 </a:solidFill>
-                <a:latin typeface="Inconsolata Medium" panose="020B0609030003000000" pitchFamily="49" charset="77"/>
+                <a:latin typeface="Inconsolata" panose="020B0609030003000000" pitchFamily="49" charset="77"/>
               </a:rPr>
               <a:t>2 </a:t>
             </a:r>
             <a:endParaRPr lang="en-US" b="1" dirty="0">
-              <a:latin typeface="Inconsolata Medium" panose="020B0609030003000000" pitchFamily="49" charset="77"/>
+              <a:latin typeface="Inconsolata" panose="020B0609030003000000" pitchFamily="49" charset="77"/>
             </a:endParaRPr>
           </a:p>
           <a:p>
@@ -10415,7 +10499,7 @@
             </a:pPr>
             <a:r>
               <a:rPr lang="en-US" b="1" dirty="0">
-                <a:latin typeface="Inconsolata Medium" panose="020B0609030003000000" pitchFamily="49" charset="77"/>
+                <a:latin typeface="Inconsolata" panose="020B0609030003000000" pitchFamily="49" charset="77"/>
               </a:rPr>
               <a:t>Out [3]: 2.5</a:t>
             </a:r>
@@ -10470,13 +10554,13 @@
                 <a:solidFill>
                   <a:srgbClr val="000087"/>
                 </a:solidFill>
-                <a:latin typeface="Inconsolata Medium" panose="020B0609030003000000" pitchFamily="49" charset="77"/>
+                <a:latin typeface="Inconsolata" panose="020B0609030003000000" pitchFamily="49" charset="77"/>
               </a:rPr>
               <a:t>In </a:t>
             </a:r>
             <a:r>
               <a:rPr lang="en-US" b="1" dirty="0">
-                <a:latin typeface="Inconsolata Medium" panose="020B0609030003000000" pitchFamily="49" charset="77"/>
+                <a:latin typeface="Inconsolata" panose="020B0609030003000000" pitchFamily="49" charset="77"/>
               </a:rPr>
               <a:t>[</a:t>
             </a:r>
@@ -10485,13 +10569,13 @@
                 <a:solidFill>
                   <a:srgbClr val="FF6600"/>
                 </a:solidFill>
-                <a:latin typeface="Inconsolata Medium" panose="020B0609030003000000" pitchFamily="49" charset="77"/>
+                <a:latin typeface="Inconsolata" panose="020B0609030003000000" pitchFamily="49" charset="77"/>
               </a:rPr>
               <a:t>4</a:t>
             </a:r>
             <a:r>
               <a:rPr lang="en-US" b="1" dirty="0">
-                <a:latin typeface="Inconsolata Medium" panose="020B0609030003000000" pitchFamily="49" charset="77"/>
+                <a:latin typeface="Inconsolata" panose="020B0609030003000000" pitchFamily="49" charset="77"/>
               </a:rPr>
               <a:t>]: </a:t>
             </a:r>
@@ -10500,7 +10584,7 @@
                 <a:solidFill>
                   <a:srgbClr val="FF6600"/>
                 </a:solidFill>
-                <a:latin typeface="Inconsolata Medium" panose="020B0609030003000000" pitchFamily="49" charset="77"/>
+                <a:latin typeface="Inconsolata" panose="020B0609030003000000" pitchFamily="49" charset="77"/>
               </a:rPr>
               <a:t>5 </a:t>
             </a:r>
@@ -10509,7 +10593,7 @@
                 <a:solidFill>
                   <a:srgbClr val="545454"/>
                 </a:solidFill>
-                <a:latin typeface="Inconsolata Medium" panose="020B0609030003000000" pitchFamily="49" charset="77"/>
+                <a:latin typeface="Inconsolata" panose="020B0609030003000000" pitchFamily="49" charset="77"/>
               </a:rPr>
               <a:t>// </a:t>
             </a:r>
@@ -10518,12 +10602,12 @@
                 <a:solidFill>
                   <a:srgbClr val="FF6600"/>
                 </a:solidFill>
-                <a:latin typeface="Inconsolata Medium" panose="020B0609030003000000" pitchFamily="49" charset="77"/>
+                <a:latin typeface="Inconsolata" panose="020B0609030003000000" pitchFamily="49" charset="77"/>
               </a:rPr>
               <a:t>2 </a:t>
             </a:r>
             <a:endParaRPr lang="en-US" b="1" dirty="0">
-              <a:latin typeface="Inconsolata Medium" panose="020B0609030003000000" pitchFamily="49" charset="77"/>
+              <a:latin typeface="Inconsolata" panose="020B0609030003000000" pitchFamily="49" charset="77"/>
             </a:endParaRPr>
           </a:p>
           <a:p>
@@ -10532,7 +10616,7 @@
             </a:pPr>
             <a:r>
               <a:rPr lang="en-US" b="1" dirty="0">
-                <a:latin typeface="Inconsolata Medium" panose="020B0609030003000000" pitchFamily="49" charset="77"/>
+                <a:latin typeface="Inconsolata" panose="020B0609030003000000" pitchFamily="49" charset="77"/>
               </a:rPr>
               <a:t>Out [4]: 2 </a:t>
             </a:r>
@@ -10542,7 +10626,7 @@
               <a:buNone/>
             </a:pPr>
             <a:endParaRPr lang="en-US" b="1" dirty="0">
-              <a:latin typeface="Inconsolata Medium" panose="020B0609030003000000" pitchFamily="49" charset="77"/>
+              <a:latin typeface="Inconsolata" panose="020B0609030003000000" pitchFamily="49" charset="77"/>
             </a:endParaRPr>
           </a:p>
           <a:p>
@@ -10923,13 +11007,13 @@
                 <a:solidFill>
                   <a:srgbClr val="000087"/>
                 </a:solidFill>
-                <a:latin typeface="Inconsolata Medium" panose="020B0609030003000000" pitchFamily="49" charset="77"/>
+                <a:latin typeface="Inconsolata" panose="020B0609030003000000" pitchFamily="49" charset="77"/>
               </a:rPr>
               <a:t>In </a:t>
             </a:r>
             <a:r>
               <a:rPr lang="en-US" b="1" dirty="0">
-                <a:latin typeface="Inconsolata Medium" panose="020B0609030003000000" pitchFamily="49" charset="77"/>
+                <a:latin typeface="Inconsolata" panose="020B0609030003000000" pitchFamily="49" charset="77"/>
               </a:rPr>
               <a:t>[</a:t>
             </a:r>
@@ -10938,13 +11022,13 @@
                 <a:solidFill>
                   <a:srgbClr val="FF6600"/>
                 </a:solidFill>
-                <a:latin typeface="Inconsolata Medium" panose="020B0609030003000000" pitchFamily="49" charset="77"/>
+                <a:latin typeface="Inconsolata" panose="020B0609030003000000" pitchFamily="49" charset="77"/>
               </a:rPr>
               <a:t>5</a:t>
             </a:r>
             <a:r>
               <a:rPr lang="en-US" b="1" dirty="0">
-                <a:latin typeface="Inconsolata Medium" panose="020B0609030003000000" pitchFamily="49" charset="77"/>
+                <a:latin typeface="Inconsolata" panose="020B0609030003000000" pitchFamily="49" charset="77"/>
               </a:rPr>
               <a:t>]: </a:t>
             </a:r>
@@ -10953,7 +11037,7 @@
                 <a:solidFill>
                   <a:srgbClr val="000087"/>
                 </a:solidFill>
-                <a:latin typeface="Inconsolata Medium" panose="020B0609030003000000" pitchFamily="49" charset="77"/>
+                <a:latin typeface="Inconsolata" panose="020B0609030003000000" pitchFamily="49" charset="77"/>
               </a:rPr>
               <a:t>x </a:t>
             </a:r>
@@ -10962,7 +11046,7 @@
                 <a:solidFill>
                   <a:srgbClr val="545454"/>
                 </a:solidFill>
-                <a:latin typeface="Inconsolata Medium" panose="020B0609030003000000" pitchFamily="49" charset="77"/>
+                <a:latin typeface="Inconsolata" panose="020B0609030003000000" pitchFamily="49" charset="77"/>
               </a:rPr>
               <a:t>= </a:t>
             </a:r>
@@ -10971,7 +11055,7 @@
                 <a:solidFill>
                   <a:srgbClr val="FF6600"/>
                 </a:solidFill>
-                <a:latin typeface="Inconsolata Medium" panose="020B0609030003000000" pitchFamily="49" charset="77"/>
+                <a:latin typeface="Inconsolata" panose="020B0609030003000000" pitchFamily="49" charset="77"/>
               </a:rPr>
               <a:t>0.000005 </a:t>
             </a:r>
@@ -10985,7 +11069,7 @@
                 <a:solidFill>
                   <a:srgbClr val="FF6600"/>
                 </a:solidFill>
-                <a:latin typeface="Inconsolata Medium" panose="020B0609030003000000" pitchFamily="49" charset="77"/>
+                <a:latin typeface="Inconsolata" panose="020B0609030003000000" pitchFamily="49" charset="77"/>
               </a:rPr>
               <a:t>	   </a:t>
             </a:r>
@@ -10994,7 +11078,7 @@
                 <a:solidFill>
                   <a:srgbClr val="000087"/>
                 </a:solidFill>
-                <a:latin typeface="Inconsolata Medium" panose="020B0609030003000000" pitchFamily="49" charset="77"/>
+                <a:latin typeface="Inconsolata" panose="020B0609030003000000" pitchFamily="49" charset="77"/>
               </a:rPr>
               <a:t>y </a:t>
             </a:r>
@@ -11003,7 +11087,7 @@
                 <a:solidFill>
                   <a:srgbClr val="545454"/>
                 </a:solidFill>
-                <a:latin typeface="Inconsolata Medium" panose="020B0609030003000000" pitchFamily="49" charset="77"/>
+                <a:latin typeface="Inconsolata" panose="020B0609030003000000" pitchFamily="49" charset="77"/>
               </a:rPr>
               <a:t>= </a:t>
             </a:r>
@@ -11012,12 +11096,12 @@
                 <a:solidFill>
                   <a:srgbClr val="FF6600"/>
                 </a:solidFill>
-                <a:latin typeface="Inconsolata Medium" panose="020B0609030003000000" pitchFamily="49" charset="77"/>
+                <a:latin typeface="Inconsolata" panose="020B0609030003000000" pitchFamily="49" charset="77"/>
               </a:rPr>
               <a:t>5e-6 </a:t>
             </a:r>
             <a:endParaRPr lang="en-US" b="1" dirty="0">
-              <a:latin typeface="Inconsolata Medium" panose="020B0609030003000000" pitchFamily="49" charset="77"/>
+              <a:latin typeface="Inconsolata" panose="020B0609030003000000" pitchFamily="49" charset="77"/>
             </a:endParaRPr>
           </a:p>
           <a:p>
@@ -11029,13 +11113,13 @@
                 <a:solidFill>
                   <a:srgbClr val="006699"/>
                 </a:solidFill>
-                <a:latin typeface="Inconsolata Medium" panose="020B0609030003000000" pitchFamily="49" charset="77"/>
+                <a:latin typeface="Inconsolata" panose="020B0609030003000000" pitchFamily="49" charset="77"/>
               </a:rPr>
               <a:t>	   print</a:t>
             </a:r>
             <a:r>
               <a:rPr lang="en-US" b="1" dirty="0">
-                <a:latin typeface="Inconsolata Medium" panose="020B0609030003000000" pitchFamily="49" charset="77"/>
+                <a:latin typeface="Inconsolata" panose="020B0609030003000000" pitchFamily="49" charset="77"/>
               </a:rPr>
               <a:t>(</a:t>
             </a:r>
@@ -11044,7 +11128,7 @@
                 <a:solidFill>
                   <a:srgbClr val="000087"/>
                 </a:solidFill>
-                <a:latin typeface="Inconsolata Medium" panose="020B0609030003000000" pitchFamily="49" charset="77"/>
+                <a:latin typeface="Inconsolata" panose="020B0609030003000000" pitchFamily="49" charset="77"/>
               </a:rPr>
               <a:t>x </a:t>
             </a:r>
@@ -11053,7 +11137,7 @@
                 <a:solidFill>
                   <a:srgbClr val="545454"/>
                 </a:solidFill>
-                <a:latin typeface="Inconsolata Medium" panose="020B0609030003000000" pitchFamily="49" charset="77"/>
+                <a:latin typeface="Inconsolata" panose="020B0609030003000000" pitchFamily="49" charset="77"/>
               </a:rPr>
               <a:t>== </a:t>
             </a:r>
@@ -11062,13 +11146,13 @@
                 <a:solidFill>
                   <a:srgbClr val="000087"/>
                 </a:solidFill>
-                <a:latin typeface="Inconsolata Medium" panose="020B0609030003000000" pitchFamily="49" charset="77"/>
+                <a:latin typeface="Inconsolata" panose="020B0609030003000000" pitchFamily="49" charset="77"/>
               </a:rPr>
               <a:t>y</a:t>
             </a:r>
             <a:r>
               <a:rPr lang="en-US" b="1" dirty="0">
-                <a:latin typeface="Inconsolata Medium" panose="020B0609030003000000" pitchFamily="49" charset="77"/>
+                <a:latin typeface="Inconsolata" panose="020B0609030003000000" pitchFamily="49" charset="77"/>
               </a:rPr>
               <a:t>) </a:t>
             </a:r>
@@ -11079,7 +11163,7 @@
             </a:pPr>
             <a:r>
               <a:rPr lang="en-US" b="1" dirty="0">
-                <a:latin typeface="Inconsolata Medium" panose="020B0609030003000000" pitchFamily="49" charset="77"/>
+                <a:latin typeface="Inconsolata" panose="020B0609030003000000" pitchFamily="49" charset="77"/>
               </a:rPr>
               <a:t>True </a:t>
             </a:r>
@@ -11093,13 +11177,13 @@
                 <a:solidFill>
                   <a:srgbClr val="000087"/>
                 </a:solidFill>
-                <a:latin typeface="Inconsolata Medium" panose="020B0609030003000000" pitchFamily="49" charset="77"/>
+                <a:latin typeface="Inconsolata" panose="020B0609030003000000" pitchFamily="49" charset="77"/>
               </a:rPr>
               <a:t>In </a:t>
             </a:r>
             <a:r>
               <a:rPr lang="en-US" b="1" dirty="0">
-                <a:latin typeface="Inconsolata Medium" panose="020B0609030003000000" pitchFamily="49" charset="77"/>
+                <a:latin typeface="Inconsolata" panose="020B0609030003000000" pitchFamily="49" charset="77"/>
               </a:rPr>
               <a:t>[</a:t>
             </a:r>
@@ -11108,13 +11192,13 @@
                 <a:solidFill>
                   <a:srgbClr val="FF6600"/>
                 </a:solidFill>
-                <a:latin typeface="Inconsolata Medium" panose="020B0609030003000000" pitchFamily="49" charset="77"/>
+                <a:latin typeface="Inconsolata" panose="020B0609030003000000" pitchFamily="49" charset="77"/>
               </a:rPr>
               <a:t>6</a:t>
             </a:r>
             <a:r>
               <a:rPr lang="en-US" b="1" dirty="0">
-                <a:latin typeface="Inconsolata Medium" panose="020B0609030003000000" pitchFamily="49" charset="77"/>
+                <a:latin typeface="Inconsolata" panose="020B0609030003000000" pitchFamily="49" charset="77"/>
               </a:rPr>
               <a:t>]: </a:t>
             </a:r>
@@ -11123,7 +11207,7 @@
                 <a:solidFill>
                   <a:srgbClr val="000087"/>
                 </a:solidFill>
-                <a:latin typeface="Inconsolata Medium" panose="020B0609030003000000" pitchFamily="49" charset="77"/>
+                <a:latin typeface="Inconsolata" panose="020B0609030003000000" pitchFamily="49" charset="77"/>
               </a:rPr>
               <a:t>x </a:t>
             </a:r>
@@ -11132,7 +11216,7 @@
                 <a:solidFill>
                   <a:srgbClr val="545454"/>
                 </a:solidFill>
-                <a:latin typeface="Inconsolata Medium" panose="020B0609030003000000" pitchFamily="49" charset="77"/>
+                <a:latin typeface="Inconsolata" panose="020B0609030003000000" pitchFamily="49" charset="77"/>
               </a:rPr>
               <a:t>= </a:t>
             </a:r>
@@ -11141,7 +11225,7 @@
                 <a:solidFill>
                   <a:srgbClr val="FF6600"/>
                 </a:solidFill>
-                <a:latin typeface="Inconsolata Medium" panose="020B0609030003000000" pitchFamily="49" charset="77"/>
+                <a:latin typeface="Inconsolata" panose="020B0609030003000000" pitchFamily="49" charset="77"/>
               </a:rPr>
               <a:t>1400000.00 </a:t>
             </a:r>
@@ -11155,7 +11239,7 @@
                 <a:solidFill>
                   <a:srgbClr val="FF6600"/>
                 </a:solidFill>
-                <a:latin typeface="Inconsolata Medium" panose="020B0609030003000000" pitchFamily="49" charset="77"/>
+                <a:latin typeface="Inconsolata" panose="020B0609030003000000" pitchFamily="49" charset="77"/>
               </a:rPr>
               <a:t>	   </a:t>
             </a:r>
@@ -11164,7 +11248,7 @@
                 <a:solidFill>
                   <a:srgbClr val="000087"/>
                 </a:solidFill>
-                <a:latin typeface="Inconsolata Medium" panose="020B0609030003000000" pitchFamily="49" charset="77"/>
+                <a:latin typeface="Inconsolata" panose="020B0609030003000000" pitchFamily="49" charset="77"/>
               </a:rPr>
               <a:t>y </a:t>
             </a:r>
@@ -11173,7 +11257,7 @@
                 <a:solidFill>
                   <a:srgbClr val="545454"/>
                 </a:solidFill>
-                <a:latin typeface="Inconsolata Medium" panose="020B0609030003000000" pitchFamily="49" charset="77"/>
+                <a:latin typeface="Inconsolata" panose="020B0609030003000000" pitchFamily="49" charset="77"/>
               </a:rPr>
               <a:t>= </a:t>
             </a:r>
@@ -11182,7 +11266,7 @@
                 <a:solidFill>
                   <a:srgbClr val="FF6600"/>
                 </a:solidFill>
-                <a:latin typeface="Inconsolata Medium" panose="020B0609030003000000" pitchFamily="49" charset="77"/>
+                <a:latin typeface="Inconsolata" panose="020B0609030003000000" pitchFamily="49" charset="77"/>
               </a:rPr>
               <a:t>1.4e6 </a:t>
             </a:r>
@@ -11196,7 +11280,7 @@
                 <a:solidFill>
                   <a:srgbClr val="FF6600"/>
                 </a:solidFill>
-                <a:latin typeface="Inconsolata Medium" panose="020B0609030003000000" pitchFamily="49" charset="77"/>
+                <a:latin typeface="Inconsolata" panose="020B0609030003000000" pitchFamily="49" charset="77"/>
               </a:rPr>
               <a:t>  	   </a:t>
             </a:r>
@@ -11205,13 +11289,13 @@
                 <a:solidFill>
                   <a:srgbClr val="006699"/>
                 </a:solidFill>
-                <a:latin typeface="Inconsolata Medium" panose="020B0609030003000000" pitchFamily="49" charset="77"/>
+                <a:latin typeface="Inconsolata" panose="020B0609030003000000" pitchFamily="49" charset="77"/>
               </a:rPr>
               <a:t>print</a:t>
             </a:r>
             <a:r>
               <a:rPr lang="en-US" b="1" dirty="0">
-                <a:latin typeface="Inconsolata Medium" panose="020B0609030003000000" pitchFamily="49" charset="77"/>
+                <a:latin typeface="Inconsolata" panose="020B0609030003000000" pitchFamily="49" charset="77"/>
               </a:rPr>
               <a:t>(</a:t>
             </a:r>
@@ -11220,7 +11304,7 @@
                 <a:solidFill>
                   <a:srgbClr val="000087"/>
                 </a:solidFill>
-                <a:latin typeface="Inconsolata Medium" panose="020B0609030003000000" pitchFamily="49" charset="77"/>
+                <a:latin typeface="Inconsolata" panose="020B0609030003000000" pitchFamily="49" charset="77"/>
               </a:rPr>
               <a:t>x </a:t>
             </a:r>
@@ -11229,7 +11313,7 @@
                 <a:solidFill>
                   <a:srgbClr val="545454"/>
                 </a:solidFill>
-                <a:latin typeface="Inconsolata Medium" panose="020B0609030003000000" pitchFamily="49" charset="77"/>
+                <a:latin typeface="Inconsolata" panose="020B0609030003000000" pitchFamily="49" charset="77"/>
               </a:rPr>
               <a:t>== </a:t>
             </a:r>
@@ -11238,13 +11322,13 @@
                 <a:solidFill>
                   <a:srgbClr val="000087"/>
                 </a:solidFill>
-                <a:latin typeface="Inconsolata Medium" panose="020B0609030003000000" pitchFamily="49" charset="77"/>
+                <a:latin typeface="Inconsolata" panose="020B0609030003000000" pitchFamily="49" charset="77"/>
               </a:rPr>
               <a:t>y</a:t>
             </a:r>
             <a:r>
               <a:rPr lang="en-US" b="1" dirty="0">
-                <a:latin typeface="Inconsolata Medium" panose="020B0609030003000000" pitchFamily="49" charset="77"/>
+                <a:latin typeface="Inconsolata" panose="020B0609030003000000" pitchFamily="49" charset="77"/>
               </a:rPr>
               <a:t>) </a:t>
             </a:r>
@@ -11255,7 +11339,7 @@
             </a:pPr>
             <a:r>
               <a:rPr lang="en-US" b="1" dirty="0">
-                <a:latin typeface="Inconsolata Medium" panose="020B0609030003000000" pitchFamily="49" charset="77"/>
+                <a:latin typeface="Inconsolata" panose="020B0609030003000000" pitchFamily="49" charset="77"/>
               </a:rPr>
               <a:t>True </a:t>
             </a:r>
@@ -12432,13 +12516,13 @@
                 <a:solidFill>
                   <a:srgbClr val="000087"/>
                 </a:solidFill>
-                <a:latin typeface="Inconsolata Medium" panose="020B0609030003000000" pitchFamily="49" charset="77"/>
+                <a:latin typeface="Inconsolata" panose="020B0609030003000000" pitchFamily="49" charset="77"/>
               </a:rPr>
               <a:t>In </a:t>
             </a:r>
             <a:r>
               <a:rPr lang="en-US" b="1" dirty="0">
-                <a:latin typeface="Inconsolata Medium" panose="020B0609030003000000" pitchFamily="49" charset="77"/>
+                <a:latin typeface="Inconsolata" panose="020B0609030003000000" pitchFamily="49" charset="77"/>
               </a:rPr>
               <a:t>[</a:t>
             </a:r>
@@ -12447,13 +12531,13 @@
                 <a:solidFill>
                   <a:srgbClr val="FF6600"/>
                 </a:solidFill>
-                <a:latin typeface="Inconsolata Medium" panose="020B0609030003000000" pitchFamily="49" charset="77"/>
+                <a:latin typeface="Inconsolata" panose="020B0609030003000000" pitchFamily="49" charset="77"/>
               </a:rPr>
               <a:t>8</a:t>
             </a:r>
             <a:r>
               <a:rPr lang="en-US" b="1" dirty="0">
-                <a:latin typeface="Inconsolata Medium" panose="020B0609030003000000" pitchFamily="49" charset="77"/>
+                <a:latin typeface="Inconsolata" panose="020B0609030003000000" pitchFamily="49" charset="77"/>
               </a:rPr>
               <a:t>]: </a:t>
             </a:r>
@@ -12462,7 +12546,7 @@
                 <a:solidFill>
                   <a:srgbClr val="FF6600"/>
                 </a:solidFill>
-                <a:latin typeface="Inconsolata Medium" panose="020B0609030003000000" pitchFamily="49" charset="77"/>
+                <a:latin typeface="Inconsolata" panose="020B0609030003000000" pitchFamily="49" charset="77"/>
               </a:rPr>
               <a:t>0.1 </a:t>
             </a:r>
@@ -12471,7 +12555,7 @@
                 <a:solidFill>
                   <a:srgbClr val="545454"/>
                 </a:solidFill>
-                <a:latin typeface="Inconsolata Medium" panose="020B0609030003000000" pitchFamily="49" charset="77"/>
+                <a:latin typeface="Inconsolata" panose="020B0609030003000000" pitchFamily="49" charset="77"/>
               </a:rPr>
               <a:t>+ </a:t>
             </a:r>
@@ -12480,7 +12564,7 @@
                 <a:solidFill>
                   <a:srgbClr val="FF6600"/>
                 </a:solidFill>
-                <a:latin typeface="Inconsolata Medium" panose="020B0609030003000000" pitchFamily="49" charset="77"/>
+                <a:latin typeface="Inconsolata" panose="020B0609030003000000" pitchFamily="49" charset="77"/>
               </a:rPr>
               <a:t>0.2 </a:t>
             </a:r>
@@ -12489,7 +12573,7 @@
                 <a:solidFill>
                   <a:srgbClr val="545454"/>
                 </a:solidFill>
-                <a:latin typeface="Inconsolata Medium" panose="020B0609030003000000" pitchFamily="49" charset="77"/>
+                <a:latin typeface="Inconsolata" panose="020B0609030003000000" pitchFamily="49" charset="77"/>
               </a:rPr>
               <a:t>== </a:t>
             </a:r>
@@ -12498,12 +12582,12 @@
                 <a:solidFill>
                   <a:srgbClr val="FF6600"/>
                 </a:solidFill>
-                <a:latin typeface="Inconsolata Medium" panose="020B0609030003000000" pitchFamily="49" charset="77"/>
+                <a:latin typeface="Inconsolata" panose="020B0609030003000000" pitchFamily="49" charset="77"/>
               </a:rPr>
               <a:t>0.3 </a:t>
             </a:r>
             <a:endParaRPr lang="en-US" b="1" dirty="0">
-              <a:latin typeface="Inconsolata Medium" panose="020B0609030003000000" pitchFamily="49" charset="77"/>
+              <a:latin typeface="Inconsolata" panose="020B0609030003000000" pitchFamily="49" charset="77"/>
             </a:endParaRPr>
           </a:p>
           <a:p>
@@ -12512,7 +12596,7 @@
             </a:pPr>
             <a:r>
               <a:rPr lang="en-US" b="1" dirty="0">
-                <a:latin typeface="Inconsolata Medium" panose="020B0609030003000000" pitchFamily="49" charset="77"/>
+                <a:latin typeface="Inconsolata" panose="020B0609030003000000" pitchFamily="49" charset="77"/>
               </a:rPr>
               <a:t>Out [8]: False </a:t>
             </a:r>
@@ -12532,13 +12616,13 @@
                 <a:solidFill>
                   <a:srgbClr val="000087"/>
                 </a:solidFill>
-                <a:latin typeface="Inconsolata Medium" panose="020B0609030003000000" pitchFamily="49" charset="77"/>
+                <a:latin typeface="Inconsolata" panose="020B0609030003000000" pitchFamily="49" charset="77"/>
               </a:rPr>
               <a:t>In </a:t>
             </a:r>
             <a:r>
               <a:rPr lang="en-US" b="1" dirty="0">
-                <a:latin typeface="Inconsolata Medium" panose="020B0609030003000000" pitchFamily="49" charset="77"/>
+                <a:latin typeface="Inconsolata" panose="020B0609030003000000" pitchFamily="49" charset="77"/>
               </a:rPr>
               <a:t>[</a:t>
             </a:r>
@@ -12547,13 +12631,13 @@
                 <a:solidFill>
                   <a:srgbClr val="FF6600"/>
                 </a:solidFill>
-                <a:latin typeface="Inconsolata Medium" panose="020B0609030003000000" pitchFamily="49" charset="77"/>
+                <a:latin typeface="Inconsolata" panose="020B0609030003000000" pitchFamily="49" charset="77"/>
               </a:rPr>
               <a:t>9</a:t>
             </a:r>
             <a:r>
               <a:rPr lang="en-US" b="1" dirty="0">
-                <a:latin typeface="Inconsolata Medium" panose="020B0609030003000000" pitchFamily="49" charset="77"/>
+                <a:latin typeface="Inconsolata" panose="020B0609030003000000" pitchFamily="49" charset="77"/>
               </a:rPr>
               <a:t>]: </a:t>
             </a:r>
@@ -12562,13 +12646,13 @@
                 <a:solidFill>
                   <a:srgbClr val="006699"/>
                 </a:solidFill>
-                <a:latin typeface="Inconsolata Medium" panose="020B0609030003000000" pitchFamily="49" charset="77"/>
+                <a:latin typeface="Inconsolata" panose="020B0609030003000000" pitchFamily="49" charset="77"/>
               </a:rPr>
               <a:t>print</a:t>
             </a:r>
             <a:r>
               <a:rPr lang="en-US" b="1" dirty="0">
-                <a:latin typeface="Inconsolata Medium" panose="020B0609030003000000" pitchFamily="49" charset="77"/>
+                <a:latin typeface="Inconsolata" panose="020B0609030003000000" pitchFamily="49" charset="77"/>
               </a:rPr>
               <a:t>(f</a:t>
             </a:r>
@@ -12577,13 +12661,13 @@
                 <a:solidFill>
                   <a:srgbClr val="CC3300"/>
                 </a:solidFill>
-                <a:latin typeface="Inconsolata Medium" panose="020B0609030003000000" pitchFamily="49" charset="77"/>
+                <a:latin typeface="Inconsolata" panose="020B0609030003000000" pitchFamily="49" charset="77"/>
               </a:rPr>
               <a:t>‘0.1 = {0.1:.17f}’</a:t>
             </a:r>
             <a:r>
               <a:rPr lang="en-US" b="1" dirty="0">
-                <a:latin typeface="Inconsolata Medium" panose="020B0609030003000000" pitchFamily="49" charset="77"/>
+                <a:latin typeface="Inconsolata" panose="020B0609030003000000" pitchFamily="49" charset="77"/>
               </a:rPr>
               <a:t>) </a:t>
             </a:r>
@@ -12592,12 +12676,12 @@
                 <a:solidFill>
                   <a:srgbClr val="33566B"/>
                 </a:solidFill>
-                <a:latin typeface="Inconsolata Medium" panose="020B0609030003000000" pitchFamily="49" charset="77"/>
+                <a:latin typeface="Inconsolata" panose="020B0609030003000000" pitchFamily="49" charset="77"/>
               </a:rPr>
               <a:t># this is an f-string</a:t>
             </a:r>
             <a:endParaRPr lang="en-US" b="1" dirty="0">
-              <a:latin typeface="Inconsolata Medium" panose="020B0609030003000000" pitchFamily="49" charset="77"/>
+              <a:latin typeface="Inconsolata" panose="020B0609030003000000" pitchFamily="49" charset="77"/>
             </a:endParaRPr>
           </a:p>
           <a:p>
@@ -12609,13 +12693,13 @@
                 <a:solidFill>
                   <a:srgbClr val="006699"/>
                 </a:solidFill>
-                <a:latin typeface="Inconsolata Medium" panose="020B0609030003000000" pitchFamily="49" charset="77"/>
+                <a:latin typeface="Inconsolata" panose="020B0609030003000000" pitchFamily="49" charset="77"/>
               </a:rPr>
               <a:t>	   print</a:t>
             </a:r>
             <a:r>
               <a:rPr lang="en-US" b="1" dirty="0">
-                <a:latin typeface="Inconsolata Medium" panose="020B0609030003000000" pitchFamily="49" charset="77"/>
+                <a:latin typeface="Inconsolata" panose="020B0609030003000000" pitchFamily="49" charset="77"/>
               </a:rPr>
               <a:t>(f</a:t>
             </a:r>
@@ -12624,13 +12708,13 @@
                 <a:solidFill>
                   <a:srgbClr val="CC3300"/>
                 </a:solidFill>
-                <a:latin typeface="Inconsolata Medium" panose="020B0609030003000000" pitchFamily="49" charset="77"/>
+                <a:latin typeface="Inconsolata" panose="020B0609030003000000" pitchFamily="49" charset="77"/>
               </a:rPr>
               <a:t>‘0.2 = {0.2:.17f}’</a:t>
             </a:r>
             <a:r>
               <a:rPr lang="en-US" b="1" dirty="0">
-                <a:latin typeface="Inconsolata Medium" panose="020B0609030003000000" pitchFamily="49" charset="77"/>
+                <a:latin typeface="Inconsolata" panose="020B0609030003000000" pitchFamily="49" charset="77"/>
               </a:rPr>
               <a:t>) </a:t>
             </a:r>
@@ -12639,12 +12723,12 @@
                 <a:solidFill>
                   <a:srgbClr val="33566B"/>
                 </a:solidFill>
-                <a:latin typeface="Inconsolata Medium" panose="020B0609030003000000" pitchFamily="49" charset="77"/>
+                <a:latin typeface="Inconsolata" panose="020B0609030003000000" pitchFamily="49" charset="77"/>
               </a:rPr>
               <a:t># prints 17 characters </a:t>
             </a:r>
             <a:endParaRPr lang="en-US" b="1" dirty="0">
-              <a:latin typeface="Inconsolata Medium" panose="020B0609030003000000" pitchFamily="49" charset="77"/>
+              <a:latin typeface="Inconsolata" panose="020B0609030003000000" pitchFamily="49" charset="77"/>
             </a:endParaRPr>
           </a:p>
           <a:p>
@@ -12656,13 +12740,13 @@
                 <a:solidFill>
                   <a:srgbClr val="006699"/>
                 </a:solidFill>
-                <a:latin typeface="Inconsolata Medium" panose="020B0609030003000000" pitchFamily="49" charset="77"/>
+                <a:latin typeface="Inconsolata" panose="020B0609030003000000" pitchFamily="49" charset="77"/>
               </a:rPr>
               <a:t>	   print</a:t>
             </a:r>
             <a:r>
               <a:rPr lang="en-US" b="1" dirty="0">
-                <a:latin typeface="Inconsolata Medium" panose="020B0609030003000000" pitchFamily="49" charset="77"/>
+                <a:latin typeface="Inconsolata" panose="020B0609030003000000" pitchFamily="49" charset="77"/>
               </a:rPr>
               <a:t>(f</a:t>
             </a:r>
@@ -12671,13 +12755,13 @@
                 <a:solidFill>
                   <a:srgbClr val="CC3300"/>
                 </a:solidFill>
-                <a:latin typeface="Inconsolata Medium" panose="020B0609030003000000" pitchFamily="49" charset="77"/>
+                <a:latin typeface="Inconsolata" panose="020B0609030003000000" pitchFamily="49" charset="77"/>
               </a:rPr>
               <a:t>‘0.3 = {0.3:.17f}’</a:t>
             </a:r>
             <a:r>
               <a:rPr lang="en-US" b="1" dirty="0">
-                <a:latin typeface="Inconsolata Medium" panose="020B0609030003000000" pitchFamily="49" charset="77"/>
+                <a:latin typeface="Inconsolata" panose="020B0609030003000000" pitchFamily="49" charset="77"/>
               </a:rPr>
               <a:t>) </a:t>
             </a:r>
@@ -12686,12 +12770,12 @@
                 <a:solidFill>
                   <a:srgbClr val="33566B"/>
                 </a:solidFill>
-                <a:latin typeface="Inconsolata Medium" panose="020B0609030003000000" pitchFamily="49" charset="77"/>
+                <a:latin typeface="Inconsolata" panose="020B0609030003000000" pitchFamily="49" charset="77"/>
               </a:rPr>
               <a:t># after decimal point</a:t>
             </a:r>
             <a:endParaRPr lang="en-US" b="1" dirty="0">
-              <a:latin typeface="Inconsolata Medium" panose="020B0609030003000000" pitchFamily="49" charset="77"/>
+              <a:latin typeface="Inconsolata" panose="020B0609030003000000" pitchFamily="49" charset="77"/>
             </a:endParaRPr>
           </a:p>
           <a:p>
@@ -12700,7 +12784,7 @@
             </a:pPr>
             <a:r>
               <a:rPr lang="en-US" b="1" dirty="0">
-                <a:latin typeface="Inconsolata Medium" panose="020B0609030003000000" pitchFamily="49" charset="77"/>
+                <a:latin typeface="Inconsolata" panose="020B0609030003000000" pitchFamily="49" charset="77"/>
               </a:rPr>
               <a:t>0.1 = 0.10000000000000001 </a:t>
             </a:r>
@@ -12711,7 +12795,7 @@
             </a:pPr>
             <a:r>
               <a:rPr lang="en-US" b="1" dirty="0">
-                <a:latin typeface="Inconsolata Medium" panose="020B0609030003000000" pitchFamily="49" charset="77"/>
+                <a:latin typeface="Inconsolata" panose="020B0609030003000000" pitchFamily="49" charset="77"/>
               </a:rPr>
               <a:t>0.2 = 0.20000000000000001    </a:t>
             </a:r>
@@ -12722,7 +12806,7 @@
             </a:pPr>
             <a:r>
               <a:rPr lang="en-US" b="1" dirty="0">
-                <a:latin typeface="Inconsolata Medium" panose="020B0609030003000000" pitchFamily="49" charset="77"/>
+                <a:latin typeface="Inconsolata" panose="020B0609030003000000" pitchFamily="49" charset="77"/>
               </a:rPr>
               <a:t>0.3 = 0.29999999999999999 </a:t>
             </a:r>
@@ -13275,7 +13359,7 @@
               <a:solidFill>
                 <a:srgbClr val="000087"/>
               </a:solidFill>
-              <a:latin typeface="Inconsolata Medium" panose="020B0609030003000000" pitchFamily="49" charset="77"/>
+              <a:latin typeface="Inconsolata" panose="020B0609030003000000" pitchFamily="49" charset="77"/>
             </a:endParaRPr>
           </a:p>
           <a:p>
@@ -13287,13 +13371,13 @@
                 <a:solidFill>
                   <a:srgbClr val="000087"/>
                 </a:solidFill>
-                <a:latin typeface="Inconsolata Medium" panose="020B0609030003000000" pitchFamily="49" charset="77"/>
+                <a:latin typeface="Inconsolata" panose="020B0609030003000000" pitchFamily="49" charset="77"/>
               </a:rPr>
               <a:t>In</a:t>
             </a:r>
             <a:r>
               <a:rPr lang="en-US" sz="2000" b="1" dirty="0">
-                <a:latin typeface="Inconsolata Medium" panose="020B0609030003000000" pitchFamily="49" charset="77"/>
+                <a:latin typeface="Inconsolata" panose="020B0609030003000000" pitchFamily="49" charset="77"/>
               </a:rPr>
               <a:t>[</a:t>
             </a:r>
@@ -13302,13 +13386,13 @@
                 <a:solidFill>
                   <a:srgbClr val="FF6600"/>
                 </a:solidFill>
-                <a:latin typeface="Inconsolata Medium" panose="020B0609030003000000" pitchFamily="49" charset="77"/>
+                <a:latin typeface="Inconsolata" panose="020B0609030003000000" pitchFamily="49" charset="77"/>
               </a:rPr>
               <a:t>3</a:t>
             </a:r>
             <a:r>
               <a:rPr lang="en-US" sz="2000" b="1" dirty="0">
-                <a:latin typeface="Inconsolata Medium" panose="020B0609030003000000" pitchFamily="49" charset="77"/>
+                <a:latin typeface="Inconsolata" panose="020B0609030003000000" pitchFamily="49" charset="77"/>
               </a:rPr>
               <a:t>]: </a:t>
             </a:r>
@@ -13317,7 +13401,7 @@
                 <a:solidFill>
                   <a:srgbClr val="000000"/>
                 </a:solidFill>
-                <a:latin typeface="Inconsolata Medium" panose="020B0609030003000000" pitchFamily="49" charset="77"/>
+                <a:latin typeface="Inconsolata" panose="020B0609030003000000" pitchFamily="49" charset="77"/>
               </a:rPr>
               <a:t>x = </a:t>
             </a:r>
@@ -13326,7 +13410,7 @@
                 <a:solidFill>
                   <a:srgbClr val="0000CD"/>
                 </a:solidFill>
-                <a:latin typeface="Inconsolata Medium" panose="020B0609030003000000" pitchFamily="49" charset="77"/>
+                <a:latin typeface="Inconsolata" panose="020B0609030003000000" pitchFamily="49" charset="77"/>
               </a:rPr>
               <a:t>int</a:t>
             </a:r>
@@ -13335,7 +13419,7 @@
                 <a:solidFill>
                   <a:srgbClr val="000000"/>
                 </a:solidFill>
-                <a:latin typeface="Inconsolata Medium" panose="020B0609030003000000" pitchFamily="49" charset="77"/>
+                <a:latin typeface="Inconsolata" panose="020B0609030003000000" pitchFamily="49" charset="77"/>
               </a:rPr>
               <a:t>(</a:t>
             </a:r>
@@ -13344,7 +13428,7 @@
                 <a:solidFill>
                   <a:srgbClr val="FF0000"/>
                 </a:solidFill>
-                <a:latin typeface="Inconsolata Medium" panose="020B0609030003000000" pitchFamily="49" charset="77"/>
+                <a:latin typeface="Inconsolata" panose="020B0609030003000000" pitchFamily="49" charset="77"/>
               </a:rPr>
               <a:t>1</a:t>
             </a:r>
@@ -13353,7 +13437,7 @@
                 <a:solidFill>
                   <a:srgbClr val="000000"/>
                 </a:solidFill>
-                <a:latin typeface="Inconsolata Medium" panose="020B0609030003000000" pitchFamily="49" charset="77"/>
+                <a:latin typeface="Inconsolata" panose="020B0609030003000000" pitchFamily="49" charset="77"/>
               </a:rPr>
               <a:t>)   </a:t>
             </a:r>
@@ -13362,7 +13446,7 @@
                 <a:solidFill>
                   <a:srgbClr val="008000"/>
                 </a:solidFill>
-                <a:latin typeface="Inconsolata Medium" panose="020B0609030003000000" pitchFamily="49" charset="77"/>
+                <a:latin typeface="Inconsolata" panose="020B0609030003000000" pitchFamily="49" charset="77"/>
               </a:rPr>
               <a:t># x will be 1</a:t>
             </a:r>
@@ -13375,7 +13459,7 @@
               <a:solidFill>
                 <a:srgbClr val="008000"/>
               </a:solidFill>
-              <a:latin typeface="Inconsolata Medium" panose="020B0609030003000000" pitchFamily="49" charset="77"/>
+              <a:latin typeface="Inconsolata" panose="020B0609030003000000" pitchFamily="49" charset="77"/>
             </a:endParaRPr>
           </a:p>
           <a:p>
@@ -13387,7 +13471,7 @@
                 <a:solidFill>
                   <a:srgbClr val="008000"/>
                 </a:solidFill>
-                <a:latin typeface="Inconsolata Medium" panose="020B0609030003000000" pitchFamily="49" charset="77"/>
+                <a:latin typeface="Inconsolata" panose="020B0609030003000000" pitchFamily="49" charset="77"/>
               </a:rPr>
               <a:t>       </a:t>
             </a:r>
@@ -13396,7 +13480,7 @@
                 <a:solidFill>
                   <a:srgbClr val="000000"/>
                 </a:solidFill>
-                <a:latin typeface="Inconsolata Medium" panose="020B0609030003000000" pitchFamily="49" charset="77"/>
+                <a:latin typeface="Inconsolata" panose="020B0609030003000000" pitchFamily="49" charset="77"/>
               </a:rPr>
               <a:t>y = </a:t>
             </a:r>
@@ -13405,7 +13489,7 @@
                 <a:solidFill>
                   <a:srgbClr val="0000CD"/>
                 </a:solidFill>
-                <a:latin typeface="Inconsolata Medium" panose="020B0609030003000000" pitchFamily="49" charset="77"/>
+                <a:latin typeface="Inconsolata" panose="020B0609030003000000" pitchFamily="49" charset="77"/>
               </a:rPr>
               <a:t>int</a:t>
             </a:r>
@@ -13414,7 +13498,7 @@
                 <a:solidFill>
                   <a:srgbClr val="000000"/>
                 </a:solidFill>
-                <a:latin typeface="Inconsolata Medium" panose="020B0609030003000000" pitchFamily="49" charset="77"/>
+                <a:latin typeface="Inconsolata" panose="020B0609030003000000" pitchFamily="49" charset="77"/>
               </a:rPr>
               <a:t>(</a:t>
             </a:r>
@@ -13423,7 +13507,7 @@
                 <a:solidFill>
                   <a:srgbClr val="FF0000"/>
                 </a:solidFill>
-                <a:latin typeface="Inconsolata Medium" panose="020B0609030003000000" pitchFamily="49" charset="77"/>
+                <a:latin typeface="Inconsolata" panose="020B0609030003000000" pitchFamily="49" charset="77"/>
               </a:rPr>
               <a:t>2.8</a:t>
             </a:r>
@@ -13432,7 +13516,7 @@
                 <a:solidFill>
                   <a:srgbClr val="000000"/>
                 </a:solidFill>
-                <a:latin typeface="Inconsolata Medium" panose="020B0609030003000000" pitchFamily="49" charset="77"/>
+                <a:latin typeface="Inconsolata" panose="020B0609030003000000" pitchFamily="49" charset="77"/>
               </a:rPr>
               <a:t>) </a:t>
             </a:r>
@@ -13441,7 +13525,7 @@
                 <a:solidFill>
                   <a:srgbClr val="008000"/>
                 </a:solidFill>
-                <a:latin typeface="Inconsolata Medium" panose="020B0609030003000000" pitchFamily="49" charset="77"/>
+                <a:latin typeface="Inconsolata" panose="020B0609030003000000" pitchFamily="49" charset="77"/>
               </a:rPr>
               <a:t># y will be 2</a:t>
             </a:r>
@@ -13455,7 +13539,7 @@
                 <a:solidFill>
                   <a:srgbClr val="008000"/>
                 </a:solidFill>
-                <a:latin typeface="Inconsolata Medium" panose="020B0609030003000000" pitchFamily="49" charset="77"/>
+                <a:latin typeface="Inconsolata" panose="020B0609030003000000" pitchFamily="49" charset="77"/>
               </a:rPr>
             </a:br>
             <a:r>
@@ -13463,7 +13547,7 @@
                 <a:solidFill>
                   <a:srgbClr val="008000"/>
                 </a:solidFill>
-                <a:latin typeface="Inconsolata Medium" panose="020B0609030003000000" pitchFamily="49" charset="77"/>
+                <a:latin typeface="Inconsolata" panose="020B0609030003000000" pitchFamily="49" charset="77"/>
               </a:rPr>
               <a:t>       </a:t>
             </a:r>
@@ -13472,7 +13556,7 @@
                 <a:solidFill>
                   <a:srgbClr val="000000"/>
                 </a:solidFill>
-                <a:latin typeface="Inconsolata Medium" panose="020B0609030003000000" pitchFamily="49" charset="77"/>
+                <a:latin typeface="Inconsolata" panose="020B0609030003000000" pitchFamily="49" charset="77"/>
               </a:rPr>
               <a:t>z = </a:t>
             </a:r>
@@ -13481,7 +13565,7 @@
                 <a:solidFill>
                   <a:srgbClr val="0000CD"/>
                 </a:solidFill>
-                <a:latin typeface="Inconsolata Medium" panose="020B0609030003000000" pitchFamily="49" charset="77"/>
+                <a:latin typeface="Inconsolata" panose="020B0609030003000000" pitchFamily="49" charset="77"/>
               </a:rPr>
               <a:t>int</a:t>
             </a:r>
@@ -13490,7 +13574,7 @@
                 <a:solidFill>
                   <a:srgbClr val="000000"/>
                 </a:solidFill>
-                <a:latin typeface="Inconsolata Medium" panose="020B0609030003000000" pitchFamily="49" charset="77"/>
+                <a:latin typeface="Inconsolata" panose="020B0609030003000000" pitchFamily="49" charset="77"/>
               </a:rPr>
               <a:t>(</a:t>
             </a:r>
@@ -13499,7 +13583,7 @@
                 <a:solidFill>
                   <a:srgbClr val="A52A2A"/>
                 </a:solidFill>
-                <a:latin typeface="Inconsolata Medium" panose="020B0609030003000000" pitchFamily="49" charset="77"/>
+                <a:latin typeface="Inconsolata" panose="020B0609030003000000" pitchFamily="49" charset="77"/>
               </a:rPr>
               <a:t>‘3’</a:t>
             </a:r>
@@ -13508,7 +13592,7 @@
                 <a:solidFill>
                   <a:srgbClr val="000000"/>
                 </a:solidFill>
-                <a:latin typeface="Inconsolata Medium" panose="020B0609030003000000" pitchFamily="49" charset="77"/>
+                <a:latin typeface="Inconsolata" panose="020B0609030003000000" pitchFamily="49" charset="77"/>
               </a:rPr>
               <a:t>) </a:t>
             </a:r>
@@ -13517,7 +13601,7 @@
                 <a:solidFill>
                   <a:srgbClr val="008000"/>
                 </a:solidFill>
-                <a:latin typeface="Inconsolata Medium" panose="020B0609030003000000" pitchFamily="49" charset="77"/>
+                <a:latin typeface="Inconsolata" panose="020B0609030003000000" pitchFamily="49" charset="77"/>
               </a:rPr>
               <a:t># z will be 3</a:t>
             </a:r>
@@ -13531,7 +13615,7 @@
                 <a:solidFill>
                   <a:srgbClr val="008000"/>
                 </a:solidFill>
-                <a:latin typeface="Inconsolata Medium" panose="020B0609030003000000" pitchFamily="49" charset="77"/>
+                <a:latin typeface="Inconsolata" panose="020B0609030003000000" pitchFamily="49" charset="77"/>
               </a:rPr>
             </a:br>
             <a:r>
@@ -13539,7 +13623,7 @@
                 <a:solidFill>
                   <a:srgbClr val="008000"/>
                 </a:solidFill>
-                <a:latin typeface="Inconsolata Medium" panose="020B0609030003000000" pitchFamily="49" charset="77"/>
+                <a:latin typeface="Inconsolata" panose="020B0609030003000000" pitchFamily="49" charset="77"/>
               </a:rPr>
               <a:t>       </a:t>
             </a:r>
@@ -13548,7 +13632,7 @@
                 <a:solidFill>
                   <a:srgbClr val="000000"/>
                 </a:solidFill>
-                <a:latin typeface="Inconsolata Medium" panose="020B0609030003000000" pitchFamily="49" charset="77"/>
+                <a:latin typeface="Inconsolata" panose="020B0609030003000000" pitchFamily="49" charset="77"/>
               </a:rPr>
               <a:t>a = </a:t>
             </a:r>
@@ -13557,7 +13641,7 @@
                 <a:solidFill>
                   <a:srgbClr val="0000CD"/>
                 </a:solidFill>
-                <a:latin typeface="Inconsolata Medium" panose="020B0609030003000000" pitchFamily="49" charset="77"/>
+                <a:latin typeface="Inconsolata" panose="020B0609030003000000" pitchFamily="49" charset="77"/>
               </a:rPr>
               <a:t>float</a:t>
             </a:r>
@@ -13566,7 +13650,7 @@
                 <a:solidFill>
                   <a:srgbClr val="000000"/>
                 </a:solidFill>
-                <a:latin typeface="Inconsolata Medium" panose="020B0609030003000000" pitchFamily="49" charset="77"/>
+                <a:latin typeface="Inconsolata" panose="020B0609030003000000" pitchFamily="49" charset="77"/>
               </a:rPr>
               <a:t>(</a:t>
             </a:r>
@@ -13575,7 +13659,7 @@
                 <a:solidFill>
                   <a:srgbClr val="FF0000"/>
                 </a:solidFill>
-                <a:latin typeface="Inconsolata Medium" panose="020B0609030003000000" pitchFamily="49" charset="77"/>
+                <a:latin typeface="Inconsolata" panose="020B0609030003000000" pitchFamily="49" charset="77"/>
               </a:rPr>
               <a:t>2.8</a:t>
             </a:r>
@@ -13584,7 +13668,7 @@
                 <a:solidFill>
                   <a:srgbClr val="000000"/>
                 </a:solidFill>
-                <a:latin typeface="Inconsolata Medium" panose="020B0609030003000000" pitchFamily="49" charset="77"/>
+                <a:latin typeface="Inconsolata" panose="020B0609030003000000" pitchFamily="49" charset="77"/>
               </a:rPr>
               <a:t>)   </a:t>
             </a:r>
@@ -13593,7 +13677,7 @@
                 <a:solidFill>
                   <a:srgbClr val="008000"/>
                 </a:solidFill>
-                <a:latin typeface="Inconsolata Medium" panose="020B0609030003000000" pitchFamily="49" charset="77"/>
+                <a:latin typeface="Inconsolata" panose="020B0609030003000000" pitchFamily="49" charset="77"/>
               </a:rPr>
               <a:t># a will be 2.8</a:t>
             </a:r>
@@ -13607,7 +13691,7 @@
                 <a:solidFill>
                   <a:srgbClr val="008000"/>
                 </a:solidFill>
-                <a:latin typeface="Inconsolata Medium" panose="020B0609030003000000" pitchFamily="49" charset="77"/>
+                <a:latin typeface="Inconsolata" panose="020B0609030003000000" pitchFamily="49" charset="77"/>
               </a:rPr>
             </a:br>
             <a:r>
@@ -13615,7 +13699,7 @@
                 <a:solidFill>
                   <a:srgbClr val="008000"/>
                 </a:solidFill>
-                <a:latin typeface="Inconsolata Medium" panose="020B0609030003000000" pitchFamily="49" charset="77"/>
+                <a:latin typeface="Inconsolata" panose="020B0609030003000000" pitchFamily="49" charset="77"/>
               </a:rPr>
               <a:t>       </a:t>
             </a:r>
@@ -13624,7 +13708,7 @@
                 <a:solidFill>
                   <a:srgbClr val="000000"/>
                 </a:solidFill>
-                <a:latin typeface="Inconsolata Medium" panose="020B0609030003000000" pitchFamily="49" charset="77"/>
+                <a:latin typeface="Inconsolata" panose="020B0609030003000000" pitchFamily="49" charset="77"/>
               </a:rPr>
               <a:t>b = </a:t>
             </a:r>
@@ -13633,7 +13717,7 @@
                 <a:solidFill>
                   <a:srgbClr val="0000CD"/>
                 </a:solidFill>
-                <a:latin typeface="Inconsolata Medium" panose="020B0609030003000000" pitchFamily="49" charset="77"/>
+                <a:latin typeface="Inconsolata" panose="020B0609030003000000" pitchFamily="49" charset="77"/>
               </a:rPr>
               <a:t>float</a:t>
             </a:r>
@@ -13642,7 +13726,7 @@
                 <a:solidFill>
                   <a:srgbClr val="000000"/>
                 </a:solidFill>
-                <a:latin typeface="Inconsolata Medium" panose="020B0609030003000000" pitchFamily="49" charset="77"/>
+                <a:latin typeface="Inconsolata" panose="020B0609030003000000" pitchFamily="49" charset="77"/>
               </a:rPr>
               <a:t>(</a:t>
             </a:r>
@@ -13651,7 +13735,7 @@
                 <a:solidFill>
                   <a:srgbClr val="A52A2A"/>
                 </a:solidFill>
-                <a:latin typeface="Inconsolata Medium" panose="020B0609030003000000" pitchFamily="49" charset="77"/>
+                <a:latin typeface="Inconsolata" panose="020B0609030003000000" pitchFamily="49" charset="77"/>
               </a:rPr>
               <a:t>“3”</a:t>
             </a:r>
@@ -13660,7 +13744,7 @@
                 <a:solidFill>
                   <a:srgbClr val="000000"/>
                 </a:solidFill>
-                <a:latin typeface="Inconsolata Medium" panose="020B0609030003000000" pitchFamily="49" charset="77"/>
+                <a:latin typeface="Inconsolata" panose="020B0609030003000000" pitchFamily="49" charset="77"/>
               </a:rPr>
               <a:t>)   </a:t>
             </a:r>
@@ -13669,7 +13753,7 @@
                 <a:solidFill>
                   <a:srgbClr val="008000"/>
                 </a:solidFill>
-                <a:latin typeface="Inconsolata Medium" panose="020B0609030003000000" pitchFamily="49" charset="77"/>
+                <a:latin typeface="Inconsolata" panose="020B0609030003000000" pitchFamily="49" charset="77"/>
               </a:rPr>
               <a:t># b will be 3.0</a:t>
             </a:r>
@@ -13683,7 +13767,7 @@
                 <a:solidFill>
                   <a:srgbClr val="008000"/>
                 </a:solidFill>
-                <a:latin typeface="Inconsolata Medium" panose="020B0609030003000000" pitchFamily="49" charset="77"/>
+                <a:latin typeface="Inconsolata" panose="020B0609030003000000" pitchFamily="49" charset="77"/>
               </a:rPr>
             </a:br>
             <a:r>
@@ -13691,7 +13775,7 @@
                 <a:solidFill>
                   <a:srgbClr val="008000"/>
                 </a:solidFill>
-                <a:latin typeface="Inconsolata Medium" panose="020B0609030003000000" pitchFamily="49" charset="77"/>
+                <a:latin typeface="Inconsolata" panose="020B0609030003000000" pitchFamily="49" charset="77"/>
               </a:rPr>
               <a:t>       </a:t>
             </a:r>
@@ -13700,7 +13784,7 @@
                 <a:solidFill>
                   <a:srgbClr val="000000"/>
                 </a:solidFill>
-                <a:latin typeface="Inconsolata Medium" panose="020B0609030003000000" pitchFamily="49" charset="77"/>
+                <a:latin typeface="Inconsolata" panose="020B0609030003000000" pitchFamily="49" charset="77"/>
               </a:rPr>
               <a:t>c = </a:t>
             </a:r>
@@ -13709,7 +13793,7 @@
                 <a:solidFill>
                   <a:srgbClr val="0000CD"/>
                 </a:solidFill>
-                <a:latin typeface="Inconsolata Medium" panose="020B0609030003000000" pitchFamily="49" charset="77"/>
+                <a:latin typeface="Inconsolata" panose="020B0609030003000000" pitchFamily="49" charset="77"/>
               </a:rPr>
               <a:t>float</a:t>
             </a:r>
@@ -13718,7 +13802,7 @@
                 <a:solidFill>
                   <a:srgbClr val="000000"/>
                 </a:solidFill>
-                <a:latin typeface="Inconsolata Medium" panose="020B0609030003000000" pitchFamily="49" charset="77"/>
+                <a:latin typeface="Inconsolata" panose="020B0609030003000000" pitchFamily="49" charset="77"/>
               </a:rPr>
               <a:t>(</a:t>
             </a:r>
@@ -13727,7 +13811,7 @@
                 <a:solidFill>
                   <a:srgbClr val="A52A2A"/>
                 </a:solidFill>
-                <a:latin typeface="Inconsolata Medium" panose="020B0609030003000000" pitchFamily="49" charset="77"/>
+                <a:latin typeface="Inconsolata" panose="020B0609030003000000" pitchFamily="49" charset="77"/>
               </a:rPr>
               <a:t>‘4.2’</a:t>
             </a:r>
@@ -13736,7 +13820,7 @@
                 <a:solidFill>
                   <a:srgbClr val="000000"/>
                 </a:solidFill>
-                <a:latin typeface="Inconsolata Medium" panose="020B0609030003000000" pitchFamily="49" charset="77"/>
+                <a:latin typeface="Inconsolata" panose="020B0609030003000000" pitchFamily="49" charset="77"/>
               </a:rPr>
               <a:t>) </a:t>
             </a:r>
@@ -13745,12 +13829,12 @@
                 <a:solidFill>
                   <a:srgbClr val="008000"/>
                 </a:solidFill>
-                <a:latin typeface="Inconsolata Medium" panose="020B0609030003000000" pitchFamily="49" charset="77"/>
+                <a:latin typeface="Inconsolata" panose="020B0609030003000000" pitchFamily="49" charset="77"/>
               </a:rPr>
               <a:t># c will be 4.2</a:t>
             </a:r>
             <a:endParaRPr lang="en-US" sz="2000" b="1" dirty="0">
-              <a:latin typeface="Inconsolata Medium" panose="020B0609030003000000" pitchFamily="49" charset="77"/>
+              <a:latin typeface="Inconsolata" panose="020B0609030003000000" pitchFamily="49" charset="77"/>
             </a:endParaRPr>
           </a:p>
         </p:txBody>
@@ -14254,7 +14338,7 @@
               <a:buNone/>
             </a:pPr>
             <a:endParaRPr lang="en-US" sz="1900" b="1" dirty="0">
-              <a:latin typeface="Inconsolata Medium" panose="020B0609030003000000" pitchFamily="49" charset="77"/>
+              <a:latin typeface="Inconsolata" panose="020B0609030003000000" pitchFamily="49" charset="77"/>
             </a:endParaRPr>
           </a:p>
         </p:txBody>
@@ -14292,13 +14376,13 @@
                 <a:solidFill>
                   <a:srgbClr val="000087"/>
                 </a:solidFill>
-                <a:latin typeface="Inconsolata Medium" panose="020B0609030003000000" pitchFamily="49" charset="77"/>
+                <a:latin typeface="Inconsolata" panose="020B0609030003000000" pitchFamily="49" charset="77"/>
               </a:rPr>
               <a:t>In </a:t>
             </a:r>
             <a:r>
               <a:rPr lang="en-US" sz="2100" b="1" dirty="0">
-                <a:latin typeface="Inconsolata Medium" panose="020B0609030003000000" pitchFamily="49" charset="77"/>
+                <a:latin typeface="Inconsolata" panose="020B0609030003000000" pitchFamily="49" charset="77"/>
               </a:rPr>
               <a:t>[</a:t>
             </a:r>
@@ -14307,13 +14391,13 @@
                 <a:solidFill>
                   <a:srgbClr val="FF6600"/>
                 </a:solidFill>
-                <a:latin typeface="Inconsolata Medium" panose="020B0609030003000000" pitchFamily="49" charset="77"/>
+                <a:latin typeface="Inconsolata" panose="020B0609030003000000" pitchFamily="49" charset="77"/>
               </a:rPr>
               <a:t>2</a:t>
             </a:r>
             <a:r>
               <a:rPr lang="en-US" sz="2100" b="1" dirty="0">
-                <a:latin typeface="Inconsolata Medium" panose="020B0609030003000000" pitchFamily="49" charset="77"/>
+                <a:latin typeface="Inconsolata" panose="020B0609030003000000" pitchFamily="49" charset="77"/>
               </a:rPr>
               <a:t>]: </a:t>
             </a:r>
@@ -14322,7 +14406,7 @@
                 <a:solidFill>
                   <a:srgbClr val="000087"/>
                 </a:solidFill>
-                <a:latin typeface="Inconsolata Medium" panose="020B0609030003000000" pitchFamily="49" charset="77"/>
+                <a:latin typeface="Inconsolata" panose="020B0609030003000000" pitchFamily="49" charset="77"/>
               </a:rPr>
               <a:t>result </a:t>
             </a:r>
@@ -14331,13 +14415,13 @@
                 <a:solidFill>
                   <a:srgbClr val="545454"/>
                 </a:solidFill>
-                <a:latin typeface="Inconsolata Medium" panose="020B0609030003000000" pitchFamily="49" charset="77"/>
+                <a:latin typeface="Inconsolata" panose="020B0609030003000000" pitchFamily="49" charset="77"/>
               </a:rPr>
               <a:t>= </a:t>
             </a:r>
             <a:r>
               <a:rPr lang="en-US" sz="2100" b="1" dirty="0">
-                <a:latin typeface="Inconsolata Medium" panose="020B0609030003000000" pitchFamily="49" charset="77"/>
+                <a:latin typeface="Inconsolata" panose="020B0609030003000000" pitchFamily="49" charset="77"/>
               </a:rPr>
               <a:t>(</a:t>
             </a:r>
@@ -14346,7 +14430,7 @@
                 <a:solidFill>
                   <a:srgbClr val="FF6600"/>
                 </a:solidFill>
-                <a:latin typeface="Inconsolata Medium" panose="020B0609030003000000" pitchFamily="49" charset="77"/>
+                <a:latin typeface="Inconsolata" panose="020B0609030003000000" pitchFamily="49" charset="77"/>
               </a:rPr>
               <a:t>4 </a:t>
             </a:r>
@@ -14355,7 +14439,7 @@
                 <a:solidFill>
                   <a:srgbClr val="545454"/>
                 </a:solidFill>
-                <a:latin typeface="Inconsolata Medium" panose="020B0609030003000000" pitchFamily="49" charset="77"/>
+                <a:latin typeface="Inconsolata" panose="020B0609030003000000" pitchFamily="49" charset="77"/>
               </a:rPr>
               <a:t>&lt; </a:t>
             </a:r>
@@ -14364,13 +14448,13 @@
                 <a:solidFill>
                   <a:srgbClr val="FF6600"/>
                 </a:solidFill>
-                <a:latin typeface="Inconsolata Medium" panose="020B0609030003000000" pitchFamily="49" charset="77"/>
+                <a:latin typeface="Inconsolata" panose="020B0609030003000000" pitchFamily="49" charset="77"/>
               </a:rPr>
               <a:t>5</a:t>
             </a:r>
             <a:r>
               <a:rPr lang="en-US" sz="2100" b="1" dirty="0">
-                <a:latin typeface="Inconsolata Medium" panose="020B0609030003000000" pitchFamily="49" charset="77"/>
+                <a:latin typeface="Inconsolata" panose="020B0609030003000000" pitchFamily="49" charset="77"/>
               </a:rPr>
               <a:t>)</a:t>
             </a:r>
@@ -14381,7 +14465,7 @@
                 <a:solidFill>
                   <a:srgbClr val="000087"/>
                 </a:solidFill>
-                <a:latin typeface="Inconsolata Medium" panose="020B0609030003000000" pitchFamily="49" charset="77"/>
+                <a:latin typeface="Inconsolata" panose="020B0609030003000000" pitchFamily="49" charset="77"/>
               </a:rPr>
               <a:t>        result </a:t>
             </a:r>
@@ -14389,7 +14473,7 @@
           <a:p>
             <a:r>
               <a:rPr lang="en-US" sz="2100" b="1" dirty="0">
-                <a:latin typeface="Inconsolata Medium" panose="020B0609030003000000" pitchFamily="49" charset="77"/>
+                <a:latin typeface="Inconsolata" panose="020B0609030003000000" pitchFamily="49" charset="77"/>
               </a:rPr>
               <a:t>Out[2]: True </a:t>
             </a:r>
@@ -14399,7 +14483,7 @@
               <a:solidFill>
                 <a:srgbClr val="000087"/>
               </a:solidFill>
-              <a:latin typeface="Inconsolata Medium" panose="020B0609030003000000" pitchFamily="49" charset="77"/>
+              <a:latin typeface="Inconsolata" panose="020B0609030003000000" pitchFamily="49" charset="77"/>
             </a:endParaRPr>
           </a:p>
           <a:p>
@@ -14408,13 +14492,13 @@
                 <a:solidFill>
                   <a:srgbClr val="000087"/>
                 </a:solidFill>
-                <a:latin typeface="Inconsolata Medium" panose="020B0609030003000000" pitchFamily="49" charset="77"/>
+                <a:latin typeface="Inconsolata" panose="020B0609030003000000" pitchFamily="49" charset="77"/>
               </a:rPr>
               <a:t>In</a:t>
             </a:r>
             <a:r>
               <a:rPr lang="en-US" sz="2100" b="1" dirty="0">
-                <a:latin typeface="Inconsolata Medium" panose="020B0609030003000000" pitchFamily="49" charset="77"/>
+                <a:latin typeface="Inconsolata" panose="020B0609030003000000" pitchFamily="49" charset="77"/>
               </a:rPr>
               <a:t>[</a:t>
             </a:r>
@@ -14423,13 +14507,13 @@
                 <a:solidFill>
                   <a:srgbClr val="FF6600"/>
                 </a:solidFill>
-                <a:latin typeface="Inconsolata Medium" panose="020B0609030003000000" pitchFamily="49" charset="77"/>
+                <a:latin typeface="Inconsolata" panose="020B0609030003000000" pitchFamily="49" charset="77"/>
               </a:rPr>
               <a:t>3</a:t>
             </a:r>
             <a:r>
               <a:rPr lang="en-US" sz="2100" b="1" dirty="0">
-                <a:latin typeface="Inconsolata Medium" panose="020B0609030003000000" pitchFamily="49" charset="77"/>
+                <a:latin typeface="Inconsolata" panose="020B0609030003000000" pitchFamily="49" charset="77"/>
               </a:rPr>
               <a:t>]: 3 == 5 </a:t>
             </a:r>
@@ -14437,14 +14521,14 @@
           <a:p>
             <a:r>
               <a:rPr lang="en-US" sz="2100" b="1" dirty="0">
-                <a:latin typeface="Inconsolata Medium" panose="020B0609030003000000" pitchFamily="49" charset="77"/>
+                <a:latin typeface="Inconsolata" panose="020B0609030003000000" pitchFamily="49" charset="77"/>
               </a:rPr>
               <a:t>Out[3]: False </a:t>
             </a:r>
           </a:p>
           <a:p>
             <a:endParaRPr lang="en-US" sz="2100" b="1" dirty="0">
-              <a:latin typeface="Inconsolata Medium" panose="020B0609030003000000" pitchFamily="49" charset="77"/>
+              <a:latin typeface="Inconsolata" panose="020B0609030003000000" pitchFamily="49" charset="77"/>
             </a:endParaRPr>
           </a:p>
         </p:txBody>
@@ -14482,13 +14566,13 @@
                 <a:solidFill>
                   <a:srgbClr val="000087"/>
                 </a:solidFill>
-                <a:latin typeface="Inconsolata Medium" panose="020B0609030003000000" pitchFamily="49" charset="77"/>
+                <a:latin typeface="Inconsolata" panose="020B0609030003000000" pitchFamily="49" charset="77"/>
               </a:rPr>
               <a:t>In</a:t>
             </a:r>
             <a:r>
               <a:rPr lang="en-US" sz="2100" b="1" dirty="0">
-                <a:latin typeface="Inconsolata Medium" panose="020B0609030003000000" pitchFamily="49" charset="77"/>
+                <a:latin typeface="Inconsolata" panose="020B0609030003000000" pitchFamily="49" charset="77"/>
               </a:rPr>
               <a:t>[</a:t>
             </a:r>
@@ -14497,13 +14581,13 @@
                 <a:solidFill>
                   <a:srgbClr val="FF6600"/>
                 </a:solidFill>
-                <a:latin typeface="Inconsolata Medium" panose="020B0609030003000000" pitchFamily="49" charset="77"/>
+                <a:latin typeface="Inconsolata" panose="020B0609030003000000" pitchFamily="49" charset="77"/>
               </a:rPr>
               <a:t>1</a:t>
             </a:r>
             <a:r>
               <a:rPr lang="en-US" sz="2100" b="1" dirty="0">
-                <a:latin typeface="Inconsolata Medium" panose="020B0609030003000000" pitchFamily="49" charset="77"/>
+                <a:latin typeface="Inconsolata" panose="020B0609030003000000" pitchFamily="49" charset="77"/>
               </a:rPr>
               <a:t>]: x = False</a:t>
             </a:r>
@@ -14514,7 +14598,7 @@
                 <a:solidFill>
                   <a:srgbClr val="000087"/>
                 </a:solidFill>
-                <a:latin typeface="Inconsolata Medium" panose="020B0609030003000000" pitchFamily="49" charset="77"/>
+                <a:latin typeface="Inconsolata" panose="020B0609030003000000" pitchFamily="49" charset="77"/>
               </a:rPr>
               <a:t>       type(x) </a:t>
             </a:r>
@@ -14522,7 +14606,7 @@
           <a:p>
             <a:r>
               <a:rPr lang="en-US" sz="2100" b="1" dirty="0">
-                <a:latin typeface="Inconsolata Medium" panose="020B0609030003000000" pitchFamily="49" charset="77"/>
+                <a:latin typeface="Inconsolata" panose="020B0609030003000000" pitchFamily="49" charset="77"/>
               </a:rPr>
               <a:t>Out[1]: bool </a:t>
             </a:r>
@@ -15070,13 +15154,13 @@
                 <a:solidFill>
                   <a:srgbClr val="000087"/>
                 </a:solidFill>
-                <a:latin typeface="Inconsolata Medium" panose="020B0609030003000000" pitchFamily="49" charset="77"/>
+                <a:latin typeface="Inconsolata" panose="020B0609030003000000" pitchFamily="49" charset="77"/>
               </a:rPr>
               <a:t>In </a:t>
             </a:r>
             <a:r>
               <a:rPr lang="en-US" b="1" dirty="0">
-                <a:latin typeface="Inconsolata Medium" panose="020B0609030003000000" pitchFamily="49" charset="77"/>
+                <a:latin typeface="Inconsolata" panose="020B0609030003000000" pitchFamily="49" charset="77"/>
               </a:rPr>
               <a:t>[</a:t>
             </a:r>
@@ -15085,13 +15169,13 @@
                 <a:solidFill>
                   <a:srgbClr val="FF6600"/>
                 </a:solidFill>
-                <a:latin typeface="Inconsolata Medium" panose="020B0609030003000000" pitchFamily="49" charset="77"/>
+                <a:latin typeface="Inconsolata" panose="020B0609030003000000" pitchFamily="49" charset="77"/>
               </a:rPr>
               <a:t>24</a:t>
             </a:r>
             <a:r>
               <a:rPr lang="en-US" b="1" dirty="0">
-                <a:latin typeface="Inconsolata Medium" panose="020B0609030003000000" pitchFamily="49" charset="77"/>
+                <a:latin typeface="Inconsolata" panose="020B0609030003000000" pitchFamily="49" charset="77"/>
               </a:rPr>
               <a:t>]: </a:t>
             </a:r>
@@ -15100,13 +15184,13 @@
                 <a:solidFill>
                   <a:srgbClr val="336666"/>
                 </a:solidFill>
-                <a:latin typeface="Inconsolata Medium" panose="020B0609030003000000" pitchFamily="49" charset="77"/>
+                <a:latin typeface="Inconsolata" panose="020B0609030003000000" pitchFamily="49" charset="77"/>
               </a:rPr>
               <a:t>type</a:t>
             </a:r>
             <a:r>
               <a:rPr lang="en-US" b="1" dirty="0">
-                <a:latin typeface="Inconsolata Medium" panose="020B0609030003000000" pitchFamily="49" charset="77"/>
+                <a:latin typeface="Inconsolata" panose="020B0609030003000000" pitchFamily="49" charset="77"/>
               </a:rPr>
               <a:t>(</a:t>
             </a:r>
@@ -15115,13 +15199,13 @@
                 <a:solidFill>
                   <a:srgbClr val="336666"/>
                 </a:solidFill>
-                <a:latin typeface="Inconsolata Medium" panose="020B0609030003000000" pitchFamily="49" charset="77"/>
+                <a:latin typeface="Inconsolata" panose="020B0609030003000000" pitchFamily="49" charset="77"/>
               </a:rPr>
               <a:t>None</a:t>
             </a:r>
             <a:r>
               <a:rPr lang="en-US" b="1" dirty="0">
-                <a:latin typeface="Inconsolata Medium" panose="020B0609030003000000" pitchFamily="49" charset="77"/>
+                <a:latin typeface="Inconsolata" panose="020B0609030003000000" pitchFamily="49" charset="77"/>
               </a:rPr>
               <a:t>) </a:t>
             </a:r>
@@ -15132,19 +15216,19 @@
             </a:pPr>
             <a:r>
               <a:rPr lang="en-US" b="1" dirty="0">
-                <a:latin typeface="Inconsolata Medium" panose="020B0609030003000000" pitchFamily="49" charset="77"/>
+                <a:latin typeface="Inconsolata" panose="020B0609030003000000" pitchFamily="49" charset="77"/>
               </a:rPr>
               <a:t>Out [24]: </a:t>
             </a:r>
             <a:r>
               <a:rPr lang="en-US" b="1" dirty="0" err="1">
-                <a:latin typeface="Inconsolata Medium" panose="020B0609030003000000" pitchFamily="49" charset="77"/>
+                <a:latin typeface="Inconsolata" panose="020B0609030003000000" pitchFamily="49" charset="77"/>
               </a:rPr>
               <a:t>NoneType</a:t>
             </a:r>
             <a:r>
               <a:rPr lang="en-US" b="1" dirty="0">
-                <a:latin typeface="Inconsolata Medium" panose="020B0609030003000000" pitchFamily="49" charset="77"/>
+                <a:latin typeface="Inconsolata" panose="020B0609030003000000" pitchFamily="49" charset="77"/>
               </a:rPr>
               <a:t> </a:t>
             </a:r>
@@ -15175,7 +15259,7 @@
               <a:buNone/>
             </a:pPr>
             <a:endParaRPr lang="en-US" sz="1900" b="1" dirty="0">
-              <a:latin typeface="Inconsolata Medium" panose="020B0609030003000000" pitchFamily="49" charset="77"/>
+              <a:latin typeface="Inconsolata" panose="020B0609030003000000" pitchFamily="49" charset="77"/>
             </a:endParaRPr>
           </a:p>
         </p:txBody>
@@ -16491,7 +16575,7 @@
               <a:buNone/>
             </a:pPr>
             <a:endParaRPr lang="en-US" b="1" dirty="0">
-              <a:latin typeface="Inconsolata Medium" panose="020B0609030003000000" pitchFamily="49" charset="77"/>
+              <a:latin typeface="Inconsolata" panose="020B0609030003000000" pitchFamily="49" charset="77"/>
             </a:endParaRPr>
           </a:p>
         </p:txBody>
@@ -17215,7 +17299,7 @@
               <a:t> uses numbered commands.</a:t>
             </a:r>
             <a:endParaRPr lang="en-US" b="1" dirty="0">
-              <a:latin typeface="Inconsolata Medium" panose="020B0609030003000000" pitchFamily="49" charset="77"/>
+              <a:latin typeface="Inconsolata" panose="020B0609030003000000" pitchFamily="49" charset="77"/>
             </a:endParaRPr>
           </a:p>
           <a:p>
@@ -17227,13 +17311,13 @@
                 <a:solidFill>
                   <a:srgbClr val="000087"/>
                 </a:solidFill>
-                <a:latin typeface="Inconsolata Medium" panose="020B0609030003000000" pitchFamily="49" charset="77"/>
+                <a:latin typeface="Inconsolata" panose="020B0609030003000000" pitchFamily="49" charset="77"/>
               </a:rPr>
               <a:t>In</a:t>
             </a:r>
             <a:r>
               <a:rPr lang="en-US" b="1" dirty="0">
-                <a:latin typeface="Inconsolata Medium" panose="020B0609030003000000" pitchFamily="49" charset="77"/>
+                <a:latin typeface="Inconsolata" panose="020B0609030003000000" pitchFamily="49" charset="77"/>
               </a:rPr>
               <a:t>[</a:t>
             </a:r>
@@ -17242,13 +17326,13 @@
                 <a:solidFill>
                   <a:srgbClr val="FF6600"/>
                 </a:solidFill>
-                <a:latin typeface="Inconsolata Medium" panose="020B0609030003000000" pitchFamily="49" charset="77"/>
+                <a:latin typeface="Inconsolata" panose="020B0609030003000000" pitchFamily="49" charset="77"/>
               </a:rPr>
               <a:t>1</a:t>
             </a:r>
             <a:r>
               <a:rPr lang="en-US" b="1" dirty="0">
-                <a:latin typeface="Inconsolata Medium" panose="020B0609030003000000" pitchFamily="49" charset="77"/>
+                <a:latin typeface="Inconsolata" panose="020B0609030003000000" pitchFamily="49" charset="77"/>
               </a:rPr>
               <a:t>]: </a:t>
             </a:r>
@@ -17257,7 +17341,7 @@
                 <a:solidFill>
                   <a:srgbClr val="FF6600"/>
                 </a:solidFill>
-                <a:latin typeface="Inconsolata Medium" panose="020B0609030003000000" pitchFamily="49" charset="77"/>
+                <a:latin typeface="Inconsolata" panose="020B0609030003000000" pitchFamily="49" charset="77"/>
               </a:rPr>
               <a:t>1 </a:t>
             </a:r>
@@ -17266,7 +17350,7 @@
                 <a:solidFill>
                   <a:srgbClr val="545454"/>
                 </a:solidFill>
-                <a:latin typeface="Inconsolata Medium" panose="020B0609030003000000" pitchFamily="49" charset="77"/>
+                <a:latin typeface="Inconsolata" panose="020B0609030003000000" pitchFamily="49" charset="77"/>
               </a:rPr>
               <a:t>+ </a:t>
             </a:r>
@@ -17275,7 +17359,7 @@
                 <a:solidFill>
                   <a:srgbClr val="FF6600"/>
                 </a:solidFill>
-                <a:latin typeface="Inconsolata Medium" panose="020B0609030003000000" pitchFamily="49" charset="77"/>
+                <a:latin typeface="Inconsolata" panose="020B0609030003000000" pitchFamily="49" charset="77"/>
               </a:rPr>
               <a:t>1 </a:t>
             </a:r>
@@ -17289,13 +17373,13 @@
                 <a:solidFill>
                   <a:srgbClr val="000087"/>
                 </a:solidFill>
-                <a:latin typeface="Inconsolata Medium" panose="020B0609030003000000" pitchFamily="49" charset="77"/>
+                <a:latin typeface="Inconsolata" panose="020B0609030003000000" pitchFamily="49" charset="77"/>
               </a:rPr>
               <a:t>Out</a:t>
             </a:r>
             <a:r>
               <a:rPr lang="en-US" b="1" dirty="0">
-                <a:latin typeface="Inconsolata Medium" panose="020B0609030003000000" pitchFamily="49" charset="77"/>
+                <a:latin typeface="Inconsolata" panose="020B0609030003000000" pitchFamily="49" charset="77"/>
               </a:rPr>
               <a:t>[</a:t>
             </a:r>
@@ -17304,13 +17388,13 @@
                 <a:solidFill>
                   <a:srgbClr val="FF6600"/>
                 </a:solidFill>
-                <a:latin typeface="Inconsolata Medium" panose="020B0609030003000000" pitchFamily="49" charset="77"/>
+                <a:latin typeface="Inconsolata" panose="020B0609030003000000" pitchFamily="49" charset="77"/>
               </a:rPr>
               <a:t>1</a:t>
             </a:r>
             <a:r>
               <a:rPr lang="en-US" b="1" dirty="0">
-                <a:latin typeface="Inconsolata Medium" panose="020B0609030003000000" pitchFamily="49" charset="77"/>
+                <a:latin typeface="Inconsolata" panose="020B0609030003000000" pitchFamily="49" charset="77"/>
               </a:rPr>
               <a:t>]: </a:t>
             </a:r>
@@ -17319,7 +17403,7 @@
                 <a:solidFill>
                   <a:srgbClr val="FF6600"/>
                 </a:solidFill>
-                <a:latin typeface="Inconsolata Medium" panose="020B0609030003000000" pitchFamily="49" charset="77"/>
+                <a:latin typeface="Inconsolata" panose="020B0609030003000000" pitchFamily="49" charset="77"/>
               </a:rPr>
               <a:t>2 </a:t>
             </a:r>
@@ -17329,7 +17413,7 @@
               <a:buNone/>
             </a:pPr>
             <a:endParaRPr lang="en-US" b="1" dirty="0">
-              <a:latin typeface="Inconsolata Medium" panose="020B0609030003000000" pitchFamily="49" charset="77"/>
+              <a:latin typeface="Inconsolata" panose="020B0609030003000000" pitchFamily="49" charset="77"/>
             </a:endParaRPr>
           </a:p>
           <a:p>
@@ -17341,13 +17425,13 @@
                 <a:solidFill>
                   <a:srgbClr val="000087"/>
                 </a:solidFill>
-                <a:latin typeface="Inconsolata Medium" panose="020B0609030003000000" pitchFamily="49" charset="77"/>
+                <a:latin typeface="Inconsolata" panose="020B0609030003000000" pitchFamily="49" charset="77"/>
               </a:rPr>
               <a:t>In</a:t>
             </a:r>
             <a:r>
               <a:rPr lang="en-US" b="1" dirty="0">
-                <a:latin typeface="Inconsolata Medium" panose="020B0609030003000000" pitchFamily="49" charset="77"/>
+                <a:latin typeface="Inconsolata" panose="020B0609030003000000" pitchFamily="49" charset="77"/>
               </a:rPr>
               <a:t>[</a:t>
             </a:r>
@@ -17356,13 +17440,13 @@
                 <a:solidFill>
                   <a:srgbClr val="FF6600"/>
                 </a:solidFill>
-                <a:latin typeface="Inconsolata Medium" panose="020B0609030003000000" pitchFamily="49" charset="77"/>
+                <a:latin typeface="Inconsolata" panose="020B0609030003000000" pitchFamily="49" charset="77"/>
               </a:rPr>
               <a:t>2</a:t>
             </a:r>
             <a:r>
               <a:rPr lang="en-US" b="1" dirty="0">
-                <a:latin typeface="Inconsolata Medium" panose="020B0609030003000000" pitchFamily="49" charset="77"/>
+                <a:latin typeface="Inconsolata" panose="020B0609030003000000" pitchFamily="49" charset="77"/>
               </a:rPr>
               <a:t>]: </a:t>
             </a:r>
@@ -17371,7 +17455,7 @@
                 <a:solidFill>
                   <a:srgbClr val="000087"/>
                 </a:solidFill>
-                <a:latin typeface="Inconsolata Medium" panose="020B0609030003000000" pitchFamily="49" charset="77"/>
+                <a:latin typeface="Inconsolata" panose="020B0609030003000000" pitchFamily="49" charset="77"/>
               </a:rPr>
               <a:t>x </a:t>
             </a:r>
@@ -17380,7 +17464,7 @@
                 <a:solidFill>
                   <a:srgbClr val="545454"/>
                 </a:solidFill>
-                <a:latin typeface="Inconsolata Medium" panose="020B0609030003000000" pitchFamily="49" charset="77"/>
+                <a:latin typeface="Inconsolata" panose="020B0609030003000000" pitchFamily="49" charset="77"/>
               </a:rPr>
               <a:t>= </a:t>
             </a:r>
@@ -17389,7 +17473,7 @@
                 <a:solidFill>
                   <a:srgbClr val="FF6600"/>
                 </a:solidFill>
-                <a:latin typeface="Inconsolata Medium" panose="020B0609030003000000" pitchFamily="49" charset="77"/>
+                <a:latin typeface="Inconsolata" panose="020B0609030003000000" pitchFamily="49" charset="77"/>
               </a:rPr>
               <a:t>5 </a:t>
             </a:r>
@@ -17403,13 +17487,13 @@
                 <a:solidFill>
                   <a:srgbClr val="000087"/>
                 </a:solidFill>
-                <a:latin typeface="Inconsolata Medium" panose="020B0609030003000000" pitchFamily="49" charset="77"/>
+                <a:latin typeface="Inconsolata" panose="020B0609030003000000" pitchFamily="49" charset="77"/>
               </a:rPr>
               <a:t>In</a:t>
             </a:r>
             <a:r>
               <a:rPr lang="en-US" b="1" dirty="0">
-                <a:latin typeface="Inconsolata Medium" panose="020B0609030003000000" pitchFamily="49" charset="77"/>
+                <a:latin typeface="Inconsolata" panose="020B0609030003000000" pitchFamily="49" charset="77"/>
               </a:rPr>
               <a:t>[</a:t>
             </a:r>
@@ -17418,13 +17502,13 @@
                 <a:solidFill>
                   <a:srgbClr val="FF6600"/>
                 </a:solidFill>
-                <a:latin typeface="Inconsolata Medium" panose="020B0609030003000000" pitchFamily="49" charset="77"/>
+                <a:latin typeface="Inconsolata" panose="020B0609030003000000" pitchFamily="49" charset="77"/>
               </a:rPr>
               <a:t>3</a:t>
             </a:r>
             <a:r>
               <a:rPr lang="en-US" b="1" dirty="0">
-                <a:latin typeface="Inconsolata Medium" panose="020B0609030003000000" pitchFamily="49" charset="77"/>
+                <a:latin typeface="Inconsolata" panose="020B0609030003000000" pitchFamily="49" charset="77"/>
               </a:rPr>
               <a:t>]: </a:t>
             </a:r>
@@ -17433,7 +17517,7 @@
                 <a:solidFill>
                   <a:srgbClr val="000087"/>
                 </a:solidFill>
-                <a:latin typeface="Inconsolata Medium" panose="020B0609030003000000" pitchFamily="49" charset="77"/>
+                <a:latin typeface="Inconsolata" panose="020B0609030003000000" pitchFamily="49" charset="77"/>
               </a:rPr>
               <a:t>x </a:t>
             </a:r>
@@ -17442,7 +17526,7 @@
                 <a:solidFill>
                   <a:srgbClr val="545454"/>
                 </a:solidFill>
-                <a:latin typeface="Inconsolata Medium" panose="020B0609030003000000" pitchFamily="49" charset="77"/>
+                <a:latin typeface="Inconsolata" panose="020B0609030003000000" pitchFamily="49" charset="77"/>
               </a:rPr>
               <a:t>* </a:t>
             </a:r>
@@ -17451,12 +17535,12 @@
                 <a:solidFill>
                   <a:srgbClr val="FF6600"/>
                 </a:solidFill>
-                <a:latin typeface="Inconsolata Medium" panose="020B0609030003000000" pitchFamily="49" charset="77"/>
+                <a:latin typeface="Inconsolata" panose="020B0609030003000000" pitchFamily="49" charset="77"/>
               </a:rPr>
               <a:t>3 </a:t>
             </a:r>
             <a:endParaRPr lang="en-US" b="1" dirty="0">
-              <a:latin typeface="Inconsolata Medium" panose="020B0609030003000000" pitchFamily="49" charset="77"/>
+              <a:latin typeface="Inconsolata" panose="020B0609030003000000" pitchFamily="49" charset="77"/>
             </a:endParaRPr>
           </a:p>
           <a:p>
@@ -17468,13 +17552,13 @@
                 <a:solidFill>
                   <a:srgbClr val="000087"/>
                 </a:solidFill>
-                <a:latin typeface="Inconsolata Medium" panose="020B0609030003000000" pitchFamily="49" charset="77"/>
+                <a:latin typeface="Inconsolata" panose="020B0609030003000000" pitchFamily="49" charset="77"/>
               </a:rPr>
               <a:t>Out</a:t>
             </a:r>
             <a:r>
               <a:rPr lang="en-US" b="1" dirty="0">
-                <a:latin typeface="Inconsolata Medium" panose="020B0609030003000000" pitchFamily="49" charset="77"/>
+                <a:latin typeface="Inconsolata" panose="020B0609030003000000" pitchFamily="49" charset="77"/>
               </a:rPr>
               <a:t>[</a:t>
             </a:r>
@@ -17483,13 +17567,13 @@
                 <a:solidFill>
                   <a:srgbClr val="FF6600"/>
                 </a:solidFill>
-                <a:latin typeface="Inconsolata Medium" panose="020B0609030003000000" pitchFamily="49" charset="77"/>
+                <a:latin typeface="Inconsolata" panose="020B0609030003000000" pitchFamily="49" charset="77"/>
               </a:rPr>
               <a:t>3</a:t>
             </a:r>
             <a:r>
               <a:rPr lang="en-US" b="1" dirty="0">
-                <a:latin typeface="Inconsolata Medium" panose="020B0609030003000000" pitchFamily="49" charset="77"/>
+                <a:latin typeface="Inconsolata" panose="020B0609030003000000" pitchFamily="49" charset="77"/>
               </a:rPr>
               <a:t>]: </a:t>
             </a:r>
@@ -17498,12 +17582,12 @@
                 <a:solidFill>
                   <a:srgbClr val="FF6600"/>
                 </a:solidFill>
-                <a:latin typeface="Inconsolata Medium" panose="020B0609030003000000" pitchFamily="49" charset="77"/>
+                <a:latin typeface="Inconsolata" panose="020B0609030003000000" pitchFamily="49" charset="77"/>
               </a:rPr>
               <a:t>15 </a:t>
             </a:r>
             <a:endParaRPr lang="en-US" b="1" dirty="0">
-              <a:latin typeface="Inconsolata Medium" panose="020B0609030003000000" pitchFamily="49" charset="77"/>
+              <a:latin typeface="Inconsolata" panose="020B0609030003000000" pitchFamily="49" charset="77"/>
             </a:endParaRPr>
           </a:p>
           <a:p>
@@ -17511,7 +17595,7 @@
               <a:buNone/>
             </a:pPr>
             <a:endParaRPr lang="en-US" b="1" dirty="0">
-              <a:latin typeface="Inconsolata Medium" panose="020B0609030003000000" pitchFamily="49" charset="77"/>
+              <a:latin typeface="Inconsolata" panose="020B0609030003000000" pitchFamily="49" charset="77"/>
             </a:endParaRPr>
           </a:p>
         </p:txBody>
@@ -17952,7 +18036,7 @@
               <a:buNone/>
             </a:pPr>
             <a:endParaRPr lang="en-US" b="1" dirty="0">
-              <a:latin typeface="Inconsolata Medium" panose="020B0609030003000000" pitchFamily="49" charset="77"/>
+              <a:latin typeface="Inconsolata" panose="020B0609030003000000" pitchFamily="49" charset="77"/>
             </a:endParaRPr>
           </a:p>
         </p:txBody>
@@ -18544,7 +18628,7 @@
               <a:solidFill>
                 <a:srgbClr val="33566B"/>
               </a:solidFill>
-              <a:latin typeface="Inconsolata Medium" panose="020B0609030003000000" pitchFamily="49" charset="77"/>
+              <a:latin typeface="Inconsolata" panose="020B0609030003000000" pitchFamily="49" charset="77"/>
             </a:endParaRPr>
           </a:p>
           <a:p>
@@ -18555,7 +18639,7 @@
               <a:solidFill>
                 <a:srgbClr val="33566B"/>
               </a:solidFill>
-              <a:latin typeface="Inconsolata Medium" panose="020B0609030003000000" pitchFamily="49" charset="77"/>
+              <a:latin typeface="Inconsolata" panose="020B0609030003000000" pitchFamily="49" charset="77"/>
             </a:endParaRPr>
           </a:p>
           <a:p>
@@ -18566,7 +18650,7 @@
               <a:solidFill>
                 <a:srgbClr val="33566B"/>
               </a:solidFill>
-              <a:latin typeface="Inconsolata Medium" panose="020B0609030003000000" pitchFamily="49" charset="77"/>
+              <a:latin typeface="Inconsolata" panose="020B0609030003000000" pitchFamily="49" charset="77"/>
             </a:endParaRPr>
           </a:p>
           <a:p>
@@ -18577,7 +18661,7 @@
               <a:solidFill>
                 <a:srgbClr val="0000FF"/>
               </a:solidFill>
-              <a:latin typeface="Inconsolata Medium" panose="020B0609030003000000" pitchFamily="49" charset="77"/>
+              <a:latin typeface="Inconsolata" panose="020B0609030003000000" pitchFamily="49" charset="77"/>
             </a:endParaRPr>
           </a:p>
           <a:p>
@@ -18589,7 +18673,7 @@
                 <a:solidFill>
                   <a:srgbClr val="0000FF"/>
                 </a:solidFill>
-                <a:latin typeface="Inconsolata Medium" panose="020B0609030003000000" pitchFamily="49" charset="77"/>
+                <a:latin typeface="Inconsolata" panose="020B0609030003000000" pitchFamily="49" charset="77"/>
               </a:rPr>
               <a:t>print</a:t>
             </a:r>
@@ -18598,7 +18682,7 @@
                 <a:solidFill>
                   <a:srgbClr val="000000"/>
                 </a:solidFill>
-                <a:latin typeface="Inconsolata Medium" panose="020B0609030003000000" pitchFamily="49" charset="77"/>
+                <a:latin typeface="Inconsolata" panose="020B0609030003000000" pitchFamily="49" charset="77"/>
               </a:rPr>
               <a:t>(</a:t>
             </a:r>
@@ -18607,7 +18691,7 @@
                 <a:solidFill>
                   <a:srgbClr val="A31515"/>
                 </a:solidFill>
-                <a:latin typeface="Inconsolata Medium" panose="020B0609030003000000" pitchFamily="49" charset="77"/>
+                <a:latin typeface="Inconsolata" panose="020B0609030003000000" pitchFamily="49" charset="77"/>
               </a:rPr>
               <a:t>"Hello, World!"</a:t>
             </a:r>
@@ -18616,7 +18700,7 @@
                 <a:solidFill>
                   <a:srgbClr val="000000"/>
                 </a:solidFill>
-                <a:latin typeface="Inconsolata Medium" panose="020B0609030003000000" pitchFamily="49" charset="77"/>
+                <a:latin typeface="Inconsolata" panose="020B0609030003000000" pitchFamily="49" charset="77"/>
               </a:rPr>
               <a:t>)</a:t>
             </a:r>
@@ -18626,7 +18710,7 @@
               <a:buNone/>
             </a:pPr>
             <a:endParaRPr lang="en-US" sz="2000" b="1" dirty="0">
-              <a:latin typeface="Inconsolata Medium" panose="020B0609030003000000" pitchFamily="49" charset="77"/>
+              <a:latin typeface="Inconsolata" panose="020B0609030003000000" pitchFamily="49" charset="77"/>
             </a:endParaRPr>
           </a:p>
         </p:txBody>

--- a/courses/apcsp/lect1.pptx
+++ b/courses/apcsp/lect1.pptx
@@ -5,7 +5,7 @@
     <p:sldMasterId id="2147483791" r:id="rId1"/>
   </p:sldMasterIdLst>
   <p:notesMasterIdLst>
-    <p:notesMasterId r:id="rId26"/>
+    <p:notesMasterId r:id="rId27"/>
   </p:notesMasterIdLst>
   <p:sldIdLst>
     <p:sldId id="289" r:id="rId2"/>
@@ -30,8 +30,9 @@
     <p:sldId id="307" r:id="rId21"/>
     <p:sldId id="304" r:id="rId22"/>
     <p:sldId id="308" r:id="rId23"/>
-    <p:sldId id="303" r:id="rId24"/>
-    <p:sldId id="284" r:id="rId25"/>
+    <p:sldId id="555" r:id="rId24"/>
+    <p:sldId id="303" r:id="rId25"/>
+    <p:sldId id="284" r:id="rId26"/>
   </p:sldIdLst>
   <p:sldSz cx="9144000" cy="5715000" type="screen16x10"/>
   <p:notesSz cx="6858000" cy="9144000"/>
@@ -141,7 +142,7 @@
 <file path=ppt/revisionInfo.xml><?xml version="1.0" encoding="utf-8"?>
 <p1510:revInfo xmlns:a="http://schemas.openxmlformats.org/drawingml/2006/main" xmlns:r="http://schemas.openxmlformats.org/officeDocument/2006/relationships" xmlns:p1510="http://schemas.microsoft.com/office/powerpoint/2015/10/main">
   <p1510:revLst>
-    <p1510:client id="{9693B0CB-430D-7248-9519-850962F252D4}" v="2896" dt="2021-06-03T12:44:25.914"/>
+    <p1510:client id="{84676ADF-44D0-6B47-A57C-36670D0E7DB8}" v="249" dt="2021-09-10T13:01:16.408"/>
   </p1510:revLst>
 </p1510:revInfo>
 </file>
@@ -435,6 +436,123 @@
             <ac:picMk id="8" creationId="{778F82F4-110D-C843-8F5C-71BDAE030887}"/>
           </ac:picMkLst>
         </pc:picChg>
+      </pc:sldChg>
+    </pc:docChg>
+  </pc:docChgLst>
+  <pc:docChgLst>
+    <pc:chgData name="Long B Nguyen" userId="f59fb8f3-a021-417a-8bc1-65c8d471c621" providerId="ADAL" clId="{84676ADF-44D0-6B47-A57C-36670D0E7DB8}"/>
+    <pc:docChg chg="undo custSel addSld delSld modSld">
+      <pc:chgData name="Long B Nguyen" userId="f59fb8f3-a021-417a-8bc1-65c8d471c621" providerId="ADAL" clId="{84676ADF-44D0-6B47-A57C-36670D0E7DB8}" dt="2021-09-10T13:01:16.408" v="1011"/>
+      <pc:docMkLst>
+        <pc:docMk/>
+      </pc:docMkLst>
+      <pc:sldChg chg="modAnim">
+        <pc:chgData name="Long B Nguyen" userId="f59fb8f3-a021-417a-8bc1-65c8d471c621" providerId="ADAL" clId="{84676ADF-44D0-6B47-A57C-36670D0E7DB8}" dt="2021-09-10T13:01:16.408" v="1011"/>
+        <pc:sldMkLst>
+          <pc:docMk/>
+          <pc:sldMk cId="3625497833" sldId="265"/>
+        </pc:sldMkLst>
+      </pc:sldChg>
+      <pc:sldChg chg="modAnim">
+        <pc:chgData name="Long B Nguyen" userId="f59fb8f3-a021-417a-8bc1-65c8d471c621" providerId="ADAL" clId="{84676ADF-44D0-6B47-A57C-36670D0E7DB8}" dt="2021-09-10T12:59:59.922" v="998"/>
+        <pc:sldMkLst>
+          <pc:docMk/>
+          <pc:sldMk cId="2878025650" sldId="298"/>
+        </pc:sldMkLst>
+      </pc:sldChg>
+      <pc:sldChg chg="modAnim">
+        <pc:chgData name="Long B Nguyen" userId="f59fb8f3-a021-417a-8bc1-65c8d471c621" providerId="ADAL" clId="{84676ADF-44D0-6B47-A57C-36670D0E7DB8}" dt="2021-09-10T12:58:38.356" v="991"/>
+        <pc:sldMkLst>
+          <pc:docMk/>
+          <pc:sldMk cId="4236300541" sldId="304"/>
+        </pc:sldMkLst>
+      </pc:sldChg>
+      <pc:sldChg chg="addSp modSp modAnim">
+        <pc:chgData name="Long B Nguyen" userId="f59fb8f3-a021-417a-8bc1-65c8d471c621" providerId="ADAL" clId="{84676ADF-44D0-6B47-A57C-36670D0E7DB8}" dt="2021-09-10T13:01:04.630" v="1010"/>
+        <pc:sldMkLst>
+          <pc:docMk/>
+          <pc:sldMk cId="1754050985" sldId="305"/>
+        </pc:sldMkLst>
+        <pc:spChg chg="add mod">
+          <ac:chgData name="Long B Nguyen" userId="f59fb8f3-a021-417a-8bc1-65c8d471c621" providerId="ADAL" clId="{84676ADF-44D0-6B47-A57C-36670D0E7DB8}" dt="2021-09-10T13:00:27.761" v="1000" actId="767"/>
+          <ac:spMkLst>
+            <pc:docMk/>
+            <pc:sldMk cId="1754050985" sldId="305"/>
+            <ac:spMk id="2" creationId="{648BA1FE-6B95-2E4B-9A23-A4A149F266FC}"/>
+          </ac:spMkLst>
+        </pc:spChg>
+      </pc:sldChg>
+      <pc:sldChg chg="modAnim">
+        <pc:chgData name="Long B Nguyen" userId="f59fb8f3-a021-417a-8bc1-65c8d471c621" providerId="ADAL" clId="{84676ADF-44D0-6B47-A57C-36670D0E7DB8}" dt="2021-09-10T13:00:14.174" v="999"/>
+        <pc:sldMkLst>
+          <pc:docMk/>
+          <pc:sldMk cId="155755559" sldId="306"/>
+        </pc:sldMkLst>
+      </pc:sldChg>
+      <pc:sldChg chg="modAnim">
+        <pc:chgData name="Long B Nguyen" userId="f59fb8f3-a021-417a-8bc1-65c8d471c621" providerId="ADAL" clId="{84676ADF-44D0-6B47-A57C-36670D0E7DB8}" dt="2021-09-10T12:58:29.608" v="989"/>
+        <pc:sldMkLst>
+          <pc:docMk/>
+          <pc:sldMk cId="3016287638" sldId="307"/>
+        </pc:sldMkLst>
+      </pc:sldChg>
+      <pc:sldChg chg="modAnim">
+        <pc:chgData name="Long B Nguyen" userId="f59fb8f3-a021-417a-8bc1-65c8d471c621" providerId="ADAL" clId="{84676ADF-44D0-6B47-A57C-36670D0E7DB8}" dt="2021-09-10T12:58:45.906" v="993"/>
+        <pc:sldMkLst>
+          <pc:docMk/>
+          <pc:sldMk cId="1011619775" sldId="308"/>
+        </pc:sldMkLst>
+      </pc:sldChg>
+      <pc:sldChg chg="modAnim">
+        <pc:chgData name="Long B Nguyen" userId="f59fb8f3-a021-417a-8bc1-65c8d471c621" providerId="ADAL" clId="{84676ADF-44D0-6B47-A57C-36670D0E7DB8}" dt="2021-09-10T12:58:05.612" v="984"/>
+        <pc:sldMkLst>
+          <pc:docMk/>
+          <pc:sldMk cId="273226657" sldId="551"/>
+        </pc:sldMkLst>
+      </pc:sldChg>
+      <pc:sldChg chg="modAnim">
+        <pc:chgData name="Long B Nguyen" userId="f59fb8f3-a021-417a-8bc1-65c8d471c621" providerId="ADAL" clId="{84676ADF-44D0-6B47-A57C-36670D0E7DB8}" dt="2021-09-10T12:58:11.798" v="986"/>
+        <pc:sldMkLst>
+          <pc:docMk/>
+          <pc:sldMk cId="3067820620" sldId="552"/>
+        </pc:sldMkLst>
+      </pc:sldChg>
+      <pc:sldChg chg="modAnim">
+        <pc:chgData name="Long B Nguyen" userId="f59fb8f3-a021-417a-8bc1-65c8d471c621" providerId="ADAL" clId="{84676ADF-44D0-6B47-A57C-36670D0E7DB8}" dt="2021-09-10T12:57:49.075" v="979"/>
+        <pc:sldMkLst>
+          <pc:docMk/>
+          <pc:sldMk cId="1352026558" sldId="553"/>
+        </pc:sldMkLst>
+      </pc:sldChg>
+      <pc:sldChg chg="new del">
+        <pc:chgData name="Long B Nguyen" userId="f59fb8f3-a021-417a-8bc1-65c8d471c621" providerId="ADAL" clId="{84676ADF-44D0-6B47-A57C-36670D0E7DB8}" dt="2021-09-10T12:39:17.853" v="2" actId="2696"/>
+        <pc:sldMkLst>
+          <pc:docMk/>
+          <pc:sldMk cId="3869276918" sldId="554"/>
+        </pc:sldMkLst>
+      </pc:sldChg>
+      <pc:sldChg chg="modSp add mod modAnim">
+        <pc:chgData name="Long B Nguyen" userId="f59fb8f3-a021-417a-8bc1-65c8d471c621" providerId="ADAL" clId="{84676ADF-44D0-6B47-A57C-36670D0E7DB8}" dt="2021-09-10T12:59:14.865" v="997"/>
+        <pc:sldMkLst>
+          <pc:docMk/>
+          <pc:sldMk cId="1439554506" sldId="555"/>
+        </pc:sldMkLst>
+        <pc:spChg chg="mod">
+          <ac:chgData name="Long B Nguyen" userId="f59fb8f3-a021-417a-8bc1-65c8d471c621" providerId="ADAL" clId="{84676ADF-44D0-6B47-A57C-36670D0E7DB8}" dt="2021-09-10T12:56:46.715" v="941" actId="1076"/>
+          <ac:spMkLst>
+            <pc:docMk/>
+            <pc:sldMk cId="1439554506" sldId="555"/>
+            <ac:spMk id="2" creationId="{AA3A228F-61D0-D949-A5E7-F83756230BF8}"/>
+          </ac:spMkLst>
+        </pc:spChg>
+        <pc:spChg chg="mod">
+          <ac:chgData name="Long B Nguyen" userId="f59fb8f3-a021-417a-8bc1-65c8d471c621" providerId="ADAL" clId="{84676ADF-44D0-6B47-A57C-36670D0E7DB8}" dt="2021-09-10T12:59:05.968" v="995" actId="20577"/>
+          <ac:spMkLst>
+            <pc:docMk/>
+            <pc:sldMk cId="1439554506" sldId="555"/>
+            <ac:spMk id="9" creationId="{E3B2E017-30B2-884B-A113-B419A2ED51AD}"/>
+          </ac:spMkLst>
+        </pc:spChg>
       </pc:sldChg>
     </pc:docChg>
   </pc:docChgLst>
@@ -2769,7 +2887,7 @@
           <a:p>
             <a:fld id="{52977C8B-3199-9A4B-9182-F1B54ABD2553}" type="datetimeFigureOut">
               <a:rPr lang="en-US" smtClean="0"/>
-              <a:t>6/3/21</a:t>
+              <a:t>9/10/21</a:t>
             </a:fld>
             <a:endParaRPr lang="en-US"/>
           </a:p>
@@ -3167,7 +3285,7 @@
           <a:p>
             <a:fld id="{4AAD347D-5ACD-4C99-B74B-A9C85AD731AF}" type="datetimeFigureOut">
               <a:rPr lang="en-US" smtClean="0"/>
-              <a:t>6/3/21</a:t>
+              <a:t>9/10/21</a:t>
             </a:fld>
             <a:endParaRPr lang="en-US" dirty="0"/>
           </a:p>
@@ -3337,7 +3455,7 @@
           <a:p>
             <a:fld id="{4509A250-FF31-4206-8172-F9D3106AACB1}" type="datetimeFigureOut">
               <a:rPr lang="en-US" smtClean="0"/>
-              <a:t>6/3/21</a:t>
+              <a:t>9/10/21</a:t>
             </a:fld>
             <a:endParaRPr lang="en-US" dirty="0"/>
           </a:p>
@@ -3517,7 +3635,7 @@
           <a:p>
             <a:fld id="{4509A250-FF31-4206-8172-F9D3106AACB1}" type="datetimeFigureOut">
               <a:rPr lang="en-US" smtClean="0"/>
-              <a:t>6/3/21</a:t>
+              <a:t>9/10/21</a:t>
             </a:fld>
             <a:endParaRPr lang="en-US" dirty="0"/>
           </a:p>
@@ -3687,7 +3805,7 @@
           <a:p>
             <a:fld id="{4509A250-FF31-4206-8172-F9D3106AACB1}" type="datetimeFigureOut">
               <a:rPr lang="en-US" smtClean="0"/>
-              <a:t>6/3/21</a:t>
+              <a:t>9/10/21</a:t>
             </a:fld>
             <a:endParaRPr lang="en-US" dirty="0"/>
           </a:p>
@@ -3933,7 +4051,7 @@
           <a:p>
             <a:fld id="{9796027F-7875-4030-9381-8BD8C4F21935}" type="datetimeFigureOut">
               <a:rPr lang="en-US" smtClean="0"/>
-              <a:t>6/3/21</a:t>
+              <a:t>9/10/21</a:t>
             </a:fld>
             <a:endParaRPr lang="en-US" dirty="0"/>
           </a:p>
@@ -4165,7 +4283,7 @@
           <a:p>
             <a:fld id="{9796027F-7875-4030-9381-8BD8C4F21935}" type="datetimeFigureOut">
               <a:rPr lang="en-US" smtClean="0"/>
-              <a:t>6/3/21</a:t>
+              <a:t>9/10/21</a:t>
             </a:fld>
             <a:endParaRPr lang="en-US" dirty="0"/>
           </a:p>
@@ -4532,7 +4650,7 @@
           <a:p>
             <a:fld id="{9796027F-7875-4030-9381-8BD8C4F21935}" type="datetimeFigureOut">
               <a:rPr lang="en-US" smtClean="0"/>
-              <a:t>6/3/21</a:t>
+              <a:t>9/10/21</a:t>
             </a:fld>
             <a:endParaRPr lang="en-US" dirty="0"/>
           </a:p>
@@ -4650,7 +4768,7 @@
           <a:p>
             <a:fld id="{4509A250-FF31-4206-8172-F9D3106AACB1}" type="datetimeFigureOut">
               <a:rPr lang="en-US" smtClean="0"/>
-              <a:t>6/3/21</a:t>
+              <a:t>9/10/21</a:t>
             </a:fld>
             <a:endParaRPr lang="en-US" dirty="0"/>
           </a:p>
@@ -4745,7 +4863,7 @@
           <a:p>
             <a:fld id="{4509A250-FF31-4206-8172-F9D3106AACB1}" type="datetimeFigureOut">
               <a:rPr lang="en-US" smtClean="0"/>
-              <a:t>6/3/21</a:t>
+              <a:t>9/10/21</a:t>
             </a:fld>
             <a:endParaRPr lang="en-US" dirty="0"/>
           </a:p>
@@ -5022,7 +5140,7 @@
           <a:p>
             <a:fld id="{4509A250-FF31-4206-8172-F9D3106AACB1}" type="datetimeFigureOut">
               <a:rPr lang="en-US" smtClean="0"/>
-              <a:t>6/3/21</a:t>
+              <a:t>9/10/21</a:t>
             </a:fld>
             <a:endParaRPr lang="en-US" dirty="0"/>
           </a:p>
@@ -5279,7 +5397,7 @@
           <a:p>
             <a:fld id="{4509A250-FF31-4206-8172-F9D3106AACB1}" type="datetimeFigureOut">
               <a:rPr lang="en-US" smtClean="0"/>
-              <a:t>6/3/21</a:t>
+              <a:t>9/10/21</a:t>
             </a:fld>
             <a:endParaRPr lang="en-US" dirty="0"/>
           </a:p>
@@ -5492,7 +5610,7 @@
           <a:p>
             <a:fld id="{4AAD347D-5ACD-4C99-B74B-A9C85AD731AF}" type="datetimeFigureOut">
               <a:rPr lang="en-US" smtClean="0"/>
-              <a:t>6/3/21</a:t>
+              <a:t>9/10/21</a:t>
             </a:fld>
             <a:endParaRPr lang="en-US" dirty="0"/>
           </a:p>
@@ -9969,6 +10087,165 @@
   <p:clrMapOvr>
     <a:masterClrMapping/>
   </p:clrMapOvr>
+  <p:timing>
+    <p:tnLst>
+      <p:par>
+        <p:cTn id="1" dur="indefinite" restart="never" nodeType="tmRoot">
+          <p:childTnLst>
+            <p:seq concurrent="1" nextAc="seek">
+              <p:cTn id="2" dur="indefinite" nodeType="mainSeq">
+                <p:childTnLst>
+                  <p:par>
+                    <p:cTn id="3" fill="hold">
+                      <p:stCondLst>
+                        <p:cond delay="indefinite"/>
+                      </p:stCondLst>
+                      <p:childTnLst>
+                        <p:par>
+                          <p:cTn id="4" fill="hold">
+                            <p:stCondLst>
+                              <p:cond delay="0"/>
+                            </p:stCondLst>
+                            <p:childTnLst>
+                              <p:par>
+                                <p:cTn id="5" presetID="1" presetClass="entr" presetSubtype="0" fill="hold" nodeType="clickEffect">
+                                  <p:stCondLst>
+                                    <p:cond delay="0"/>
+                                  </p:stCondLst>
+                                  <p:childTnLst>
+                                    <p:set>
+                                      <p:cBhvr>
+                                        <p:cTn id="6" dur="1" fill="hold">
+                                          <p:stCondLst>
+                                            <p:cond delay="0"/>
+                                          </p:stCondLst>
+                                        </p:cTn>
+                                        <p:tgtEl>
+                                          <p:spTgt spid="3">
+                                            <p:txEl>
+                                              <p:pRg st="2" end="2"/>
+                                            </p:txEl>
+                                          </p:spTgt>
+                                        </p:tgtEl>
+                                        <p:attrNameLst>
+                                          <p:attrName>style.visibility</p:attrName>
+                                        </p:attrNameLst>
+                                      </p:cBhvr>
+                                      <p:to>
+                                        <p:strVal val="visible"/>
+                                      </p:to>
+                                    </p:set>
+                                  </p:childTnLst>
+                                </p:cTn>
+                              </p:par>
+                              <p:par>
+                                <p:cTn id="7" presetID="1" presetClass="entr" presetSubtype="0" fill="hold" nodeType="withEffect">
+                                  <p:stCondLst>
+                                    <p:cond delay="0"/>
+                                  </p:stCondLst>
+                                  <p:childTnLst>
+                                    <p:set>
+                                      <p:cBhvr>
+                                        <p:cTn id="8" dur="1" fill="hold">
+                                          <p:stCondLst>
+                                            <p:cond delay="0"/>
+                                          </p:stCondLst>
+                                        </p:cTn>
+                                        <p:tgtEl>
+                                          <p:spTgt spid="3">
+                                            <p:txEl>
+                                              <p:pRg st="3" end="3"/>
+                                            </p:txEl>
+                                          </p:spTgt>
+                                        </p:tgtEl>
+                                        <p:attrNameLst>
+                                          <p:attrName>style.visibility</p:attrName>
+                                        </p:attrNameLst>
+                                      </p:cBhvr>
+                                      <p:to>
+                                        <p:strVal val="visible"/>
+                                      </p:to>
+                                    </p:set>
+                                  </p:childTnLst>
+                                </p:cTn>
+                              </p:par>
+                            </p:childTnLst>
+                          </p:cTn>
+                        </p:par>
+                      </p:childTnLst>
+                    </p:cTn>
+                  </p:par>
+                  <p:par>
+                    <p:cTn id="9" fill="hold">
+                      <p:stCondLst>
+                        <p:cond delay="indefinite"/>
+                      </p:stCondLst>
+                      <p:childTnLst>
+                        <p:par>
+                          <p:cTn id="10" fill="hold">
+                            <p:stCondLst>
+                              <p:cond delay="0"/>
+                            </p:stCondLst>
+                            <p:childTnLst>
+                              <p:par>
+                                <p:cTn id="11" presetID="1" presetClass="entr" presetSubtype="0" fill="hold" nodeType="clickEffect">
+                                  <p:stCondLst>
+                                    <p:cond delay="0"/>
+                                  </p:stCondLst>
+                                  <p:childTnLst>
+                                    <p:set>
+                                      <p:cBhvr>
+                                        <p:cTn id="12" dur="1" fill="hold">
+                                          <p:stCondLst>
+                                            <p:cond delay="0"/>
+                                          </p:stCondLst>
+                                        </p:cTn>
+                                        <p:tgtEl>
+                                          <p:spTgt spid="3">
+                                            <p:txEl>
+                                              <p:pRg st="5" end="5"/>
+                                            </p:txEl>
+                                          </p:spTgt>
+                                        </p:tgtEl>
+                                        <p:attrNameLst>
+                                          <p:attrName>style.visibility</p:attrName>
+                                        </p:attrNameLst>
+                                      </p:cBhvr>
+                                      <p:to>
+                                        <p:strVal val="visible"/>
+                                      </p:to>
+                                    </p:set>
+                                  </p:childTnLst>
+                                </p:cTn>
+                              </p:par>
+                            </p:childTnLst>
+                          </p:cTn>
+                        </p:par>
+                      </p:childTnLst>
+                    </p:cTn>
+                  </p:par>
+                </p:childTnLst>
+              </p:cTn>
+              <p:prevCondLst>
+                <p:cond evt="onPrev" delay="0">
+                  <p:tgtEl>
+                    <p:sldTgt/>
+                  </p:tgtEl>
+                </p:cond>
+              </p:prevCondLst>
+              <p:nextCondLst>
+                <p:cond evt="onNext" delay="0">
+                  <p:tgtEl>
+                    <p:sldTgt/>
+                  </p:tgtEl>
+                </p:cond>
+              </p:nextCondLst>
+            </p:seq>
+          </p:childTnLst>
+        </p:cTn>
+      </p:par>
+    </p:tnLst>
+  </p:timing>
 </p:sld>
 </file>
 
@@ -11283,6 +11560,281 @@
   <p:clrMapOvr>
     <a:masterClrMapping/>
   </p:clrMapOvr>
+  <p:timing>
+    <p:tnLst>
+      <p:par>
+        <p:cTn id="1" dur="indefinite" restart="never" nodeType="tmRoot">
+          <p:childTnLst>
+            <p:seq concurrent="1" nextAc="seek">
+              <p:cTn id="2" dur="indefinite" nodeType="mainSeq">
+                <p:childTnLst>
+                  <p:par>
+                    <p:cTn id="3" fill="hold">
+                      <p:stCondLst>
+                        <p:cond delay="indefinite"/>
+                      </p:stCondLst>
+                      <p:childTnLst>
+                        <p:par>
+                          <p:cTn id="4" fill="hold">
+                            <p:stCondLst>
+                              <p:cond delay="0"/>
+                            </p:stCondLst>
+                            <p:childTnLst>
+                              <p:par>
+                                <p:cTn id="5" presetID="1" presetClass="entr" presetSubtype="0" fill="hold" nodeType="clickEffect">
+                                  <p:stCondLst>
+                                    <p:cond delay="0"/>
+                                  </p:stCondLst>
+                                  <p:childTnLst>
+                                    <p:set>
+                                      <p:cBhvr>
+                                        <p:cTn id="6" dur="1" fill="hold">
+                                          <p:stCondLst>
+                                            <p:cond delay="0"/>
+                                          </p:stCondLst>
+                                        </p:cTn>
+                                        <p:tgtEl>
+                                          <p:spTgt spid="3">
+                                            <p:txEl>
+                                              <p:pRg st="1" end="1"/>
+                                            </p:txEl>
+                                          </p:spTgt>
+                                        </p:tgtEl>
+                                        <p:attrNameLst>
+                                          <p:attrName>style.visibility</p:attrName>
+                                        </p:attrNameLst>
+                                      </p:cBhvr>
+                                      <p:to>
+                                        <p:strVal val="visible"/>
+                                      </p:to>
+                                    </p:set>
+                                  </p:childTnLst>
+                                </p:cTn>
+                              </p:par>
+                            </p:childTnLst>
+                          </p:cTn>
+                        </p:par>
+                      </p:childTnLst>
+                    </p:cTn>
+                  </p:par>
+                  <p:par>
+                    <p:cTn id="7" fill="hold">
+                      <p:stCondLst>
+                        <p:cond delay="indefinite"/>
+                      </p:stCondLst>
+                      <p:childTnLst>
+                        <p:par>
+                          <p:cTn id="8" fill="hold">
+                            <p:stCondLst>
+                              <p:cond delay="0"/>
+                            </p:stCondLst>
+                            <p:childTnLst>
+                              <p:par>
+                                <p:cTn id="9" presetID="1" presetClass="entr" presetSubtype="0" fill="hold" nodeType="clickEffect">
+                                  <p:stCondLst>
+                                    <p:cond delay="0"/>
+                                  </p:stCondLst>
+                                  <p:childTnLst>
+                                    <p:set>
+                                      <p:cBhvr>
+                                        <p:cTn id="10" dur="1" fill="hold">
+                                          <p:stCondLst>
+                                            <p:cond delay="0"/>
+                                          </p:stCondLst>
+                                        </p:cTn>
+                                        <p:tgtEl>
+                                          <p:spTgt spid="3">
+                                            <p:txEl>
+                                              <p:pRg st="2" end="2"/>
+                                            </p:txEl>
+                                          </p:spTgt>
+                                        </p:tgtEl>
+                                        <p:attrNameLst>
+                                          <p:attrName>style.visibility</p:attrName>
+                                        </p:attrNameLst>
+                                      </p:cBhvr>
+                                      <p:to>
+                                        <p:strVal val="visible"/>
+                                      </p:to>
+                                    </p:set>
+                                  </p:childTnLst>
+                                </p:cTn>
+                              </p:par>
+                            </p:childTnLst>
+                          </p:cTn>
+                        </p:par>
+                      </p:childTnLst>
+                    </p:cTn>
+                  </p:par>
+                  <p:par>
+                    <p:cTn id="11" fill="hold">
+                      <p:stCondLst>
+                        <p:cond delay="indefinite"/>
+                      </p:stCondLst>
+                      <p:childTnLst>
+                        <p:par>
+                          <p:cTn id="12" fill="hold">
+                            <p:stCondLst>
+                              <p:cond delay="0"/>
+                            </p:stCondLst>
+                            <p:childTnLst>
+                              <p:par>
+                                <p:cTn id="13" presetID="1" presetClass="entr" presetSubtype="0" fill="hold" nodeType="clickEffect">
+                                  <p:stCondLst>
+                                    <p:cond delay="0"/>
+                                  </p:stCondLst>
+                                  <p:childTnLst>
+                                    <p:set>
+                                      <p:cBhvr>
+                                        <p:cTn id="14" dur="1" fill="hold">
+                                          <p:stCondLst>
+                                            <p:cond delay="0"/>
+                                          </p:stCondLst>
+                                        </p:cTn>
+                                        <p:tgtEl>
+                                          <p:spTgt spid="3">
+                                            <p:txEl>
+                                              <p:pRg st="3" end="3"/>
+                                            </p:txEl>
+                                          </p:spTgt>
+                                        </p:tgtEl>
+                                        <p:attrNameLst>
+                                          <p:attrName>style.visibility</p:attrName>
+                                        </p:attrNameLst>
+                                      </p:cBhvr>
+                                      <p:to>
+                                        <p:strVal val="visible"/>
+                                      </p:to>
+                                    </p:set>
+                                  </p:childTnLst>
+                                </p:cTn>
+                              </p:par>
+                            </p:childTnLst>
+                          </p:cTn>
+                        </p:par>
+                      </p:childTnLst>
+                    </p:cTn>
+                  </p:par>
+                  <p:par>
+                    <p:cTn id="15" fill="hold">
+                      <p:stCondLst>
+                        <p:cond delay="indefinite"/>
+                      </p:stCondLst>
+                      <p:childTnLst>
+                        <p:par>
+                          <p:cTn id="16" fill="hold">
+                            <p:stCondLst>
+                              <p:cond delay="0"/>
+                            </p:stCondLst>
+                            <p:childTnLst>
+                              <p:par>
+                                <p:cTn id="17" presetID="1" presetClass="entr" presetSubtype="0" fill="hold" nodeType="clickEffect">
+                                  <p:stCondLst>
+                                    <p:cond delay="0"/>
+                                  </p:stCondLst>
+                                  <p:childTnLst>
+                                    <p:set>
+                                      <p:cBhvr>
+                                        <p:cTn id="18" dur="1" fill="hold">
+                                          <p:stCondLst>
+                                            <p:cond delay="0"/>
+                                          </p:stCondLst>
+                                        </p:cTn>
+                                        <p:tgtEl>
+                                          <p:spTgt spid="3">
+                                            <p:txEl>
+                                              <p:pRg st="4" end="4"/>
+                                            </p:txEl>
+                                          </p:spTgt>
+                                        </p:tgtEl>
+                                        <p:attrNameLst>
+                                          <p:attrName>style.visibility</p:attrName>
+                                        </p:attrNameLst>
+                                      </p:cBhvr>
+                                      <p:to>
+                                        <p:strVal val="visible"/>
+                                      </p:to>
+                                    </p:set>
+                                  </p:childTnLst>
+                                </p:cTn>
+                              </p:par>
+                            </p:childTnLst>
+                          </p:cTn>
+                        </p:par>
+                      </p:childTnLst>
+                    </p:cTn>
+                  </p:par>
+                  <p:par>
+                    <p:cTn id="19" fill="hold">
+                      <p:stCondLst>
+                        <p:cond delay="indefinite"/>
+                      </p:stCondLst>
+                      <p:childTnLst>
+                        <p:par>
+                          <p:cTn id="20" fill="hold">
+                            <p:stCondLst>
+                              <p:cond delay="0"/>
+                            </p:stCondLst>
+                            <p:childTnLst>
+                              <p:par>
+                                <p:cTn id="21" presetID="1" presetClass="entr" presetSubtype="0" fill="hold" nodeType="clickEffect">
+                                  <p:stCondLst>
+                                    <p:cond delay="0"/>
+                                  </p:stCondLst>
+                                  <p:childTnLst>
+                                    <p:set>
+                                      <p:cBhvr>
+                                        <p:cTn id="22" dur="1" fill="hold">
+                                          <p:stCondLst>
+                                            <p:cond delay="0"/>
+                                          </p:stCondLst>
+                                        </p:cTn>
+                                        <p:tgtEl>
+                                          <p:spTgt spid="3">
+                                            <p:txEl>
+                                              <p:pRg st="7" end="7"/>
+                                            </p:txEl>
+                                          </p:spTgt>
+                                        </p:tgtEl>
+                                        <p:attrNameLst>
+                                          <p:attrName>style.visibility</p:attrName>
+                                        </p:attrNameLst>
+                                      </p:cBhvr>
+                                      <p:to>
+                                        <p:strVal val="visible"/>
+                                      </p:to>
+                                    </p:set>
+                                  </p:childTnLst>
+                                </p:cTn>
+                              </p:par>
+                            </p:childTnLst>
+                          </p:cTn>
+                        </p:par>
+                      </p:childTnLst>
+                    </p:cTn>
+                  </p:par>
+                </p:childTnLst>
+              </p:cTn>
+              <p:prevCondLst>
+                <p:cond evt="onPrev" delay="0">
+                  <p:tgtEl>
+                    <p:sldTgt/>
+                  </p:tgtEl>
+                </p:cond>
+              </p:prevCondLst>
+              <p:nextCondLst>
+                <p:cond evt="onNext" delay="0">
+                  <p:tgtEl>
+                    <p:sldTgt/>
+                  </p:tgtEl>
+                </p:cond>
+              </p:nextCondLst>
+            </p:seq>
+          </p:childTnLst>
+        </p:cTn>
+      </p:par>
+    </p:tnLst>
+  </p:timing>
 </p:sld>
 </file>
 
@@ -11469,6 +12021,134 @@
   <p:clrMapOvr>
     <a:masterClrMapping/>
   </p:clrMapOvr>
+  <p:timing>
+    <p:tnLst>
+      <p:par>
+        <p:cTn id="1" dur="indefinite" restart="never" nodeType="tmRoot">
+          <p:childTnLst>
+            <p:seq concurrent="1" nextAc="seek">
+              <p:cTn id="2" dur="indefinite" nodeType="mainSeq">
+                <p:childTnLst>
+                  <p:par>
+                    <p:cTn id="3" fill="hold">
+                      <p:stCondLst>
+                        <p:cond delay="indefinite"/>
+                      </p:stCondLst>
+                      <p:childTnLst>
+                        <p:par>
+                          <p:cTn id="4" fill="hold">
+                            <p:stCondLst>
+                              <p:cond delay="0"/>
+                            </p:stCondLst>
+                            <p:childTnLst>
+                              <p:par>
+                                <p:cTn id="5" presetID="1" presetClass="entr" presetSubtype="0" fill="hold" nodeType="clickEffect">
+                                  <p:stCondLst>
+                                    <p:cond delay="0"/>
+                                  </p:stCondLst>
+                                  <p:childTnLst>
+                                    <p:set>
+                                      <p:cBhvr>
+                                        <p:cTn id="6" dur="1" fill="hold">
+                                          <p:stCondLst>
+                                            <p:cond delay="0"/>
+                                          </p:stCondLst>
+                                        </p:cTn>
+                                        <p:tgtEl>
+                                          <p:spTgt spid="3">
+                                            <p:txEl>
+                                              <p:pRg st="3" end="3"/>
+                                            </p:txEl>
+                                          </p:spTgt>
+                                        </p:tgtEl>
+                                        <p:attrNameLst>
+                                          <p:attrName>style.visibility</p:attrName>
+                                        </p:attrNameLst>
+                                      </p:cBhvr>
+                                      <p:to>
+                                        <p:strVal val="visible"/>
+                                      </p:to>
+                                    </p:set>
+                                  </p:childTnLst>
+                                </p:cTn>
+                              </p:par>
+                            </p:childTnLst>
+                          </p:cTn>
+                        </p:par>
+                      </p:childTnLst>
+                    </p:cTn>
+                  </p:par>
+                  <p:par>
+                    <p:cTn id="7" fill="hold">
+                      <p:stCondLst>
+                        <p:cond delay="indefinite"/>
+                      </p:stCondLst>
+                      <p:childTnLst>
+                        <p:par>
+                          <p:cTn id="8" fill="hold">
+                            <p:stCondLst>
+                              <p:cond delay="0"/>
+                            </p:stCondLst>
+                            <p:childTnLst>
+                              <p:par>
+                                <p:cTn id="9" presetID="1" presetClass="entr" presetSubtype="0" fill="hold" nodeType="clickEffect">
+                                  <p:stCondLst>
+                                    <p:cond delay="0"/>
+                                  </p:stCondLst>
+                                  <p:childTnLst>
+                                    <p:set>
+                                      <p:cBhvr>
+                                        <p:cTn id="10" dur="1" fill="hold">
+                                          <p:stCondLst>
+                                            <p:cond delay="0"/>
+                                          </p:stCondLst>
+                                        </p:cTn>
+                                        <p:tgtEl>
+                                          <p:spTgt spid="3">
+                                            <p:txEl>
+                                              <p:pRg st="5" end="5"/>
+                                            </p:txEl>
+                                          </p:spTgt>
+                                        </p:tgtEl>
+                                        <p:attrNameLst>
+                                          <p:attrName>style.visibility</p:attrName>
+                                        </p:attrNameLst>
+                                      </p:cBhvr>
+                                      <p:to>
+                                        <p:strVal val="visible"/>
+                                      </p:to>
+                                    </p:set>
+                                  </p:childTnLst>
+                                </p:cTn>
+                              </p:par>
+                            </p:childTnLst>
+                          </p:cTn>
+                        </p:par>
+                      </p:childTnLst>
+                    </p:cTn>
+                  </p:par>
+                </p:childTnLst>
+              </p:cTn>
+              <p:prevCondLst>
+                <p:cond evt="onPrev" delay="0">
+                  <p:tgtEl>
+                    <p:sldTgt/>
+                  </p:tgtEl>
+                </p:cond>
+              </p:prevCondLst>
+              <p:nextCondLst>
+                <p:cond evt="onNext" delay="0">
+                  <p:tgtEl>
+                    <p:sldTgt/>
+                  </p:tgtEl>
+                </p:cond>
+              </p:nextCondLst>
+            </p:seq>
+          </p:childTnLst>
+        </p:cTn>
+      </p:par>
+    </p:tnLst>
+  </p:timing>
 </p:sld>
 </file>
 
@@ -12654,6 +13334,395 @@
   <p:clrMapOvr>
     <a:masterClrMapping/>
   </p:clrMapOvr>
+  <p:timing>
+    <p:tnLst>
+      <p:par>
+        <p:cTn id="1" dur="indefinite" restart="never" nodeType="tmRoot">
+          <p:childTnLst>
+            <p:seq concurrent="1" nextAc="seek">
+              <p:cTn id="2" dur="indefinite" nodeType="mainSeq">
+                <p:childTnLst>
+                  <p:par>
+                    <p:cTn id="3" fill="hold">
+                      <p:stCondLst>
+                        <p:cond delay="indefinite"/>
+                      </p:stCondLst>
+                      <p:childTnLst>
+                        <p:par>
+                          <p:cTn id="4" fill="hold">
+                            <p:stCondLst>
+                              <p:cond delay="0"/>
+                            </p:stCondLst>
+                            <p:childTnLst>
+                              <p:par>
+                                <p:cTn id="5" presetID="1" presetClass="entr" presetSubtype="0" fill="hold" nodeType="clickEffect">
+                                  <p:stCondLst>
+                                    <p:cond delay="0"/>
+                                  </p:stCondLst>
+                                  <p:childTnLst>
+                                    <p:set>
+                                      <p:cBhvr>
+                                        <p:cTn id="6" dur="1" fill="hold">
+                                          <p:stCondLst>
+                                            <p:cond delay="0"/>
+                                          </p:stCondLst>
+                                        </p:cTn>
+                                        <p:tgtEl>
+                                          <p:spTgt spid="9">
+                                            <p:txEl>
+                                              <p:pRg st="2" end="2"/>
+                                            </p:txEl>
+                                          </p:spTgt>
+                                        </p:tgtEl>
+                                        <p:attrNameLst>
+                                          <p:attrName>style.visibility</p:attrName>
+                                        </p:attrNameLst>
+                                      </p:cBhvr>
+                                      <p:to>
+                                        <p:strVal val="visible"/>
+                                      </p:to>
+                                    </p:set>
+                                  </p:childTnLst>
+                                </p:cTn>
+                              </p:par>
+                              <p:par>
+                                <p:cTn id="7" presetID="1" presetClass="entr" presetSubtype="0" fill="hold" nodeType="withEffect">
+                                  <p:stCondLst>
+                                    <p:cond delay="0"/>
+                                  </p:stCondLst>
+                                  <p:childTnLst>
+                                    <p:set>
+                                      <p:cBhvr>
+                                        <p:cTn id="8" dur="1" fill="hold">
+                                          <p:stCondLst>
+                                            <p:cond delay="0"/>
+                                          </p:stCondLst>
+                                        </p:cTn>
+                                        <p:tgtEl>
+                                          <p:spTgt spid="9">
+                                            <p:txEl>
+                                              <p:pRg st="3" end="3"/>
+                                            </p:txEl>
+                                          </p:spTgt>
+                                        </p:tgtEl>
+                                        <p:attrNameLst>
+                                          <p:attrName>style.visibility</p:attrName>
+                                        </p:attrNameLst>
+                                      </p:cBhvr>
+                                      <p:to>
+                                        <p:strVal val="visible"/>
+                                      </p:to>
+                                    </p:set>
+                                  </p:childTnLst>
+                                </p:cTn>
+                              </p:par>
+                              <p:par>
+                                <p:cTn id="9" presetID="1" presetClass="entr" presetSubtype="0" fill="hold" nodeType="withEffect">
+                                  <p:stCondLst>
+                                    <p:cond delay="0"/>
+                                  </p:stCondLst>
+                                  <p:childTnLst>
+                                    <p:set>
+                                      <p:cBhvr>
+                                        <p:cTn id="10" dur="1" fill="hold">
+                                          <p:stCondLst>
+                                            <p:cond delay="0"/>
+                                          </p:stCondLst>
+                                        </p:cTn>
+                                        <p:tgtEl>
+                                          <p:spTgt spid="9">
+                                            <p:txEl>
+                                              <p:pRg st="4" end="4"/>
+                                            </p:txEl>
+                                          </p:spTgt>
+                                        </p:tgtEl>
+                                        <p:attrNameLst>
+                                          <p:attrName>style.visibility</p:attrName>
+                                        </p:attrNameLst>
+                                      </p:cBhvr>
+                                      <p:to>
+                                        <p:strVal val="visible"/>
+                                      </p:to>
+                                    </p:set>
+                                  </p:childTnLst>
+                                </p:cTn>
+                              </p:par>
+                              <p:par>
+                                <p:cTn id="11" presetID="1" presetClass="entr" presetSubtype="0" fill="hold" nodeType="withEffect">
+                                  <p:stCondLst>
+                                    <p:cond delay="0"/>
+                                  </p:stCondLst>
+                                  <p:childTnLst>
+                                    <p:set>
+                                      <p:cBhvr>
+                                        <p:cTn id="12" dur="1" fill="hold">
+                                          <p:stCondLst>
+                                            <p:cond delay="0"/>
+                                          </p:stCondLst>
+                                        </p:cTn>
+                                        <p:tgtEl>
+                                          <p:spTgt spid="9">
+                                            <p:txEl>
+                                              <p:pRg st="5" end="5"/>
+                                            </p:txEl>
+                                          </p:spTgt>
+                                        </p:tgtEl>
+                                        <p:attrNameLst>
+                                          <p:attrName>style.visibility</p:attrName>
+                                        </p:attrNameLst>
+                                      </p:cBhvr>
+                                      <p:to>
+                                        <p:strVal val="visible"/>
+                                      </p:to>
+                                    </p:set>
+                                  </p:childTnLst>
+                                </p:cTn>
+                              </p:par>
+                            </p:childTnLst>
+                          </p:cTn>
+                        </p:par>
+                      </p:childTnLst>
+                    </p:cTn>
+                  </p:par>
+                  <p:par>
+                    <p:cTn id="13" fill="hold">
+                      <p:stCondLst>
+                        <p:cond delay="indefinite"/>
+                      </p:stCondLst>
+                      <p:childTnLst>
+                        <p:par>
+                          <p:cTn id="14" fill="hold">
+                            <p:stCondLst>
+                              <p:cond delay="0"/>
+                            </p:stCondLst>
+                            <p:childTnLst>
+                              <p:par>
+                                <p:cTn id="15" presetID="1" presetClass="entr" presetSubtype="0" fill="hold" nodeType="clickEffect">
+                                  <p:stCondLst>
+                                    <p:cond delay="0"/>
+                                  </p:stCondLst>
+                                  <p:childTnLst>
+                                    <p:set>
+                                      <p:cBhvr>
+                                        <p:cTn id="16" dur="1" fill="hold">
+                                          <p:stCondLst>
+                                            <p:cond delay="0"/>
+                                          </p:stCondLst>
+                                        </p:cTn>
+                                        <p:tgtEl>
+                                          <p:spTgt spid="9">
+                                            <p:txEl>
+                                              <p:pRg st="8" end="8"/>
+                                            </p:txEl>
+                                          </p:spTgt>
+                                        </p:tgtEl>
+                                        <p:attrNameLst>
+                                          <p:attrName>style.visibility</p:attrName>
+                                        </p:attrNameLst>
+                                      </p:cBhvr>
+                                      <p:to>
+                                        <p:strVal val="visible"/>
+                                      </p:to>
+                                    </p:set>
+                                  </p:childTnLst>
+                                </p:cTn>
+                              </p:par>
+                              <p:par>
+                                <p:cTn id="17" presetID="1" presetClass="entr" presetSubtype="0" fill="hold" nodeType="withEffect">
+                                  <p:stCondLst>
+                                    <p:cond delay="0"/>
+                                  </p:stCondLst>
+                                  <p:childTnLst>
+                                    <p:set>
+                                      <p:cBhvr>
+                                        <p:cTn id="18" dur="1" fill="hold">
+                                          <p:stCondLst>
+                                            <p:cond delay="0"/>
+                                          </p:stCondLst>
+                                        </p:cTn>
+                                        <p:tgtEl>
+                                          <p:spTgt spid="9">
+                                            <p:txEl>
+                                              <p:pRg st="9" end="9"/>
+                                            </p:txEl>
+                                          </p:spTgt>
+                                        </p:tgtEl>
+                                        <p:attrNameLst>
+                                          <p:attrName>style.visibility</p:attrName>
+                                        </p:attrNameLst>
+                                      </p:cBhvr>
+                                      <p:to>
+                                        <p:strVal val="visible"/>
+                                      </p:to>
+                                    </p:set>
+                                  </p:childTnLst>
+                                </p:cTn>
+                              </p:par>
+                              <p:par>
+                                <p:cTn id="19" presetID="1" presetClass="entr" presetSubtype="0" fill="hold" nodeType="withEffect">
+                                  <p:stCondLst>
+                                    <p:cond delay="0"/>
+                                  </p:stCondLst>
+                                  <p:childTnLst>
+                                    <p:set>
+                                      <p:cBhvr>
+                                        <p:cTn id="20" dur="1" fill="hold">
+                                          <p:stCondLst>
+                                            <p:cond delay="0"/>
+                                          </p:stCondLst>
+                                        </p:cTn>
+                                        <p:tgtEl>
+                                          <p:spTgt spid="9">
+                                            <p:txEl>
+                                              <p:pRg st="10" end="10"/>
+                                            </p:txEl>
+                                          </p:spTgt>
+                                        </p:tgtEl>
+                                        <p:attrNameLst>
+                                          <p:attrName>style.visibility</p:attrName>
+                                        </p:attrNameLst>
+                                      </p:cBhvr>
+                                      <p:to>
+                                        <p:strVal val="visible"/>
+                                      </p:to>
+                                    </p:set>
+                                  </p:childTnLst>
+                                </p:cTn>
+                              </p:par>
+                              <p:par>
+                                <p:cTn id="21" presetID="1" presetClass="entr" presetSubtype="0" fill="hold" nodeType="withEffect">
+                                  <p:stCondLst>
+                                    <p:cond delay="0"/>
+                                  </p:stCondLst>
+                                  <p:childTnLst>
+                                    <p:set>
+                                      <p:cBhvr>
+                                        <p:cTn id="22" dur="1" fill="hold">
+                                          <p:stCondLst>
+                                            <p:cond delay="0"/>
+                                          </p:stCondLst>
+                                        </p:cTn>
+                                        <p:tgtEl>
+                                          <p:spTgt spid="9">
+                                            <p:txEl>
+                                              <p:pRg st="11" end="11"/>
+                                            </p:txEl>
+                                          </p:spTgt>
+                                        </p:tgtEl>
+                                        <p:attrNameLst>
+                                          <p:attrName>style.visibility</p:attrName>
+                                        </p:attrNameLst>
+                                      </p:cBhvr>
+                                      <p:to>
+                                        <p:strVal val="visible"/>
+                                      </p:to>
+                                    </p:set>
+                                  </p:childTnLst>
+                                </p:cTn>
+                              </p:par>
+                            </p:childTnLst>
+                          </p:cTn>
+                        </p:par>
+                      </p:childTnLst>
+                    </p:cTn>
+                  </p:par>
+                  <p:par>
+                    <p:cTn id="23" fill="hold">
+                      <p:stCondLst>
+                        <p:cond delay="indefinite"/>
+                      </p:stCondLst>
+                      <p:childTnLst>
+                        <p:par>
+                          <p:cTn id="24" fill="hold">
+                            <p:stCondLst>
+                              <p:cond delay="0"/>
+                            </p:stCondLst>
+                            <p:childTnLst>
+                              <p:par>
+                                <p:cTn id="25" presetID="1" presetClass="entr" presetSubtype="0" fill="hold" grpId="0" nodeType="clickEffect">
+                                  <p:stCondLst>
+                                    <p:cond delay="0"/>
+                                  </p:stCondLst>
+                                  <p:childTnLst>
+                                    <p:set>
+                                      <p:cBhvr>
+                                        <p:cTn id="26" dur="1" fill="hold">
+                                          <p:stCondLst>
+                                            <p:cond delay="0"/>
+                                          </p:stCondLst>
+                                        </p:cTn>
+                                        <p:tgtEl>
+                                          <p:spTgt spid="4"/>
+                                        </p:tgtEl>
+                                        <p:attrNameLst>
+                                          <p:attrName>style.visibility</p:attrName>
+                                        </p:attrNameLst>
+                                      </p:cBhvr>
+                                      <p:to>
+                                        <p:strVal val="visible"/>
+                                      </p:to>
+                                    </p:set>
+                                  </p:childTnLst>
+                                </p:cTn>
+                              </p:par>
+                              <p:par>
+                                <p:cTn id="27" presetID="1" presetClass="entr" presetSubtype="0" fill="hold" nodeType="withEffect">
+                                  <p:stCondLst>
+                                    <p:cond delay="0"/>
+                                  </p:stCondLst>
+                                  <p:childTnLst>
+                                    <p:set>
+                                      <p:cBhvr>
+                                        <p:cTn id="28" dur="1" fill="hold">
+                                          <p:stCondLst>
+                                            <p:cond delay="0"/>
+                                          </p:stCondLst>
+                                        </p:cTn>
+                                        <p:tgtEl>
+                                          <p:spTgt spid="6"/>
+                                        </p:tgtEl>
+                                        <p:attrNameLst>
+                                          <p:attrName>style.visibility</p:attrName>
+                                        </p:attrNameLst>
+                                      </p:cBhvr>
+                                      <p:to>
+                                        <p:strVal val="visible"/>
+                                      </p:to>
+                                    </p:set>
+                                  </p:childTnLst>
+                                </p:cTn>
+                              </p:par>
+                            </p:childTnLst>
+                          </p:cTn>
+                        </p:par>
+                      </p:childTnLst>
+                    </p:cTn>
+                  </p:par>
+                </p:childTnLst>
+              </p:cTn>
+              <p:prevCondLst>
+                <p:cond evt="onPrev" delay="0">
+                  <p:tgtEl>
+                    <p:sldTgt/>
+                  </p:tgtEl>
+                </p:cond>
+              </p:prevCondLst>
+              <p:nextCondLst>
+                <p:cond evt="onNext" delay="0">
+                  <p:tgtEl>
+                    <p:sldTgt/>
+                  </p:tgtEl>
+                </p:cond>
+              </p:nextCondLst>
+            </p:seq>
+          </p:childTnLst>
+        </p:cTn>
+      </p:par>
+    </p:tnLst>
+    <p:bldLst>
+      <p:bldP spid="4" grpId="0"/>
+    </p:bldLst>
+  </p:timing>
 </p:sld>
 </file>
 
@@ -13134,6 +14203,320 @@
   <p:clrMapOvr>
     <a:masterClrMapping/>
   </p:clrMapOvr>
+  <p:timing>
+    <p:tnLst>
+      <p:par>
+        <p:cTn id="1" dur="indefinite" restart="never" nodeType="tmRoot">
+          <p:childTnLst>
+            <p:seq concurrent="1" nextAc="seek">
+              <p:cTn id="2" dur="indefinite" nodeType="mainSeq">
+                <p:childTnLst>
+                  <p:par>
+                    <p:cTn id="3" fill="hold">
+                      <p:stCondLst>
+                        <p:cond delay="indefinite"/>
+                      </p:stCondLst>
+                      <p:childTnLst>
+                        <p:par>
+                          <p:cTn id="4" fill="hold">
+                            <p:stCondLst>
+                              <p:cond delay="0"/>
+                            </p:stCondLst>
+                            <p:childTnLst>
+                              <p:par>
+                                <p:cTn id="5" presetID="1" presetClass="entr" presetSubtype="0" fill="hold" nodeType="clickEffect">
+                                  <p:stCondLst>
+                                    <p:cond delay="0"/>
+                                  </p:stCondLst>
+                                  <p:childTnLst>
+                                    <p:set>
+                                      <p:cBhvr>
+                                        <p:cTn id="6" dur="1" fill="hold">
+                                          <p:stCondLst>
+                                            <p:cond delay="0"/>
+                                          </p:stCondLst>
+                                        </p:cTn>
+                                        <p:tgtEl>
+                                          <p:spTgt spid="9">
+                                            <p:txEl>
+                                              <p:pRg st="2" end="2"/>
+                                            </p:txEl>
+                                          </p:spTgt>
+                                        </p:tgtEl>
+                                        <p:attrNameLst>
+                                          <p:attrName>style.visibility</p:attrName>
+                                        </p:attrNameLst>
+                                      </p:cBhvr>
+                                      <p:to>
+                                        <p:strVal val="visible"/>
+                                      </p:to>
+                                    </p:set>
+                                  </p:childTnLst>
+                                </p:cTn>
+                              </p:par>
+                              <p:par>
+                                <p:cTn id="7" presetID="1" presetClass="entr" presetSubtype="0" fill="hold" nodeType="withEffect">
+                                  <p:stCondLst>
+                                    <p:cond delay="0"/>
+                                  </p:stCondLst>
+                                  <p:childTnLst>
+                                    <p:set>
+                                      <p:cBhvr>
+                                        <p:cTn id="8" dur="1" fill="hold">
+                                          <p:stCondLst>
+                                            <p:cond delay="0"/>
+                                          </p:stCondLst>
+                                        </p:cTn>
+                                        <p:tgtEl>
+                                          <p:spTgt spid="9">
+                                            <p:txEl>
+                                              <p:pRg st="3" end="3"/>
+                                            </p:txEl>
+                                          </p:spTgt>
+                                        </p:tgtEl>
+                                        <p:attrNameLst>
+                                          <p:attrName>style.visibility</p:attrName>
+                                        </p:attrNameLst>
+                                      </p:cBhvr>
+                                      <p:to>
+                                        <p:strVal val="visible"/>
+                                      </p:to>
+                                    </p:set>
+                                  </p:childTnLst>
+                                </p:cTn>
+                              </p:par>
+                              <p:par>
+                                <p:cTn id="9" presetID="1" presetClass="entr" presetSubtype="0" fill="hold" nodeType="withEffect">
+                                  <p:stCondLst>
+                                    <p:cond delay="0"/>
+                                  </p:stCondLst>
+                                  <p:childTnLst>
+                                    <p:set>
+                                      <p:cBhvr>
+                                        <p:cTn id="10" dur="1" fill="hold">
+                                          <p:stCondLst>
+                                            <p:cond delay="0"/>
+                                          </p:stCondLst>
+                                        </p:cTn>
+                                        <p:tgtEl>
+                                          <p:spTgt spid="9">
+                                            <p:txEl>
+                                              <p:pRg st="4" end="4"/>
+                                            </p:txEl>
+                                          </p:spTgt>
+                                        </p:tgtEl>
+                                        <p:attrNameLst>
+                                          <p:attrName>style.visibility</p:attrName>
+                                        </p:attrNameLst>
+                                      </p:cBhvr>
+                                      <p:to>
+                                        <p:strVal val="visible"/>
+                                      </p:to>
+                                    </p:set>
+                                  </p:childTnLst>
+                                </p:cTn>
+                              </p:par>
+                              <p:par>
+                                <p:cTn id="11" presetID="1" presetClass="entr" presetSubtype="0" fill="hold" nodeType="withEffect">
+                                  <p:stCondLst>
+                                    <p:cond delay="0"/>
+                                  </p:stCondLst>
+                                  <p:childTnLst>
+                                    <p:set>
+                                      <p:cBhvr>
+                                        <p:cTn id="12" dur="1" fill="hold">
+                                          <p:stCondLst>
+                                            <p:cond delay="0"/>
+                                          </p:stCondLst>
+                                        </p:cTn>
+                                        <p:tgtEl>
+                                          <p:spTgt spid="9">
+                                            <p:txEl>
+                                              <p:pRg st="5" end="5"/>
+                                            </p:txEl>
+                                          </p:spTgt>
+                                        </p:tgtEl>
+                                        <p:attrNameLst>
+                                          <p:attrName>style.visibility</p:attrName>
+                                        </p:attrNameLst>
+                                      </p:cBhvr>
+                                      <p:to>
+                                        <p:strVal val="visible"/>
+                                      </p:to>
+                                    </p:set>
+                                  </p:childTnLst>
+                                </p:cTn>
+                              </p:par>
+                              <p:par>
+                                <p:cTn id="13" presetID="1" presetClass="entr" presetSubtype="0" fill="hold" nodeType="withEffect">
+                                  <p:stCondLst>
+                                    <p:cond delay="0"/>
+                                  </p:stCondLst>
+                                  <p:childTnLst>
+                                    <p:set>
+                                      <p:cBhvr>
+                                        <p:cTn id="14" dur="1" fill="hold">
+                                          <p:stCondLst>
+                                            <p:cond delay="0"/>
+                                          </p:stCondLst>
+                                        </p:cTn>
+                                        <p:tgtEl>
+                                          <p:spTgt spid="9">
+                                            <p:txEl>
+                                              <p:pRg st="6" end="6"/>
+                                            </p:txEl>
+                                          </p:spTgt>
+                                        </p:tgtEl>
+                                        <p:attrNameLst>
+                                          <p:attrName>style.visibility</p:attrName>
+                                        </p:attrNameLst>
+                                      </p:cBhvr>
+                                      <p:to>
+                                        <p:strVal val="visible"/>
+                                      </p:to>
+                                    </p:set>
+                                  </p:childTnLst>
+                                </p:cTn>
+                              </p:par>
+                            </p:childTnLst>
+                          </p:cTn>
+                        </p:par>
+                      </p:childTnLst>
+                    </p:cTn>
+                  </p:par>
+                  <p:par>
+                    <p:cTn id="15" fill="hold">
+                      <p:stCondLst>
+                        <p:cond delay="indefinite"/>
+                      </p:stCondLst>
+                      <p:childTnLst>
+                        <p:par>
+                          <p:cTn id="16" fill="hold">
+                            <p:stCondLst>
+                              <p:cond delay="0"/>
+                            </p:stCondLst>
+                            <p:childTnLst>
+                              <p:par>
+                                <p:cTn id="17" presetID="1" presetClass="entr" presetSubtype="0" fill="hold" nodeType="clickEffect">
+                                  <p:stCondLst>
+                                    <p:cond delay="0"/>
+                                  </p:stCondLst>
+                                  <p:childTnLst>
+                                    <p:set>
+                                      <p:cBhvr>
+                                        <p:cTn id="18" dur="1" fill="hold">
+                                          <p:stCondLst>
+                                            <p:cond delay="0"/>
+                                          </p:stCondLst>
+                                        </p:cTn>
+                                        <p:tgtEl>
+                                          <p:spTgt spid="9">
+                                            <p:txEl>
+                                              <p:pRg st="8" end="8"/>
+                                            </p:txEl>
+                                          </p:spTgt>
+                                        </p:tgtEl>
+                                        <p:attrNameLst>
+                                          <p:attrName>style.visibility</p:attrName>
+                                        </p:attrNameLst>
+                                      </p:cBhvr>
+                                      <p:to>
+                                        <p:strVal val="visible"/>
+                                      </p:to>
+                                    </p:set>
+                                  </p:childTnLst>
+                                </p:cTn>
+                              </p:par>
+                              <p:par>
+                                <p:cTn id="19" presetID="1" presetClass="entr" presetSubtype="0" fill="hold" nodeType="withEffect">
+                                  <p:stCondLst>
+                                    <p:cond delay="0"/>
+                                  </p:stCondLst>
+                                  <p:childTnLst>
+                                    <p:set>
+                                      <p:cBhvr>
+                                        <p:cTn id="20" dur="1" fill="hold">
+                                          <p:stCondLst>
+                                            <p:cond delay="0"/>
+                                          </p:stCondLst>
+                                        </p:cTn>
+                                        <p:tgtEl>
+                                          <p:spTgt spid="9">
+                                            <p:txEl>
+                                              <p:pRg st="9" end="9"/>
+                                            </p:txEl>
+                                          </p:spTgt>
+                                        </p:tgtEl>
+                                        <p:attrNameLst>
+                                          <p:attrName>style.visibility</p:attrName>
+                                        </p:attrNameLst>
+                                      </p:cBhvr>
+                                      <p:to>
+                                        <p:strVal val="visible"/>
+                                      </p:to>
+                                    </p:set>
+                                  </p:childTnLst>
+                                </p:cTn>
+                              </p:par>
+                              <p:par>
+                                <p:cTn id="21" presetID="1" presetClass="entr" presetSubtype="0" fill="hold" nodeType="withEffect">
+                                  <p:stCondLst>
+                                    <p:cond delay="0"/>
+                                  </p:stCondLst>
+                                  <p:childTnLst>
+                                    <p:set>
+                                      <p:cBhvr>
+                                        <p:cTn id="22" dur="1" fill="hold">
+                                          <p:stCondLst>
+                                            <p:cond delay="0"/>
+                                          </p:stCondLst>
+                                        </p:cTn>
+                                        <p:tgtEl>
+                                          <p:spTgt spid="9">
+                                            <p:txEl>
+                                              <p:pRg st="10" end="10"/>
+                                            </p:txEl>
+                                          </p:spTgt>
+                                        </p:tgtEl>
+                                        <p:attrNameLst>
+                                          <p:attrName>style.visibility</p:attrName>
+                                        </p:attrNameLst>
+                                      </p:cBhvr>
+                                      <p:to>
+                                        <p:strVal val="visible"/>
+                                      </p:to>
+                                    </p:set>
+                                  </p:childTnLst>
+                                </p:cTn>
+                              </p:par>
+                            </p:childTnLst>
+                          </p:cTn>
+                        </p:par>
+                      </p:childTnLst>
+                    </p:cTn>
+                  </p:par>
+                </p:childTnLst>
+              </p:cTn>
+              <p:prevCondLst>
+                <p:cond evt="onPrev" delay="0">
+                  <p:tgtEl>
+                    <p:sldTgt/>
+                  </p:tgtEl>
+                </p:cond>
+              </p:prevCondLst>
+              <p:nextCondLst>
+                <p:cond evt="onNext" delay="0">
+                  <p:tgtEl>
+                    <p:sldTgt/>
+                  </p:tgtEl>
+                </p:cond>
+              </p:nextCondLst>
+            </p:seq>
+          </p:childTnLst>
+        </p:cTn>
+      </p:par>
+    </p:tnLst>
+  </p:timing>
 </p:sld>
 </file>
 
@@ -13526,10 +14909,1194 @@
   <p:clrMapOvr>
     <a:masterClrMapping/>
   </p:clrMapOvr>
+  <p:timing>
+    <p:tnLst>
+      <p:par>
+        <p:cTn id="1" dur="indefinite" restart="never" nodeType="tmRoot">
+          <p:childTnLst>
+            <p:seq concurrent="1" nextAc="seek">
+              <p:cTn id="2" dur="indefinite" nodeType="mainSeq">
+                <p:childTnLst>
+                  <p:par>
+                    <p:cTn id="3" fill="hold">
+                      <p:stCondLst>
+                        <p:cond delay="indefinite"/>
+                      </p:stCondLst>
+                      <p:childTnLst>
+                        <p:par>
+                          <p:cTn id="4" fill="hold">
+                            <p:stCondLst>
+                              <p:cond delay="0"/>
+                            </p:stCondLst>
+                            <p:childTnLst>
+                              <p:par>
+                                <p:cTn id="5" presetID="1" presetClass="entr" presetSubtype="0" fill="hold" nodeType="clickEffect">
+                                  <p:stCondLst>
+                                    <p:cond delay="0"/>
+                                  </p:stCondLst>
+                                  <p:childTnLst>
+                                    <p:set>
+                                      <p:cBhvr>
+                                        <p:cTn id="6" dur="1" fill="hold">
+                                          <p:stCondLst>
+                                            <p:cond delay="0"/>
+                                          </p:stCondLst>
+                                        </p:cTn>
+                                        <p:tgtEl>
+                                          <p:spTgt spid="9">
+                                            <p:txEl>
+                                              <p:pRg st="2" end="2"/>
+                                            </p:txEl>
+                                          </p:spTgt>
+                                        </p:tgtEl>
+                                        <p:attrNameLst>
+                                          <p:attrName>style.visibility</p:attrName>
+                                        </p:attrNameLst>
+                                      </p:cBhvr>
+                                      <p:to>
+                                        <p:strVal val="visible"/>
+                                      </p:to>
+                                    </p:set>
+                                  </p:childTnLst>
+                                </p:cTn>
+                              </p:par>
+                              <p:par>
+                                <p:cTn id="7" presetID="1" presetClass="entr" presetSubtype="0" fill="hold" nodeType="withEffect">
+                                  <p:stCondLst>
+                                    <p:cond delay="0"/>
+                                  </p:stCondLst>
+                                  <p:childTnLst>
+                                    <p:set>
+                                      <p:cBhvr>
+                                        <p:cTn id="8" dur="1" fill="hold">
+                                          <p:stCondLst>
+                                            <p:cond delay="0"/>
+                                          </p:stCondLst>
+                                        </p:cTn>
+                                        <p:tgtEl>
+                                          <p:spTgt spid="9">
+                                            <p:txEl>
+                                              <p:pRg st="3" end="3"/>
+                                            </p:txEl>
+                                          </p:spTgt>
+                                        </p:tgtEl>
+                                        <p:attrNameLst>
+                                          <p:attrName>style.visibility</p:attrName>
+                                        </p:attrNameLst>
+                                      </p:cBhvr>
+                                      <p:to>
+                                        <p:strVal val="visible"/>
+                                      </p:to>
+                                    </p:set>
+                                  </p:childTnLst>
+                                </p:cTn>
+                              </p:par>
+                              <p:par>
+                                <p:cTn id="9" presetID="1" presetClass="entr" presetSubtype="0" fill="hold" nodeType="withEffect">
+                                  <p:stCondLst>
+                                    <p:cond delay="0"/>
+                                  </p:stCondLst>
+                                  <p:childTnLst>
+                                    <p:set>
+                                      <p:cBhvr>
+                                        <p:cTn id="10" dur="1" fill="hold">
+                                          <p:stCondLst>
+                                            <p:cond delay="0"/>
+                                          </p:stCondLst>
+                                        </p:cTn>
+                                        <p:tgtEl>
+                                          <p:spTgt spid="9">
+                                            <p:txEl>
+                                              <p:pRg st="4" end="4"/>
+                                            </p:txEl>
+                                          </p:spTgt>
+                                        </p:tgtEl>
+                                        <p:attrNameLst>
+                                          <p:attrName>style.visibility</p:attrName>
+                                        </p:attrNameLst>
+                                      </p:cBhvr>
+                                      <p:to>
+                                        <p:strVal val="visible"/>
+                                      </p:to>
+                                    </p:set>
+                                  </p:childTnLst>
+                                </p:cTn>
+                              </p:par>
+                            </p:childTnLst>
+                          </p:cTn>
+                        </p:par>
+                      </p:childTnLst>
+                    </p:cTn>
+                  </p:par>
+                  <p:par>
+                    <p:cTn id="11" fill="hold">
+                      <p:stCondLst>
+                        <p:cond delay="indefinite"/>
+                      </p:stCondLst>
+                      <p:childTnLst>
+                        <p:par>
+                          <p:cTn id="12" fill="hold">
+                            <p:stCondLst>
+                              <p:cond delay="0"/>
+                            </p:stCondLst>
+                            <p:childTnLst>
+                              <p:par>
+                                <p:cTn id="13" presetID="1" presetClass="entr" presetSubtype="0" fill="hold" nodeType="clickEffect">
+                                  <p:stCondLst>
+                                    <p:cond delay="0"/>
+                                  </p:stCondLst>
+                                  <p:childTnLst>
+                                    <p:set>
+                                      <p:cBhvr>
+                                        <p:cTn id="14" dur="1" fill="hold">
+                                          <p:stCondLst>
+                                            <p:cond delay="0"/>
+                                          </p:stCondLst>
+                                        </p:cTn>
+                                        <p:tgtEl>
+                                          <p:spTgt spid="9">
+                                            <p:txEl>
+                                              <p:pRg st="6" end="6"/>
+                                            </p:txEl>
+                                          </p:spTgt>
+                                        </p:tgtEl>
+                                        <p:attrNameLst>
+                                          <p:attrName>style.visibility</p:attrName>
+                                        </p:attrNameLst>
+                                      </p:cBhvr>
+                                      <p:to>
+                                        <p:strVal val="visible"/>
+                                      </p:to>
+                                    </p:set>
+                                  </p:childTnLst>
+                                </p:cTn>
+                              </p:par>
+                              <p:par>
+                                <p:cTn id="15" presetID="1" presetClass="entr" presetSubtype="0" fill="hold" nodeType="withEffect">
+                                  <p:stCondLst>
+                                    <p:cond delay="0"/>
+                                  </p:stCondLst>
+                                  <p:childTnLst>
+                                    <p:set>
+                                      <p:cBhvr>
+                                        <p:cTn id="16" dur="1" fill="hold">
+                                          <p:stCondLst>
+                                            <p:cond delay="0"/>
+                                          </p:stCondLst>
+                                        </p:cTn>
+                                        <p:tgtEl>
+                                          <p:spTgt spid="9">
+                                            <p:txEl>
+                                              <p:pRg st="7" end="7"/>
+                                            </p:txEl>
+                                          </p:spTgt>
+                                        </p:tgtEl>
+                                        <p:attrNameLst>
+                                          <p:attrName>style.visibility</p:attrName>
+                                        </p:attrNameLst>
+                                      </p:cBhvr>
+                                      <p:to>
+                                        <p:strVal val="visible"/>
+                                      </p:to>
+                                    </p:set>
+                                  </p:childTnLst>
+                                </p:cTn>
+                              </p:par>
+                              <p:par>
+                                <p:cTn id="17" presetID="1" presetClass="entr" presetSubtype="0" fill="hold" nodeType="withEffect">
+                                  <p:stCondLst>
+                                    <p:cond delay="0"/>
+                                  </p:stCondLst>
+                                  <p:childTnLst>
+                                    <p:set>
+                                      <p:cBhvr>
+                                        <p:cTn id="18" dur="1" fill="hold">
+                                          <p:stCondLst>
+                                            <p:cond delay="0"/>
+                                          </p:stCondLst>
+                                        </p:cTn>
+                                        <p:tgtEl>
+                                          <p:spTgt spid="9">
+                                            <p:txEl>
+                                              <p:pRg st="8" end="8"/>
+                                            </p:txEl>
+                                          </p:spTgt>
+                                        </p:tgtEl>
+                                        <p:attrNameLst>
+                                          <p:attrName>style.visibility</p:attrName>
+                                        </p:attrNameLst>
+                                      </p:cBhvr>
+                                      <p:to>
+                                        <p:strVal val="visible"/>
+                                      </p:to>
+                                    </p:set>
+                                  </p:childTnLst>
+                                </p:cTn>
+                              </p:par>
+                            </p:childTnLst>
+                          </p:cTn>
+                        </p:par>
+                      </p:childTnLst>
+                    </p:cTn>
+                  </p:par>
+                </p:childTnLst>
+              </p:cTn>
+              <p:prevCondLst>
+                <p:cond evt="onPrev" delay="0">
+                  <p:tgtEl>
+                    <p:sldTgt/>
+                  </p:tgtEl>
+                </p:cond>
+              </p:prevCondLst>
+              <p:nextCondLst>
+                <p:cond evt="onNext" delay="0">
+                  <p:tgtEl>
+                    <p:sldTgt/>
+                  </p:tgtEl>
+                </p:cond>
+              </p:nextCondLst>
+            </p:seq>
+          </p:childTnLst>
+        </p:cTn>
+      </p:par>
+    </p:tnLst>
+  </p:timing>
 </p:sld>
 </file>
 
 <file path=ppt/slides/slide23.xml><?xml version="1.0" encoding="utf-8"?>
+<p:sld xmlns:a="http://schemas.openxmlformats.org/drawingml/2006/main" xmlns:r="http://schemas.openxmlformats.org/officeDocument/2006/relationships" xmlns:p="http://schemas.openxmlformats.org/presentationml/2006/main">
+  <p:cSld>
+    <p:spTree>
+      <p:nvGrpSpPr>
+        <p:cNvPr id="1" name=""/>
+        <p:cNvGrpSpPr/>
+        <p:nvPr/>
+      </p:nvGrpSpPr>
+      <p:grpSpPr>
+        <a:xfrm>
+          <a:off x="0" y="0"/>
+          <a:ext cx="0" cy="0"/>
+          <a:chOff x="0" y="0"/>
+          <a:chExt cx="0" cy="0"/>
+        </a:xfrm>
+      </p:grpSpPr>
+      <p:sp>
+        <p:nvSpPr>
+          <p:cNvPr id="2" name="Title 1">
+            <a:extLst>
+              <a:ext uri="{FF2B5EF4-FFF2-40B4-BE49-F238E27FC236}">
+                <a16:creationId xmlns:a16="http://schemas.microsoft.com/office/drawing/2014/main" id="{AA3A228F-61D0-D949-A5E7-F83756230BF8}"/>
+              </a:ext>
+            </a:extLst>
+          </p:cNvPr>
+          <p:cNvSpPr>
+            <a:spLocks noGrp="1"/>
+          </p:cNvSpPr>
+          <p:nvPr>
+            <p:ph type="title"/>
+          </p:nvPr>
+        </p:nvSpPr>
+        <p:spPr>
+          <a:xfrm>
+            <a:off x="144802" y="36368"/>
+            <a:ext cx="7053542" cy="683886"/>
+          </a:xfrm>
+        </p:spPr>
+        <p:txBody>
+          <a:bodyPr/>
+          <a:lstStyle/>
+          <a:p>
+            <a:r>
+              <a:rPr lang="en-US" dirty="0"/>
+              <a:t>Functions</a:t>
+            </a:r>
+          </a:p>
+        </p:txBody>
+      </p:sp>
+      <mc:AlternateContent xmlns:mc="http://schemas.openxmlformats.org/markup-compatibility/2006">
+        <mc:Choice xmlns:a14="http://schemas.microsoft.com/office/drawing/2010/main" Requires="a14">
+          <p:sp>
+            <p:nvSpPr>
+              <p:cNvPr id="9" name="Content Placeholder 8">
+                <a:extLst>
+                  <a:ext uri="{FF2B5EF4-FFF2-40B4-BE49-F238E27FC236}">
+                    <a16:creationId xmlns:a16="http://schemas.microsoft.com/office/drawing/2014/main" id="{E3B2E017-30B2-884B-A113-B419A2ED51AD}"/>
+                  </a:ext>
+                </a:extLst>
+              </p:cNvPr>
+              <p:cNvSpPr>
+                <a:spLocks noGrp="1"/>
+              </p:cNvSpPr>
+              <p:nvPr>
+                <p:ph idx="1"/>
+              </p:nvPr>
+            </p:nvSpPr>
+            <p:spPr>
+              <a:xfrm>
+                <a:off x="144802" y="622822"/>
+                <a:ext cx="8999198" cy="5092177"/>
+              </a:xfrm>
+            </p:spPr>
+            <p:txBody>
+              <a:bodyPr>
+                <a:normAutofit/>
+              </a:bodyPr>
+              <a:lstStyle/>
+              <a:p>
+                <a:pPr marL="0" indent="0">
+                  <a:buNone/>
+                </a:pPr>
+                <a:r>
+                  <a:rPr lang="en-US" sz="2000" dirty="0">
+                    <a:latin typeface="Gill Sans MT" panose="020B0502020104020203" pitchFamily="34" charset="77"/>
+                  </a:rPr>
+                  <a:t>Throughout this lecture, we were introduced to many functions: print(), int(),float(), str(), type() and input(). These functions are no different than functions you have seen in your math class.  Understanding this will help you call functions correctly with the right syntax. </a:t>
+                </a:r>
+              </a:p>
+              <a:p>
+                <a:pPr marL="0" indent="0">
+                  <a:buNone/>
+                </a:pPr>
+                <a:endParaRPr lang="en-US" sz="2000" dirty="0">
+                  <a:latin typeface="Gill Sans MT" panose="020B0502020104020203" pitchFamily="34" charset="77"/>
+                </a:endParaRPr>
+              </a:p>
+              <a:p>
+                <a:pPr marL="0" indent="0">
+                  <a:buNone/>
+                </a:pPr>
+                <a:r>
+                  <a:rPr lang="en-US" sz="2000" dirty="0">
+                    <a:latin typeface="Gill Sans MT" panose="020B0502020104020203" pitchFamily="34" charset="77"/>
+                  </a:rPr>
+                  <a:t>If you have a function in math </a:t>
+                </a:r>
+                <a14:m>
+                  <m:oMath xmlns:m="http://schemas.openxmlformats.org/officeDocument/2006/math">
+                    <m:sSup>
+                      <m:sSupPr>
+                        <m:ctrlPr>
+                          <a:rPr lang="en-US" sz="2000" i="1" smtClean="0">
+                            <a:latin typeface="Cambria Math" panose="02040503050406030204" pitchFamily="18" charset="0"/>
+                          </a:rPr>
+                        </m:ctrlPr>
+                      </m:sSupPr>
+                      <m:e>
+                        <m:r>
+                          <a:rPr lang="en-US" sz="2000" b="0" i="1" smtClean="0">
+                            <a:latin typeface="Cambria Math" panose="02040503050406030204" pitchFamily="18" charset="0"/>
+                          </a:rPr>
+                          <m:t>𝑓</m:t>
+                        </m:r>
+                        <m:d>
+                          <m:dPr>
+                            <m:ctrlPr>
+                              <a:rPr lang="en-US" sz="2000" b="0" i="1" smtClean="0">
+                                <a:latin typeface="Cambria Math" panose="02040503050406030204" pitchFamily="18" charset="0"/>
+                              </a:rPr>
+                            </m:ctrlPr>
+                          </m:dPr>
+                          <m:e>
+                            <m:r>
+                              <a:rPr lang="en-US" sz="2000" b="0" i="1" smtClean="0">
+                                <a:latin typeface="Cambria Math" panose="02040503050406030204" pitchFamily="18" charset="0"/>
+                              </a:rPr>
+                              <m:t>𝑥</m:t>
+                            </m:r>
+                          </m:e>
+                        </m:d>
+                        <m:r>
+                          <a:rPr lang="en-US" sz="2000" b="0" i="1" smtClean="0">
+                            <a:latin typeface="Cambria Math" panose="02040503050406030204" pitchFamily="18" charset="0"/>
+                          </a:rPr>
+                          <m:t>=</m:t>
+                        </m:r>
+                        <m:r>
+                          <a:rPr lang="en-US" sz="2000" b="0" i="1" smtClean="0">
+                            <a:latin typeface="Cambria Math" panose="02040503050406030204" pitchFamily="18" charset="0"/>
+                          </a:rPr>
+                          <m:t>𝑥</m:t>
+                        </m:r>
+                      </m:e>
+                      <m:sup>
+                        <m:r>
+                          <a:rPr lang="en-US" sz="2000" b="0" i="1" smtClean="0">
+                            <a:latin typeface="Cambria Math" panose="02040503050406030204" pitchFamily="18" charset="0"/>
+                          </a:rPr>
+                          <m:t>2</m:t>
+                        </m:r>
+                      </m:sup>
+                    </m:sSup>
+                  </m:oMath>
+                </a14:m>
+                <a:r>
+                  <a:rPr lang="en-US" sz="2100" dirty="0">
+                    <a:latin typeface="Gill Sans MT" panose="020B0502020104020203" pitchFamily="34" charset="77"/>
+                  </a:rPr>
+                  <a:t>. Then the value of </a:t>
+                </a:r>
+                <a14:m>
+                  <m:oMath xmlns:m="http://schemas.openxmlformats.org/officeDocument/2006/math">
+                    <m:r>
+                      <a:rPr lang="en-US" sz="2400" b="0" i="1" smtClean="0">
+                        <a:latin typeface="Cambria Math" panose="02040503050406030204" pitchFamily="18" charset="0"/>
+                      </a:rPr>
+                      <m:t>𝑓</m:t>
+                    </m:r>
+                    <m:r>
+                      <a:rPr lang="en-US" sz="2400" b="0" i="1" smtClean="0">
+                        <a:latin typeface="Cambria Math" panose="02040503050406030204" pitchFamily="18" charset="0"/>
+                      </a:rPr>
+                      <m:t>(3)</m:t>
+                    </m:r>
+                  </m:oMath>
+                </a14:m>
+                <a:r>
+                  <a:rPr lang="en-US" sz="2100" dirty="0">
+                    <a:latin typeface="Gill Sans MT" panose="020B0502020104020203" pitchFamily="34" charset="77"/>
+                  </a:rPr>
+                  <a:t> is 9. </a:t>
+                </a:r>
+              </a:p>
+              <a:p>
+                <a:pPr marL="0" indent="0">
+                  <a:buNone/>
+                </a:pPr>
+                <a:r>
+                  <a:rPr lang="en-US" dirty="0">
+                    <a:latin typeface="Gill Sans MT" panose="020B0502020104020203" pitchFamily="34" charset="77"/>
+                  </a:rPr>
+                  <a:t>Similarly, in Python, for the int() function, the value of int(4.5) is 4. </a:t>
+                </a:r>
+              </a:p>
+              <a:p>
+                <a:pPr marL="0" indent="0">
+                  <a:buNone/>
+                </a:pPr>
+                <a:r>
+                  <a:rPr lang="en-US" sz="2100" dirty="0">
+                    <a:latin typeface="Gill Sans MT" panose="020B0502020104020203" pitchFamily="34" charset="77"/>
+                  </a:rPr>
+                  <a:t>The value of the variable x below has the value of 3.0:</a:t>
+                </a:r>
+              </a:p>
+              <a:p>
+                <a:pPr marL="0" indent="0">
+                  <a:buNone/>
+                </a:pPr>
+                <a:r>
+                  <a:rPr lang="en-US" b="1" dirty="0">
+                    <a:latin typeface="INCONSOLATA" panose="020B0609030003000000" pitchFamily="49" charset="77"/>
+                  </a:rPr>
+                  <a:t>x = float("3")</a:t>
+                </a:r>
+              </a:p>
+              <a:p>
+                <a:pPr marL="0" indent="0">
+                  <a:buNone/>
+                </a:pPr>
+                <a:endParaRPr lang="en-US" sz="2100" b="1" dirty="0">
+                  <a:latin typeface="INCONSOLATA" panose="020B0609030003000000" pitchFamily="49" charset="77"/>
+                </a:endParaRPr>
+              </a:p>
+              <a:p>
+                <a:pPr marL="0" indent="0">
+                  <a:buNone/>
+                </a:pPr>
+                <a:r>
+                  <a:rPr lang="en-US" sz="2000" dirty="0">
+                    <a:latin typeface="Gill Sans MT" panose="020B0502020104020203" pitchFamily="34" charset="77"/>
+                  </a:rPr>
+                  <a:t>If</a:t>
+                </a:r>
+                <a:r>
+                  <a:rPr lang="en-US" sz="2400" dirty="0">
+                    <a:latin typeface="Gill Sans MT" panose="020B0502020104020203" pitchFamily="34" charset="77"/>
+                  </a:rPr>
+                  <a:t> </a:t>
+                </a:r>
+                <a14:m>
+                  <m:oMath xmlns:m="http://schemas.openxmlformats.org/officeDocument/2006/math">
+                    <m:r>
+                      <a:rPr lang="en-US" sz="2000" i="1">
+                        <a:latin typeface="Cambria Math" panose="02040503050406030204" pitchFamily="18" charset="0"/>
+                      </a:rPr>
+                      <m:t>𝑔</m:t>
+                    </m:r>
+                    <m:d>
+                      <m:dPr>
+                        <m:ctrlPr>
+                          <a:rPr lang="en-US" sz="2000" i="1">
+                            <a:latin typeface="Cambria Math" panose="02040503050406030204" pitchFamily="18" charset="0"/>
+                          </a:rPr>
+                        </m:ctrlPr>
+                      </m:dPr>
+                      <m:e>
+                        <m:r>
+                          <a:rPr lang="en-US" sz="2000" i="1">
+                            <a:latin typeface="Cambria Math" panose="02040503050406030204" pitchFamily="18" charset="0"/>
+                          </a:rPr>
+                          <m:t>𝑥</m:t>
+                        </m:r>
+                      </m:e>
+                    </m:d>
+                    <m:r>
+                      <a:rPr lang="en-US" sz="2000" b="0" i="1" smtClean="0">
+                        <a:latin typeface="Cambria Math" panose="02040503050406030204" pitchFamily="18" charset="0"/>
+                      </a:rPr>
+                      <m:t>=3</m:t>
+                    </m:r>
+                    <m:r>
+                      <a:rPr lang="en-US" sz="2000" b="0" i="1" smtClean="0">
+                        <a:latin typeface="Cambria Math" panose="02040503050406030204" pitchFamily="18" charset="0"/>
+                      </a:rPr>
+                      <m:t>𝑥</m:t>
+                    </m:r>
+                  </m:oMath>
+                </a14:m>
+                <a:r>
+                  <a:rPr lang="en-US" sz="2100" b="1" dirty="0">
+                    <a:latin typeface="INCONSOLATA" panose="020B0609030003000000" pitchFamily="49" charset="77"/>
+                  </a:rPr>
+                  <a:t> </a:t>
+                </a:r>
+                <a:r>
+                  <a:rPr lang="en-US" sz="2000" dirty="0">
+                    <a:latin typeface="Gill Sans MT" panose="020B0502020104020203" pitchFamily="34" charset="77"/>
+                  </a:rPr>
+                  <a:t>then the function composition </a:t>
+                </a:r>
+                <a14:m>
+                  <m:oMath xmlns:m="http://schemas.openxmlformats.org/officeDocument/2006/math">
+                    <m:r>
+                      <a:rPr lang="en-US" sz="2400" b="0" i="1" smtClean="0">
+                        <a:latin typeface="Cambria Math" panose="02040503050406030204" pitchFamily="18" charset="0"/>
+                      </a:rPr>
+                      <m:t>𝑓</m:t>
+                    </m:r>
+                    <m:r>
+                      <a:rPr lang="en-US" sz="2400" b="0" i="1" smtClean="0">
+                        <a:latin typeface="Cambria Math" panose="02040503050406030204" pitchFamily="18" charset="0"/>
+                      </a:rPr>
+                      <m:t>(</m:t>
+                    </m:r>
+                    <m:r>
+                      <a:rPr lang="en-US" sz="2400" i="1">
+                        <a:latin typeface="Cambria Math" panose="02040503050406030204" pitchFamily="18" charset="0"/>
+                      </a:rPr>
+                      <m:t>𝑔</m:t>
+                    </m:r>
+                    <m:d>
+                      <m:dPr>
+                        <m:ctrlPr>
+                          <a:rPr lang="en-US" sz="2400" i="1">
+                            <a:latin typeface="Cambria Math" panose="02040503050406030204" pitchFamily="18" charset="0"/>
+                          </a:rPr>
+                        </m:ctrlPr>
+                      </m:dPr>
+                      <m:e>
+                        <m:r>
+                          <a:rPr lang="en-US" sz="2400" b="0" i="1" smtClean="0">
+                            <a:latin typeface="Cambria Math" panose="02040503050406030204" pitchFamily="18" charset="0"/>
+                          </a:rPr>
+                          <m:t>2</m:t>
+                        </m:r>
+                      </m:e>
+                    </m:d>
+                    <m:r>
+                      <a:rPr lang="en-US" sz="2400" b="0" i="1" smtClean="0">
+                        <a:latin typeface="Cambria Math" panose="02040503050406030204" pitchFamily="18" charset="0"/>
+                      </a:rPr>
+                      <m:t>)</m:t>
+                    </m:r>
+                  </m:oMath>
+                </a14:m>
+                <a:r>
+                  <a:rPr lang="en-US" sz="2100" b="1" dirty="0">
+                    <a:latin typeface="INCONSOLATA" panose="020B0609030003000000" pitchFamily="49" charset="77"/>
+                  </a:rPr>
+                  <a:t> </a:t>
+                </a:r>
+                <a:r>
+                  <a:rPr lang="en-US" sz="2000" dirty="0">
+                    <a:latin typeface="Gill Sans MT" panose="020B0502020104020203" pitchFamily="34" charset="77"/>
+                  </a:rPr>
+                  <a:t>has the value 36. </a:t>
+                </a:r>
+              </a:p>
+              <a:p>
+                <a:pPr marL="0" indent="0">
+                  <a:buNone/>
+                </a:pPr>
+                <a:r>
+                  <a:rPr lang="en-US" sz="2000" dirty="0">
+                    <a:latin typeface="Gill Sans MT" panose="020B0502020104020203" pitchFamily="34" charset="77"/>
+                  </a:rPr>
+                  <a:t>Similarly, the value of the function composition </a:t>
+                </a:r>
+                <a:r>
+                  <a:rPr lang="en-US" sz="2000" b="1" dirty="0">
+                    <a:latin typeface="INCONSOLATA" panose="020B0609030003000000" pitchFamily="49" charset="77"/>
+                  </a:rPr>
+                  <a:t>int(float("3.2")</a:t>
+                </a:r>
+                <a:r>
+                  <a:rPr lang="en-US" sz="2000" dirty="0">
+                    <a:latin typeface="Gill Sans MT" panose="020B0502020104020203" pitchFamily="34" charset="77"/>
+                  </a:rPr>
+                  <a:t> is 3.  </a:t>
+                </a:r>
+              </a:p>
+              <a:p>
+                <a:pPr marL="0" indent="0">
+                  <a:buNone/>
+                </a:pPr>
+                <a:r>
+                  <a:rPr lang="en-US" sz="2000" dirty="0">
+                    <a:latin typeface="Gill Sans MT" panose="020B0502020104020203" pitchFamily="34" charset="77"/>
+                  </a:rPr>
+                  <a:t>Another example of function composition we saw earlier:</a:t>
+                </a:r>
+              </a:p>
+              <a:p>
+                <a:pPr marL="0" indent="0">
+                  <a:buNone/>
+                </a:pPr>
+                <a:r>
+                  <a:rPr lang="en-US" sz="2000" b="1" dirty="0">
+                    <a:solidFill>
+                      <a:srgbClr val="000000"/>
+                    </a:solidFill>
+                    <a:latin typeface="Inconsolata" panose="020B0609030003000000" pitchFamily="49" charset="77"/>
+                  </a:rPr>
+                  <a:t>x = </a:t>
+                </a:r>
+                <a:r>
+                  <a:rPr lang="en-US" sz="2000" b="1" dirty="0">
+                    <a:solidFill>
+                      <a:srgbClr val="34A327"/>
+                    </a:solidFill>
+                    <a:latin typeface="Inconsolata" panose="020B0609030003000000" pitchFamily="49" charset="77"/>
+                  </a:rPr>
+                  <a:t>int(input(</a:t>
+                </a:r>
+                <a:r>
+                  <a:rPr lang="en-US" sz="2000" b="1" dirty="0">
+                    <a:solidFill>
+                      <a:srgbClr val="CD7923"/>
+                    </a:solidFill>
+                    <a:latin typeface="Inconsolata" panose="020B0609030003000000" pitchFamily="49" charset="77"/>
+                  </a:rPr>
+                  <a:t>‘Please enter an integer value: ’</a:t>
+                </a:r>
+                <a:r>
+                  <a:rPr lang="en-US" sz="2000" b="1" dirty="0">
+                    <a:solidFill>
+                      <a:srgbClr val="34A327"/>
+                    </a:solidFill>
+                    <a:latin typeface="Inconsolata" panose="020B0609030003000000" pitchFamily="49" charset="77"/>
+                  </a:rPr>
+                  <a:t>))</a:t>
+                </a:r>
+                <a:r>
+                  <a:rPr lang="en-US" sz="2000" b="1" dirty="0">
+                    <a:solidFill>
+                      <a:srgbClr val="000000"/>
+                    </a:solidFill>
+                    <a:latin typeface="Inconsolata" panose="020B0609030003000000" pitchFamily="49" charset="77"/>
+                  </a:rPr>
+                  <a:t> </a:t>
+                </a:r>
+                <a:endParaRPr lang="en-US" sz="2000" b="1" dirty="0">
+                  <a:solidFill>
+                    <a:srgbClr val="CD7923"/>
+                  </a:solidFill>
+                  <a:latin typeface="Inconsolata" panose="020B0609030003000000" pitchFamily="49" charset="77"/>
+                </a:endParaRPr>
+              </a:p>
+              <a:p>
+                <a:pPr marL="0" indent="0">
+                  <a:buNone/>
+                </a:pPr>
+                <a:endParaRPr lang="en-US" sz="2000" dirty="0">
+                  <a:latin typeface="Gill Sans MT" panose="020B0502020104020203" pitchFamily="34" charset="77"/>
+                </a:endParaRPr>
+              </a:p>
+              <a:p>
+                <a:pPr marL="0" indent="0">
+                  <a:buNone/>
+                </a:pPr>
+                <a:endParaRPr lang="en-US" sz="2000" dirty="0">
+                  <a:latin typeface="Gill Sans MT" panose="020B0502020104020203" pitchFamily="34" charset="77"/>
+                </a:endParaRPr>
+              </a:p>
+              <a:p>
+                <a:pPr marL="0" indent="0">
+                  <a:buNone/>
+                </a:pPr>
+                <a:endParaRPr lang="en-US" sz="2100" dirty="0">
+                  <a:latin typeface="Gill Sans MT" panose="020B0502020104020203" pitchFamily="34" charset="77"/>
+                </a:endParaRPr>
+              </a:p>
+              <a:p>
+                <a:pPr marL="342900" lvl="1" indent="0">
+                  <a:buNone/>
+                </a:pPr>
+                <a:endParaRPr lang="en-US" sz="2100" dirty="0">
+                  <a:solidFill>
+                    <a:srgbClr val="000087"/>
+                  </a:solidFill>
+                  <a:latin typeface="Gill Sans MT" panose="020B0502020104020203" pitchFamily="34" charset="77"/>
+                </a:endParaRPr>
+              </a:p>
+            </p:txBody>
+          </p:sp>
+        </mc:Choice>
+        <mc:Fallback>
+          <p:sp>
+            <p:nvSpPr>
+              <p:cNvPr id="9" name="Content Placeholder 8">
+                <a:extLst>
+                  <a:ext uri="{FF2B5EF4-FFF2-40B4-BE49-F238E27FC236}">
+                    <a16:creationId xmlns:a16="http://schemas.microsoft.com/office/drawing/2014/main" id="{E3B2E017-30B2-884B-A113-B419A2ED51AD}"/>
+                  </a:ext>
+                </a:extLst>
+              </p:cNvPr>
+              <p:cNvSpPr>
+                <a:spLocks noGrp="1" noRot="1" noChangeAspect="1" noMove="1" noResize="1" noEditPoints="1" noAdjustHandles="1" noChangeArrowheads="1" noChangeShapeType="1" noTextEdit="1"/>
+              </p:cNvSpPr>
+              <p:nvPr>
+                <p:ph idx="1"/>
+              </p:nvPr>
+            </p:nvSpPr>
+            <p:spPr>
+              <a:xfrm>
+                <a:off x="144802" y="622822"/>
+                <a:ext cx="8999198" cy="5092177"/>
+              </a:xfrm>
+              <a:blipFill>
+                <a:blip r:embed="rId2"/>
+                <a:stretch>
+                  <a:fillRect l="-846" t="-995" r="-564" b="-2488"/>
+                </a:stretch>
+              </a:blipFill>
+            </p:spPr>
+            <p:txBody>
+              <a:bodyPr/>
+              <a:lstStyle/>
+              <a:p>
+                <a:r>
+                  <a:rPr lang="en-US">
+                    <a:noFill/>
+                  </a:rPr>
+                  <a:t> </a:t>
+                </a:r>
+              </a:p>
+            </p:txBody>
+          </p:sp>
+        </mc:Fallback>
+      </mc:AlternateContent>
+    </p:spTree>
+    <p:extLst>
+      <p:ext uri="{BB962C8B-B14F-4D97-AF65-F5344CB8AC3E}">
+        <p14:creationId xmlns:p14="http://schemas.microsoft.com/office/powerpoint/2010/main" val="1439554506"/>
+      </p:ext>
+    </p:extLst>
+  </p:cSld>
+  <p:clrMapOvr>
+    <a:masterClrMapping/>
+  </p:clrMapOvr>
+  <p:timing>
+    <p:tnLst>
+      <p:par>
+        <p:cTn id="1" dur="indefinite" restart="never" nodeType="tmRoot">
+          <p:childTnLst>
+            <p:seq concurrent="1" nextAc="seek">
+              <p:cTn id="2" dur="indefinite" nodeType="mainSeq">
+                <p:childTnLst>
+                  <p:par>
+                    <p:cTn id="3" fill="hold">
+                      <p:stCondLst>
+                        <p:cond delay="indefinite"/>
+                      </p:stCondLst>
+                      <p:childTnLst>
+                        <p:par>
+                          <p:cTn id="4" fill="hold">
+                            <p:stCondLst>
+                              <p:cond delay="0"/>
+                            </p:stCondLst>
+                            <p:childTnLst>
+                              <p:par>
+                                <p:cTn id="5" presetID="1" presetClass="entr" presetSubtype="0" fill="hold" nodeType="clickEffect">
+                                  <p:stCondLst>
+                                    <p:cond delay="0"/>
+                                  </p:stCondLst>
+                                  <p:childTnLst>
+                                    <p:set>
+                                      <p:cBhvr>
+                                        <p:cTn id="6" dur="1" fill="hold">
+                                          <p:stCondLst>
+                                            <p:cond delay="0"/>
+                                          </p:stCondLst>
+                                        </p:cTn>
+                                        <p:tgtEl>
+                                          <p:spTgt spid="9">
+                                            <p:txEl>
+                                              <p:pRg st="2" end="2"/>
+                                            </p:txEl>
+                                          </p:spTgt>
+                                        </p:tgtEl>
+                                        <p:attrNameLst>
+                                          <p:attrName>style.visibility</p:attrName>
+                                        </p:attrNameLst>
+                                      </p:cBhvr>
+                                      <p:to>
+                                        <p:strVal val="visible"/>
+                                      </p:to>
+                                    </p:set>
+                                  </p:childTnLst>
+                                </p:cTn>
+                              </p:par>
+                            </p:childTnLst>
+                          </p:cTn>
+                        </p:par>
+                      </p:childTnLst>
+                    </p:cTn>
+                  </p:par>
+                  <p:par>
+                    <p:cTn id="7" fill="hold">
+                      <p:stCondLst>
+                        <p:cond delay="indefinite"/>
+                      </p:stCondLst>
+                      <p:childTnLst>
+                        <p:par>
+                          <p:cTn id="8" fill="hold">
+                            <p:stCondLst>
+                              <p:cond delay="0"/>
+                            </p:stCondLst>
+                            <p:childTnLst>
+                              <p:par>
+                                <p:cTn id="9" presetID="1" presetClass="entr" presetSubtype="0" fill="hold" nodeType="clickEffect">
+                                  <p:stCondLst>
+                                    <p:cond delay="0"/>
+                                  </p:stCondLst>
+                                  <p:childTnLst>
+                                    <p:set>
+                                      <p:cBhvr>
+                                        <p:cTn id="10" dur="1" fill="hold">
+                                          <p:stCondLst>
+                                            <p:cond delay="0"/>
+                                          </p:stCondLst>
+                                        </p:cTn>
+                                        <p:tgtEl>
+                                          <p:spTgt spid="9">
+                                            <p:txEl>
+                                              <p:pRg st="3" end="3"/>
+                                            </p:txEl>
+                                          </p:spTgt>
+                                        </p:tgtEl>
+                                        <p:attrNameLst>
+                                          <p:attrName>style.visibility</p:attrName>
+                                        </p:attrNameLst>
+                                      </p:cBhvr>
+                                      <p:to>
+                                        <p:strVal val="visible"/>
+                                      </p:to>
+                                    </p:set>
+                                  </p:childTnLst>
+                                </p:cTn>
+                              </p:par>
+                            </p:childTnLst>
+                          </p:cTn>
+                        </p:par>
+                      </p:childTnLst>
+                    </p:cTn>
+                  </p:par>
+                  <p:par>
+                    <p:cTn id="11" fill="hold">
+                      <p:stCondLst>
+                        <p:cond delay="indefinite"/>
+                      </p:stCondLst>
+                      <p:childTnLst>
+                        <p:par>
+                          <p:cTn id="12" fill="hold">
+                            <p:stCondLst>
+                              <p:cond delay="0"/>
+                            </p:stCondLst>
+                            <p:childTnLst>
+                              <p:par>
+                                <p:cTn id="13" presetID="1" presetClass="entr" presetSubtype="0" fill="hold" nodeType="clickEffect">
+                                  <p:stCondLst>
+                                    <p:cond delay="0"/>
+                                  </p:stCondLst>
+                                  <p:childTnLst>
+                                    <p:set>
+                                      <p:cBhvr>
+                                        <p:cTn id="14" dur="1" fill="hold">
+                                          <p:stCondLst>
+                                            <p:cond delay="0"/>
+                                          </p:stCondLst>
+                                        </p:cTn>
+                                        <p:tgtEl>
+                                          <p:spTgt spid="9">
+                                            <p:txEl>
+                                              <p:pRg st="4" end="4"/>
+                                            </p:txEl>
+                                          </p:spTgt>
+                                        </p:tgtEl>
+                                        <p:attrNameLst>
+                                          <p:attrName>style.visibility</p:attrName>
+                                        </p:attrNameLst>
+                                      </p:cBhvr>
+                                      <p:to>
+                                        <p:strVal val="visible"/>
+                                      </p:to>
+                                    </p:set>
+                                  </p:childTnLst>
+                                </p:cTn>
+                              </p:par>
+                              <p:par>
+                                <p:cTn id="15" presetID="1" presetClass="entr" presetSubtype="0" fill="hold" nodeType="withEffect">
+                                  <p:stCondLst>
+                                    <p:cond delay="0"/>
+                                  </p:stCondLst>
+                                  <p:childTnLst>
+                                    <p:set>
+                                      <p:cBhvr>
+                                        <p:cTn id="16" dur="1" fill="hold">
+                                          <p:stCondLst>
+                                            <p:cond delay="0"/>
+                                          </p:stCondLst>
+                                        </p:cTn>
+                                        <p:tgtEl>
+                                          <p:spTgt spid="9">
+                                            <p:txEl>
+                                              <p:pRg st="5" end="5"/>
+                                            </p:txEl>
+                                          </p:spTgt>
+                                        </p:tgtEl>
+                                        <p:attrNameLst>
+                                          <p:attrName>style.visibility</p:attrName>
+                                        </p:attrNameLst>
+                                      </p:cBhvr>
+                                      <p:to>
+                                        <p:strVal val="visible"/>
+                                      </p:to>
+                                    </p:set>
+                                  </p:childTnLst>
+                                </p:cTn>
+                              </p:par>
+                            </p:childTnLst>
+                          </p:cTn>
+                        </p:par>
+                      </p:childTnLst>
+                    </p:cTn>
+                  </p:par>
+                  <p:par>
+                    <p:cTn id="17" fill="hold">
+                      <p:stCondLst>
+                        <p:cond delay="indefinite"/>
+                      </p:stCondLst>
+                      <p:childTnLst>
+                        <p:par>
+                          <p:cTn id="18" fill="hold">
+                            <p:stCondLst>
+                              <p:cond delay="0"/>
+                            </p:stCondLst>
+                            <p:childTnLst>
+                              <p:par>
+                                <p:cTn id="19" presetID="1" presetClass="entr" presetSubtype="0" fill="hold" nodeType="clickEffect">
+                                  <p:stCondLst>
+                                    <p:cond delay="0"/>
+                                  </p:stCondLst>
+                                  <p:childTnLst>
+                                    <p:set>
+                                      <p:cBhvr>
+                                        <p:cTn id="20" dur="1" fill="hold">
+                                          <p:stCondLst>
+                                            <p:cond delay="0"/>
+                                          </p:stCondLst>
+                                        </p:cTn>
+                                        <p:tgtEl>
+                                          <p:spTgt spid="9">
+                                            <p:txEl>
+                                              <p:pRg st="7" end="7"/>
+                                            </p:txEl>
+                                          </p:spTgt>
+                                        </p:tgtEl>
+                                        <p:attrNameLst>
+                                          <p:attrName>style.visibility</p:attrName>
+                                        </p:attrNameLst>
+                                      </p:cBhvr>
+                                      <p:to>
+                                        <p:strVal val="visible"/>
+                                      </p:to>
+                                    </p:set>
+                                  </p:childTnLst>
+                                </p:cTn>
+                              </p:par>
+                            </p:childTnLst>
+                          </p:cTn>
+                        </p:par>
+                      </p:childTnLst>
+                    </p:cTn>
+                  </p:par>
+                  <p:par>
+                    <p:cTn id="21" fill="hold">
+                      <p:stCondLst>
+                        <p:cond delay="indefinite"/>
+                      </p:stCondLst>
+                      <p:childTnLst>
+                        <p:par>
+                          <p:cTn id="22" fill="hold">
+                            <p:stCondLst>
+                              <p:cond delay="0"/>
+                            </p:stCondLst>
+                            <p:childTnLst>
+                              <p:par>
+                                <p:cTn id="23" presetID="1" presetClass="entr" presetSubtype="0" fill="hold" nodeType="clickEffect">
+                                  <p:stCondLst>
+                                    <p:cond delay="0"/>
+                                  </p:stCondLst>
+                                  <p:childTnLst>
+                                    <p:set>
+                                      <p:cBhvr>
+                                        <p:cTn id="24" dur="1" fill="hold">
+                                          <p:stCondLst>
+                                            <p:cond delay="0"/>
+                                          </p:stCondLst>
+                                        </p:cTn>
+                                        <p:tgtEl>
+                                          <p:spTgt spid="9">
+                                            <p:txEl>
+                                              <p:pRg st="8" end="8"/>
+                                            </p:txEl>
+                                          </p:spTgt>
+                                        </p:tgtEl>
+                                        <p:attrNameLst>
+                                          <p:attrName>style.visibility</p:attrName>
+                                        </p:attrNameLst>
+                                      </p:cBhvr>
+                                      <p:to>
+                                        <p:strVal val="visible"/>
+                                      </p:to>
+                                    </p:set>
+                                  </p:childTnLst>
+                                </p:cTn>
+                              </p:par>
+                            </p:childTnLst>
+                          </p:cTn>
+                        </p:par>
+                      </p:childTnLst>
+                    </p:cTn>
+                  </p:par>
+                  <p:par>
+                    <p:cTn id="25" fill="hold">
+                      <p:stCondLst>
+                        <p:cond delay="indefinite"/>
+                      </p:stCondLst>
+                      <p:childTnLst>
+                        <p:par>
+                          <p:cTn id="26" fill="hold">
+                            <p:stCondLst>
+                              <p:cond delay="0"/>
+                            </p:stCondLst>
+                            <p:childTnLst>
+                              <p:par>
+                                <p:cTn id="27" presetID="1" presetClass="entr" presetSubtype="0" fill="hold" nodeType="clickEffect">
+                                  <p:stCondLst>
+                                    <p:cond delay="0"/>
+                                  </p:stCondLst>
+                                  <p:childTnLst>
+                                    <p:set>
+                                      <p:cBhvr>
+                                        <p:cTn id="28" dur="1" fill="hold">
+                                          <p:stCondLst>
+                                            <p:cond delay="0"/>
+                                          </p:stCondLst>
+                                        </p:cTn>
+                                        <p:tgtEl>
+                                          <p:spTgt spid="9">
+                                            <p:txEl>
+                                              <p:pRg st="9" end="9"/>
+                                            </p:txEl>
+                                          </p:spTgt>
+                                        </p:tgtEl>
+                                        <p:attrNameLst>
+                                          <p:attrName>style.visibility</p:attrName>
+                                        </p:attrNameLst>
+                                      </p:cBhvr>
+                                      <p:to>
+                                        <p:strVal val="visible"/>
+                                      </p:to>
+                                    </p:set>
+                                  </p:childTnLst>
+                                </p:cTn>
+                              </p:par>
+                              <p:par>
+                                <p:cTn id="29" presetID="1" presetClass="entr" presetSubtype="0" fill="hold" nodeType="withEffect">
+                                  <p:stCondLst>
+                                    <p:cond delay="0"/>
+                                  </p:stCondLst>
+                                  <p:childTnLst>
+                                    <p:set>
+                                      <p:cBhvr>
+                                        <p:cTn id="30" dur="1" fill="hold">
+                                          <p:stCondLst>
+                                            <p:cond delay="0"/>
+                                          </p:stCondLst>
+                                        </p:cTn>
+                                        <p:tgtEl>
+                                          <p:spTgt spid="9">
+                                            <p:txEl>
+                                              <p:pRg st="10" end="10"/>
+                                            </p:txEl>
+                                          </p:spTgt>
+                                        </p:tgtEl>
+                                        <p:attrNameLst>
+                                          <p:attrName>style.visibility</p:attrName>
+                                        </p:attrNameLst>
+                                      </p:cBhvr>
+                                      <p:to>
+                                        <p:strVal val="visible"/>
+                                      </p:to>
+                                    </p:set>
+                                  </p:childTnLst>
+                                </p:cTn>
+                              </p:par>
+                            </p:childTnLst>
+                          </p:cTn>
+                        </p:par>
+                      </p:childTnLst>
+                    </p:cTn>
+                  </p:par>
+                </p:childTnLst>
+              </p:cTn>
+              <p:prevCondLst>
+                <p:cond evt="onPrev" delay="0">
+                  <p:tgtEl>
+                    <p:sldTgt/>
+                  </p:tgtEl>
+                </p:cond>
+              </p:prevCondLst>
+              <p:nextCondLst>
+                <p:cond evt="onNext" delay="0">
+                  <p:tgtEl>
+                    <p:sldTgt/>
+                  </p:tgtEl>
+                </p:cond>
+              </p:nextCondLst>
+            </p:seq>
+          </p:childTnLst>
+        </p:cTn>
+      </p:par>
+    </p:tnLst>
+  </p:timing>
+</p:sld>
+</file>
+
+<file path=ppt/slides/slide24.xml><?xml version="1.0" encoding="utf-8"?>
 <p:sld xmlns:a="http://schemas.openxmlformats.org/drawingml/2006/main" xmlns:r="http://schemas.openxmlformats.org/officeDocument/2006/relationships" xmlns:p="http://schemas.openxmlformats.org/presentationml/2006/main">
   <p:cSld>
     <p:spTree>
@@ -13735,7 +16302,7 @@
 </p:sld>
 </file>
 
-<file path=ppt/slides/slide24.xml><?xml version="1.0" encoding="utf-8"?>
+<file path=ppt/slides/slide25.xml><?xml version="1.0" encoding="utf-8"?>
 <p:sld xmlns:a="http://schemas.openxmlformats.org/drawingml/2006/main" xmlns:r="http://schemas.openxmlformats.org/officeDocument/2006/relationships" xmlns:p="http://schemas.openxmlformats.org/presentationml/2006/main">
   <p:cSld>
     <p:spTree>
@@ -16082,6 +18649,78 @@
                       </p:childTnLst>
                     </p:cTn>
                   </p:par>
+                  <p:par>
+                    <p:cTn id="33" fill="hold">
+                      <p:stCondLst>
+                        <p:cond delay="indefinite"/>
+                      </p:stCondLst>
+                      <p:childTnLst>
+                        <p:par>
+                          <p:cTn id="34" fill="hold">
+                            <p:stCondLst>
+                              <p:cond delay="0"/>
+                            </p:stCondLst>
+                            <p:childTnLst>
+                              <p:par>
+                                <p:cTn id="35" presetID="1" presetClass="entr" presetSubtype="0" fill="hold" nodeType="clickEffect">
+                                  <p:stCondLst>
+                                    <p:cond delay="0"/>
+                                  </p:stCondLst>
+                                  <p:childTnLst>
+                                    <p:set>
+                                      <p:cBhvr>
+                                        <p:cTn id="36" dur="1" fill="hold">
+                                          <p:stCondLst>
+                                            <p:cond delay="0"/>
+                                          </p:stCondLst>
+                                        </p:cTn>
+                                        <p:tgtEl>
+                                          <p:spTgt spid="16"/>
+                                        </p:tgtEl>
+                                        <p:attrNameLst>
+                                          <p:attrName>style.visibility</p:attrName>
+                                        </p:attrNameLst>
+                                      </p:cBhvr>
+                                      <p:to>
+                                        <p:strVal val="visible"/>
+                                      </p:to>
+                                    </p:set>
+                                  </p:childTnLst>
+                                </p:cTn>
+                              </p:par>
+                              <p:par>
+                                <p:cTn id="37" presetID="1" presetClass="entr" presetSubtype="0" fill="hold" grpId="0" nodeType="withEffect">
+                                  <p:stCondLst>
+                                    <p:cond delay="0"/>
+                                  </p:stCondLst>
+                                  <p:childTnLst>
+                                    <p:set>
+                                      <p:cBhvr>
+                                        <p:cTn id="38" dur="1" fill="hold">
+                                          <p:stCondLst>
+                                            <p:cond delay="0"/>
+                                          </p:stCondLst>
+                                        </p:cTn>
+                                        <p:tgtEl>
+                                          <p:spTgt spid="15"/>
+                                        </p:tgtEl>
+                                        <p:attrNameLst>
+                                          <p:attrName>style.visibility</p:attrName>
+                                        </p:attrNameLst>
+                                      </p:cBhvr>
+                                      <p:to>
+                                        <p:strVal val="visible"/>
+                                      </p:to>
+                                    </p:set>
+                                  </p:childTnLst>
+                                </p:cTn>
+                              </p:par>
+                            </p:childTnLst>
+                          </p:cTn>
+                        </p:par>
+                      </p:childTnLst>
+                    </p:cTn>
+                  </p:par>
                 </p:childTnLst>
               </p:cTn>
               <p:prevCondLst>
@@ -16103,6 +18742,9 @@
         </p:cTn>
       </p:par>
     </p:tnLst>
+    <p:bldLst>
+      <p:bldP spid="15" grpId="0"/>
+    </p:bldLst>
   </p:timing>
 </p:sld>
 </file>
@@ -16976,6 +19618,105 @@
                       </p:childTnLst>
                     </p:cTn>
                   </p:par>
+                  <p:par>
+                    <p:cTn id="31" fill="hold">
+                      <p:stCondLst>
+                        <p:cond delay="indefinite"/>
+                      </p:stCondLst>
+                      <p:childTnLst>
+                        <p:par>
+                          <p:cTn id="32" fill="hold">
+                            <p:stCondLst>
+                              <p:cond delay="0"/>
+                            </p:stCondLst>
+                            <p:childTnLst>
+                              <p:par>
+                                <p:cTn id="33" presetID="1" presetClass="entr" presetSubtype="0" fill="hold" nodeType="clickEffect">
+                                  <p:stCondLst>
+                                    <p:cond delay="0"/>
+                                  </p:stCondLst>
+                                  <p:childTnLst>
+                                    <p:set>
+                                      <p:cBhvr>
+                                        <p:cTn id="34" dur="1" fill="hold">
+                                          <p:stCondLst>
+                                            <p:cond delay="0"/>
+                                          </p:stCondLst>
+                                        </p:cTn>
+                                        <p:tgtEl>
+                                          <p:spTgt spid="10"/>
+                                        </p:tgtEl>
+                                        <p:attrNameLst>
+                                          <p:attrName>style.visibility</p:attrName>
+                                        </p:attrNameLst>
+                                      </p:cBhvr>
+                                      <p:to>
+                                        <p:strVal val="visible"/>
+                                      </p:to>
+                                    </p:set>
+                                  </p:childTnLst>
+                                </p:cTn>
+                              </p:par>
+                              <p:par>
+                                <p:cTn id="35" presetID="1" presetClass="entr" presetSubtype="0" fill="hold" nodeType="withEffect">
+                                  <p:stCondLst>
+                                    <p:cond delay="0"/>
+                                  </p:stCondLst>
+                                  <p:childTnLst>
+                                    <p:set>
+                                      <p:cBhvr>
+                                        <p:cTn id="36" dur="1" fill="hold">
+                                          <p:stCondLst>
+                                            <p:cond delay="0"/>
+                                          </p:stCondLst>
+                                        </p:cTn>
+                                        <p:tgtEl>
+                                          <p:spTgt spid="8"/>
+                                        </p:tgtEl>
+                                        <p:attrNameLst>
+                                          <p:attrName>style.visibility</p:attrName>
+                                        </p:attrNameLst>
+                                      </p:cBhvr>
+                                      <p:to>
+                                        <p:strVal val="visible"/>
+                                      </p:to>
+                                    </p:set>
+                                  </p:childTnLst>
+                                </p:cTn>
+                              </p:par>
+                              <p:par>
+                                <p:cTn id="37" presetID="1" presetClass="entr" presetSubtype="0" fill="hold" grpId="0" nodeType="withEffect">
+                                  <p:stCondLst>
+                                    <p:cond delay="0"/>
+                                  </p:stCondLst>
+                                  <p:childTnLst>
+                                    <p:set>
+                                      <p:cBhvr>
+                                        <p:cTn id="38" dur="1" fill="hold">
+                                          <p:stCondLst>
+                                            <p:cond delay="0"/>
+                                          </p:stCondLst>
+                                        </p:cTn>
+                                        <p:tgtEl>
+                                          <p:spTgt spid="7"/>
+                                        </p:tgtEl>
+                                        <p:attrNameLst>
+                                          <p:attrName>style.visibility</p:attrName>
+                                        </p:attrNameLst>
+                                      </p:cBhvr>
+                                      <p:to>
+                                        <p:strVal val="visible"/>
+                                      </p:to>
+                                    </p:set>
+                                  </p:childTnLst>
+                                </p:cTn>
+                              </p:par>
+                            </p:childTnLst>
+                          </p:cTn>
+                        </p:par>
+                      </p:childTnLst>
+                    </p:cTn>
+                  </p:par>
                 </p:childTnLst>
               </p:cTn>
               <p:prevCondLst>
@@ -16997,6 +19738,9 @@
         </p:cTn>
       </p:par>
     </p:tnLst>
+    <p:bldLst>
+      <p:bldP spid="7" grpId="0"/>
+    </p:bldLst>
   </p:timing>
 </p:sld>
 </file>
@@ -17265,6 +20009,38 @@
           </a:p>
         </p:txBody>
       </p:sp>
+      <p:sp>
+        <p:nvSpPr>
+          <p:cNvPr id="2" name="TextBox 1">
+            <a:extLst>
+              <a:ext uri="{FF2B5EF4-FFF2-40B4-BE49-F238E27FC236}">
+                <a16:creationId xmlns:a16="http://schemas.microsoft.com/office/drawing/2014/main" id="{648BA1FE-6B95-2E4B-9A23-A4A149F266FC}"/>
+              </a:ext>
+            </a:extLst>
+          </p:cNvPr>
+          <p:cNvSpPr txBox="1"/>
+          <p:nvPr/>
+        </p:nvSpPr>
+        <p:spPr>
+          <a:xfrm>
+            <a:off x="9265920" y="-1207008"/>
+            <a:ext cx="184731" cy="308418"/>
+          </a:xfrm>
+          <a:prstGeom prst="rect">
+            <a:avLst/>
+          </a:prstGeom>
+          <a:noFill/>
+        </p:spPr>
+        <p:txBody>
+          <a:bodyPr wrap="none" rtlCol="0">
+            <a:spAutoFit/>
+          </a:bodyPr>
+          <a:lstStyle/>
+          <a:p>
+            <a:endParaRPr lang="en-US"/>
+          </a:p>
+        </p:txBody>
+      </p:sp>
     </p:spTree>
     <p:extLst>
       <p:ext uri="{BB962C8B-B14F-4D97-AF65-F5344CB8AC3E}">
@@ -17311,7 +20087,7 @@
                                         <p:tgtEl>
                                           <p:spTgt spid="9">
                                             <p:txEl>
-                                              <p:pRg st="4" end="4"/>
+                                              <p:pRg st="2" end="2"/>
                                             </p:txEl>
                                           </p:spTgt>
                                         </p:tgtEl>
@@ -17360,6 +20136,37 @@
                                         <p:tgtEl>
                                           <p:spTgt spid="9">
                                             <p:txEl>
+                                              <p:pRg st="4" end="4"/>
+                                            </p:txEl>
+                                          </p:spTgt>
+                                        </p:tgtEl>
+                                        <p:attrNameLst>
+                                          <p:attrName>style.visibility</p:attrName>
+                                        </p:attrNameLst>
+                                      </p:cBhvr>
+                                      <p:to>
+                                        <p:strVal val="visible"/>
+                                      </p:to>
+                                    </p:set>
+                                  </p:childTnLst>
+                                </p:cTn>
+                              </p:par>
+                              <p:par>
+                                <p:cTn id="11" presetID="1" presetClass="entr" presetSubtype="0" fill="hold" nodeType="withEffect">
+                                  <p:stCondLst>
+                                    <p:cond delay="0"/>
+                                  </p:stCondLst>
+                                  <p:childTnLst>
+                                    <p:set>
+                                      <p:cBhvr>
+                                        <p:cTn id="12" dur="1" fill="hold">
+                                          <p:stCondLst>
+                                            <p:cond delay="0"/>
+                                          </p:stCondLst>
+                                        </p:cTn>
+                                        <p:tgtEl>
+                                          <p:spTgt spid="9">
+                                            <p:txEl>
                                               <p:pRg st="5" end="5"/>
                                             </p:txEl>
                                           </p:spTgt>
@@ -17382,124 +20189,26 @@
                     </p:cTn>
                   </p:par>
                   <p:par>
-                    <p:cTn id="11" fill="hold">
+                    <p:cTn id="13" fill="hold">
                       <p:stCondLst>
                         <p:cond delay="indefinite"/>
                       </p:stCondLst>
                       <p:childTnLst>
                         <p:par>
-                          <p:cTn id="12" fill="hold">
+                          <p:cTn id="14" fill="hold">
                             <p:stCondLst>
                               <p:cond delay="0"/>
                             </p:stCondLst>
                             <p:childTnLst>
                               <p:par>
-                                <p:cTn id="13" presetID="1" presetClass="entr" presetSubtype="0" fill="hold" nodeType="clickEffect">
+                                <p:cTn id="15" presetID="1" presetClass="entr" presetSubtype="0" fill="hold" nodeType="clickEffect">
                                   <p:stCondLst>
                                     <p:cond delay="0"/>
                                   </p:stCondLst>
                                   <p:childTnLst>
                                     <p:set>
                                       <p:cBhvr>
-                                        <p:cTn id="14" dur="1" fill="hold">
-                                          <p:stCondLst>
-                                            <p:cond delay="0"/>
-                                          </p:stCondLst>
-                                        </p:cTn>
-                                        <p:tgtEl>
-                                          <p:spTgt spid="9">
-                                            <p:txEl>
-                                              <p:pRg st="0" end="0"/>
-                                            </p:txEl>
-                                          </p:spTgt>
-                                        </p:tgtEl>
-                                        <p:attrNameLst>
-                                          <p:attrName>style.visibility</p:attrName>
-                                        </p:attrNameLst>
-                                      </p:cBhvr>
-                                      <p:to>
-                                        <p:strVal val="visible"/>
-                                      </p:to>
-                                    </p:set>
-                                  </p:childTnLst>
-                                </p:cTn>
-                              </p:par>
-                            </p:childTnLst>
-                          </p:cTn>
-                        </p:par>
-                      </p:childTnLst>
-                    </p:cTn>
-                  </p:par>
-                  <p:par>
-                    <p:cTn id="15" fill="hold">
-                      <p:stCondLst>
-                        <p:cond delay="indefinite"/>
-                      </p:stCondLst>
-                      <p:childTnLst>
-                        <p:par>
-                          <p:cTn id="16" fill="hold">
-                            <p:stCondLst>
-                              <p:cond delay="0"/>
-                            </p:stCondLst>
-                            <p:childTnLst>
-                              <p:par>
-                                <p:cTn id="17" presetID="1" presetClass="entr" presetSubtype="0" fill="hold" nodeType="clickEffect">
-                                  <p:stCondLst>
-                                    <p:cond delay="0"/>
-                                  </p:stCondLst>
-                                  <p:childTnLst>
-                                    <p:set>
-                                      <p:cBhvr>
-                                        <p:cTn id="18" dur="1" fill="hold">
-                                          <p:stCondLst>
-                                            <p:cond delay="0"/>
-                                          </p:stCondLst>
-                                        </p:cTn>
-                                        <p:tgtEl>
-                                          <p:spTgt spid="9">
-                                            <p:txEl>
-                                              <p:pRg st="2" end="2"/>
-                                            </p:txEl>
-                                          </p:spTgt>
-                                        </p:tgtEl>
-                                        <p:attrNameLst>
-                                          <p:attrName>style.visibility</p:attrName>
-                                        </p:attrNameLst>
-                                      </p:cBhvr>
-                                      <p:to>
-                                        <p:strVal val="visible"/>
-                                      </p:to>
-                                    </p:set>
-                                  </p:childTnLst>
-                                </p:cTn>
-                              </p:par>
-                            </p:childTnLst>
-                          </p:cTn>
-                        </p:par>
-                      </p:childTnLst>
-                    </p:cTn>
-                  </p:par>
-                  <p:par>
-                    <p:cTn id="19" fill="hold">
-                      <p:stCondLst>
-                        <p:cond delay="indefinite"/>
-                      </p:stCondLst>
-                      <p:childTnLst>
-                        <p:par>
-                          <p:cTn id="20" fill="hold">
-                            <p:stCondLst>
-                              <p:cond delay="0"/>
-                            </p:stCondLst>
-                            <p:childTnLst>
-                              <p:par>
-                                <p:cTn id="21" presetID="1" presetClass="entr" presetSubtype="0" fill="hold" nodeType="clickEffect">
-                                  <p:stCondLst>
-                                    <p:cond delay="0"/>
-                                  </p:stCondLst>
-                                  <p:childTnLst>
-                                    <p:set>
-                                      <p:cBhvr>
-                                        <p:cTn id="22" dur="1" fill="hold">
+                                        <p:cTn id="16" dur="1" fill="hold">
                                           <p:stCondLst>
                                             <p:cond delay="0"/>
                                           </p:stCondLst>
@@ -17522,33 +20231,15 @@
                                   </p:childTnLst>
                                 </p:cTn>
                               </p:par>
-                            </p:childTnLst>
-                          </p:cTn>
-                        </p:par>
-                      </p:childTnLst>
-                    </p:cTn>
-                  </p:par>
-                  <p:par>
-                    <p:cTn id="23" fill="hold">
-                      <p:stCondLst>
-                        <p:cond delay="indefinite"/>
-                      </p:stCondLst>
-                      <p:childTnLst>
-                        <p:par>
-                          <p:cTn id="24" fill="hold">
-                            <p:stCondLst>
-                              <p:cond delay="0"/>
-                            </p:stCondLst>
-                            <p:childTnLst>
                               <p:par>
-                                <p:cTn id="25" presetID="1" presetClass="entr" presetSubtype="0" fill="hold" nodeType="clickEffect">
+                                <p:cTn id="17" presetID="1" presetClass="entr" presetSubtype="0" fill="hold" nodeType="withEffect">
                                   <p:stCondLst>
                                     <p:cond delay="0"/>
                                   </p:stCondLst>
                                   <p:childTnLst>
                                     <p:set>
                                       <p:cBhvr>
-                                        <p:cTn id="26" dur="1" fill="hold">
+                                        <p:cTn id="18" dur="1" fill="hold">
                                           <p:stCondLst>
                                             <p:cond delay="0"/>
                                           </p:stCondLst>
@@ -17556,7 +20247,7 @@
                                         <p:tgtEl>
                                           <p:spTgt spid="9">
                                             <p:txEl>
-                                              <p:pRg st="9" end="9"/>
+                                              <p:pRg st="8" end="8"/>
                                             </p:txEl>
                                           </p:spTgt>
                                         </p:tgtEl>
@@ -17571,33 +20262,15 @@
                                   </p:childTnLst>
                                 </p:cTn>
                               </p:par>
-                            </p:childTnLst>
-                          </p:cTn>
-                        </p:par>
-                      </p:childTnLst>
-                    </p:cTn>
-                  </p:par>
-                  <p:par>
-                    <p:cTn id="27" fill="hold">
-                      <p:stCondLst>
-                        <p:cond delay="indefinite"/>
-                      </p:stCondLst>
-                      <p:childTnLst>
-                        <p:par>
-                          <p:cTn id="28" fill="hold">
-                            <p:stCondLst>
-                              <p:cond delay="0"/>
-                            </p:stCondLst>
-                            <p:childTnLst>
                               <p:par>
-                                <p:cTn id="29" presetID="1" presetClass="entr" presetSubtype="0" fill="hold" nodeType="clickEffect">
+                                <p:cTn id="19" presetID="1" presetClass="entr" presetSubtype="0" fill="hold" nodeType="withEffect">
                                   <p:stCondLst>
                                     <p:cond delay="0"/>
                                   </p:stCondLst>
                                   <p:childTnLst>
                                     <p:set>
                                       <p:cBhvr>
-                                        <p:cTn id="30" dur="1" fill="hold">
+                                        <p:cTn id="20" dur="1" fill="hold">
                                           <p:stCondLst>
                                             <p:cond delay="0"/>
                                           </p:stCondLst>
@@ -17605,7 +20278,7 @@
                                         <p:tgtEl>
                                           <p:spTgt spid="9">
                                             <p:txEl>
-                                              <p:pRg st="8" end="8"/>
+                                              <p:pRg st="9" end="9"/>
                                             </p:txEl>
                                           </p:spTgt>
                                         </p:tgtEl>
@@ -18126,6 +20799,78 @@
                       </p:childTnLst>
                     </p:cTn>
                   </p:par>
+                  <p:par>
+                    <p:cTn id="15" fill="hold">
+                      <p:stCondLst>
+                        <p:cond delay="indefinite"/>
+                      </p:stCondLst>
+                      <p:childTnLst>
+                        <p:par>
+                          <p:cTn id="16" fill="hold">
+                            <p:stCondLst>
+                              <p:cond delay="0"/>
+                            </p:stCondLst>
+                            <p:childTnLst>
+                              <p:par>
+                                <p:cTn id="17" presetID="1" presetClass="entr" presetSubtype="0" fill="hold" nodeType="clickEffect">
+                                  <p:stCondLst>
+                                    <p:cond delay="0"/>
+                                  </p:stCondLst>
+                                  <p:childTnLst>
+                                    <p:set>
+                                      <p:cBhvr>
+                                        <p:cTn id="18" dur="1" fill="hold">
+                                          <p:stCondLst>
+                                            <p:cond delay="0"/>
+                                          </p:stCondLst>
+                                        </p:cTn>
+                                        <p:tgtEl>
+                                          <p:spTgt spid="5"/>
+                                        </p:tgtEl>
+                                        <p:attrNameLst>
+                                          <p:attrName>style.visibility</p:attrName>
+                                        </p:attrNameLst>
+                                      </p:cBhvr>
+                                      <p:to>
+                                        <p:strVal val="visible"/>
+                                      </p:to>
+                                    </p:set>
+                                  </p:childTnLst>
+                                </p:cTn>
+                              </p:par>
+                              <p:par>
+                                <p:cTn id="19" presetID="1" presetClass="entr" presetSubtype="0" fill="hold" grpId="0" nodeType="withEffect">
+                                  <p:stCondLst>
+                                    <p:cond delay="0"/>
+                                  </p:stCondLst>
+                                  <p:childTnLst>
+                                    <p:set>
+                                      <p:cBhvr>
+                                        <p:cTn id="20" dur="1" fill="hold">
+                                          <p:stCondLst>
+                                            <p:cond delay="0"/>
+                                          </p:stCondLst>
+                                        </p:cTn>
+                                        <p:tgtEl>
+                                          <p:spTgt spid="4"/>
+                                        </p:tgtEl>
+                                        <p:attrNameLst>
+                                          <p:attrName>style.visibility</p:attrName>
+                                        </p:attrNameLst>
+                                      </p:cBhvr>
+                                      <p:to>
+                                        <p:strVal val="visible"/>
+                                      </p:to>
+                                    </p:set>
+                                  </p:childTnLst>
+                                </p:cTn>
+                              </p:par>
+                            </p:childTnLst>
+                          </p:cTn>
+                        </p:par>
+                      </p:childTnLst>
+                    </p:cTn>
+                  </p:par>
                 </p:childTnLst>
               </p:cTn>
               <p:prevCondLst>
@@ -18147,6 +20892,9 @@
         </p:cTn>
       </p:par>
     </p:tnLst>
+    <p:bldLst>
+      <p:bldP spid="4" grpId="0"/>
+    </p:bldLst>
   </p:timing>
 </p:sld>
 </file>

--- a/courses/apcsp/lect1.pptx
+++ b/courses/apcsp/lect1.pptx
@@ -142,7 +142,7 @@
 <file path=ppt/revisionInfo.xml><?xml version="1.0" encoding="utf-8"?>
 <p1510:revInfo xmlns:a="http://schemas.openxmlformats.org/drawingml/2006/main" xmlns:r="http://schemas.openxmlformats.org/officeDocument/2006/relationships" xmlns:p1510="http://schemas.microsoft.com/office/powerpoint/2015/10/main">
   <p1510:revLst>
-    <p1510:client id="{84676ADF-44D0-6B47-A57C-36670D0E7DB8}" v="249" dt="2021-09-10T13:01:16.408"/>
+    <p1510:client id="{84676ADF-44D0-6B47-A57C-36670D0E7DB8}" v="264" dt="2021-09-13T17:22:32.569"/>
   </p1510:revLst>
 </p1510:revInfo>
 </file>
@@ -442,33 +442,245 @@
   <pc:docChgLst>
     <pc:chgData name="Long B Nguyen" userId="f59fb8f3-a021-417a-8bc1-65c8d471c621" providerId="ADAL" clId="{84676ADF-44D0-6B47-A57C-36670D0E7DB8}"/>
     <pc:docChg chg="undo custSel addSld delSld modSld">
-      <pc:chgData name="Long B Nguyen" userId="f59fb8f3-a021-417a-8bc1-65c8d471c621" providerId="ADAL" clId="{84676ADF-44D0-6B47-A57C-36670D0E7DB8}" dt="2021-09-10T13:01:16.408" v="1011"/>
+      <pc:chgData name="Long B Nguyen" userId="f59fb8f3-a021-417a-8bc1-65c8d471c621" providerId="ADAL" clId="{84676ADF-44D0-6B47-A57C-36670D0E7DB8}" dt="2021-09-13T17:22:32.569" v="1026"/>
       <pc:docMkLst>
         <pc:docMk/>
       </pc:docMkLst>
-      <pc:sldChg chg="modAnim">
-        <pc:chgData name="Long B Nguyen" userId="f59fb8f3-a021-417a-8bc1-65c8d471c621" providerId="ADAL" clId="{84676ADF-44D0-6B47-A57C-36670D0E7DB8}" dt="2021-09-10T13:01:16.408" v="1011"/>
+      <pc:sldChg chg="addSp modSp">
+        <pc:chgData name="Long B Nguyen" userId="f59fb8f3-a021-417a-8bc1-65c8d471c621" providerId="ADAL" clId="{84676ADF-44D0-6B47-A57C-36670D0E7DB8}" dt="2021-09-13T17:22:32.569" v="1026"/>
+        <pc:sldMkLst>
+          <pc:docMk/>
+          <pc:sldMk cId="2207246265" sldId="257"/>
+        </pc:sldMkLst>
+        <pc:spChg chg="add mod">
+          <ac:chgData name="Long B Nguyen" userId="f59fb8f3-a021-417a-8bc1-65c8d471c621" providerId="ADAL" clId="{84676ADF-44D0-6B47-A57C-36670D0E7DB8}" dt="2021-09-13T17:22:32.569" v="1026"/>
+          <ac:spMkLst>
+            <pc:docMk/>
+            <pc:sldMk cId="2207246265" sldId="257"/>
+            <ac:spMk id="3" creationId="{985F8FF4-660E-0B47-9A68-228B7B334507}"/>
+          </ac:spMkLst>
+        </pc:spChg>
+      </pc:sldChg>
+      <pc:sldChg chg="addSp modSp">
+        <pc:chgData name="Long B Nguyen" userId="f59fb8f3-a021-417a-8bc1-65c8d471c621" providerId="ADAL" clId="{84676ADF-44D0-6B47-A57C-36670D0E7DB8}" dt="2021-09-13T17:22:32.569" v="1026"/>
+        <pc:sldMkLst>
+          <pc:docMk/>
+          <pc:sldMk cId="905114398" sldId="264"/>
+        </pc:sldMkLst>
+        <pc:spChg chg="add mod">
+          <ac:chgData name="Long B Nguyen" userId="f59fb8f3-a021-417a-8bc1-65c8d471c621" providerId="ADAL" clId="{84676ADF-44D0-6B47-A57C-36670D0E7DB8}" dt="2021-09-13T17:22:32.569" v="1026"/>
+          <ac:spMkLst>
+            <pc:docMk/>
+            <pc:sldMk cId="905114398" sldId="264"/>
+            <ac:spMk id="4" creationId="{23EBC135-DA50-7A43-A1CD-FD8382E1BCF5}"/>
+          </ac:spMkLst>
+        </pc:spChg>
+      </pc:sldChg>
+      <pc:sldChg chg="addSp modSp modAnim">
+        <pc:chgData name="Long B Nguyen" userId="f59fb8f3-a021-417a-8bc1-65c8d471c621" providerId="ADAL" clId="{84676ADF-44D0-6B47-A57C-36670D0E7DB8}" dt="2021-09-13T17:22:32.569" v="1026"/>
         <pc:sldMkLst>
           <pc:docMk/>
           <pc:sldMk cId="3625497833" sldId="265"/>
         </pc:sldMkLst>
+        <pc:spChg chg="add mod">
+          <ac:chgData name="Long B Nguyen" userId="f59fb8f3-a021-417a-8bc1-65c8d471c621" providerId="ADAL" clId="{84676ADF-44D0-6B47-A57C-36670D0E7DB8}" dt="2021-09-13T17:22:32.569" v="1026"/>
+          <ac:spMkLst>
+            <pc:docMk/>
+            <pc:sldMk cId="3625497833" sldId="265"/>
+            <ac:spMk id="3" creationId="{01CC95AE-C0B3-FC40-9B9D-0693CD8D3ABC}"/>
+          </ac:spMkLst>
+        </pc:spChg>
       </pc:sldChg>
-      <pc:sldChg chg="modAnim">
-        <pc:chgData name="Long B Nguyen" userId="f59fb8f3-a021-417a-8bc1-65c8d471c621" providerId="ADAL" clId="{84676ADF-44D0-6B47-A57C-36670D0E7DB8}" dt="2021-09-10T12:59:59.922" v="998"/>
+      <pc:sldChg chg="addSp modSp">
+        <pc:chgData name="Long B Nguyen" userId="f59fb8f3-a021-417a-8bc1-65c8d471c621" providerId="ADAL" clId="{84676ADF-44D0-6B47-A57C-36670D0E7DB8}" dt="2021-09-13T17:22:32.569" v="1026"/>
+        <pc:sldMkLst>
+          <pc:docMk/>
+          <pc:sldMk cId="1690910164" sldId="267"/>
+        </pc:sldMkLst>
+        <pc:spChg chg="add mod">
+          <ac:chgData name="Long B Nguyen" userId="f59fb8f3-a021-417a-8bc1-65c8d471c621" providerId="ADAL" clId="{84676ADF-44D0-6B47-A57C-36670D0E7DB8}" dt="2021-09-13T17:22:32.569" v="1026"/>
+          <ac:spMkLst>
+            <pc:docMk/>
+            <pc:sldMk cId="1690910164" sldId="267"/>
+            <ac:spMk id="3" creationId="{7E410C04-E5DD-0C44-A0A7-CE24B6E16697}"/>
+          </ac:spMkLst>
+        </pc:spChg>
+      </pc:sldChg>
+      <pc:sldChg chg="addSp modSp">
+        <pc:chgData name="Long B Nguyen" userId="f59fb8f3-a021-417a-8bc1-65c8d471c621" providerId="ADAL" clId="{84676ADF-44D0-6B47-A57C-36670D0E7DB8}" dt="2021-09-13T17:22:32.569" v="1026"/>
+        <pc:sldMkLst>
+          <pc:docMk/>
+          <pc:sldMk cId="4224307978" sldId="270"/>
+        </pc:sldMkLst>
+        <pc:spChg chg="add mod">
+          <ac:chgData name="Long B Nguyen" userId="f59fb8f3-a021-417a-8bc1-65c8d471c621" providerId="ADAL" clId="{84676ADF-44D0-6B47-A57C-36670D0E7DB8}" dt="2021-09-13T17:22:32.569" v="1026"/>
+          <ac:spMkLst>
+            <pc:docMk/>
+            <pc:sldMk cId="4224307978" sldId="270"/>
+            <ac:spMk id="3" creationId="{3170F82D-48C6-9341-9CC1-565FACFFAB0D}"/>
+          </ac:spMkLst>
+        </pc:spChg>
+      </pc:sldChg>
+      <pc:sldChg chg="addSp modSp modAnim">
+        <pc:chgData name="Long B Nguyen" userId="f59fb8f3-a021-417a-8bc1-65c8d471c621" providerId="ADAL" clId="{84676ADF-44D0-6B47-A57C-36670D0E7DB8}" dt="2021-09-13T17:22:32.569" v="1026"/>
+        <pc:sldMkLst>
+          <pc:docMk/>
+          <pc:sldMk cId="2778049646" sldId="281"/>
+        </pc:sldMkLst>
+        <pc:spChg chg="mod">
+          <ac:chgData name="Long B Nguyen" userId="f59fb8f3-a021-417a-8bc1-65c8d471c621" providerId="ADAL" clId="{84676ADF-44D0-6B47-A57C-36670D0E7DB8}" dt="2021-09-13T13:41:21.401" v="1025" actId="20577"/>
+          <ac:spMkLst>
+            <pc:docMk/>
+            <pc:sldMk cId="2778049646" sldId="281"/>
+            <ac:spMk id="3" creationId="{899F54E7-5FE4-EF45-9CE3-B2C76F14DE7B}"/>
+          </ac:spMkLst>
+        </pc:spChg>
+        <pc:spChg chg="add mod">
+          <ac:chgData name="Long B Nguyen" userId="f59fb8f3-a021-417a-8bc1-65c8d471c621" providerId="ADAL" clId="{84676ADF-44D0-6B47-A57C-36670D0E7DB8}" dt="2021-09-13T17:22:32.569" v="1026"/>
+          <ac:spMkLst>
+            <pc:docMk/>
+            <pc:sldMk cId="2778049646" sldId="281"/>
+            <ac:spMk id="4" creationId="{D7244BC5-3BB0-6B43-A99C-4FD00F9BDC12}"/>
+          </ac:spMkLst>
+        </pc:spChg>
+      </pc:sldChg>
+      <pc:sldChg chg="addSp modSp">
+        <pc:chgData name="Long B Nguyen" userId="f59fb8f3-a021-417a-8bc1-65c8d471c621" providerId="ADAL" clId="{84676ADF-44D0-6B47-A57C-36670D0E7DB8}" dt="2021-09-13T17:22:32.569" v="1026"/>
+        <pc:sldMkLst>
+          <pc:docMk/>
+          <pc:sldMk cId="1438711869" sldId="284"/>
+        </pc:sldMkLst>
+        <pc:spChg chg="add mod">
+          <ac:chgData name="Long B Nguyen" userId="f59fb8f3-a021-417a-8bc1-65c8d471c621" providerId="ADAL" clId="{84676ADF-44D0-6B47-A57C-36670D0E7DB8}" dt="2021-09-13T17:22:32.569" v="1026"/>
+          <ac:spMkLst>
+            <pc:docMk/>
+            <pc:sldMk cId="1438711869" sldId="284"/>
+            <ac:spMk id="3" creationId="{06EF466D-95B7-F840-90A0-799E530B1917}"/>
+          </ac:spMkLst>
+        </pc:spChg>
+      </pc:sldChg>
+      <pc:sldChg chg="addSp modSp">
+        <pc:chgData name="Long B Nguyen" userId="f59fb8f3-a021-417a-8bc1-65c8d471c621" providerId="ADAL" clId="{84676ADF-44D0-6B47-A57C-36670D0E7DB8}" dt="2021-09-13T17:22:32.569" v="1026"/>
+        <pc:sldMkLst>
+          <pc:docMk/>
+          <pc:sldMk cId="3974060782" sldId="289"/>
+        </pc:sldMkLst>
+        <pc:spChg chg="add mod">
+          <ac:chgData name="Long B Nguyen" userId="f59fb8f3-a021-417a-8bc1-65c8d471c621" providerId="ADAL" clId="{84676ADF-44D0-6B47-A57C-36670D0E7DB8}" dt="2021-09-13T17:22:32.569" v="1026"/>
+          <ac:spMkLst>
+            <pc:docMk/>
+            <pc:sldMk cId="3974060782" sldId="289"/>
+            <ac:spMk id="5" creationId="{E275B72A-ED00-1F48-8FAD-9E00CE0F949D}"/>
+          </ac:spMkLst>
+        </pc:spChg>
+      </pc:sldChg>
+      <pc:sldChg chg="addSp modSp">
+        <pc:chgData name="Long B Nguyen" userId="f59fb8f3-a021-417a-8bc1-65c8d471c621" providerId="ADAL" clId="{84676ADF-44D0-6B47-A57C-36670D0E7DB8}" dt="2021-09-13T17:22:32.569" v="1026"/>
+        <pc:sldMkLst>
+          <pc:docMk/>
+          <pc:sldMk cId="1153001415" sldId="296"/>
+        </pc:sldMkLst>
+        <pc:spChg chg="add mod">
+          <ac:chgData name="Long B Nguyen" userId="f59fb8f3-a021-417a-8bc1-65c8d471c621" providerId="ADAL" clId="{84676ADF-44D0-6B47-A57C-36670D0E7DB8}" dt="2021-09-13T17:22:32.569" v="1026"/>
+          <ac:spMkLst>
+            <pc:docMk/>
+            <pc:sldMk cId="1153001415" sldId="296"/>
+            <ac:spMk id="4" creationId="{1D636667-A93D-EC4F-A78B-05E353984DAA}"/>
+          </ac:spMkLst>
+        </pc:spChg>
+      </pc:sldChg>
+      <pc:sldChg chg="addSp modSp modAnim">
+        <pc:chgData name="Long B Nguyen" userId="f59fb8f3-a021-417a-8bc1-65c8d471c621" providerId="ADAL" clId="{84676ADF-44D0-6B47-A57C-36670D0E7DB8}" dt="2021-09-13T17:22:32.569" v="1026"/>
         <pc:sldMkLst>
           <pc:docMk/>
           <pc:sldMk cId="2878025650" sldId="298"/>
         </pc:sldMkLst>
+        <pc:spChg chg="add mod">
+          <ac:chgData name="Long B Nguyen" userId="f59fb8f3-a021-417a-8bc1-65c8d471c621" providerId="ADAL" clId="{84676ADF-44D0-6B47-A57C-36670D0E7DB8}" dt="2021-09-13T17:22:32.569" v="1026"/>
+          <ac:spMkLst>
+            <pc:docMk/>
+            <pc:sldMk cId="2878025650" sldId="298"/>
+            <ac:spMk id="2" creationId="{74D1E0AA-7DB2-0343-83B0-4DC4FBB27506}"/>
+          </ac:spMkLst>
+        </pc:spChg>
       </pc:sldChg>
-      <pc:sldChg chg="modAnim">
-        <pc:chgData name="Long B Nguyen" userId="f59fb8f3-a021-417a-8bc1-65c8d471c621" providerId="ADAL" clId="{84676ADF-44D0-6B47-A57C-36670D0E7DB8}" dt="2021-09-10T12:58:38.356" v="991"/>
+      <pc:sldChg chg="addSp modSp">
+        <pc:chgData name="Long B Nguyen" userId="f59fb8f3-a021-417a-8bc1-65c8d471c621" providerId="ADAL" clId="{84676ADF-44D0-6B47-A57C-36670D0E7DB8}" dt="2021-09-13T17:22:32.569" v="1026"/>
+        <pc:sldMkLst>
+          <pc:docMk/>
+          <pc:sldMk cId="1072910180" sldId="299"/>
+        </pc:sldMkLst>
+        <pc:spChg chg="add mod">
+          <ac:chgData name="Long B Nguyen" userId="f59fb8f3-a021-417a-8bc1-65c8d471c621" providerId="ADAL" clId="{84676ADF-44D0-6B47-A57C-36670D0E7DB8}" dt="2021-09-13T17:22:32.569" v="1026"/>
+          <ac:spMkLst>
+            <pc:docMk/>
+            <pc:sldMk cId="1072910180" sldId="299"/>
+            <ac:spMk id="3" creationId="{EFDFF88F-8F10-3D43-95D7-F0571DB77063}"/>
+          </ac:spMkLst>
+        </pc:spChg>
+      </pc:sldChg>
+      <pc:sldChg chg="addSp modSp">
+        <pc:chgData name="Long B Nguyen" userId="f59fb8f3-a021-417a-8bc1-65c8d471c621" providerId="ADAL" clId="{84676ADF-44D0-6B47-A57C-36670D0E7DB8}" dt="2021-09-13T17:22:32.569" v="1026"/>
+        <pc:sldMkLst>
+          <pc:docMk/>
+          <pc:sldMk cId="324251968" sldId="300"/>
+        </pc:sldMkLst>
+        <pc:spChg chg="add mod">
+          <ac:chgData name="Long B Nguyen" userId="f59fb8f3-a021-417a-8bc1-65c8d471c621" providerId="ADAL" clId="{84676ADF-44D0-6B47-A57C-36670D0E7DB8}" dt="2021-09-13T17:22:32.569" v="1026"/>
+          <ac:spMkLst>
+            <pc:docMk/>
+            <pc:sldMk cId="324251968" sldId="300"/>
+            <ac:spMk id="3" creationId="{6445A6A4-8C96-4D42-B2E6-3D266D46977B}"/>
+          </ac:spMkLst>
+        </pc:spChg>
+      </pc:sldChg>
+      <pc:sldChg chg="addSp modSp">
+        <pc:chgData name="Long B Nguyen" userId="f59fb8f3-a021-417a-8bc1-65c8d471c621" providerId="ADAL" clId="{84676ADF-44D0-6B47-A57C-36670D0E7DB8}" dt="2021-09-13T17:22:32.569" v="1026"/>
+        <pc:sldMkLst>
+          <pc:docMk/>
+          <pc:sldMk cId="3618694306" sldId="301"/>
+        </pc:sldMkLst>
+        <pc:spChg chg="add mod">
+          <ac:chgData name="Long B Nguyen" userId="f59fb8f3-a021-417a-8bc1-65c8d471c621" providerId="ADAL" clId="{84676ADF-44D0-6B47-A57C-36670D0E7DB8}" dt="2021-09-13T17:22:32.569" v="1026"/>
+          <ac:spMkLst>
+            <pc:docMk/>
+            <pc:sldMk cId="3618694306" sldId="301"/>
+            <ac:spMk id="3" creationId="{A7687597-CDCC-7146-B203-AAD8D1418645}"/>
+          </ac:spMkLst>
+        </pc:spChg>
+      </pc:sldChg>
+      <pc:sldChg chg="addSp modSp">
+        <pc:chgData name="Long B Nguyen" userId="f59fb8f3-a021-417a-8bc1-65c8d471c621" providerId="ADAL" clId="{84676ADF-44D0-6B47-A57C-36670D0E7DB8}" dt="2021-09-13T17:22:32.569" v="1026"/>
+        <pc:sldMkLst>
+          <pc:docMk/>
+          <pc:sldMk cId="3993483693" sldId="303"/>
+        </pc:sldMkLst>
+        <pc:spChg chg="add mod">
+          <ac:chgData name="Long B Nguyen" userId="f59fb8f3-a021-417a-8bc1-65c8d471c621" providerId="ADAL" clId="{84676ADF-44D0-6B47-A57C-36670D0E7DB8}" dt="2021-09-13T17:22:32.569" v="1026"/>
+          <ac:spMkLst>
+            <pc:docMk/>
+            <pc:sldMk cId="3993483693" sldId="303"/>
+            <ac:spMk id="3" creationId="{4C8DCBAE-4694-6A48-AFB2-6E4F6FE9FDC6}"/>
+          </ac:spMkLst>
+        </pc:spChg>
+      </pc:sldChg>
+      <pc:sldChg chg="addSp modSp modAnim">
+        <pc:chgData name="Long B Nguyen" userId="f59fb8f3-a021-417a-8bc1-65c8d471c621" providerId="ADAL" clId="{84676ADF-44D0-6B47-A57C-36670D0E7DB8}" dt="2021-09-13T17:22:32.569" v="1026"/>
         <pc:sldMkLst>
           <pc:docMk/>
           <pc:sldMk cId="4236300541" sldId="304"/>
         </pc:sldMkLst>
+        <pc:spChg chg="add mod">
+          <ac:chgData name="Long B Nguyen" userId="f59fb8f3-a021-417a-8bc1-65c8d471c621" providerId="ADAL" clId="{84676ADF-44D0-6B47-A57C-36670D0E7DB8}" dt="2021-09-13T17:22:32.569" v="1026"/>
+          <ac:spMkLst>
+            <pc:docMk/>
+            <pc:sldMk cId="4236300541" sldId="304"/>
+            <ac:spMk id="3" creationId="{00FB1382-3B0E-424B-B8B5-EACFA9D11504}"/>
+          </ac:spMkLst>
+        </pc:spChg>
       </pc:sldChg>
       <pc:sldChg chg="addSp modSp modAnim">
-        <pc:chgData name="Long B Nguyen" userId="f59fb8f3-a021-417a-8bc1-65c8d471c621" providerId="ADAL" clId="{84676ADF-44D0-6B47-A57C-36670D0E7DB8}" dt="2021-09-10T13:01:04.630" v="1010"/>
+        <pc:chgData name="Long B Nguyen" userId="f59fb8f3-a021-417a-8bc1-65c8d471c621" providerId="ADAL" clId="{84676ADF-44D0-6B47-A57C-36670D0E7DB8}" dt="2021-09-13T17:22:32.569" v="1026"/>
         <pc:sldMkLst>
           <pc:docMk/>
           <pc:sldMk cId="1754050985" sldId="305"/>
@@ -481,27 +693,89 @@
             <ac:spMk id="2" creationId="{648BA1FE-6B95-2E4B-9A23-A4A149F266FC}"/>
           </ac:spMkLst>
         </pc:spChg>
+        <pc:spChg chg="add mod">
+          <ac:chgData name="Long B Nguyen" userId="f59fb8f3-a021-417a-8bc1-65c8d471c621" providerId="ADAL" clId="{84676ADF-44D0-6B47-A57C-36670D0E7DB8}" dt="2021-09-13T17:22:32.569" v="1026"/>
+          <ac:spMkLst>
+            <pc:docMk/>
+            <pc:sldMk cId="1754050985" sldId="305"/>
+            <ac:spMk id="3" creationId="{B6BF8A25-B133-A54E-8F9A-CF600D49E868}"/>
+          </ac:spMkLst>
+        </pc:spChg>
       </pc:sldChg>
-      <pc:sldChg chg="modAnim">
-        <pc:chgData name="Long B Nguyen" userId="f59fb8f3-a021-417a-8bc1-65c8d471c621" providerId="ADAL" clId="{84676ADF-44D0-6B47-A57C-36670D0E7DB8}" dt="2021-09-10T13:00:14.174" v="999"/>
+      <pc:sldChg chg="addSp modSp modAnim">
+        <pc:chgData name="Long B Nguyen" userId="f59fb8f3-a021-417a-8bc1-65c8d471c621" providerId="ADAL" clId="{84676ADF-44D0-6B47-A57C-36670D0E7DB8}" dt="2021-09-13T17:22:32.569" v="1026"/>
         <pc:sldMkLst>
           <pc:docMk/>
           <pc:sldMk cId="155755559" sldId="306"/>
         </pc:sldMkLst>
+        <pc:spChg chg="add mod">
+          <ac:chgData name="Long B Nguyen" userId="f59fb8f3-a021-417a-8bc1-65c8d471c621" providerId="ADAL" clId="{84676ADF-44D0-6B47-A57C-36670D0E7DB8}" dt="2021-09-13T17:22:32.569" v="1026"/>
+          <ac:spMkLst>
+            <pc:docMk/>
+            <pc:sldMk cId="155755559" sldId="306"/>
+            <ac:spMk id="2" creationId="{F6561415-8618-F549-B5E3-98665AA2F974}"/>
+          </ac:spMkLst>
+        </pc:spChg>
       </pc:sldChg>
-      <pc:sldChg chg="modAnim">
-        <pc:chgData name="Long B Nguyen" userId="f59fb8f3-a021-417a-8bc1-65c8d471c621" providerId="ADAL" clId="{84676ADF-44D0-6B47-A57C-36670D0E7DB8}" dt="2021-09-10T12:58:29.608" v="989"/>
+      <pc:sldChg chg="addSp modSp modAnim">
+        <pc:chgData name="Long B Nguyen" userId="f59fb8f3-a021-417a-8bc1-65c8d471c621" providerId="ADAL" clId="{84676ADF-44D0-6B47-A57C-36670D0E7DB8}" dt="2021-09-13T17:22:32.569" v="1026"/>
         <pc:sldMkLst>
           <pc:docMk/>
           <pc:sldMk cId="3016287638" sldId="307"/>
         </pc:sldMkLst>
+        <pc:spChg chg="add mod">
+          <ac:chgData name="Long B Nguyen" userId="f59fb8f3-a021-417a-8bc1-65c8d471c621" providerId="ADAL" clId="{84676ADF-44D0-6B47-A57C-36670D0E7DB8}" dt="2021-09-13T17:22:32.569" v="1026"/>
+          <ac:spMkLst>
+            <pc:docMk/>
+            <pc:sldMk cId="3016287638" sldId="307"/>
+            <ac:spMk id="3" creationId="{70FE66E9-479C-1A41-9058-DEDB58D6DE24}"/>
+          </ac:spMkLst>
+        </pc:spChg>
       </pc:sldChg>
-      <pc:sldChg chg="modAnim">
-        <pc:chgData name="Long B Nguyen" userId="f59fb8f3-a021-417a-8bc1-65c8d471c621" providerId="ADAL" clId="{84676ADF-44D0-6B47-A57C-36670D0E7DB8}" dt="2021-09-10T12:58:45.906" v="993"/>
+      <pc:sldChg chg="addSp modSp modAnim">
+        <pc:chgData name="Long B Nguyen" userId="f59fb8f3-a021-417a-8bc1-65c8d471c621" providerId="ADAL" clId="{84676ADF-44D0-6B47-A57C-36670D0E7DB8}" dt="2021-09-13T17:22:32.569" v="1026"/>
         <pc:sldMkLst>
           <pc:docMk/>
           <pc:sldMk cId="1011619775" sldId="308"/>
         </pc:sldMkLst>
+        <pc:spChg chg="add mod">
+          <ac:chgData name="Long B Nguyen" userId="f59fb8f3-a021-417a-8bc1-65c8d471c621" providerId="ADAL" clId="{84676ADF-44D0-6B47-A57C-36670D0E7DB8}" dt="2021-09-13T17:22:32.569" v="1026"/>
+          <ac:spMkLst>
+            <pc:docMk/>
+            <pc:sldMk cId="1011619775" sldId="308"/>
+            <ac:spMk id="3" creationId="{4540872E-C3DA-764A-9A13-DEA089F5CBB1}"/>
+          </ac:spMkLst>
+        </pc:spChg>
+      </pc:sldChg>
+      <pc:sldChg chg="addSp modSp">
+        <pc:chgData name="Long B Nguyen" userId="f59fb8f3-a021-417a-8bc1-65c8d471c621" providerId="ADAL" clId="{84676ADF-44D0-6B47-A57C-36670D0E7DB8}" dt="2021-09-13T17:22:32.569" v="1026"/>
+        <pc:sldMkLst>
+          <pc:docMk/>
+          <pc:sldMk cId="2376452645" sldId="309"/>
+        </pc:sldMkLst>
+        <pc:spChg chg="add mod">
+          <ac:chgData name="Long B Nguyen" userId="f59fb8f3-a021-417a-8bc1-65c8d471c621" providerId="ADAL" clId="{84676ADF-44D0-6B47-A57C-36670D0E7DB8}" dt="2021-09-13T17:22:32.569" v="1026"/>
+          <ac:spMkLst>
+            <pc:docMk/>
+            <pc:sldMk cId="2376452645" sldId="309"/>
+            <ac:spMk id="3" creationId="{A45ACE40-5CF9-BD45-9DD9-55C6E5634883}"/>
+          </ac:spMkLst>
+        </pc:spChg>
+      </pc:sldChg>
+      <pc:sldChg chg="addSp modSp">
+        <pc:chgData name="Long B Nguyen" userId="f59fb8f3-a021-417a-8bc1-65c8d471c621" providerId="ADAL" clId="{84676ADF-44D0-6B47-A57C-36670D0E7DB8}" dt="2021-09-13T17:22:32.569" v="1026"/>
+        <pc:sldMkLst>
+          <pc:docMk/>
+          <pc:sldMk cId="1408330095" sldId="311"/>
+        </pc:sldMkLst>
+        <pc:spChg chg="add mod">
+          <ac:chgData name="Long B Nguyen" userId="f59fb8f3-a021-417a-8bc1-65c8d471c621" providerId="ADAL" clId="{84676ADF-44D0-6B47-A57C-36670D0E7DB8}" dt="2021-09-13T17:22:32.569" v="1026"/>
+          <ac:spMkLst>
+            <pc:docMk/>
+            <pc:sldMk cId="1408330095" sldId="311"/>
+            <ac:spMk id="3" creationId="{2AC92374-6DE3-1E4F-8B68-27CB926115D4}"/>
+          </ac:spMkLst>
+        </pc:spChg>
       </pc:sldChg>
       <pc:sldChg chg="modAnim">
         <pc:chgData name="Long B Nguyen" userId="f59fb8f3-a021-417a-8bc1-65c8d471c621" providerId="ADAL" clId="{84676ADF-44D0-6B47-A57C-36670D0E7DB8}" dt="2021-09-10T12:58:05.612" v="984"/>
@@ -517,12 +791,20 @@
           <pc:sldMk cId="3067820620" sldId="552"/>
         </pc:sldMkLst>
       </pc:sldChg>
-      <pc:sldChg chg="modAnim">
-        <pc:chgData name="Long B Nguyen" userId="f59fb8f3-a021-417a-8bc1-65c8d471c621" providerId="ADAL" clId="{84676ADF-44D0-6B47-A57C-36670D0E7DB8}" dt="2021-09-10T12:57:49.075" v="979"/>
+      <pc:sldChg chg="addSp modSp modAnim">
+        <pc:chgData name="Long B Nguyen" userId="f59fb8f3-a021-417a-8bc1-65c8d471c621" providerId="ADAL" clId="{84676ADF-44D0-6B47-A57C-36670D0E7DB8}" dt="2021-09-13T17:22:32.569" v="1026"/>
         <pc:sldMkLst>
           <pc:docMk/>
           <pc:sldMk cId="1352026558" sldId="553"/>
         </pc:sldMkLst>
+        <pc:spChg chg="add mod">
+          <ac:chgData name="Long B Nguyen" userId="f59fb8f3-a021-417a-8bc1-65c8d471c621" providerId="ADAL" clId="{84676ADF-44D0-6B47-A57C-36670D0E7DB8}" dt="2021-09-13T17:22:32.569" v="1026"/>
+          <ac:spMkLst>
+            <pc:docMk/>
+            <pc:sldMk cId="1352026558" sldId="553"/>
+            <ac:spMk id="2" creationId="{A2D9C910-CF11-E74F-B524-3ADB90CBD367}"/>
+          </ac:spMkLst>
+        </pc:spChg>
       </pc:sldChg>
       <pc:sldChg chg="new del">
         <pc:chgData name="Long B Nguyen" userId="f59fb8f3-a021-417a-8bc1-65c8d471c621" providerId="ADAL" clId="{84676ADF-44D0-6B47-A57C-36670D0E7DB8}" dt="2021-09-10T12:39:17.853" v="2" actId="2696"/>
@@ -531,8 +813,8 @@
           <pc:sldMk cId="3869276918" sldId="554"/>
         </pc:sldMkLst>
       </pc:sldChg>
-      <pc:sldChg chg="modSp add mod modAnim">
-        <pc:chgData name="Long B Nguyen" userId="f59fb8f3-a021-417a-8bc1-65c8d471c621" providerId="ADAL" clId="{84676ADF-44D0-6B47-A57C-36670D0E7DB8}" dt="2021-09-10T12:59:14.865" v="997"/>
+      <pc:sldChg chg="addSp modSp add mod modAnim">
+        <pc:chgData name="Long B Nguyen" userId="f59fb8f3-a021-417a-8bc1-65c8d471c621" providerId="ADAL" clId="{84676ADF-44D0-6B47-A57C-36670D0E7DB8}" dt="2021-09-13T17:22:32.569" v="1026"/>
         <pc:sldMkLst>
           <pc:docMk/>
           <pc:sldMk cId="1439554506" sldId="555"/>
@@ -543,6 +825,14 @@
             <pc:docMk/>
             <pc:sldMk cId="1439554506" sldId="555"/>
             <ac:spMk id="2" creationId="{AA3A228F-61D0-D949-A5E7-F83756230BF8}"/>
+          </ac:spMkLst>
+        </pc:spChg>
+        <pc:spChg chg="add mod">
+          <ac:chgData name="Long B Nguyen" userId="f59fb8f3-a021-417a-8bc1-65c8d471c621" providerId="ADAL" clId="{84676ADF-44D0-6B47-A57C-36670D0E7DB8}" dt="2021-09-13T17:22:32.569" v="1026"/>
+          <ac:spMkLst>
+            <pc:docMk/>
+            <pc:sldMk cId="1439554506" sldId="555"/>
+            <ac:spMk id="3" creationId="{5877F43E-9D8A-A34D-9CF9-4BDF295A163E}"/>
           </ac:spMkLst>
         </pc:spChg>
         <pc:spChg chg="mod">
@@ -2887,7 +3177,7 @@
           <a:p>
             <a:fld id="{52977C8B-3199-9A4B-9182-F1B54ABD2553}" type="datetimeFigureOut">
               <a:rPr lang="en-US" smtClean="0"/>
-              <a:t>9/10/21</a:t>
+              <a:t>9/13/21</a:t>
             </a:fld>
             <a:endParaRPr lang="en-US"/>
           </a:p>
@@ -3283,9 +3573,9 @@
           <a:bodyPr/>
           <a:lstStyle/>
           <a:p>
-            <a:fld id="{4AAD347D-5ACD-4C99-B74B-A9C85AD731AF}" type="datetimeFigureOut">
+            <a:fld id="{8B984044-87DD-C541-92A1-0F2158D19C89}" type="datetime1">
               <a:rPr lang="en-US" smtClean="0"/>
-              <a:t>9/10/21</a:t>
+              <a:t>9/13/21</a:t>
             </a:fld>
             <a:endParaRPr lang="en-US" dirty="0"/>
           </a:p>
@@ -3453,9 +3743,9 @@
           <a:bodyPr/>
           <a:lstStyle/>
           <a:p>
-            <a:fld id="{4509A250-FF31-4206-8172-F9D3106AACB1}" type="datetimeFigureOut">
+            <a:fld id="{8D65A002-D3EC-954B-91B8-4F6B4C13C16A}" type="datetime1">
               <a:rPr lang="en-US" smtClean="0"/>
-              <a:t>9/10/21</a:t>
+              <a:t>9/13/21</a:t>
             </a:fld>
             <a:endParaRPr lang="en-US" dirty="0"/>
           </a:p>
@@ -3633,9 +3923,9 @@
           <a:bodyPr/>
           <a:lstStyle/>
           <a:p>
-            <a:fld id="{4509A250-FF31-4206-8172-F9D3106AACB1}" type="datetimeFigureOut">
+            <a:fld id="{18BDB1B5-1493-7F49-A7D6-4F41BA87DC26}" type="datetime1">
               <a:rPr lang="en-US" smtClean="0"/>
-              <a:t>9/10/21</a:t>
+              <a:t>9/13/21</a:t>
             </a:fld>
             <a:endParaRPr lang="en-US" dirty="0"/>
           </a:p>
@@ -3803,9 +4093,9 @@
           <a:bodyPr/>
           <a:lstStyle/>
           <a:p>
-            <a:fld id="{4509A250-FF31-4206-8172-F9D3106AACB1}" type="datetimeFigureOut">
+            <a:fld id="{DCAA3B46-4EBA-3446-8E21-F81EAD0027E0}" type="datetime1">
               <a:rPr lang="en-US" smtClean="0"/>
-              <a:t>9/10/21</a:t>
+              <a:t>9/13/21</a:t>
             </a:fld>
             <a:endParaRPr lang="en-US" dirty="0"/>
           </a:p>
@@ -4049,9 +4339,9 @@
           <a:bodyPr/>
           <a:lstStyle/>
           <a:p>
-            <a:fld id="{9796027F-7875-4030-9381-8BD8C4F21935}" type="datetimeFigureOut">
+            <a:fld id="{A69A4034-8776-544F-B516-F12AF3AE310B}" type="datetime1">
               <a:rPr lang="en-US" smtClean="0"/>
-              <a:t>9/10/21</a:t>
+              <a:t>9/13/21</a:t>
             </a:fld>
             <a:endParaRPr lang="en-US" dirty="0"/>
           </a:p>
@@ -4281,9 +4571,9 @@
           <a:bodyPr/>
           <a:lstStyle/>
           <a:p>
-            <a:fld id="{9796027F-7875-4030-9381-8BD8C4F21935}" type="datetimeFigureOut">
+            <a:fld id="{79879E7F-0671-E64A-B5D4-3A13C80CFC35}" type="datetime1">
               <a:rPr lang="en-US" smtClean="0"/>
-              <a:t>9/10/21</a:t>
+              <a:t>9/13/21</a:t>
             </a:fld>
             <a:endParaRPr lang="en-US" dirty="0"/>
           </a:p>
@@ -4648,9 +4938,9 @@
           <a:bodyPr/>
           <a:lstStyle/>
           <a:p>
-            <a:fld id="{9796027F-7875-4030-9381-8BD8C4F21935}" type="datetimeFigureOut">
+            <a:fld id="{DF4DFD22-EC8F-8E44-91AE-57BD5FA90B62}" type="datetime1">
               <a:rPr lang="en-US" smtClean="0"/>
-              <a:t>9/10/21</a:t>
+              <a:t>9/13/21</a:t>
             </a:fld>
             <a:endParaRPr lang="en-US" dirty="0"/>
           </a:p>
@@ -4766,9 +5056,9 @@
           <a:bodyPr/>
           <a:lstStyle/>
           <a:p>
-            <a:fld id="{4509A250-FF31-4206-8172-F9D3106AACB1}" type="datetimeFigureOut">
+            <a:fld id="{4EAA65BE-8880-7C48-850F-33E9639DFE11}" type="datetime1">
               <a:rPr lang="en-US" smtClean="0"/>
-              <a:t>9/10/21</a:t>
+              <a:t>9/13/21</a:t>
             </a:fld>
             <a:endParaRPr lang="en-US" dirty="0"/>
           </a:p>
@@ -4861,9 +5151,9 @@
           <a:bodyPr/>
           <a:lstStyle/>
           <a:p>
-            <a:fld id="{4509A250-FF31-4206-8172-F9D3106AACB1}" type="datetimeFigureOut">
+            <a:fld id="{118E2494-D304-2C41-A88B-2E6B51F43EFA}" type="datetime1">
               <a:rPr lang="en-US" smtClean="0"/>
-              <a:t>9/10/21</a:t>
+              <a:t>9/13/21</a:t>
             </a:fld>
             <a:endParaRPr lang="en-US" dirty="0"/>
           </a:p>
@@ -5138,9 +5428,9 @@
           <a:bodyPr/>
           <a:lstStyle/>
           <a:p>
-            <a:fld id="{4509A250-FF31-4206-8172-F9D3106AACB1}" type="datetimeFigureOut">
+            <a:fld id="{220684BF-7982-5A4C-9B54-D51F706E8E6E}" type="datetime1">
               <a:rPr lang="en-US" smtClean="0"/>
-              <a:t>9/10/21</a:t>
+              <a:t>9/13/21</a:t>
             </a:fld>
             <a:endParaRPr lang="en-US" dirty="0"/>
           </a:p>
@@ -5395,9 +5685,9 @@
           <a:bodyPr/>
           <a:lstStyle/>
           <a:p>
-            <a:fld id="{4509A250-FF31-4206-8172-F9D3106AACB1}" type="datetimeFigureOut">
+            <a:fld id="{888AC2D9-83F1-5748-A1DC-DC9B8A855E7D}" type="datetime1">
               <a:rPr lang="en-US" smtClean="0"/>
-              <a:t>9/10/21</a:t>
+              <a:t>9/13/21</a:t>
             </a:fld>
             <a:endParaRPr lang="en-US" dirty="0"/>
           </a:p>
@@ -5608,9 +5898,9 @@
             </a:lvl1pPr>
           </a:lstStyle>
           <a:p>
-            <a:fld id="{4AAD347D-5ACD-4C99-B74B-A9C85AD731AF}" type="datetimeFigureOut">
+            <a:fld id="{E06F5566-A356-684E-A080-CEA051801574}" type="datetime1">
               <a:rPr lang="en-US" smtClean="0"/>
-              <a:t>9/10/21</a:t>
+              <a:t>9/13/21</a:t>
             </a:fld>
             <a:endParaRPr lang="en-US" dirty="0"/>
           </a:p>
@@ -5715,7 +6005,7 @@
     <p:sldLayoutId id="2147483801" r:id="rId10"/>
     <p:sldLayoutId id="2147483802" r:id="rId11"/>
   </p:sldLayoutIdLst>
-  <p:hf sldNum="0" hdr="0" ftr="0" dt="0"/>
+  <p:hf hdr="0" ftr="0" dt="0"/>
   <p:txStyles>
     <p:titleStyle>
       <a:lvl1pPr algn="l" defTabSz="685800" rtl="0" eaLnBrk="1" latinLnBrk="0" hangingPunct="1">
@@ -6283,6 +6573,35 @@
           </a:p>
         </p:txBody>
       </p:sp>
+      <p:sp>
+        <p:nvSpPr>
+          <p:cNvPr id="5" name="Slide Number Placeholder 4">
+            <a:extLst>
+              <a:ext uri="{FF2B5EF4-FFF2-40B4-BE49-F238E27FC236}">
+                <a16:creationId xmlns:a16="http://schemas.microsoft.com/office/drawing/2014/main" id="{E275B72A-ED00-1F48-8FAD-9E00CE0F949D}"/>
+              </a:ext>
+            </a:extLst>
+          </p:cNvPr>
+          <p:cNvSpPr>
+            <a:spLocks noGrp="1"/>
+          </p:cNvSpPr>
+          <p:nvPr>
+            <p:ph type="sldNum" sz="quarter" idx="12"/>
+          </p:nvPr>
+        </p:nvSpPr>
+        <p:spPr/>
+        <p:txBody>
+          <a:bodyPr/>
+          <a:lstStyle/>
+          <a:p>
+            <a:fld id="{D57F1E4F-1CFF-5643-939E-02111984F565}" type="slidenum">
+              <a:rPr lang="en-US" smtClean="0"/>
+              <a:t>1</a:t>
+            </a:fld>
+            <a:endParaRPr lang="en-US" dirty="0"/>
+          </a:p>
+        </p:txBody>
+      </p:sp>
     </p:spTree>
     <p:extLst>
       <p:ext uri="{BB962C8B-B14F-4D97-AF65-F5344CB8AC3E}">
@@ -6585,6 +6904,35 @@
             <a:endParaRPr lang="en-US" sz="1900" b="1" dirty="0">
               <a:latin typeface="Inconsolata" panose="020B0609030003000000" pitchFamily="49" charset="77"/>
             </a:endParaRPr>
+          </a:p>
+        </p:txBody>
+      </p:sp>
+      <p:sp>
+        <p:nvSpPr>
+          <p:cNvPr id="3" name="Slide Number Placeholder 2">
+            <a:extLst>
+              <a:ext uri="{FF2B5EF4-FFF2-40B4-BE49-F238E27FC236}">
+                <a16:creationId xmlns:a16="http://schemas.microsoft.com/office/drawing/2014/main" id="{EFDFF88F-8F10-3D43-95D7-F0571DB77063}"/>
+              </a:ext>
+            </a:extLst>
+          </p:cNvPr>
+          <p:cNvSpPr>
+            <a:spLocks noGrp="1"/>
+          </p:cNvSpPr>
+          <p:nvPr>
+            <p:ph type="sldNum" sz="quarter" idx="12"/>
+          </p:nvPr>
+        </p:nvSpPr>
+        <p:spPr/>
+        <p:txBody>
+          <a:bodyPr/>
+          <a:lstStyle/>
+          <a:p>
+            <a:fld id="{D57F1E4F-1CFF-5643-939E-02111984F565}" type="slidenum">
+              <a:rPr lang="en-US" smtClean="0"/>
+              <a:t>10</a:t>
+            </a:fld>
+            <a:endParaRPr lang="en-US" dirty="0"/>
           </a:p>
         </p:txBody>
       </p:sp>
@@ -7288,6 +7636,35 @@
           </a:p>
         </p:txBody>
       </p:sp>
+      <p:sp>
+        <p:nvSpPr>
+          <p:cNvPr id="3" name="Slide Number Placeholder 2">
+            <a:extLst>
+              <a:ext uri="{FF2B5EF4-FFF2-40B4-BE49-F238E27FC236}">
+                <a16:creationId xmlns:a16="http://schemas.microsoft.com/office/drawing/2014/main" id="{6445A6A4-8C96-4D42-B2E6-3D266D46977B}"/>
+              </a:ext>
+            </a:extLst>
+          </p:cNvPr>
+          <p:cNvSpPr>
+            <a:spLocks noGrp="1"/>
+          </p:cNvSpPr>
+          <p:nvPr>
+            <p:ph type="sldNum" sz="quarter" idx="12"/>
+          </p:nvPr>
+        </p:nvSpPr>
+        <p:spPr/>
+        <p:txBody>
+          <a:bodyPr/>
+          <a:lstStyle/>
+          <a:p>
+            <a:fld id="{D57F1E4F-1CFF-5643-939E-02111984F565}" type="slidenum">
+              <a:rPr lang="en-US" smtClean="0"/>
+              <a:t>11</a:t>
+            </a:fld>
+            <a:endParaRPr lang="en-US" dirty="0"/>
+          </a:p>
+        </p:txBody>
+      </p:sp>
     </p:spTree>
     <p:extLst>
       <p:ext uri="{BB962C8B-B14F-4D97-AF65-F5344CB8AC3E}">
@@ -7755,6 +8132,35 @@
           </a:p>
         </p:txBody>
       </p:sp>
+      <p:sp>
+        <p:nvSpPr>
+          <p:cNvPr id="3" name="Slide Number Placeholder 2">
+            <a:extLst>
+              <a:ext uri="{FF2B5EF4-FFF2-40B4-BE49-F238E27FC236}">
+                <a16:creationId xmlns:a16="http://schemas.microsoft.com/office/drawing/2014/main" id="{7E410C04-E5DD-0C44-A0A7-CE24B6E16697}"/>
+              </a:ext>
+            </a:extLst>
+          </p:cNvPr>
+          <p:cNvSpPr>
+            <a:spLocks noGrp="1"/>
+          </p:cNvSpPr>
+          <p:nvPr>
+            <p:ph type="sldNum" sz="quarter" idx="12"/>
+          </p:nvPr>
+        </p:nvSpPr>
+        <p:spPr/>
+        <p:txBody>
+          <a:bodyPr/>
+          <a:lstStyle/>
+          <a:p>
+            <a:fld id="{D57F1E4F-1CFF-5643-939E-02111984F565}" type="slidenum">
+              <a:rPr lang="en-US" smtClean="0"/>
+              <a:t>12</a:t>
+            </a:fld>
+            <a:endParaRPr lang="en-US" dirty="0"/>
+          </a:p>
+        </p:txBody>
+      </p:sp>
     </p:spTree>
     <p:extLst>
       <p:ext uri="{BB962C8B-B14F-4D97-AF65-F5344CB8AC3E}">
@@ -8033,6 +8439,35 @@
               <a:buNone/>
             </a:pPr>
             <a:endParaRPr lang="en-US" sz="2000" dirty="0"/>
+          </a:p>
+        </p:txBody>
+      </p:sp>
+      <p:sp>
+        <p:nvSpPr>
+          <p:cNvPr id="3" name="Slide Number Placeholder 2">
+            <a:extLst>
+              <a:ext uri="{FF2B5EF4-FFF2-40B4-BE49-F238E27FC236}">
+                <a16:creationId xmlns:a16="http://schemas.microsoft.com/office/drawing/2014/main" id="{3170F82D-48C6-9341-9CC1-565FACFFAB0D}"/>
+              </a:ext>
+            </a:extLst>
+          </p:cNvPr>
+          <p:cNvSpPr>
+            <a:spLocks noGrp="1"/>
+          </p:cNvSpPr>
+          <p:nvPr>
+            <p:ph type="sldNum" sz="quarter" idx="12"/>
+          </p:nvPr>
+        </p:nvSpPr>
+        <p:spPr/>
+        <p:txBody>
+          <a:bodyPr/>
+          <a:lstStyle/>
+          <a:p>
+            <a:fld id="{D57F1E4F-1CFF-5643-939E-02111984F565}" type="slidenum">
+              <a:rPr lang="en-US" smtClean="0"/>
+              <a:t>13</a:t>
+            </a:fld>
+            <a:endParaRPr lang="en-US" dirty="0"/>
           </a:p>
         </p:txBody>
       </p:sp>
@@ -8748,6 +9183,35 @@
             <a:pPr marL="0" indent="0">
               <a:buNone/>
             </a:pPr>
+            <a:endParaRPr lang="en-US" dirty="0"/>
+          </a:p>
+        </p:txBody>
+      </p:sp>
+      <p:sp>
+        <p:nvSpPr>
+          <p:cNvPr id="3" name="Slide Number Placeholder 2">
+            <a:extLst>
+              <a:ext uri="{FF2B5EF4-FFF2-40B4-BE49-F238E27FC236}">
+                <a16:creationId xmlns:a16="http://schemas.microsoft.com/office/drawing/2014/main" id="{2AC92374-6DE3-1E4F-8B68-27CB926115D4}"/>
+              </a:ext>
+            </a:extLst>
+          </p:cNvPr>
+          <p:cNvSpPr>
+            <a:spLocks noGrp="1"/>
+          </p:cNvSpPr>
+          <p:nvPr>
+            <p:ph type="sldNum" sz="quarter" idx="12"/>
+          </p:nvPr>
+        </p:nvSpPr>
+        <p:spPr/>
+        <p:txBody>
+          <a:bodyPr/>
+          <a:lstStyle/>
+          <a:p>
+            <a:fld id="{D57F1E4F-1CFF-5643-939E-02111984F565}" type="slidenum">
+              <a:rPr lang="en-US" smtClean="0"/>
+              <a:t>14</a:t>
+            </a:fld>
             <a:endParaRPr lang="en-US" dirty="0"/>
           </a:p>
         </p:txBody>
@@ -9426,7 +9890,7 @@
         <p:spPr>
           <a:xfrm>
             <a:off x="264459" y="2772916"/>
-            <a:ext cx="8345285" cy="1708160"/>
+            <a:ext cx="8345285" cy="2031325"/>
           </a:xfrm>
           <a:prstGeom prst="rect">
             <a:avLst/>
@@ -9573,9 +10037,55 @@
             </a:r>
           </a:p>
           <a:p>
+            <a:r>
+              <a:rPr lang="en-US" sz="2100" b="1" dirty="0">
+                <a:latin typeface="Inconsolata" panose="020B0609030003000000" pitchFamily="49" charset="77"/>
+              </a:rPr>
+              <a:t>print(3 == 5) 		</a:t>
+            </a:r>
+            <a:r>
+              <a:rPr lang="en-US" sz="2100" b="1" dirty="0">
+                <a:solidFill>
+                  <a:schemeClr val="accent1"/>
+                </a:solidFill>
+                <a:latin typeface="Inconsolata" panose="020B0609030003000000" pitchFamily="49" charset="77"/>
+              </a:rPr>
+              <a:t># False </a:t>
+            </a:r>
+          </a:p>
+          <a:p>
             <a:endParaRPr lang="en-US" sz="2100" b="1" dirty="0">
               <a:latin typeface="Inconsolata" panose="020B0609030003000000" pitchFamily="49" charset="77"/>
             </a:endParaRPr>
+          </a:p>
+        </p:txBody>
+      </p:sp>
+      <p:sp>
+        <p:nvSpPr>
+          <p:cNvPr id="4" name="Slide Number Placeholder 3">
+            <a:extLst>
+              <a:ext uri="{FF2B5EF4-FFF2-40B4-BE49-F238E27FC236}">
+                <a16:creationId xmlns:a16="http://schemas.microsoft.com/office/drawing/2014/main" id="{D7244BC5-3BB0-6B43-A99C-4FD00F9BDC12}"/>
+              </a:ext>
+            </a:extLst>
+          </p:cNvPr>
+          <p:cNvSpPr>
+            <a:spLocks noGrp="1"/>
+          </p:cNvSpPr>
+          <p:nvPr>
+            <p:ph type="sldNum" sz="quarter" idx="12"/>
+          </p:nvPr>
+        </p:nvSpPr>
+        <p:spPr/>
+        <p:txBody>
+          <a:bodyPr/>
+          <a:lstStyle/>
+          <a:p>
+            <a:fld id="{D57F1E4F-1CFF-5643-939E-02111984F565}" type="slidenum">
+              <a:rPr lang="en-US" smtClean="0"/>
+              <a:t>15</a:t>
+            </a:fld>
+            <a:endParaRPr lang="en-US" dirty="0"/>
           </a:p>
         </p:txBody>
       </p:sp>
@@ -9824,6 +10334,55 @@
                       </p:childTnLst>
                     </p:cTn>
                   </p:par>
+                  <p:par>
+                    <p:cTn id="21" fill="hold">
+                      <p:stCondLst>
+                        <p:cond delay="indefinite"/>
+                      </p:stCondLst>
+                      <p:childTnLst>
+                        <p:par>
+                          <p:cTn id="22" fill="hold">
+                            <p:stCondLst>
+                              <p:cond delay="0"/>
+                            </p:stCondLst>
+                            <p:childTnLst>
+                              <p:par>
+                                <p:cTn id="23" presetID="1" presetClass="entr" presetSubtype="0" fill="hold" nodeType="clickEffect">
+                                  <p:stCondLst>
+                                    <p:cond delay="0"/>
+                                  </p:stCondLst>
+                                  <p:childTnLst>
+                                    <p:set>
+                                      <p:cBhvr>
+                                        <p:cTn id="24" dur="1" fill="hold">
+                                          <p:stCondLst>
+                                            <p:cond delay="0"/>
+                                          </p:stCondLst>
+                                        </p:cTn>
+                                        <p:tgtEl>
+                                          <p:spTgt spid="3">
+                                            <p:txEl>
+                                              <p:pRg st="4" end="4"/>
+                                            </p:txEl>
+                                          </p:spTgt>
+                                        </p:tgtEl>
+                                        <p:attrNameLst>
+                                          <p:attrName>style.visibility</p:attrName>
+                                        </p:attrNameLst>
+                                      </p:cBhvr>
+                                      <p:to>
+                                        <p:strVal val="visible"/>
+                                      </p:to>
+                                    </p:set>
+                                  </p:childTnLst>
+                                </p:cTn>
+                              </p:par>
+                            </p:childTnLst>
+                          </p:cTn>
+                        </p:par>
+                      </p:childTnLst>
+                    </p:cTn>
+                  </p:par>
                 </p:childTnLst>
               </p:cTn>
               <p:prevCondLst>
@@ -10074,6 +10633,35 @@
               <a:rPr lang="en-US" dirty="0"/>
               <a:t>Strings</a:t>
             </a:r>
+          </a:p>
+        </p:txBody>
+      </p:sp>
+      <p:sp>
+        <p:nvSpPr>
+          <p:cNvPr id="2" name="Slide Number Placeholder 1">
+            <a:extLst>
+              <a:ext uri="{FF2B5EF4-FFF2-40B4-BE49-F238E27FC236}">
+                <a16:creationId xmlns:a16="http://schemas.microsoft.com/office/drawing/2014/main" id="{A2D9C910-CF11-E74F-B524-3ADB90CBD367}"/>
+              </a:ext>
+            </a:extLst>
+          </p:cNvPr>
+          <p:cNvSpPr>
+            <a:spLocks noGrp="1"/>
+          </p:cNvSpPr>
+          <p:nvPr>
+            <p:ph type="sldNum" sz="quarter" idx="12"/>
+          </p:nvPr>
+        </p:nvSpPr>
+        <p:spPr/>
+        <p:txBody>
+          <a:bodyPr/>
+          <a:lstStyle/>
+          <a:p>
+            <a:fld id="{D57F1E4F-1CFF-5643-939E-02111984F565}" type="slidenum">
+              <a:rPr lang="en-US" smtClean="0"/>
+              <a:t>16</a:t>
+            </a:fld>
+            <a:endParaRPr lang="en-US" dirty="0"/>
           </a:p>
         </p:txBody>
       </p:sp>
@@ -10833,6 +11421,35 @@
             <a:pPr marL="0" indent="0">
               <a:buNone/>
             </a:pPr>
+            <a:endParaRPr lang="en-US" dirty="0"/>
+          </a:p>
+        </p:txBody>
+      </p:sp>
+      <p:sp>
+        <p:nvSpPr>
+          <p:cNvPr id="3" name="Slide Number Placeholder 2">
+            <a:extLst>
+              <a:ext uri="{FF2B5EF4-FFF2-40B4-BE49-F238E27FC236}">
+                <a16:creationId xmlns:a16="http://schemas.microsoft.com/office/drawing/2014/main" id="{A45ACE40-5CF9-BD45-9DD9-55C6E5634883}"/>
+              </a:ext>
+            </a:extLst>
+          </p:cNvPr>
+          <p:cNvSpPr>
+            <a:spLocks noGrp="1"/>
+          </p:cNvSpPr>
+          <p:nvPr>
+            <p:ph type="sldNum" sz="quarter" idx="12"/>
+          </p:nvPr>
+        </p:nvSpPr>
+        <p:spPr/>
+        <p:txBody>
+          <a:bodyPr/>
+          <a:lstStyle/>
+          <a:p>
+            <a:fld id="{D57F1E4F-1CFF-5643-939E-02111984F565}" type="slidenum">
+              <a:rPr lang="en-US" smtClean="0"/>
+              <a:t>17</a:t>
+            </a:fld>
             <a:endParaRPr lang="en-US" dirty="0"/>
           </a:p>
         </p:txBody>
@@ -12402,6 +13019,35 @@
           </a:p>
         </p:txBody>
       </p:sp>
+      <p:sp>
+        <p:nvSpPr>
+          <p:cNvPr id="3" name="Slide Number Placeholder 2">
+            <a:extLst>
+              <a:ext uri="{FF2B5EF4-FFF2-40B4-BE49-F238E27FC236}">
+                <a16:creationId xmlns:a16="http://schemas.microsoft.com/office/drawing/2014/main" id="{985F8FF4-660E-0B47-9A68-228B7B334507}"/>
+              </a:ext>
+            </a:extLst>
+          </p:cNvPr>
+          <p:cNvSpPr>
+            <a:spLocks noGrp="1"/>
+          </p:cNvSpPr>
+          <p:nvPr>
+            <p:ph type="sldNum" sz="quarter" idx="12"/>
+          </p:nvPr>
+        </p:nvSpPr>
+        <p:spPr/>
+        <p:txBody>
+          <a:bodyPr/>
+          <a:lstStyle/>
+          <a:p>
+            <a:fld id="{D57F1E4F-1CFF-5643-939E-02111984F565}" type="slidenum">
+              <a:rPr lang="en-US" smtClean="0"/>
+              <a:t>2</a:t>
+            </a:fld>
+            <a:endParaRPr lang="en-US" dirty="0"/>
+          </a:p>
+        </p:txBody>
+      </p:sp>
     </p:spTree>
     <p:extLst>
       <p:ext uri="{BB962C8B-B14F-4D97-AF65-F5344CB8AC3E}">
@@ -13324,6 +13970,35 @@
           </a:fontRef>
         </p:style>
       </p:cxnSp>
+      <p:sp>
+        <p:nvSpPr>
+          <p:cNvPr id="3" name="Slide Number Placeholder 2">
+            <a:extLst>
+              <a:ext uri="{FF2B5EF4-FFF2-40B4-BE49-F238E27FC236}">
+                <a16:creationId xmlns:a16="http://schemas.microsoft.com/office/drawing/2014/main" id="{70FE66E9-479C-1A41-9058-DEDB58D6DE24}"/>
+              </a:ext>
+            </a:extLst>
+          </p:cNvPr>
+          <p:cNvSpPr>
+            <a:spLocks noGrp="1"/>
+          </p:cNvSpPr>
+          <p:nvPr>
+            <p:ph type="sldNum" sz="quarter" idx="12"/>
+          </p:nvPr>
+        </p:nvSpPr>
+        <p:spPr/>
+        <p:txBody>
+          <a:bodyPr/>
+          <a:lstStyle/>
+          <a:p>
+            <a:fld id="{D57F1E4F-1CFF-5643-939E-02111984F565}" type="slidenum">
+              <a:rPr lang="en-US" smtClean="0"/>
+              <a:t>20</a:t>
+            </a:fld>
+            <a:endParaRPr lang="en-US" dirty="0"/>
+          </a:p>
+        </p:txBody>
+      </p:sp>
     </p:spTree>
     <p:extLst>
       <p:ext uri="{BB962C8B-B14F-4D97-AF65-F5344CB8AC3E}">
@@ -14193,6 +14868,35 @@
           </a:p>
         </p:txBody>
       </p:sp>
+      <p:sp>
+        <p:nvSpPr>
+          <p:cNvPr id="3" name="Slide Number Placeholder 2">
+            <a:extLst>
+              <a:ext uri="{FF2B5EF4-FFF2-40B4-BE49-F238E27FC236}">
+                <a16:creationId xmlns:a16="http://schemas.microsoft.com/office/drawing/2014/main" id="{00FB1382-3B0E-424B-B8B5-EACFA9D11504}"/>
+              </a:ext>
+            </a:extLst>
+          </p:cNvPr>
+          <p:cNvSpPr>
+            <a:spLocks noGrp="1"/>
+          </p:cNvSpPr>
+          <p:nvPr>
+            <p:ph type="sldNum" sz="quarter" idx="12"/>
+          </p:nvPr>
+        </p:nvSpPr>
+        <p:spPr/>
+        <p:txBody>
+          <a:bodyPr/>
+          <a:lstStyle/>
+          <a:p>
+            <a:fld id="{D57F1E4F-1CFF-5643-939E-02111984F565}" type="slidenum">
+              <a:rPr lang="en-US" smtClean="0"/>
+              <a:t>21</a:t>
+            </a:fld>
+            <a:endParaRPr lang="en-US" dirty="0"/>
+          </a:p>
+        </p:txBody>
+      </p:sp>
     </p:spTree>
     <p:extLst>
       <p:ext uri="{BB962C8B-B14F-4D97-AF65-F5344CB8AC3E}">
@@ -14899,6 +15603,35 @@
           </a:p>
         </p:txBody>
       </p:sp>
+      <p:sp>
+        <p:nvSpPr>
+          <p:cNvPr id="3" name="Slide Number Placeholder 2">
+            <a:extLst>
+              <a:ext uri="{FF2B5EF4-FFF2-40B4-BE49-F238E27FC236}">
+                <a16:creationId xmlns:a16="http://schemas.microsoft.com/office/drawing/2014/main" id="{4540872E-C3DA-764A-9A13-DEA089F5CBB1}"/>
+              </a:ext>
+            </a:extLst>
+          </p:cNvPr>
+          <p:cNvSpPr>
+            <a:spLocks noGrp="1"/>
+          </p:cNvSpPr>
+          <p:nvPr>
+            <p:ph type="sldNum" sz="quarter" idx="12"/>
+          </p:nvPr>
+        </p:nvSpPr>
+        <p:spPr/>
+        <p:txBody>
+          <a:bodyPr/>
+          <a:lstStyle/>
+          <a:p>
+            <a:fld id="{D57F1E4F-1CFF-5643-939E-02111984F565}" type="slidenum">
+              <a:rPr lang="en-US" smtClean="0"/>
+              <a:t>22</a:t>
+            </a:fld>
+            <a:endParaRPr lang="en-US" dirty="0"/>
+          </a:p>
+        </p:txBody>
+      </p:sp>
     </p:spTree>
     <p:extLst>
       <p:ext uri="{BB962C8B-B14F-4D97-AF65-F5344CB8AC3E}">
@@ -15214,8 +15947,8 @@
           </a:p>
         </p:txBody>
       </p:sp>
-      <mc:AlternateContent xmlns:mc="http://schemas.openxmlformats.org/markup-compatibility/2006">
-        <mc:Choice xmlns:a14="http://schemas.microsoft.com/office/drawing/2010/main" Requires="a14">
+      <mc:AlternateContent xmlns:mc="http://schemas.openxmlformats.org/markup-compatibility/2006" xmlns:a14="http://schemas.microsoft.com/office/drawing/2010/main">
+        <mc:Choice Requires="a14">
           <p:sp>
             <p:nvSpPr>
               <p:cNvPr id="9" name="Content Placeholder 8">
@@ -15653,7 +16386,7 @@
             </p:txBody>
           </p:sp>
         </mc:Choice>
-        <mc:Fallback>
+        <mc:Fallback xmlns="">
           <p:sp>
             <p:nvSpPr>
               <p:cNvPr id="9" name="Content Placeholder 8">
@@ -15697,6 +16430,35 @@
           </p:sp>
         </mc:Fallback>
       </mc:AlternateContent>
+      <p:sp>
+        <p:nvSpPr>
+          <p:cNvPr id="3" name="Slide Number Placeholder 2">
+            <a:extLst>
+              <a:ext uri="{FF2B5EF4-FFF2-40B4-BE49-F238E27FC236}">
+                <a16:creationId xmlns:a16="http://schemas.microsoft.com/office/drawing/2014/main" id="{5877F43E-9D8A-A34D-9CF9-4BDF295A163E}"/>
+              </a:ext>
+            </a:extLst>
+          </p:cNvPr>
+          <p:cNvSpPr>
+            <a:spLocks noGrp="1"/>
+          </p:cNvSpPr>
+          <p:nvPr>
+            <p:ph type="sldNum" sz="quarter" idx="12"/>
+          </p:nvPr>
+        </p:nvSpPr>
+        <p:spPr/>
+        <p:txBody>
+          <a:bodyPr/>
+          <a:lstStyle/>
+          <a:p>
+            <a:fld id="{D57F1E4F-1CFF-5643-939E-02111984F565}" type="slidenum">
+              <a:rPr lang="en-US" smtClean="0"/>
+              <a:t>23</a:t>
+            </a:fld>
+            <a:endParaRPr lang="en-US" dirty="0"/>
+          </a:p>
+        </p:txBody>
+      </p:sp>
     </p:spTree>
     <p:extLst>
       <p:ext uri="{BB962C8B-B14F-4D97-AF65-F5344CB8AC3E}">
@@ -16289,6 +17051,35 @@
           </a:p>
         </p:txBody>
       </p:sp>
+      <p:sp>
+        <p:nvSpPr>
+          <p:cNvPr id="3" name="Slide Number Placeholder 2">
+            <a:extLst>
+              <a:ext uri="{FF2B5EF4-FFF2-40B4-BE49-F238E27FC236}">
+                <a16:creationId xmlns:a16="http://schemas.microsoft.com/office/drawing/2014/main" id="{4C8DCBAE-4694-6A48-AFB2-6E4F6FE9FDC6}"/>
+              </a:ext>
+            </a:extLst>
+          </p:cNvPr>
+          <p:cNvSpPr>
+            <a:spLocks noGrp="1"/>
+          </p:cNvSpPr>
+          <p:nvPr>
+            <p:ph type="sldNum" sz="quarter" idx="12"/>
+          </p:nvPr>
+        </p:nvSpPr>
+        <p:spPr/>
+        <p:txBody>
+          <a:bodyPr/>
+          <a:lstStyle/>
+          <a:p>
+            <a:fld id="{D57F1E4F-1CFF-5643-939E-02111984F565}" type="slidenum">
+              <a:rPr lang="en-US" smtClean="0"/>
+              <a:t>24</a:t>
+            </a:fld>
+            <a:endParaRPr lang="en-US" dirty="0"/>
+          </a:p>
+        </p:txBody>
+      </p:sp>
     </p:spTree>
     <p:extLst>
       <p:ext uri="{BB962C8B-B14F-4D97-AF65-F5344CB8AC3E}">
@@ -16440,6 +17231,35 @@
               <a:rPr lang="en-US" dirty="0"/>
               <a:t> site. </a:t>
             </a:r>
+          </a:p>
+        </p:txBody>
+      </p:sp>
+      <p:sp>
+        <p:nvSpPr>
+          <p:cNvPr id="3" name="Slide Number Placeholder 2">
+            <a:extLst>
+              <a:ext uri="{FF2B5EF4-FFF2-40B4-BE49-F238E27FC236}">
+                <a16:creationId xmlns:a16="http://schemas.microsoft.com/office/drawing/2014/main" id="{06EF466D-95B7-F840-90A0-799E530B1917}"/>
+              </a:ext>
+            </a:extLst>
+          </p:cNvPr>
+          <p:cNvSpPr>
+            <a:spLocks noGrp="1"/>
+          </p:cNvSpPr>
+          <p:nvPr>
+            <p:ph type="sldNum" sz="quarter" idx="12"/>
+          </p:nvPr>
+        </p:nvSpPr>
+        <p:spPr/>
+        <p:txBody>
+          <a:bodyPr/>
+          <a:lstStyle/>
+          <a:p>
+            <a:fld id="{D57F1E4F-1CFF-5643-939E-02111984F565}" type="slidenum">
+              <a:rPr lang="en-US" smtClean="0"/>
+              <a:t>25</a:t>
+            </a:fld>
+            <a:endParaRPr lang="en-US" dirty="0"/>
           </a:p>
         </p:txBody>
       </p:sp>
@@ -16652,6 +17472,35 @@
             <a:pPr marL="0" indent="0">
               <a:buNone/>
             </a:pPr>
+            <a:endParaRPr lang="en-US" dirty="0"/>
+          </a:p>
+        </p:txBody>
+      </p:sp>
+      <p:sp>
+        <p:nvSpPr>
+          <p:cNvPr id="3" name="Slide Number Placeholder 2">
+            <a:extLst>
+              <a:ext uri="{FF2B5EF4-FFF2-40B4-BE49-F238E27FC236}">
+                <a16:creationId xmlns:a16="http://schemas.microsoft.com/office/drawing/2014/main" id="{A7687597-CDCC-7146-B203-AAD8D1418645}"/>
+              </a:ext>
+            </a:extLst>
+          </p:cNvPr>
+          <p:cNvSpPr>
+            <a:spLocks noGrp="1"/>
+          </p:cNvSpPr>
+          <p:nvPr>
+            <p:ph type="sldNum" sz="quarter" idx="12"/>
+          </p:nvPr>
+        </p:nvSpPr>
+        <p:spPr/>
+        <p:txBody>
+          <a:bodyPr/>
+          <a:lstStyle/>
+          <a:p>
+            <a:fld id="{D57F1E4F-1CFF-5643-939E-02111984F565}" type="slidenum">
+              <a:rPr lang="en-US" smtClean="0"/>
+              <a:t>3</a:t>
+            </a:fld>
             <a:endParaRPr lang="en-US" dirty="0"/>
           </a:p>
         </p:txBody>
@@ -17181,6 +18030,35 @@
           </a:fontRef>
         </p:style>
       </p:cxnSp>
+      <p:sp>
+        <p:nvSpPr>
+          <p:cNvPr id="4" name="Slide Number Placeholder 3">
+            <a:extLst>
+              <a:ext uri="{FF2B5EF4-FFF2-40B4-BE49-F238E27FC236}">
+                <a16:creationId xmlns:a16="http://schemas.microsoft.com/office/drawing/2014/main" id="{1D636667-A93D-EC4F-A78B-05E353984DAA}"/>
+              </a:ext>
+            </a:extLst>
+          </p:cNvPr>
+          <p:cNvSpPr>
+            <a:spLocks noGrp="1"/>
+          </p:cNvSpPr>
+          <p:nvPr>
+            <p:ph type="sldNum" sz="quarter" idx="12"/>
+          </p:nvPr>
+        </p:nvSpPr>
+        <p:spPr/>
+        <p:txBody>
+          <a:bodyPr/>
+          <a:lstStyle/>
+          <a:p>
+            <a:fld id="{D57F1E4F-1CFF-5643-939E-02111984F565}" type="slidenum">
+              <a:rPr lang="en-US" smtClean="0"/>
+              <a:t>4</a:t>
+            </a:fld>
+            <a:endParaRPr lang="en-US" dirty="0"/>
+          </a:p>
+        </p:txBody>
+      </p:sp>
     </p:spTree>
     <p:extLst>
       <p:ext uri="{BB962C8B-B14F-4D97-AF65-F5344CB8AC3E}">
@@ -17518,6 +18396,35 @@
               <a:rPr lang="en-US" sz="2000" dirty="0"/>
               <a:t>include the quotes.</a:t>
             </a:r>
+          </a:p>
+        </p:txBody>
+      </p:sp>
+      <p:sp>
+        <p:nvSpPr>
+          <p:cNvPr id="4" name="Slide Number Placeholder 3">
+            <a:extLst>
+              <a:ext uri="{FF2B5EF4-FFF2-40B4-BE49-F238E27FC236}">
+                <a16:creationId xmlns:a16="http://schemas.microsoft.com/office/drawing/2014/main" id="{23EBC135-DA50-7A43-A1CD-FD8382E1BCF5}"/>
+              </a:ext>
+            </a:extLst>
+          </p:cNvPr>
+          <p:cNvSpPr>
+            <a:spLocks noGrp="1"/>
+          </p:cNvSpPr>
+          <p:nvPr>
+            <p:ph type="sldNum" sz="quarter" idx="12"/>
+          </p:nvPr>
+        </p:nvSpPr>
+        <p:spPr/>
+        <p:txBody>
+          <a:bodyPr/>
+          <a:lstStyle/>
+          <a:p>
+            <a:fld id="{D57F1E4F-1CFF-5643-939E-02111984F565}" type="slidenum">
+              <a:rPr lang="en-US" smtClean="0"/>
+              <a:t>5</a:t>
+            </a:fld>
+            <a:endParaRPr lang="en-US" dirty="0"/>
           </a:p>
         </p:txBody>
       </p:sp>
@@ -18228,6 +19135,35 @@
               <a:rPr lang="en-US" sz="2000" dirty="0"/>
               <a:t> denote a newline character.</a:t>
             </a:r>
+          </a:p>
+        </p:txBody>
+      </p:sp>
+      <p:sp>
+        <p:nvSpPr>
+          <p:cNvPr id="2" name="Slide Number Placeholder 1">
+            <a:extLst>
+              <a:ext uri="{FF2B5EF4-FFF2-40B4-BE49-F238E27FC236}">
+                <a16:creationId xmlns:a16="http://schemas.microsoft.com/office/drawing/2014/main" id="{74D1E0AA-7DB2-0343-83B0-4DC4FBB27506}"/>
+              </a:ext>
+            </a:extLst>
+          </p:cNvPr>
+          <p:cNvSpPr>
+            <a:spLocks noGrp="1"/>
+          </p:cNvSpPr>
+          <p:nvPr>
+            <p:ph type="sldNum" sz="quarter" idx="12"/>
+          </p:nvPr>
+        </p:nvSpPr>
+        <p:spPr/>
+        <p:txBody>
+          <a:bodyPr/>
+          <a:lstStyle/>
+          <a:p>
+            <a:fld id="{D57F1E4F-1CFF-5643-939E-02111984F565}" type="slidenum">
+              <a:rPr lang="en-US" smtClean="0"/>
+              <a:t>6</a:t>
+            </a:fld>
+            <a:endParaRPr lang="en-US" dirty="0"/>
           </a:p>
         </p:txBody>
       </p:sp>
@@ -19231,6 +20167,35 @@
           </a:fontRef>
         </p:style>
       </p:cxnSp>
+      <p:sp>
+        <p:nvSpPr>
+          <p:cNvPr id="2" name="Slide Number Placeholder 1">
+            <a:extLst>
+              <a:ext uri="{FF2B5EF4-FFF2-40B4-BE49-F238E27FC236}">
+                <a16:creationId xmlns:a16="http://schemas.microsoft.com/office/drawing/2014/main" id="{F6561415-8618-F549-B5E3-98665AA2F974}"/>
+              </a:ext>
+            </a:extLst>
+          </p:cNvPr>
+          <p:cNvSpPr>
+            <a:spLocks noGrp="1"/>
+          </p:cNvSpPr>
+          <p:nvPr>
+            <p:ph type="sldNum" sz="quarter" idx="12"/>
+          </p:nvPr>
+        </p:nvSpPr>
+        <p:spPr/>
+        <p:txBody>
+          <a:bodyPr/>
+          <a:lstStyle/>
+          <a:p>
+            <a:fld id="{D57F1E4F-1CFF-5643-939E-02111984F565}" type="slidenum">
+              <a:rPr lang="en-US" smtClean="0"/>
+              <a:t>7</a:t>
+            </a:fld>
+            <a:endParaRPr lang="en-US" dirty="0"/>
+          </a:p>
+        </p:txBody>
+      </p:sp>
     </p:spTree>
     <p:extLst>
       <p:ext uri="{BB962C8B-B14F-4D97-AF65-F5344CB8AC3E}">
@@ -20041,6 +21006,35 @@
           </a:p>
         </p:txBody>
       </p:sp>
+      <p:sp>
+        <p:nvSpPr>
+          <p:cNvPr id="3" name="Slide Number Placeholder 2">
+            <a:extLst>
+              <a:ext uri="{FF2B5EF4-FFF2-40B4-BE49-F238E27FC236}">
+                <a16:creationId xmlns:a16="http://schemas.microsoft.com/office/drawing/2014/main" id="{B6BF8A25-B133-A54E-8F9A-CF600D49E868}"/>
+              </a:ext>
+            </a:extLst>
+          </p:cNvPr>
+          <p:cNvSpPr>
+            <a:spLocks noGrp="1"/>
+          </p:cNvSpPr>
+          <p:nvPr>
+            <p:ph type="sldNum" sz="quarter" idx="12"/>
+          </p:nvPr>
+        </p:nvSpPr>
+        <p:spPr/>
+        <p:txBody>
+          <a:bodyPr/>
+          <a:lstStyle/>
+          <a:p>
+            <a:fld id="{D57F1E4F-1CFF-5643-939E-02111984F565}" type="slidenum">
+              <a:rPr lang="en-US" smtClean="0"/>
+              <a:t>8</a:t>
+            </a:fld>
+            <a:endParaRPr lang="en-US" dirty="0"/>
+          </a:p>
+        </p:txBody>
+      </p:sp>
     </p:spTree>
     <p:extLst>
       <p:ext uri="{BB962C8B-B14F-4D97-AF65-F5344CB8AC3E}">
@@ -20634,6 +21628,35 @@
           </a:fontRef>
         </p:style>
       </p:cxnSp>
+      <p:sp>
+        <p:nvSpPr>
+          <p:cNvPr id="3" name="Slide Number Placeholder 2">
+            <a:extLst>
+              <a:ext uri="{FF2B5EF4-FFF2-40B4-BE49-F238E27FC236}">
+                <a16:creationId xmlns:a16="http://schemas.microsoft.com/office/drawing/2014/main" id="{01CC95AE-C0B3-FC40-9B9D-0693CD8D3ABC}"/>
+              </a:ext>
+            </a:extLst>
+          </p:cNvPr>
+          <p:cNvSpPr>
+            <a:spLocks noGrp="1"/>
+          </p:cNvSpPr>
+          <p:nvPr>
+            <p:ph type="sldNum" sz="quarter" idx="12"/>
+          </p:nvPr>
+        </p:nvSpPr>
+        <p:spPr/>
+        <p:txBody>
+          <a:bodyPr/>
+          <a:lstStyle/>
+          <a:p>
+            <a:fld id="{D57F1E4F-1CFF-5643-939E-02111984F565}" type="slidenum">
+              <a:rPr lang="en-US" smtClean="0"/>
+              <a:t>9</a:t>
+            </a:fld>
+            <a:endParaRPr lang="en-US" dirty="0"/>
+          </a:p>
+        </p:txBody>
+      </p:sp>
     </p:spTree>
     <p:extLst>
       <p:ext uri="{BB962C8B-B14F-4D97-AF65-F5344CB8AC3E}">

--- a/courses/apcsp/lect1.pptx
+++ b/courses/apcsp/lect1.pptx
@@ -442,7 +442,7 @@
   <pc:docChgLst>
     <pc:chgData name="Long B Nguyen" userId="f59fb8f3-a021-417a-8bc1-65c8d471c621" providerId="ADAL" clId="{84676ADF-44D0-6B47-A57C-36670D0E7DB8}"/>
     <pc:docChg chg="undo custSel addSld delSld modSld">
-      <pc:chgData name="Long B Nguyen" userId="f59fb8f3-a021-417a-8bc1-65c8d471c621" providerId="ADAL" clId="{84676ADF-44D0-6B47-A57C-36670D0E7DB8}" dt="2021-09-13T17:22:32.569" v="1026"/>
+      <pc:chgData name="Long B Nguyen" userId="f59fb8f3-a021-417a-8bc1-65c8d471c621" providerId="ADAL" clId="{84676ADF-44D0-6B47-A57C-36670D0E7DB8}" dt="2021-09-15T11:35:59.833" v="1045" actId="20577"/>
       <pc:docMkLst>
         <pc:docMk/>
       </pc:docMkLst>
@@ -649,12 +649,20 @@
           </ac:spMkLst>
         </pc:spChg>
       </pc:sldChg>
-      <pc:sldChg chg="addSp modSp">
-        <pc:chgData name="Long B Nguyen" userId="f59fb8f3-a021-417a-8bc1-65c8d471c621" providerId="ADAL" clId="{84676ADF-44D0-6B47-A57C-36670D0E7DB8}" dt="2021-09-13T17:22:32.569" v="1026"/>
+      <pc:sldChg chg="addSp modSp mod">
+        <pc:chgData name="Long B Nguyen" userId="f59fb8f3-a021-417a-8bc1-65c8d471c621" providerId="ADAL" clId="{84676ADF-44D0-6B47-A57C-36670D0E7DB8}" dt="2021-09-15T11:35:59.833" v="1045" actId="20577"/>
         <pc:sldMkLst>
           <pc:docMk/>
           <pc:sldMk cId="3993483693" sldId="303"/>
         </pc:sldMkLst>
+        <pc:spChg chg="mod">
+          <ac:chgData name="Long B Nguyen" userId="f59fb8f3-a021-417a-8bc1-65c8d471c621" providerId="ADAL" clId="{84676ADF-44D0-6B47-A57C-36670D0E7DB8}" dt="2021-09-15T11:35:59.833" v="1045" actId="20577"/>
+          <ac:spMkLst>
+            <pc:docMk/>
+            <pc:sldMk cId="3993483693" sldId="303"/>
+            <ac:spMk id="2" creationId="{AA3A228F-61D0-D949-A5E7-F83756230BF8}"/>
+          </ac:spMkLst>
+        </pc:spChg>
         <pc:spChg chg="add mod">
           <ac:chgData name="Long B Nguyen" userId="f59fb8f3-a021-417a-8bc1-65c8d471c621" providerId="ADAL" clId="{84676ADF-44D0-6B47-A57C-36670D0E7DB8}" dt="2021-09-13T17:22:32.569" v="1026"/>
           <ac:spMkLst>
@@ -3177,7 +3185,7 @@
           <a:p>
             <a:fld id="{52977C8B-3199-9A4B-9182-F1B54ABD2553}" type="datetimeFigureOut">
               <a:rPr lang="en-US" smtClean="0"/>
-              <a:t>9/13/21</a:t>
+              <a:t>9/15/21</a:t>
             </a:fld>
             <a:endParaRPr lang="en-US"/>
           </a:p>
@@ -3575,7 +3583,7 @@
           <a:p>
             <a:fld id="{8B984044-87DD-C541-92A1-0F2158D19C89}" type="datetime1">
               <a:rPr lang="en-US" smtClean="0"/>
-              <a:t>9/13/21</a:t>
+              <a:t>9/15/21</a:t>
             </a:fld>
             <a:endParaRPr lang="en-US" dirty="0"/>
           </a:p>
@@ -3745,7 +3753,7 @@
           <a:p>
             <a:fld id="{8D65A002-D3EC-954B-91B8-4F6B4C13C16A}" type="datetime1">
               <a:rPr lang="en-US" smtClean="0"/>
-              <a:t>9/13/21</a:t>
+              <a:t>9/15/21</a:t>
             </a:fld>
             <a:endParaRPr lang="en-US" dirty="0"/>
           </a:p>
@@ -3925,7 +3933,7 @@
           <a:p>
             <a:fld id="{18BDB1B5-1493-7F49-A7D6-4F41BA87DC26}" type="datetime1">
               <a:rPr lang="en-US" smtClean="0"/>
-              <a:t>9/13/21</a:t>
+              <a:t>9/15/21</a:t>
             </a:fld>
             <a:endParaRPr lang="en-US" dirty="0"/>
           </a:p>
@@ -4095,7 +4103,7 @@
           <a:p>
             <a:fld id="{DCAA3B46-4EBA-3446-8E21-F81EAD0027E0}" type="datetime1">
               <a:rPr lang="en-US" smtClean="0"/>
-              <a:t>9/13/21</a:t>
+              <a:t>9/15/21</a:t>
             </a:fld>
             <a:endParaRPr lang="en-US" dirty="0"/>
           </a:p>
@@ -4341,7 +4349,7 @@
           <a:p>
             <a:fld id="{A69A4034-8776-544F-B516-F12AF3AE310B}" type="datetime1">
               <a:rPr lang="en-US" smtClean="0"/>
-              <a:t>9/13/21</a:t>
+              <a:t>9/15/21</a:t>
             </a:fld>
             <a:endParaRPr lang="en-US" dirty="0"/>
           </a:p>
@@ -4573,7 +4581,7 @@
           <a:p>
             <a:fld id="{79879E7F-0671-E64A-B5D4-3A13C80CFC35}" type="datetime1">
               <a:rPr lang="en-US" smtClean="0"/>
-              <a:t>9/13/21</a:t>
+              <a:t>9/15/21</a:t>
             </a:fld>
             <a:endParaRPr lang="en-US" dirty="0"/>
           </a:p>
@@ -4940,7 +4948,7 @@
           <a:p>
             <a:fld id="{DF4DFD22-EC8F-8E44-91AE-57BD5FA90B62}" type="datetime1">
               <a:rPr lang="en-US" smtClean="0"/>
-              <a:t>9/13/21</a:t>
+              <a:t>9/15/21</a:t>
             </a:fld>
             <a:endParaRPr lang="en-US" dirty="0"/>
           </a:p>
@@ -5058,7 +5066,7 @@
           <a:p>
             <a:fld id="{4EAA65BE-8880-7C48-850F-33E9639DFE11}" type="datetime1">
               <a:rPr lang="en-US" smtClean="0"/>
-              <a:t>9/13/21</a:t>
+              <a:t>9/15/21</a:t>
             </a:fld>
             <a:endParaRPr lang="en-US" dirty="0"/>
           </a:p>
@@ -5153,7 +5161,7 @@
           <a:p>
             <a:fld id="{118E2494-D304-2C41-A88B-2E6B51F43EFA}" type="datetime1">
               <a:rPr lang="en-US" smtClean="0"/>
-              <a:t>9/13/21</a:t>
+              <a:t>9/15/21</a:t>
             </a:fld>
             <a:endParaRPr lang="en-US" dirty="0"/>
           </a:p>
@@ -5430,7 +5438,7 @@
           <a:p>
             <a:fld id="{220684BF-7982-5A4C-9B54-D51F706E8E6E}" type="datetime1">
               <a:rPr lang="en-US" smtClean="0"/>
-              <a:t>9/13/21</a:t>
+              <a:t>9/15/21</a:t>
             </a:fld>
             <a:endParaRPr lang="en-US" dirty="0"/>
           </a:p>
@@ -5687,7 +5695,7 @@
           <a:p>
             <a:fld id="{888AC2D9-83F1-5748-A1DC-DC9B8A855E7D}" type="datetime1">
               <a:rPr lang="en-US" smtClean="0"/>
-              <a:t>9/13/21</a:t>
+              <a:t>9/15/21</a:t>
             </a:fld>
             <a:endParaRPr lang="en-US" dirty="0"/>
           </a:p>
@@ -5900,7 +5908,7 @@
           <a:p>
             <a:fld id="{E06F5566-A356-684E-A080-CEA051801574}" type="datetime1">
               <a:rPr lang="en-US" smtClean="0"/>
-              <a:t>9/13/21</a:t>
+              <a:t>9/15/21</a:t>
             </a:fld>
             <a:endParaRPr lang="en-US" dirty="0"/>
           </a:p>
@@ -16903,8 +16911,13 @@
           <a:p>
             <a:r>
               <a:rPr lang="en-US" dirty="0"/>
-              <a:t>Lab 1</a:t>
-            </a:r>
+              <a:t>Lab 1: </a:t>
+            </a:r>
+            <a:r>
+              <a:rPr lang="en-US"/>
+              <a:t>Using Variables</a:t>
+            </a:r>
+            <a:endParaRPr lang="en-US" dirty="0"/>
           </a:p>
         </p:txBody>
       </p:sp>

--- a/courses/apcsp/lect1.pptx
+++ b/courses/apcsp/lect1.pptx
@@ -442,7 +442,7 @@
   <pc:docChgLst>
     <pc:chgData name="Long B Nguyen" userId="f59fb8f3-a021-417a-8bc1-65c8d471c621" providerId="ADAL" clId="{84676ADF-44D0-6B47-A57C-36670D0E7DB8}"/>
     <pc:docChg chg="undo custSel addSld delSld modSld">
-      <pc:chgData name="Long B Nguyen" userId="f59fb8f3-a021-417a-8bc1-65c8d471c621" providerId="ADAL" clId="{84676ADF-44D0-6B47-A57C-36670D0E7DB8}" dt="2021-09-15T11:35:59.833" v="1045" actId="20577"/>
+      <pc:chgData name="Long B Nguyen" userId="f59fb8f3-a021-417a-8bc1-65c8d471c621" providerId="ADAL" clId="{84676ADF-44D0-6B47-A57C-36670D0E7DB8}" dt="2021-09-15T17:19:59.808" v="1048" actId="20577"/>
       <pc:docMkLst>
         <pc:docMk/>
       </pc:docMkLst>
@@ -650,7 +650,7 @@
         </pc:spChg>
       </pc:sldChg>
       <pc:sldChg chg="addSp modSp mod">
-        <pc:chgData name="Long B Nguyen" userId="f59fb8f3-a021-417a-8bc1-65c8d471c621" providerId="ADAL" clId="{84676ADF-44D0-6B47-A57C-36670D0E7DB8}" dt="2021-09-15T11:35:59.833" v="1045" actId="20577"/>
+        <pc:chgData name="Long B Nguyen" userId="f59fb8f3-a021-417a-8bc1-65c8d471c621" providerId="ADAL" clId="{84676ADF-44D0-6B47-A57C-36670D0E7DB8}" dt="2021-09-15T17:19:59.808" v="1048" actId="20577"/>
         <pc:sldMkLst>
           <pc:docMk/>
           <pc:sldMk cId="3993483693" sldId="303"/>
@@ -669,6 +669,14 @@
             <pc:docMk/>
             <pc:sldMk cId="3993483693" sldId="303"/>
             <ac:spMk id="3" creationId="{4C8DCBAE-4694-6A48-AFB2-6E4F6FE9FDC6}"/>
+          </ac:spMkLst>
+        </pc:spChg>
+        <pc:spChg chg="mod">
+          <ac:chgData name="Long B Nguyen" userId="f59fb8f3-a021-417a-8bc1-65c8d471c621" providerId="ADAL" clId="{84676ADF-44D0-6B47-A57C-36670D0E7DB8}" dt="2021-09-15T17:19:59.808" v="1048" actId="20577"/>
+          <ac:spMkLst>
+            <pc:docMk/>
+            <pc:sldMk cId="3993483693" sldId="303"/>
+            <ac:spMk id="9" creationId="{E3B2E017-30B2-884B-A113-B419A2ED51AD}"/>
           </ac:spMkLst>
         </pc:spChg>
       </pc:sldChg>
@@ -17032,7 +17040,7 @@
             </a:pPr>
             <a:r>
               <a:rPr lang="en-US" dirty="0"/>
-              <a:t>Your number 10 doubled is 20.</a:t>
+              <a:t>Your number 10 doubled is 20</a:t>
             </a:r>
           </a:p>
           <a:p>
@@ -17041,8 +17049,13 @@
             </a:pPr>
             <a:r>
               <a:rPr lang="en-US" dirty="0"/>
-              <a:t>The next number after 10 is 11. </a:t>
-            </a:r>
+              <a:t>The next number after 10 </a:t>
+            </a:r>
+            <a:r>
+              <a:rPr lang="en-US"/>
+              <a:t>is 11</a:t>
+            </a:r>
+            <a:endParaRPr lang="en-US" dirty="0"/>
           </a:p>
           <a:p>
             <a:pPr marL="0" indent="0">

--- a/courses/apcsp/lect1.pptx
+++ b/courses/apcsp/lect1.pptx
@@ -5,7 +5,7 @@
     <p:sldMasterId id="2147483791" r:id="rId1"/>
   </p:sldMasterIdLst>
   <p:notesMasterIdLst>
-    <p:notesMasterId r:id="rId27"/>
+    <p:notesMasterId r:id="rId29"/>
   </p:notesMasterIdLst>
   <p:sldIdLst>
     <p:sldId id="289" r:id="rId2"/>
@@ -31,8 +31,10 @@
     <p:sldId id="304" r:id="rId22"/>
     <p:sldId id="308" r:id="rId23"/>
     <p:sldId id="555" r:id="rId24"/>
-    <p:sldId id="303" r:id="rId25"/>
-    <p:sldId id="284" r:id="rId26"/>
+    <p:sldId id="556" r:id="rId25"/>
+    <p:sldId id="557" r:id="rId26"/>
+    <p:sldId id="303" r:id="rId27"/>
+    <p:sldId id="284" r:id="rId28"/>
   </p:sldIdLst>
   <p:sldSz cx="9144000" cy="5715000" type="screen16x10"/>
   <p:notesSz cx="6858000" cy="9144000"/>
@@ -142,7 +144,7 @@
 <file path=ppt/revisionInfo.xml><?xml version="1.0" encoding="utf-8"?>
 <p1510:revInfo xmlns:a="http://schemas.openxmlformats.org/drawingml/2006/main" xmlns:r="http://schemas.openxmlformats.org/officeDocument/2006/relationships" xmlns:p1510="http://schemas.microsoft.com/office/powerpoint/2015/10/main">
   <p1510:revLst>
-    <p1510:client id="{84676ADF-44D0-6B47-A57C-36670D0E7DB8}" v="264" dt="2021-09-13T17:22:32.569"/>
+    <p1510:client id="{84676ADF-44D0-6B47-A57C-36670D0E7DB8}" v="826" dt="2021-09-16T13:39:41.264"/>
   </p1510:revLst>
 </p1510:revInfo>
 </file>
@@ -442,7 +444,7 @@
   <pc:docChgLst>
     <pc:chgData name="Long B Nguyen" userId="f59fb8f3-a021-417a-8bc1-65c8d471c621" providerId="ADAL" clId="{84676ADF-44D0-6B47-A57C-36670D0E7DB8}"/>
     <pc:docChg chg="undo custSel addSld delSld modSld">
-      <pc:chgData name="Long B Nguyen" userId="f59fb8f3-a021-417a-8bc1-65c8d471c621" providerId="ADAL" clId="{84676ADF-44D0-6B47-A57C-36670D0E7DB8}" dt="2021-09-15T17:19:59.808" v="1048" actId="20577"/>
+      <pc:chgData name="Long B Nguyen" userId="f59fb8f3-a021-417a-8bc1-65c8d471c621" providerId="ADAL" clId="{84676ADF-44D0-6B47-A57C-36670D0E7DB8}" dt="2021-09-16T13:39:53.245" v="1633" actId="1076"/>
       <pc:docMkLst>
         <pc:docMk/>
       </pc:docMkLst>
@@ -859,6 +861,76 @@
             <ac:spMk id="9" creationId="{E3B2E017-30B2-884B-A113-B419A2ED51AD}"/>
           </ac:spMkLst>
         </pc:spChg>
+      </pc:sldChg>
+      <pc:sldChg chg="addSp delSp modSp add mod modAnim">
+        <pc:chgData name="Long B Nguyen" userId="f59fb8f3-a021-417a-8bc1-65c8d471c621" providerId="ADAL" clId="{84676ADF-44D0-6B47-A57C-36670D0E7DB8}" dt="2021-09-16T13:39:44.122" v="1629" actId="478"/>
+        <pc:sldMkLst>
+          <pc:docMk/>
+          <pc:sldMk cId="3344687727" sldId="556"/>
+        </pc:sldMkLst>
+        <pc:spChg chg="mod">
+          <ac:chgData name="Long B Nguyen" userId="f59fb8f3-a021-417a-8bc1-65c8d471c621" providerId="ADAL" clId="{84676ADF-44D0-6B47-A57C-36670D0E7DB8}" dt="2021-09-16T13:36:43.931" v="1338" actId="207"/>
+          <ac:spMkLst>
+            <pc:docMk/>
+            <pc:sldMk cId="3344687727" sldId="556"/>
+            <ac:spMk id="2" creationId="{AA3A228F-61D0-D949-A5E7-F83756230BF8}"/>
+          </ac:spMkLst>
+        </pc:spChg>
+        <pc:spChg chg="mod">
+          <ac:chgData name="Long B Nguyen" userId="f59fb8f3-a021-417a-8bc1-65c8d471c621" providerId="ADAL" clId="{84676ADF-44D0-6B47-A57C-36670D0E7DB8}" dt="2021-09-16T13:39:03.600" v="1624" actId="255"/>
+          <ac:spMkLst>
+            <pc:docMk/>
+            <pc:sldMk cId="3344687727" sldId="556"/>
+            <ac:spMk id="9" creationId="{E3B2E017-30B2-884B-A113-B419A2ED51AD}"/>
+          </ac:spMkLst>
+        </pc:spChg>
+        <pc:picChg chg="add mod">
+          <ac:chgData name="Long B Nguyen" userId="f59fb8f3-a021-417a-8bc1-65c8d471c621" providerId="ADAL" clId="{84676ADF-44D0-6B47-A57C-36670D0E7DB8}" dt="2021-09-16T13:39:11.315" v="1626" actId="1076"/>
+          <ac:picMkLst>
+            <pc:docMk/>
+            <pc:sldMk cId="3344687727" sldId="556"/>
+            <ac:picMk id="4" creationId="{5B8E4CA5-F5DD-1C4F-BB6E-3B1DE1E83C59}"/>
+          </ac:picMkLst>
+        </pc:picChg>
+        <pc:picChg chg="add del">
+          <ac:chgData name="Long B Nguyen" userId="f59fb8f3-a021-417a-8bc1-65c8d471c621" providerId="ADAL" clId="{84676ADF-44D0-6B47-A57C-36670D0E7DB8}" dt="2021-09-16T13:39:44.122" v="1629" actId="478"/>
+          <ac:picMkLst>
+            <pc:docMk/>
+            <pc:sldMk cId="3344687727" sldId="556"/>
+            <ac:picMk id="5" creationId="{B1F2A5E4-80D0-AA48-B189-E85CAD7EAE68}"/>
+          </ac:picMkLst>
+        </pc:picChg>
+      </pc:sldChg>
+      <pc:sldChg chg="delSp modSp add mod">
+        <pc:chgData name="Long B Nguyen" userId="f59fb8f3-a021-417a-8bc1-65c8d471c621" providerId="ADAL" clId="{84676ADF-44D0-6B47-A57C-36670D0E7DB8}" dt="2021-09-16T13:39:53.245" v="1633" actId="1076"/>
+        <pc:sldMkLst>
+          <pc:docMk/>
+          <pc:sldMk cId="1132828709" sldId="557"/>
+        </pc:sldMkLst>
+        <pc:spChg chg="mod">
+          <ac:chgData name="Long B Nguyen" userId="f59fb8f3-a021-417a-8bc1-65c8d471c621" providerId="ADAL" clId="{84676ADF-44D0-6B47-A57C-36670D0E7DB8}" dt="2021-09-16T13:39:47.944" v="1630" actId="20577"/>
+          <ac:spMkLst>
+            <pc:docMk/>
+            <pc:sldMk cId="1132828709" sldId="557"/>
+            <ac:spMk id="9" creationId="{E3B2E017-30B2-884B-A113-B419A2ED51AD}"/>
+          </ac:spMkLst>
+        </pc:spChg>
+        <pc:picChg chg="del">
+          <ac:chgData name="Long B Nguyen" userId="f59fb8f3-a021-417a-8bc1-65c8d471c621" providerId="ADAL" clId="{84676ADF-44D0-6B47-A57C-36670D0E7DB8}" dt="2021-09-16T13:39:49.496" v="1631" actId="478"/>
+          <ac:picMkLst>
+            <pc:docMk/>
+            <pc:sldMk cId="1132828709" sldId="557"/>
+            <ac:picMk id="4" creationId="{5B8E4CA5-F5DD-1C4F-BB6E-3B1DE1E83C59}"/>
+          </ac:picMkLst>
+        </pc:picChg>
+        <pc:picChg chg="mod">
+          <ac:chgData name="Long B Nguyen" userId="f59fb8f3-a021-417a-8bc1-65c8d471c621" providerId="ADAL" clId="{84676ADF-44D0-6B47-A57C-36670D0E7DB8}" dt="2021-09-16T13:39:53.245" v="1633" actId="1076"/>
+          <ac:picMkLst>
+            <pc:docMk/>
+            <pc:sldMk cId="1132828709" sldId="557"/>
+            <ac:picMk id="5" creationId="{B1F2A5E4-80D0-AA48-B189-E85CAD7EAE68}"/>
+          </ac:picMkLst>
+        </pc:picChg>
       </pc:sldChg>
     </pc:docChg>
   </pc:docChgLst>
@@ -3193,7 +3265,7 @@
           <a:p>
             <a:fld id="{52977C8B-3199-9A4B-9182-F1B54ABD2553}" type="datetimeFigureOut">
               <a:rPr lang="en-US" smtClean="0"/>
-              <a:t>9/15/21</a:t>
+              <a:t>9/16/21</a:t>
             </a:fld>
             <a:endParaRPr lang="en-US"/>
           </a:p>
@@ -3591,7 +3663,7 @@
           <a:p>
             <a:fld id="{8B984044-87DD-C541-92A1-0F2158D19C89}" type="datetime1">
               <a:rPr lang="en-US" smtClean="0"/>
-              <a:t>9/15/21</a:t>
+              <a:t>9/16/21</a:t>
             </a:fld>
             <a:endParaRPr lang="en-US" dirty="0"/>
           </a:p>
@@ -3761,7 +3833,7 @@
           <a:p>
             <a:fld id="{8D65A002-D3EC-954B-91B8-4F6B4C13C16A}" type="datetime1">
               <a:rPr lang="en-US" smtClean="0"/>
-              <a:t>9/15/21</a:t>
+              <a:t>9/16/21</a:t>
             </a:fld>
             <a:endParaRPr lang="en-US" dirty="0"/>
           </a:p>
@@ -3941,7 +4013,7 @@
           <a:p>
             <a:fld id="{18BDB1B5-1493-7F49-A7D6-4F41BA87DC26}" type="datetime1">
               <a:rPr lang="en-US" smtClean="0"/>
-              <a:t>9/15/21</a:t>
+              <a:t>9/16/21</a:t>
             </a:fld>
             <a:endParaRPr lang="en-US" dirty="0"/>
           </a:p>
@@ -4111,7 +4183,7 @@
           <a:p>
             <a:fld id="{DCAA3B46-4EBA-3446-8E21-F81EAD0027E0}" type="datetime1">
               <a:rPr lang="en-US" smtClean="0"/>
-              <a:t>9/15/21</a:t>
+              <a:t>9/16/21</a:t>
             </a:fld>
             <a:endParaRPr lang="en-US" dirty="0"/>
           </a:p>
@@ -4357,7 +4429,7 @@
           <a:p>
             <a:fld id="{A69A4034-8776-544F-B516-F12AF3AE310B}" type="datetime1">
               <a:rPr lang="en-US" smtClean="0"/>
-              <a:t>9/15/21</a:t>
+              <a:t>9/16/21</a:t>
             </a:fld>
             <a:endParaRPr lang="en-US" dirty="0"/>
           </a:p>
@@ -4589,7 +4661,7 @@
           <a:p>
             <a:fld id="{79879E7F-0671-E64A-B5D4-3A13C80CFC35}" type="datetime1">
               <a:rPr lang="en-US" smtClean="0"/>
-              <a:t>9/15/21</a:t>
+              <a:t>9/16/21</a:t>
             </a:fld>
             <a:endParaRPr lang="en-US" dirty="0"/>
           </a:p>
@@ -4956,7 +5028,7 @@
           <a:p>
             <a:fld id="{DF4DFD22-EC8F-8E44-91AE-57BD5FA90B62}" type="datetime1">
               <a:rPr lang="en-US" smtClean="0"/>
-              <a:t>9/15/21</a:t>
+              <a:t>9/16/21</a:t>
             </a:fld>
             <a:endParaRPr lang="en-US" dirty="0"/>
           </a:p>
@@ -5074,7 +5146,7 @@
           <a:p>
             <a:fld id="{4EAA65BE-8880-7C48-850F-33E9639DFE11}" type="datetime1">
               <a:rPr lang="en-US" smtClean="0"/>
-              <a:t>9/15/21</a:t>
+              <a:t>9/16/21</a:t>
             </a:fld>
             <a:endParaRPr lang="en-US" dirty="0"/>
           </a:p>
@@ -5169,7 +5241,7 @@
           <a:p>
             <a:fld id="{118E2494-D304-2C41-A88B-2E6B51F43EFA}" type="datetime1">
               <a:rPr lang="en-US" smtClean="0"/>
-              <a:t>9/15/21</a:t>
+              <a:t>9/16/21</a:t>
             </a:fld>
             <a:endParaRPr lang="en-US" dirty="0"/>
           </a:p>
@@ -5446,7 +5518,7 @@
           <a:p>
             <a:fld id="{220684BF-7982-5A4C-9B54-D51F706E8E6E}" type="datetime1">
               <a:rPr lang="en-US" smtClean="0"/>
-              <a:t>9/15/21</a:t>
+              <a:t>9/16/21</a:t>
             </a:fld>
             <a:endParaRPr lang="en-US" dirty="0"/>
           </a:p>
@@ -5703,7 +5775,7 @@
           <a:p>
             <a:fld id="{888AC2D9-83F1-5748-A1DC-DC9B8A855E7D}" type="datetime1">
               <a:rPr lang="en-US" smtClean="0"/>
-              <a:t>9/15/21</a:t>
+              <a:t>9/16/21</a:t>
             </a:fld>
             <a:endParaRPr lang="en-US" dirty="0"/>
           </a:p>
@@ -5916,7 +5988,7 @@
           <a:p>
             <a:fld id="{E06F5566-A356-684E-A080-CEA051801574}" type="datetime1">
               <a:rPr lang="en-US" smtClean="0"/>
-              <a:t>9/15/21</a:t>
+              <a:t>9/16/21</a:t>
             </a:fld>
             <a:endParaRPr lang="en-US" dirty="0"/>
           </a:p>
@@ -16909,7 +16981,7 @@
         </p:nvSpPr>
         <p:spPr>
           <a:xfrm>
-            <a:off x="124252" y="127980"/>
+            <a:off x="144802" y="36368"/>
             <a:ext cx="7053542" cy="683886"/>
           </a:xfrm>
         </p:spPr>
@@ -16918,14 +16990,13 @@
           <a:lstStyle/>
           <a:p>
             <a:r>
-              <a:rPr lang="en-US" dirty="0"/>
-              <a:t>Lab 1: </a:t>
-            </a:r>
-            <a:r>
-              <a:rPr lang="en-US"/>
-              <a:t>Using Variables</a:t>
-            </a:r>
-            <a:endParaRPr lang="en-US" dirty="0"/>
+              <a:rPr lang="en-US" dirty="0">
+                <a:solidFill>
+                  <a:srgbClr val="FF0000"/>
+                </a:solidFill>
+              </a:rPr>
+              <a:t>AP Exam Info</a:t>
+            </a:r>
           </a:p>
         </p:txBody>
       </p:sp>
@@ -16947,133 +17018,55 @@
         </p:nvSpPr>
         <p:spPr>
           <a:xfrm>
-            <a:off x="205484" y="914400"/>
-            <a:ext cx="8330090" cy="4800599"/>
+            <a:off x="144802" y="622822"/>
+            <a:ext cx="8999198" cy="5092177"/>
           </a:xfrm>
         </p:spPr>
         <p:txBody>
           <a:bodyPr>
-            <a:noAutofit/>
+            <a:normAutofit/>
           </a:bodyPr>
           <a:lstStyle/>
           <a:p>
             <a:pPr marL="0" indent="0">
               <a:buNone/>
             </a:pPr>
-            <a:endParaRPr lang="en-US" dirty="0"/>
-          </a:p>
-          <a:p>
-            <a:pPr marL="0" indent="0">
-              <a:buNone/>
-            </a:pPr>
-            <a:r>
-              <a:rPr lang="en-US" dirty="0"/>
-              <a:t>Create a new </a:t>
-            </a:r>
-            <a:r>
-              <a:rPr lang="en-US" dirty="0" err="1"/>
-              <a:t>repl</a:t>
-            </a:r>
-            <a:r>
-              <a:rPr lang="en-US" dirty="0"/>
-              <a:t> on </a:t>
-            </a:r>
-            <a:r>
-              <a:rPr lang="en-US" dirty="0" err="1"/>
-              <a:t>repl.it</a:t>
-            </a:r>
-            <a:r>
-              <a:rPr lang="en-US" dirty="0"/>
-              <a:t>. Write code to match the following console output:</a:t>
-            </a:r>
-          </a:p>
-          <a:p>
-            <a:pPr marL="0" indent="0">
-              <a:buNone/>
-            </a:pPr>
-            <a:endParaRPr lang="en-US" dirty="0"/>
-          </a:p>
-          <a:p>
-            <a:pPr marL="0" indent="0">
-              <a:buNone/>
-            </a:pPr>
-            <a:r>
-              <a:rPr lang="en-US" dirty="0"/>
-              <a:t>Enter your name: </a:t>
-            </a:r>
-            <a:r>
-              <a:rPr lang="en-US" u="sng" dirty="0"/>
-              <a:t>Mike</a:t>
-            </a:r>
-          </a:p>
-          <a:p>
-            <a:pPr marL="0" indent="0">
-              <a:buNone/>
-            </a:pPr>
-            <a:r>
-              <a:rPr lang="en-US" dirty="0"/>
-              <a:t>Hello Mike</a:t>
-            </a:r>
-          </a:p>
-          <a:p>
-            <a:pPr marL="0" indent="0">
-              <a:buNone/>
-            </a:pPr>
-            <a:endParaRPr lang="en-US" dirty="0"/>
-          </a:p>
-          <a:p>
-            <a:pPr marL="0" indent="0">
-              <a:buNone/>
-            </a:pPr>
-            <a:r>
-              <a:rPr lang="en-US" dirty="0"/>
-              <a:t>Enter an integer: </a:t>
-            </a:r>
-            <a:r>
-              <a:rPr lang="en-US" u="sng" dirty="0"/>
-              <a:t>10</a:t>
-            </a:r>
-          </a:p>
-          <a:p>
-            <a:pPr marL="0" indent="0">
-              <a:buNone/>
-            </a:pPr>
-            <a:r>
-              <a:rPr lang="en-US" dirty="0"/>
-              <a:t>Your number 10 doubled is 20</a:t>
-            </a:r>
-          </a:p>
-          <a:p>
-            <a:pPr marL="0" indent="0">
-              <a:buNone/>
-            </a:pPr>
-            <a:r>
-              <a:rPr lang="en-US" dirty="0"/>
-              <a:t>The next number after 10 </a:t>
-            </a:r>
-            <a:r>
-              <a:rPr lang="en-US"/>
-              <a:t>is 11</a:t>
-            </a:r>
-            <a:endParaRPr lang="en-US" dirty="0"/>
-          </a:p>
-          <a:p>
-            <a:pPr marL="0" indent="0">
-              <a:buNone/>
-            </a:pPr>
-            <a:endParaRPr lang="en-US" dirty="0"/>
-          </a:p>
-          <a:p>
-            <a:pPr marL="0" indent="0">
-              <a:buNone/>
-            </a:pPr>
-            <a:endParaRPr lang="en-US" dirty="0"/>
-          </a:p>
-          <a:p>
-            <a:pPr marL="457200" indent="-457200">
-              <a:buAutoNum type="arabicParenR"/>
-            </a:pPr>
-            <a:endParaRPr lang="en-US" dirty="0"/>
+            <a:r>
+              <a:rPr lang="en-US" sz="2200" dirty="0">
+                <a:latin typeface="Gill Sans MT" panose="020B0502020104020203" pitchFamily="34" charset="77"/>
+              </a:rPr>
+              <a:t>The AP Exam does not mandate a particular language for APCS Principles. AP Exam questions will use a language-agnostic syntax to test programming questions. </a:t>
+            </a:r>
+          </a:p>
+          <a:p>
+            <a:pPr marL="0" indent="0">
+              <a:buNone/>
+            </a:pPr>
+            <a:r>
+              <a:rPr lang="en-US" sz="2200" dirty="0">
+                <a:latin typeface="Gill Sans MT" panose="020B0502020104020203" pitchFamily="34" charset="77"/>
+              </a:rPr>
+              <a:t>Syntax on the AP Exam can either be in "text" format or "block" format. The assignment operator on the AP Exam will use an arrow notation instead of the = in Python. In addition, the print() function is replaced by the display() function. </a:t>
+            </a:r>
+          </a:p>
+          <a:p>
+            <a:pPr marL="0" indent="0">
+              <a:buNone/>
+            </a:pPr>
+            <a:endParaRPr lang="en-US" sz="2200" dirty="0">
+              <a:latin typeface="Gill Sans MT" panose="020B0502020104020203" pitchFamily="34" charset="77"/>
+            </a:endParaRPr>
+          </a:p>
+          <a:p>
+            <a:pPr marL="0" indent="0">
+              <a:buNone/>
+            </a:pPr>
+            <a:endParaRPr lang="en-US" sz="2200" dirty="0">
+              <a:solidFill>
+                <a:srgbClr val="000087"/>
+              </a:solidFill>
+              <a:latin typeface="Gill Sans MT" panose="020B0502020104020203" pitchFamily="34" charset="77"/>
+            </a:endParaRPr>
           </a:p>
         </p:txBody>
       </p:sp>
@@ -17082,7 +17075,7 @@
           <p:cNvPr id="3" name="Slide Number Placeholder 2">
             <a:extLst>
               <a:ext uri="{FF2B5EF4-FFF2-40B4-BE49-F238E27FC236}">
-                <a16:creationId xmlns:a16="http://schemas.microsoft.com/office/drawing/2014/main" id="{4C8DCBAE-4694-6A48-AFB2-6E4F6FE9FDC6}"/>
+                <a16:creationId xmlns:a16="http://schemas.microsoft.com/office/drawing/2014/main" id="{5877F43E-9D8A-A34D-9CF9-4BDF295A163E}"/>
               </a:ext>
             </a:extLst>
           </p:cNvPr>
@@ -17106,10 +17099,40 @@
           </a:p>
         </p:txBody>
       </p:sp>
+      <p:pic>
+        <p:nvPicPr>
+          <p:cNvPr id="4" name="Picture 3">
+            <a:extLst>
+              <a:ext uri="{FF2B5EF4-FFF2-40B4-BE49-F238E27FC236}">
+                <a16:creationId xmlns:a16="http://schemas.microsoft.com/office/drawing/2014/main" id="{5B8E4CA5-F5DD-1C4F-BB6E-3B1DE1E83C59}"/>
+              </a:ext>
+            </a:extLst>
+          </p:cNvPr>
+          <p:cNvPicPr>
+            <a:picLocks noChangeAspect="1"/>
+          </p:cNvPicPr>
+          <p:nvPr/>
+        </p:nvPicPr>
+        <p:blipFill>
+          <a:blip r:embed="rId2"/>
+          <a:stretch>
+            <a:fillRect/>
+          </a:stretch>
+        </p:blipFill>
+        <p:spPr>
+          <a:xfrm>
+            <a:off x="1663782" y="2880669"/>
+            <a:ext cx="5816435" cy="2568425"/>
+          </a:xfrm>
+          <a:prstGeom prst="rect">
+            <a:avLst/>
+          </a:prstGeom>
+        </p:spPr>
+      </p:pic>
     </p:spTree>
     <p:extLst>
       <p:ext uri="{BB962C8B-B14F-4D97-AF65-F5344CB8AC3E}">
-        <p14:creationId xmlns:p14="http://schemas.microsoft.com/office/powerpoint/2010/main" val="3993483693"/>
+        <p14:creationId xmlns:p14="http://schemas.microsoft.com/office/powerpoint/2010/main" val="3344687727"/>
       </p:ext>
     </p:extLst>
   </p:cSld>
@@ -17154,6 +17177,417 @@
         </p:nvSpPr>
         <p:spPr>
           <a:xfrm>
+            <a:off x="144802" y="36368"/>
+            <a:ext cx="7053542" cy="683886"/>
+          </a:xfrm>
+        </p:spPr>
+        <p:txBody>
+          <a:bodyPr/>
+          <a:lstStyle/>
+          <a:p>
+            <a:r>
+              <a:rPr lang="en-US" dirty="0">
+                <a:solidFill>
+                  <a:srgbClr val="FF0000"/>
+                </a:solidFill>
+              </a:rPr>
+              <a:t>AP Exam Info</a:t>
+            </a:r>
+          </a:p>
+        </p:txBody>
+      </p:sp>
+      <p:sp>
+        <p:nvSpPr>
+          <p:cNvPr id="9" name="Content Placeholder 8">
+            <a:extLst>
+              <a:ext uri="{FF2B5EF4-FFF2-40B4-BE49-F238E27FC236}">
+                <a16:creationId xmlns:a16="http://schemas.microsoft.com/office/drawing/2014/main" id="{E3B2E017-30B2-884B-A113-B419A2ED51AD}"/>
+              </a:ext>
+            </a:extLst>
+          </p:cNvPr>
+          <p:cNvSpPr>
+            <a:spLocks noGrp="1"/>
+          </p:cNvSpPr>
+          <p:nvPr>
+            <p:ph idx="1"/>
+          </p:nvPr>
+        </p:nvSpPr>
+        <p:spPr>
+          <a:xfrm>
+            <a:off x="144802" y="622822"/>
+            <a:ext cx="8999198" cy="5092177"/>
+          </a:xfrm>
+        </p:spPr>
+        <p:txBody>
+          <a:bodyPr>
+            <a:normAutofit/>
+          </a:bodyPr>
+          <a:lstStyle/>
+          <a:p>
+            <a:pPr marL="0" indent="0">
+              <a:buNone/>
+            </a:pPr>
+            <a:endParaRPr lang="en-US" sz="2200" dirty="0">
+              <a:solidFill>
+                <a:srgbClr val="000087"/>
+              </a:solidFill>
+              <a:latin typeface="Gill Sans MT" panose="020B0502020104020203" pitchFamily="34" charset="77"/>
+            </a:endParaRPr>
+          </a:p>
+        </p:txBody>
+      </p:sp>
+      <p:sp>
+        <p:nvSpPr>
+          <p:cNvPr id="3" name="Slide Number Placeholder 2">
+            <a:extLst>
+              <a:ext uri="{FF2B5EF4-FFF2-40B4-BE49-F238E27FC236}">
+                <a16:creationId xmlns:a16="http://schemas.microsoft.com/office/drawing/2014/main" id="{5877F43E-9D8A-A34D-9CF9-4BDF295A163E}"/>
+              </a:ext>
+            </a:extLst>
+          </p:cNvPr>
+          <p:cNvSpPr>
+            <a:spLocks noGrp="1"/>
+          </p:cNvSpPr>
+          <p:nvPr>
+            <p:ph type="sldNum" sz="quarter" idx="12"/>
+          </p:nvPr>
+        </p:nvSpPr>
+        <p:spPr/>
+        <p:txBody>
+          <a:bodyPr/>
+          <a:lstStyle/>
+          <a:p>
+            <a:fld id="{D57F1E4F-1CFF-5643-939E-02111984F565}" type="slidenum">
+              <a:rPr lang="en-US" smtClean="0"/>
+              <a:t>25</a:t>
+            </a:fld>
+            <a:endParaRPr lang="en-US" dirty="0"/>
+          </a:p>
+        </p:txBody>
+      </p:sp>
+      <p:pic>
+        <p:nvPicPr>
+          <p:cNvPr id="5" name="Picture 4">
+            <a:extLst>
+              <a:ext uri="{FF2B5EF4-FFF2-40B4-BE49-F238E27FC236}">
+                <a16:creationId xmlns:a16="http://schemas.microsoft.com/office/drawing/2014/main" id="{B1F2A5E4-80D0-AA48-B189-E85CAD7EAE68}"/>
+              </a:ext>
+            </a:extLst>
+          </p:cNvPr>
+          <p:cNvPicPr>
+            <a:picLocks noChangeAspect="1"/>
+          </p:cNvPicPr>
+          <p:nvPr/>
+        </p:nvPicPr>
+        <p:blipFill>
+          <a:blip r:embed="rId2"/>
+          <a:stretch>
+            <a:fillRect/>
+          </a:stretch>
+        </p:blipFill>
+        <p:spPr>
+          <a:xfrm>
+            <a:off x="1007707" y="1365099"/>
+            <a:ext cx="6566876" cy="3149301"/>
+          </a:xfrm>
+          <a:prstGeom prst="rect">
+            <a:avLst/>
+          </a:prstGeom>
+        </p:spPr>
+      </p:pic>
+    </p:spTree>
+    <p:extLst>
+      <p:ext uri="{BB962C8B-B14F-4D97-AF65-F5344CB8AC3E}">
+        <p14:creationId xmlns:p14="http://schemas.microsoft.com/office/powerpoint/2010/main" val="1132828709"/>
+      </p:ext>
+    </p:extLst>
+  </p:cSld>
+  <p:clrMapOvr>
+    <a:masterClrMapping/>
+  </p:clrMapOvr>
+</p:sld>
+</file>
+
+<file path=ppt/slides/slide26.xml><?xml version="1.0" encoding="utf-8"?>
+<p:sld xmlns:a="http://schemas.openxmlformats.org/drawingml/2006/main" xmlns:r="http://schemas.openxmlformats.org/officeDocument/2006/relationships" xmlns:p="http://schemas.openxmlformats.org/presentationml/2006/main">
+  <p:cSld>
+    <p:spTree>
+      <p:nvGrpSpPr>
+        <p:cNvPr id="1" name=""/>
+        <p:cNvGrpSpPr/>
+        <p:nvPr/>
+      </p:nvGrpSpPr>
+      <p:grpSpPr>
+        <a:xfrm>
+          <a:off x="0" y="0"/>
+          <a:ext cx="0" cy="0"/>
+          <a:chOff x="0" y="0"/>
+          <a:chExt cx="0" cy="0"/>
+        </a:xfrm>
+      </p:grpSpPr>
+      <p:sp>
+        <p:nvSpPr>
+          <p:cNvPr id="2" name="Title 1">
+            <a:extLst>
+              <a:ext uri="{FF2B5EF4-FFF2-40B4-BE49-F238E27FC236}">
+                <a16:creationId xmlns:a16="http://schemas.microsoft.com/office/drawing/2014/main" id="{AA3A228F-61D0-D949-A5E7-F83756230BF8}"/>
+              </a:ext>
+            </a:extLst>
+          </p:cNvPr>
+          <p:cNvSpPr>
+            <a:spLocks noGrp="1"/>
+          </p:cNvSpPr>
+          <p:nvPr>
+            <p:ph type="title"/>
+          </p:nvPr>
+        </p:nvSpPr>
+        <p:spPr>
+          <a:xfrm>
+            <a:off x="124252" y="127980"/>
+            <a:ext cx="7053542" cy="683886"/>
+          </a:xfrm>
+        </p:spPr>
+        <p:txBody>
+          <a:bodyPr/>
+          <a:lstStyle/>
+          <a:p>
+            <a:r>
+              <a:rPr lang="en-US" dirty="0"/>
+              <a:t>Lab 1: </a:t>
+            </a:r>
+            <a:r>
+              <a:rPr lang="en-US"/>
+              <a:t>Using Variables</a:t>
+            </a:r>
+            <a:endParaRPr lang="en-US" dirty="0"/>
+          </a:p>
+        </p:txBody>
+      </p:sp>
+      <p:sp>
+        <p:nvSpPr>
+          <p:cNvPr id="9" name="Content Placeholder 8">
+            <a:extLst>
+              <a:ext uri="{FF2B5EF4-FFF2-40B4-BE49-F238E27FC236}">
+                <a16:creationId xmlns:a16="http://schemas.microsoft.com/office/drawing/2014/main" id="{E3B2E017-30B2-884B-A113-B419A2ED51AD}"/>
+              </a:ext>
+            </a:extLst>
+          </p:cNvPr>
+          <p:cNvSpPr>
+            <a:spLocks noGrp="1"/>
+          </p:cNvSpPr>
+          <p:nvPr>
+            <p:ph idx="1"/>
+          </p:nvPr>
+        </p:nvSpPr>
+        <p:spPr>
+          <a:xfrm>
+            <a:off x="205484" y="914400"/>
+            <a:ext cx="8330090" cy="4800599"/>
+          </a:xfrm>
+        </p:spPr>
+        <p:txBody>
+          <a:bodyPr>
+            <a:noAutofit/>
+          </a:bodyPr>
+          <a:lstStyle/>
+          <a:p>
+            <a:pPr marL="0" indent="0">
+              <a:buNone/>
+            </a:pPr>
+            <a:endParaRPr lang="en-US" dirty="0"/>
+          </a:p>
+          <a:p>
+            <a:pPr marL="0" indent="0">
+              <a:buNone/>
+            </a:pPr>
+            <a:r>
+              <a:rPr lang="en-US" dirty="0"/>
+              <a:t>Create a new </a:t>
+            </a:r>
+            <a:r>
+              <a:rPr lang="en-US" dirty="0" err="1"/>
+              <a:t>repl</a:t>
+            </a:r>
+            <a:r>
+              <a:rPr lang="en-US" dirty="0"/>
+              <a:t> on </a:t>
+            </a:r>
+            <a:r>
+              <a:rPr lang="en-US" dirty="0" err="1"/>
+              <a:t>repl.it</a:t>
+            </a:r>
+            <a:r>
+              <a:rPr lang="en-US" dirty="0"/>
+              <a:t>. Write code to match the following console output:</a:t>
+            </a:r>
+          </a:p>
+          <a:p>
+            <a:pPr marL="0" indent="0">
+              <a:buNone/>
+            </a:pPr>
+            <a:endParaRPr lang="en-US" dirty="0"/>
+          </a:p>
+          <a:p>
+            <a:pPr marL="0" indent="0">
+              <a:buNone/>
+            </a:pPr>
+            <a:r>
+              <a:rPr lang="en-US" dirty="0"/>
+              <a:t>Enter your name: </a:t>
+            </a:r>
+            <a:r>
+              <a:rPr lang="en-US" u="sng" dirty="0"/>
+              <a:t>Mike</a:t>
+            </a:r>
+          </a:p>
+          <a:p>
+            <a:pPr marL="0" indent="0">
+              <a:buNone/>
+            </a:pPr>
+            <a:r>
+              <a:rPr lang="en-US" dirty="0"/>
+              <a:t>Hello Mike</a:t>
+            </a:r>
+          </a:p>
+          <a:p>
+            <a:pPr marL="0" indent="0">
+              <a:buNone/>
+            </a:pPr>
+            <a:endParaRPr lang="en-US" dirty="0"/>
+          </a:p>
+          <a:p>
+            <a:pPr marL="0" indent="0">
+              <a:buNone/>
+            </a:pPr>
+            <a:r>
+              <a:rPr lang="en-US" dirty="0"/>
+              <a:t>Enter an integer: </a:t>
+            </a:r>
+            <a:r>
+              <a:rPr lang="en-US" u="sng" dirty="0"/>
+              <a:t>10</a:t>
+            </a:r>
+          </a:p>
+          <a:p>
+            <a:pPr marL="0" indent="0">
+              <a:buNone/>
+            </a:pPr>
+            <a:r>
+              <a:rPr lang="en-US" dirty="0"/>
+              <a:t>Your number 10 doubled is 20</a:t>
+            </a:r>
+          </a:p>
+          <a:p>
+            <a:pPr marL="0" indent="0">
+              <a:buNone/>
+            </a:pPr>
+            <a:r>
+              <a:rPr lang="en-US" dirty="0"/>
+              <a:t>The next number after 10 </a:t>
+            </a:r>
+            <a:r>
+              <a:rPr lang="en-US"/>
+              <a:t>is 11</a:t>
+            </a:r>
+            <a:endParaRPr lang="en-US" dirty="0"/>
+          </a:p>
+          <a:p>
+            <a:pPr marL="0" indent="0">
+              <a:buNone/>
+            </a:pPr>
+            <a:endParaRPr lang="en-US" dirty="0"/>
+          </a:p>
+          <a:p>
+            <a:pPr marL="0" indent="0">
+              <a:buNone/>
+            </a:pPr>
+            <a:endParaRPr lang="en-US" dirty="0"/>
+          </a:p>
+          <a:p>
+            <a:pPr marL="457200" indent="-457200">
+              <a:buAutoNum type="arabicParenR"/>
+            </a:pPr>
+            <a:endParaRPr lang="en-US" dirty="0"/>
+          </a:p>
+        </p:txBody>
+      </p:sp>
+      <p:sp>
+        <p:nvSpPr>
+          <p:cNvPr id="3" name="Slide Number Placeholder 2">
+            <a:extLst>
+              <a:ext uri="{FF2B5EF4-FFF2-40B4-BE49-F238E27FC236}">
+                <a16:creationId xmlns:a16="http://schemas.microsoft.com/office/drawing/2014/main" id="{4C8DCBAE-4694-6A48-AFB2-6E4F6FE9FDC6}"/>
+              </a:ext>
+            </a:extLst>
+          </p:cNvPr>
+          <p:cNvSpPr>
+            <a:spLocks noGrp="1"/>
+          </p:cNvSpPr>
+          <p:nvPr>
+            <p:ph type="sldNum" sz="quarter" idx="12"/>
+          </p:nvPr>
+        </p:nvSpPr>
+        <p:spPr/>
+        <p:txBody>
+          <a:bodyPr/>
+          <a:lstStyle/>
+          <a:p>
+            <a:fld id="{D57F1E4F-1CFF-5643-939E-02111984F565}" type="slidenum">
+              <a:rPr lang="en-US" smtClean="0"/>
+              <a:t>26</a:t>
+            </a:fld>
+            <a:endParaRPr lang="en-US" dirty="0"/>
+          </a:p>
+        </p:txBody>
+      </p:sp>
+    </p:spTree>
+    <p:extLst>
+      <p:ext uri="{BB962C8B-B14F-4D97-AF65-F5344CB8AC3E}">
+        <p14:creationId xmlns:p14="http://schemas.microsoft.com/office/powerpoint/2010/main" val="3993483693"/>
+      </p:ext>
+    </p:extLst>
+  </p:cSld>
+  <p:clrMapOvr>
+    <a:masterClrMapping/>
+  </p:clrMapOvr>
+</p:sld>
+</file>
+
+<file path=ppt/slides/slide27.xml><?xml version="1.0" encoding="utf-8"?>
+<p:sld xmlns:a="http://schemas.openxmlformats.org/drawingml/2006/main" xmlns:r="http://schemas.openxmlformats.org/officeDocument/2006/relationships" xmlns:p="http://schemas.openxmlformats.org/presentationml/2006/main">
+  <p:cSld>
+    <p:spTree>
+      <p:nvGrpSpPr>
+        <p:cNvPr id="1" name=""/>
+        <p:cNvGrpSpPr/>
+        <p:nvPr/>
+      </p:nvGrpSpPr>
+      <p:grpSpPr>
+        <a:xfrm>
+          <a:off x="0" y="0"/>
+          <a:ext cx="0" cy="0"/>
+          <a:chOff x="0" y="0"/>
+          <a:chExt cx="0" cy="0"/>
+        </a:xfrm>
+      </p:grpSpPr>
+      <p:sp>
+        <p:nvSpPr>
+          <p:cNvPr id="2" name="Title 1">
+            <a:extLst>
+              <a:ext uri="{FF2B5EF4-FFF2-40B4-BE49-F238E27FC236}">
+                <a16:creationId xmlns:a16="http://schemas.microsoft.com/office/drawing/2014/main" id="{AA3A228F-61D0-D949-A5E7-F83756230BF8}"/>
+              </a:ext>
+            </a:extLst>
+          </p:cNvPr>
+          <p:cNvSpPr>
+            <a:spLocks noGrp="1"/>
+          </p:cNvSpPr>
+          <p:nvPr>
+            <p:ph type="title"/>
+          </p:nvPr>
+        </p:nvSpPr>
+        <p:spPr>
+          <a:xfrm>
             <a:off x="483848" y="467027"/>
             <a:ext cx="7053542" cy="683886"/>
           </a:xfrm>
@@ -17283,7 +17717,7 @@
           <a:p>
             <a:fld id="{D57F1E4F-1CFF-5643-939E-02111984F565}" type="slidenum">
               <a:rPr lang="en-US" smtClean="0"/>
-              <a:t>25</a:t>
+              <a:t>27</a:t>
             </a:fld>
             <a:endParaRPr lang="en-US" dirty="0"/>
           </a:p>

--- a/courses/apcsp/lect1.pptx
+++ b/courses/apcsp/lect1.pptx
@@ -144,303 +144,13 @@
 <file path=ppt/revisionInfo.xml><?xml version="1.0" encoding="utf-8"?>
 <p1510:revInfo xmlns:a="http://schemas.openxmlformats.org/drawingml/2006/main" xmlns:r="http://schemas.openxmlformats.org/officeDocument/2006/relationships" xmlns:p1510="http://schemas.microsoft.com/office/powerpoint/2015/10/main">
   <p1510:revLst>
-    <p1510:client id="{84676ADF-44D0-6B47-A57C-36670D0E7DB8}" v="826" dt="2021-09-16T13:39:41.264"/>
+    <p1510:client id="{CB082C36-5107-ED4F-B3BA-8DB361145455}" v="242" dt="2022-09-08T13:42:15.123"/>
   </p1510:revLst>
 </p1510:revInfo>
 </file>
 
 <file path=ppt/changesInfos/changesInfo1.xml><?xml version="1.0" encoding="utf-8"?>
 <pc:chgInfo xmlns:a="http://schemas.openxmlformats.org/drawingml/2006/main" xmlns:r="http://schemas.openxmlformats.org/officeDocument/2006/relationships" xmlns:ac="http://schemas.microsoft.com/office/drawing/2013/main/command" xmlns:pc="http://schemas.microsoft.com/office/powerpoint/2013/main/command">
-  <pc:docChgLst>
-    <pc:chgData name="Long B Nguyen" userId="f59fb8f3-a021-417a-8bc1-65c8d471c621" providerId="ADAL" clId="{982D8422-27A6-2341-A334-6D849435CBA4}"/>
-    <pc:docChg chg="modSld">
-      <pc:chgData name="Long B Nguyen" userId="f59fb8f3-a021-417a-8bc1-65c8d471c621" providerId="ADAL" clId="{982D8422-27A6-2341-A334-6D849435CBA4}" dt="2021-04-27T16:03:10.998" v="39" actId="20577"/>
-      <pc:docMkLst>
-        <pc:docMk/>
-      </pc:docMkLst>
-      <pc:sldChg chg="modSp modAnim">
-        <pc:chgData name="Long B Nguyen" userId="f59fb8f3-a021-417a-8bc1-65c8d471c621" providerId="ADAL" clId="{982D8422-27A6-2341-A334-6D849435CBA4}" dt="2021-04-27T16:03:10.998" v="39" actId="20577"/>
-        <pc:sldMkLst>
-          <pc:docMk/>
-          <pc:sldMk cId="3290810672" sldId="269"/>
-        </pc:sldMkLst>
-        <pc:spChg chg="mod">
-          <ac:chgData name="Long B Nguyen" userId="f59fb8f3-a021-417a-8bc1-65c8d471c621" providerId="ADAL" clId="{982D8422-27A6-2341-A334-6D849435CBA4}" dt="2021-04-27T16:03:10.998" v="39" actId="20577"/>
-          <ac:spMkLst>
-            <pc:docMk/>
-            <pc:sldMk cId="3290810672" sldId="269"/>
-            <ac:spMk id="9" creationId="{E3B2E017-30B2-884B-A113-B419A2ED51AD}"/>
-          </ac:spMkLst>
-        </pc:spChg>
-      </pc:sldChg>
-    </pc:docChg>
-  </pc:docChgLst>
-  <pc:docChgLst>
-    <pc:chgData name="Long B Nguyen" userId="f59fb8f3-a021-417a-8bc1-65c8d471c621" providerId="ADAL" clId="{05A1C5B8-6AA9-824C-B77D-182A36FCC0A3}"/>
-    <pc:docChg chg="custSel addSld delSld modSld">
-      <pc:chgData name="Long B Nguyen" userId="f59fb8f3-a021-417a-8bc1-65c8d471c621" providerId="ADAL" clId="{05A1C5B8-6AA9-824C-B77D-182A36FCC0A3}" dt="2019-06-14T11:56:44.727" v="163" actId="1036"/>
-      <pc:docMkLst>
-        <pc:docMk/>
-      </pc:docMkLst>
-      <pc:sldChg chg="modSp">
-        <pc:chgData name="Long B Nguyen" userId="f59fb8f3-a021-417a-8bc1-65c8d471c621" providerId="ADAL" clId="{05A1C5B8-6AA9-824C-B77D-182A36FCC0A3}" dt="2019-06-14T11:54:29.924" v="134" actId="20577"/>
-        <pc:sldMkLst>
-          <pc:docMk/>
-          <pc:sldMk cId="1889908786" sldId="259"/>
-        </pc:sldMkLst>
-        <pc:spChg chg="mod">
-          <ac:chgData name="Long B Nguyen" userId="f59fb8f3-a021-417a-8bc1-65c8d471c621" providerId="ADAL" clId="{05A1C5B8-6AA9-824C-B77D-182A36FCC0A3}" dt="2019-06-14T11:54:29.924" v="134" actId="20577"/>
-          <ac:spMkLst>
-            <pc:docMk/>
-            <pc:sldMk cId="1889908786" sldId="259"/>
-            <ac:spMk id="9" creationId="{E3B2E017-30B2-884B-A113-B419A2ED51AD}"/>
-          </ac:spMkLst>
-        </pc:spChg>
-        <pc:picChg chg="mod">
-          <ac:chgData name="Long B Nguyen" userId="f59fb8f3-a021-417a-8bc1-65c8d471c621" providerId="ADAL" clId="{05A1C5B8-6AA9-824C-B77D-182A36FCC0A3}" dt="2019-06-14T11:54:03.277" v="52" actId="1036"/>
-          <ac:picMkLst>
-            <pc:docMk/>
-            <pc:sldMk cId="1889908786" sldId="259"/>
-            <ac:picMk id="4" creationId="{73F37A0B-B0EE-6844-BD8E-4A35679250DE}"/>
-          </ac:picMkLst>
-        </pc:picChg>
-      </pc:sldChg>
-      <pc:sldChg chg="modSp">
-        <pc:chgData name="Long B Nguyen" userId="f59fb8f3-a021-417a-8bc1-65c8d471c621" providerId="ADAL" clId="{05A1C5B8-6AA9-824C-B77D-182A36FCC0A3}" dt="2019-06-14T11:55:01.845" v="138" actId="313"/>
-        <pc:sldMkLst>
-          <pc:docMk/>
-          <pc:sldMk cId="558223950" sldId="285"/>
-        </pc:sldMkLst>
-        <pc:spChg chg="mod">
-          <ac:chgData name="Long B Nguyen" userId="f59fb8f3-a021-417a-8bc1-65c8d471c621" providerId="ADAL" clId="{05A1C5B8-6AA9-824C-B77D-182A36FCC0A3}" dt="2019-06-14T11:55:01.845" v="138" actId="313"/>
-          <ac:spMkLst>
-            <pc:docMk/>
-            <pc:sldMk cId="558223950" sldId="285"/>
-            <ac:spMk id="9" creationId="{E3B2E017-30B2-884B-A113-B419A2ED51AD}"/>
-          </ac:spMkLst>
-        </pc:spChg>
-      </pc:sldChg>
-      <pc:sldChg chg="modSp">
-        <pc:chgData name="Long B Nguyen" userId="f59fb8f3-a021-417a-8bc1-65c8d471c621" providerId="ADAL" clId="{05A1C5B8-6AA9-824C-B77D-182A36FCC0A3}" dt="2019-06-14T02:15:45.959" v="28" actId="20577"/>
-        <pc:sldMkLst>
-          <pc:docMk/>
-          <pc:sldMk cId="3974060782" sldId="289"/>
-        </pc:sldMkLst>
-        <pc:spChg chg="mod">
-          <ac:chgData name="Long B Nguyen" userId="f59fb8f3-a021-417a-8bc1-65c8d471c621" providerId="ADAL" clId="{05A1C5B8-6AA9-824C-B77D-182A36FCC0A3}" dt="2019-06-14T02:15:31.900" v="24" actId="20577"/>
-          <ac:spMkLst>
-            <pc:docMk/>
-            <pc:sldMk cId="3974060782" sldId="289"/>
-            <ac:spMk id="2" creationId="{6117A749-B1BA-E24B-8FB0-0604EF651FB3}"/>
-          </ac:spMkLst>
-        </pc:spChg>
-        <pc:spChg chg="mod">
-          <ac:chgData name="Long B Nguyen" userId="f59fb8f3-a021-417a-8bc1-65c8d471c621" providerId="ADAL" clId="{05A1C5B8-6AA9-824C-B77D-182A36FCC0A3}" dt="2019-06-14T02:15:45.959" v="28" actId="20577"/>
-          <ac:spMkLst>
-            <pc:docMk/>
-            <pc:sldMk cId="3974060782" sldId="289"/>
-            <ac:spMk id="3" creationId="{1BDC47C8-6776-7B44-9CD4-95FC91452D62}"/>
-          </ac:spMkLst>
-        </pc:spChg>
-      </pc:sldChg>
-      <pc:sldChg chg="add">
-        <pc:chgData name="Long B Nguyen" userId="f59fb8f3-a021-417a-8bc1-65c8d471c621" providerId="ADAL" clId="{05A1C5B8-6AA9-824C-B77D-182A36FCC0A3}" dt="2019-06-14T01:14:32.822" v="0"/>
-        <pc:sldMkLst>
-          <pc:docMk/>
-          <pc:sldMk cId="1581961275" sldId="293"/>
-        </pc:sldMkLst>
-      </pc:sldChg>
-    </pc:docChg>
-  </pc:docChgLst>
-  <pc:docChgLst>
-    <pc:chgData name="Long B Nguyen" userId="f59fb8f3-a021-417a-8bc1-65c8d471c621" providerId="ADAL" clId="{EFBCD846-B2A3-1B4C-B729-1BDD8BB3398F}"/>
-    <pc:docChg chg="custSel addSld delSld modSld">
-      <pc:chgData name="Long B Nguyen" userId="f59fb8f3-a021-417a-8bc1-65c8d471c621" providerId="ADAL" clId="{EFBCD846-B2A3-1B4C-B729-1BDD8BB3398F}" dt="2019-06-15T13:28:52.721" v="979" actId="20577"/>
-      <pc:docMkLst>
-        <pc:docMk/>
-      </pc:docMkLst>
-      <pc:sldChg chg="modSp">
-        <pc:chgData name="Long B Nguyen" userId="f59fb8f3-a021-417a-8bc1-65c8d471c621" providerId="ADAL" clId="{EFBCD846-B2A3-1B4C-B729-1BDD8BB3398F}" dt="2019-06-15T13:28:52.721" v="979" actId="20577"/>
-        <pc:sldMkLst>
-          <pc:docMk/>
-          <pc:sldMk cId="2207246265" sldId="257"/>
-        </pc:sldMkLst>
-        <pc:spChg chg="mod">
-          <ac:chgData name="Long B Nguyen" userId="f59fb8f3-a021-417a-8bc1-65c8d471c621" providerId="ADAL" clId="{EFBCD846-B2A3-1B4C-B729-1BDD8BB3398F}" dt="2019-06-15T13:28:52.721" v="979" actId="20577"/>
-          <ac:spMkLst>
-            <pc:docMk/>
-            <pc:sldMk cId="2207246265" sldId="257"/>
-            <ac:spMk id="9" creationId="{E3B2E017-30B2-884B-A113-B419A2ED51AD}"/>
-          </ac:spMkLst>
-        </pc:spChg>
-      </pc:sldChg>
-      <pc:sldChg chg="delSp modSp">
-        <pc:chgData name="Long B Nguyen" userId="f59fb8f3-a021-417a-8bc1-65c8d471c621" providerId="ADAL" clId="{EFBCD846-B2A3-1B4C-B729-1BDD8BB3398F}" dt="2019-06-15T12:37:48.814" v="503" actId="20577"/>
-        <pc:sldMkLst>
-          <pc:docMk/>
-          <pc:sldMk cId="4103067120" sldId="261"/>
-        </pc:sldMkLst>
-        <pc:spChg chg="del">
-          <ac:chgData name="Long B Nguyen" userId="f59fb8f3-a021-417a-8bc1-65c8d471c621" providerId="ADAL" clId="{EFBCD846-B2A3-1B4C-B729-1BDD8BB3398F}" dt="2019-06-15T12:33:20.052" v="122" actId="478"/>
-          <ac:spMkLst>
-            <pc:docMk/>
-            <pc:sldMk cId="4103067120" sldId="261"/>
-            <ac:spMk id="6" creationId="{76E456FD-D331-974E-9966-139D852DE6B8}"/>
-          </ac:spMkLst>
-        </pc:spChg>
-        <pc:spChg chg="mod">
-          <ac:chgData name="Long B Nguyen" userId="f59fb8f3-a021-417a-8bc1-65c8d471c621" providerId="ADAL" clId="{EFBCD846-B2A3-1B4C-B729-1BDD8BB3398F}" dt="2019-06-15T12:37:48.814" v="503" actId="20577"/>
-          <ac:spMkLst>
-            <pc:docMk/>
-            <pc:sldMk cId="4103067120" sldId="261"/>
-            <ac:spMk id="9" creationId="{E3B2E017-30B2-884B-A113-B419A2ED51AD}"/>
-          </ac:spMkLst>
-        </pc:spChg>
-        <pc:picChg chg="del">
-          <ac:chgData name="Long B Nguyen" userId="f59fb8f3-a021-417a-8bc1-65c8d471c621" providerId="ADAL" clId="{EFBCD846-B2A3-1B4C-B729-1BDD8BB3398F}" dt="2019-06-15T12:32:55.159" v="19" actId="478"/>
-          <ac:picMkLst>
-            <pc:docMk/>
-            <pc:sldMk cId="4103067120" sldId="261"/>
-            <ac:picMk id="4" creationId="{83CF82C8-FC88-4642-A338-FD014F4CAC2D}"/>
-          </ac:picMkLst>
-        </pc:picChg>
-        <pc:picChg chg="del">
-          <ac:chgData name="Long B Nguyen" userId="f59fb8f3-a021-417a-8bc1-65c8d471c621" providerId="ADAL" clId="{EFBCD846-B2A3-1B4C-B729-1BDD8BB3398F}" dt="2019-06-15T12:33:47.423" v="200" actId="478"/>
-          <ac:picMkLst>
-            <pc:docMk/>
-            <pc:sldMk cId="4103067120" sldId="261"/>
-            <ac:picMk id="5" creationId="{703FD9BD-7F29-8C40-B080-09EE1CB5D9E1}"/>
-          </ac:picMkLst>
-        </pc:picChg>
-      </pc:sldChg>
-      <pc:sldChg chg="addSp delSp modSp add">
-        <pc:chgData name="Long B Nguyen" userId="f59fb8f3-a021-417a-8bc1-65c8d471c621" providerId="ADAL" clId="{EFBCD846-B2A3-1B4C-B729-1BDD8BB3398F}" dt="2019-06-15T12:53:05.508" v="927" actId="1076"/>
-        <pc:sldMkLst>
-          <pc:docMk/>
-          <pc:sldMk cId="905114398" sldId="264"/>
-        </pc:sldMkLst>
-        <pc:spChg chg="add mod">
-          <ac:chgData name="Long B Nguyen" userId="f59fb8f3-a021-417a-8bc1-65c8d471c621" providerId="ADAL" clId="{EFBCD846-B2A3-1B4C-B729-1BDD8BB3398F}" dt="2019-06-15T12:52:08.118" v="852" actId="20577"/>
-          <ac:spMkLst>
-            <pc:docMk/>
-            <pc:sldMk cId="905114398" sldId="264"/>
-            <ac:spMk id="3" creationId="{9851CEEB-B8D2-EA41-9A10-1BC744107E4C}"/>
-          </ac:spMkLst>
-        </pc:spChg>
-        <pc:spChg chg="add mod">
-          <ac:chgData name="Long B Nguyen" userId="f59fb8f3-a021-417a-8bc1-65c8d471c621" providerId="ADAL" clId="{EFBCD846-B2A3-1B4C-B729-1BDD8BB3398F}" dt="2019-06-15T12:52:32.879" v="864" actId="1076"/>
-          <ac:spMkLst>
-            <pc:docMk/>
-            <pc:sldMk cId="905114398" sldId="264"/>
-            <ac:spMk id="5" creationId="{3E8F7CED-693F-5A43-87EB-5E21C02FDA13}"/>
-          </ac:spMkLst>
-        </pc:spChg>
-        <pc:spChg chg="add mod">
-          <ac:chgData name="Long B Nguyen" userId="f59fb8f3-a021-417a-8bc1-65c8d471c621" providerId="ADAL" clId="{EFBCD846-B2A3-1B4C-B729-1BDD8BB3398F}" dt="2019-06-15T12:52:47.831" v="922" actId="20577"/>
-          <ac:spMkLst>
-            <pc:docMk/>
-            <pc:sldMk cId="905114398" sldId="264"/>
-            <ac:spMk id="7" creationId="{C56845F4-C671-F849-8613-50BD132A5D50}"/>
-          </ac:spMkLst>
-        </pc:spChg>
-        <pc:spChg chg="mod">
-          <ac:chgData name="Long B Nguyen" userId="f59fb8f3-a021-417a-8bc1-65c8d471c621" providerId="ADAL" clId="{EFBCD846-B2A3-1B4C-B729-1BDD8BB3398F}" dt="2019-06-15T12:44:37.697" v="710" actId="20577"/>
-          <ac:spMkLst>
-            <pc:docMk/>
-            <pc:sldMk cId="905114398" sldId="264"/>
-            <ac:spMk id="9" creationId="{E3B2E017-30B2-884B-A113-B419A2ED51AD}"/>
-          </ac:spMkLst>
-        </pc:spChg>
-        <pc:picChg chg="add mod">
-          <ac:chgData name="Long B Nguyen" userId="f59fb8f3-a021-417a-8bc1-65c8d471c621" providerId="ADAL" clId="{EFBCD846-B2A3-1B4C-B729-1BDD8BB3398F}" dt="2019-06-15T12:53:05.508" v="927" actId="1076"/>
-          <ac:picMkLst>
-            <pc:docMk/>
-            <pc:sldMk cId="905114398" sldId="264"/>
-            <ac:picMk id="6" creationId="{4FD3269E-CE30-EB4E-AFDF-1494248BF8F8}"/>
-          </ac:picMkLst>
-        </pc:picChg>
-        <pc:picChg chg="add del mod">
-          <ac:chgData name="Long B Nguyen" userId="f59fb8f3-a021-417a-8bc1-65c8d471c621" providerId="ADAL" clId="{EFBCD846-B2A3-1B4C-B729-1BDD8BB3398F}" dt="2019-06-15T12:53:00.696" v="926" actId="478"/>
-          <ac:picMkLst>
-            <pc:docMk/>
-            <pc:sldMk cId="905114398" sldId="264"/>
-            <ac:picMk id="8" creationId="{F0F0B752-3555-A843-B5E5-0B49E86B4389}"/>
-          </ac:picMkLst>
-        </pc:picChg>
-        <pc:picChg chg="add del mod">
-          <ac:chgData name="Long B Nguyen" userId="f59fb8f3-a021-417a-8bc1-65c8d471c621" providerId="ADAL" clId="{EFBCD846-B2A3-1B4C-B729-1BDD8BB3398F}" dt="2019-06-15T12:52:59.443" v="925" actId="478"/>
-          <ac:picMkLst>
-            <pc:docMk/>
-            <pc:sldMk cId="905114398" sldId="264"/>
-            <ac:picMk id="10" creationId="{3FFB2B8C-F15D-4541-8E74-DEB48CBE078C}"/>
-          </ac:picMkLst>
-        </pc:picChg>
-      </pc:sldChg>
-      <pc:sldChg chg="addSp delSp modSp add">
-        <pc:chgData name="Long B Nguyen" userId="f59fb8f3-a021-417a-8bc1-65c8d471c621" providerId="ADAL" clId="{EFBCD846-B2A3-1B4C-B729-1BDD8BB3398F}" dt="2019-06-15T12:44:43.357" v="712" actId="20577"/>
-        <pc:sldMkLst>
-          <pc:docMk/>
-          <pc:sldMk cId="2081483973" sldId="296"/>
-        </pc:sldMkLst>
-        <pc:spChg chg="mod">
-          <ac:chgData name="Long B Nguyen" userId="f59fb8f3-a021-417a-8bc1-65c8d471c621" providerId="ADAL" clId="{EFBCD846-B2A3-1B4C-B729-1BDD8BB3398F}" dt="2019-06-15T12:40:46.852" v="572" actId="20577"/>
-          <ac:spMkLst>
-            <pc:docMk/>
-            <pc:sldMk cId="2081483973" sldId="296"/>
-            <ac:spMk id="6" creationId="{76E456FD-D331-974E-9966-139D852DE6B8}"/>
-          </ac:spMkLst>
-        </pc:spChg>
-        <pc:spChg chg="mod">
-          <ac:chgData name="Long B Nguyen" userId="f59fb8f3-a021-417a-8bc1-65c8d471c621" providerId="ADAL" clId="{EFBCD846-B2A3-1B4C-B729-1BDD8BB3398F}" dt="2019-06-15T12:44:43.357" v="712" actId="20577"/>
-          <ac:spMkLst>
-            <pc:docMk/>
-            <pc:sldMk cId="2081483973" sldId="296"/>
-            <ac:spMk id="9" creationId="{E3B2E017-30B2-884B-A113-B419A2ED51AD}"/>
-          </ac:spMkLst>
-        </pc:spChg>
-        <pc:picChg chg="add mod">
-          <ac:chgData name="Long B Nguyen" userId="f59fb8f3-a021-417a-8bc1-65c8d471c621" providerId="ADAL" clId="{EFBCD846-B2A3-1B4C-B729-1BDD8BB3398F}" dt="2019-06-15T12:40:50.154" v="588" actId="1035"/>
-          <ac:picMkLst>
-            <pc:docMk/>
-            <pc:sldMk cId="2081483973" sldId="296"/>
-            <ac:picMk id="3" creationId="{9A8E9CD0-D9B3-8E4C-9599-C519FA3BF22B}"/>
-          </ac:picMkLst>
-        </pc:picChg>
-        <pc:picChg chg="del mod">
-          <ac:chgData name="Long B Nguyen" userId="f59fb8f3-a021-417a-8bc1-65c8d471c621" providerId="ADAL" clId="{EFBCD846-B2A3-1B4C-B729-1BDD8BB3398F}" dt="2019-06-15T12:38:05.510" v="504" actId="478"/>
-          <ac:picMkLst>
-            <pc:docMk/>
-            <pc:sldMk cId="2081483973" sldId="296"/>
-            <ac:picMk id="4" creationId="{83CF82C8-FC88-4642-A338-FD014F4CAC2D}"/>
-          </ac:picMkLst>
-        </pc:picChg>
-        <pc:picChg chg="del mod">
-          <ac:chgData name="Long B Nguyen" userId="f59fb8f3-a021-417a-8bc1-65c8d471c621" providerId="ADAL" clId="{EFBCD846-B2A3-1B4C-B729-1BDD8BB3398F}" dt="2019-06-15T12:39:38.481" v="556" actId="478"/>
-          <ac:picMkLst>
-            <pc:docMk/>
-            <pc:sldMk cId="2081483973" sldId="296"/>
-            <ac:picMk id="5" creationId="{703FD9BD-7F29-8C40-B080-09EE1CB5D9E1}"/>
-          </ac:picMkLst>
-        </pc:picChg>
-        <pc:picChg chg="add mod">
-          <ac:chgData name="Long B Nguyen" userId="f59fb8f3-a021-417a-8bc1-65c8d471c621" providerId="ADAL" clId="{EFBCD846-B2A3-1B4C-B729-1BDD8BB3398F}" dt="2019-06-15T12:40:52.555" v="597" actId="1035"/>
-          <ac:picMkLst>
-            <pc:docMk/>
-            <pc:sldMk cId="2081483973" sldId="296"/>
-            <ac:picMk id="7" creationId="{09184722-0D16-5E47-A514-4348651A24BB}"/>
-          </ac:picMkLst>
-        </pc:picChg>
-        <pc:picChg chg="add mod">
-          <ac:chgData name="Long B Nguyen" userId="f59fb8f3-a021-417a-8bc1-65c8d471c621" providerId="ADAL" clId="{EFBCD846-B2A3-1B4C-B729-1BDD8BB3398F}" dt="2019-06-15T12:41:30.254" v="602" actId="1076"/>
-          <ac:picMkLst>
-            <pc:docMk/>
-            <pc:sldMk cId="2081483973" sldId="296"/>
-            <ac:picMk id="8" creationId="{778F82F4-110D-C843-8F5C-71BDAE030887}"/>
-          </ac:picMkLst>
-        </pc:picChg>
-      </pc:sldChg>
-    </pc:docChg>
-  </pc:docChgLst>
   <pc:docChgLst>
     <pc:chgData name="Long B Nguyen" userId="f59fb8f3-a021-417a-8bc1-65c8d471c621" providerId="ADAL" clId="{84676ADF-44D0-6B47-A57C-36670D0E7DB8}"/>
     <pc:docChg chg="undo custSel addSld delSld modSld">
@@ -931,203 +641,6 @@
             <ac:picMk id="5" creationId="{B1F2A5E4-80D0-AA48-B189-E85CAD7EAE68}"/>
           </ac:picMkLst>
         </pc:picChg>
-      </pc:sldChg>
-    </pc:docChg>
-  </pc:docChgLst>
-  <pc:docChgLst>
-    <pc:chgData name="Long B Nguyen" userId="f59fb8f3-a021-417a-8bc1-65c8d471c621" providerId="ADAL" clId="{0A2D55A0-81A8-4E44-855B-5488B777D4BD}"/>
-    <pc:docChg chg="modSld">
-      <pc:chgData name="Long B Nguyen" userId="f59fb8f3-a021-417a-8bc1-65c8d471c621" providerId="ADAL" clId="{0A2D55A0-81A8-4E44-855B-5488B777D4BD}" dt="2020-09-24T11:47:44.276" v="418" actId="20577"/>
-      <pc:docMkLst>
-        <pc:docMk/>
-      </pc:docMkLst>
-      <pc:sldChg chg="modSp modAnim">
-        <pc:chgData name="Long B Nguyen" userId="f59fb8f3-a021-417a-8bc1-65c8d471c621" providerId="ADAL" clId="{0A2D55A0-81A8-4E44-855B-5488B777D4BD}" dt="2020-09-22T13:34:32.844" v="130" actId="20577"/>
-        <pc:sldMkLst>
-          <pc:docMk/>
-          <pc:sldMk cId="2207246265" sldId="257"/>
-        </pc:sldMkLst>
-        <pc:spChg chg="mod">
-          <ac:chgData name="Long B Nguyen" userId="f59fb8f3-a021-417a-8bc1-65c8d471c621" providerId="ADAL" clId="{0A2D55A0-81A8-4E44-855B-5488B777D4BD}" dt="2020-09-22T13:34:32.844" v="130" actId="20577"/>
-          <ac:spMkLst>
-            <pc:docMk/>
-            <pc:sldMk cId="2207246265" sldId="257"/>
-            <ac:spMk id="9" creationId="{E3B2E017-30B2-884B-A113-B419A2ED51AD}"/>
-          </ac:spMkLst>
-        </pc:spChg>
-      </pc:sldChg>
-      <pc:sldChg chg="modSp">
-        <pc:chgData name="Long B Nguyen" userId="f59fb8f3-a021-417a-8bc1-65c8d471c621" providerId="ADAL" clId="{0A2D55A0-81A8-4E44-855B-5488B777D4BD}" dt="2020-09-24T11:45:20.841" v="278" actId="113"/>
-        <pc:sldMkLst>
-          <pc:docMk/>
-          <pc:sldMk cId="3625497833" sldId="265"/>
-        </pc:sldMkLst>
-        <pc:spChg chg="mod">
-          <ac:chgData name="Long B Nguyen" userId="f59fb8f3-a021-417a-8bc1-65c8d471c621" providerId="ADAL" clId="{0A2D55A0-81A8-4E44-855B-5488B777D4BD}" dt="2020-09-24T11:45:20.841" v="278" actId="113"/>
-          <ac:spMkLst>
-            <pc:docMk/>
-            <pc:sldMk cId="3625497833" sldId="265"/>
-            <ac:spMk id="9" creationId="{E3B2E017-30B2-884B-A113-B419A2ED51AD}"/>
-          </ac:spMkLst>
-        </pc:spChg>
-      </pc:sldChg>
-      <pc:sldChg chg="modSp">
-        <pc:chgData name="Long B Nguyen" userId="f59fb8f3-a021-417a-8bc1-65c8d471c621" providerId="ADAL" clId="{0A2D55A0-81A8-4E44-855B-5488B777D4BD}" dt="2020-09-24T11:45:34.022" v="279" actId="113"/>
-        <pc:sldMkLst>
-          <pc:docMk/>
-          <pc:sldMk cId="4224307978" sldId="270"/>
-        </pc:sldMkLst>
-        <pc:spChg chg="mod">
-          <ac:chgData name="Long B Nguyen" userId="f59fb8f3-a021-417a-8bc1-65c8d471c621" providerId="ADAL" clId="{0A2D55A0-81A8-4E44-855B-5488B777D4BD}" dt="2020-09-24T11:45:34.022" v="279" actId="113"/>
-          <ac:spMkLst>
-            <pc:docMk/>
-            <pc:sldMk cId="4224307978" sldId="270"/>
-            <ac:spMk id="9" creationId="{E3B2E017-30B2-884B-A113-B419A2ED51AD}"/>
-          </ac:spMkLst>
-        </pc:spChg>
-      </pc:sldChg>
-      <pc:sldChg chg="modSp">
-        <pc:chgData name="Long B Nguyen" userId="f59fb8f3-a021-417a-8bc1-65c8d471c621" providerId="ADAL" clId="{0A2D55A0-81A8-4E44-855B-5488B777D4BD}" dt="2020-09-24T11:45:51.041" v="280" actId="113"/>
-        <pc:sldMkLst>
-          <pc:docMk/>
-          <pc:sldMk cId="2130507588" sldId="271"/>
-        </pc:sldMkLst>
-        <pc:spChg chg="mod">
-          <ac:chgData name="Long B Nguyen" userId="f59fb8f3-a021-417a-8bc1-65c8d471c621" providerId="ADAL" clId="{0A2D55A0-81A8-4E44-855B-5488B777D4BD}" dt="2020-09-24T11:45:51.041" v="280" actId="113"/>
-          <ac:spMkLst>
-            <pc:docMk/>
-            <pc:sldMk cId="2130507588" sldId="271"/>
-            <ac:spMk id="9" creationId="{E3B2E017-30B2-884B-A113-B419A2ED51AD}"/>
-          </ac:spMkLst>
-        </pc:spChg>
-      </pc:sldChg>
-      <pc:sldChg chg="modSp">
-        <pc:chgData name="Long B Nguyen" userId="f59fb8f3-a021-417a-8bc1-65c8d471c621" providerId="ADAL" clId="{0A2D55A0-81A8-4E44-855B-5488B777D4BD}" dt="2020-09-24T11:24:03.241" v="154" actId="113"/>
-        <pc:sldMkLst>
-          <pc:docMk/>
-          <pc:sldMk cId="587435069" sldId="272"/>
-        </pc:sldMkLst>
-        <pc:spChg chg="mod">
-          <ac:chgData name="Long B Nguyen" userId="f59fb8f3-a021-417a-8bc1-65c8d471c621" providerId="ADAL" clId="{0A2D55A0-81A8-4E44-855B-5488B777D4BD}" dt="2020-09-24T11:24:03.241" v="154" actId="113"/>
-          <ac:spMkLst>
-            <pc:docMk/>
-            <pc:sldMk cId="587435069" sldId="272"/>
-            <ac:spMk id="9" creationId="{E3B2E017-30B2-884B-A113-B419A2ED51AD}"/>
-          </ac:spMkLst>
-        </pc:spChg>
-      </pc:sldChg>
-      <pc:sldChg chg="modSp">
-        <pc:chgData name="Long B Nguyen" userId="f59fb8f3-a021-417a-8bc1-65c8d471c621" providerId="ADAL" clId="{0A2D55A0-81A8-4E44-855B-5488B777D4BD}" dt="2020-09-22T04:40:52.026" v="101" actId="20577"/>
-        <pc:sldMkLst>
-          <pc:docMk/>
-          <pc:sldMk cId="2925367410" sldId="280"/>
-        </pc:sldMkLst>
-        <pc:spChg chg="mod">
-          <ac:chgData name="Long B Nguyen" userId="f59fb8f3-a021-417a-8bc1-65c8d471c621" providerId="ADAL" clId="{0A2D55A0-81A8-4E44-855B-5488B777D4BD}" dt="2020-09-22T04:40:52.026" v="101" actId="20577"/>
-          <ac:spMkLst>
-            <pc:docMk/>
-            <pc:sldMk cId="2925367410" sldId="280"/>
-            <ac:spMk id="9" creationId="{E3B2E017-30B2-884B-A113-B419A2ED51AD}"/>
-          </ac:spMkLst>
-        </pc:spChg>
-      </pc:sldChg>
-      <pc:sldChg chg="modSp">
-        <pc:chgData name="Long B Nguyen" userId="f59fb8f3-a021-417a-8bc1-65c8d471c621" providerId="ADAL" clId="{0A2D55A0-81A8-4E44-855B-5488B777D4BD}" dt="2020-09-24T11:23:44.909" v="153" actId="113"/>
-        <pc:sldMkLst>
-          <pc:docMk/>
-          <pc:sldMk cId="2119170476" sldId="281"/>
-        </pc:sldMkLst>
-        <pc:spChg chg="mod">
-          <ac:chgData name="Long B Nguyen" userId="f59fb8f3-a021-417a-8bc1-65c8d471c621" providerId="ADAL" clId="{0A2D55A0-81A8-4E44-855B-5488B777D4BD}" dt="2020-09-24T11:23:44.909" v="153" actId="113"/>
-          <ac:spMkLst>
-            <pc:docMk/>
-            <pc:sldMk cId="2119170476" sldId="281"/>
-            <ac:spMk id="9" creationId="{E3B2E017-30B2-884B-A113-B419A2ED51AD}"/>
-          </ac:spMkLst>
-        </pc:spChg>
-      </pc:sldChg>
-      <pc:sldChg chg="modSp">
-        <pc:chgData name="Long B Nguyen" userId="f59fb8f3-a021-417a-8bc1-65c8d471c621" providerId="ADAL" clId="{0A2D55A0-81A8-4E44-855B-5488B777D4BD}" dt="2020-09-22T13:32:11.637" v="120" actId="20577"/>
-        <pc:sldMkLst>
-          <pc:docMk/>
-          <pc:sldMk cId="558223950" sldId="285"/>
-        </pc:sldMkLst>
-        <pc:spChg chg="mod">
-          <ac:chgData name="Long B Nguyen" userId="f59fb8f3-a021-417a-8bc1-65c8d471c621" providerId="ADAL" clId="{0A2D55A0-81A8-4E44-855B-5488B777D4BD}" dt="2020-09-22T13:32:11.637" v="120" actId="20577"/>
-          <ac:spMkLst>
-            <pc:docMk/>
-            <pc:sldMk cId="558223950" sldId="285"/>
-            <ac:spMk id="9" creationId="{E3B2E017-30B2-884B-A113-B419A2ED51AD}"/>
-          </ac:spMkLst>
-        </pc:spChg>
-      </pc:sldChg>
-      <pc:sldChg chg="modSp mod modAnim">
-        <pc:chgData name="Long B Nguyen" userId="f59fb8f3-a021-417a-8bc1-65c8d471c621" providerId="ADAL" clId="{0A2D55A0-81A8-4E44-855B-5488B777D4BD}" dt="2020-09-24T11:46:06.195" v="281" actId="113"/>
-        <pc:sldMkLst>
-          <pc:docMk/>
-          <pc:sldMk cId="3711861066" sldId="295"/>
-        </pc:sldMkLst>
-        <pc:spChg chg="mod">
-          <ac:chgData name="Long B Nguyen" userId="f59fb8f3-a021-417a-8bc1-65c8d471c621" providerId="ADAL" clId="{0A2D55A0-81A8-4E44-855B-5488B777D4BD}" dt="2020-09-24T11:46:06.195" v="281" actId="113"/>
-          <ac:spMkLst>
-            <pc:docMk/>
-            <pc:sldMk cId="3711861066" sldId="295"/>
-            <ac:spMk id="9" creationId="{E3B2E017-30B2-884B-A113-B419A2ED51AD}"/>
-          </ac:spMkLst>
-        </pc:spChg>
-      </pc:sldChg>
-      <pc:sldChg chg="addSp modSp mod modAnim">
-        <pc:chgData name="Long B Nguyen" userId="f59fb8f3-a021-417a-8bc1-65c8d471c621" providerId="ADAL" clId="{0A2D55A0-81A8-4E44-855B-5488B777D4BD}" dt="2020-09-22T13:39:28.298" v="138" actId="14100"/>
-        <pc:sldMkLst>
-          <pc:docMk/>
-          <pc:sldMk cId="3705756631" sldId="300"/>
-        </pc:sldMkLst>
-        <pc:cxnChg chg="mod">
-          <ac:chgData name="Long B Nguyen" userId="f59fb8f3-a021-417a-8bc1-65c8d471c621" providerId="ADAL" clId="{0A2D55A0-81A8-4E44-855B-5488B777D4BD}" dt="2020-09-22T13:38:57.311" v="131" actId="14100"/>
-          <ac:cxnSpMkLst>
-            <pc:docMk/>
-            <pc:sldMk cId="3705756631" sldId="300"/>
-            <ac:cxnSpMk id="12" creationId="{9E356615-13B9-8146-8C06-5A99446B4AB7}"/>
-          </ac:cxnSpMkLst>
-        </pc:cxnChg>
-        <pc:cxnChg chg="add mod">
-          <ac:chgData name="Long B Nguyen" userId="f59fb8f3-a021-417a-8bc1-65c8d471c621" providerId="ADAL" clId="{0A2D55A0-81A8-4E44-855B-5488B777D4BD}" dt="2020-09-22T13:39:28.298" v="138" actId="14100"/>
-          <ac:cxnSpMkLst>
-            <pc:docMk/>
-            <pc:sldMk cId="3705756631" sldId="300"/>
-            <ac:cxnSpMk id="13" creationId="{7F2977E9-F9B1-0644-931A-CE158F3CAECE}"/>
-          </ac:cxnSpMkLst>
-        </pc:cxnChg>
-      </pc:sldChg>
-      <pc:sldChg chg="modSp">
-        <pc:chgData name="Long B Nguyen" userId="f59fb8f3-a021-417a-8bc1-65c8d471c621" providerId="ADAL" clId="{0A2D55A0-81A8-4E44-855B-5488B777D4BD}" dt="2020-09-24T11:45:02.282" v="277" actId="113"/>
-        <pc:sldMkLst>
-          <pc:docMk/>
-          <pc:sldMk cId="3618694306" sldId="301"/>
-        </pc:sldMkLst>
-        <pc:spChg chg="mod">
-          <ac:chgData name="Long B Nguyen" userId="f59fb8f3-a021-417a-8bc1-65c8d471c621" providerId="ADAL" clId="{0A2D55A0-81A8-4E44-855B-5488B777D4BD}" dt="2020-09-24T11:45:02.282" v="277" actId="113"/>
-          <ac:spMkLst>
-            <pc:docMk/>
-            <pc:sldMk cId="3618694306" sldId="301"/>
-            <ac:spMk id="9" creationId="{E3B2E017-30B2-884B-A113-B419A2ED51AD}"/>
-          </ac:spMkLst>
-        </pc:spChg>
-      </pc:sldChg>
-      <pc:sldChg chg="modSp mod">
-        <pc:chgData name="Long B Nguyen" userId="f59fb8f3-a021-417a-8bc1-65c8d471c621" providerId="ADAL" clId="{0A2D55A0-81A8-4E44-855B-5488B777D4BD}" dt="2020-09-24T11:47:44.276" v="418" actId="20577"/>
-        <pc:sldMkLst>
-          <pc:docMk/>
-          <pc:sldMk cId="2064379448" sldId="302"/>
-        </pc:sldMkLst>
-        <pc:spChg chg="mod">
-          <ac:chgData name="Long B Nguyen" userId="f59fb8f3-a021-417a-8bc1-65c8d471c621" providerId="ADAL" clId="{0A2D55A0-81A8-4E44-855B-5488B777D4BD}" dt="2020-09-24T11:47:44.276" v="418" actId="20577"/>
-          <ac:spMkLst>
-            <pc:docMk/>
-            <pc:sldMk cId="2064379448" sldId="302"/>
-            <ac:spMk id="9" creationId="{E3B2E017-30B2-884B-A113-B419A2ED51AD}"/>
-          </ac:spMkLst>
-        </pc:spChg>
       </pc:sldChg>
     </pc:docChg>
   </pc:docChgLst>
@@ -2624,6 +2137,392 @@
     </pc:docChg>
   </pc:docChgLst>
   <pc:docChgLst>
+    <pc:chgData name="Long B Nguyen" userId="f59fb8f3-a021-417a-8bc1-65c8d471c621" providerId="ADAL" clId="{0A2D55A0-81A8-4E44-855B-5488B777D4BD}"/>
+    <pc:docChg chg="modSld">
+      <pc:chgData name="Long B Nguyen" userId="f59fb8f3-a021-417a-8bc1-65c8d471c621" providerId="ADAL" clId="{0A2D55A0-81A8-4E44-855B-5488B777D4BD}" dt="2020-09-24T11:47:44.276" v="418" actId="20577"/>
+      <pc:docMkLst>
+        <pc:docMk/>
+      </pc:docMkLst>
+      <pc:sldChg chg="modSp modAnim">
+        <pc:chgData name="Long B Nguyen" userId="f59fb8f3-a021-417a-8bc1-65c8d471c621" providerId="ADAL" clId="{0A2D55A0-81A8-4E44-855B-5488B777D4BD}" dt="2020-09-22T13:34:32.844" v="130" actId="20577"/>
+        <pc:sldMkLst>
+          <pc:docMk/>
+          <pc:sldMk cId="2207246265" sldId="257"/>
+        </pc:sldMkLst>
+        <pc:spChg chg="mod">
+          <ac:chgData name="Long B Nguyen" userId="f59fb8f3-a021-417a-8bc1-65c8d471c621" providerId="ADAL" clId="{0A2D55A0-81A8-4E44-855B-5488B777D4BD}" dt="2020-09-22T13:34:32.844" v="130" actId="20577"/>
+          <ac:spMkLst>
+            <pc:docMk/>
+            <pc:sldMk cId="2207246265" sldId="257"/>
+            <ac:spMk id="9" creationId="{E3B2E017-30B2-884B-A113-B419A2ED51AD}"/>
+          </ac:spMkLst>
+        </pc:spChg>
+      </pc:sldChg>
+      <pc:sldChg chg="modSp">
+        <pc:chgData name="Long B Nguyen" userId="f59fb8f3-a021-417a-8bc1-65c8d471c621" providerId="ADAL" clId="{0A2D55A0-81A8-4E44-855B-5488B777D4BD}" dt="2020-09-24T11:45:20.841" v="278" actId="113"/>
+        <pc:sldMkLst>
+          <pc:docMk/>
+          <pc:sldMk cId="3625497833" sldId="265"/>
+        </pc:sldMkLst>
+        <pc:spChg chg="mod">
+          <ac:chgData name="Long B Nguyen" userId="f59fb8f3-a021-417a-8bc1-65c8d471c621" providerId="ADAL" clId="{0A2D55A0-81A8-4E44-855B-5488B777D4BD}" dt="2020-09-24T11:45:20.841" v="278" actId="113"/>
+          <ac:spMkLst>
+            <pc:docMk/>
+            <pc:sldMk cId="3625497833" sldId="265"/>
+            <ac:spMk id="9" creationId="{E3B2E017-30B2-884B-A113-B419A2ED51AD}"/>
+          </ac:spMkLst>
+        </pc:spChg>
+      </pc:sldChg>
+      <pc:sldChg chg="modSp">
+        <pc:chgData name="Long B Nguyen" userId="f59fb8f3-a021-417a-8bc1-65c8d471c621" providerId="ADAL" clId="{0A2D55A0-81A8-4E44-855B-5488B777D4BD}" dt="2020-09-24T11:45:34.022" v="279" actId="113"/>
+        <pc:sldMkLst>
+          <pc:docMk/>
+          <pc:sldMk cId="4224307978" sldId="270"/>
+        </pc:sldMkLst>
+        <pc:spChg chg="mod">
+          <ac:chgData name="Long B Nguyen" userId="f59fb8f3-a021-417a-8bc1-65c8d471c621" providerId="ADAL" clId="{0A2D55A0-81A8-4E44-855B-5488B777D4BD}" dt="2020-09-24T11:45:34.022" v="279" actId="113"/>
+          <ac:spMkLst>
+            <pc:docMk/>
+            <pc:sldMk cId="4224307978" sldId="270"/>
+            <ac:spMk id="9" creationId="{E3B2E017-30B2-884B-A113-B419A2ED51AD}"/>
+          </ac:spMkLst>
+        </pc:spChg>
+      </pc:sldChg>
+      <pc:sldChg chg="modSp">
+        <pc:chgData name="Long B Nguyen" userId="f59fb8f3-a021-417a-8bc1-65c8d471c621" providerId="ADAL" clId="{0A2D55A0-81A8-4E44-855B-5488B777D4BD}" dt="2020-09-24T11:45:51.041" v="280" actId="113"/>
+        <pc:sldMkLst>
+          <pc:docMk/>
+          <pc:sldMk cId="2130507588" sldId="271"/>
+        </pc:sldMkLst>
+        <pc:spChg chg="mod">
+          <ac:chgData name="Long B Nguyen" userId="f59fb8f3-a021-417a-8bc1-65c8d471c621" providerId="ADAL" clId="{0A2D55A0-81A8-4E44-855B-5488B777D4BD}" dt="2020-09-24T11:45:51.041" v="280" actId="113"/>
+          <ac:spMkLst>
+            <pc:docMk/>
+            <pc:sldMk cId="2130507588" sldId="271"/>
+            <ac:spMk id="9" creationId="{E3B2E017-30B2-884B-A113-B419A2ED51AD}"/>
+          </ac:spMkLst>
+        </pc:spChg>
+      </pc:sldChg>
+      <pc:sldChg chg="modSp">
+        <pc:chgData name="Long B Nguyen" userId="f59fb8f3-a021-417a-8bc1-65c8d471c621" providerId="ADAL" clId="{0A2D55A0-81A8-4E44-855B-5488B777D4BD}" dt="2020-09-24T11:24:03.241" v="154" actId="113"/>
+        <pc:sldMkLst>
+          <pc:docMk/>
+          <pc:sldMk cId="587435069" sldId="272"/>
+        </pc:sldMkLst>
+        <pc:spChg chg="mod">
+          <ac:chgData name="Long B Nguyen" userId="f59fb8f3-a021-417a-8bc1-65c8d471c621" providerId="ADAL" clId="{0A2D55A0-81A8-4E44-855B-5488B777D4BD}" dt="2020-09-24T11:24:03.241" v="154" actId="113"/>
+          <ac:spMkLst>
+            <pc:docMk/>
+            <pc:sldMk cId="587435069" sldId="272"/>
+            <ac:spMk id="9" creationId="{E3B2E017-30B2-884B-A113-B419A2ED51AD}"/>
+          </ac:spMkLst>
+        </pc:spChg>
+      </pc:sldChg>
+      <pc:sldChg chg="modSp">
+        <pc:chgData name="Long B Nguyen" userId="f59fb8f3-a021-417a-8bc1-65c8d471c621" providerId="ADAL" clId="{0A2D55A0-81A8-4E44-855B-5488B777D4BD}" dt="2020-09-22T04:40:52.026" v="101" actId="20577"/>
+        <pc:sldMkLst>
+          <pc:docMk/>
+          <pc:sldMk cId="2925367410" sldId="280"/>
+        </pc:sldMkLst>
+        <pc:spChg chg="mod">
+          <ac:chgData name="Long B Nguyen" userId="f59fb8f3-a021-417a-8bc1-65c8d471c621" providerId="ADAL" clId="{0A2D55A0-81A8-4E44-855B-5488B777D4BD}" dt="2020-09-22T04:40:52.026" v="101" actId="20577"/>
+          <ac:spMkLst>
+            <pc:docMk/>
+            <pc:sldMk cId="2925367410" sldId="280"/>
+            <ac:spMk id="9" creationId="{E3B2E017-30B2-884B-A113-B419A2ED51AD}"/>
+          </ac:spMkLst>
+        </pc:spChg>
+      </pc:sldChg>
+      <pc:sldChg chg="modSp">
+        <pc:chgData name="Long B Nguyen" userId="f59fb8f3-a021-417a-8bc1-65c8d471c621" providerId="ADAL" clId="{0A2D55A0-81A8-4E44-855B-5488B777D4BD}" dt="2020-09-24T11:23:44.909" v="153" actId="113"/>
+        <pc:sldMkLst>
+          <pc:docMk/>
+          <pc:sldMk cId="2119170476" sldId="281"/>
+        </pc:sldMkLst>
+        <pc:spChg chg="mod">
+          <ac:chgData name="Long B Nguyen" userId="f59fb8f3-a021-417a-8bc1-65c8d471c621" providerId="ADAL" clId="{0A2D55A0-81A8-4E44-855B-5488B777D4BD}" dt="2020-09-24T11:23:44.909" v="153" actId="113"/>
+          <ac:spMkLst>
+            <pc:docMk/>
+            <pc:sldMk cId="2119170476" sldId="281"/>
+            <ac:spMk id="9" creationId="{E3B2E017-30B2-884B-A113-B419A2ED51AD}"/>
+          </ac:spMkLst>
+        </pc:spChg>
+      </pc:sldChg>
+      <pc:sldChg chg="modSp">
+        <pc:chgData name="Long B Nguyen" userId="f59fb8f3-a021-417a-8bc1-65c8d471c621" providerId="ADAL" clId="{0A2D55A0-81A8-4E44-855B-5488B777D4BD}" dt="2020-09-22T13:32:11.637" v="120" actId="20577"/>
+        <pc:sldMkLst>
+          <pc:docMk/>
+          <pc:sldMk cId="558223950" sldId="285"/>
+        </pc:sldMkLst>
+        <pc:spChg chg="mod">
+          <ac:chgData name="Long B Nguyen" userId="f59fb8f3-a021-417a-8bc1-65c8d471c621" providerId="ADAL" clId="{0A2D55A0-81A8-4E44-855B-5488B777D4BD}" dt="2020-09-22T13:32:11.637" v="120" actId="20577"/>
+          <ac:spMkLst>
+            <pc:docMk/>
+            <pc:sldMk cId="558223950" sldId="285"/>
+            <ac:spMk id="9" creationId="{E3B2E017-30B2-884B-A113-B419A2ED51AD}"/>
+          </ac:spMkLst>
+        </pc:spChg>
+      </pc:sldChg>
+      <pc:sldChg chg="modSp mod modAnim">
+        <pc:chgData name="Long B Nguyen" userId="f59fb8f3-a021-417a-8bc1-65c8d471c621" providerId="ADAL" clId="{0A2D55A0-81A8-4E44-855B-5488B777D4BD}" dt="2020-09-24T11:46:06.195" v="281" actId="113"/>
+        <pc:sldMkLst>
+          <pc:docMk/>
+          <pc:sldMk cId="3711861066" sldId="295"/>
+        </pc:sldMkLst>
+        <pc:spChg chg="mod">
+          <ac:chgData name="Long B Nguyen" userId="f59fb8f3-a021-417a-8bc1-65c8d471c621" providerId="ADAL" clId="{0A2D55A0-81A8-4E44-855B-5488B777D4BD}" dt="2020-09-24T11:46:06.195" v="281" actId="113"/>
+          <ac:spMkLst>
+            <pc:docMk/>
+            <pc:sldMk cId="3711861066" sldId="295"/>
+            <ac:spMk id="9" creationId="{E3B2E017-30B2-884B-A113-B419A2ED51AD}"/>
+          </ac:spMkLst>
+        </pc:spChg>
+      </pc:sldChg>
+      <pc:sldChg chg="addSp modSp mod modAnim">
+        <pc:chgData name="Long B Nguyen" userId="f59fb8f3-a021-417a-8bc1-65c8d471c621" providerId="ADAL" clId="{0A2D55A0-81A8-4E44-855B-5488B777D4BD}" dt="2020-09-22T13:39:28.298" v="138" actId="14100"/>
+        <pc:sldMkLst>
+          <pc:docMk/>
+          <pc:sldMk cId="3705756631" sldId="300"/>
+        </pc:sldMkLst>
+        <pc:cxnChg chg="mod">
+          <ac:chgData name="Long B Nguyen" userId="f59fb8f3-a021-417a-8bc1-65c8d471c621" providerId="ADAL" clId="{0A2D55A0-81A8-4E44-855B-5488B777D4BD}" dt="2020-09-22T13:38:57.311" v="131" actId="14100"/>
+          <ac:cxnSpMkLst>
+            <pc:docMk/>
+            <pc:sldMk cId="3705756631" sldId="300"/>
+            <ac:cxnSpMk id="12" creationId="{9E356615-13B9-8146-8C06-5A99446B4AB7}"/>
+          </ac:cxnSpMkLst>
+        </pc:cxnChg>
+        <pc:cxnChg chg="add mod">
+          <ac:chgData name="Long B Nguyen" userId="f59fb8f3-a021-417a-8bc1-65c8d471c621" providerId="ADAL" clId="{0A2D55A0-81A8-4E44-855B-5488B777D4BD}" dt="2020-09-22T13:39:28.298" v="138" actId="14100"/>
+          <ac:cxnSpMkLst>
+            <pc:docMk/>
+            <pc:sldMk cId="3705756631" sldId="300"/>
+            <ac:cxnSpMk id="13" creationId="{7F2977E9-F9B1-0644-931A-CE158F3CAECE}"/>
+          </ac:cxnSpMkLst>
+        </pc:cxnChg>
+      </pc:sldChg>
+      <pc:sldChg chg="modSp">
+        <pc:chgData name="Long B Nguyen" userId="f59fb8f3-a021-417a-8bc1-65c8d471c621" providerId="ADAL" clId="{0A2D55A0-81A8-4E44-855B-5488B777D4BD}" dt="2020-09-24T11:45:02.282" v="277" actId="113"/>
+        <pc:sldMkLst>
+          <pc:docMk/>
+          <pc:sldMk cId="3618694306" sldId="301"/>
+        </pc:sldMkLst>
+        <pc:spChg chg="mod">
+          <ac:chgData name="Long B Nguyen" userId="f59fb8f3-a021-417a-8bc1-65c8d471c621" providerId="ADAL" clId="{0A2D55A0-81A8-4E44-855B-5488B777D4BD}" dt="2020-09-24T11:45:02.282" v="277" actId="113"/>
+          <ac:spMkLst>
+            <pc:docMk/>
+            <pc:sldMk cId="3618694306" sldId="301"/>
+            <ac:spMk id="9" creationId="{E3B2E017-30B2-884B-A113-B419A2ED51AD}"/>
+          </ac:spMkLst>
+        </pc:spChg>
+      </pc:sldChg>
+      <pc:sldChg chg="modSp mod">
+        <pc:chgData name="Long B Nguyen" userId="f59fb8f3-a021-417a-8bc1-65c8d471c621" providerId="ADAL" clId="{0A2D55A0-81A8-4E44-855B-5488B777D4BD}" dt="2020-09-24T11:47:44.276" v="418" actId="20577"/>
+        <pc:sldMkLst>
+          <pc:docMk/>
+          <pc:sldMk cId="2064379448" sldId="302"/>
+        </pc:sldMkLst>
+        <pc:spChg chg="mod">
+          <ac:chgData name="Long B Nguyen" userId="f59fb8f3-a021-417a-8bc1-65c8d471c621" providerId="ADAL" clId="{0A2D55A0-81A8-4E44-855B-5488B777D4BD}" dt="2020-09-24T11:47:44.276" v="418" actId="20577"/>
+          <ac:spMkLst>
+            <pc:docMk/>
+            <pc:sldMk cId="2064379448" sldId="302"/>
+            <ac:spMk id="9" creationId="{E3B2E017-30B2-884B-A113-B419A2ED51AD}"/>
+          </ac:spMkLst>
+        </pc:spChg>
+      </pc:sldChg>
+    </pc:docChg>
+  </pc:docChgLst>
+  <pc:docChgLst>
+    <pc:chgData name="Long B Nguyen" userId="f59fb8f3-a021-417a-8bc1-65c8d471c621" providerId="ADAL" clId="{EFBCD846-B2A3-1B4C-B729-1BDD8BB3398F}"/>
+    <pc:docChg chg="custSel addSld delSld modSld">
+      <pc:chgData name="Long B Nguyen" userId="f59fb8f3-a021-417a-8bc1-65c8d471c621" providerId="ADAL" clId="{EFBCD846-B2A3-1B4C-B729-1BDD8BB3398F}" dt="2019-06-15T13:28:52.721" v="979" actId="20577"/>
+      <pc:docMkLst>
+        <pc:docMk/>
+      </pc:docMkLst>
+      <pc:sldChg chg="modSp">
+        <pc:chgData name="Long B Nguyen" userId="f59fb8f3-a021-417a-8bc1-65c8d471c621" providerId="ADAL" clId="{EFBCD846-B2A3-1B4C-B729-1BDD8BB3398F}" dt="2019-06-15T13:28:52.721" v="979" actId="20577"/>
+        <pc:sldMkLst>
+          <pc:docMk/>
+          <pc:sldMk cId="2207246265" sldId="257"/>
+        </pc:sldMkLst>
+        <pc:spChg chg="mod">
+          <ac:chgData name="Long B Nguyen" userId="f59fb8f3-a021-417a-8bc1-65c8d471c621" providerId="ADAL" clId="{EFBCD846-B2A3-1B4C-B729-1BDD8BB3398F}" dt="2019-06-15T13:28:52.721" v="979" actId="20577"/>
+          <ac:spMkLst>
+            <pc:docMk/>
+            <pc:sldMk cId="2207246265" sldId="257"/>
+            <ac:spMk id="9" creationId="{E3B2E017-30B2-884B-A113-B419A2ED51AD}"/>
+          </ac:spMkLst>
+        </pc:spChg>
+      </pc:sldChg>
+      <pc:sldChg chg="delSp modSp">
+        <pc:chgData name="Long B Nguyen" userId="f59fb8f3-a021-417a-8bc1-65c8d471c621" providerId="ADAL" clId="{EFBCD846-B2A3-1B4C-B729-1BDD8BB3398F}" dt="2019-06-15T12:37:48.814" v="503" actId="20577"/>
+        <pc:sldMkLst>
+          <pc:docMk/>
+          <pc:sldMk cId="4103067120" sldId="261"/>
+        </pc:sldMkLst>
+        <pc:spChg chg="del">
+          <ac:chgData name="Long B Nguyen" userId="f59fb8f3-a021-417a-8bc1-65c8d471c621" providerId="ADAL" clId="{EFBCD846-B2A3-1B4C-B729-1BDD8BB3398F}" dt="2019-06-15T12:33:20.052" v="122" actId="478"/>
+          <ac:spMkLst>
+            <pc:docMk/>
+            <pc:sldMk cId="4103067120" sldId="261"/>
+            <ac:spMk id="6" creationId="{76E456FD-D331-974E-9966-139D852DE6B8}"/>
+          </ac:spMkLst>
+        </pc:spChg>
+        <pc:spChg chg="mod">
+          <ac:chgData name="Long B Nguyen" userId="f59fb8f3-a021-417a-8bc1-65c8d471c621" providerId="ADAL" clId="{EFBCD846-B2A3-1B4C-B729-1BDD8BB3398F}" dt="2019-06-15T12:37:48.814" v="503" actId="20577"/>
+          <ac:spMkLst>
+            <pc:docMk/>
+            <pc:sldMk cId="4103067120" sldId="261"/>
+            <ac:spMk id="9" creationId="{E3B2E017-30B2-884B-A113-B419A2ED51AD}"/>
+          </ac:spMkLst>
+        </pc:spChg>
+        <pc:picChg chg="del">
+          <ac:chgData name="Long B Nguyen" userId="f59fb8f3-a021-417a-8bc1-65c8d471c621" providerId="ADAL" clId="{EFBCD846-B2A3-1B4C-B729-1BDD8BB3398F}" dt="2019-06-15T12:32:55.159" v="19" actId="478"/>
+          <ac:picMkLst>
+            <pc:docMk/>
+            <pc:sldMk cId="4103067120" sldId="261"/>
+            <ac:picMk id="4" creationId="{83CF82C8-FC88-4642-A338-FD014F4CAC2D}"/>
+          </ac:picMkLst>
+        </pc:picChg>
+        <pc:picChg chg="del">
+          <ac:chgData name="Long B Nguyen" userId="f59fb8f3-a021-417a-8bc1-65c8d471c621" providerId="ADAL" clId="{EFBCD846-B2A3-1B4C-B729-1BDD8BB3398F}" dt="2019-06-15T12:33:47.423" v="200" actId="478"/>
+          <ac:picMkLst>
+            <pc:docMk/>
+            <pc:sldMk cId="4103067120" sldId="261"/>
+            <ac:picMk id="5" creationId="{703FD9BD-7F29-8C40-B080-09EE1CB5D9E1}"/>
+          </ac:picMkLst>
+        </pc:picChg>
+      </pc:sldChg>
+      <pc:sldChg chg="addSp delSp modSp add">
+        <pc:chgData name="Long B Nguyen" userId="f59fb8f3-a021-417a-8bc1-65c8d471c621" providerId="ADAL" clId="{EFBCD846-B2A3-1B4C-B729-1BDD8BB3398F}" dt="2019-06-15T12:53:05.508" v="927" actId="1076"/>
+        <pc:sldMkLst>
+          <pc:docMk/>
+          <pc:sldMk cId="905114398" sldId="264"/>
+        </pc:sldMkLst>
+        <pc:spChg chg="add mod">
+          <ac:chgData name="Long B Nguyen" userId="f59fb8f3-a021-417a-8bc1-65c8d471c621" providerId="ADAL" clId="{EFBCD846-B2A3-1B4C-B729-1BDD8BB3398F}" dt="2019-06-15T12:52:08.118" v="852" actId="20577"/>
+          <ac:spMkLst>
+            <pc:docMk/>
+            <pc:sldMk cId="905114398" sldId="264"/>
+            <ac:spMk id="3" creationId="{9851CEEB-B8D2-EA41-9A10-1BC744107E4C}"/>
+          </ac:spMkLst>
+        </pc:spChg>
+        <pc:spChg chg="add mod">
+          <ac:chgData name="Long B Nguyen" userId="f59fb8f3-a021-417a-8bc1-65c8d471c621" providerId="ADAL" clId="{EFBCD846-B2A3-1B4C-B729-1BDD8BB3398F}" dt="2019-06-15T12:52:32.879" v="864" actId="1076"/>
+          <ac:spMkLst>
+            <pc:docMk/>
+            <pc:sldMk cId="905114398" sldId="264"/>
+            <ac:spMk id="5" creationId="{3E8F7CED-693F-5A43-87EB-5E21C02FDA13}"/>
+          </ac:spMkLst>
+        </pc:spChg>
+        <pc:spChg chg="add mod">
+          <ac:chgData name="Long B Nguyen" userId="f59fb8f3-a021-417a-8bc1-65c8d471c621" providerId="ADAL" clId="{EFBCD846-B2A3-1B4C-B729-1BDD8BB3398F}" dt="2019-06-15T12:52:47.831" v="922" actId="20577"/>
+          <ac:spMkLst>
+            <pc:docMk/>
+            <pc:sldMk cId="905114398" sldId="264"/>
+            <ac:spMk id="7" creationId="{C56845F4-C671-F849-8613-50BD132A5D50}"/>
+          </ac:spMkLst>
+        </pc:spChg>
+        <pc:spChg chg="mod">
+          <ac:chgData name="Long B Nguyen" userId="f59fb8f3-a021-417a-8bc1-65c8d471c621" providerId="ADAL" clId="{EFBCD846-B2A3-1B4C-B729-1BDD8BB3398F}" dt="2019-06-15T12:44:37.697" v="710" actId="20577"/>
+          <ac:spMkLst>
+            <pc:docMk/>
+            <pc:sldMk cId="905114398" sldId="264"/>
+            <ac:spMk id="9" creationId="{E3B2E017-30B2-884B-A113-B419A2ED51AD}"/>
+          </ac:spMkLst>
+        </pc:spChg>
+        <pc:picChg chg="add mod">
+          <ac:chgData name="Long B Nguyen" userId="f59fb8f3-a021-417a-8bc1-65c8d471c621" providerId="ADAL" clId="{EFBCD846-B2A3-1B4C-B729-1BDD8BB3398F}" dt="2019-06-15T12:53:05.508" v="927" actId="1076"/>
+          <ac:picMkLst>
+            <pc:docMk/>
+            <pc:sldMk cId="905114398" sldId="264"/>
+            <ac:picMk id="6" creationId="{4FD3269E-CE30-EB4E-AFDF-1494248BF8F8}"/>
+          </ac:picMkLst>
+        </pc:picChg>
+        <pc:picChg chg="add del mod">
+          <ac:chgData name="Long B Nguyen" userId="f59fb8f3-a021-417a-8bc1-65c8d471c621" providerId="ADAL" clId="{EFBCD846-B2A3-1B4C-B729-1BDD8BB3398F}" dt="2019-06-15T12:53:00.696" v="926" actId="478"/>
+          <ac:picMkLst>
+            <pc:docMk/>
+            <pc:sldMk cId="905114398" sldId="264"/>
+            <ac:picMk id="8" creationId="{F0F0B752-3555-A843-B5E5-0B49E86B4389}"/>
+          </ac:picMkLst>
+        </pc:picChg>
+        <pc:picChg chg="add del mod">
+          <ac:chgData name="Long B Nguyen" userId="f59fb8f3-a021-417a-8bc1-65c8d471c621" providerId="ADAL" clId="{EFBCD846-B2A3-1B4C-B729-1BDD8BB3398F}" dt="2019-06-15T12:52:59.443" v="925" actId="478"/>
+          <ac:picMkLst>
+            <pc:docMk/>
+            <pc:sldMk cId="905114398" sldId="264"/>
+            <ac:picMk id="10" creationId="{3FFB2B8C-F15D-4541-8E74-DEB48CBE078C}"/>
+          </ac:picMkLst>
+        </pc:picChg>
+      </pc:sldChg>
+      <pc:sldChg chg="addSp delSp modSp add">
+        <pc:chgData name="Long B Nguyen" userId="f59fb8f3-a021-417a-8bc1-65c8d471c621" providerId="ADAL" clId="{EFBCD846-B2A3-1B4C-B729-1BDD8BB3398F}" dt="2019-06-15T12:44:43.357" v="712" actId="20577"/>
+        <pc:sldMkLst>
+          <pc:docMk/>
+          <pc:sldMk cId="2081483973" sldId="296"/>
+        </pc:sldMkLst>
+        <pc:spChg chg="mod">
+          <ac:chgData name="Long B Nguyen" userId="f59fb8f3-a021-417a-8bc1-65c8d471c621" providerId="ADAL" clId="{EFBCD846-B2A3-1B4C-B729-1BDD8BB3398F}" dt="2019-06-15T12:40:46.852" v="572" actId="20577"/>
+          <ac:spMkLst>
+            <pc:docMk/>
+            <pc:sldMk cId="2081483973" sldId="296"/>
+            <ac:spMk id="6" creationId="{76E456FD-D331-974E-9966-139D852DE6B8}"/>
+          </ac:spMkLst>
+        </pc:spChg>
+        <pc:spChg chg="mod">
+          <ac:chgData name="Long B Nguyen" userId="f59fb8f3-a021-417a-8bc1-65c8d471c621" providerId="ADAL" clId="{EFBCD846-B2A3-1B4C-B729-1BDD8BB3398F}" dt="2019-06-15T12:44:43.357" v="712" actId="20577"/>
+          <ac:spMkLst>
+            <pc:docMk/>
+            <pc:sldMk cId="2081483973" sldId="296"/>
+            <ac:spMk id="9" creationId="{E3B2E017-30B2-884B-A113-B419A2ED51AD}"/>
+          </ac:spMkLst>
+        </pc:spChg>
+        <pc:picChg chg="add mod">
+          <ac:chgData name="Long B Nguyen" userId="f59fb8f3-a021-417a-8bc1-65c8d471c621" providerId="ADAL" clId="{EFBCD846-B2A3-1B4C-B729-1BDD8BB3398F}" dt="2019-06-15T12:40:50.154" v="588" actId="1035"/>
+          <ac:picMkLst>
+            <pc:docMk/>
+            <pc:sldMk cId="2081483973" sldId="296"/>
+            <ac:picMk id="3" creationId="{9A8E9CD0-D9B3-8E4C-9599-C519FA3BF22B}"/>
+          </ac:picMkLst>
+        </pc:picChg>
+        <pc:picChg chg="del mod">
+          <ac:chgData name="Long B Nguyen" userId="f59fb8f3-a021-417a-8bc1-65c8d471c621" providerId="ADAL" clId="{EFBCD846-B2A3-1B4C-B729-1BDD8BB3398F}" dt="2019-06-15T12:38:05.510" v="504" actId="478"/>
+          <ac:picMkLst>
+            <pc:docMk/>
+            <pc:sldMk cId="2081483973" sldId="296"/>
+            <ac:picMk id="4" creationId="{83CF82C8-FC88-4642-A338-FD014F4CAC2D}"/>
+          </ac:picMkLst>
+        </pc:picChg>
+        <pc:picChg chg="del mod">
+          <ac:chgData name="Long B Nguyen" userId="f59fb8f3-a021-417a-8bc1-65c8d471c621" providerId="ADAL" clId="{EFBCD846-B2A3-1B4C-B729-1BDD8BB3398F}" dt="2019-06-15T12:39:38.481" v="556" actId="478"/>
+          <ac:picMkLst>
+            <pc:docMk/>
+            <pc:sldMk cId="2081483973" sldId="296"/>
+            <ac:picMk id="5" creationId="{703FD9BD-7F29-8C40-B080-09EE1CB5D9E1}"/>
+          </ac:picMkLst>
+        </pc:picChg>
+        <pc:picChg chg="add mod">
+          <ac:chgData name="Long B Nguyen" userId="f59fb8f3-a021-417a-8bc1-65c8d471c621" providerId="ADAL" clId="{EFBCD846-B2A3-1B4C-B729-1BDD8BB3398F}" dt="2019-06-15T12:40:52.555" v="597" actId="1035"/>
+          <ac:picMkLst>
+            <pc:docMk/>
+            <pc:sldMk cId="2081483973" sldId="296"/>
+            <ac:picMk id="7" creationId="{09184722-0D16-5E47-A514-4348651A24BB}"/>
+          </ac:picMkLst>
+        </pc:picChg>
+        <pc:picChg chg="add mod">
+          <ac:chgData name="Long B Nguyen" userId="f59fb8f3-a021-417a-8bc1-65c8d471c621" providerId="ADAL" clId="{EFBCD846-B2A3-1B4C-B729-1BDD8BB3398F}" dt="2019-06-15T12:41:30.254" v="602" actId="1076"/>
+          <ac:picMkLst>
+            <pc:docMk/>
+            <pc:sldMk cId="2081483973" sldId="296"/>
+            <ac:picMk id="8" creationId="{778F82F4-110D-C843-8F5C-71BDAE030887}"/>
+          </ac:picMkLst>
+        </pc:picChg>
+      </pc:sldChg>
+    </pc:docChg>
+  </pc:docChgLst>
+  <pc:docChgLst>
     <pc:chgData name="Long B Nguyen" userId="f59fb8f3-a021-417a-8bc1-65c8d471c621" providerId="ADAL" clId="{1AE11430-C232-BB4B-AD26-649DB56977B5}"/>
     <pc:docChg chg="undo redo custSel addSld delSld modSld">
       <pc:chgData name="Long B Nguyen" userId="f59fb8f3-a021-417a-8bc1-65c8d471c621" providerId="ADAL" clId="{1AE11430-C232-BB4B-AD26-649DB56977B5}" dt="2019-09-09T17:47:35.004" v="3847" actId="20577"/>
@@ -3176,6 +3075,214 @@
         <pc:sldMkLst>
           <pc:docMk/>
           <pc:sldMk cId="1735411058" sldId="304"/>
+        </pc:sldMkLst>
+      </pc:sldChg>
+    </pc:docChg>
+  </pc:docChgLst>
+  <pc:docChgLst>
+    <pc:chgData name="Long B Nguyen" userId="f59fb8f3-a021-417a-8bc1-65c8d471c621" providerId="ADAL" clId="{982D8422-27A6-2341-A334-6D849435CBA4}"/>
+    <pc:docChg chg="modSld">
+      <pc:chgData name="Long B Nguyen" userId="f59fb8f3-a021-417a-8bc1-65c8d471c621" providerId="ADAL" clId="{982D8422-27A6-2341-A334-6D849435CBA4}" dt="2021-04-27T16:03:10.998" v="39" actId="20577"/>
+      <pc:docMkLst>
+        <pc:docMk/>
+      </pc:docMkLst>
+      <pc:sldChg chg="modSp modAnim">
+        <pc:chgData name="Long B Nguyen" userId="f59fb8f3-a021-417a-8bc1-65c8d471c621" providerId="ADAL" clId="{982D8422-27A6-2341-A334-6D849435CBA4}" dt="2021-04-27T16:03:10.998" v="39" actId="20577"/>
+        <pc:sldMkLst>
+          <pc:docMk/>
+          <pc:sldMk cId="3290810672" sldId="269"/>
+        </pc:sldMkLst>
+        <pc:spChg chg="mod">
+          <ac:chgData name="Long B Nguyen" userId="f59fb8f3-a021-417a-8bc1-65c8d471c621" providerId="ADAL" clId="{982D8422-27A6-2341-A334-6D849435CBA4}" dt="2021-04-27T16:03:10.998" v="39" actId="20577"/>
+          <ac:spMkLst>
+            <pc:docMk/>
+            <pc:sldMk cId="3290810672" sldId="269"/>
+            <ac:spMk id="9" creationId="{E3B2E017-30B2-884B-A113-B419A2ED51AD}"/>
+          </ac:spMkLst>
+        </pc:spChg>
+      </pc:sldChg>
+    </pc:docChg>
+  </pc:docChgLst>
+  <pc:docChgLst>
+    <pc:chgData name="Long Nguyen" userId="f59fb8f3-a021-417a-8bc1-65c8d471c621" providerId="ADAL" clId="{CB082C36-5107-ED4F-B3BA-8DB361145455}"/>
+    <pc:docChg chg="custSel addSld delSld modSld">
+      <pc:chgData name="Long Nguyen" userId="f59fb8f3-a021-417a-8bc1-65c8d471c621" providerId="ADAL" clId="{CB082C36-5107-ED4F-B3BA-8DB361145455}" dt="2022-09-08T13:42:15.123" v="307" actId="207"/>
+      <pc:docMkLst>
+        <pc:docMk/>
+      </pc:docMkLst>
+      <pc:sldChg chg="modSp mod">
+        <pc:chgData name="Long Nguyen" userId="f59fb8f3-a021-417a-8bc1-65c8d471c621" providerId="ADAL" clId="{CB082C36-5107-ED4F-B3BA-8DB361145455}" dt="2022-09-08T13:21:30.483" v="52" actId="27636"/>
+        <pc:sldMkLst>
+          <pc:docMk/>
+          <pc:sldMk cId="3016287638" sldId="307"/>
+        </pc:sldMkLst>
+        <pc:spChg chg="mod">
+          <ac:chgData name="Long Nguyen" userId="f59fb8f3-a021-417a-8bc1-65c8d471c621" providerId="ADAL" clId="{CB082C36-5107-ED4F-B3BA-8DB361145455}" dt="2022-09-08T13:21:30.483" v="52" actId="27636"/>
+          <ac:spMkLst>
+            <pc:docMk/>
+            <pc:sldMk cId="3016287638" sldId="307"/>
+            <ac:spMk id="9" creationId="{E3B2E017-30B2-884B-A113-B419A2ED51AD}"/>
+          </ac:spMkLst>
+        </pc:spChg>
+      </pc:sldChg>
+      <pc:sldChg chg="modSp mod">
+        <pc:chgData name="Long Nguyen" userId="f59fb8f3-a021-417a-8bc1-65c8d471c621" providerId="ADAL" clId="{CB082C36-5107-ED4F-B3BA-8DB361145455}" dt="2022-09-08T13:21:30.464" v="50" actId="27636"/>
+        <pc:sldMkLst>
+          <pc:docMk/>
+          <pc:sldMk cId="273226657" sldId="551"/>
+        </pc:sldMkLst>
+        <pc:spChg chg="mod">
+          <ac:chgData name="Long Nguyen" userId="f59fb8f3-a021-417a-8bc1-65c8d471c621" providerId="ADAL" clId="{CB082C36-5107-ED4F-B3BA-8DB361145455}" dt="2022-09-08T13:21:30.464" v="50" actId="27636"/>
+          <ac:spMkLst>
+            <pc:docMk/>
+            <pc:sldMk cId="273226657" sldId="551"/>
+            <ac:spMk id="2" creationId="{893AF10F-C12D-6B4A-84C5-206A244BF7C6}"/>
+          </ac:spMkLst>
+        </pc:spChg>
+      </pc:sldChg>
+      <pc:sldChg chg="modSp mod">
+        <pc:chgData name="Long Nguyen" userId="f59fb8f3-a021-417a-8bc1-65c8d471c621" providerId="ADAL" clId="{CB082C36-5107-ED4F-B3BA-8DB361145455}" dt="2022-09-08T13:21:30.475" v="51" actId="27636"/>
+        <pc:sldMkLst>
+          <pc:docMk/>
+          <pc:sldMk cId="3067820620" sldId="552"/>
+        </pc:sldMkLst>
+        <pc:spChg chg="mod">
+          <ac:chgData name="Long Nguyen" userId="f59fb8f3-a021-417a-8bc1-65c8d471c621" providerId="ADAL" clId="{CB082C36-5107-ED4F-B3BA-8DB361145455}" dt="2022-09-08T13:21:30.475" v="51" actId="27636"/>
+          <ac:spMkLst>
+            <pc:docMk/>
+            <pc:sldMk cId="3067820620" sldId="552"/>
+            <ac:spMk id="2" creationId="{893AF10F-C12D-6B4A-84C5-206A244BF7C6}"/>
+          </ac:spMkLst>
+        </pc:spChg>
+      </pc:sldChg>
+      <pc:sldChg chg="modSp mod modAnim">
+        <pc:chgData name="Long Nguyen" userId="f59fb8f3-a021-417a-8bc1-65c8d471c621" providerId="ADAL" clId="{CB082C36-5107-ED4F-B3BA-8DB361145455}" dt="2022-09-08T13:42:15.123" v="307" actId="207"/>
+        <pc:sldMkLst>
+          <pc:docMk/>
+          <pc:sldMk cId="1352026558" sldId="553"/>
+        </pc:sldMkLst>
+        <pc:spChg chg="mod">
+          <ac:chgData name="Long Nguyen" userId="f59fb8f3-a021-417a-8bc1-65c8d471c621" providerId="ADAL" clId="{CB082C36-5107-ED4F-B3BA-8DB361145455}" dt="2022-09-08T13:42:15.123" v="307" actId="207"/>
+          <ac:spMkLst>
+            <pc:docMk/>
+            <pc:sldMk cId="1352026558" sldId="553"/>
+            <ac:spMk id="3" creationId="{8FCE7FDF-ED3A-9048-B4EB-118C748ADDB8}"/>
+          </ac:spMkLst>
+        </pc:spChg>
+      </pc:sldChg>
+      <pc:sldChg chg="modSp mod">
+        <pc:chgData name="Long Nguyen" userId="f59fb8f3-a021-417a-8bc1-65c8d471c621" providerId="ADAL" clId="{CB082C36-5107-ED4F-B3BA-8DB361145455}" dt="2022-09-08T13:21:30.503" v="53" actId="27636"/>
+        <pc:sldMkLst>
+          <pc:docMk/>
+          <pc:sldMk cId="1439554506" sldId="555"/>
+        </pc:sldMkLst>
+        <pc:spChg chg="mod">
+          <ac:chgData name="Long Nguyen" userId="f59fb8f3-a021-417a-8bc1-65c8d471c621" providerId="ADAL" clId="{CB082C36-5107-ED4F-B3BA-8DB361145455}" dt="2022-09-08T13:21:30.503" v="53" actId="27636"/>
+          <ac:spMkLst>
+            <pc:docMk/>
+            <pc:sldMk cId="1439554506" sldId="555"/>
+            <ac:spMk id="9" creationId="{E3B2E017-30B2-884B-A113-B419A2ED51AD}"/>
+          </ac:spMkLst>
+        </pc:spChg>
+      </pc:sldChg>
+      <pc:sldChg chg="modSp new del mod">
+        <pc:chgData name="Long Nguyen" userId="f59fb8f3-a021-417a-8bc1-65c8d471c621" providerId="ADAL" clId="{CB082C36-5107-ED4F-B3BA-8DB361145455}" dt="2022-09-08T13:28:39.688" v="59" actId="2696"/>
+        <pc:sldMkLst>
+          <pc:docMk/>
+          <pc:sldMk cId="3344804479" sldId="558"/>
+        </pc:sldMkLst>
+        <pc:spChg chg="mod">
+          <ac:chgData name="Long Nguyen" userId="f59fb8f3-a021-417a-8bc1-65c8d471c621" providerId="ADAL" clId="{CB082C36-5107-ED4F-B3BA-8DB361145455}" dt="2022-09-08T13:21:07.360" v="44" actId="20577"/>
+          <ac:spMkLst>
+            <pc:docMk/>
+            <pc:sldMk cId="3344804479" sldId="558"/>
+            <ac:spMk id="2" creationId="{7A1C9831-ABB1-A918-18B6-3442277C515B}"/>
+          </ac:spMkLst>
+        </pc:spChg>
+        <pc:spChg chg="mod">
+          <ac:chgData name="Long Nguyen" userId="f59fb8f3-a021-417a-8bc1-65c8d471c621" providerId="ADAL" clId="{CB082C36-5107-ED4F-B3BA-8DB361145455}" dt="2022-09-08T13:22:07.573" v="58" actId="20577"/>
+          <ac:spMkLst>
+            <pc:docMk/>
+            <pc:sldMk cId="3344804479" sldId="558"/>
+            <ac:spMk id="3" creationId="{C272F7FB-9FCB-8A8B-DEC8-29E8AEE60081}"/>
+          </ac:spMkLst>
+        </pc:spChg>
+      </pc:sldChg>
+    </pc:docChg>
+  </pc:docChgLst>
+  <pc:docChgLst>
+    <pc:chgData name="Long B Nguyen" userId="f59fb8f3-a021-417a-8bc1-65c8d471c621" providerId="ADAL" clId="{05A1C5B8-6AA9-824C-B77D-182A36FCC0A3}"/>
+    <pc:docChg chg="custSel addSld delSld modSld">
+      <pc:chgData name="Long B Nguyen" userId="f59fb8f3-a021-417a-8bc1-65c8d471c621" providerId="ADAL" clId="{05A1C5B8-6AA9-824C-B77D-182A36FCC0A3}" dt="2019-06-14T11:56:44.727" v="163" actId="1036"/>
+      <pc:docMkLst>
+        <pc:docMk/>
+      </pc:docMkLst>
+      <pc:sldChg chg="modSp">
+        <pc:chgData name="Long B Nguyen" userId="f59fb8f3-a021-417a-8bc1-65c8d471c621" providerId="ADAL" clId="{05A1C5B8-6AA9-824C-B77D-182A36FCC0A3}" dt="2019-06-14T11:54:29.924" v="134" actId="20577"/>
+        <pc:sldMkLst>
+          <pc:docMk/>
+          <pc:sldMk cId="1889908786" sldId="259"/>
+        </pc:sldMkLst>
+        <pc:spChg chg="mod">
+          <ac:chgData name="Long B Nguyen" userId="f59fb8f3-a021-417a-8bc1-65c8d471c621" providerId="ADAL" clId="{05A1C5B8-6AA9-824C-B77D-182A36FCC0A3}" dt="2019-06-14T11:54:29.924" v="134" actId="20577"/>
+          <ac:spMkLst>
+            <pc:docMk/>
+            <pc:sldMk cId="1889908786" sldId="259"/>
+            <ac:spMk id="9" creationId="{E3B2E017-30B2-884B-A113-B419A2ED51AD}"/>
+          </ac:spMkLst>
+        </pc:spChg>
+        <pc:picChg chg="mod">
+          <ac:chgData name="Long B Nguyen" userId="f59fb8f3-a021-417a-8bc1-65c8d471c621" providerId="ADAL" clId="{05A1C5B8-6AA9-824C-B77D-182A36FCC0A3}" dt="2019-06-14T11:54:03.277" v="52" actId="1036"/>
+          <ac:picMkLst>
+            <pc:docMk/>
+            <pc:sldMk cId="1889908786" sldId="259"/>
+            <ac:picMk id="4" creationId="{73F37A0B-B0EE-6844-BD8E-4A35679250DE}"/>
+          </ac:picMkLst>
+        </pc:picChg>
+      </pc:sldChg>
+      <pc:sldChg chg="modSp">
+        <pc:chgData name="Long B Nguyen" userId="f59fb8f3-a021-417a-8bc1-65c8d471c621" providerId="ADAL" clId="{05A1C5B8-6AA9-824C-B77D-182A36FCC0A3}" dt="2019-06-14T11:55:01.845" v="138" actId="313"/>
+        <pc:sldMkLst>
+          <pc:docMk/>
+          <pc:sldMk cId="558223950" sldId="285"/>
+        </pc:sldMkLst>
+        <pc:spChg chg="mod">
+          <ac:chgData name="Long B Nguyen" userId="f59fb8f3-a021-417a-8bc1-65c8d471c621" providerId="ADAL" clId="{05A1C5B8-6AA9-824C-B77D-182A36FCC0A3}" dt="2019-06-14T11:55:01.845" v="138" actId="313"/>
+          <ac:spMkLst>
+            <pc:docMk/>
+            <pc:sldMk cId="558223950" sldId="285"/>
+            <ac:spMk id="9" creationId="{E3B2E017-30B2-884B-A113-B419A2ED51AD}"/>
+          </ac:spMkLst>
+        </pc:spChg>
+      </pc:sldChg>
+      <pc:sldChg chg="modSp">
+        <pc:chgData name="Long B Nguyen" userId="f59fb8f3-a021-417a-8bc1-65c8d471c621" providerId="ADAL" clId="{05A1C5B8-6AA9-824C-B77D-182A36FCC0A3}" dt="2019-06-14T02:15:45.959" v="28" actId="20577"/>
+        <pc:sldMkLst>
+          <pc:docMk/>
+          <pc:sldMk cId="3974060782" sldId="289"/>
+        </pc:sldMkLst>
+        <pc:spChg chg="mod">
+          <ac:chgData name="Long B Nguyen" userId="f59fb8f3-a021-417a-8bc1-65c8d471c621" providerId="ADAL" clId="{05A1C5B8-6AA9-824C-B77D-182A36FCC0A3}" dt="2019-06-14T02:15:31.900" v="24" actId="20577"/>
+          <ac:spMkLst>
+            <pc:docMk/>
+            <pc:sldMk cId="3974060782" sldId="289"/>
+            <ac:spMk id="2" creationId="{6117A749-B1BA-E24B-8FB0-0604EF651FB3}"/>
+          </ac:spMkLst>
+        </pc:spChg>
+        <pc:spChg chg="mod">
+          <ac:chgData name="Long B Nguyen" userId="f59fb8f3-a021-417a-8bc1-65c8d471c621" providerId="ADAL" clId="{05A1C5B8-6AA9-824C-B77D-182A36FCC0A3}" dt="2019-06-14T02:15:45.959" v="28" actId="20577"/>
+          <ac:spMkLst>
+            <pc:docMk/>
+            <pc:sldMk cId="3974060782" sldId="289"/>
+            <ac:spMk id="3" creationId="{1BDC47C8-6776-7B44-9CD4-95FC91452D62}"/>
+          </ac:spMkLst>
+        </pc:spChg>
+      </pc:sldChg>
+      <pc:sldChg chg="add">
+        <pc:chgData name="Long B Nguyen" userId="f59fb8f3-a021-417a-8bc1-65c8d471c621" providerId="ADAL" clId="{05A1C5B8-6AA9-824C-B77D-182A36FCC0A3}" dt="2019-06-14T01:14:32.822" v="0"/>
+        <pc:sldMkLst>
+          <pc:docMk/>
+          <pc:sldMk cId="1581961275" sldId="293"/>
         </pc:sldMkLst>
       </pc:sldChg>
     </pc:docChg>
@@ -3265,7 +3372,7 @@
           <a:p>
             <a:fld id="{52977C8B-3199-9A4B-9182-F1B54ABD2553}" type="datetimeFigureOut">
               <a:rPr lang="en-US" smtClean="0"/>
-              <a:t>9/16/21</a:t>
+              <a:t>9/8/22</a:t>
             </a:fld>
             <a:endParaRPr lang="en-US"/>
           </a:p>
@@ -3663,7 +3770,7 @@
           <a:p>
             <a:fld id="{8B984044-87DD-C541-92A1-0F2158D19C89}" type="datetime1">
               <a:rPr lang="en-US" smtClean="0"/>
-              <a:t>9/16/21</a:t>
+              <a:t>9/8/22</a:t>
             </a:fld>
             <a:endParaRPr lang="en-US" dirty="0"/>
           </a:p>
@@ -3833,7 +3940,7 @@
           <a:p>
             <a:fld id="{8D65A002-D3EC-954B-91B8-4F6B4C13C16A}" type="datetime1">
               <a:rPr lang="en-US" smtClean="0"/>
-              <a:t>9/16/21</a:t>
+              <a:t>9/8/22</a:t>
             </a:fld>
             <a:endParaRPr lang="en-US" dirty="0"/>
           </a:p>
@@ -4013,7 +4120,7 @@
           <a:p>
             <a:fld id="{18BDB1B5-1493-7F49-A7D6-4F41BA87DC26}" type="datetime1">
               <a:rPr lang="en-US" smtClean="0"/>
-              <a:t>9/16/21</a:t>
+              <a:t>9/8/22</a:t>
             </a:fld>
             <a:endParaRPr lang="en-US" dirty="0"/>
           </a:p>
@@ -4183,7 +4290,7 @@
           <a:p>
             <a:fld id="{DCAA3B46-4EBA-3446-8E21-F81EAD0027E0}" type="datetime1">
               <a:rPr lang="en-US" smtClean="0"/>
-              <a:t>9/16/21</a:t>
+              <a:t>9/8/22</a:t>
             </a:fld>
             <a:endParaRPr lang="en-US" dirty="0"/>
           </a:p>
@@ -4429,7 +4536,7 @@
           <a:p>
             <a:fld id="{A69A4034-8776-544F-B516-F12AF3AE310B}" type="datetime1">
               <a:rPr lang="en-US" smtClean="0"/>
-              <a:t>9/16/21</a:t>
+              <a:t>9/8/22</a:t>
             </a:fld>
             <a:endParaRPr lang="en-US" dirty="0"/>
           </a:p>
@@ -4661,7 +4768,7 @@
           <a:p>
             <a:fld id="{79879E7F-0671-E64A-B5D4-3A13C80CFC35}" type="datetime1">
               <a:rPr lang="en-US" smtClean="0"/>
-              <a:t>9/16/21</a:t>
+              <a:t>9/8/22</a:t>
             </a:fld>
             <a:endParaRPr lang="en-US" dirty="0"/>
           </a:p>
@@ -5028,7 +5135,7 @@
           <a:p>
             <a:fld id="{DF4DFD22-EC8F-8E44-91AE-57BD5FA90B62}" type="datetime1">
               <a:rPr lang="en-US" smtClean="0"/>
-              <a:t>9/16/21</a:t>
+              <a:t>9/8/22</a:t>
             </a:fld>
             <a:endParaRPr lang="en-US" dirty="0"/>
           </a:p>
@@ -5146,7 +5253,7 @@
           <a:p>
             <a:fld id="{4EAA65BE-8880-7C48-850F-33E9639DFE11}" type="datetime1">
               <a:rPr lang="en-US" smtClean="0"/>
-              <a:t>9/16/21</a:t>
+              <a:t>9/8/22</a:t>
             </a:fld>
             <a:endParaRPr lang="en-US" dirty="0"/>
           </a:p>
@@ -5241,7 +5348,7 @@
           <a:p>
             <a:fld id="{118E2494-D304-2C41-A88B-2E6B51F43EFA}" type="datetime1">
               <a:rPr lang="en-US" smtClean="0"/>
-              <a:t>9/16/21</a:t>
+              <a:t>9/8/22</a:t>
             </a:fld>
             <a:endParaRPr lang="en-US" dirty="0"/>
           </a:p>
@@ -5518,7 +5625,7 @@
           <a:p>
             <a:fld id="{220684BF-7982-5A4C-9B54-D51F706E8E6E}" type="datetime1">
               <a:rPr lang="en-US" smtClean="0"/>
-              <a:t>9/16/21</a:t>
+              <a:t>9/8/22</a:t>
             </a:fld>
             <a:endParaRPr lang="en-US" dirty="0"/>
           </a:p>
@@ -5775,7 +5882,7 @@
           <a:p>
             <a:fld id="{888AC2D9-83F1-5748-A1DC-DC9B8A855E7D}" type="datetime1">
               <a:rPr lang="en-US" smtClean="0"/>
-              <a:t>9/16/21</a:t>
+              <a:t>9/8/22</a:t>
             </a:fld>
             <a:endParaRPr lang="en-US" dirty="0"/>
           </a:p>
@@ -5988,7 +6095,7 @@
           <a:p>
             <a:fld id="{E06F5566-A356-684E-A080-CEA051801574}" type="datetime1">
               <a:rPr lang="en-US" smtClean="0"/>
-              <a:t>9/16/21</a:t>
+              <a:t>9/8/22</a:t>
             </a:fld>
             <a:endParaRPr lang="en-US" dirty="0"/>
           </a:p>
@@ -10532,11 +10639,13 @@
         <p:spPr>
           <a:xfrm>
             <a:off x="256854" y="774346"/>
-            <a:ext cx="8258496" cy="4373124"/>
+            <a:ext cx="8517276" cy="4826884"/>
           </a:xfrm>
         </p:spPr>
         <p:txBody>
-          <a:bodyPr/>
+          <a:bodyPr>
+            <a:normAutofit fontScale="92500" lnSpcReduction="10000"/>
+          </a:bodyPr>
           <a:lstStyle/>
           <a:p>
             <a:pPr marL="0" indent="0">
@@ -10640,7 +10749,106 @@
             </a:r>
             <a:r>
               <a:rPr lang="en-US" dirty="0"/>
-              <a:t>. The name indicates that the string is literally written out in your code </a:t>
+              <a:t>. The name indicates that the string is literally written out in your code.</a:t>
+            </a:r>
+          </a:p>
+          <a:p>
+            <a:pPr marL="0" indent="0">
+              <a:buNone/>
+            </a:pPr>
+            <a:endParaRPr lang="en-US" dirty="0"/>
+          </a:p>
+          <a:p>
+            <a:pPr marL="0" indent="0">
+              <a:buNone/>
+            </a:pPr>
+            <a:r>
+              <a:rPr lang="en-US"/>
+              <a:t>You can use + operator to concatenate two strings.</a:t>
+            </a:r>
+          </a:p>
+          <a:p>
+            <a:pPr marL="0" indent="0">
+              <a:buNone/>
+            </a:pPr>
+            <a:r>
+              <a:rPr lang="en-US" b="1" dirty="0">
+                <a:solidFill>
+                  <a:srgbClr val="000087"/>
+                </a:solidFill>
+                <a:latin typeface="Inconsolata" panose="020B0609030003000000" pitchFamily="49" charset="77"/>
+              </a:rPr>
+              <a:t>a </a:t>
+            </a:r>
+            <a:r>
+              <a:rPr lang="en-US" b="1" dirty="0">
+                <a:solidFill>
+                  <a:srgbClr val="545454"/>
+                </a:solidFill>
+                <a:latin typeface="Inconsolata" panose="020B0609030003000000" pitchFamily="49" charset="77"/>
+              </a:rPr>
+              <a:t>= "Isaac"</a:t>
+            </a:r>
+          </a:p>
+          <a:p>
+            <a:pPr marL="0" indent="0">
+              <a:buNone/>
+            </a:pPr>
+            <a:r>
+              <a:rPr lang="en-US" b="1" dirty="0">
+                <a:solidFill>
+                  <a:srgbClr val="000087"/>
+                </a:solidFill>
+                <a:latin typeface="Inconsolata" panose="020B0609030003000000" pitchFamily="49" charset="77"/>
+              </a:rPr>
+              <a:t>b </a:t>
+            </a:r>
+            <a:r>
+              <a:rPr lang="en-US" b="1" dirty="0">
+                <a:solidFill>
+                  <a:srgbClr val="545454"/>
+                </a:solidFill>
+                <a:latin typeface="Inconsolata" panose="020B0609030003000000" pitchFamily="49" charset="77"/>
+              </a:rPr>
+              <a:t>= "Newton"</a:t>
+            </a:r>
+          </a:p>
+          <a:p>
+            <a:pPr marL="0" indent="0">
+              <a:buNone/>
+            </a:pPr>
+            <a:r>
+              <a:rPr lang="en-US" b="1" dirty="0">
+                <a:solidFill>
+                  <a:srgbClr val="000087"/>
+                </a:solidFill>
+                <a:latin typeface="Inconsolata" panose="020B0609030003000000" pitchFamily="49" charset="77"/>
+              </a:rPr>
+              <a:t>name </a:t>
+            </a:r>
+            <a:r>
+              <a:rPr lang="en-US" b="1" dirty="0">
+                <a:solidFill>
+                  <a:srgbClr val="545454"/>
+                </a:solidFill>
+                <a:latin typeface="Inconsolata" panose="020B0609030003000000" pitchFamily="49" charset="77"/>
+              </a:rPr>
+              <a:t>= </a:t>
+            </a:r>
+            <a:r>
+              <a:rPr lang="en-US" b="1" dirty="0">
+                <a:latin typeface="Inconsolata" panose="020B0609030003000000" pitchFamily="49" charset="77"/>
+              </a:rPr>
+              <a:t>a + ‘ ‘ + b 	</a:t>
+            </a:r>
+            <a:r>
+              <a:rPr lang="en-US" b="1" dirty="0">
+                <a:solidFill>
+                  <a:schemeClr val="accent1"/>
+                </a:solidFill>
+                <a:latin typeface="Inconsolata" panose="020B0609030003000000" pitchFamily="49" charset="77"/>
+              </a:rPr>
+              <a:t># Isaac Newton</a:t>
             </a:r>
           </a:p>
           <a:p>
@@ -10880,6 +11088,104 @@
                                           <p:spTgt spid="3">
                                             <p:txEl>
                                               <p:pRg st="5" end="5"/>
+                                            </p:txEl>
+                                          </p:spTgt>
+                                        </p:tgtEl>
+                                        <p:attrNameLst>
+                                          <p:attrName>style.visibility</p:attrName>
+                                        </p:attrNameLst>
+                                      </p:cBhvr>
+                                      <p:to>
+                                        <p:strVal val="visible"/>
+                                      </p:to>
+                                    </p:set>
+                                  </p:childTnLst>
+                                </p:cTn>
+                              </p:par>
+                            </p:childTnLst>
+                          </p:cTn>
+                        </p:par>
+                      </p:childTnLst>
+                    </p:cTn>
+                  </p:par>
+                  <p:par>
+                    <p:cTn id="13" fill="hold">
+                      <p:stCondLst>
+                        <p:cond delay="indefinite"/>
+                      </p:stCondLst>
+                      <p:childTnLst>
+                        <p:par>
+                          <p:cTn id="14" fill="hold">
+                            <p:stCondLst>
+                              <p:cond delay="0"/>
+                            </p:stCondLst>
+                            <p:childTnLst>
+                              <p:par>
+                                <p:cTn id="15" presetID="1" presetClass="entr" presetSubtype="0" fill="hold" nodeType="clickEffect">
+                                  <p:stCondLst>
+                                    <p:cond delay="0"/>
+                                  </p:stCondLst>
+                                  <p:childTnLst>
+                                    <p:set>
+                                      <p:cBhvr>
+                                        <p:cTn id="16" dur="1" fill="hold">
+                                          <p:stCondLst>
+                                            <p:cond delay="0"/>
+                                          </p:stCondLst>
+                                        </p:cTn>
+                                        <p:tgtEl>
+                                          <p:spTgt spid="3">
+                                            <p:txEl>
+                                              <p:pRg st="7" end="7"/>
+                                            </p:txEl>
+                                          </p:spTgt>
+                                        </p:tgtEl>
+                                        <p:attrNameLst>
+                                          <p:attrName>style.visibility</p:attrName>
+                                        </p:attrNameLst>
+                                      </p:cBhvr>
+                                      <p:to>
+                                        <p:strVal val="visible"/>
+                                      </p:to>
+                                    </p:set>
+                                  </p:childTnLst>
+                                </p:cTn>
+                              </p:par>
+                            </p:childTnLst>
+                          </p:cTn>
+                        </p:par>
+                      </p:childTnLst>
+                    </p:cTn>
+                  </p:par>
+                  <p:par>
+                    <p:cTn id="17" fill="hold">
+                      <p:stCondLst>
+                        <p:cond delay="indefinite"/>
+                      </p:stCondLst>
+                      <p:childTnLst>
+                        <p:par>
+                          <p:cTn id="18" fill="hold">
+                            <p:stCondLst>
+                              <p:cond delay="0"/>
+                            </p:stCondLst>
+                            <p:childTnLst>
+                              <p:par>
+                                <p:cTn id="19" presetID="1" presetClass="entr" presetSubtype="0" fill="hold" nodeType="clickEffect">
+                                  <p:stCondLst>
+                                    <p:cond delay="0"/>
+                                  </p:stCondLst>
+                                  <p:childTnLst>
+                                    <p:set>
+                                      <p:cBhvr>
+                                        <p:cTn id="20" dur="1" fill="hold">
+                                          <p:stCondLst>
+                                            <p:cond delay="0"/>
+                                          </p:stCondLst>
+                                        </p:cTn>
+                                        <p:tgtEl>
+                                          <p:spTgt spid="3">
+                                            <p:txEl>
+                                              <p:pRg st="8" end="8"/>
                                             </p:txEl>
                                           </p:spTgt>
                                         </p:tgtEl>
@@ -12115,7 +12421,9 @@
           </a:xfrm>
         </p:spPr>
         <p:txBody>
-          <a:bodyPr/>
+          <a:bodyPr>
+            <a:normAutofit fontScale="90000"/>
+          </a:bodyPr>
           <a:lstStyle/>
           <a:p>
             <a:r>
@@ -12583,7 +12891,9 @@
           </a:xfrm>
         </p:spPr>
         <p:txBody>
-          <a:bodyPr/>
+          <a:bodyPr>
+            <a:normAutofit fontScale="90000"/>
+          </a:bodyPr>
           <a:lstStyle/>
           <a:p>
             <a:r>
@@ -13604,7 +13914,7 @@
         </p:spPr>
         <p:txBody>
           <a:bodyPr>
-            <a:normAutofit/>
+            <a:normAutofit lnSpcReduction="10000"/>
           </a:bodyPr>
           <a:lstStyle/>
           <a:p>
@@ -16061,7 +16371,7 @@
             </p:spPr>
             <p:txBody>
               <a:bodyPr>
-                <a:normAutofit/>
+                <a:normAutofit lnSpcReduction="10000"/>
               </a:bodyPr>
               <a:lstStyle/>
               <a:p>
@@ -16499,7 +16809,7 @@
               <a:blipFill>
                 <a:blip r:embed="rId2"/>
                 <a:stretch>
-                  <a:fillRect l="-846" t="-995" r="-564" b="-2488"/>
+                  <a:fillRect l="-846" t="-1741" r="-564"/>
                 </a:stretch>
               </a:blipFill>
             </p:spPr>

--- a/courses/apcsp/lect1.pptx
+++ b/courses/apcsp/lect1.pptx
@@ -144,7 +144,7 @@
 <file path=ppt/revisionInfo.xml><?xml version="1.0" encoding="utf-8"?>
 <p1510:revInfo xmlns:a="http://schemas.openxmlformats.org/drawingml/2006/main" xmlns:r="http://schemas.openxmlformats.org/officeDocument/2006/relationships" xmlns:p1510="http://schemas.microsoft.com/office/powerpoint/2015/10/main">
   <p1510:revLst>
-    <p1510:client id="{CB082C36-5107-ED4F-B3BA-8DB361145455}" v="242" dt="2022-09-08T13:42:15.123"/>
+    <p1510:client id="{C5991DEB-0E5D-174C-ABD9-D9A3C5998E63}" v="97" dt="2023-09-07T15:38:36.111"/>
   </p1510:revLst>
 </p1510:revInfo>
 </file>
@@ -3076,6 +3076,60 @@
           <pc:docMk/>
           <pc:sldMk cId="1735411058" sldId="304"/>
         </pc:sldMkLst>
+      </pc:sldChg>
+    </pc:docChg>
+  </pc:docChgLst>
+  <pc:docChgLst>
+    <pc:chgData name="Long B Nguyen" userId="f59fb8f3-a021-417a-8bc1-65c8d471c621" providerId="ADAL" clId="{C5991DEB-0E5D-174C-ABD9-D9A3C5998E63}"/>
+    <pc:docChg chg="modSld">
+      <pc:chgData name="Long B Nguyen" userId="f59fb8f3-a021-417a-8bc1-65c8d471c621" providerId="ADAL" clId="{C5991DEB-0E5D-174C-ABD9-D9A3C5998E63}" dt="2023-09-07T15:38:36.111" v="96" actId="20577"/>
+      <pc:docMkLst>
+        <pc:docMk/>
+      </pc:docMkLst>
+      <pc:sldChg chg="modSp">
+        <pc:chgData name="Long B Nguyen" userId="f59fb8f3-a021-417a-8bc1-65c8d471c621" providerId="ADAL" clId="{C5991DEB-0E5D-174C-ABD9-D9A3C5998E63}" dt="2023-09-07T15:24:29.573" v="0" actId="20577"/>
+        <pc:sldMkLst>
+          <pc:docMk/>
+          <pc:sldMk cId="2207246265" sldId="257"/>
+        </pc:sldMkLst>
+        <pc:spChg chg="mod">
+          <ac:chgData name="Long B Nguyen" userId="f59fb8f3-a021-417a-8bc1-65c8d471c621" providerId="ADAL" clId="{C5991DEB-0E5D-174C-ABD9-D9A3C5998E63}" dt="2023-09-07T15:24:29.573" v="0" actId="20577"/>
+          <ac:spMkLst>
+            <pc:docMk/>
+            <pc:sldMk cId="2207246265" sldId="257"/>
+            <ac:spMk id="9" creationId="{E3B2E017-30B2-884B-A113-B419A2ED51AD}"/>
+          </ac:spMkLst>
+        </pc:spChg>
+      </pc:sldChg>
+      <pc:sldChg chg="modSp modAnim">
+        <pc:chgData name="Long B Nguyen" userId="f59fb8f3-a021-417a-8bc1-65c8d471c621" providerId="ADAL" clId="{C5991DEB-0E5D-174C-ABD9-D9A3C5998E63}" dt="2023-09-07T15:29:36.882" v="75" actId="20577"/>
+        <pc:sldMkLst>
+          <pc:docMk/>
+          <pc:sldMk cId="2376452645" sldId="309"/>
+        </pc:sldMkLst>
+        <pc:spChg chg="mod">
+          <ac:chgData name="Long B Nguyen" userId="f59fb8f3-a021-417a-8bc1-65c8d471c621" providerId="ADAL" clId="{C5991DEB-0E5D-174C-ABD9-D9A3C5998E63}" dt="2023-09-07T15:29:36.882" v="75" actId="20577"/>
+          <ac:spMkLst>
+            <pc:docMk/>
+            <pc:sldMk cId="2376452645" sldId="309"/>
+            <ac:spMk id="9" creationId="{E3B2E017-30B2-884B-A113-B419A2ED51AD}"/>
+          </ac:spMkLst>
+        </pc:spChg>
+      </pc:sldChg>
+      <pc:sldChg chg="modSp modAnim">
+        <pc:chgData name="Long B Nguyen" userId="f59fb8f3-a021-417a-8bc1-65c8d471c621" providerId="ADAL" clId="{C5991DEB-0E5D-174C-ABD9-D9A3C5998E63}" dt="2023-09-07T15:38:36.111" v="96" actId="20577"/>
+        <pc:sldMkLst>
+          <pc:docMk/>
+          <pc:sldMk cId="1408330095" sldId="311"/>
+        </pc:sldMkLst>
+        <pc:spChg chg="mod">
+          <ac:chgData name="Long B Nguyen" userId="f59fb8f3-a021-417a-8bc1-65c8d471c621" providerId="ADAL" clId="{C5991DEB-0E5D-174C-ABD9-D9A3C5998E63}" dt="2023-09-07T15:38:36.111" v="96" actId="20577"/>
+          <ac:spMkLst>
+            <pc:docMk/>
+            <pc:sldMk cId="1408330095" sldId="311"/>
+            <ac:spMk id="9" creationId="{E3B2E017-30B2-884B-A113-B419A2ED51AD}"/>
+          </ac:spMkLst>
+        </pc:spChg>
       </pc:sldChg>
     </pc:docChg>
   </pc:docChgLst>
@@ -3372,7 +3426,7 @@
           <a:p>
             <a:fld id="{52977C8B-3199-9A4B-9182-F1B54ABD2553}" type="datetimeFigureOut">
               <a:rPr lang="en-US" smtClean="0"/>
-              <a:t>9/8/22</a:t>
+              <a:t>9/7/23</a:t>
             </a:fld>
             <a:endParaRPr lang="en-US"/>
           </a:p>
@@ -3770,7 +3824,7 @@
           <a:p>
             <a:fld id="{8B984044-87DD-C541-92A1-0F2158D19C89}" type="datetime1">
               <a:rPr lang="en-US" smtClean="0"/>
-              <a:t>9/8/22</a:t>
+              <a:t>9/7/23</a:t>
             </a:fld>
             <a:endParaRPr lang="en-US" dirty="0"/>
           </a:p>
@@ -3940,7 +3994,7 @@
           <a:p>
             <a:fld id="{8D65A002-D3EC-954B-91B8-4F6B4C13C16A}" type="datetime1">
               <a:rPr lang="en-US" smtClean="0"/>
-              <a:t>9/8/22</a:t>
+              <a:t>9/7/23</a:t>
             </a:fld>
             <a:endParaRPr lang="en-US" dirty="0"/>
           </a:p>
@@ -4120,7 +4174,7 @@
           <a:p>
             <a:fld id="{18BDB1B5-1493-7F49-A7D6-4F41BA87DC26}" type="datetime1">
               <a:rPr lang="en-US" smtClean="0"/>
-              <a:t>9/8/22</a:t>
+              <a:t>9/7/23</a:t>
             </a:fld>
             <a:endParaRPr lang="en-US" dirty="0"/>
           </a:p>
@@ -4290,7 +4344,7 @@
           <a:p>
             <a:fld id="{DCAA3B46-4EBA-3446-8E21-F81EAD0027E0}" type="datetime1">
               <a:rPr lang="en-US" smtClean="0"/>
-              <a:t>9/8/22</a:t>
+              <a:t>9/7/23</a:t>
             </a:fld>
             <a:endParaRPr lang="en-US" dirty="0"/>
           </a:p>
@@ -4536,7 +4590,7 @@
           <a:p>
             <a:fld id="{A69A4034-8776-544F-B516-F12AF3AE310B}" type="datetime1">
               <a:rPr lang="en-US" smtClean="0"/>
-              <a:t>9/8/22</a:t>
+              <a:t>9/7/23</a:t>
             </a:fld>
             <a:endParaRPr lang="en-US" dirty="0"/>
           </a:p>
@@ -4768,7 +4822,7 @@
           <a:p>
             <a:fld id="{79879E7F-0671-E64A-B5D4-3A13C80CFC35}" type="datetime1">
               <a:rPr lang="en-US" smtClean="0"/>
-              <a:t>9/8/22</a:t>
+              <a:t>9/7/23</a:t>
             </a:fld>
             <a:endParaRPr lang="en-US" dirty="0"/>
           </a:p>
@@ -5135,7 +5189,7 @@
           <a:p>
             <a:fld id="{DF4DFD22-EC8F-8E44-91AE-57BD5FA90B62}" type="datetime1">
               <a:rPr lang="en-US" smtClean="0"/>
-              <a:t>9/8/22</a:t>
+              <a:t>9/7/23</a:t>
             </a:fld>
             <a:endParaRPr lang="en-US" dirty="0"/>
           </a:p>
@@ -5253,7 +5307,7 @@
           <a:p>
             <a:fld id="{4EAA65BE-8880-7C48-850F-33E9639DFE11}" type="datetime1">
               <a:rPr lang="en-US" smtClean="0"/>
-              <a:t>9/8/22</a:t>
+              <a:t>9/7/23</a:t>
             </a:fld>
             <a:endParaRPr lang="en-US" dirty="0"/>
           </a:p>
@@ -5348,7 +5402,7 @@
           <a:p>
             <a:fld id="{118E2494-D304-2C41-A88B-2E6B51F43EFA}" type="datetime1">
               <a:rPr lang="en-US" smtClean="0"/>
-              <a:t>9/8/22</a:t>
+              <a:t>9/7/23</a:t>
             </a:fld>
             <a:endParaRPr lang="en-US" dirty="0"/>
           </a:p>
@@ -5625,7 +5679,7 @@
           <a:p>
             <a:fld id="{220684BF-7982-5A4C-9B54-D51F706E8E6E}" type="datetime1">
               <a:rPr lang="en-US" smtClean="0"/>
-              <a:t>9/8/22</a:t>
+              <a:t>9/7/23</a:t>
             </a:fld>
             <a:endParaRPr lang="en-US" dirty="0"/>
           </a:p>
@@ -5882,7 +5936,7 @@
           <a:p>
             <a:fld id="{888AC2D9-83F1-5748-A1DC-DC9B8A855E7D}" type="datetime1">
               <a:rPr lang="en-US" smtClean="0"/>
-              <a:t>9/8/22</a:t>
+              <a:t>9/7/23</a:t>
             </a:fld>
             <a:endParaRPr lang="en-US" dirty="0"/>
           </a:p>
@@ -6095,7 +6149,7 @@
           <a:p>
             <a:fld id="{E06F5566-A356-684E-A080-CEA051801574}" type="datetime1">
               <a:rPr lang="en-US" smtClean="0"/>
-              <a:t>9/8/22</a:t>
+              <a:t>9/7/23</a:t>
             </a:fld>
             <a:endParaRPr lang="en-US" dirty="0"/>
           </a:p>
@@ -9096,30 +9150,6 @@
             <a:pPr marL="0" indent="0">
               <a:buNone/>
             </a:pPr>
-            <a:endParaRPr lang="en-US" dirty="0"/>
-          </a:p>
-          <a:p>
-            <a:pPr marL="0" indent="0">
-              <a:buNone/>
-            </a:pPr>
-            <a:r>
-              <a:rPr lang="en-US" dirty="0">
-                <a:latin typeface="Gill Sans MT" panose="020B0502020104020203" pitchFamily="34" charset="77"/>
-              </a:rPr>
-              <a:t>The built-in </a:t>
-            </a:r>
-            <a:r>
-              <a:rPr lang="en-US" b="1" dirty="0">
-                <a:latin typeface="INCONSOLATA" panose="020B0609030003000000" pitchFamily="49" charset="77"/>
-              </a:rPr>
-              <a:t>type()</a:t>
-            </a:r>
-            <a:r>
-              <a:rPr lang="en-US" dirty="0">
-                <a:latin typeface="Gill Sans MT" panose="020B0502020104020203" pitchFamily="34" charset="77"/>
-              </a:rPr>
-              <a:t> function identifies the type of the variable. </a:t>
-            </a:r>
             <a:endParaRPr lang="en-US" b="1" dirty="0">
               <a:solidFill>
                 <a:srgbClr val="000087"/>
@@ -9131,9 +9161,61 @@
             <a:pPr marL="0" indent="0">
               <a:buNone/>
             </a:pPr>
+            <a:r>
+              <a:rPr lang="en-US" b="1" dirty="0">
+                <a:solidFill>
+                  <a:srgbClr val="000087"/>
+                </a:solidFill>
+                <a:latin typeface="Inconsolata" panose="020B0609030003000000" pitchFamily="49" charset="77"/>
+              </a:rPr>
+              <a:t>x </a:t>
+            </a:r>
+            <a:r>
+              <a:rPr lang="en-US" b="1" dirty="0">
+                <a:solidFill>
+                  <a:srgbClr val="545454"/>
+                </a:solidFill>
+                <a:latin typeface="Inconsolata" panose="020B0609030003000000" pitchFamily="49" charset="77"/>
+              </a:rPr>
+              <a:t>= </a:t>
+            </a:r>
+            <a:r>
+              <a:rPr lang="en-US" b="1" dirty="0">
+                <a:solidFill>
+                  <a:srgbClr val="FF6600"/>
+                </a:solidFill>
+                <a:latin typeface="Inconsolata" panose="020B0609030003000000" pitchFamily="49" charset="77"/>
+              </a:rPr>
+              <a:t>0.5 </a:t>
+            </a:r>
+          </a:p>
+          <a:p>
+            <a:pPr marL="0" indent="0">
+              <a:buNone/>
+            </a:pPr>
+            <a:r>
+              <a:rPr lang="en-US" b="1" dirty="0">
+                <a:latin typeface="INCONSOLATA" panose="020B0609030003000000" pitchFamily="49" charset="77"/>
+              </a:rPr>
+              <a:t>print(x) 			</a:t>
+            </a:r>
+            <a:r>
+              <a:rPr lang="en-US" b="1" i="1" dirty="0">
+                <a:solidFill>
+                  <a:srgbClr val="33566B"/>
+                </a:solidFill>
+                <a:latin typeface="INCONSOLATA" panose="020B0609030003000000" pitchFamily="49" charset="77"/>
+              </a:rPr>
+              <a:t># 0.5</a:t>
+            </a:r>
+          </a:p>
+          <a:p>
+            <a:pPr marL="0" indent="0">
+              <a:buNone/>
+            </a:pPr>
             <a:endParaRPr lang="en-US" b="1" dirty="0">
               <a:solidFill>
-                <a:srgbClr val="000087"/>
+                <a:srgbClr val="FF6600"/>
               </a:solidFill>
               <a:latin typeface="Inconsolata" panose="020B0609030003000000" pitchFamily="49" charset="77"/>
             </a:endParaRPr>
@@ -9149,7 +9231,7 @@
                 </a:solidFill>
                 <a:latin typeface="Inconsolata" panose="020B0609030003000000" pitchFamily="49" charset="77"/>
               </a:rPr>
-              <a:t>x </a:t>
+              <a:t>y </a:t>
             </a:r>
             <a:r>
               <a:rPr lang="en-US" b="1" dirty="0">
@@ -9167,7 +9249,7 @@
                 </a:solidFill>
                 <a:latin typeface="Inconsolata" panose="020B0609030003000000" pitchFamily="49" charset="77"/>
               </a:rPr>
-              <a:t>0.5 </a:t>
+              <a:t>2.3451 </a:t>
             </a:r>
           </a:p>
           <a:p>
@@ -9178,7 +9260,7 @@
               <a:rPr lang="en-US" b="1" dirty="0">
                 <a:latin typeface="INCONSOLATA" panose="020B0609030003000000" pitchFamily="49" charset="77"/>
               </a:rPr>
-              <a:t>print(x) 			</a:t>
+              <a:t>print(y) 			</a:t>
             </a:r>
             <a:r>
               <a:rPr lang="en-US" b="1" i="1" dirty="0">
@@ -9187,131 +9269,7 @@
                 </a:solidFill>
                 <a:latin typeface="INCONSOLATA" panose="020B0609030003000000" pitchFamily="49" charset="77"/>
               </a:rPr>
-              <a:t># 0.5</a:t>
-            </a:r>
-          </a:p>
-          <a:p>
-            <a:pPr marL="0" indent="0">
-              <a:buNone/>
-            </a:pPr>
-            <a:r>
-              <a:rPr lang="en-US" b="1" dirty="0">
-                <a:latin typeface="INCONSOLATA" panose="020B0609030003000000" pitchFamily="49" charset="77"/>
-              </a:rPr>
-              <a:t>print(type(x)) 	</a:t>
-            </a:r>
-            <a:r>
-              <a:rPr lang="en-US" b="1" i="1" dirty="0">
-                <a:solidFill>
-                  <a:srgbClr val="33566B"/>
-                </a:solidFill>
-                <a:latin typeface="INCONSOLATA" panose="020B0609030003000000" pitchFamily="49" charset="77"/>
-              </a:rPr>
-              <a:t># &lt;class 'float'&gt;</a:t>
-            </a:r>
-          </a:p>
-          <a:p>
-            <a:pPr marL="0" indent="0">
-              <a:buNone/>
-            </a:pPr>
-            <a:r>
-              <a:rPr lang="en-US" b="1" dirty="0">
-                <a:solidFill>
-                  <a:srgbClr val="000087"/>
-                </a:solidFill>
-                <a:latin typeface="Inconsolata" panose="020B0609030003000000" pitchFamily="49" charset="77"/>
-              </a:rPr>
-              <a:t>y </a:t>
-            </a:r>
-            <a:r>
-              <a:rPr lang="en-US" b="1" dirty="0">
-                <a:solidFill>
-                  <a:srgbClr val="545454"/>
-                </a:solidFill>
-                <a:latin typeface="Inconsolata" panose="020B0609030003000000" pitchFamily="49" charset="77"/>
-              </a:rPr>
-              <a:t>= </a:t>
-            </a:r>
-            <a:r>
-              <a:rPr lang="en-US" b="1" dirty="0">
-                <a:solidFill>
-                  <a:srgbClr val="FF6600"/>
-                </a:solidFill>
-                <a:latin typeface="Inconsolata" panose="020B0609030003000000" pitchFamily="49" charset="77"/>
-              </a:rPr>
-              <a:t>"3" </a:t>
-            </a:r>
-          </a:p>
-          <a:p>
-            <a:pPr marL="0" indent="0">
-              <a:buNone/>
-            </a:pPr>
-            <a:r>
-              <a:rPr lang="en-US" b="1" dirty="0">
-                <a:latin typeface="INCONSOLATA" panose="020B0609030003000000" pitchFamily="49" charset="77"/>
-              </a:rPr>
-              <a:t>print(type(y)) 	</a:t>
-            </a:r>
-            <a:r>
-              <a:rPr lang="en-US" b="1" i="1" dirty="0">
-                <a:solidFill>
-                  <a:srgbClr val="33566B"/>
-                </a:solidFill>
-                <a:latin typeface="INCONSOLATA" panose="020B0609030003000000" pitchFamily="49" charset="77"/>
-              </a:rPr>
-              <a:t># &lt;class 'str'&gt;</a:t>
-            </a:r>
-          </a:p>
-          <a:p>
-            <a:pPr marL="0" indent="0">
-              <a:buNone/>
-            </a:pPr>
-            <a:r>
-              <a:rPr lang="en-US" b="1" dirty="0">
-                <a:solidFill>
-                  <a:srgbClr val="000087"/>
-                </a:solidFill>
-                <a:latin typeface="Inconsolata" panose="020B0609030003000000" pitchFamily="49" charset="77"/>
-              </a:rPr>
-              <a:t>z </a:t>
-            </a:r>
-            <a:r>
-              <a:rPr lang="en-US" b="1" dirty="0">
-                <a:solidFill>
-                  <a:srgbClr val="545454"/>
-                </a:solidFill>
-                <a:latin typeface="Inconsolata" panose="020B0609030003000000" pitchFamily="49" charset="77"/>
-              </a:rPr>
-              <a:t>= </a:t>
-            </a:r>
-            <a:r>
-              <a:rPr lang="en-US" b="1" dirty="0">
-                <a:solidFill>
-                  <a:srgbClr val="FF6600"/>
-                </a:solidFill>
-                <a:latin typeface="Inconsolata" panose="020B0609030003000000" pitchFamily="49" charset="77"/>
-              </a:rPr>
-              <a:t>3 </a:t>
-            </a:r>
-          </a:p>
-          <a:p>
-            <a:pPr marL="0" indent="0">
-              <a:buNone/>
-            </a:pPr>
-            <a:r>
-              <a:rPr lang="en-US" b="1" dirty="0">
-                <a:latin typeface="INCONSOLATA" panose="020B0609030003000000" pitchFamily="49" charset="77"/>
-              </a:rPr>
-              <a:t>print(type(z)) 	</a:t>
-            </a:r>
-            <a:r>
-              <a:rPr lang="en-US" b="1" i="1" dirty="0">
-                <a:solidFill>
-                  <a:srgbClr val="33566B"/>
-                </a:solidFill>
-                <a:latin typeface="INCONSOLATA" panose="020B0609030003000000" pitchFamily="49" charset="77"/>
-              </a:rPr>
-              <a:t># &lt;class 'int'&gt;</a:t>
+              <a:t># 2.3451</a:t>
             </a:r>
           </a:p>
           <a:p>
@@ -9555,7 +9513,7 @@
                                         <p:tgtEl>
                                           <p:spTgt spid="9">
                                             <p:txEl>
-                                              <p:pRg st="4" end="4"/>
+                                              <p:pRg st="3" end="3"/>
                                             </p:txEl>
                                           </p:spTgt>
                                         </p:tgtEl>
@@ -9654,202 +9612,6 @@
                                           <p:spTgt spid="9">
                                             <p:txEl>
                                               <p:pRg st="6" end="6"/>
-                                            </p:txEl>
-                                          </p:spTgt>
-                                        </p:tgtEl>
-                                        <p:attrNameLst>
-                                          <p:attrName>style.visibility</p:attrName>
-                                        </p:attrNameLst>
-                                      </p:cBhvr>
-                                      <p:to>
-                                        <p:strVal val="visible"/>
-                                      </p:to>
-                                    </p:set>
-                                  </p:childTnLst>
-                                </p:cTn>
-                              </p:par>
-                            </p:childTnLst>
-                          </p:cTn>
-                        </p:par>
-                      </p:childTnLst>
-                    </p:cTn>
-                  </p:par>
-                  <p:par>
-                    <p:cTn id="23" fill="hold">
-                      <p:stCondLst>
-                        <p:cond delay="indefinite"/>
-                      </p:stCondLst>
-                      <p:childTnLst>
-                        <p:par>
-                          <p:cTn id="24" fill="hold">
-                            <p:stCondLst>
-                              <p:cond delay="0"/>
-                            </p:stCondLst>
-                            <p:childTnLst>
-                              <p:par>
-                                <p:cTn id="25" presetID="1" presetClass="entr" presetSubtype="0" fill="hold" nodeType="clickEffect">
-                                  <p:stCondLst>
-                                    <p:cond delay="0"/>
-                                  </p:stCondLst>
-                                  <p:childTnLst>
-                                    <p:set>
-                                      <p:cBhvr>
-                                        <p:cTn id="26" dur="1" fill="hold">
-                                          <p:stCondLst>
-                                            <p:cond delay="0"/>
-                                          </p:stCondLst>
-                                        </p:cTn>
-                                        <p:tgtEl>
-                                          <p:spTgt spid="9">
-                                            <p:txEl>
-                                              <p:pRg st="7" end="7"/>
-                                            </p:txEl>
-                                          </p:spTgt>
-                                        </p:tgtEl>
-                                        <p:attrNameLst>
-                                          <p:attrName>style.visibility</p:attrName>
-                                        </p:attrNameLst>
-                                      </p:cBhvr>
-                                      <p:to>
-                                        <p:strVal val="visible"/>
-                                      </p:to>
-                                    </p:set>
-                                  </p:childTnLst>
-                                </p:cTn>
-                              </p:par>
-                            </p:childTnLst>
-                          </p:cTn>
-                        </p:par>
-                      </p:childTnLst>
-                    </p:cTn>
-                  </p:par>
-                  <p:par>
-                    <p:cTn id="27" fill="hold">
-                      <p:stCondLst>
-                        <p:cond delay="indefinite"/>
-                      </p:stCondLst>
-                      <p:childTnLst>
-                        <p:par>
-                          <p:cTn id="28" fill="hold">
-                            <p:stCondLst>
-                              <p:cond delay="0"/>
-                            </p:stCondLst>
-                            <p:childTnLst>
-                              <p:par>
-                                <p:cTn id="29" presetID="1" presetClass="entr" presetSubtype="0" fill="hold" nodeType="clickEffect">
-                                  <p:stCondLst>
-                                    <p:cond delay="0"/>
-                                  </p:stCondLst>
-                                  <p:childTnLst>
-                                    <p:set>
-                                      <p:cBhvr>
-                                        <p:cTn id="30" dur="1" fill="hold">
-                                          <p:stCondLst>
-                                            <p:cond delay="0"/>
-                                          </p:stCondLst>
-                                        </p:cTn>
-                                        <p:tgtEl>
-                                          <p:spTgt spid="9">
-                                            <p:txEl>
-                                              <p:pRg st="8" end="8"/>
-                                            </p:txEl>
-                                          </p:spTgt>
-                                        </p:tgtEl>
-                                        <p:attrNameLst>
-                                          <p:attrName>style.visibility</p:attrName>
-                                        </p:attrNameLst>
-                                      </p:cBhvr>
-                                      <p:to>
-                                        <p:strVal val="visible"/>
-                                      </p:to>
-                                    </p:set>
-                                  </p:childTnLst>
-                                </p:cTn>
-                              </p:par>
-                            </p:childTnLst>
-                          </p:cTn>
-                        </p:par>
-                      </p:childTnLst>
-                    </p:cTn>
-                  </p:par>
-                  <p:par>
-                    <p:cTn id="31" fill="hold">
-                      <p:stCondLst>
-                        <p:cond delay="indefinite"/>
-                      </p:stCondLst>
-                      <p:childTnLst>
-                        <p:par>
-                          <p:cTn id="32" fill="hold">
-                            <p:stCondLst>
-                              <p:cond delay="0"/>
-                            </p:stCondLst>
-                            <p:childTnLst>
-                              <p:par>
-                                <p:cTn id="33" presetID="1" presetClass="entr" presetSubtype="0" fill="hold" nodeType="clickEffect">
-                                  <p:stCondLst>
-                                    <p:cond delay="0"/>
-                                  </p:stCondLst>
-                                  <p:childTnLst>
-                                    <p:set>
-                                      <p:cBhvr>
-                                        <p:cTn id="34" dur="1" fill="hold">
-                                          <p:stCondLst>
-                                            <p:cond delay="0"/>
-                                          </p:stCondLst>
-                                        </p:cTn>
-                                        <p:tgtEl>
-                                          <p:spTgt spid="9">
-                                            <p:txEl>
-                                              <p:pRg st="9" end="9"/>
-                                            </p:txEl>
-                                          </p:spTgt>
-                                        </p:tgtEl>
-                                        <p:attrNameLst>
-                                          <p:attrName>style.visibility</p:attrName>
-                                        </p:attrNameLst>
-                                      </p:cBhvr>
-                                      <p:to>
-                                        <p:strVal val="visible"/>
-                                      </p:to>
-                                    </p:set>
-                                  </p:childTnLst>
-                                </p:cTn>
-                              </p:par>
-                            </p:childTnLst>
-                          </p:cTn>
-                        </p:par>
-                      </p:childTnLst>
-                    </p:cTn>
-                  </p:par>
-                  <p:par>
-                    <p:cTn id="35" fill="hold">
-                      <p:stCondLst>
-                        <p:cond delay="indefinite"/>
-                      </p:stCondLst>
-                      <p:childTnLst>
-                        <p:par>
-                          <p:cTn id="36" fill="hold">
-                            <p:stCondLst>
-                              <p:cond delay="0"/>
-                            </p:stCondLst>
-                            <p:childTnLst>
-                              <p:par>
-                                <p:cTn id="37" presetID="1" presetClass="entr" presetSubtype="0" fill="hold" nodeType="clickEffect">
-                                  <p:stCondLst>
-                                    <p:cond delay="0"/>
-                                  </p:stCondLst>
-                                  <p:childTnLst>
-                                    <p:set>
-                                      <p:cBhvr>
-                                        <p:cTn id="38" dur="1" fill="hold">
-                                          <p:stCondLst>
-                                            <p:cond delay="0"/>
-                                          </p:stCondLst>
-                                        </p:cTn>
-                                        <p:tgtEl>
-                                          <p:spTgt spid="9">
-                                            <p:txEl>
-                                              <p:pRg st="10" end="10"/>
                                             </p:txEl>
                                           </p:spTgt>
                                         </p:tgtEl>
@@ -11364,7 +11126,7 @@
               <a:rPr lang="en-US" dirty="0">
                 <a:latin typeface="Gill Sans MT" panose="020B0502020104020203" pitchFamily="34" charset="77"/>
               </a:rPr>
-              <a:t> a value to an integer or float, respectively.</a:t>
+              <a:t> a value to an integer, float, or string respectively.</a:t>
             </a:r>
             <a:endParaRPr lang="en-US" b="1" dirty="0">
               <a:solidFill>
@@ -11579,7 +11341,7 @@
                 </a:solidFill>
                 <a:latin typeface="Inconsolata" panose="020B0609030003000000" pitchFamily="49" charset="77"/>
               </a:rPr>
-              <a:t># float is casted to an integer(truncates)</a:t>
+              <a:t># float is casted to an integer(truncates), 1</a:t>
             </a:r>
           </a:p>
           <a:p>
@@ -11638,8 +11400,112 @@
                 </a:solidFill>
                 <a:latin typeface="Inconsolata" panose="020B0609030003000000" pitchFamily="49" charset="77"/>
               </a:rPr>
-              <a:t>to string "1.8"</a:t>
-            </a:r>
+              <a:t>to string "1.8”</a:t>
+            </a:r>
+          </a:p>
+          <a:p>
+            <a:pPr marL="0" indent="0">
+              <a:buNone/>
+            </a:pPr>
+            <a:r>
+              <a:rPr lang="en-US" b="1" dirty="0">
+                <a:latin typeface="Inconsolata" panose="020B0609030003000000" pitchFamily="49" charset="77"/>
+              </a:rPr>
+              <a:t>print(</a:t>
+            </a:r>
+            <a:r>
+              <a:rPr lang="en-US" b="1" dirty="0">
+                <a:solidFill>
+                  <a:srgbClr val="000087"/>
+                </a:solidFill>
+                <a:latin typeface="Inconsolata" panose="020B0609030003000000" pitchFamily="49" charset="77"/>
+              </a:rPr>
+              <a:t>z</a:t>
+            </a:r>
+            <a:r>
+              <a:rPr lang="en-US" b="1" dirty="0">
+                <a:latin typeface="Inconsolata" panose="020B0609030003000000" pitchFamily="49" charset="77"/>
+              </a:rPr>
+              <a:t>)</a:t>
+            </a:r>
+            <a:r>
+              <a:rPr lang="en-US" b="1" dirty="0">
+                <a:solidFill>
+                  <a:srgbClr val="000087"/>
+                </a:solidFill>
+                <a:latin typeface="Inconsolata" panose="020B0609030003000000" pitchFamily="49" charset="77"/>
+              </a:rPr>
+              <a:t> 		</a:t>
+            </a:r>
+            <a:r>
+              <a:rPr lang="en-US" b="1" dirty="0">
+                <a:solidFill>
+                  <a:schemeClr val="accent1"/>
+                </a:solidFill>
+                <a:latin typeface="Inconsolata" panose="020B0609030003000000" pitchFamily="49" charset="77"/>
+              </a:rPr>
+              <a:t># 3.0</a:t>
+            </a:r>
+          </a:p>
+          <a:p>
+            <a:pPr marL="0" indent="0">
+              <a:buNone/>
+            </a:pPr>
+            <a:r>
+              <a:rPr lang="en-US" b="1" dirty="0">
+                <a:latin typeface="Inconsolata" panose="020B0609030003000000" pitchFamily="49" charset="77"/>
+              </a:rPr>
+              <a:t>print(</a:t>
+            </a:r>
+            <a:r>
+              <a:rPr lang="en-US" b="1" dirty="0">
+                <a:solidFill>
+                  <a:srgbClr val="000087"/>
+                </a:solidFill>
+                <a:latin typeface="Inconsolata" panose="020B0609030003000000" pitchFamily="49" charset="77"/>
+              </a:rPr>
+              <a:t>x</a:t>
+            </a:r>
+            <a:r>
+              <a:rPr lang="en-US" b="1" dirty="0">
+                <a:latin typeface="Inconsolata" panose="020B0609030003000000" pitchFamily="49" charset="77"/>
+              </a:rPr>
+              <a:t>)</a:t>
+            </a:r>
+            <a:r>
+              <a:rPr lang="en-US" b="1" dirty="0">
+                <a:solidFill>
+                  <a:srgbClr val="000087"/>
+                </a:solidFill>
+                <a:latin typeface="Inconsolata" panose="020B0609030003000000" pitchFamily="49" charset="77"/>
+              </a:rPr>
+              <a:t> 		</a:t>
+            </a:r>
+            <a:r>
+              <a:rPr lang="en-US" b="1" dirty="0">
+                <a:solidFill>
+                  <a:schemeClr val="accent1"/>
+                </a:solidFill>
+                <a:latin typeface="Inconsolata" panose="020B0609030003000000" pitchFamily="49" charset="77"/>
+              </a:rPr>
+              <a:t># 1, decimal is truncated.</a:t>
+            </a:r>
+          </a:p>
+          <a:p>
+            <a:pPr marL="0" indent="0">
+              <a:buNone/>
+            </a:pPr>
+            <a:endParaRPr lang="en-US" b="1">
+              <a:solidFill>
+                <a:schemeClr val="accent1"/>
+              </a:solidFill>
+              <a:latin typeface="Inconsolata" panose="020B0609030003000000" pitchFamily="49" charset="77"/>
+            </a:endParaRPr>
+          </a:p>
+          <a:p>
+            <a:pPr marL="0" indent="0">
+              <a:buNone/>
+            </a:pPr>
             <a:endParaRPr lang="en-US" b="1" dirty="0">
               <a:solidFill>
                 <a:srgbClr val="545454"/>
@@ -11651,110 +11517,6 @@
             <a:pPr marL="0" indent="0">
               <a:buNone/>
             </a:pPr>
-            <a:endParaRPr lang="en-US" b="1" dirty="0">
-              <a:solidFill>
-                <a:srgbClr val="FF6600"/>
-              </a:solidFill>
-              <a:latin typeface="Inconsolata" panose="020B0609030003000000" pitchFamily="49" charset="77"/>
-            </a:endParaRPr>
-          </a:p>
-          <a:p>
-            <a:pPr marL="0" indent="0">
-              <a:buNone/>
-            </a:pPr>
-            <a:r>
-              <a:rPr lang="en-US" b="1" dirty="0">
-                <a:latin typeface="INCONSOLATA" panose="020B0609030003000000" pitchFamily="49" charset="77"/>
-              </a:rPr>
-              <a:t>print(y, type(y)) 	</a:t>
-            </a:r>
-            <a:r>
-              <a:rPr lang="en-US" b="1" i="1" dirty="0">
-                <a:solidFill>
-                  <a:srgbClr val="33566B"/>
-                </a:solidFill>
-                <a:latin typeface="INCONSOLATA" panose="020B0609030003000000" pitchFamily="49" charset="77"/>
-              </a:rPr>
-              <a:t># 3 &lt;class 'int'&gt;</a:t>
-            </a:r>
-            <a:endParaRPr lang="en-US" b="1" dirty="0">
-              <a:solidFill>
-                <a:srgbClr val="FF6600"/>
-              </a:solidFill>
-              <a:latin typeface="Inconsolata" panose="020B0609030003000000" pitchFamily="49" charset="77"/>
-            </a:endParaRPr>
-          </a:p>
-          <a:p>
-            <a:pPr marL="0" indent="0">
-              <a:buNone/>
-            </a:pPr>
-            <a:r>
-              <a:rPr lang="en-US" b="1" dirty="0">
-                <a:latin typeface="INCONSOLATA" panose="020B0609030003000000" pitchFamily="49" charset="77"/>
-              </a:rPr>
-              <a:t>print(z, type(z)) 	</a:t>
-            </a:r>
-            <a:r>
-              <a:rPr lang="en-US" b="1" i="1" dirty="0">
-                <a:solidFill>
-                  <a:srgbClr val="33566B"/>
-                </a:solidFill>
-                <a:latin typeface="INCONSOLATA" panose="020B0609030003000000" pitchFamily="49" charset="77"/>
-              </a:rPr>
-              <a:t># 3.0 &lt;class 'float'&gt;</a:t>
-            </a:r>
-            <a:endParaRPr lang="en-US" b="1" dirty="0">
-              <a:solidFill>
-                <a:srgbClr val="FF6600"/>
-              </a:solidFill>
-              <a:latin typeface="Inconsolata" panose="020B0609030003000000" pitchFamily="49" charset="77"/>
-            </a:endParaRPr>
-          </a:p>
-          <a:p>
-            <a:pPr marL="0" indent="0">
-              <a:buNone/>
-            </a:pPr>
-            <a:r>
-              <a:rPr lang="en-US" b="1" dirty="0">
-                <a:latin typeface="INCONSOLATA" panose="020B0609030003000000" pitchFamily="49" charset="77"/>
-              </a:rPr>
-              <a:t>print(w, type(w)) 	</a:t>
-            </a:r>
-            <a:r>
-              <a:rPr lang="en-US" b="1" i="1" dirty="0">
-                <a:solidFill>
-                  <a:srgbClr val="33566B"/>
-                </a:solidFill>
-                <a:latin typeface="INCONSOLATA" panose="020B0609030003000000" pitchFamily="49" charset="77"/>
-              </a:rPr>
-              <a:t># 1 &lt;class 'int'&gt;, truncates decimal point</a:t>
-            </a:r>
-            <a:endParaRPr lang="en-US" b="1" dirty="0">
-              <a:solidFill>
-                <a:srgbClr val="FF6600"/>
-              </a:solidFill>
-              <a:latin typeface="Inconsolata" panose="020B0609030003000000" pitchFamily="49" charset="77"/>
-            </a:endParaRPr>
-          </a:p>
-          <a:p>
-            <a:pPr marL="0" indent="0">
-              <a:buNone/>
-            </a:pPr>
-            <a:r>
-              <a:rPr lang="en-US" b="1" dirty="0">
-                <a:latin typeface="INCONSOLATA" panose="020B0609030003000000" pitchFamily="49" charset="77"/>
-              </a:rPr>
-              <a:t>print(v, type(v)) 	</a:t>
-            </a:r>
-            <a:r>
-              <a:rPr lang="en-US" b="1" i="1" dirty="0">
-                <a:solidFill>
-                  <a:srgbClr val="33566B"/>
-                </a:solidFill>
-                <a:latin typeface="INCONSOLATA" panose="020B0609030003000000" pitchFamily="49" charset="77"/>
-              </a:rPr>
-              <a:t># 1.8 &lt;class 'str'&gt;, no "" when printing</a:t>
-            </a:r>
             <a:endParaRPr lang="en-US" b="1" dirty="0">
               <a:solidFill>
                 <a:srgbClr val="FF6600"/>
@@ -12188,7 +11950,7 @@
                                         <p:tgtEl>
                                           <p:spTgt spid="9">
                                             <p:txEl>
-                                              <p:pRg st="8" end="8"/>
+                                              <p:pRg st="7" end="7"/>
                                             </p:txEl>
                                           </p:spTgt>
                                         </p:tgtEl>
@@ -12237,105 +11999,7 @@
                                         <p:tgtEl>
                                           <p:spTgt spid="9">
                                             <p:txEl>
-                                              <p:pRg st="9" end="9"/>
-                                            </p:txEl>
-                                          </p:spTgt>
-                                        </p:tgtEl>
-                                        <p:attrNameLst>
-                                          <p:attrName>style.visibility</p:attrName>
-                                        </p:attrNameLst>
-                                      </p:cBhvr>
-                                      <p:to>
-                                        <p:strVal val="visible"/>
-                                      </p:to>
-                                    </p:set>
-                                  </p:childTnLst>
-                                </p:cTn>
-                              </p:par>
-                            </p:childTnLst>
-                          </p:cTn>
-                        </p:par>
-                      </p:childTnLst>
-                    </p:cTn>
-                  </p:par>
-                  <p:par>
-                    <p:cTn id="35" fill="hold">
-                      <p:stCondLst>
-                        <p:cond delay="indefinite"/>
-                      </p:stCondLst>
-                      <p:childTnLst>
-                        <p:par>
-                          <p:cTn id="36" fill="hold">
-                            <p:stCondLst>
-                              <p:cond delay="0"/>
-                            </p:stCondLst>
-                            <p:childTnLst>
-                              <p:par>
-                                <p:cTn id="37" presetID="1" presetClass="entr" presetSubtype="0" fill="hold" nodeType="clickEffect">
-                                  <p:stCondLst>
-                                    <p:cond delay="0"/>
-                                  </p:stCondLst>
-                                  <p:childTnLst>
-                                    <p:set>
-                                      <p:cBhvr>
-                                        <p:cTn id="38" dur="1" fill="hold">
-                                          <p:stCondLst>
-                                            <p:cond delay="0"/>
-                                          </p:stCondLst>
-                                        </p:cTn>
-                                        <p:tgtEl>
-                                          <p:spTgt spid="9">
-                                            <p:txEl>
-                                              <p:pRg st="10" end="10"/>
-                                            </p:txEl>
-                                          </p:spTgt>
-                                        </p:tgtEl>
-                                        <p:attrNameLst>
-                                          <p:attrName>style.visibility</p:attrName>
-                                        </p:attrNameLst>
-                                      </p:cBhvr>
-                                      <p:to>
-                                        <p:strVal val="visible"/>
-                                      </p:to>
-                                    </p:set>
-                                  </p:childTnLst>
-                                </p:cTn>
-                              </p:par>
-                            </p:childTnLst>
-                          </p:cTn>
-                        </p:par>
-                      </p:childTnLst>
-                    </p:cTn>
-                  </p:par>
-                  <p:par>
-                    <p:cTn id="39" fill="hold">
-                      <p:stCondLst>
-                        <p:cond delay="indefinite"/>
-                      </p:stCondLst>
-                      <p:childTnLst>
-                        <p:par>
-                          <p:cTn id="40" fill="hold">
-                            <p:stCondLst>
-                              <p:cond delay="0"/>
-                            </p:stCondLst>
-                            <p:childTnLst>
-                              <p:par>
-                                <p:cTn id="41" presetID="1" presetClass="entr" presetSubtype="0" fill="hold" nodeType="clickEffect">
-                                  <p:stCondLst>
-                                    <p:cond delay="0"/>
-                                  </p:stCondLst>
-                                  <p:childTnLst>
-                                    <p:set>
-                                      <p:cBhvr>
-                                        <p:cTn id="42" dur="1" fill="hold">
-                                          <p:stCondLst>
-                                            <p:cond delay="0"/>
-                                          </p:stCondLst>
-                                        </p:cTn>
-                                        <p:tgtEl>
-                                          <p:spTgt spid="9">
-                                            <p:txEl>
-                                              <p:pRg st="11" end="11"/>
+                                              <p:pRg st="8" end="8"/>
                                             </p:txEl>
                                           </p:spTgt>
                                         </p:tgtEl>
@@ -13269,7 +12933,7 @@
               <a:rPr lang="en-US" dirty="0" err="1">
                 <a:latin typeface="Gill Sans MT" panose="020B0502020104020203" pitchFamily="34" charset="77"/>
               </a:rPr>
-              <a:t>repl.it</a:t>
+              <a:t>replit</a:t>
             </a:r>
             <a:endParaRPr lang="en-US" dirty="0">
               <a:latin typeface="Gill Sans MT" panose="020B0502020104020203" pitchFamily="34" charset="77"/>

--- a/courses/apcsp/lect1.pptx
+++ b/courses/apcsp/lect1.pptx
@@ -144,7 +144,7 @@
 <file path=ppt/revisionInfo.xml><?xml version="1.0" encoding="utf-8"?>
 <p1510:revInfo xmlns:a="http://schemas.openxmlformats.org/drawingml/2006/main" xmlns:r="http://schemas.openxmlformats.org/officeDocument/2006/relationships" xmlns:p1510="http://schemas.microsoft.com/office/powerpoint/2015/10/main">
   <p1510:revLst>
-    <p1510:client id="{C5991DEB-0E5D-174C-ABD9-D9A3C5998E63}" v="97" dt="2023-09-07T15:38:36.111"/>
+    <p1510:client id="{C5991DEB-0E5D-174C-ABD9-D9A3C5998E63}" v="212" dt="2023-09-07T15:41:44.975"/>
   </p1510:revLst>
 </p1510:revInfo>
 </file>
@@ -3082,7 +3082,7 @@
   <pc:docChgLst>
     <pc:chgData name="Long B Nguyen" userId="f59fb8f3-a021-417a-8bc1-65c8d471c621" providerId="ADAL" clId="{C5991DEB-0E5D-174C-ABD9-D9A3C5998E63}"/>
     <pc:docChg chg="modSld">
-      <pc:chgData name="Long B Nguyen" userId="f59fb8f3-a021-417a-8bc1-65c8d471c621" providerId="ADAL" clId="{C5991DEB-0E5D-174C-ABD9-D9A3C5998E63}" dt="2023-09-07T15:38:36.111" v="96" actId="20577"/>
+      <pc:chgData name="Long B Nguyen" userId="f59fb8f3-a021-417a-8bc1-65c8d471c621" providerId="ADAL" clId="{C5991DEB-0E5D-174C-ABD9-D9A3C5998E63}" dt="2023-09-07T15:41:44.974" v="215" actId="20577"/>
       <pc:docMkLst>
         <pc:docMk/>
       </pc:docMkLst>
@@ -3100,6 +3100,37 @@
             <ac:spMk id="9" creationId="{E3B2E017-30B2-884B-A113-B419A2ED51AD}"/>
           </ac:spMkLst>
         </pc:spChg>
+      </pc:sldChg>
+      <pc:sldChg chg="addSp modSp mod modAnim">
+        <pc:chgData name="Long B Nguyen" userId="f59fb8f3-a021-417a-8bc1-65c8d471c621" providerId="ADAL" clId="{C5991DEB-0E5D-174C-ABD9-D9A3C5998E63}" dt="2023-09-07T15:41:44.974" v="215" actId="20577"/>
+        <pc:sldMkLst>
+          <pc:docMk/>
+          <pc:sldMk cId="3016287638" sldId="307"/>
+        </pc:sldMkLst>
+        <pc:spChg chg="mod">
+          <ac:chgData name="Long B Nguyen" userId="f59fb8f3-a021-417a-8bc1-65c8d471c621" providerId="ADAL" clId="{C5991DEB-0E5D-174C-ABD9-D9A3C5998E63}" dt="2023-09-07T15:41:44.974" v="215" actId="20577"/>
+          <ac:spMkLst>
+            <pc:docMk/>
+            <pc:sldMk cId="3016287638" sldId="307"/>
+            <ac:spMk id="4" creationId="{101D5B14-B0A8-F144-A696-7C11E3D4A333}"/>
+          </ac:spMkLst>
+        </pc:spChg>
+        <pc:spChg chg="add mod">
+          <ac:chgData name="Long B Nguyen" userId="f59fb8f3-a021-417a-8bc1-65c8d471c621" providerId="ADAL" clId="{C5991DEB-0E5D-174C-ABD9-D9A3C5998E63}" dt="2023-09-07T15:40:53.110" v="172" actId="1076"/>
+          <ac:spMkLst>
+            <pc:docMk/>
+            <pc:sldMk cId="3016287638" sldId="307"/>
+            <ac:spMk id="5" creationId="{F3933261-8ED3-CED7-7731-4693B7B73282}"/>
+          </ac:spMkLst>
+        </pc:spChg>
+        <pc:cxnChg chg="add mod">
+          <ac:chgData name="Long B Nguyen" userId="f59fb8f3-a021-417a-8bc1-65c8d471c621" providerId="ADAL" clId="{C5991DEB-0E5D-174C-ABD9-D9A3C5998E63}" dt="2023-09-07T15:40:59.010" v="175" actId="14100"/>
+          <ac:cxnSpMkLst>
+            <pc:docMk/>
+            <pc:sldMk cId="3016287638" sldId="307"/>
+            <ac:cxnSpMk id="7" creationId="{4ACB230A-A42D-EAA5-3C21-FFC8C7A2F52C}"/>
+          </ac:cxnSpMkLst>
+        </pc:cxnChg>
       </pc:sldChg>
       <pc:sldChg chg="modSp modAnim">
         <pc:chgData name="Long B Nguyen" userId="f59fb8f3-a021-417a-8bc1-65c8d471c621" providerId="ADAL" clId="{C5991DEB-0E5D-174C-ABD9-D9A3C5998E63}" dt="2023-09-07T15:29:36.882" v="75" actId="20577"/>
@@ -13947,7 +13978,7 @@
         <p:spPr>
           <a:xfrm>
             <a:off x="3802535" y="3488125"/>
-            <a:ext cx="4540080" cy="1323439"/>
+            <a:ext cx="4540080" cy="1938992"/>
           </a:xfrm>
           <a:prstGeom prst="rect">
             <a:avLst/>
@@ -13983,7 +14014,24 @@
                   <a:srgbClr val="FF0000"/>
                 </a:solidFill>
               </a:rPr>
-              <a:t>The variable x stores the string literal "123". x is not the integer 123!</a:t>
+              <a:t>The variable x stores the string literal "123". (x belongs to the string(str) class)</a:t>
+            </a:r>
+          </a:p>
+          <a:p>
+            <a:endParaRPr lang="en-US" sz="2000" dirty="0">
+              <a:solidFill>
+                <a:srgbClr val="FF0000"/>
+              </a:solidFill>
+            </a:endParaRPr>
+          </a:p>
+          <a:p>
+            <a:r>
+              <a:rPr lang="en-US" sz="2000" dirty="0">
+                <a:solidFill>
+                  <a:srgbClr val="FF0000"/>
+                </a:solidFill>
+              </a:rPr>
+              <a:t>x is not the integer 123!</a:t>
             </a:r>
           </a:p>
         </p:txBody>
@@ -14061,6 +14109,89 @@
           </a:p>
         </p:txBody>
       </p:sp>
+      <p:sp>
+        <p:nvSpPr>
+          <p:cNvPr id="5" name="TextBox 4">
+            <a:extLst>
+              <a:ext uri="{FF2B5EF4-FFF2-40B4-BE49-F238E27FC236}">
+                <a16:creationId xmlns:a16="http://schemas.microsoft.com/office/drawing/2014/main" id="{F3933261-8ED3-CED7-7731-4693B7B73282}"/>
+              </a:ext>
+            </a:extLst>
+          </p:cNvPr>
+          <p:cNvSpPr txBox="1"/>
+          <p:nvPr/>
+        </p:nvSpPr>
+        <p:spPr>
+          <a:xfrm>
+            <a:off x="3975270" y="2294844"/>
+            <a:ext cx="4540080" cy="707886"/>
+          </a:xfrm>
+          <a:prstGeom prst="rect">
+            <a:avLst/>
+          </a:prstGeom>
+          <a:noFill/>
+        </p:spPr>
+        <p:txBody>
+          <a:bodyPr wrap="square" rtlCol="0">
+            <a:spAutoFit/>
+          </a:bodyPr>
+          <a:lstStyle/>
+          <a:p>
+            <a:r>
+              <a:rPr lang="en-US" sz="2000" dirty="0">
+                <a:solidFill>
+                  <a:srgbClr val="FF0000"/>
+                </a:solidFill>
+              </a:rPr>
+              <a:t>The type() function allows you to see the datatype of a variable.</a:t>
+            </a:r>
+          </a:p>
+        </p:txBody>
+      </p:sp>
+      <p:cxnSp>
+        <p:nvCxnSpPr>
+          <p:cNvPr id="7" name="Straight Arrow Connector 6">
+            <a:extLst>
+              <a:ext uri="{FF2B5EF4-FFF2-40B4-BE49-F238E27FC236}">
+                <a16:creationId xmlns:a16="http://schemas.microsoft.com/office/drawing/2014/main" id="{4ACB230A-A42D-EAA5-3C21-FFC8C7A2F52C}"/>
+              </a:ext>
+            </a:extLst>
+          </p:cNvPr>
+          <p:cNvCxnSpPr>
+            <a:cxnSpLocks/>
+          </p:cNvCxnSpPr>
+          <p:nvPr/>
+        </p:nvCxnSpPr>
+        <p:spPr>
+          <a:xfrm flipH="1">
+            <a:off x="3318553" y="2794997"/>
+            <a:ext cx="711785" cy="78120"/>
+          </a:xfrm>
+          <a:prstGeom prst="straightConnector1">
+            <a:avLst/>
+          </a:prstGeom>
+          <a:ln w="38100">
+            <a:solidFill>
+              <a:schemeClr val="tx1"/>
+            </a:solidFill>
+            <a:tailEnd type="triangle"/>
+          </a:ln>
+        </p:spPr>
+        <p:style>
+          <a:lnRef idx="1">
+            <a:schemeClr val="accent1"/>
+          </a:lnRef>
+          <a:fillRef idx="0">
+            <a:schemeClr val="accent1"/>
+          </a:fillRef>
+          <a:effectRef idx="0">
+            <a:schemeClr val="accent1"/>
+          </a:effectRef>
+          <a:fontRef idx="minor">
+            <a:schemeClr val="tx1"/>
+          </a:fontRef>
+        </p:style>
+      </p:cxnSp>
     </p:spTree>
     <p:extLst>
       <p:ext uri="{BB962C8B-B14F-4D97-AF65-F5344CB8AC3E}">
@@ -14435,6 +14566,78 @@
                       </p:childTnLst>
                     </p:cTn>
                   </p:par>
+                  <p:par>
+                    <p:cTn id="29" fill="hold">
+                      <p:stCondLst>
+                        <p:cond delay="indefinite"/>
+                      </p:stCondLst>
+                      <p:childTnLst>
+                        <p:par>
+                          <p:cTn id="30" fill="hold">
+                            <p:stCondLst>
+                              <p:cond delay="0"/>
+                            </p:stCondLst>
+                            <p:childTnLst>
+                              <p:par>
+                                <p:cTn id="31" presetID="1" presetClass="entr" presetSubtype="0" fill="hold" grpId="0" nodeType="clickEffect">
+                                  <p:stCondLst>
+                                    <p:cond delay="0"/>
+                                  </p:stCondLst>
+                                  <p:childTnLst>
+                                    <p:set>
+                                      <p:cBhvr>
+                                        <p:cTn id="32" dur="1" fill="hold">
+                                          <p:stCondLst>
+                                            <p:cond delay="0"/>
+                                          </p:stCondLst>
+                                        </p:cTn>
+                                        <p:tgtEl>
+                                          <p:spTgt spid="5"/>
+                                        </p:tgtEl>
+                                        <p:attrNameLst>
+                                          <p:attrName>style.visibility</p:attrName>
+                                        </p:attrNameLst>
+                                      </p:cBhvr>
+                                      <p:to>
+                                        <p:strVal val="visible"/>
+                                      </p:to>
+                                    </p:set>
+                                  </p:childTnLst>
+                                </p:cTn>
+                              </p:par>
+                              <p:par>
+                                <p:cTn id="33" presetID="1" presetClass="entr" presetSubtype="0" fill="hold" nodeType="withEffect">
+                                  <p:stCondLst>
+                                    <p:cond delay="0"/>
+                                  </p:stCondLst>
+                                  <p:childTnLst>
+                                    <p:set>
+                                      <p:cBhvr>
+                                        <p:cTn id="34" dur="1" fill="hold">
+                                          <p:stCondLst>
+                                            <p:cond delay="0"/>
+                                          </p:stCondLst>
+                                        </p:cTn>
+                                        <p:tgtEl>
+                                          <p:spTgt spid="7"/>
+                                        </p:tgtEl>
+                                        <p:attrNameLst>
+                                          <p:attrName>style.visibility</p:attrName>
+                                        </p:attrNameLst>
+                                      </p:cBhvr>
+                                      <p:to>
+                                        <p:strVal val="visible"/>
+                                      </p:to>
+                                    </p:set>
+                                  </p:childTnLst>
+                                </p:cTn>
+                              </p:par>
+                            </p:childTnLst>
+                          </p:cTn>
+                        </p:par>
+                      </p:childTnLst>
+                    </p:cTn>
+                  </p:par>
                 </p:childTnLst>
               </p:cTn>
               <p:prevCondLst>
@@ -14458,6 +14661,7 @@
     </p:tnLst>
     <p:bldLst>
       <p:bldP spid="4" grpId="0"/>
+      <p:bldP spid="5" grpId="0"/>
     </p:bldLst>
   </p:timing>
 </p:sld>

--- a/courses/apcsp/lect1.pptx
+++ b/courses/apcsp/lect1.pptx
@@ -144,7 +144,7 @@
 <file path=ppt/revisionInfo.xml><?xml version="1.0" encoding="utf-8"?>
 <p1510:revInfo xmlns:a="http://schemas.openxmlformats.org/drawingml/2006/main" xmlns:r="http://schemas.openxmlformats.org/officeDocument/2006/relationships" xmlns:p1510="http://schemas.microsoft.com/office/powerpoint/2015/10/main">
   <p1510:revLst>
-    <p1510:client id="{C5991DEB-0E5D-174C-ABD9-D9A3C5998E63}" v="212" dt="2023-09-07T15:41:44.975"/>
+    <p1510:client id="{C5991DEB-0E5D-174C-ABD9-D9A3C5998E63}" v="214" dt="2023-09-08T16:45:55.089"/>
   </p1510:revLst>
 </p1510:revInfo>
 </file>
@@ -3082,7 +3082,7 @@
   <pc:docChgLst>
     <pc:chgData name="Long B Nguyen" userId="f59fb8f3-a021-417a-8bc1-65c8d471c621" providerId="ADAL" clId="{C5991DEB-0E5D-174C-ABD9-D9A3C5998E63}"/>
     <pc:docChg chg="modSld">
-      <pc:chgData name="Long B Nguyen" userId="f59fb8f3-a021-417a-8bc1-65c8d471c621" providerId="ADAL" clId="{C5991DEB-0E5D-174C-ABD9-D9A3C5998E63}" dt="2023-09-07T15:41:44.974" v="215" actId="20577"/>
+      <pc:chgData name="Long B Nguyen" userId="f59fb8f3-a021-417a-8bc1-65c8d471c621" providerId="ADAL" clId="{C5991DEB-0E5D-174C-ABD9-D9A3C5998E63}" dt="2023-09-08T16:45:55.088" v="217" actId="20577"/>
       <pc:docMkLst>
         <pc:docMk/>
       </pc:docMkLst>
@@ -3133,13 +3133,13 @@
         </pc:cxnChg>
       </pc:sldChg>
       <pc:sldChg chg="modSp modAnim">
-        <pc:chgData name="Long B Nguyen" userId="f59fb8f3-a021-417a-8bc1-65c8d471c621" providerId="ADAL" clId="{C5991DEB-0E5D-174C-ABD9-D9A3C5998E63}" dt="2023-09-07T15:29:36.882" v="75" actId="20577"/>
+        <pc:chgData name="Long B Nguyen" userId="f59fb8f3-a021-417a-8bc1-65c8d471c621" providerId="ADAL" clId="{C5991DEB-0E5D-174C-ABD9-D9A3C5998E63}" dt="2023-09-08T16:45:55.088" v="217" actId="20577"/>
         <pc:sldMkLst>
           <pc:docMk/>
           <pc:sldMk cId="2376452645" sldId="309"/>
         </pc:sldMkLst>
         <pc:spChg chg="mod">
-          <ac:chgData name="Long B Nguyen" userId="f59fb8f3-a021-417a-8bc1-65c8d471c621" providerId="ADAL" clId="{C5991DEB-0E5D-174C-ABD9-D9A3C5998E63}" dt="2023-09-07T15:29:36.882" v="75" actId="20577"/>
+          <ac:chgData name="Long B Nguyen" userId="f59fb8f3-a021-417a-8bc1-65c8d471c621" providerId="ADAL" clId="{C5991DEB-0E5D-174C-ABD9-D9A3C5998E63}" dt="2023-09-08T16:45:55.088" v="217" actId="20577"/>
           <ac:spMkLst>
             <pc:docMk/>
             <pc:sldMk cId="2376452645" sldId="309"/>
@@ -3457,7 +3457,7 @@
           <a:p>
             <a:fld id="{52977C8B-3199-9A4B-9182-F1B54ABD2553}" type="datetimeFigureOut">
               <a:rPr lang="en-US" smtClean="0"/>
-              <a:t>9/7/23</a:t>
+              <a:t>9/8/23</a:t>
             </a:fld>
             <a:endParaRPr lang="en-US"/>
           </a:p>
@@ -3855,7 +3855,7 @@
           <a:p>
             <a:fld id="{8B984044-87DD-C541-92A1-0F2158D19C89}" type="datetime1">
               <a:rPr lang="en-US" smtClean="0"/>
-              <a:t>9/7/23</a:t>
+              <a:t>9/8/23</a:t>
             </a:fld>
             <a:endParaRPr lang="en-US" dirty="0"/>
           </a:p>
@@ -4025,7 +4025,7 @@
           <a:p>
             <a:fld id="{8D65A002-D3EC-954B-91B8-4F6B4C13C16A}" type="datetime1">
               <a:rPr lang="en-US" smtClean="0"/>
-              <a:t>9/7/23</a:t>
+              <a:t>9/8/23</a:t>
             </a:fld>
             <a:endParaRPr lang="en-US" dirty="0"/>
           </a:p>
@@ -4205,7 +4205,7 @@
           <a:p>
             <a:fld id="{18BDB1B5-1493-7F49-A7D6-4F41BA87DC26}" type="datetime1">
               <a:rPr lang="en-US" smtClean="0"/>
-              <a:t>9/7/23</a:t>
+              <a:t>9/8/23</a:t>
             </a:fld>
             <a:endParaRPr lang="en-US" dirty="0"/>
           </a:p>
@@ -4375,7 +4375,7 @@
           <a:p>
             <a:fld id="{DCAA3B46-4EBA-3446-8E21-F81EAD0027E0}" type="datetime1">
               <a:rPr lang="en-US" smtClean="0"/>
-              <a:t>9/7/23</a:t>
+              <a:t>9/8/23</a:t>
             </a:fld>
             <a:endParaRPr lang="en-US" dirty="0"/>
           </a:p>
@@ -4621,7 +4621,7 @@
           <a:p>
             <a:fld id="{A69A4034-8776-544F-B516-F12AF3AE310B}" type="datetime1">
               <a:rPr lang="en-US" smtClean="0"/>
-              <a:t>9/7/23</a:t>
+              <a:t>9/8/23</a:t>
             </a:fld>
             <a:endParaRPr lang="en-US" dirty="0"/>
           </a:p>
@@ -4853,7 +4853,7 @@
           <a:p>
             <a:fld id="{79879E7F-0671-E64A-B5D4-3A13C80CFC35}" type="datetime1">
               <a:rPr lang="en-US" smtClean="0"/>
-              <a:t>9/7/23</a:t>
+              <a:t>9/8/23</a:t>
             </a:fld>
             <a:endParaRPr lang="en-US" dirty="0"/>
           </a:p>
@@ -5220,7 +5220,7 @@
           <a:p>
             <a:fld id="{DF4DFD22-EC8F-8E44-91AE-57BD5FA90B62}" type="datetime1">
               <a:rPr lang="en-US" smtClean="0"/>
-              <a:t>9/7/23</a:t>
+              <a:t>9/8/23</a:t>
             </a:fld>
             <a:endParaRPr lang="en-US" dirty="0"/>
           </a:p>
@@ -5338,7 +5338,7 @@
           <a:p>
             <a:fld id="{4EAA65BE-8880-7C48-850F-33E9639DFE11}" type="datetime1">
               <a:rPr lang="en-US" smtClean="0"/>
-              <a:t>9/7/23</a:t>
+              <a:t>9/8/23</a:t>
             </a:fld>
             <a:endParaRPr lang="en-US" dirty="0"/>
           </a:p>
@@ -5433,7 +5433,7 @@
           <a:p>
             <a:fld id="{118E2494-D304-2C41-A88B-2E6B51F43EFA}" type="datetime1">
               <a:rPr lang="en-US" smtClean="0"/>
-              <a:t>9/7/23</a:t>
+              <a:t>9/8/23</a:t>
             </a:fld>
             <a:endParaRPr lang="en-US" dirty="0"/>
           </a:p>
@@ -5710,7 +5710,7 @@
           <a:p>
             <a:fld id="{220684BF-7982-5A4C-9B54-D51F706E8E6E}" type="datetime1">
               <a:rPr lang="en-US" smtClean="0"/>
-              <a:t>9/7/23</a:t>
+              <a:t>9/8/23</a:t>
             </a:fld>
             <a:endParaRPr lang="en-US" dirty="0"/>
           </a:p>
@@ -5967,7 +5967,7 @@
           <a:p>
             <a:fld id="{888AC2D9-83F1-5748-A1DC-DC9B8A855E7D}" type="datetime1">
               <a:rPr lang="en-US" smtClean="0"/>
-              <a:t>9/7/23</a:t>
+              <a:t>9/8/23</a:t>
             </a:fld>
             <a:endParaRPr lang="en-US" dirty="0"/>
           </a:p>
@@ -6180,7 +6180,7 @@
           <a:p>
             <a:fld id="{E06F5566-A356-684E-A080-CEA051801574}" type="datetime1">
               <a:rPr lang="en-US" smtClean="0"/>
-              <a:t>9/7/23</a:t>
+              <a:t>9/8/23</a:t>
             </a:fld>
             <a:endParaRPr lang="en-US" dirty="0"/>
           </a:p>
@@ -11495,7 +11495,7 @@
                 </a:solidFill>
                 <a:latin typeface="Inconsolata" panose="020B0609030003000000" pitchFamily="49" charset="77"/>
               </a:rPr>
-              <a:t>x</a:t>
+              <a:t>w</a:t>
             </a:r>
             <a:r>
               <a:rPr lang="en-US" b="1" dirty="0">

--- a/courses/apcsp/lect1.pptx
+++ b/courses/apcsp/lect1.pptx
@@ -5,7 +5,7 @@
     <p:sldMasterId id="2147483791" r:id="rId1"/>
   </p:sldMasterIdLst>
   <p:notesMasterIdLst>
-    <p:notesMasterId r:id="rId29"/>
+    <p:notesMasterId r:id="rId31"/>
   </p:notesMasterIdLst>
   <p:sldIdLst>
     <p:sldId id="289" r:id="rId2"/>
@@ -19,22 +19,24 @@
     <p:sldId id="265" r:id="rId10"/>
     <p:sldId id="299" r:id="rId11"/>
     <p:sldId id="300" r:id="rId12"/>
-    <p:sldId id="267" r:id="rId13"/>
-    <p:sldId id="270" r:id="rId14"/>
-    <p:sldId id="311" r:id="rId15"/>
-    <p:sldId id="281" r:id="rId16"/>
-    <p:sldId id="553" r:id="rId17"/>
-    <p:sldId id="309" r:id="rId18"/>
-    <p:sldId id="551" r:id="rId19"/>
-    <p:sldId id="552" r:id="rId20"/>
-    <p:sldId id="307" r:id="rId21"/>
-    <p:sldId id="304" r:id="rId22"/>
-    <p:sldId id="308" r:id="rId23"/>
-    <p:sldId id="555" r:id="rId24"/>
-    <p:sldId id="556" r:id="rId25"/>
-    <p:sldId id="557" r:id="rId26"/>
-    <p:sldId id="303" r:id="rId27"/>
-    <p:sldId id="284" r:id="rId28"/>
+    <p:sldId id="558" r:id="rId13"/>
+    <p:sldId id="559" r:id="rId14"/>
+    <p:sldId id="267" r:id="rId15"/>
+    <p:sldId id="270" r:id="rId16"/>
+    <p:sldId id="311" r:id="rId17"/>
+    <p:sldId id="281" r:id="rId18"/>
+    <p:sldId id="553" r:id="rId19"/>
+    <p:sldId id="309" r:id="rId20"/>
+    <p:sldId id="551" r:id="rId21"/>
+    <p:sldId id="552" r:id="rId22"/>
+    <p:sldId id="307" r:id="rId23"/>
+    <p:sldId id="304" r:id="rId24"/>
+    <p:sldId id="308" r:id="rId25"/>
+    <p:sldId id="555" r:id="rId26"/>
+    <p:sldId id="556" r:id="rId27"/>
+    <p:sldId id="557" r:id="rId28"/>
+    <p:sldId id="303" r:id="rId29"/>
+    <p:sldId id="284" r:id="rId30"/>
   </p:sldIdLst>
   <p:sldSz cx="9144000" cy="5715000" type="screen16x10"/>
   <p:notesSz cx="6858000" cy="9144000"/>
@@ -144,13 +146,303 @@
 <file path=ppt/revisionInfo.xml><?xml version="1.0" encoding="utf-8"?>
 <p1510:revInfo xmlns:a="http://schemas.openxmlformats.org/drawingml/2006/main" xmlns:r="http://schemas.openxmlformats.org/officeDocument/2006/relationships" xmlns:p1510="http://schemas.microsoft.com/office/powerpoint/2015/10/main">
   <p1510:revLst>
-    <p1510:client id="{C5991DEB-0E5D-174C-ABD9-D9A3C5998E63}" v="214" dt="2023-09-08T16:45:55.089"/>
+    <p1510:client id="{819F5504-FD25-334A-BAB1-7C1D34A0200C}" v="138" dt="2024-09-06T13:23:13.249"/>
   </p1510:revLst>
 </p1510:revInfo>
 </file>
 
 <file path=ppt/changesInfos/changesInfo1.xml><?xml version="1.0" encoding="utf-8"?>
 <pc:chgInfo xmlns:a="http://schemas.openxmlformats.org/drawingml/2006/main" xmlns:r="http://schemas.openxmlformats.org/officeDocument/2006/relationships" xmlns:ac="http://schemas.microsoft.com/office/drawing/2013/main/command" xmlns:pc="http://schemas.microsoft.com/office/powerpoint/2013/main/command">
+  <pc:docChgLst>
+    <pc:chgData name="Long B Nguyen" userId="f59fb8f3-a021-417a-8bc1-65c8d471c621" providerId="ADAL" clId="{982D8422-27A6-2341-A334-6D849435CBA4}"/>
+    <pc:docChg chg="modSld">
+      <pc:chgData name="Long B Nguyen" userId="f59fb8f3-a021-417a-8bc1-65c8d471c621" providerId="ADAL" clId="{982D8422-27A6-2341-A334-6D849435CBA4}" dt="2021-04-27T16:03:10.998" v="39" actId="20577"/>
+      <pc:docMkLst>
+        <pc:docMk/>
+      </pc:docMkLst>
+      <pc:sldChg chg="modSp modAnim">
+        <pc:chgData name="Long B Nguyen" userId="f59fb8f3-a021-417a-8bc1-65c8d471c621" providerId="ADAL" clId="{982D8422-27A6-2341-A334-6D849435CBA4}" dt="2021-04-27T16:03:10.998" v="39" actId="20577"/>
+        <pc:sldMkLst>
+          <pc:docMk/>
+          <pc:sldMk cId="3290810672" sldId="269"/>
+        </pc:sldMkLst>
+        <pc:spChg chg="mod">
+          <ac:chgData name="Long B Nguyen" userId="f59fb8f3-a021-417a-8bc1-65c8d471c621" providerId="ADAL" clId="{982D8422-27A6-2341-A334-6D849435CBA4}" dt="2021-04-27T16:03:10.998" v="39" actId="20577"/>
+          <ac:spMkLst>
+            <pc:docMk/>
+            <pc:sldMk cId="3290810672" sldId="269"/>
+            <ac:spMk id="9" creationId="{E3B2E017-30B2-884B-A113-B419A2ED51AD}"/>
+          </ac:spMkLst>
+        </pc:spChg>
+      </pc:sldChg>
+    </pc:docChg>
+  </pc:docChgLst>
+  <pc:docChgLst>
+    <pc:chgData name="Long B Nguyen" userId="f59fb8f3-a021-417a-8bc1-65c8d471c621" providerId="ADAL" clId="{05A1C5B8-6AA9-824C-B77D-182A36FCC0A3}"/>
+    <pc:docChg chg="custSel addSld delSld modSld">
+      <pc:chgData name="Long B Nguyen" userId="f59fb8f3-a021-417a-8bc1-65c8d471c621" providerId="ADAL" clId="{05A1C5B8-6AA9-824C-B77D-182A36FCC0A3}" dt="2019-06-14T11:56:44.727" v="163" actId="1036"/>
+      <pc:docMkLst>
+        <pc:docMk/>
+      </pc:docMkLst>
+      <pc:sldChg chg="modSp">
+        <pc:chgData name="Long B Nguyen" userId="f59fb8f3-a021-417a-8bc1-65c8d471c621" providerId="ADAL" clId="{05A1C5B8-6AA9-824C-B77D-182A36FCC0A3}" dt="2019-06-14T11:54:29.924" v="134" actId="20577"/>
+        <pc:sldMkLst>
+          <pc:docMk/>
+          <pc:sldMk cId="1889908786" sldId="259"/>
+        </pc:sldMkLst>
+        <pc:spChg chg="mod">
+          <ac:chgData name="Long B Nguyen" userId="f59fb8f3-a021-417a-8bc1-65c8d471c621" providerId="ADAL" clId="{05A1C5B8-6AA9-824C-B77D-182A36FCC0A3}" dt="2019-06-14T11:54:29.924" v="134" actId="20577"/>
+          <ac:spMkLst>
+            <pc:docMk/>
+            <pc:sldMk cId="1889908786" sldId="259"/>
+            <ac:spMk id="9" creationId="{E3B2E017-30B2-884B-A113-B419A2ED51AD}"/>
+          </ac:spMkLst>
+        </pc:spChg>
+        <pc:picChg chg="mod">
+          <ac:chgData name="Long B Nguyen" userId="f59fb8f3-a021-417a-8bc1-65c8d471c621" providerId="ADAL" clId="{05A1C5B8-6AA9-824C-B77D-182A36FCC0A3}" dt="2019-06-14T11:54:03.277" v="52" actId="1036"/>
+          <ac:picMkLst>
+            <pc:docMk/>
+            <pc:sldMk cId="1889908786" sldId="259"/>
+            <ac:picMk id="4" creationId="{73F37A0B-B0EE-6844-BD8E-4A35679250DE}"/>
+          </ac:picMkLst>
+        </pc:picChg>
+      </pc:sldChg>
+      <pc:sldChg chg="modSp">
+        <pc:chgData name="Long B Nguyen" userId="f59fb8f3-a021-417a-8bc1-65c8d471c621" providerId="ADAL" clId="{05A1C5B8-6AA9-824C-B77D-182A36FCC0A3}" dt="2019-06-14T11:55:01.845" v="138" actId="313"/>
+        <pc:sldMkLst>
+          <pc:docMk/>
+          <pc:sldMk cId="558223950" sldId="285"/>
+        </pc:sldMkLst>
+        <pc:spChg chg="mod">
+          <ac:chgData name="Long B Nguyen" userId="f59fb8f3-a021-417a-8bc1-65c8d471c621" providerId="ADAL" clId="{05A1C5B8-6AA9-824C-B77D-182A36FCC0A3}" dt="2019-06-14T11:55:01.845" v="138" actId="313"/>
+          <ac:spMkLst>
+            <pc:docMk/>
+            <pc:sldMk cId="558223950" sldId="285"/>
+            <ac:spMk id="9" creationId="{E3B2E017-30B2-884B-A113-B419A2ED51AD}"/>
+          </ac:spMkLst>
+        </pc:spChg>
+      </pc:sldChg>
+      <pc:sldChg chg="modSp">
+        <pc:chgData name="Long B Nguyen" userId="f59fb8f3-a021-417a-8bc1-65c8d471c621" providerId="ADAL" clId="{05A1C5B8-6AA9-824C-B77D-182A36FCC0A3}" dt="2019-06-14T02:15:45.959" v="28" actId="20577"/>
+        <pc:sldMkLst>
+          <pc:docMk/>
+          <pc:sldMk cId="3974060782" sldId="289"/>
+        </pc:sldMkLst>
+        <pc:spChg chg="mod">
+          <ac:chgData name="Long B Nguyen" userId="f59fb8f3-a021-417a-8bc1-65c8d471c621" providerId="ADAL" clId="{05A1C5B8-6AA9-824C-B77D-182A36FCC0A3}" dt="2019-06-14T02:15:31.900" v="24" actId="20577"/>
+          <ac:spMkLst>
+            <pc:docMk/>
+            <pc:sldMk cId="3974060782" sldId="289"/>
+            <ac:spMk id="2" creationId="{6117A749-B1BA-E24B-8FB0-0604EF651FB3}"/>
+          </ac:spMkLst>
+        </pc:spChg>
+        <pc:spChg chg="mod">
+          <ac:chgData name="Long B Nguyen" userId="f59fb8f3-a021-417a-8bc1-65c8d471c621" providerId="ADAL" clId="{05A1C5B8-6AA9-824C-B77D-182A36FCC0A3}" dt="2019-06-14T02:15:45.959" v="28" actId="20577"/>
+          <ac:spMkLst>
+            <pc:docMk/>
+            <pc:sldMk cId="3974060782" sldId="289"/>
+            <ac:spMk id="3" creationId="{1BDC47C8-6776-7B44-9CD4-95FC91452D62}"/>
+          </ac:spMkLst>
+        </pc:spChg>
+      </pc:sldChg>
+      <pc:sldChg chg="add">
+        <pc:chgData name="Long B Nguyen" userId="f59fb8f3-a021-417a-8bc1-65c8d471c621" providerId="ADAL" clId="{05A1C5B8-6AA9-824C-B77D-182A36FCC0A3}" dt="2019-06-14T01:14:32.822" v="0"/>
+        <pc:sldMkLst>
+          <pc:docMk/>
+          <pc:sldMk cId="1581961275" sldId="293"/>
+        </pc:sldMkLst>
+      </pc:sldChg>
+    </pc:docChg>
+  </pc:docChgLst>
+  <pc:docChgLst>
+    <pc:chgData name="Long B Nguyen" userId="f59fb8f3-a021-417a-8bc1-65c8d471c621" providerId="ADAL" clId="{EFBCD846-B2A3-1B4C-B729-1BDD8BB3398F}"/>
+    <pc:docChg chg="custSel addSld delSld modSld">
+      <pc:chgData name="Long B Nguyen" userId="f59fb8f3-a021-417a-8bc1-65c8d471c621" providerId="ADAL" clId="{EFBCD846-B2A3-1B4C-B729-1BDD8BB3398F}" dt="2019-06-15T13:28:52.721" v="979" actId="20577"/>
+      <pc:docMkLst>
+        <pc:docMk/>
+      </pc:docMkLst>
+      <pc:sldChg chg="modSp">
+        <pc:chgData name="Long B Nguyen" userId="f59fb8f3-a021-417a-8bc1-65c8d471c621" providerId="ADAL" clId="{EFBCD846-B2A3-1B4C-B729-1BDD8BB3398F}" dt="2019-06-15T13:28:52.721" v="979" actId="20577"/>
+        <pc:sldMkLst>
+          <pc:docMk/>
+          <pc:sldMk cId="2207246265" sldId="257"/>
+        </pc:sldMkLst>
+        <pc:spChg chg="mod">
+          <ac:chgData name="Long B Nguyen" userId="f59fb8f3-a021-417a-8bc1-65c8d471c621" providerId="ADAL" clId="{EFBCD846-B2A3-1B4C-B729-1BDD8BB3398F}" dt="2019-06-15T13:28:52.721" v="979" actId="20577"/>
+          <ac:spMkLst>
+            <pc:docMk/>
+            <pc:sldMk cId="2207246265" sldId="257"/>
+            <ac:spMk id="9" creationId="{E3B2E017-30B2-884B-A113-B419A2ED51AD}"/>
+          </ac:spMkLst>
+        </pc:spChg>
+      </pc:sldChg>
+      <pc:sldChg chg="delSp modSp">
+        <pc:chgData name="Long B Nguyen" userId="f59fb8f3-a021-417a-8bc1-65c8d471c621" providerId="ADAL" clId="{EFBCD846-B2A3-1B4C-B729-1BDD8BB3398F}" dt="2019-06-15T12:37:48.814" v="503" actId="20577"/>
+        <pc:sldMkLst>
+          <pc:docMk/>
+          <pc:sldMk cId="4103067120" sldId="261"/>
+        </pc:sldMkLst>
+        <pc:spChg chg="del">
+          <ac:chgData name="Long B Nguyen" userId="f59fb8f3-a021-417a-8bc1-65c8d471c621" providerId="ADAL" clId="{EFBCD846-B2A3-1B4C-B729-1BDD8BB3398F}" dt="2019-06-15T12:33:20.052" v="122" actId="478"/>
+          <ac:spMkLst>
+            <pc:docMk/>
+            <pc:sldMk cId="4103067120" sldId="261"/>
+            <ac:spMk id="6" creationId="{76E456FD-D331-974E-9966-139D852DE6B8}"/>
+          </ac:spMkLst>
+        </pc:spChg>
+        <pc:spChg chg="mod">
+          <ac:chgData name="Long B Nguyen" userId="f59fb8f3-a021-417a-8bc1-65c8d471c621" providerId="ADAL" clId="{EFBCD846-B2A3-1B4C-B729-1BDD8BB3398F}" dt="2019-06-15T12:37:48.814" v="503" actId="20577"/>
+          <ac:spMkLst>
+            <pc:docMk/>
+            <pc:sldMk cId="4103067120" sldId="261"/>
+            <ac:spMk id="9" creationId="{E3B2E017-30B2-884B-A113-B419A2ED51AD}"/>
+          </ac:spMkLst>
+        </pc:spChg>
+        <pc:picChg chg="del">
+          <ac:chgData name="Long B Nguyen" userId="f59fb8f3-a021-417a-8bc1-65c8d471c621" providerId="ADAL" clId="{EFBCD846-B2A3-1B4C-B729-1BDD8BB3398F}" dt="2019-06-15T12:32:55.159" v="19" actId="478"/>
+          <ac:picMkLst>
+            <pc:docMk/>
+            <pc:sldMk cId="4103067120" sldId="261"/>
+            <ac:picMk id="4" creationId="{83CF82C8-FC88-4642-A338-FD014F4CAC2D}"/>
+          </ac:picMkLst>
+        </pc:picChg>
+        <pc:picChg chg="del">
+          <ac:chgData name="Long B Nguyen" userId="f59fb8f3-a021-417a-8bc1-65c8d471c621" providerId="ADAL" clId="{EFBCD846-B2A3-1B4C-B729-1BDD8BB3398F}" dt="2019-06-15T12:33:47.423" v="200" actId="478"/>
+          <ac:picMkLst>
+            <pc:docMk/>
+            <pc:sldMk cId="4103067120" sldId="261"/>
+            <ac:picMk id="5" creationId="{703FD9BD-7F29-8C40-B080-09EE1CB5D9E1}"/>
+          </ac:picMkLst>
+        </pc:picChg>
+      </pc:sldChg>
+      <pc:sldChg chg="addSp delSp modSp add">
+        <pc:chgData name="Long B Nguyen" userId="f59fb8f3-a021-417a-8bc1-65c8d471c621" providerId="ADAL" clId="{EFBCD846-B2A3-1B4C-B729-1BDD8BB3398F}" dt="2019-06-15T12:53:05.508" v="927" actId="1076"/>
+        <pc:sldMkLst>
+          <pc:docMk/>
+          <pc:sldMk cId="905114398" sldId="264"/>
+        </pc:sldMkLst>
+        <pc:spChg chg="add mod">
+          <ac:chgData name="Long B Nguyen" userId="f59fb8f3-a021-417a-8bc1-65c8d471c621" providerId="ADAL" clId="{EFBCD846-B2A3-1B4C-B729-1BDD8BB3398F}" dt="2019-06-15T12:52:08.118" v="852" actId="20577"/>
+          <ac:spMkLst>
+            <pc:docMk/>
+            <pc:sldMk cId="905114398" sldId="264"/>
+            <ac:spMk id="3" creationId="{9851CEEB-B8D2-EA41-9A10-1BC744107E4C}"/>
+          </ac:spMkLst>
+        </pc:spChg>
+        <pc:spChg chg="add mod">
+          <ac:chgData name="Long B Nguyen" userId="f59fb8f3-a021-417a-8bc1-65c8d471c621" providerId="ADAL" clId="{EFBCD846-B2A3-1B4C-B729-1BDD8BB3398F}" dt="2019-06-15T12:52:32.879" v="864" actId="1076"/>
+          <ac:spMkLst>
+            <pc:docMk/>
+            <pc:sldMk cId="905114398" sldId="264"/>
+            <ac:spMk id="5" creationId="{3E8F7CED-693F-5A43-87EB-5E21C02FDA13}"/>
+          </ac:spMkLst>
+        </pc:spChg>
+        <pc:spChg chg="add mod">
+          <ac:chgData name="Long B Nguyen" userId="f59fb8f3-a021-417a-8bc1-65c8d471c621" providerId="ADAL" clId="{EFBCD846-B2A3-1B4C-B729-1BDD8BB3398F}" dt="2019-06-15T12:52:47.831" v="922" actId="20577"/>
+          <ac:spMkLst>
+            <pc:docMk/>
+            <pc:sldMk cId="905114398" sldId="264"/>
+            <ac:spMk id="7" creationId="{C56845F4-C671-F849-8613-50BD132A5D50}"/>
+          </ac:spMkLst>
+        </pc:spChg>
+        <pc:spChg chg="mod">
+          <ac:chgData name="Long B Nguyen" userId="f59fb8f3-a021-417a-8bc1-65c8d471c621" providerId="ADAL" clId="{EFBCD846-B2A3-1B4C-B729-1BDD8BB3398F}" dt="2019-06-15T12:44:37.697" v="710" actId="20577"/>
+          <ac:spMkLst>
+            <pc:docMk/>
+            <pc:sldMk cId="905114398" sldId="264"/>
+            <ac:spMk id="9" creationId="{E3B2E017-30B2-884B-A113-B419A2ED51AD}"/>
+          </ac:spMkLst>
+        </pc:spChg>
+        <pc:picChg chg="add mod">
+          <ac:chgData name="Long B Nguyen" userId="f59fb8f3-a021-417a-8bc1-65c8d471c621" providerId="ADAL" clId="{EFBCD846-B2A3-1B4C-B729-1BDD8BB3398F}" dt="2019-06-15T12:53:05.508" v="927" actId="1076"/>
+          <ac:picMkLst>
+            <pc:docMk/>
+            <pc:sldMk cId="905114398" sldId="264"/>
+            <ac:picMk id="6" creationId="{4FD3269E-CE30-EB4E-AFDF-1494248BF8F8}"/>
+          </ac:picMkLst>
+        </pc:picChg>
+        <pc:picChg chg="add del mod">
+          <ac:chgData name="Long B Nguyen" userId="f59fb8f3-a021-417a-8bc1-65c8d471c621" providerId="ADAL" clId="{EFBCD846-B2A3-1B4C-B729-1BDD8BB3398F}" dt="2019-06-15T12:53:00.696" v="926" actId="478"/>
+          <ac:picMkLst>
+            <pc:docMk/>
+            <pc:sldMk cId="905114398" sldId="264"/>
+            <ac:picMk id="8" creationId="{F0F0B752-3555-A843-B5E5-0B49E86B4389}"/>
+          </ac:picMkLst>
+        </pc:picChg>
+        <pc:picChg chg="add del mod">
+          <ac:chgData name="Long B Nguyen" userId="f59fb8f3-a021-417a-8bc1-65c8d471c621" providerId="ADAL" clId="{EFBCD846-B2A3-1B4C-B729-1BDD8BB3398F}" dt="2019-06-15T12:52:59.443" v="925" actId="478"/>
+          <ac:picMkLst>
+            <pc:docMk/>
+            <pc:sldMk cId="905114398" sldId="264"/>
+            <ac:picMk id="10" creationId="{3FFB2B8C-F15D-4541-8E74-DEB48CBE078C}"/>
+          </ac:picMkLst>
+        </pc:picChg>
+      </pc:sldChg>
+      <pc:sldChg chg="addSp delSp modSp add">
+        <pc:chgData name="Long B Nguyen" userId="f59fb8f3-a021-417a-8bc1-65c8d471c621" providerId="ADAL" clId="{EFBCD846-B2A3-1B4C-B729-1BDD8BB3398F}" dt="2019-06-15T12:44:43.357" v="712" actId="20577"/>
+        <pc:sldMkLst>
+          <pc:docMk/>
+          <pc:sldMk cId="2081483973" sldId="296"/>
+        </pc:sldMkLst>
+        <pc:spChg chg="mod">
+          <ac:chgData name="Long B Nguyen" userId="f59fb8f3-a021-417a-8bc1-65c8d471c621" providerId="ADAL" clId="{EFBCD846-B2A3-1B4C-B729-1BDD8BB3398F}" dt="2019-06-15T12:40:46.852" v="572" actId="20577"/>
+          <ac:spMkLst>
+            <pc:docMk/>
+            <pc:sldMk cId="2081483973" sldId="296"/>
+            <ac:spMk id="6" creationId="{76E456FD-D331-974E-9966-139D852DE6B8}"/>
+          </ac:spMkLst>
+        </pc:spChg>
+        <pc:spChg chg="mod">
+          <ac:chgData name="Long B Nguyen" userId="f59fb8f3-a021-417a-8bc1-65c8d471c621" providerId="ADAL" clId="{EFBCD846-B2A3-1B4C-B729-1BDD8BB3398F}" dt="2019-06-15T12:44:43.357" v="712" actId="20577"/>
+          <ac:spMkLst>
+            <pc:docMk/>
+            <pc:sldMk cId="2081483973" sldId="296"/>
+            <ac:spMk id="9" creationId="{E3B2E017-30B2-884B-A113-B419A2ED51AD}"/>
+          </ac:spMkLst>
+        </pc:spChg>
+        <pc:picChg chg="add mod">
+          <ac:chgData name="Long B Nguyen" userId="f59fb8f3-a021-417a-8bc1-65c8d471c621" providerId="ADAL" clId="{EFBCD846-B2A3-1B4C-B729-1BDD8BB3398F}" dt="2019-06-15T12:40:50.154" v="588" actId="1035"/>
+          <ac:picMkLst>
+            <pc:docMk/>
+            <pc:sldMk cId="2081483973" sldId="296"/>
+            <ac:picMk id="3" creationId="{9A8E9CD0-D9B3-8E4C-9599-C519FA3BF22B}"/>
+          </ac:picMkLst>
+        </pc:picChg>
+        <pc:picChg chg="del mod">
+          <ac:chgData name="Long B Nguyen" userId="f59fb8f3-a021-417a-8bc1-65c8d471c621" providerId="ADAL" clId="{EFBCD846-B2A3-1B4C-B729-1BDD8BB3398F}" dt="2019-06-15T12:38:05.510" v="504" actId="478"/>
+          <ac:picMkLst>
+            <pc:docMk/>
+            <pc:sldMk cId="2081483973" sldId="296"/>
+            <ac:picMk id="4" creationId="{83CF82C8-FC88-4642-A338-FD014F4CAC2D}"/>
+          </ac:picMkLst>
+        </pc:picChg>
+        <pc:picChg chg="del mod">
+          <ac:chgData name="Long B Nguyen" userId="f59fb8f3-a021-417a-8bc1-65c8d471c621" providerId="ADAL" clId="{EFBCD846-B2A3-1B4C-B729-1BDD8BB3398F}" dt="2019-06-15T12:39:38.481" v="556" actId="478"/>
+          <ac:picMkLst>
+            <pc:docMk/>
+            <pc:sldMk cId="2081483973" sldId="296"/>
+            <ac:picMk id="5" creationId="{703FD9BD-7F29-8C40-B080-09EE1CB5D9E1}"/>
+          </ac:picMkLst>
+        </pc:picChg>
+        <pc:picChg chg="add mod">
+          <ac:chgData name="Long B Nguyen" userId="f59fb8f3-a021-417a-8bc1-65c8d471c621" providerId="ADAL" clId="{EFBCD846-B2A3-1B4C-B729-1BDD8BB3398F}" dt="2019-06-15T12:40:52.555" v="597" actId="1035"/>
+          <ac:picMkLst>
+            <pc:docMk/>
+            <pc:sldMk cId="2081483973" sldId="296"/>
+            <ac:picMk id="7" creationId="{09184722-0D16-5E47-A514-4348651A24BB}"/>
+          </ac:picMkLst>
+        </pc:picChg>
+        <pc:picChg chg="add mod">
+          <ac:chgData name="Long B Nguyen" userId="f59fb8f3-a021-417a-8bc1-65c8d471c621" providerId="ADAL" clId="{EFBCD846-B2A3-1B4C-B729-1BDD8BB3398F}" dt="2019-06-15T12:41:30.254" v="602" actId="1076"/>
+          <ac:picMkLst>
+            <pc:docMk/>
+            <pc:sldMk cId="2081483973" sldId="296"/>
+            <ac:picMk id="8" creationId="{778F82F4-110D-C843-8F5C-71BDAE030887}"/>
+          </ac:picMkLst>
+        </pc:picChg>
+      </pc:sldChg>
+    </pc:docChg>
+  </pc:docChgLst>
   <pc:docChgLst>
     <pc:chgData name="Long B Nguyen" userId="f59fb8f3-a021-417a-8bc1-65c8d471c621" providerId="ADAL" clId="{84676ADF-44D0-6B47-A57C-36670D0E7DB8}"/>
     <pc:docChg chg="undo custSel addSld delSld modSld">
@@ -641,6 +933,450 @@
             <ac:picMk id="5" creationId="{B1F2A5E4-80D0-AA48-B189-E85CAD7EAE68}"/>
           </ac:picMkLst>
         </pc:picChg>
+      </pc:sldChg>
+    </pc:docChg>
+  </pc:docChgLst>
+  <pc:docChgLst>
+    <pc:chgData name="Long B Nguyen" userId="f59fb8f3-a021-417a-8bc1-65c8d471c621" providerId="ADAL" clId="{C5991DEB-0E5D-174C-ABD9-D9A3C5998E63}"/>
+    <pc:docChg chg="modSld">
+      <pc:chgData name="Long B Nguyen" userId="f59fb8f3-a021-417a-8bc1-65c8d471c621" providerId="ADAL" clId="{C5991DEB-0E5D-174C-ABD9-D9A3C5998E63}" dt="2023-09-08T16:45:55.088" v="217" actId="20577"/>
+      <pc:docMkLst>
+        <pc:docMk/>
+      </pc:docMkLst>
+      <pc:sldChg chg="modSp">
+        <pc:chgData name="Long B Nguyen" userId="f59fb8f3-a021-417a-8bc1-65c8d471c621" providerId="ADAL" clId="{C5991DEB-0E5D-174C-ABD9-D9A3C5998E63}" dt="2023-09-07T15:24:29.573" v="0" actId="20577"/>
+        <pc:sldMkLst>
+          <pc:docMk/>
+          <pc:sldMk cId="2207246265" sldId="257"/>
+        </pc:sldMkLst>
+        <pc:spChg chg="mod">
+          <ac:chgData name="Long B Nguyen" userId="f59fb8f3-a021-417a-8bc1-65c8d471c621" providerId="ADAL" clId="{C5991DEB-0E5D-174C-ABD9-D9A3C5998E63}" dt="2023-09-07T15:24:29.573" v="0" actId="20577"/>
+          <ac:spMkLst>
+            <pc:docMk/>
+            <pc:sldMk cId="2207246265" sldId="257"/>
+            <ac:spMk id="9" creationId="{E3B2E017-30B2-884B-A113-B419A2ED51AD}"/>
+          </ac:spMkLst>
+        </pc:spChg>
+      </pc:sldChg>
+      <pc:sldChg chg="addSp modSp mod modAnim">
+        <pc:chgData name="Long B Nguyen" userId="f59fb8f3-a021-417a-8bc1-65c8d471c621" providerId="ADAL" clId="{C5991DEB-0E5D-174C-ABD9-D9A3C5998E63}" dt="2023-09-07T15:41:44.974" v="215" actId="20577"/>
+        <pc:sldMkLst>
+          <pc:docMk/>
+          <pc:sldMk cId="3016287638" sldId="307"/>
+        </pc:sldMkLst>
+        <pc:spChg chg="mod">
+          <ac:chgData name="Long B Nguyen" userId="f59fb8f3-a021-417a-8bc1-65c8d471c621" providerId="ADAL" clId="{C5991DEB-0E5D-174C-ABD9-D9A3C5998E63}" dt="2023-09-07T15:41:44.974" v="215" actId="20577"/>
+          <ac:spMkLst>
+            <pc:docMk/>
+            <pc:sldMk cId="3016287638" sldId="307"/>
+            <ac:spMk id="4" creationId="{101D5B14-B0A8-F144-A696-7C11E3D4A333}"/>
+          </ac:spMkLst>
+        </pc:spChg>
+        <pc:spChg chg="add mod">
+          <ac:chgData name="Long B Nguyen" userId="f59fb8f3-a021-417a-8bc1-65c8d471c621" providerId="ADAL" clId="{C5991DEB-0E5D-174C-ABD9-D9A3C5998E63}" dt="2023-09-07T15:40:53.110" v="172" actId="1076"/>
+          <ac:spMkLst>
+            <pc:docMk/>
+            <pc:sldMk cId="3016287638" sldId="307"/>
+            <ac:spMk id="5" creationId="{F3933261-8ED3-CED7-7731-4693B7B73282}"/>
+          </ac:spMkLst>
+        </pc:spChg>
+        <pc:cxnChg chg="add mod">
+          <ac:chgData name="Long B Nguyen" userId="f59fb8f3-a021-417a-8bc1-65c8d471c621" providerId="ADAL" clId="{C5991DEB-0E5D-174C-ABD9-D9A3C5998E63}" dt="2023-09-07T15:40:59.010" v="175" actId="14100"/>
+          <ac:cxnSpMkLst>
+            <pc:docMk/>
+            <pc:sldMk cId="3016287638" sldId="307"/>
+            <ac:cxnSpMk id="7" creationId="{4ACB230A-A42D-EAA5-3C21-FFC8C7A2F52C}"/>
+          </ac:cxnSpMkLst>
+        </pc:cxnChg>
+      </pc:sldChg>
+      <pc:sldChg chg="modSp modAnim">
+        <pc:chgData name="Long B Nguyen" userId="f59fb8f3-a021-417a-8bc1-65c8d471c621" providerId="ADAL" clId="{C5991DEB-0E5D-174C-ABD9-D9A3C5998E63}" dt="2023-09-08T16:45:55.088" v="217" actId="20577"/>
+        <pc:sldMkLst>
+          <pc:docMk/>
+          <pc:sldMk cId="2376452645" sldId="309"/>
+        </pc:sldMkLst>
+        <pc:spChg chg="mod">
+          <ac:chgData name="Long B Nguyen" userId="f59fb8f3-a021-417a-8bc1-65c8d471c621" providerId="ADAL" clId="{C5991DEB-0E5D-174C-ABD9-D9A3C5998E63}" dt="2023-09-08T16:45:55.088" v="217" actId="20577"/>
+          <ac:spMkLst>
+            <pc:docMk/>
+            <pc:sldMk cId="2376452645" sldId="309"/>
+            <ac:spMk id="9" creationId="{E3B2E017-30B2-884B-A113-B419A2ED51AD}"/>
+          </ac:spMkLst>
+        </pc:spChg>
+      </pc:sldChg>
+      <pc:sldChg chg="modSp modAnim">
+        <pc:chgData name="Long B Nguyen" userId="f59fb8f3-a021-417a-8bc1-65c8d471c621" providerId="ADAL" clId="{C5991DEB-0E5D-174C-ABD9-D9A3C5998E63}" dt="2023-09-07T15:38:36.111" v="96" actId="20577"/>
+        <pc:sldMkLst>
+          <pc:docMk/>
+          <pc:sldMk cId="1408330095" sldId="311"/>
+        </pc:sldMkLst>
+        <pc:spChg chg="mod">
+          <ac:chgData name="Long B Nguyen" userId="f59fb8f3-a021-417a-8bc1-65c8d471c621" providerId="ADAL" clId="{C5991DEB-0E5D-174C-ABD9-D9A3C5998E63}" dt="2023-09-07T15:38:36.111" v="96" actId="20577"/>
+          <ac:spMkLst>
+            <pc:docMk/>
+            <pc:sldMk cId="1408330095" sldId="311"/>
+            <ac:spMk id="9" creationId="{E3B2E017-30B2-884B-A113-B419A2ED51AD}"/>
+          </ac:spMkLst>
+        </pc:spChg>
+      </pc:sldChg>
+    </pc:docChg>
+  </pc:docChgLst>
+  <pc:docChgLst>
+    <pc:chgData name="Long B Nguyen" userId="f59fb8f3-a021-417a-8bc1-65c8d471c621" providerId="ADAL" clId="{0A2D55A0-81A8-4E44-855B-5488B777D4BD}"/>
+    <pc:docChg chg="modSld">
+      <pc:chgData name="Long B Nguyen" userId="f59fb8f3-a021-417a-8bc1-65c8d471c621" providerId="ADAL" clId="{0A2D55A0-81A8-4E44-855B-5488B777D4BD}" dt="2020-09-24T11:47:44.276" v="418" actId="20577"/>
+      <pc:docMkLst>
+        <pc:docMk/>
+      </pc:docMkLst>
+      <pc:sldChg chg="modSp modAnim">
+        <pc:chgData name="Long B Nguyen" userId="f59fb8f3-a021-417a-8bc1-65c8d471c621" providerId="ADAL" clId="{0A2D55A0-81A8-4E44-855B-5488B777D4BD}" dt="2020-09-22T13:34:32.844" v="130" actId="20577"/>
+        <pc:sldMkLst>
+          <pc:docMk/>
+          <pc:sldMk cId="2207246265" sldId="257"/>
+        </pc:sldMkLst>
+        <pc:spChg chg="mod">
+          <ac:chgData name="Long B Nguyen" userId="f59fb8f3-a021-417a-8bc1-65c8d471c621" providerId="ADAL" clId="{0A2D55A0-81A8-4E44-855B-5488B777D4BD}" dt="2020-09-22T13:34:32.844" v="130" actId="20577"/>
+          <ac:spMkLst>
+            <pc:docMk/>
+            <pc:sldMk cId="2207246265" sldId="257"/>
+            <ac:spMk id="9" creationId="{E3B2E017-30B2-884B-A113-B419A2ED51AD}"/>
+          </ac:spMkLst>
+        </pc:spChg>
+      </pc:sldChg>
+      <pc:sldChg chg="modSp">
+        <pc:chgData name="Long B Nguyen" userId="f59fb8f3-a021-417a-8bc1-65c8d471c621" providerId="ADAL" clId="{0A2D55A0-81A8-4E44-855B-5488B777D4BD}" dt="2020-09-24T11:45:20.841" v="278" actId="113"/>
+        <pc:sldMkLst>
+          <pc:docMk/>
+          <pc:sldMk cId="3625497833" sldId="265"/>
+        </pc:sldMkLst>
+        <pc:spChg chg="mod">
+          <ac:chgData name="Long B Nguyen" userId="f59fb8f3-a021-417a-8bc1-65c8d471c621" providerId="ADAL" clId="{0A2D55A0-81A8-4E44-855B-5488B777D4BD}" dt="2020-09-24T11:45:20.841" v="278" actId="113"/>
+          <ac:spMkLst>
+            <pc:docMk/>
+            <pc:sldMk cId="3625497833" sldId="265"/>
+            <ac:spMk id="9" creationId="{E3B2E017-30B2-884B-A113-B419A2ED51AD}"/>
+          </ac:spMkLst>
+        </pc:spChg>
+      </pc:sldChg>
+      <pc:sldChg chg="modSp">
+        <pc:chgData name="Long B Nguyen" userId="f59fb8f3-a021-417a-8bc1-65c8d471c621" providerId="ADAL" clId="{0A2D55A0-81A8-4E44-855B-5488B777D4BD}" dt="2020-09-24T11:45:34.022" v="279" actId="113"/>
+        <pc:sldMkLst>
+          <pc:docMk/>
+          <pc:sldMk cId="4224307978" sldId="270"/>
+        </pc:sldMkLst>
+        <pc:spChg chg="mod">
+          <ac:chgData name="Long B Nguyen" userId="f59fb8f3-a021-417a-8bc1-65c8d471c621" providerId="ADAL" clId="{0A2D55A0-81A8-4E44-855B-5488B777D4BD}" dt="2020-09-24T11:45:34.022" v="279" actId="113"/>
+          <ac:spMkLst>
+            <pc:docMk/>
+            <pc:sldMk cId="4224307978" sldId="270"/>
+            <ac:spMk id="9" creationId="{E3B2E017-30B2-884B-A113-B419A2ED51AD}"/>
+          </ac:spMkLst>
+        </pc:spChg>
+      </pc:sldChg>
+      <pc:sldChg chg="modSp">
+        <pc:chgData name="Long B Nguyen" userId="f59fb8f3-a021-417a-8bc1-65c8d471c621" providerId="ADAL" clId="{0A2D55A0-81A8-4E44-855B-5488B777D4BD}" dt="2020-09-24T11:45:51.041" v="280" actId="113"/>
+        <pc:sldMkLst>
+          <pc:docMk/>
+          <pc:sldMk cId="2130507588" sldId="271"/>
+        </pc:sldMkLst>
+        <pc:spChg chg="mod">
+          <ac:chgData name="Long B Nguyen" userId="f59fb8f3-a021-417a-8bc1-65c8d471c621" providerId="ADAL" clId="{0A2D55A0-81A8-4E44-855B-5488B777D4BD}" dt="2020-09-24T11:45:51.041" v="280" actId="113"/>
+          <ac:spMkLst>
+            <pc:docMk/>
+            <pc:sldMk cId="2130507588" sldId="271"/>
+            <ac:spMk id="9" creationId="{E3B2E017-30B2-884B-A113-B419A2ED51AD}"/>
+          </ac:spMkLst>
+        </pc:spChg>
+      </pc:sldChg>
+      <pc:sldChg chg="modSp">
+        <pc:chgData name="Long B Nguyen" userId="f59fb8f3-a021-417a-8bc1-65c8d471c621" providerId="ADAL" clId="{0A2D55A0-81A8-4E44-855B-5488B777D4BD}" dt="2020-09-24T11:24:03.241" v="154" actId="113"/>
+        <pc:sldMkLst>
+          <pc:docMk/>
+          <pc:sldMk cId="587435069" sldId="272"/>
+        </pc:sldMkLst>
+        <pc:spChg chg="mod">
+          <ac:chgData name="Long B Nguyen" userId="f59fb8f3-a021-417a-8bc1-65c8d471c621" providerId="ADAL" clId="{0A2D55A0-81A8-4E44-855B-5488B777D4BD}" dt="2020-09-24T11:24:03.241" v="154" actId="113"/>
+          <ac:spMkLst>
+            <pc:docMk/>
+            <pc:sldMk cId="587435069" sldId="272"/>
+            <ac:spMk id="9" creationId="{E3B2E017-30B2-884B-A113-B419A2ED51AD}"/>
+          </ac:spMkLst>
+        </pc:spChg>
+      </pc:sldChg>
+      <pc:sldChg chg="modSp">
+        <pc:chgData name="Long B Nguyen" userId="f59fb8f3-a021-417a-8bc1-65c8d471c621" providerId="ADAL" clId="{0A2D55A0-81A8-4E44-855B-5488B777D4BD}" dt="2020-09-22T04:40:52.026" v="101" actId="20577"/>
+        <pc:sldMkLst>
+          <pc:docMk/>
+          <pc:sldMk cId="2925367410" sldId="280"/>
+        </pc:sldMkLst>
+        <pc:spChg chg="mod">
+          <ac:chgData name="Long B Nguyen" userId="f59fb8f3-a021-417a-8bc1-65c8d471c621" providerId="ADAL" clId="{0A2D55A0-81A8-4E44-855B-5488B777D4BD}" dt="2020-09-22T04:40:52.026" v="101" actId="20577"/>
+          <ac:spMkLst>
+            <pc:docMk/>
+            <pc:sldMk cId="2925367410" sldId="280"/>
+            <ac:spMk id="9" creationId="{E3B2E017-30B2-884B-A113-B419A2ED51AD}"/>
+          </ac:spMkLst>
+        </pc:spChg>
+      </pc:sldChg>
+      <pc:sldChg chg="modSp">
+        <pc:chgData name="Long B Nguyen" userId="f59fb8f3-a021-417a-8bc1-65c8d471c621" providerId="ADAL" clId="{0A2D55A0-81A8-4E44-855B-5488B777D4BD}" dt="2020-09-24T11:23:44.909" v="153" actId="113"/>
+        <pc:sldMkLst>
+          <pc:docMk/>
+          <pc:sldMk cId="2119170476" sldId="281"/>
+        </pc:sldMkLst>
+        <pc:spChg chg="mod">
+          <ac:chgData name="Long B Nguyen" userId="f59fb8f3-a021-417a-8bc1-65c8d471c621" providerId="ADAL" clId="{0A2D55A0-81A8-4E44-855B-5488B777D4BD}" dt="2020-09-24T11:23:44.909" v="153" actId="113"/>
+          <ac:spMkLst>
+            <pc:docMk/>
+            <pc:sldMk cId="2119170476" sldId="281"/>
+            <ac:spMk id="9" creationId="{E3B2E017-30B2-884B-A113-B419A2ED51AD}"/>
+          </ac:spMkLst>
+        </pc:spChg>
+      </pc:sldChg>
+      <pc:sldChg chg="modSp">
+        <pc:chgData name="Long B Nguyen" userId="f59fb8f3-a021-417a-8bc1-65c8d471c621" providerId="ADAL" clId="{0A2D55A0-81A8-4E44-855B-5488B777D4BD}" dt="2020-09-22T13:32:11.637" v="120" actId="20577"/>
+        <pc:sldMkLst>
+          <pc:docMk/>
+          <pc:sldMk cId="558223950" sldId="285"/>
+        </pc:sldMkLst>
+        <pc:spChg chg="mod">
+          <ac:chgData name="Long B Nguyen" userId="f59fb8f3-a021-417a-8bc1-65c8d471c621" providerId="ADAL" clId="{0A2D55A0-81A8-4E44-855B-5488B777D4BD}" dt="2020-09-22T13:32:11.637" v="120" actId="20577"/>
+          <ac:spMkLst>
+            <pc:docMk/>
+            <pc:sldMk cId="558223950" sldId="285"/>
+            <ac:spMk id="9" creationId="{E3B2E017-30B2-884B-A113-B419A2ED51AD}"/>
+          </ac:spMkLst>
+        </pc:spChg>
+      </pc:sldChg>
+      <pc:sldChg chg="modSp mod modAnim">
+        <pc:chgData name="Long B Nguyen" userId="f59fb8f3-a021-417a-8bc1-65c8d471c621" providerId="ADAL" clId="{0A2D55A0-81A8-4E44-855B-5488B777D4BD}" dt="2020-09-24T11:46:06.195" v="281" actId="113"/>
+        <pc:sldMkLst>
+          <pc:docMk/>
+          <pc:sldMk cId="3711861066" sldId="295"/>
+        </pc:sldMkLst>
+        <pc:spChg chg="mod">
+          <ac:chgData name="Long B Nguyen" userId="f59fb8f3-a021-417a-8bc1-65c8d471c621" providerId="ADAL" clId="{0A2D55A0-81A8-4E44-855B-5488B777D4BD}" dt="2020-09-24T11:46:06.195" v="281" actId="113"/>
+          <ac:spMkLst>
+            <pc:docMk/>
+            <pc:sldMk cId="3711861066" sldId="295"/>
+            <ac:spMk id="9" creationId="{E3B2E017-30B2-884B-A113-B419A2ED51AD}"/>
+          </ac:spMkLst>
+        </pc:spChg>
+      </pc:sldChg>
+      <pc:sldChg chg="addSp modSp mod modAnim">
+        <pc:chgData name="Long B Nguyen" userId="f59fb8f3-a021-417a-8bc1-65c8d471c621" providerId="ADAL" clId="{0A2D55A0-81A8-4E44-855B-5488B777D4BD}" dt="2020-09-22T13:39:28.298" v="138" actId="14100"/>
+        <pc:sldMkLst>
+          <pc:docMk/>
+          <pc:sldMk cId="3705756631" sldId="300"/>
+        </pc:sldMkLst>
+        <pc:cxnChg chg="mod">
+          <ac:chgData name="Long B Nguyen" userId="f59fb8f3-a021-417a-8bc1-65c8d471c621" providerId="ADAL" clId="{0A2D55A0-81A8-4E44-855B-5488B777D4BD}" dt="2020-09-22T13:38:57.311" v="131" actId="14100"/>
+          <ac:cxnSpMkLst>
+            <pc:docMk/>
+            <pc:sldMk cId="3705756631" sldId="300"/>
+            <ac:cxnSpMk id="12" creationId="{9E356615-13B9-8146-8C06-5A99446B4AB7}"/>
+          </ac:cxnSpMkLst>
+        </pc:cxnChg>
+        <pc:cxnChg chg="add mod">
+          <ac:chgData name="Long B Nguyen" userId="f59fb8f3-a021-417a-8bc1-65c8d471c621" providerId="ADAL" clId="{0A2D55A0-81A8-4E44-855B-5488B777D4BD}" dt="2020-09-22T13:39:28.298" v="138" actId="14100"/>
+          <ac:cxnSpMkLst>
+            <pc:docMk/>
+            <pc:sldMk cId="3705756631" sldId="300"/>
+            <ac:cxnSpMk id="13" creationId="{7F2977E9-F9B1-0644-931A-CE158F3CAECE}"/>
+          </ac:cxnSpMkLst>
+        </pc:cxnChg>
+      </pc:sldChg>
+      <pc:sldChg chg="modSp">
+        <pc:chgData name="Long B Nguyen" userId="f59fb8f3-a021-417a-8bc1-65c8d471c621" providerId="ADAL" clId="{0A2D55A0-81A8-4E44-855B-5488B777D4BD}" dt="2020-09-24T11:45:02.282" v="277" actId="113"/>
+        <pc:sldMkLst>
+          <pc:docMk/>
+          <pc:sldMk cId="3618694306" sldId="301"/>
+        </pc:sldMkLst>
+        <pc:spChg chg="mod">
+          <ac:chgData name="Long B Nguyen" userId="f59fb8f3-a021-417a-8bc1-65c8d471c621" providerId="ADAL" clId="{0A2D55A0-81A8-4E44-855B-5488B777D4BD}" dt="2020-09-24T11:45:02.282" v="277" actId="113"/>
+          <ac:spMkLst>
+            <pc:docMk/>
+            <pc:sldMk cId="3618694306" sldId="301"/>
+            <ac:spMk id="9" creationId="{E3B2E017-30B2-884B-A113-B419A2ED51AD}"/>
+          </ac:spMkLst>
+        </pc:spChg>
+      </pc:sldChg>
+      <pc:sldChg chg="modSp mod">
+        <pc:chgData name="Long B Nguyen" userId="f59fb8f3-a021-417a-8bc1-65c8d471c621" providerId="ADAL" clId="{0A2D55A0-81A8-4E44-855B-5488B777D4BD}" dt="2020-09-24T11:47:44.276" v="418" actId="20577"/>
+        <pc:sldMkLst>
+          <pc:docMk/>
+          <pc:sldMk cId="2064379448" sldId="302"/>
+        </pc:sldMkLst>
+        <pc:spChg chg="mod">
+          <ac:chgData name="Long B Nguyen" userId="f59fb8f3-a021-417a-8bc1-65c8d471c621" providerId="ADAL" clId="{0A2D55A0-81A8-4E44-855B-5488B777D4BD}" dt="2020-09-24T11:47:44.276" v="418" actId="20577"/>
+          <ac:spMkLst>
+            <pc:docMk/>
+            <pc:sldMk cId="2064379448" sldId="302"/>
+            <ac:spMk id="9" creationId="{E3B2E017-30B2-884B-A113-B419A2ED51AD}"/>
+          </ac:spMkLst>
+        </pc:spChg>
+      </pc:sldChg>
+    </pc:docChg>
+  </pc:docChgLst>
+  <pc:docChgLst>
+    <pc:chgData name="Long B Nguyen" userId="f59fb8f3-a021-417a-8bc1-65c8d471c621" providerId="ADAL" clId="{819F5504-FD25-334A-BAB1-7C1D34A0200C}"/>
+    <pc:docChg chg="custSel addSld modSld">
+      <pc:chgData name="Long B Nguyen" userId="f59fb8f3-a021-417a-8bc1-65c8d471c621" providerId="ADAL" clId="{819F5504-FD25-334A-BAB1-7C1D34A0200C}" dt="2024-09-06T13:24:16.462" v="579" actId="14100"/>
+      <pc:docMkLst>
+        <pc:docMk/>
+      </pc:docMkLst>
+      <pc:sldChg chg="modSp add mod modAnim">
+        <pc:chgData name="Long B Nguyen" userId="f59fb8f3-a021-417a-8bc1-65c8d471c621" providerId="ADAL" clId="{819F5504-FD25-334A-BAB1-7C1D34A0200C}" dt="2024-09-06T13:23:13.248" v="562" actId="20577"/>
+        <pc:sldMkLst>
+          <pc:docMk/>
+          <pc:sldMk cId="1734157318" sldId="558"/>
+        </pc:sldMkLst>
+        <pc:spChg chg="mod">
+          <ac:chgData name="Long B Nguyen" userId="f59fb8f3-a021-417a-8bc1-65c8d471c621" providerId="ADAL" clId="{819F5504-FD25-334A-BAB1-7C1D34A0200C}" dt="2024-09-06T12:23:53.820" v="176" actId="207"/>
+          <ac:spMkLst>
+            <pc:docMk/>
+            <pc:sldMk cId="1734157318" sldId="558"/>
+            <ac:spMk id="2" creationId="{AA3A228F-61D0-D949-A5E7-F83756230BF8}"/>
+          </ac:spMkLst>
+        </pc:spChg>
+        <pc:spChg chg="mod">
+          <ac:chgData name="Long B Nguyen" userId="f59fb8f3-a021-417a-8bc1-65c8d471c621" providerId="ADAL" clId="{819F5504-FD25-334A-BAB1-7C1D34A0200C}" dt="2024-09-06T13:23:13.248" v="562" actId="20577"/>
+          <ac:spMkLst>
+            <pc:docMk/>
+            <pc:sldMk cId="1734157318" sldId="558"/>
+            <ac:spMk id="9" creationId="{E3B2E017-30B2-884B-A113-B419A2ED51AD}"/>
+          </ac:spMkLst>
+        </pc:spChg>
+      </pc:sldChg>
+      <pc:sldChg chg="modSp add mod">
+        <pc:chgData name="Long B Nguyen" userId="f59fb8f3-a021-417a-8bc1-65c8d471c621" providerId="ADAL" clId="{819F5504-FD25-334A-BAB1-7C1D34A0200C}" dt="2024-09-06T13:24:16.462" v="579" actId="14100"/>
+        <pc:sldMkLst>
+          <pc:docMk/>
+          <pc:sldMk cId="1057050078" sldId="559"/>
+        </pc:sldMkLst>
+        <pc:spChg chg="mod">
+          <ac:chgData name="Long B Nguyen" userId="f59fb8f3-a021-417a-8bc1-65c8d471c621" providerId="ADAL" clId="{819F5504-FD25-334A-BAB1-7C1D34A0200C}" dt="2024-09-06T12:26:32.995" v="179" actId="20577"/>
+          <ac:spMkLst>
+            <pc:docMk/>
+            <pc:sldMk cId="1057050078" sldId="559"/>
+            <ac:spMk id="2" creationId="{AA3A228F-61D0-D949-A5E7-F83756230BF8}"/>
+          </ac:spMkLst>
+        </pc:spChg>
+        <pc:spChg chg="mod">
+          <ac:chgData name="Long B Nguyen" userId="f59fb8f3-a021-417a-8bc1-65c8d471c621" providerId="ADAL" clId="{819F5504-FD25-334A-BAB1-7C1D34A0200C}" dt="2024-09-06T13:24:16.462" v="579" actId="14100"/>
+          <ac:spMkLst>
+            <pc:docMk/>
+            <pc:sldMk cId="1057050078" sldId="559"/>
+            <ac:spMk id="9" creationId="{E3B2E017-30B2-884B-A113-B419A2ED51AD}"/>
+          </ac:spMkLst>
+        </pc:spChg>
+      </pc:sldChg>
+    </pc:docChg>
+  </pc:docChgLst>
+  <pc:docChgLst>
+    <pc:chgData name="Long Nguyen" userId="f59fb8f3-a021-417a-8bc1-65c8d471c621" providerId="ADAL" clId="{CB082C36-5107-ED4F-B3BA-8DB361145455}"/>
+    <pc:docChg chg="custSel addSld delSld modSld">
+      <pc:chgData name="Long Nguyen" userId="f59fb8f3-a021-417a-8bc1-65c8d471c621" providerId="ADAL" clId="{CB082C36-5107-ED4F-B3BA-8DB361145455}" dt="2022-09-08T13:42:15.123" v="307" actId="207"/>
+      <pc:docMkLst>
+        <pc:docMk/>
+      </pc:docMkLst>
+      <pc:sldChg chg="modSp mod">
+        <pc:chgData name="Long Nguyen" userId="f59fb8f3-a021-417a-8bc1-65c8d471c621" providerId="ADAL" clId="{CB082C36-5107-ED4F-B3BA-8DB361145455}" dt="2022-09-08T13:21:30.483" v="52" actId="27636"/>
+        <pc:sldMkLst>
+          <pc:docMk/>
+          <pc:sldMk cId="3016287638" sldId="307"/>
+        </pc:sldMkLst>
+        <pc:spChg chg="mod">
+          <ac:chgData name="Long Nguyen" userId="f59fb8f3-a021-417a-8bc1-65c8d471c621" providerId="ADAL" clId="{CB082C36-5107-ED4F-B3BA-8DB361145455}" dt="2022-09-08T13:21:30.483" v="52" actId="27636"/>
+          <ac:spMkLst>
+            <pc:docMk/>
+            <pc:sldMk cId="3016287638" sldId="307"/>
+            <ac:spMk id="9" creationId="{E3B2E017-30B2-884B-A113-B419A2ED51AD}"/>
+          </ac:spMkLst>
+        </pc:spChg>
+      </pc:sldChg>
+      <pc:sldChg chg="modSp mod">
+        <pc:chgData name="Long Nguyen" userId="f59fb8f3-a021-417a-8bc1-65c8d471c621" providerId="ADAL" clId="{CB082C36-5107-ED4F-B3BA-8DB361145455}" dt="2022-09-08T13:21:30.464" v="50" actId="27636"/>
+        <pc:sldMkLst>
+          <pc:docMk/>
+          <pc:sldMk cId="273226657" sldId="551"/>
+        </pc:sldMkLst>
+        <pc:spChg chg="mod">
+          <ac:chgData name="Long Nguyen" userId="f59fb8f3-a021-417a-8bc1-65c8d471c621" providerId="ADAL" clId="{CB082C36-5107-ED4F-B3BA-8DB361145455}" dt="2022-09-08T13:21:30.464" v="50" actId="27636"/>
+          <ac:spMkLst>
+            <pc:docMk/>
+            <pc:sldMk cId="273226657" sldId="551"/>
+            <ac:spMk id="2" creationId="{893AF10F-C12D-6B4A-84C5-206A244BF7C6}"/>
+          </ac:spMkLst>
+        </pc:spChg>
+      </pc:sldChg>
+      <pc:sldChg chg="modSp mod">
+        <pc:chgData name="Long Nguyen" userId="f59fb8f3-a021-417a-8bc1-65c8d471c621" providerId="ADAL" clId="{CB082C36-5107-ED4F-B3BA-8DB361145455}" dt="2022-09-08T13:21:30.475" v="51" actId="27636"/>
+        <pc:sldMkLst>
+          <pc:docMk/>
+          <pc:sldMk cId="3067820620" sldId="552"/>
+        </pc:sldMkLst>
+        <pc:spChg chg="mod">
+          <ac:chgData name="Long Nguyen" userId="f59fb8f3-a021-417a-8bc1-65c8d471c621" providerId="ADAL" clId="{CB082C36-5107-ED4F-B3BA-8DB361145455}" dt="2022-09-08T13:21:30.475" v="51" actId="27636"/>
+          <ac:spMkLst>
+            <pc:docMk/>
+            <pc:sldMk cId="3067820620" sldId="552"/>
+            <ac:spMk id="2" creationId="{893AF10F-C12D-6B4A-84C5-206A244BF7C6}"/>
+          </ac:spMkLst>
+        </pc:spChg>
+      </pc:sldChg>
+      <pc:sldChg chg="modSp mod modAnim">
+        <pc:chgData name="Long Nguyen" userId="f59fb8f3-a021-417a-8bc1-65c8d471c621" providerId="ADAL" clId="{CB082C36-5107-ED4F-B3BA-8DB361145455}" dt="2022-09-08T13:42:15.123" v="307" actId="207"/>
+        <pc:sldMkLst>
+          <pc:docMk/>
+          <pc:sldMk cId="1352026558" sldId="553"/>
+        </pc:sldMkLst>
+        <pc:spChg chg="mod">
+          <ac:chgData name="Long Nguyen" userId="f59fb8f3-a021-417a-8bc1-65c8d471c621" providerId="ADAL" clId="{CB082C36-5107-ED4F-B3BA-8DB361145455}" dt="2022-09-08T13:42:15.123" v="307" actId="207"/>
+          <ac:spMkLst>
+            <pc:docMk/>
+            <pc:sldMk cId="1352026558" sldId="553"/>
+            <ac:spMk id="3" creationId="{8FCE7FDF-ED3A-9048-B4EB-118C748ADDB8}"/>
+          </ac:spMkLst>
+        </pc:spChg>
+      </pc:sldChg>
+      <pc:sldChg chg="modSp mod">
+        <pc:chgData name="Long Nguyen" userId="f59fb8f3-a021-417a-8bc1-65c8d471c621" providerId="ADAL" clId="{CB082C36-5107-ED4F-B3BA-8DB361145455}" dt="2022-09-08T13:21:30.503" v="53" actId="27636"/>
+        <pc:sldMkLst>
+          <pc:docMk/>
+          <pc:sldMk cId="1439554506" sldId="555"/>
+        </pc:sldMkLst>
+        <pc:spChg chg="mod">
+          <ac:chgData name="Long Nguyen" userId="f59fb8f3-a021-417a-8bc1-65c8d471c621" providerId="ADAL" clId="{CB082C36-5107-ED4F-B3BA-8DB361145455}" dt="2022-09-08T13:21:30.503" v="53" actId="27636"/>
+          <ac:spMkLst>
+            <pc:docMk/>
+            <pc:sldMk cId="1439554506" sldId="555"/>
+            <ac:spMk id="9" creationId="{E3B2E017-30B2-884B-A113-B419A2ED51AD}"/>
+          </ac:spMkLst>
+        </pc:spChg>
+      </pc:sldChg>
+      <pc:sldChg chg="modSp new del mod">
+        <pc:chgData name="Long Nguyen" userId="f59fb8f3-a021-417a-8bc1-65c8d471c621" providerId="ADAL" clId="{CB082C36-5107-ED4F-B3BA-8DB361145455}" dt="2022-09-08T13:28:39.688" v="59" actId="2696"/>
+        <pc:sldMkLst>
+          <pc:docMk/>
+          <pc:sldMk cId="3344804479" sldId="558"/>
+        </pc:sldMkLst>
+        <pc:spChg chg="mod">
+          <ac:chgData name="Long Nguyen" userId="f59fb8f3-a021-417a-8bc1-65c8d471c621" providerId="ADAL" clId="{CB082C36-5107-ED4F-B3BA-8DB361145455}" dt="2022-09-08T13:21:07.360" v="44" actId="20577"/>
+          <ac:spMkLst>
+            <pc:docMk/>
+            <pc:sldMk cId="3344804479" sldId="558"/>
+            <ac:spMk id="2" creationId="{7A1C9831-ABB1-A918-18B6-3442277C515B}"/>
+          </ac:spMkLst>
+        </pc:spChg>
+        <pc:spChg chg="mod">
+          <ac:chgData name="Long Nguyen" userId="f59fb8f3-a021-417a-8bc1-65c8d471c621" providerId="ADAL" clId="{CB082C36-5107-ED4F-B3BA-8DB361145455}" dt="2022-09-08T13:22:07.573" v="58" actId="20577"/>
+          <ac:spMkLst>
+            <pc:docMk/>
+            <pc:sldMk cId="3344804479" sldId="558"/>
+            <ac:spMk id="3" creationId="{C272F7FB-9FCB-8A8B-DEC8-29E8AEE60081}"/>
+          </ac:spMkLst>
+        </pc:spChg>
       </pc:sldChg>
     </pc:docChg>
   </pc:docChgLst>
@@ -2137,392 +2873,6 @@
     </pc:docChg>
   </pc:docChgLst>
   <pc:docChgLst>
-    <pc:chgData name="Long B Nguyen" userId="f59fb8f3-a021-417a-8bc1-65c8d471c621" providerId="ADAL" clId="{0A2D55A0-81A8-4E44-855B-5488B777D4BD}"/>
-    <pc:docChg chg="modSld">
-      <pc:chgData name="Long B Nguyen" userId="f59fb8f3-a021-417a-8bc1-65c8d471c621" providerId="ADAL" clId="{0A2D55A0-81A8-4E44-855B-5488B777D4BD}" dt="2020-09-24T11:47:44.276" v="418" actId="20577"/>
-      <pc:docMkLst>
-        <pc:docMk/>
-      </pc:docMkLst>
-      <pc:sldChg chg="modSp modAnim">
-        <pc:chgData name="Long B Nguyen" userId="f59fb8f3-a021-417a-8bc1-65c8d471c621" providerId="ADAL" clId="{0A2D55A0-81A8-4E44-855B-5488B777D4BD}" dt="2020-09-22T13:34:32.844" v="130" actId="20577"/>
-        <pc:sldMkLst>
-          <pc:docMk/>
-          <pc:sldMk cId="2207246265" sldId="257"/>
-        </pc:sldMkLst>
-        <pc:spChg chg="mod">
-          <ac:chgData name="Long B Nguyen" userId="f59fb8f3-a021-417a-8bc1-65c8d471c621" providerId="ADAL" clId="{0A2D55A0-81A8-4E44-855B-5488B777D4BD}" dt="2020-09-22T13:34:32.844" v="130" actId="20577"/>
-          <ac:spMkLst>
-            <pc:docMk/>
-            <pc:sldMk cId="2207246265" sldId="257"/>
-            <ac:spMk id="9" creationId="{E3B2E017-30B2-884B-A113-B419A2ED51AD}"/>
-          </ac:spMkLst>
-        </pc:spChg>
-      </pc:sldChg>
-      <pc:sldChg chg="modSp">
-        <pc:chgData name="Long B Nguyen" userId="f59fb8f3-a021-417a-8bc1-65c8d471c621" providerId="ADAL" clId="{0A2D55A0-81A8-4E44-855B-5488B777D4BD}" dt="2020-09-24T11:45:20.841" v="278" actId="113"/>
-        <pc:sldMkLst>
-          <pc:docMk/>
-          <pc:sldMk cId="3625497833" sldId="265"/>
-        </pc:sldMkLst>
-        <pc:spChg chg="mod">
-          <ac:chgData name="Long B Nguyen" userId="f59fb8f3-a021-417a-8bc1-65c8d471c621" providerId="ADAL" clId="{0A2D55A0-81A8-4E44-855B-5488B777D4BD}" dt="2020-09-24T11:45:20.841" v="278" actId="113"/>
-          <ac:spMkLst>
-            <pc:docMk/>
-            <pc:sldMk cId="3625497833" sldId="265"/>
-            <ac:spMk id="9" creationId="{E3B2E017-30B2-884B-A113-B419A2ED51AD}"/>
-          </ac:spMkLst>
-        </pc:spChg>
-      </pc:sldChg>
-      <pc:sldChg chg="modSp">
-        <pc:chgData name="Long B Nguyen" userId="f59fb8f3-a021-417a-8bc1-65c8d471c621" providerId="ADAL" clId="{0A2D55A0-81A8-4E44-855B-5488B777D4BD}" dt="2020-09-24T11:45:34.022" v="279" actId="113"/>
-        <pc:sldMkLst>
-          <pc:docMk/>
-          <pc:sldMk cId="4224307978" sldId="270"/>
-        </pc:sldMkLst>
-        <pc:spChg chg="mod">
-          <ac:chgData name="Long B Nguyen" userId="f59fb8f3-a021-417a-8bc1-65c8d471c621" providerId="ADAL" clId="{0A2D55A0-81A8-4E44-855B-5488B777D4BD}" dt="2020-09-24T11:45:34.022" v="279" actId="113"/>
-          <ac:spMkLst>
-            <pc:docMk/>
-            <pc:sldMk cId="4224307978" sldId="270"/>
-            <ac:spMk id="9" creationId="{E3B2E017-30B2-884B-A113-B419A2ED51AD}"/>
-          </ac:spMkLst>
-        </pc:spChg>
-      </pc:sldChg>
-      <pc:sldChg chg="modSp">
-        <pc:chgData name="Long B Nguyen" userId="f59fb8f3-a021-417a-8bc1-65c8d471c621" providerId="ADAL" clId="{0A2D55A0-81A8-4E44-855B-5488B777D4BD}" dt="2020-09-24T11:45:51.041" v="280" actId="113"/>
-        <pc:sldMkLst>
-          <pc:docMk/>
-          <pc:sldMk cId="2130507588" sldId="271"/>
-        </pc:sldMkLst>
-        <pc:spChg chg="mod">
-          <ac:chgData name="Long B Nguyen" userId="f59fb8f3-a021-417a-8bc1-65c8d471c621" providerId="ADAL" clId="{0A2D55A0-81A8-4E44-855B-5488B777D4BD}" dt="2020-09-24T11:45:51.041" v="280" actId="113"/>
-          <ac:spMkLst>
-            <pc:docMk/>
-            <pc:sldMk cId="2130507588" sldId="271"/>
-            <ac:spMk id="9" creationId="{E3B2E017-30B2-884B-A113-B419A2ED51AD}"/>
-          </ac:spMkLst>
-        </pc:spChg>
-      </pc:sldChg>
-      <pc:sldChg chg="modSp">
-        <pc:chgData name="Long B Nguyen" userId="f59fb8f3-a021-417a-8bc1-65c8d471c621" providerId="ADAL" clId="{0A2D55A0-81A8-4E44-855B-5488B777D4BD}" dt="2020-09-24T11:24:03.241" v="154" actId="113"/>
-        <pc:sldMkLst>
-          <pc:docMk/>
-          <pc:sldMk cId="587435069" sldId="272"/>
-        </pc:sldMkLst>
-        <pc:spChg chg="mod">
-          <ac:chgData name="Long B Nguyen" userId="f59fb8f3-a021-417a-8bc1-65c8d471c621" providerId="ADAL" clId="{0A2D55A0-81A8-4E44-855B-5488B777D4BD}" dt="2020-09-24T11:24:03.241" v="154" actId="113"/>
-          <ac:spMkLst>
-            <pc:docMk/>
-            <pc:sldMk cId="587435069" sldId="272"/>
-            <ac:spMk id="9" creationId="{E3B2E017-30B2-884B-A113-B419A2ED51AD}"/>
-          </ac:spMkLst>
-        </pc:spChg>
-      </pc:sldChg>
-      <pc:sldChg chg="modSp">
-        <pc:chgData name="Long B Nguyen" userId="f59fb8f3-a021-417a-8bc1-65c8d471c621" providerId="ADAL" clId="{0A2D55A0-81A8-4E44-855B-5488B777D4BD}" dt="2020-09-22T04:40:52.026" v="101" actId="20577"/>
-        <pc:sldMkLst>
-          <pc:docMk/>
-          <pc:sldMk cId="2925367410" sldId="280"/>
-        </pc:sldMkLst>
-        <pc:spChg chg="mod">
-          <ac:chgData name="Long B Nguyen" userId="f59fb8f3-a021-417a-8bc1-65c8d471c621" providerId="ADAL" clId="{0A2D55A0-81A8-4E44-855B-5488B777D4BD}" dt="2020-09-22T04:40:52.026" v="101" actId="20577"/>
-          <ac:spMkLst>
-            <pc:docMk/>
-            <pc:sldMk cId="2925367410" sldId="280"/>
-            <ac:spMk id="9" creationId="{E3B2E017-30B2-884B-A113-B419A2ED51AD}"/>
-          </ac:spMkLst>
-        </pc:spChg>
-      </pc:sldChg>
-      <pc:sldChg chg="modSp">
-        <pc:chgData name="Long B Nguyen" userId="f59fb8f3-a021-417a-8bc1-65c8d471c621" providerId="ADAL" clId="{0A2D55A0-81A8-4E44-855B-5488B777D4BD}" dt="2020-09-24T11:23:44.909" v="153" actId="113"/>
-        <pc:sldMkLst>
-          <pc:docMk/>
-          <pc:sldMk cId="2119170476" sldId="281"/>
-        </pc:sldMkLst>
-        <pc:spChg chg="mod">
-          <ac:chgData name="Long B Nguyen" userId="f59fb8f3-a021-417a-8bc1-65c8d471c621" providerId="ADAL" clId="{0A2D55A0-81A8-4E44-855B-5488B777D4BD}" dt="2020-09-24T11:23:44.909" v="153" actId="113"/>
-          <ac:spMkLst>
-            <pc:docMk/>
-            <pc:sldMk cId="2119170476" sldId="281"/>
-            <ac:spMk id="9" creationId="{E3B2E017-30B2-884B-A113-B419A2ED51AD}"/>
-          </ac:spMkLst>
-        </pc:spChg>
-      </pc:sldChg>
-      <pc:sldChg chg="modSp">
-        <pc:chgData name="Long B Nguyen" userId="f59fb8f3-a021-417a-8bc1-65c8d471c621" providerId="ADAL" clId="{0A2D55A0-81A8-4E44-855B-5488B777D4BD}" dt="2020-09-22T13:32:11.637" v="120" actId="20577"/>
-        <pc:sldMkLst>
-          <pc:docMk/>
-          <pc:sldMk cId="558223950" sldId="285"/>
-        </pc:sldMkLst>
-        <pc:spChg chg="mod">
-          <ac:chgData name="Long B Nguyen" userId="f59fb8f3-a021-417a-8bc1-65c8d471c621" providerId="ADAL" clId="{0A2D55A0-81A8-4E44-855B-5488B777D4BD}" dt="2020-09-22T13:32:11.637" v="120" actId="20577"/>
-          <ac:spMkLst>
-            <pc:docMk/>
-            <pc:sldMk cId="558223950" sldId="285"/>
-            <ac:spMk id="9" creationId="{E3B2E017-30B2-884B-A113-B419A2ED51AD}"/>
-          </ac:spMkLst>
-        </pc:spChg>
-      </pc:sldChg>
-      <pc:sldChg chg="modSp mod modAnim">
-        <pc:chgData name="Long B Nguyen" userId="f59fb8f3-a021-417a-8bc1-65c8d471c621" providerId="ADAL" clId="{0A2D55A0-81A8-4E44-855B-5488B777D4BD}" dt="2020-09-24T11:46:06.195" v="281" actId="113"/>
-        <pc:sldMkLst>
-          <pc:docMk/>
-          <pc:sldMk cId="3711861066" sldId="295"/>
-        </pc:sldMkLst>
-        <pc:spChg chg="mod">
-          <ac:chgData name="Long B Nguyen" userId="f59fb8f3-a021-417a-8bc1-65c8d471c621" providerId="ADAL" clId="{0A2D55A0-81A8-4E44-855B-5488B777D4BD}" dt="2020-09-24T11:46:06.195" v="281" actId="113"/>
-          <ac:spMkLst>
-            <pc:docMk/>
-            <pc:sldMk cId="3711861066" sldId="295"/>
-            <ac:spMk id="9" creationId="{E3B2E017-30B2-884B-A113-B419A2ED51AD}"/>
-          </ac:spMkLst>
-        </pc:spChg>
-      </pc:sldChg>
-      <pc:sldChg chg="addSp modSp mod modAnim">
-        <pc:chgData name="Long B Nguyen" userId="f59fb8f3-a021-417a-8bc1-65c8d471c621" providerId="ADAL" clId="{0A2D55A0-81A8-4E44-855B-5488B777D4BD}" dt="2020-09-22T13:39:28.298" v="138" actId="14100"/>
-        <pc:sldMkLst>
-          <pc:docMk/>
-          <pc:sldMk cId="3705756631" sldId="300"/>
-        </pc:sldMkLst>
-        <pc:cxnChg chg="mod">
-          <ac:chgData name="Long B Nguyen" userId="f59fb8f3-a021-417a-8bc1-65c8d471c621" providerId="ADAL" clId="{0A2D55A0-81A8-4E44-855B-5488B777D4BD}" dt="2020-09-22T13:38:57.311" v="131" actId="14100"/>
-          <ac:cxnSpMkLst>
-            <pc:docMk/>
-            <pc:sldMk cId="3705756631" sldId="300"/>
-            <ac:cxnSpMk id="12" creationId="{9E356615-13B9-8146-8C06-5A99446B4AB7}"/>
-          </ac:cxnSpMkLst>
-        </pc:cxnChg>
-        <pc:cxnChg chg="add mod">
-          <ac:chgData name="Long B Nguyen" userId="f59fb8f3-a021-417a-8bc1-65c8d471c621" providerId="ADAL" clId="{0A2D55A0-81A8-4E44-855B-5488B777D4BD}" dt="2020-09-22T13:39:28.298" v="138" actId="14100"/>
-          <ac:cxnSpMkLst>
-            <pc:docMk/>
-            <pc:sldMk cId="3705756631" sldId="300"/>
-            <ac:cxnSpMk id="13" creationId="{7F2977E9-F9B1-0644-931A-CE158F3CAECE}"/>
-          </ac:cxnSpMkLst>
-        </pc:cxnChg>
-      </pc:sldChg>
-      <pc:sldChg chg="modSp">
-        <pc:chgData name="Long B Nguyen" userId="f59fb8f3-a021-417a-8bc1-65c8d471c621" providerId="ADAL" clId="{0A2D55A0-81A8-4E44-855B-5488B777D4BD}" dt="2020-09-24T11:45:02.282" v="277" actId="113"/>
-        <pc:sldMkLst>
-          <pc:docMk/>
-          <pc:sldMk cId="3618694306" sldId="301"/>
-        </pc:sldMkLst>
-        <pc:spChg chg="mod">
-          <ac:chgData name="Long B Nguyen" userId="f59fb8f3-a021-417a-8bc1-65c8d471c621" providerId="ADAL" clId="{0A2D55A0-81A8-4E44-855B-5488B777D4BD}" dt="2020-09-24T11:45:02.282" v="277" actId="113"/>
-          <ac:spMkLst>
-            <pc:docMk/>
-            <pc:sldMk cId="3618694306" sldId="301"/>
-            <ac:spMk id="9" creationId="{E3B2E017-30B2-884B-A113-B419A2ED51AD}"/>
-          </ac:spMkLst>
-        </pc:spChg>
-      </pc:sldChg>
-      <pc:sldChg chg="modSp mod">
-        <pc:chgData name="Long B Nguyen" userId="f59fb8f3-a021-417a-8bc1-65c8d471c621" providerId="ADAL" clId="{0A2D55A0-81A8-4E44-855B-5488B777D4BD}" dt="2020-09-24T11:47:44.276" v="418" actId="20577"/>
-        <pc:sldMkLst>
-          <pc:docMk/>
-          <pc:sldMk cId="2064379448" sldId="302"/>
-        </pc:sldMkLst>
-        <pc:spChg chg="mod">
-          <ac:chgData name="Long B Nguyen" userId="f59fb8f3-a021-417a-8bc1-65c8d471c621" providerId="ADAL" clId="{0A2D55A0-81A8-4E44-855B-5488B777D4BD}" dt="2020-09-24T11:47:44.276" v="418" actId="20577"/>
-          <ac:spMkLst>
-            <pc:docMk/>
-            <pc:sldMk cId="2064379448" sldId="302"/>
-            <ac:spMk id="9" creationId="{E3B2E017-30B2-884B-A113-B419A2ED51AD}"/>
-          </ac:spMkLst>
-        </pc:spChg>
-      </pc:sldChg>
-    </pc:docChg>
-  </pc:docChgLst>
-  <pc:docChgLst>
-    <pc:chgData name="Long B Nguyen" userId="f59fb8f3-a021-417a-8bc1-65c8d471c621" providerId="ADAL" clId="{EFBCD846-B2A3-1B4C-B729-1BDD8BB3398F}"/>
-    <pc:docChg chg="custSel addSld delSld modSld">
-      <pc:chgData name="Long B Nguyen" userId="f59fb8f3-a021-417a-8bc1-65c8d471c621" providerId="ADAL" clId="{EFBCD846-B2A3-1B4C-B729-1BDD8BB3398F}" dt="2019-06-15T13:28:52.721" v="979" actId="20577"/>
-      <pc:docMkLst>
-        <pc:docMk/>
-      </pc:docMkLst>
-      <pc:sldChg chg="modSp">
-        <pc:chgData name="Long B Nguyen" userId="f59fb8f3-a021-417a-8bc1-65c8d471c621" providerId="ADAL" clId="{EFBCD846-B2A3-1B4C-B729-1BDD8BB3398F}" dt="2019-06-15T13:28:52.721" v="979" actId="20577"/>
-        <pc:sldMkLst>
-          <pc:docMk/>
-          <pc:sldMk cId="2207246265" sldId="257"/>
-        </pc:sldMkLst>
-        <pc:spChg chg="mod">
-          <ac:chgData name="Long B Nguyen" userId="f59fb8f3-a021-417a-8bc1-65c8d471c621" providerId="ADAL" clId="{EFBCD846-B2A3-1B4C-B729-1BDD8BB3398F}" dt="2019-06-15T13:28:52.721" v="979" actId="20577"/>
-          <ac:spMkLst>
-            <pc:docMk/>
-            <pc:sldMk cId="2207246265" sldId="257"/>
-            <ac:spMk id="9" creationId="{E3B2E017-30B2-884B-A113-B419A2ED51AD}"/>
-          </ac:spMkLst>
-        </pc:spChg>
-      </pc:sldChg>
-      <pc:sldChg chg="delSp modSp">
-        <pc:chgData name="Long B Nguyen" userId="f59fb8f3-a021-417a-8bc1-65c8d471c621" providerId="ADAL" clId="{EFBCD846-B2A3-1B4C-B729-1BDD8BB3398F}" dt="2019-06-15T12:37:48.814" v="503" actId="20577"/>
-        <pc:sldMkLst>
-          <pc:docMk/>
-          <pc:sldMk cId="4103067120" sldId="261"/>
-        </pc:sldMkLst>
-        <pc:spChg chg="del">
-          <ac:chgData name="Long B Nguyen" userId="f59fb8f3-a021-417a-8bc1-65c8d471c621" providerId="ADAL" clId="{EFBCD846-B2A3-1B4C-B729-1BDD8BB3398F}" dt="2019-06-15T12:33:20.052" v="122" actId="478"/>
-          <ac:spMkLst>
-            <pc:docMk/>
-            <pc:sldMk cId="4103067120" sldId="261"/>
-            <ac:spMk id="6" creationId="{76E456FD-D331-974E-9966-139D852DE6B8}"/>
-          </ac:spMkLst>
-        </pc:spChg>
-        <pc:spChg chg="mod">
-          <ac:chgData name="Long B Nguyen" userId="f59fb8f3-a021-417a-8bc1-65c8d471c621" providerId="ADAL" clId="{EFBCD846-B2A3-1B4C-B729-1BDD8BB3398F}" dt="2019-06-15T12:37:48.814" v="503" actId="20577"/>
-          <ac:spMkLst>
-            <pc:docMk/>
-            <pc:sldMk cId="4103067120" sldId="261"/>
-            <ac:spMk id="9" creationId="{E3B2E017-30B2-884B-A113-B419A2ED51AD}"/>
-          </ac:spMkLst>
-        </pc:spChg>
-        <pc:picChg chg="del">
-          <ac:chgData name="Long B Nguyen" userId="f59fb8f3-a021-417a-8bc1-65c8d471c621" providerId="ADAL" clId="{EFBCD846-B2A3-1B4C-B729-1BDD8BB3398F}" dt="2019-06-15T12:32:55.159" v="19" actId="478"/>
-          <ac:picMkLst>
-            <pc:docMk/>
-            <pc:sldMk cId="4103067120" sldId="261"/>
-            <ac:picMk id="4" creationId="{83CF82C8-FC88-4642-A338-FD014F4CAC2D}"/>
-          </ac:picMkLst>
-        </pc:picChg>
-        <pc:picChg chg="del">
-          <ac:chgData name="Long B Nguyen" userId="f59fb8f3-a021-417a-8bc1-65c8d471c621" providerId="ADAL" clId="{EFBCD846-B2A3-1B4C-B729-1BDD8BB3398F}" dt="2019-06-15T12:33:47.423" v="200" actId="478"/>
-          <ac:picMkLst>
-            <pc:docMk/>
-            <pc:sldMk cId="4103067120" sldId="261"/>
-            <ac:picMk id="5" creationId="{703FD9BD-7F29-8C40-B080-09EE1CB5D9E1}"/>
-          </ac:picMkLst>
-        </pc:picChg>
-      </pc:sldChg>
-      <pc:sldChg chg="addSp delSp modSp add">
-        <pc:chgData name="Long B Nguyen" userId="f59fb8f3-a021-417a-8bc1-65c8d471c621" providerId="ADAL" clId="{EFBCD846-B2A3-1B4C-B729-1BDD8BB3398F}" dt="2019-06-15T12:53:05.508" v="927" actId="1076"/>
-        <pc:sldMkLst>
-          <pc:docMk/>
-          <pc:sldMk cId="905114398" sldId="264"/>
-        </pc:sldMkLst>
-        <pc:spChg chg="add mod">
-          <ac:chgData name="Long B Nguyen" userId="f59fb8f3-a021-417a-8bc1-65c8d471c621" providerId="ADAL" clId="{EFBCD846-B2A3-1B4C-B729-1BDD8BB3398F}" dt="2019-06-15T12:52:08.118" v="852" actId="20577"/>
-          <ac:spMkLst>
-            <pc:docMk/>
-            <pc:sldMk cId="905114398" sldId="264"/>
-            <ac:spMk id="3" creationId="{9851CEEB-B8D2-EA41-9A10-1BC744107E4C}"/>
-          </ac:spMkLst>
-        </pc:spChg>
-        <pc:spChg chg="add mod">
-          <ac:chgData name="Long B Nguyen" userId="f59fb8f3-a021-417a-8bc1-65c8d471c621" providerId="ADAL" clId="{EFBCD846-B2A3-1B4C-B729-1BDD8BB3398F}" dt="2019-06-15T12:52:32.879" v="864" actId="1076"/>
-          <ac:spMkLst>
-            <pc:docMk/>
-            <pc:sldMk cId="905114398" sldId="264"/>
-            <ac:spMk id="5" creationId="{3E8F7CED-693F-5A43-87EB-5E21C02FDA13}"/>
-          </ac:spMkLst>
-        </pc:spChg>
-        <pc:spChg chg="add mod">
-          <ac:chgData name="Long B Nguyen" userId="f59fb8f3-a021-417a-8bc1-65c8d471c621" providerId="ADAL" clId="{EFBCD846-B2A3-1B4C-B729-1BDD8BB3398F}" dt="2019-06-15T12:52:47.831" v="922" actId="20577"/>
-          <ac:spMkLst>
-            <pc:docMk/>
-            <pc:sldMk cId="905114398" sldId="264"/>
-            <ac:spMk id="7" creationId="{C56845F4-C671-F849-8613-50BD132A5D50}"/>
-          </ac:spMkLst>
-        </pc:spChg>
-        <pc:spChg chg="mod">
-          <ac:chgData name="Long B Nguyen" userId="f59fb8f3-a021-417a-8bc1-65c8d471c621" providerId="ADAL" clId="{EFBCD846-B2A3-1B4C-B729-1BDD8BB3398F}" dt="2019-06-15T12:44:37.697" v="710" actId="20577"/>
-          <ac:spMkLst>
-            <pc:docMk/>
-            <pc:sldMk cId="905114398" sldId="264"/>
-            <ac:spMk id="9" creationId="{E3B2E017-30B2-884B-A113-B419A2ED51AD}"/>
-          </ac:spMkLst>
-        </pc:spChg>
-        <pc:picChg chg="add mod">
-          <ac:chgData name="Long B Nguyen" userId="f59fb8f3-a021-417a-8bc1-65c8d471c621" providerId="ADAL" clId="{EFBCD846-B2A3-1B4C-B729-1BDD8BB3398F}" dt="2019-06-15T12:53:05.508" v="927" actId="1076"/>
-          <ac:picMkLst>
-            <pc:docMk/>
-            <pc:sldMk cId="905114398" sldId="264"/>
-            <ac:picMk id="6" creationId="{4FD3269E-CE30-EB4E-AFDF-1494248BF8F8}"/>
-          </ac:picMkLst>
-        </pc:picChg>
-        <pc:picChg chg="add del mod">
-          <ac:chgData name="Long B Nguyen" userId="f59fb8f3-a021-417a-8bc1-65c8d471c621" providerId="ADAL" clId="{EFBCD846-B2A3-1B4C-B729-1BDD8BB3398F}" dt="2019-06-15T12:53:00.696" v="926" actId="478"/>
-          <ac:picMkLst>
-            <pc:docMk/>
-            <pc:sldMk cId="905114398" sldId="264"/>
-            <ac:picMk id="8" creationId="{F0F0B752-3555-A843-B5E5-0B49E86B4389}"/>
-          </ac:picMkLst>
-        </pc:picChg>
-        <pc:picChg chg="add del mod">
-          <ac:chgData name="Long B Nguyen" userId="f59fb8f3-a021-417a-8bc1-65c8d471c621" providerId="ADAL" clId="{EFBCD846-B2A3-1B4C-B729-1BDD8BB3398F}" dt="2019-06-15T12:52:59.443" v="925" actId="478"/>
-          <ac:picMkLst>
-            <pc:docMk/>
-            <pc:sldMk cId="905114398" sldId="264"/>
-            <ac:picMk id="10" creationId="{3FFB2B8C-F15D-4541-8E74-DEB48CBE078C}"/>
-          </ac:picMkLst>
-        </pc:picChg>
-      </pc:sldChg>
-      <pc:sldChg chg="addSp delSp modSp add">
-        <pc:chgData name="Long B Nguyen" userId="f59fb8f3-a021-417a-8bc1-65c8d471c621" providerId="ADAL" clId="{EFBCD846-B2A3-1B4C-B729-1BDD8BB3398F}" dt="2019-06-15T12:44:43.357" v="712" actId="20577"/>
-        <pc:sldMkLst>
-          <pc:docMk/>
-          <pc:sldMk cId="2081483973" sldId="296"/>
-        </pc:sldMkLst>
-        <pc:spChg chg="mod">
-          <ac:chgData name="Long B Nguyen" userId="f59fb8f3-a021-417a-8bc1-65c8d471c621" providerId="ADAL" clId="{EFBCD846-B2A3-1B4C-B729-1BDD8BB3398F}" dt="2019-06-15T12:40:46.852" v="572" actId="20577"/>
-          <ac:spMkLst>
-            <pc:docMk/>
-            <pc:sldMk cId="2081483973" sldId="296"/>
-            <ac:spMk id="6" creationId="{76E456FD-D331-974E-9966-139D852DE6B8}"/>
-          </ac:spMkLst>
-        </pc:spChg>
-        <pc:spChg chg="mod">
-          <ac:chgData name="Long B Nguyen" userId="f59fb8f3-a021-417a-8bc1-65c8d471c621" providerId="ADAL" clId="{EFBCD846-B2A3-1B4C-B729-1BDD8BB3398F}" dt="2019-06-15T12:44:43.357" v="712" actId="20577"/>
-          <ac:spMkLst>
-            <pc:docMk/>
-            <pc:sldMk cId="2081483973" sldId="296"/>
-            <ac:spMk id="9" creationId="{E3B2E017-30B2-884B-A113-B419A2ED51AD}"/>
-          </ac:spMkLst>
-        </pc:spChg>
-        <pc:picChg chg="add mod">
-          <ac:chgData name="Long B Nguyen" userId="f59fb8f3-a021-417a-8bc1-65c8d471c621" providerId="ADAL" clId="{EFBCD846-B2A3-1B4C-B729-1BDD8BB3398F}" dt="2019-06-15T12:40:50.154" v="588" actId="1035"/>
-          <ac:picMkLst>
-            <pc:docMk/>
-            <pc:sldMk cId="2081483973" sldId="296"/>
-            <ac:picMk id="3" creationId="{9A8E9CD0-D9B3-8E4C-9599-C519FA3BF22B}"/>
-          </ac:picMkLst>
-        </pc:picChg>
-        <pc:picChg chg="del mod">
-          <ac:chgData name="Long B Nguyen" userId="f59fb8f3-a021-417a-8bc1-65c8d471c621" providerId="ADAL" clId="{EFBCD846-B2A3-1B4C-B729-1BDD8BB3398F}" dt="2019-06-15T12:38:05.510" v="504" actId="478"/>
-          <ac:picMkLst>
-            <pc:docMk/>
-            <pc:sldMk cId="2081483973" sldId="296"/>
-            <ac:picMk id="4" creationId="{83CF82C8-FC88-4642-A338-FD014F4CAC2D}"/>
-          </ac:picMkLst>
-        </pc:picChg>
-        <pc:picChg chg="del mod">
-          <ac:chgData name="Long B Nguyen" userId="f59fb8f3-a021-417a-8bc1-65c8d471c621" providerId="ADAL" clId="{EFBCD846-B2A3-1B4C-B729-1BDD8BB3398F}" dt="2019-06-15T12:39:38.481" v="556" actId="478"/>
-          <ac:picMkLst>
-            <pc:docMk/>
-            <pc:sldMk cId="2081483973" sldId="296"/>
-            <ac:picMk id="5" creationId="{703FD9BD-7F29-8C40-B080-09EE1CB5D9E1}"/>
-          </ac:picMkLst>
-        </pc:picChg>
-        <pc:picChg chg="add mod">
-          <ac:chgData name="Long B Nguyen" userId="f59fb8f3-a021-417a-8bc1-65c8d471c621" providerId="ADAL" clId="{EFBCD846-B2A3-1B4C-B729-1BDD8BB3398F}" dt="2019-06-15T12:40:52.555" v="597" actId="1035"/>
-          <ac:picMkLst>
-            <pc:docMk/>
-            <pc:sldMk cId="2081483973" sldId="296"/>
-            <ac:picMk id="7" creationId="{09184722-0D16-5E47-A514-4348651A24BB}"/>
-          </ac:picMkLst>
-        </pc:picChg>
-        <pc:picChg chg="add mod">
-          <ac:chgData name="Long B Nguyen" userId="f59fb8f3-a021-417a-8bc1-65c8d471c621" providerId="ADAL" clId="{EFBCD846-B2A3-1B4C-B729-1BDD8BB3398F}" dt="2019-06-15T12:41:30.254" v="602" actId="1076"/>
-          <ac:picMkLst>
-            <pc:docMk/>
-            <pc:sldMk cId="2081483973" sldId="296"/>
-            <ac:picMk id="8" creationId="{778F82F4-110D-C843-8F5C-71BDAE030887}"/>
-          </ac:picMkLst>
-        </pc:picChg>
-      </pc:sldChg>
-    </pc:docChg>
-  </pc:docChgLst>
-  <pc:docChgLst>
     <pc:chgData name="Long B Nguyen" userId="f59fb8f3-a021-417a-8bc1-65c8d471c621" providerId="ADAL" clId="{1AE11430-C232-BB4B-AD26-649DB56977B5}"/>
     <pc:docChg chg="undo redo custSel addSld delSld modSld">
       <pc:chgData name="Long B Nguyen" userId="f59fb8f3-a021-417a-8bc1-65c8d471c621" providerId="ADAL" clId="{1AE11430-C232-BB4B-AD26-649DB56977B5}" dt="2019-09-09T17:47:35.004" v="3847" actId="20577"/>
@@ -3075,299 +3425,6 @@
         <pc:sldMkLst>
           <pc:docMk/>
           <pc:sldMk cId="1735411058" sldId="304"/>
-        </pc:sldMkLst>
-      </pc:sldChg>
-    </pc:docChg>
-  </pc:docChgLst>
-  <pc:docChgLst>
-    <pc:chgData name="Long B Nguyen" userId="f59fb8f3-a021-417a-8bc1-65c8d471c621" providerId="ADAL" clId="{C5991DEB-0E5D-174C-ABD9-D9A3C5998E63}"/>
-    <pc:docChg chg="modSld">
-      <pc:chgData name="Long B Nguyen" userId="f59fb8f3-a021-417a-8bc1-65c8d471c621" providerId="ADAL" clId="{C5991DEB-0E5D-174C-ABD9-D9A3C5998E63}" dt="2023-09-08T16:45:55.088" v="217" actId="20577"/>
-      <pc:docMkLst>
-        <pc:docMk/>
-      </pc:docMkLst>
-      <pc:sldChg chg="modSp">
-        <pc:chgData name="Long B Nguyen" userId="f59fb8f3-a021-417a-8bc1-65c8d471c621" providerId="ADAL" clId="{C5991DEB-0E5D-174C-ABD9-D9A3C5998E63}" dt="2023-09-07T15:24:29.573" v="0" actId="20577"/>
-        <pc:sldMkLst>
-          <pc:docMk/>
-          <pc:sldMk cId="2207246265" sldId="257"/>
-        </pc:sldMkLst>
-        <pc:spChg chg="mod">
-          <ac:chgData name="Long B Nguyen" userId="f59fb8f3-a021-417a-8bc1-65c8d471c621" providerId="ADAL" clId="{C5991DEB-0E5D-174C-ABD9-D9A3C5998E63}" dt="2023-09-07T15:24:29.573" v="0" actId="20577"/>
-          <ac:spMkLst>
-            <pc:docMk/>
-            <pc:sldMk cId="2207246265" sldId="257"/>
-            <ac:spMk id="9" creationId="{E3B2E017-30B2-884B-A113-B419A2ED51AD}"/>
-          </ac:spMkLst>
-        </pc:spChg>
-      </pc:sldChg>
-      <pc:sldChg chg="addSp modSp mod modAnim">
-        <pc:chgData name="Long B Nguyen" userId="f59fb8f3-a021-417a-8bc1-65c8d471c621" providerId="ADAL" clId="{C5991DEB-0E5D-174C-ABD9-D9A3C5998E63}" dt="2023-09-07T15:41:44.974" v="215" actId="20577"/>
-        <pc:sldMkLst>
-          <pc:docMk/>
-          <pc:sldMk cId="3016287638" sldId="307"/>
-        </pc:sldMkLst>
-        <pc:spChg chg="mod">
-          <ac:chgData name="Long B Nguyen" userId="f59fb8f3-a021-417a-8bc1-65c8d471c621" providerId="ADAL" clId="{C5991DEB-0E5D-174C-ABD9-D9A3C5998E63}" dt="2023-09-07T15:41:44.974" v="215" actId="20577"/>
-          <ac:spMkLst>
-            <pc:docMk/>
-            <pc:sldMk cId="3016287638" sldId="307"/>
-            <ac:spMk id="4" creationId="{101D5B14-B0A8-F144-A696-7C11E3D4A333}"/>
-          </ac:spMkLst>
-        </pc:spChg>
-        <pc:spChg chg="add mod">
-          <ac:chgData name="Long B Nguyen" userId="f59fb8f3-a021-417a-8bc1-65c8d471c621" providerId="ADAL" clId="{C5991DEB-0E5D-174C-ABD9-D9A3C5998E63}" dt="2023-09-07T15:40:53.110" v="172" actId="1076"/>
-          <ac:spMkLst>
-            <pc:docMk/>
-            <pc:sldMk cId="3016287638" sldId="307"/>
-            <ac:spMk id="5" creationId="{F3933261-8ED3-CED7-7731-4693B7B73282}"/>
-          </ac:spMkLst>
-        </pc:spChg>
-        <pc:cxnChg chg="add mod">
-          <ac:chgData name="Long B Nguyen" userId="f59fb8f3-a021-417a-8bc1-65c8d471c621" providerId="ADAL" clId="{C5991DEB-0E5D-174C-ABD9-D9A3C5998E63}" dt="2023-09-07T15:40:59.010" v="175" actId="14100"/>
-          <ac:cxnSpMkLst>
-            <pc:docMk/>
-            <pc:sldMk cId="3016287638" sldId="307"/>
-            <ac:cxnSpMk id="7" creationId="{4ACB230A-A42D-EAA5-3C21-FFC8C7A2F52C}"/>
-          </ac:cxnSpMkLst>
-        </pc:cxnChg>
-      </pc:sldChg>
-      <pc:sldChg chg="modSp modAnim">
-        <pc:chgData name="Long B Nguyen" userId="f59fb8f3-a021-417a-8bc1-65c8d471c621" providerId="ADAL" clId="{C5991DEB-0E5D-174C-ABD9-D9A3C5998E63}" dt="2023-09-08T16:45:55.088" v="217" actId="20577"/>
-        <pc:sldMkLst>
-          <pc:docMk/>
-          <pc:sldMk cId="2376452645" sldId="309"/>
-        </pc:sldMkLst>
-        <pc:spChg chg="mod">
-          <ac:chgData name="Long B Nguyen" userId="f59fb8f3-a021-417a-8bc1-65c8d471c621" providerId="ADAL" clId="{C5991DEB-0E5D-174C-ABD9-D9A3C5998E63}" dt="2023-09-08T16:45:55.088" v="217" actId="20577"/>
-          <ac:spMkLst>
-            <pc:docMk/>
-            <pc:sldMk cId="2376452645" sldId="309"/>
-            <ac:spMk id="9" creationId="{E3B2E017-30B2-884B-A113-B419A2ED51AD}"/>
-          </ac:spMkLst>
-        </pc:spChg>
-      </pc:sldChg>
-      <pc:sldChg chg="modSp modAnim">
-        <pc:chgData name="Long B Nguyen" userId="f59fb8f3-a021-417a-8bc1-65c8d471c621" providerId="ADAL" clId="{C5991DEB-0E5D-174C-ABD9-D9A3C5998E63}" dt="2023-09-07T15:38:36.111" v="96" actId="20577"/>
-        <pc:sldMkLst>
-          <pc:docMk/>
-          <pc:sldMk cId="1408330095" sldId="311"/>
-        </pc:sldMkLst>
-        <pc:spChg chg="mod">
-          <ac:chgData name="Long B Nguyen" userId="f59fb8f3-a021-417a-8bc1-65c8d471c621" providerId="ADAL" clId="{C5991DEB-0E5D-174C-ABD9-D9A3C5998E63}" dt="2023-09-07T15:38:36.111" v="96" actId="20577"/>
-          <ac:spMkLst>
-            <pc:docMk/>
-            <pc:sldMk cId="1408330095" sldId="311"/>
-            <ac:spMk id="9" creationId="{E3B2E017-30B2-884B-A113-B419A2ED51AD}"/>
-          </ac:spMkLst>
-        </pc:spChg>
-      </pc:sldChg>
-    </pc:docChg>
-  </pc:docChgLst>
-  <pc:docChgLst>
-    <pc:chgData name="Long B Nguyen" userId="f59fb8f3-a021-417a-8bc1-65c8d471c621" providerId="ADAL" clId="{982D8422-27A6-2341-A334-6D849435CBA4}"/>
-    <pc:docChg chg="modSld">
-      <pc:chgData name="Long B Nguyen" userId="f59fb8f3-a021-417a-8bc1-65c8d471c621" providerId="ADAL" clId="{982D8422-27A6-2341-A334-6D849435CBA4}" dt="2021-04-27T16:03:10.998" v="39" actId="20577"/>
-      <pc:docMkLst>
-        <pc:docMk/>
-      </pc:docMkLst>
-      <pc:sldChg chg="modSp modAnim">
-        <pc:chgData name="Long B Nguyen" userId="f59fb8f3-a021-417a-8bc1-65c8d471c621" providerId="ADAL" clId="{982D8422-27A6-2341-A334-6D849435CBA4}" dt="2021-04-27T16:03:10.998" v="39" actId="20577"/>
-        <pc:sldMkLst>
-          <pc:docMk/>
-          <pc:sldMk cId="3290810672" sldId="269"/>
-        </pc:sldMkLst>
-        <pc:spChg chg="mod">
-          <ac:chgData name="Long B Nguyen" userId="f59fb8f3-a021-417a-8bc1-65c8d471c621" providerId="ADAL" clId="{982D8422-27A6-2341-A334-6D849435CBA4}" dt="2021-04-27T16:03:10.998" v="39" actId="20577"/>
-          <ac:spMkLst>
-            <pc:docMk/>
-            <pc:sldMk cId="3290810672" sldId="269"/>
-            <ac:spMk id="9" creationId="{E3B2E017-30B2-884B-A113-B419A2ED51AD}"/>
-          </ac:spMkLst>
-        </pc:spChg>
-      </pc:sldChg>
-    </pc:docChg>
-  </pc:docChgLst>
-  <pc:docChgLst>
-    <pc:chgData name="Long Nguyen" userId="f59fb8f3-a021-417a-8bc1-65c8d471c621" providerId="ADAL" clId="{CB082C36-5107-ED4F-B3BA-8DB361145455}"/>
-    <pc:docChg chg="custSel addSld delSld modSld">
-      <pc:chgData name="Long Nguyen" userId="f59fb8f3-a021-417a-8bc1-65c8d471c621" providerId="ADAL" clId="{CB082C36-5107-ED4F-B3BA-8DB361145455}" dt="2022-09-08T13:42:15.123" v="307" actId="207"/>
-      <pc:docMkLst>
-        <pc:docMk/>
-      </pc:docMkLst>
-      <pc:sldChg chg="modSp mod">
-        <pc:chgData name="Long Nguyen" userId="f59fb8f3-a021-417a-8bc1-65c8d471c621" providerId="ADAL" clId="{CB082C36-5107-ED4F-B3BA-8DB361145455}" dt="2022-09-08T13:21:30.483" v="52" actId="27636"/>
-        <pc:sldMkLst>
-          <pc:docMk/>
-          <pc:sldMk cId="3016287638" sldId="307"/>
-        </pc:sldMkLst>
-        <pc:spChg chg="mod">
-          <ac:chgData name="Long Nguyen" userId="f59fb8f3-a021-417a-8bc1-65c8d471c621" providerId="ADAL" clId="{CB082C36-5107-ED4F-B3BA-8DB361145455}" dt="2022-09-08T13:21:30.483" v="52" actId="27636"/>
-          <ac:spMkLst>
-            <pc:docMk/>
-            <pc:sldMk cId="3016287638" sldId="307"/>
-            <ac:spMk id="9" creationId="{E3B2E017-30B2-884B-A113-B419A2ED51AD}"/>
-          </ac:spMkLst>
-        </pc:spChg>
-      </pc:sldChg>
-      <pc:sldChg chg="modSp mod">
-        <pc:chgData name="Long Nguyen" userId="f59fb8f3-a021-417a-8bc1-65c8d471c621" providerId="ADAL" clId="{CB082C36-5107-ED4F-B3BA-8DB361145455}" dt="2022-09-08T13:21:30.464" v="50" actId="27636"/>
-        <pc:sldMkLst>
-          <pc:docMk/>
-          <pc:sldMk cId="273226657" sldId="551"/>
-        </pc:sldMkLst>
-        <pc:spChg chg="mod">
-          <ac:chgData name="Long Nguyen" userId="f59fb8f3-a021-417a-8bc1-65c8d471c621" providerId="ADAL" clId="{CB082C36-5107-ED4F-B3BA-8DB361145455}" dt="2022-09-08T13:21:30.464" v="50" actId="27636"/>
-          <ac:spMkLst>
-            <pc:docMk/>
-            <pc:sldMk cId="273226657" sldId="551"/>
-            <ac:spMk id="2" creationId="{893AF10F-C12D-6B4A-84C5-206A244BF7C6}"/>
-          </ac:spMkLst>
-        </pc:spChg>
-      </pc:sldChg>
-      <pc:sldChg chg="modSp mod">
-        <pc:chgData name="Long Nguyen" userId="f59fb8f3-a021-417a-8bc1-65c8d471c621" providerId="ADAL" clId="{CB082C36-5107-ED4F-B3BA-8DB361145455}" dt="2022-09-08T13:21:30.475" v="51" actId="27636"/>
-        <pc:sldMkLst>
-          <pc:docMk/>
-          <pc:sldMk cId="3067820620" sldId="552"/>
-        </pc:sldMkLst>
-        <pc:spChg chg="mod">
-          <ac:chgData name="Long Nguyen" userId="f59fb8f3-a021-417a-8bc1-65c8d471c621" providerId="ADAL" clId="{CB082C36-5107-ED4F-B3BA-8DB361145455}" dt="2022-09-08T13:21:30.475" v="51" actId="27636"/>
-          <ac:spMkLst>
-            <pc:docMk/>
-            <pc:sldMk cId="3067820620" sldId="552"/>
-            <ac:spMk id="2" creationId="{893AF10F-C12D-6B4A-84C5-206A244BF7C6}"/>
-          </ac:spMkLst>
-        </pc:spChg>
-      </pc:sldChg>
-      <pc:sldChg chg="modSp mod modAnim">
-        <pc:chgData name="Long Nguyen" userId="f59fb8f3-a021-417a-8bc1-65c8d471c621" providerId="ADAL" clId="{CB082C36-5107-ED4F-B3BA-8DB361145455}" dt="2022-09-08T13:42:15.123" v="307" actId="207"/>
-        <pc:sldMkLst>
-          <pc:docMk/>
-          <pc:sldMk cId="1352026558" sldId="553"/>
-        </pc:sldMkLst>
-        <pc:spChg chg="mod">
-          <ac:chgData name="Long Nguyen" userId="f59fb8f3-a021-417a-8bc1-65c8d471c621" providerId="ADAL" clId="{CB082C36-5107-ED4F-B3BA-8DB361145455}" dt="2022-09-08T13:42:15.123" v="307" actId="207"/>
-          <ac:spMkLst>
-            <pc:docMk/>
-            <pc:sldMk cId="1352026558" sldId="553"/>
-            <ac:spMk id="3" creationId="{8FCE7FDF-ED3A-9048-B4EB-118C748ADDB8}"/>
-          </ac:spMkLst>
-        </pc:spChg>
-      </pc:sldChg>
-      <pc:sldChg chg="modSp mod">
-        <pc:chgData name="Long Nguyen" userId="f59fb8f3-a021-417a-8bc1-65c8d471c621" providerId="ADAL" clId="{CB082C36-5107-ED4F-B3BA-8DB361145455}" dt="2022-09-08T13:21:30.503" v="53" actId="27636"/>
-        <pc:sldMkLst>
-          <pc:docMk/>
-          <pc:sldMk cId="1439554506" sldId="555"/>
-        </pc:sldMkLst>
-        <pc:spChg chg="mod">
-          <ac:chgData name="Long Nguyen" userId="f59fb8f3-a021-417a-8bc1-65c8d471c621" providerId="ADAL" clId="{CB082C36-5107-ED4F-B3BA-8DB361145455}" dt="2022-09-08T13:21:30.503" v="53" actId="27636"/>
-          <ac:spMkLst>
-            <pc:docMk/>
-            <pc:sldMk cId="1439554506" sldId="555"/>
-            <ac:spMk id="9" creationId="{E3B2E017-30B2-884B-A113-B419A2ED51AD}"/>
-          </ac:spMkLst>
-        </pc:spChg>
-      </pc:sldChg>
-      <pc:sldChg chg="modSp new del mod">
-        <pc:chgData name="Long Nguyen" userId="f59fb8f3-a021-417a-8bc1-65c8d471c621" providerId="ADAL" clId="{CB082C36-5107-ED4F-B3BA-8DB361145455}" dt="2022-09-08T13:28:39.688" v="59" actId="2696"/>
-        <pc:sldMkLst>
-          <pc:docMk/>
-          <pc:sldMk cId="3344804479" sldId="558"/>
-        </pc:sldMkLst>
-        <pc:spChg chg="mod">
-          <ac:chgData name="Long Nguyen" userId="f59fb8f3-a021-417a-8bc1-65c8d471c621" providerId="ADAL" clId="{CB082C36-5107-ED4F-B3BA-8DB361145455}" dt="2022-09-08T13:21:07.360" v="44" actId="20577"/>
-          <ac:spMkLst>
-            <pc:docMk/>
-            <pc:sldMk cId="3344804479" sldId="558"/>
-            <ac:spMk id="2" creationId="{7A1C9831-ABB1-A918-18B6-3442277C515B}"/>
-          </ac:spMkLst>
-        </pc:spChg>
-        <pc:spChg chg="mod">
-          <ac:chgData name="Long Nguyen" userId="f59fb8f3-a021-417a-8bc1-65c8d471c621" providerId="ADAL" clId="{CB082C36-5107-ED4F-B3BA-8DB361145455}" dt="2022-09-08T13:22:07.573" v="58" actId="20577"/>
-          <ac:spMkLst>
-            <pc:docMk/>
-            <pc:sldMk cId="3344804479" sldId="558"/>
-            <ac:spMk id="3" creationId="{C272F7FB-9FCB-8A8B-DEC8-29E8AEE60081}"/>
-          </ac:spMkLst>
-        </pc:spChg>
-      </pc:sldChg>
-    </pc:docChg>
-  </pc:docChgLst>
-  <pc:docChgLst>
-    <pc:chgData name="Long B Nguyen" userId="f59fb8f3-a021-417a-8bc1-65c8d471c621" providerId="ADAL" clId="{05A1C5B8-6AA9-824C-B77D-182A36FCC0A3}"/>
-    <pc:docChg chg="custSel addSld delSld modSld">
-      <pc:chgData name="Long B Nguyen" userId="f59fb8f3-a021-417a-8bc1-65c8d471c621" providerId="ADAL" clId="{05A1C5B8-6AA9-824C-B77D-182A36FCC0A3}" dt="2019-06-14T11:56:44.727" v="163" actId="1036"/>
-      <pc:docMkLst>
-        <pc:docMk/>
-      </pc:docMkLst>
-      <pc:sldChg chg="modSp">
-        <pc:chgData name="Long B Nguyen" userId="f59fb8f3-a021-417a-8bc1-65c8d471c621" providerId="ADAL" clId="{05A1C5B8-6AA9-824C-B77D-182A36FCC0A3}" dt="2019-06-14T11:54:29.924" v="134" actId="20577"/>
-        <pc:sldMkLst>
-          <pc:docMk/>
-          <pc:sldMk cId="1889908786" sldId="259"/>
-        </pc:sldMkLst>
-        <pc:spChg chg="mod">
-          <ac:chgData name="Long B Nguyen" userId="f59fb8f3-a021-417a-8bc1-65c8d471c621" providerId="ADAL" clId="{05A1C5B8-6AA9-824C-B77D-182A36FCC0A3}" dt="2019-06-14T11:54:29.924" v="134" actId="20577"/>
-          <ac:spMkLst>
-            <pc:docMk/>
-            <pc:sldMk cId="1889908786" sldId="259"/>
-            <ac:spMk id="9" creationId="{E3B2E017-30B2-884B-A113-B419A2ED51AD}"/>
-          </ac:spMkLst>
-        </pc:spChg>
-        <pc:picChg chg="mod">
-          <ac:chgData name="Long B Nguyen" userId="f59fb8f3-a021-417a-8bc1-65c8d471c621" providerId="ADAL" clId="{05A1C5B8-6AA9-824C-B77D-182A36FCC0A3}" dt="2019-06-14T11:54:03.277" v="52" actId="1036"/>
-          <ac:picMkLst>
-            <pc:docMk/>
-            <pc:sldMk cId="1889908786" sldId="259"/>
-            <ac:picMk id="4" creationId="{73F37A0B-B0EE-6844-BD8E-4A35679250DE}"/>
-          </ac:picMkLst>
-        </pc:picChg>
-      </pc:sldChg>
-      <pc:sldChg chg="modSp">
-        <pc:chgData name="Long B Nguyen" userId="f59fb8f3-a021-417a-8bc1-65c8d471c621" providerId="ADAL" clId="{05A1C5B8-6AA9-824C-B77D-182A36FCC0A3}" dt="2019-06-14T11:55:01.845" v="138" actId="313"/>
-        <pc:sldMkLst>
-          <pc:docMk/>
-          <pc:sldMk cId="558223950" sldId="285"/>
-        </pc:sldMkLst>
-        <pc:spChg chg="mod">
-          <ac:chgData name="Long B Nguyen" userId="f59fb8f3-a021-417a-8bc1-65c8d471c621" providerId="ADAL" clId="{05A1C5B8-6AA9-824C-B77D-182A36FCC0A3}" dt="2019-06-14T11:55:01.845" v="138" actId="313"/>
-          <ac:spMkLst>
-            <pc:docMk/>
-            <pc:sldMk cId="558223950" sldId="285"/>
-            <ac:spMk id="9" creationId="{E3B2E017-30B2-884B-A113-B419A2ED51AD}"/>
-          </ac:spMkLst>
-        </pc:spChg>
-      </pc:sldChg>
-      <pc:sldChg chg="modSp">
-        <pc:chgData name="Long B Nguyen" userId="f59fb8f3-a021-417a-8bc1-65c8d471c621" providerId="ADAL" clId="{05A1C5B8-6AA9-824C-B77D-182A36FCC0A3}" dt="2019-06-14T02:15:45.959" v="28" actId="20577"/>
-        <pc:sldMkLst>
-          <pc:docMk/>
-          <pc:sldMk cId="3974060782" sldId="289"/>
-        </pc:sldMkLst>
-        <pc:spChg chg="mod">
-          <ac:chgData name="Long B Nguyen" userId="f59fb8f3-a021-417a-8bc1-65c8d471c621" providerId="ADAL" clId="{05A1C5B8-6AA9-824C-B77D-182A36FCC0A3}" dt="2019-06-14T02:15:31.900" v="24" actId="20577"/>
-          <ac:spMkLst>
-            <pc:docMk/>
-            <pc:sldMk cId="3974060782" sldId="289"/>
-            <ac:spMk id="2" creationId="{6117A749-B1BA-E24B-8FB0-0604EF651FB3}"/>
-          </ac:spMkLst>
-        </pc:spChg>
-        <pc:spChg chg="mod">
-          <ac:chgData name="Long B Nguyen" userId="f59fb8f3-a021-417a-8bc1-65c8d471c621" providerId="ADAL" clId="{05A1C5B8-6AA9-824C-B77D-182A36FCC0A3}" dt="2019-06-14T02:15:45.959" v="28" actId="20577"/>
-          <ac:spMkLst>
-            <pc:docMk/>
-            <pc:sldMk cId="3974060782" sldId="289"/>
-            <ac:spMk id="3" creationId="{1BDC47C8-6776-7B44-9CD4-95FC91452D62}"/>
-          </ac:spMkLst>
-        </pc:spChg>
-      </pc:sldChg>
-      <pc:sldChg chg="add">
-        <pc:chgData name="Long B Nguyen" userId="f59fb8f3-a021-417a-8bc1-65c8d471c621" providerId="ADAL" clId="{05A1C5B8-6AA9-824C-B77D-182A36FCC0A3}" dt="2019-06-14T01:14:32.822" v="0"/>
-        <pc:sldMkLst>
-          <pc:docMk/>
-          <pc:sldMk cId="1581961275" sldId="293"/>
         </pc:sldMkLst>
       </pc:sldChg>
     </pc:docChg>
@@ -3457,7 +3514,7 @@
           <a:p>
             <a:fld id="{52977C8B-3199-9A4B-9182-F1B54ABD2553}" type="datetimeFigureOut">
               <a:rPr lang="en-US" smtClean="0"/>
-              <a:t>9/8/23</a:t>
+              <a:t>9/6/24</a:t>
             </a:fld>
             <a:endParaRPr lang="en-US"/>
           </a:p>
@@ -3855,7 +3912,7 @@
           <a:p>
             <a:fld id="{8B984044-87DD-C541-92A1-0F2158D19C89}" type="datetime1">
               <a:rPr lang="en-US" smtClean="0"/>
-              <a:t>9/8/23</a:t>
+              <a:t>9/6/24</a:t>
             </a:fld>
             <a:endParaRPr lang="en-US" dirty="0"/>
           </a:p>
@@ -4025,7 +4082,7 @@
           <a:p>
             <a:fld id="{8D65A002-D3EC-954B-91B8-4F6B4C13C16A}" type="datetime1">
               <a:rPr lang="en-US" smtClean="0"/>
-              <a:t>9/8/23</a:t>
+              <a:t>9/6/24</a:t>
             </a:fld>
             <a:endParaRPr lang="en-US" dirty="0"/>
           </a:p>
@@ -4205,7 +4262,7 @@
           <a:p>
             <a:fld id="{18BDB1B5-1493-7F49-A7D6-4F41BA87DC26}" type="datetime1">
               <a:rPr lang="en-US" smtClean="0"/>
-              <a:t>9/8/23</a:t>
+              <a:t>9/6/24</a:t>
             </a:fld>
             <a:endParaRPr lang="en-US" dirty="0"/>
           </a:p>
@@ -4375,7 +4432,7 @@
           <a:p>
             <a:fld id="{DCAA3B46-4EBA-3446-8E21-F81EAD0027E0}" type="datetime1">
               <a:rPr lang="en-US" smtClean="0"/>
-              <a:t>9/8/23</a:t>
+              <a:t>9/6/24</a:t>
             </a:fld>
             <a:endParaRPr lang="en-US" dirty="0"/>
           </a:p>
@@ -4621,7 +4678,7 @@
           <a:p>
             <a:fld id="{A69A4034-8776-544F-B516-F12AF3AE310B}" type="datetime1">
               <a:rPr lang="en-US" smtClean="0"/>
-              <a:t>9/8/23</a:t>
+              <a:t>9/6/24</a:t>
             </a:fld>
             <a:endParaRPr lang="en-US" dirty="0"/>
           </a:p>
@@ -4853,7 +4910,7 @@
           <a:p>
             <a:fld id="{79879E7F-0671-E64A-B5D4-3A13C80CFC35}" type="datetime1">
               <a:rPr lang="en-US" smtClean="0"/>
-              <a:t>9/8/23</a:t>
+              <a:t>9/6/24</a:t>
             </a:fld>
             <a:endParaRPr lang="en-US" dirty="0"/>
           </a:p>
@@ -5220,7 +5277,7 @@
           <a:p>
             <a:fld id="{DF4DFD22-EC8F-8E44-91AE-57BD5FA90B62}" type="datetime1">
               <a:rPr lang="en-US" smtClean="0"/>
-              <a:t>9/8/23</a:t>
+              <a:t>9/6/24</a:t>
             </a:fld>
             <a:endParaRPr lang="en-US" dirty="0"/>
           </a:p>
@@ -5338,7 +5395,7 @@
           <a:p>
             <a:fld id="{4EAA65BE-8880-7C48-850F-33E9639DFE11}" type="datetime1">
               <a:rPr lang="en-US" smtClean="0"/>
-              <a:t>9/8/23</a:t>
+              <a:t>9/6/24</a:t>
             </a:fld>
             <a:endParaRPr lang="en-US" dirty="0"/>
           </a:p>
@@ -5433,7 +5490,7 @@
           <a:p>
             <a:fld id="{118E2494-D304-2C41-A88B-2E6B51F43EFA}" type="datetime1">
               <a:rPr lang="en-US" smtClean="0"/>
-              <a:t>9/8/23</a:t>
+              <a:t>9/6/24</a:t>
             </a:fld>
             <a:endParaRPr lang="en-US" dirty="0"/>
           </a:p>
@@ -5710,7 +5767,7 @@
           <a:p>
             <a:fld id="{220684BF-7982-5A4C-9B54-D51F706E8E6E}" type="datetime1">
               <a:rPr lang="en-US" smtClean="0"/>
-              <a:t>9/8/23</a:t>
+              <a:t>9/6/24</a:t>
             </a:fld>
             <a:endParaRPr lang="en-US" dirty="0"/>
           </a:p>
@@ -5967,7 +6024,7 @@
           <a:p>
             <a:fld id="{888AC2D9-83F1-5748-A1DC-DC9B8A855E7D}" type="datetime1">
               <a:rPr lang="en-US" smtClean="0"/>
-              <a:t>9/8/23</a:t>
+              <a:t>9/6/24</a:t>
             </a:fld>
             <a:endParaRPr lang="en-US" dirty="0"/>
           </a:p>
@@ -6180,7 +6237,7 @@
           <a:p>
             <a:fld id="{E06F5566-A356-684E-A080-CEA051801574}" type="datetime1">
               <a:rPr lang="en-US" smtClean="0"/>
-              <a:t>9/8/23</a:t>
+              <a:t>9/6/24</a:t>
             </a:fld>
             <a:endParaRPr lang="en-US" dirty="0"/>
           </a:p>
@@ -8276,6 +8333,535 @@
         </p:nvSpPr>
         <p:spPr>
           <a:xfrm>
+            <a:off x="75304" y="86061"/>
+            <a:ext cx="7053542" cy="683886"/>
+          </a:xfrm>
+        </p:spPr>
+        <p:txBody>
+          <a:bodyPr>
+            <a:normAutofit/>
+          </a:bodyPr>
+          <a:lstStyle/>
+          <a:p>
+            <a:r>
+              <a:rPr lang="en-US" dirty="0">
+                <a:solidFill>
+                  <a:srgbClr val="FF0000"/>
+                </a:solidFill>
+              </a:rPr>
+              <a:t>Try It 1.1</a:t>
+            </a:r>
+          </a:p>
+        </p:txBody>
+      </p:sp>
+      <p:sp>
+        <p:nvSpPr>
+          <p:cNvPr id="9" name="Content Placeholder 8">
+            <a:extLst>
+              <a:ext uri="{FF2B5EF4-FFF2-40B4-BE49-F238E27FC236}">
+                <a16:creationId xmlns:a16="http://schemas.microsoft.com/office/drawing/2014/main" id="{E3B2E017-30B2-884B-A113-B419A2ED51AD}"/>
+              </a:ext>
+            </a:extLst>
+          </p:cNvPr>
+          <p:cNvSpPr>
+            <a:spLocks noGrp="1"/>
+          </p:cNvSpPr>
+          <p:nvPr>
+            <p:ph idx="1"/>
+          </p:nvPr>
+        </p:nvSpPr>
+        <p:spPr>
+          <a:xfrm>
+            <a:off x="161366" y="683886"/>
+            <a:ext cx="8907330" cy="4759483"/>
+          </a:xfrm>
+        </p:spPr>
+        <p:txBody>
+          <a:bodyPr>
+            <a:noAutofit/>
+          </a:bodyPr>
+          <a:lstStyle/>
+          <a:p>
+            <a:pPr marL="0" indent="0">
+              <a:buNone/>
+            </a:pPr>
+            <a:endParaRPr lang="en-US" sz="2000" b="1" dirty="0">
+              <a:latin typeface="Inconsolata" panose="020B0609030003000000" pitchFamily="49" charset="77"/>
+            </a:endParaRPr>
+          </a:p>
+          <a:p>
+            <a:pPr marL="0" indent="0">
+              <a:buNone/>
+            </a:pPr>
+            <a:r>
+              <a:rPr lang="en-US" sz="2000" b="1" dirty="0">
+                <a:latin typeface="Inconsolata" panose="020B0609030003000000" pitchFamily="49" charset="77"/>
+              </a:rPr>
+              <a:t>See </a:t>
+            </a:r>
+            <a:r>
+              <a:rPr lang="en-US" sz="2000" b="1" dirty="0" err="1">
+                <a:latin typeface="Inconsolata" panose="020B0609030003000000" pitchFamily="49" charset="77"/>
+              </a:rPr>
+              <a:t>JuiceMind</a:t>
+            </a:r>
+            <a:r>
+              <a:rPr lang="en-US" sz="2000" b="1" dirty="0">
+                <a:latin typeface="Inconsolata" panose="020B0609030003000000" pitchFamily="49" charset="77"/>
+              </a:rPr>
+              <a:t> lesson “Basic Datatypes” for this Try It lab.</a:t>
+            </a:r>
+          </a:p>
+          <a:p>
+            <a:pPr marL="0" indent="0">
+              <a:buNone/>
+            </a:pPr>
+            <a:endParaRPr lang="en-US" sz="2000" b="1" dirty="0">
+              <a:latin typeface="Inconsolata" panose="020B0609030003000000" pitchFamily="49" charset="77"/>
+            </a:endParaRPr>
+          </a:p>
+          <a:p>
+            <a:pPr marL="0" indent="0">
+              <a:buNone/>
+            </a:pPr>
+            <a:r>
+              <a:rPr lang="en-US" sz="2000" b="1" dirty="0">
+                <a:latin typeface="Inconsolata" panose="020B0609030003000000" pitchFamily="49" charset="77"/>
+              </a:rPr>
+              <a:t>Fill in the code as instructed below.</a:t>
+            </a:r>
+          </a:p>
+          <a:p>
+            <a:pPr marL="0" indent="0">
+              <a:buNone/>
+            </a:pPr>
+            <a:endParaRPr lang="en-US" sz="2000" b="1" dirty="0">
+              <a:latin typeface="Inconsolata" panose="020B0609030003000000" pitchFamily="49" charset="77"/>
+            </a:endParaRPr>
+          </a:p>
+          <a:p>
+            <a:pPr marL="0" indent="0">
+              <a:buNone/>
+            </a:pPr>
+            <a:r>
+              <a:rPr lang="en-US" sz="2000" dirty="0">
+                <a:latin typeface="Inconsolata" pitchFamily="49" charset="77"/>
+                <a:ea typeface="Inconsolata" pitchFamily="49" charset="77"/>
+              </a:rPr>
+              <a:t>x = 5 </a:t>
+            </a:r>
+          </a:p>
+          <a:p>
+            <a:pPr marL="0" indent="0">
+              <a:buNone/>
+            </a:pPr>
+            <a:r>
+              <a:rPr lang="en-US" sz="1900" dirty="0">
+                <a:latin typeface="Inconsolata" panose="020B0609030003000000" pitchFamily="49" charset="77"/>
+              </a:rPr>
+              <a:t># Use one print statement to print "I have 5 apples.". </a:t>
+            </a:r>
+          </a:p>
+          <a:p>
+            <a:pPr marL="0" indent="0">
+              <a:buNone/>
+            </a:pPr>
+            <a:r>
+              <a:rPr lang="en-US" sz="1900" dirty="0">
+                <a:latin typeface="Inconsolata" panose="020B0609030003000000" pitchFamily="49" charset="77"/>
+              </a:rPr>
+              <a:t># You must use the x variable above.</a:t>
+            </a:r>
+          </a:p>
+          <a:p>
+            <a:pPr marL="0" indent="0">
+              <a:buNone/>
+            </a:pPr>
+            <a:endParaRPr lang="en-US" sz="1900" dirty="0">
+              <a:latin typeface="Inconsolata" panose="020B0609030003000000" pitchFamily="49" charset="77"/>
+            </a:endParaRPr>
+          </a:p>
+          <a:p>
+            <a:pPr marL="0" indent="0">
+              <a:buNone/>
+            </a:pPr>
+            <a:endParaRPr lang="en-US" sz="1900" dirty="0">
+              <a:latin typeface="Inconsolata" panose="020B0609030003000000" pitchFamily="49" charset="77"/>
+            </a:endParaRPr>
+          </a:p>
+          <a:p>
+            <a:pPr marL="0" indent="0">
+              <a:buNone/>
+            </a:pPr>
+            <a:r>
+              <a:rPr lang="en-US" sz="1900" dirty="0">
+                <a:latin typeface="Inconsolata" panose="020B0609030003000000" pitchFamily="49" charset="77"/>
+              </a:rPr>
+              <a:t># Use one print statement to print "I have 7 apples." </a:t>
+            </a:r>
+          </a:p>
+          <a:p>
+            <a:pPr marL="0" indent="0">
+              <a:buNone/>
+            </a:pPr>
+            <a:r>
+              <a:rPr lang="en-US" sz="1900" dirty="0">
+                <a:latin typeface="Inconsolata" panose="020B0609030003000000" pitchFamily="49" charset="77"/>
+              </a:rPr>
+              <a:t># Use the x variable again in your code.</a:t>
+            </a:r>
+          </a:p>
+          <a:p>
+            <a:pPr marL="0" indent="0">
+              <a:buNone/>
+            </a:pPr>
+            <a:endParaRPr lang="en-US" sz="1900" b="1" dirty="0">
+              <a:latin typeface="Inconsolata" panose="020B0609030003000000" pitchFamily="49" charset="77"/>
+            </a:endParaRPr>
+          </a:p>
+          <a:p>
+            <a:pPr marL="0" indent="0">
+              <a:buNone/>
+            </a:pPr>
+            <a:endParaRPr lang="en-US" sz="1900" b="1" dirty="0">
+              <a:latin typeface="Inconsolata" panose="020B0609030003000000" pitchFamily="49" charset="77"/>
+            </a:endParaRPr>
+          </a:p>
+        </p:txBody>
+      </p:sp>
+      <p:sp>
+        <p:nvSpPr>
+          <p:cNvPr id="3" name="Slide Number Placeholder 2">
+            <a:extLst>
+              <a:ext uri="{FF2B5EF4-FFF2-40B4-BE49-F238E27FC236}">
+                <a16:creationId xmlns:a16="http://schemas.microsoft.com/office/drawing/2014/main" id="{6445A6A4-8C96-4D42-B2E6-3D266D46977B}"/>
+              </a:ext>
+            </a:extLst>
+          </p:cNvPr>
+          <p:cNvSpPr>
+            <a:spLocks noGrp="1"/>
+          </p:cNvSpPr>
+          <p:nvPr>
+            <p:ph type="sldNum" sz="quarter" idx="12"/>
+          </p:nvPr>
+        </p:nvSpPr>
+        <p:spPr/>
+        <p:txBody>
+          <a:bodyPr/>
+          <a:lstStyle/>
+          <a:p>
+            <a:fld id="{D57F1E4F-1CFF-5643-939E-02111984F565}" type="slidenum">
+              <a:rPr lang="en-US" smtClean="0"/>
+              <a:t>12</a:t>
+            </a:fld>
+            <a:endParaRPr lang="en-US" dirty="0"/>
+          </a:p>
+        </p:txBody>
+      </p:sp>
+    </p:spTree>
+    <p:extLst>
+      <p:ext uri="{BB962C8B-B14F-4D97-AF65-F5344CB8AC3E}">
+        <p14:creationId xmlns:p14="http://schemas.microsoft.com/office/powerpoint/2010/main" val="1734157318"/>
+      </p:ext>
+    </p:extLst>
+  </p:cSld>
+  <p:clrMapOvr>
+    <a:masterClrMapping/>
+  </p:clrMapOvr>
+</p:sld>
+</file>
+
+<file path=ppt/slides/slide13.xml><?xml version="1.0" encoding="utf-8"?>
+<p:sld xmlns:a="http://schemas.openxmlformats.org/drawingml/2006/main" xmlns:r="http://schemas.openxmlformats.org/officeDocument/2006/relationships" xmlns:p="http://schemas.openxmlformats.org/presentationml/2006/main">
+  <p:cSld>
+    <p:spTree>
+      <p:nvGrpSpPr>
+        <p:cNvPr id="1" name=""/>
+        <p:cNvGrpSpPr/>
+        <p:nvPr/>
+      </p:nvGrpSpPr>
+      <p:grpSpPr>
+        <a:xfrm>
+          <a:off x="0" y="0"/>
+          <a:ext cx="0" cy="0"/>
+          <a:chOff x="0" y="0"/>
+          <a:chExt cx="0" cy="0"/>
+        </a:xfrm>
+      </p:grpSpPr>
+      <p:sp>
+        <p:nvSpPr>
+          <p:cNvPr id="2" name="Title 1">
+            <a:extLst>
+              <a:ext uri="{FF2B5EF4-FFF2-40B4-BE49-F238E27FC236}">
+                <a16:creationId xmlns:a16="http://schemas.microsoft.com/office/drawing/2014/main" id="{AA3A228F-61D0-D949-A5E7-F83756230BF8}"/>
+              </a:ext>
+            </a:extLst>
+          </p:cNvPr>
+          <p:cNvSpPr>
+            <a:spLocks noGrp="1"/>
+          </p:cNvSpPr>
+          <p:nvPr>
+            <p:ph type="title"/>
+          </p:nvPr>
+        </p:nvSpPr>
+        <p:spPr>
+          <a:xfrm>
+            <a:off x="75304" y="86061"/>
+            <a:ext cx="7053542" cy="683886"/>
+          </a:xfrm>
+        </p:spPr>
+        <p:txBody>
+          <a:bodyPr>
+            <a:normAutofit/>
+          </a:bodyPr>
+          <a:lstStyle/>
+          <a:p>
+            <a:r>
+              <a:rPr lang="en-US" dirty="0">
+                <a:solidFill>
+                  <a:srgbClr val="FF0000"/>
+                </a:solidFill>
+              </a:rPr>
+              <a:t>Try It 1.2</a:t>
+            </a:r>
+          </a:p>
+        </p:txBody>
+      </p:sp>
+      <p:sp>
+        <p:nvSpPr>
+          <p:cNvPr id="9" name="Content Placeholder 8">
+            <a:extLst>
+              <a:ext uri="{FF2B5EF4-FFF2-40B4-BE49-F238E27FC236}">
+                <a16:creationId xmlns:a16="http://schemas.microsoft.com/office/drawing/2014/main" id="{E3B2E017-30B2-884B-A113-B419A2ED51AD}"/>
+              </a:ext>
+            </a:extLst>
+          </p:cNvPr>
+          <p:cNvSpPr>
+            <a:spLocks noGrp="1"/>
+          </p:cNvSpPr>
+          <p:nvPr>
+            <p:ph idx="1"/>
+          </p:nvPr>
+        </p:nvSpPr>
+        <p:spPr>
+          <a:xfrm>
+            <a:off x="161366" y="683886"/>
+            <a:ext cx="8982634" cy="5031114"/>
+          </a:xfrm>
+        </p:spPr>
+        <p:txBody>
+          <a:bodyPr>
+            <a:noAutofit/>
+          </a:bodyPr>
+          <a:lstStyle/>
+          <a:p>
+            <a:pPr marL="0" indent="0">
+              <a:buNone/>
+            </a:pPr>
+            <a:r>
+              <a:rPr lang="en-US" sz="2000" b="1" dirty="0">
+                <a:latin typeface="Inconsolata" panose="020B0609030003000000" pitchFamily="49" charset="77"/>
+              </a:rPr>
+              <a:t>See </a:t>
+            </a:r>
+            <a:r>
+              <a:rPr lang="en-US" sz="2000" b="1" dirty="0" err="1">
+                <a:latin typeface="Inconsolata" panose="020B0609030003000000" pitchFamily="49" charset="77"/>
+              </a:rPr>
+              <a:t>JuiceMind</a:t>
+            </a:r>
+            <a:r>
+              <a:rPr lang="en-US" sz="2000" b="1" dirty="0">
+                <a:latin typeface="Inconsolata" panose="020B0609030003000000" pitchFamily="49" charset="77"/>
+              </a:rPr>
+              <a:t> lesson “Basic Datatypes” for this Try It lab.</a:t>
+            </a:r>
+          </a:p>
+          <a:p>
+            <a:pPr marL="0" indent="0">
+              <a:buNone/>
+            </a:pPr>
+            <a:r>
+              <a:rPr lang="en-US" sz="2000" dirty="0">
+                <a:latin typeface="Inconsolata" panose="020B0609030003000000" pitchFamily="49" charset="77"/>
+              </a:rPr>
+              <a:t>Fill in the code to match the output below. You must use the points variable in your code. Write exactly FOUR lines of code for this problem.</a:t>
+            </a:r>
+          </a:p>
+          <a:p>
+            <a:pPr marL="0" indent="0">
+              <a:buNone/>
+            </a:pPr>
+            <a:endParaRPr lang="en-US" sz="1900" dirty="0">
+              <a:latin typeface="Inconsolata" panose="020B0609030003000000" pitchFamily="49" charset="77"/>
+            </a:endParaRPr>
+          </a:p>
+          <a:p>
+            <a:pPr marL="0" indent="0">
+              <a:buNone/>
+            </a:pPr>
+            <a:r>
+              <a:rPr lang="en-US" sz="1900" dirty="0">
+                <a:latin typeface="Inconsolata" panose="020B0609030003000000" pitchFamily="49" charset="77"/>
+              </a:rPr>
+              <a:t>points = 3</a:t>
+            </a:r>
+          </a:p>
+          <a:p>
+            <a:pPr marL="0" indent="0">
+              <a:buNone/>
+            </a:pPr>
+            <a:r>
+              <a:rPr lang="en-US" sz="1900" dirty="0">
+                <a:latin typeface="Inconsolata" panose="020B0609030003000000" pitchFamily="49" charset="77"/>
+              </a:rPr>
+              <a:t># update the variable points by multiplying it by 2</a:t>
+            </a:r>
+          </a:p>
+          <a:p>
+            <a:pPr marL="0" indent="0">
+              <a:buNone/>
+            </a:pPr>
+            <a:endParaRPr lang="en-US" sz="1900" dirty="0">
+              <a:latin typeface="Inconsolata" panose="020B0609030003000000" pitchFamily="49" charset="77"/>
+            </a:endParaRPr>
+          </a:p>
+          <a:p>
+            <a:pPr marL="0" indent="0">
+              <a:buNone/>
+            </a:pPr>
+            <a:r>
+              <a:rPr lang="en-US" sz="1900" dirty="0">
+                <a:latin typeface="Inconsolata" panose="020B0609030003000000" pitchFamily="49" charset="77"/>
+              </a:rPr>
+              <a:t># then print out "You got a star! Your score is doubled to 6". Use the points variable in your code.</a:t>
+            </a:r>
+          </a:p>
+          <a:p>
+            <a:pPr marL="0" indent="0">
+              <a:buNone/>
+            </a:pPr>
+            <a:endParaRPr lang="en-US" sz="1900" dirty="0">
+              <a:latin typeface="Inconsolata" panose="020B0609030003000000" pitchFamily="49" charset="77"/>
+            </a:endParaRPr>
+          </a:p>
+          <a:p>
+            <a:pPr marL="0" indent="0">
+              <a:buNone/>
+            </a:pPr>
+            <a:r>
+              <a:rPr lang="en-US" sz="1900" dirty="0">
+                <a:latin typeface="Inconsolata" panose="020B0609030003000000" pitchFamily="49" charset="77"/>
+              </a:rPr>
+              <a:t># update the variable points by multiplying it by 3</a:t>
+            </a:r>
+          </a:p>
+          <a:p>
+            <a:pPr marL="0" indent="0">
+              <a:buNone/>
+            </a:pPr>
+            <a:endParaRPr lang="en-US" sz="1900" dirty="0">
+              <a:latin typeface="Inconsolata" panose="020B0609030003000000" pitchFamily="49" charset="77"/>
+            </a:endParaRPr>
+          </a:p>
+          <a:p>
+            <a:pPr marL="0" indent="0">
+              <a:buNone/>
+            </a:pPr>
+            <a:r>
+              <a:rPr lang="en-US" sz="1900" dirty="0">
+                <a:latin typeface="Inconsolata" panose="020B0609030003000000" pitchFamily="49" charset="77"/>
+              </a:rPr>
+              <a:t># then print out "You got a coin! Your score is tripled to 18". Use the points variable in your code.</a:t>
+            </a:r>
+          </a:p>
+          <a:p>
+            <a:pPr marL="0" indent="0">
+              <a:buNone/>
+            </a:pPr>
+            <a:endParaRPr lang="en-US" sz="1900" b="1" dirty="0">
+              <a:latin typeface="Inconsolata" panose="020B0609030003000000" pitchFamily="49" charset="77"/>
+            </a:endParaRPr>
+          </a:p>
+        </p:txBody>
+      </p:sp>
+      <p:sp>
+        <p:nvSpPr>
+          <p:cNvPr id="3" name="Slide Number Placeholder 2">
+            <a:extLst>
+              <a:ext uri="{FF2B5EF4-FFF2-40B4-BE49-F238E27FC236}">
+                <a16:creationId xmlns:a16="http://schemas.microsoft.com/office/drawing/2014/main" id="{6445A6A4-8C96-4D42-B2E6-3D266D46977B}"/>
+              </a:ext>
+            </a:extLst>
+          </p:cNvPr>
+          <p:cNvSpPr>
+            <a:spLocks noGrp="1"/>
+          </p:cNvSpPr>
+          <p:nvPr>
+            <p:ph type="sldNum" sz="quarter" idx="12"/>
+          </p:nvPr>
+        </p:nvSpPr>
+        <p:spPr/>
+        <p:txBody>
+          <a:bodyPr/>
+          <a:lstStyle/>
+          <a:p>
+            <a:fld id="{D57F1E4F-1CFF-5643-939E-02111984F565}" type="slidenum">
+              <a:rPr lang="en-US" smtClean="0"/>
+              <a:t>13</a:t>
+            </a:fld>
+            <a:endParaRPr lang="en-US" dirty="0"/>
+          </a:p>
+        </p:txBody>
+      </p:sp>
+    </p:spTree>
+    <p:extLst>
+      <p:ext uri="{BB962C8B-B14F-4D97-AF65-F5344CB8AC3E}">
+        <p14:creationId xmlns:p14="http://schemas.microsoft.com/office/powerpoint/2010/main" val="1057050078"/>
+      </p:ext>
+    </p:extLst>
+  </p:cSld>
+  <p:clrMapOvr>
+    <a:masterClrMapping/>
+  </p:clrMapOvr>
+</p:sld>
+</file>
+
+<file path=ppt/slides/slide14.xml><?xml version="1.0" encoding="utf-8"?>
+<p:sld xmlns:a="http://schemas.openxmlformats.org/drawingml/2006/main" xmlns:r="http://schemas.openxmlformats.org/officeDocument/2006/relationships" xmlns:p="http://schemas.openxmlformats.org/presentationml/2006/main">
+  <p:cSld>
+    <p:spTree>
+      <p:nvGrpSpPr>
+        <p:cNvPr id="1" name=""/>
+        <p:cNvGrpSpPr/>
+        <p:nvPr/>
+      </p:nvGrpSpPr>
+      <p:grpSpPr>
+        <a:xfrm>
+          <a:off x="0" y="0"/>
+          <a:ext cx="0" cy="0"/>
+          <a:chOff x="0" y="0"/>
+          <a:chExt cx="0" cy="0"/>
+        </a:xfrm>
+      </p:grpSpPr>
+      <p:sp>
+        <p:nvSpPr>
+          <p:cNvPr id="2" name="Title 1">
+            <a:extLst>
+              <a:ext uri="{FF2B5EF4-FFF2-40B4-BE49-F238E27FC236}">
+                <a16:creationId xmlns:a16="http://schemas.microsoft.com/office/drawing/2014/main" id="{AA3A228F-61D0-D949-A5E7-F83756230BF8}"/>
+              </a:ext>
+            </a:extLst>
+          </p:cNvPr>
+          <p:cNvSpPr>
+            <a:spLocks noGrp="1"/>
+          </p:cNvSpPr>
+          <p:nvPr>
+            <p:ph type="title"/>
+          </p:nvPr>
+        </p:nvSpPr>
+        <p:spPr>
+          <a:xfrm>
             <a:off x="144800" y="171683"/>
             <a:ext cx="7053542" cy="683886"/>
           </a:xfrm>
@@ -8435,7 +9021,7 @@
           <a:p>
             <a:fld id="{D57F1E4F-1CFF-5643-939E-02111984F565}" type="slidenum">
               <a:rPr lang="en-US" smtClean="0"/>
-              <a:t>12</a:t>
+              <a:t>14</a:t>
             </a:fld>
             <a:endParaRPr lang="en-US" dirty="0"/>
           </a:p>
@@ -8454,7 +9040,7 @@
 </p:sld>
 </file>
 
-<file path=ppt/slides/slide13.xml><?xml version="1.0" encoding="utf-8"?>
+<file path=ppt/slides/slide15.xml><?xml version="1.0" encoding="utf-8"?>
 <p:sld xmlns:a="http://schemas.openxmlformats.org/drawingml/2006/main" xmlns:r="http://schemas.openxmlformats.org/officeDocument/2006/relationships" xmlns:p="http://schemas.openxmlformats.org/presentationml/2006/main">
   <p:cSld>
     <p:spTree>
@@ -8745,7 +9331,7 @@
           <a:p>
             <a:fld id="{D57F1E4F-1CFF-5643-939E-02111984F565}" type="slidenum">
               <a:rPr lang="en-US" smtClean="0"/>
-              <a:t>13</a:t>
+              <a:t>15</a:t>
             </a:fld>
             <a:endParaRPr lang="en-US" dirty="0"/>
           </a:p>
@@ -9083,7 +9669,7 @@
 </p:sld>
 </file>
 
-<file path=ppt/slides/slide14.xml><?xml version="1.0" encoding="utf-8"?>
+<file path=ppt/slides/slide16.xml><?xml version="1.0" encoding="utf-8"?>
 <p:sld xmlns:a="http://schemas.openxmlformats.org/drawingml/2006/main" xmlns:r="http://schemas.openxmlformats.org/officeDocument/2006/relationships" xmlns:p="http://schemas.openxmlformats.org/presentationml/2006/main">
   <p:cSld>
     <p:spTree>
@@ -9394,7 +9980,7 @@
           <a:p>
             <a:fld id="{D57F1E4F-1CFF-5643-939E-02111984F565}" type="slidenum">
               <a:rPr lang="en-US" smtClean="0"/>
-              <a:t>14</a:t>
+              <a:t>16</a:t>
             </a:fld>
             <a:endParaRPr lang="en-US" dirty="0"/>
           </a:p>
@@ -9688,7 +10274,7 @@
 </p:sld>
 </file>
 
-<file path=ppt/slides/slide15.xml><?xml version="1.0" encoding="utf-8"?>
+<file path=ppt/slides/slide17.xml><?xml version="1.0" encoding="utf-8"?>
 <p:sld xmlns:a="http://schemas.openxmlformats.org/drawingml/2006/main" xmlns:r="http://schemas.openxmlformats.org/officeDocument/2006/relationships" xmlns:p="http://schemas.openxmlformats.org/presentationml/2006/main">
   <p:cSld>
     <p:spTree>
@@ -10071,7 +10657,7 @@
           <a:p>
             <a:fld id="{D57F1E4F-1CFF-5643-939E-02111984F565}" type="slidenum">
               <a:rPr lang="en-US" smtClean="0"/>
-              <a:t>15</a:t>
+              <a:t>17</a:t>
             </a:fld>
             <a:endParaRPr lang="en-US" dirty="0"/>
           </a:p>
@@ -10396,7 +10982,7 @@
 </p:sld>
 </file>
 
-<file path=ppt/slides/slide16.xml><?xml version="1.0" encoding="utf-8"?>
+<file path=ppt/slides/slide18.xml><?xml version="1.0" encoding="utf-8"?>
 <p:sld xmlns:a="http://schemas.openxmlformats.org/drawingml/2006/main" xmlns:r="http://schemas.openxmlformats.org/officeDocument/2006/relationships" xmlns:p="http://schemas.openxmlformats.org/presentationml/2006/main">
   <p:cSld>
     <p:spTree>
@@ -10748,7 +11334,7 @@
           <a:p>
             <a:fld id="{D57F1E4F-1CFF-5643-939E-02111984F565}" type="slidenum">
               <a:rPr lang="en-US" smtClean="0"/>
-              <a:t>16</a:t>
+              <a:t>18</a:t>
             </a:fld>
             <a:endParaRPr lang="en-US" dirty="0"/>
           </a:p>
@@ -11024,7 +11610,7 @@
 </p:sld>
 </file>
 
-<file path=ppt/slides/slide17.xml><?xml version="1.0" encoding="utf-8"?>
+<file path=ppt/slides/slide19.xml><?xml version="1.0" encoding="utf-8"?>
 <p:sld xmlns:a="http://schemas.openxmlformats.org/drawingml/2006/main" xmlns:r="http://schemas.openxmlformats.org/officeDocument/2006/relationships" xmlns:p="http://schemas.openxmlformats.org/presentationml/2006/main">
   <p:cSld>
     <p:spTree>
@@ -11635,7 +12221,7 @@
           <a:p>
             <a:fld id="{D57F1E4F-1CFF-5643-939E-02111984F565}" type="slidenum">
               <a:rPr lang="en-US" smtClean="0"/>
-              <a:t>17</a:t>
+              <a:t>19</a:t>
             </a:fld>
             <a:endParaRPr lang="en-US" dirty="0"/>
           </a:p>
@@ -12076,792 +12662,6 @@
 </p:sld>
 </file>
 
-<file path=ppt/slides/slide18.xml><?xml version="1.0" encoding="utf-8"?>
-<p:sld xmlns:a="http://schemas.openxmlformats.org/drawingml/2006/main" xmlns:r="http://schemas.openxmlformats.org/officeDocument/2006/relationships" xmlns:p="http://schemas.openxmlformats.org/presentationml/2006/main">
-  <p:cSld>
-    <p:spTree>
-      <p:nvGrpSpPr>
-        <p:cNvPr id="1" name=""/>
-        <p:cNvGrpSpPr/>
-        <p:nvPr/>
-      </p:nvGrpSpPr>
-      <p:grpSpPr>
-        <a:xfrm>
-          <a:off x="0" y="0"/>
-          <a:ext cx="0" cy="0"/>
-          <a:chOff x="0" y="0"/>
-          <a:chExt cx="0" cy="0"/>
-        </a:xfrm>
-      </p:grpSpPr>
-      <p:sp>
-        <p:nvSpPr>
-          <p:cNvPr id="2" name="Title 1">
-            <a:extLst>
-              <a:ext uri="{FF2B5EF4-FFF2-40B4-BE49-F238E27FC236}">
-                <a16:creationId xmlns:a16="http://schemas.microsoft.com/office/drawing/2014/main" id="{893AF10F-C12D-6B4A-84C5-206A244BF7C6}"/>
-              </a:ext>
-            </a:extLst>
-          </p:cNvPr>
-          <p:cNvSpPr>
-            <a:spLocks noGrp="1"/>
-          </p:cNvSpPr>
-          <p:nvPr>
-            <p:ph type="title"/>
-          </p:nvPr>
-        </p:nvSpPr>
-        <p:spPr>
-          <a:xfrm>
-            <a:off x="0" y="0"/>
-            <a:ext cx="7886700" cy="540162"/>
-          </a:xfrm>
-        </p:spPr>
-        <p:txBody>
-          <a:bodyPr>
-            <a:normAutofit fontScale="90000"/>
-          </a:bodyPr>
-          <a:lstStyle/>
-          <a:p>
-            <a:r>
-              <a:rPr lang="en-US" dirty="0"/>
-              <a:t>Program Inputs</a:t>
-            </a:r>
-          </a:p>
-        </p:txBody>
-      </p:sp>
-      <p:sp>
-        <p:nvSpPr>
-          <p:cNvPr id="3" name="Content Placeholder 2">
-            <a:extLst>
-              <a:ext uri="{FF2B5EF4-FFF2-40B4-BE49-F238E27FC236}">
-                <a16:creationId xmlns:a16="http://schemas.microsoft.com/office/drawing/2014/main" id="{8EE44610-8AB0-B84C-9003-2B8BA850F328}"/>
-              </a:ext>
-            </a:extLst>
-          </p:cNvPr>
-          <p:cNvSpPr>
-            <a:spLocks noGrp="1"/>
-          </p:cNvSpPr>
-          <p:nvPr>
-            <p:ph idx="1"/>
-          </p:nvPr>
-        </p:nvSpPr>
-        <p:spPr>
-          <a:xfrm>
-            <a:off x="150607" y="540162"/>
-            <a:ext cx="8747588" cy="5061068"/>
-          </a:xfrm>
-        </p:spPr>
-        <p:txBody>
-          <a:bodyPr/>
-          <a:lstStyle/>
-          <a:p>
-            <a:pPr marL="0" indent="0">
-              <a:buNone/>
-            </a:pPr>
-            <a:r>
-              <a:rPr lang="en-US" b="1" dirty="0"/>
-              <a:t>Program input </a:t>
-            </a:r>
-            <a:r>
-              <a:rPr lang="en-US" dirty="0"/>
-              <a:t>is data sent to a computer for processing by a program. Input can come in a variety of forms such as:</a:t>
-            </a:r>
-          </a:p>
-          <a:p>
-            <a:r>
-              <a:rPr lang="en-US" dirty="0"/>
-              <a:t>tactile(swipes from a tablet)</a:t>
-            </a:r>
-          </a:p>
-          <a:p>
-            <a:r>
-              <a:rPr lang="en-US" dirty="0"/>
-              <a:t>audio(input can be an audio/voice to be processed by a program)</a:t>
-            </a:r>
-          </a:p>
-          <a:p>
-            <a:r>
-              <a:rPr lang="en-US" dirty="0"/>
-              <a:t>visual(an image to be filtered by a program)</a:t>
-            </a:r>
-          </a:p>
-          <a:p>
-            <a:r>
-              <a:rPr lang="en-US" dirty="0"/>
-              <a:t>text(user input from keyboard or can be a text file input) </a:t>
-            </a:r>
-          </a:p>
-          <a:p>
-            <a:pPr marL="0" indent="0">
-              <a:buNone/>
-            </a:pPr>
-            <a:endParaRPr lang="en-US" dirty="0"/>
-          </a:p>
-          <a:p>
-            <a:pPr marL="0" indent="0">
-              <a:buNone/>
-            </a:pPr>
-            <a:endParaRPr lang="en-US" dirty="0"/>
-          </a:p>
-          <a:p>
-            <a:pPr marL="0" indent="0">
-              <a:buNone/>
-            </a:pPr>
-            <a:r>
-              <a:rPr lang="en-US" b="1" dirty="0"/>
-              <a:t>Program outputs </a:t>
-            </a:r>
-            <a:r>
-              <a:rPr lang="en-US" dirty="0"/>
-              <a:t>are any data sent from a program to a device. Program output can come in a variety of forms, such as tactile, audio, visual, or text. </a:t>
-            </a:r>
-          </a:p>
-          <a:p>
-            <a:pPr marL="0" indent="0">
-              <a:buNone/>
-            </a:pPr>
-            <a:endParaRPr lang="en-US" dirty="0"/>
-          </a:p>
-          <a:p>
-            <a:pPr marL="0" indent="0">
-              <a:buNone/>
-            </a:pPr>
-            <a:endParaRPr lang="en-US" dirty="0"/>
-          </a:p>
-        </p:txBody>
-      </p:sp>
-      <p:sp>
-        <p:nvSpPr>
-          <p:cNvPr id="4" name="Slide Number Placeholder 3">
-            <a:extLst>
-              <a:ext uri="{FF2B5EF4-FFF2-40B4-BE49-F238E27FC236}">
-                <a16:creationId xmlns:a16="http://schemas.microsoft.com/office/drawing/2014/main" id="{75C7B0F0-6928-7047-81B0-E8C50BC3208B}"/>
-              </a:ext>
-            </a:extLst>
-          </p:cNvPr>
-          <p:cNvSpPr>
-            <a:spLocks noGrp="1"/>
-          </p:cNvSpPr>
-          <p:nvPr>
-            <p:ph type="sldNum" sz="quarter" idx="12"/>
-          </p:nvPr>
-        </p:nvSpPr>
-        <p:spPr/>
-        <p:txBody>
-          <a:bodyPr/>
-          <a:lstStyle/>
-          <a:p>
-            <a:fld id="{D57F1E4F-1CFF-5643-939E-02111984F565}" type="slidenum">
-              <a:rPr lang="en-US" smtClean="0"/>
-              <a:t>18</a:t>
-            </a:fld>
-            <a:endParaRPr lang="en-US" dirty="0"/>
-          </a:p>
-        </p:txBody>
-      </p:sp>
-    </p:spTree>
-    <p:extLst>
-      <p:ext uri="{BB962C8B-B14F-4D97-AF65-F5344CB8AC3E}">
-        <p14:creationId xmlns:p14="http://schemas.microsoft.com/office/powerpoint/2010/main" val="273226657"/>
-      </p:ext>
-    </p:extLst>
-  </p:cSld>
-  <p:clrMapOvr>
-    <a:masterClrMapping/>
-  </p:clrMapOvr>
-  <p:timing>
-    <p:tnLst>
-      <p:par>
-        <p:cTn id="1" dur="indefinite" restart="never" nodeType="tmRoot">
-          <p:childTnLst>
-            <p:seq concurrent="1" nextAc="seek">
-              <p:cTn id="2" dur="indefinite" nodeType="mainSeq">
-                <p:childTnLst>
-                  <p:par>
-                    <p:cTn id="3" fill="hold">
-                      <p:stCondLst>
-                        <p:cond delay="indefinite"/>
-                      </p:stCondLst>
-                      <p:childTnLst>
-                        <p:par>
-                          <p:cTn id="4" fill="hold">
-                            <p:stCondLst>
-                              <p:cond delay="0"/>
-                            </p:stCondLst>
-                            <p:childTnLst>
-                              <p:par>
-                                <p:cTn id="5" presetID="1" presetClass="entr" presetSubtype="0" fill="hold" nodeType="clickEffect">
-                                  <p:stCondLst>
-                                    <p:cond delay="0"/>
-                                  </p:stCondLst>
-                                  <p:childTnLst>
-                                    <p:set>
-                                      <p:cBhvr>
-                                        <p:cTn id="6" dur="1" fill="hold">
-                                          <p:stCondLst>
-                                            <p:cond delay="0"/>
-                                          </p:stCondLst>
-                                        </p:cTn>
-                                        <p:tgtEl>
-                                          <p:spTgt spid="3">
-                                            <p:txEl>
-                                              <p:pRg st="1" end="1"/>
-                                            </p:txEl>
-                                          </p:spTgt>
-                                        </p:tgtEl>
-                                        <p:attrNameLst>
-                                          <p:attrName>style.visibility</p:attrName>
-                                        </p:attrNameLst>
-                                      </p:cBhvr>
-                                      <p:to>
-                                        <p:strVal val="visible"/>
-                                      </p:to>
-                                    </p:set>
-                                  </p:childTnLst>
-                                </p:cTn>
-                              </p:par>
-                            </p:childTnLst>
-                          </p:cTn>
-                        </p:par>
-                      </p:childTnLst>
-                    </p:cTn>
-                  </p:par>
-                  <p:par>
-                    <p:cTn id="7" fill="hold">
-                      <p:stCondLst>
-                        <p:cond delay="indefinite"/>
-                      </p:stCondLst>
-                      <p:childTnLst>
-                        <p:par>
-                          <p:cTn id="8" fill="hold">
-                            <p:stCondLst>
-                              <p:cond delay="0"/>
-                            </p:stCondLst>
-                            <p:childTnLst>
-                              <p:par>
-                                <p:cTn id="9" presetID="1" presetClass="entr" presetSubtype="0" fill="hold" nodeType="clickEffect">
-                                  <p:stCondLst>
-                                    <p:cond delay="0"/>
-                                  </p:stCondLst>
-                                  <p:childTnLst>
-                                    <p:set>
-                                      <p:cBhvr>
-                                        <p:cTn id="10" dur="1" fill="hold">
-                                          <p:stCondLst>
-                                            <p:cond delay="0"/>
-                                          </p:stCondLst>
-                                        </p:cTn>
-                                        <p:tgtEl>
-                                          <p:spTgt spid="3">
-                                            <p:txEl>
-                                              <p:pRg st="2" end="2"/>
-                                            </p:txEl>
-                                          </p:spTgt>
-                                        </p:tgtEl>
-                                        <p:attrNameLst>
-                                          <p:attrName>style.visibility</p:attrName>
-                                        </p:attrNameLst>
-                                      </p:cBhvr>
-                                      <p:to>
-                                        <p:strVal val="visible"/>
-                                      </p:to>
-                                    </p:set>
-                                  </p:childTnLst>
-                                </p:cTn>
-                              </p:par>
-                            </p:childTnLst>
-                          </p:cTn>
-                        </p:par>
-                      </p:childTnLst>
-                    </p:cTn>
-                  </p:par>
-                  <p:par>
-                    <p:cTn id="11" fill="hold">
-                      <p:stCondLst>
-                        <p:cond delay="indefinite"/>
-                      </p:stCondLst>
-                      <p:childTnLst>
-                        <p:par>
-                          <p:cTn id="12" fill="hold">
-                            <p:stCondLst>
-                              <p:cond delay="0"/>
-                            </p:stCondLst>
-                            <p:childTnLst>
-                              <p:par>
-                                <p:cTn id="13" presetID="1" presetClass="entr" presetSubtype="0" fill="hold" nodeType="clickEffect">
-                                  <p:stCondLst>
-                                    <p:cond delay="0"/>
-                                  </p:stCondLst>
-                                  <p:childTnLst>
-                                    <p:set>
-                                      <p:cBhvr>
-                                        <p:cTn id="14" dur="1" fill="hold">
-                                          <p:stCondLst>
-                                            <p:cond delay="0"/>
-                                          </p:stCondLst>
-                                        </p:cTn>
-                                        <p:tgtEl>
-                                          <p:spTgt spid="3">
-                                            <p:txEl>
-                                              <p:pRg st="3" end="3"/>
-                                            </p:txEl>
-                                          </p:spTgt>
-                                        </p:tgtEl>
-                                        <p:attrNameLst>
-                                          <p:attrName>style.visibility</p:attrName>
-                                        </p:attrNameLst>
-                                      </p:cBhvr>
-                                      <p:to>
-                                        <p:strVal val="visible"/>
-                                      </p:to>
-                                    </p:set>
-                                  </p:childTnLst>
-                                </p:cTn>
-                              </p:par>
-                            </p:childTnLst>
-                          </p:cTn>
-                        </p:par>
-                      </p:childTnLst>
-                    </p:cTn>
-                  </p:par>
-                  <p:par>
-                    <p:cTn id="15" fill="hold">
-                      <p:stCondLst>
-                        <p:cond delay="indefinite"/>
-                      </p:stCondLst>
-                      <p:childTnLst>
-                        <p:par>
-                          <p:cTn id="16" fill="hold">
-                            <p:stCondLst>
-                              <p:cond delay="0"/>
-                            </p:stCondLst>
-                            <p:childTnLst>
-                              <p:par>
-                                <p:cTn id="17" presetID="1" presetClass="entr" presetSubtype="0" fill="hold" nodeType="clickEffect">
-                                  <p:stCondLst>
-                                    <p:cond delay="0"/>
-                                  </p:stCondLst>
-                                  <p:childTnLst>
-                                    <p:set>
-                                      <p:cBhvr>
-                                        <p:cTn id="18" dur="1" fill="hold">
-                                          <p:stCondLst>
-                                            <p:cond delay="0"/>
-                                          </p:stCondLst>
-                                        </p:cTn>
-                                        <p:tgtEl>
-                                          <p:spTgt spid="3">
-                                            <p:txEl>
-                                              <p:pRg st="4" end="4"/>
-                                            </p:txEl>
-                                          </p:spTgt>
-                                        </p:tgtEl>
-                                        <p:attrNameLst>
-                                          <p:attrName>style.visibility</p:attrName>
-                                        </p:attrNameLst>
-                                      </p:cBhvr>
-                                      <p:to>
-                                        <p:strVal val="visible"/>
-                                      </p:to>
-                                    </p:set>
-                                  </p:childTnLst>
-                                </p:cTn>
-                              </p:par>
-                            </p:childTnLst>
-                          </p:cTn>
-                        </p:par>
-                      </p:childTnLst>
-                    </p:cTn>
-                  </p:par>
-                  <p:par>
-                    <p:cTn id="19" fill="hold">
-                      <p:stCondLst>
-                        <p:cond delay="indefinite"/>
-                      </p:stCondLst>
-                      <p:childTnLst>
-                        <p:par>
-                          <p:cTn id="20" fill="hold">
-                            <p:stCondLst>
-                              <p:cond delay="0"/>
-                            </p:stCondLst>
-                            <p:childTnLst>
-                              <p:par>
-                                <p:cTn id="21" presetID="1" presetClass="entr" presetSubtype="0" fill="hold" nodeType="clickEffect">
-                                  <p:stCondLst>
-                                    <p:cond delay="0"/>
-                                  </p:stCondLst>
-                                  <p:childTnLst>
-                                    <p:set>
-                                      <p:cBhvr>
-                                        <p:cTn id="22" dur="1" fill="hold">
-                                          <p:stCondLst>
-                                            <p:cond delay="0"/>
-                                          </p:stCondLst>
-                                        </p:cTn>
-                                        <p:tgtEl>
-                                          <p:spTgt spid="3">
-                                            <p:txEl>
-                                              <p:pRg st="7" end="7"/>
-                                            </p:txEl>
-                                          </p:spTgt>
-                                        </p:tgtEl>
-                                        <p:attrNameLst>
-                                          <p:attrName>style.visibility</p:attrName>
-                                        </p:attrNameLst>
-                                      </p:cBhvr>
-                                      <p:to>
-                                        <p:strVal val="visible"/>
-                                      </p:to>
-                                    </p:set>
-                                  </p:childTnLst>
-                                </p:cTn>
-                              </p:par>
-                            </p:childTnLst>
-                          </p:cTn>
-                        </p:par>
-                      </p:childTnLst>
-                    </p:cTn>
-                  </p:par>
-                </p:childTnLst>
-              </p:cTn>
-              <p:prevCondLst>
-                <p:cond evt="onPrev" delay="0">
-                  <p:tgtEl>
-                    <p:sldTgt/>
-                  </p:tgtEl>
-                </p:cond>
-              </p:prevCondLst>
-              <p:nextCondLst>
-                <p:cond evt="onNext" delay="0">
-                  <p:tgtEl>
-                    <p:sldTgt/>
-                  </p:tgtEl>
-                </p:cond>
-              </p:nextCondLst>
-            </p:seq>
-          </p:childTnLst>
-        </p:cTn>
-      </p:par>
-    </p:tnLst>
-  </p:timing>
-</p:sld>
-</file>
-
-<file path=ppt/slides/slide19.xml><?xml version="1.0" encoding="utf-8"?>
-<p:sld xmlns:a="http://schemas.openxmlformats.org/drawingml/2006/main" xmlns:r="http://schemas.openxmlformats.org/officeDocument/2006/relationships" xmlns:p="http://schemas.openxmlformats.org/presentationml/2006/main">
-  <p:cSld>
-    <p:spTree>
-      <p:nvGrpSpPr>
-        <p:cNvPr id="1" name=""/>
-        <p:cNvGrpSpPr/>
-        <p:nvPr/>
-      </p:nvGrpSpPr>
-      <p:grpSpPr>
-        <a:xfrm>
-          <a:off x="0" y="0"/>
-          <a:ext cx="0" cy="0"/>
-          <a:chOff x="0" y="0"/>
-          <a:chExt cx="0" cy="0"/>
-        </a:xfrm>
-      </p:grpSpPr>
-      <p:sp>
-        <p:nvSpPr>
-          <p:cNvPr id="2" name="Title 1">
-            <a:extLst>
-              <a:ext uri="{FF2B5EF4-FFF2-40B4-BE49-F238E27FC236}">
-                <a16:creationId xmlns:a16="http://schemas.microsoft.com/office/drawing/2014/main" id="{893AF10F-C12D-6B4A-84C5-206A244BF7C6}"/>
-              </a:ext>
-            </a:extLst>
-          </p:cNvPr>
-          <p:cNvSpPr>
-            <a:spLocks noGrp="1"/>
-          </p:cNvSpPr>
-          <p:nvPr>
-            <p:ph type="title"/>
-          </p:nvPr>
-        </p:nvSpPr>
-        <p:spPr>
-          <a:xfrm>
-            <a:off x="0" y="0"/>
-            <a:ext cx="7886700" cy="540162"/>
-          </a:xfrm>
-        </p:spPr>
-        <p:txBody>
-          <a:bodyPr>
-            <a:normAutofit fontScale="90000"/>
-          </a:bodyPr>
-          <a:lstStyle/>
-          <a:p>
-            <a:r>
-              <a:rPr lang="en-US" dirty="0"/>
-              <a:t>Program Inputs</a:t>
-            </a:r>
-          </a:p>
-        </p:txBody>
-      </p:sp>
-      <p:sp>
-        <p:nvSpPr>
-          <p:cNvPr id="3" name="Content Placeholder 2">
-            <a:extLst>
-              <a:ext uri="{FF2B5EF4-FFF2-40B4-BE49-F238E27FC236}">
-                <a16:creationId xmlns:a16="http://schemas.microsoft.com/office/drawing/2014/main" id="{8EE44610-8AB0-B84C-9003-2B8BA850F328}"/>
-              </a:ext>
-            </a:extLst>
-          </p:cNvPr>
-          <p:cNvSpPr>
-            <a:spLocks noGrp="1"/>
-          </p:cNvSpPr>
-          <p:nvPr>
-            <p:ph idx="1"/>
-          </p:nvPr>
-        </p:nvSpPr>
-        <p:spPr>
-          <a:xfrm>
-            <a:off x="150607" y="540162"/>
-            <a:ext cx="8747588" cy="5061068"/>
-          </a:xfrm>
-        </p:spPr>
-        <p:txBody>
-          <a:bodyPr/>
-          <a:lstStyle/>
-          <a:p>
-            <a:pPr marL="0" indent="0">
-              <a:buNone/>
-            </a:pPr>
-            <a:endParaRPr lang="en-US" dirty="0"/>
-          </a:p>
-          <a:p>
-            <a:pPr marL="0" indent="0">
-              <a:buNone/>
-            </a:pPr>
-            <a:r>
-              <a:rPr lang="en-US" dirty="0"/>
-              <a:t>A program is useful if it takes some input from the user, process it and outputs something meaningful. </a:t>
-            </a:r>
-          </a:p>
-          <a:p>
-            <a:pPr marL="0" indent="0">
-              <a:buNone/>
-            </a:pPr>
-            <a:endParaRPr lang="en-US" dirty="0"/>
-          </a:p>
-          <a:p>
-            <a:pPr marL="0" indent="0">
-              <a:buNone/>
-            </a:pPr>
-            <a:r>
-              <a:rPr lang="en-US" dirty="0"/>
-              <a:t>We will start with a simple program that accepts user inputs from the keyboard and outputs some result by printing it on the console. </a:t>
-            </a:r>
-          </a:p>
-          <a:p>
-            <a:pPr marL="0" indent="0">
-              <a:buNone/>
-            </a:pPr>
-            <a:endParaRPr lang="en-US" dirty="0"/>
-          </a:p>
-          <a:p>
-            <a:pPr marL="0" indent="0">
-              <a:buNone/>
-            </a:pPr>
-            <a:r>
-              <a:rPr lang="en-US" dirty="0"/>
-              <a:t>The input function </a:t>
-            </a:r>
-            <a:r>
-              <a:rPr lang="en-US" b="1" dirty="0">
-                <a:latin typeface="INCONSOLATA" panose="020B0609030003000000" pitchFamily="49" charset="77"/>
-              </a:rPr>
-              <a:t>input()</a:t>
-            </a:r>
-            <a:r>
-              <a:rPr lang="en-US" dirty="0"/>
-              <a:t> can be used to accept inputs from the user. </a:t>
-            </a:r>
-            <a:endParaRPr lang="en-US" b="1" dirty="0">
-              <a:solidFill>
-                <a:srgbClr val="34A327"/>
-              </a:solidFill>
-              <a:latin typeface="Inconsolata" panose="020B0609030003000000" pitchFamily="49" charset="77"/>
-            </a:endParaRPr>
-          </a:p>
-          <a:p>
-            <a:pPr marL="0" indent="0">
-              <a:buNone/>
-            </a:pPr>
-            <a:endParaRPr lang="en-US" dirty="0"/>
-          </a:p>
-        </p:txBody>
-      </p:sp>
-      <p:sp>
-        <p:nvSpPr>
-          <p:cNvPr id="4" name="Slide Number Placeholder 3">
-            <a:extLst>
-              <a:ext uri="{FF2B5EF4-FFF2-40B4-BE49-F238E27FC236}">
-                <a16:creationId xmlns:a16="http://schemas.microsoft.com/office/drawing/2014/main" id="{75C7B0F0-6928-7047-81B0-E8C50BC3208B}"/>
-              </a:ext>
-            </a:extLst>
-          </p:cNvPr>
-          <p:cNvSpPr>
-            <a:spLocks noGrp="1"/>
-          </p:cNvSpPr>
-          <p:nvPr>
-            <p:ph type="sldNum" sz="quarter" idx="12"/>
-          </p:nvPr>
-        </p:nvSpPr>
-        <p:spPr/>
-        <p:txBody>
-          <a:bodyPr/>
-          <a:lstStyle/>
-          <a:p>
-            <a:fld id="{D57F1E4F-1CFF-5643-939E-02111984F565}" type="slidenum">
-              <a:rPr lang="en-US" smtClean="0"/>
-              <a:t>19</a:t>
-            </a:fld>
-            <a:endParaRPr lang="en-US" dirty="0"/>
-          </a:p>
-        </p:txBody>
-      </p:sp>
-    </p:spTree>
-    <p:extLst>
-      <p:ext uri="{BB962C8B-B14F-4D97-AF65-F5344CB8AC3E}">
-        <p14:creationId xmlns:p14="http://schemas.microsoft.com/office/powerpoint/2010/main" val="3067820620"/>
-      </p:ext>
-    </p:extLst>
-  </p:cSld>
-  <p:clrMapOvr>
-    <a:masterClrMapping/>
-  </p:clrMapOvr>
-  <p:timing>
-    <p:tnLst>
-      <p:par>
-        <p:cTn id="1" dur="indefinite" restart="never" nodeType="tmRoot">
-          <p:childTnLst>
-            <p:seq concurrent="1" nextAc="seek">
-              <p:cTn id="2" dur="indefinite" nodeType="mainSeq">
-                <p:childTnLst>
-                  <p:par>
-                    <p:cTn id="3" fill="hold">
-                      <p:stCondLst>
-                        <p:cond delay="indefinite"/>
-                      </p:stCondLst>
-                      <p:childTnLst>
-                        <p:par>
-                          <p:cTn id="4" fill="hold">
-                            <p:stCondLst>
-                              <p:cond delay="0"/>
-                            </p:stCondLst>
-                            <p:childTnLst>
-                              <p:par>
-                                <p:cTn id="5" presetID="1" presetClass="entr" presetSubtype="0" fill="hold" nodeType="clickEffect">
-                                  <p:stCondLst>
-                                    <p:cond delay="0"/>
-                                  </p:stCondLst>
-                                  <p:childTnLst>
-                                    <p:set>
-                                      <p:cBhvr>
-                                        <p:cTn id="6" dur="1" fill="hold">
-                                          <p:stCondLst>
-                                            <p:cond delay="0"/>
-                                          </p:stCondLst>
-                                        </p:cTn>
-                                        <p:tgtEl>
-                                          <p:spTgt spid="3">
-                                            <p:txEl>
-                                              <p:pRg st="3" end="3"/>
-                                            </p:txEl>
-                                          </p:spTgt>
-                                        </p:tgtEl>
-                                        <p:attrNameLst>
-                                          <p:attrName>style.visibility</p:attrName>
-                                        </p:attrNameLst>
-                                      </p:cBhvr>
-                                      <p:to>
-                                        <p:strVal val="visible"/>
-                                      </p:to>
-                                    </p:set>
-                                  </p:childTnLst>
-                                </p:cTn>
-                              </p:par>
-                            </p:childTnLst>
-                          </p:cTn>
-                        </p:par>
-                      </p:childTnLst>
-                    </p:cTn>
-                  </p:par>
-                  <p:par>
-                    <p:cTn id="7" fill="hold">
-                      <p:stCondLst>
-                        <p:cond delay="indefinite"/>
-                      </p:stCondLst>
-                      <p:childTnLst>
-                        <p:par>
-                          <p:cTn id="8" fill="hold">
-                            <p:stCondLst>
-                              <p:cond delay="0"/>
-                            </p:stCondLst>
-                            <p:childTnLst>
-                              <p:par>
-                                <p:cTn id="9" presetID="1" presetClass="entr" presetSubtype="0" fill="hold" nodeType="clickEffect">
-                                  <p:stCondLst>
-                                    <p:cond delay="0"/>
-                                  </p:stCondLst>
-                                  <p:childTnLst>
-                                    <p:set>
-                                      <p:cBhvr>
-                                        <p:cTn id="10" dur="1" fill="hold">
-                                          <p:stCondLst>
-                                            <p:cond delay="0"/>
-                                          </p:stCondLst>
-                                        </p:cTn>
-                                        <p:tgtEl>
-                                          <p:spTgt spid="3">
-                                            <p:txEl>
-                                              <p:pRg st="5" end="5"/>
-                                            </p:txEl>
-                                          </p:spTgt>
-                                        </p:tgtEl>
-                                        <p:attrNameLst>
-                                          <p:attrName>style.visibility</p:attrName>
-                                        </p:attrNameLst>
-                                      </p:cBhvr>
-                                      <p:to>
-                                        <p:strVal val="visible"/>
-                                      </p:to>
-                                    </p:set>
-                                  </p:childTnLst>
-                                </p:cTn>
-                              </p:par>
-                            </p:childTnLst>
-                          </p:cTn>
-                        </p:par>
-                      </p:childTnLst>
-                    </p:cTn>
-                  </p:par>
-                </p:childTnLst>
-              </p:cTn>
-              <p:prevCondLst>
-                <p:cond evt="onPrev" delay="0">
-                  <p:tgtEl>
-                    <p:sldTgt/>
-                  </p:tgtEl>
-                </p:cond>
-              </p:prevCondLst>
-              <p:nextCondLst>
-                <p:cond evt="onNext" delay="0">
-                  <p:tgtEl>
-                    <p:sldTgt/>
-                  </p:tgtEl>
-                </p:cond>
-              </p:nextCondLst>
-            </p:seq>
-          </p:childTnLst>
-        </p:cTn>
-      </p:par>
-    </p:tnLst>
-  </p:timing>
-</p:sld>
-</file>
-
 <file path=ppt/slides/slide2.xml><?xml version="1.0" encoding="utf-8"?>
 <p:sld xmlns:a="http://schemas.openxmlformats.org/drawingml/2006/main" xmlns:r="http://schemas.openxmlformats.org/officeDocument/2006/relationships" xmlns:p="http://schemas.openxmlformats.org/presentationml/2006/main">
   <p:cSld>
@@ -13557,6 +13357,792 @@
           <p:cNvPr id="2" name="Title 1">
             <a:extLst>
               <a:ext uri="{FF2B5EF4-FFF2-40B4-BE49-F238E27FC236}">
+                <a16:creationId xmlns:a16="http://schemas.microsoft.com/office/drawing/2014/main" id="{893AF10F-C12D-6B4A-84C5-206A244BF7C6}"/>
+              </a:ext>
+            </a:extLst>
+          </p:cNvPr>
+          <p:cNvSpPr>
+            <a:spLocks noGrp="1"/>
+          </p:cNvSpPr>
+          <p:nvPr>
+            <p:ph type="title"/>
+          </p:nvPr>
+        </p:nvSpPr>
+        <p:spPr>
+          <a:xfrm>
+            <a:off x="0" y="0"/>
+            <a:ext cx="7886700" cy="540162"/>
+          </a:xfrm>
+        </p:spPr>
+        <p:txBody>
+          <a:bodyPr>
+            <a:normAutofit fontScale="90000"/>
+          </a:bodyPr>
+          <a:lstStyle/>
+          <a:p>
+            <a:r>
+              <a:rPr lang="en-US" dirty="0"/>
+              <a:t>Program Inputs</a:t>
+            </a:r>
+          </a:p>
+        </p:txBody>
+      </p:sp>
+      <p:sp>
+        <p:nvSpPr>
+          <p:cNvPr id="3" name="Content Placeholder 2">
+            <a:extLst>
+              <a:ext uri="{FF2B5EF4-FFF2-40B4-BE49-F238E27FC236}">
+                <a16:creationId xmlns:a16="http://schemas.microsoft.com/office/drawing/2014/main" id="{8EE44610-8AB0-B84C-9003-2B8BA850F328}"/>
+              </a:ext>
+            </a:extLst>
+          </p:cNvPr>
+          <p:cNvSpPr>
+            <a:spLocks noGrp="1"/>
+          </p:cNvSpPr>
+          <p:nvPr>
+            <p:ph idx="1"/>
+          </p:nvPr>
+        </p:nvSpPr>
+        <p:spPr>
+          <a:xfrm>
+            <a:off x="150607" y="540162"/>
+            <a:ext cx="8747588" cy="5061068"/>
+          </a:xfrm>
+        </p:spPr>
+        <p:txBody>
+          <a:bodyPr/>
+          <a:lstStyle/>
+          <a:p>
+            <a:pPr marL="0" indent="0">
+              <a:buNone/>
+            </a:pPr>
+            <a:r>
+              <a:rPr lang="en-US" b="1" dirty="0"/>
+              <a:t>Program input </a:t>
+            </a:r>
+            <a:r>
+              <a:rPr lang="en-US" dirty="0"/>
+              <a:t>is data sent to a computer for processing by a program. Input can come in a variety of forms such as:</a:t>
+            </a:r>
+          </a:p>
+          <a:p>
+            <a:r>
+              <a:rPr lang="en-US" dirty="0"/>
+              <a:t>tactile(swipes from a tablet)</a:t>
+            </a:r>
+          </a:p>
+          <a:p>
+            <a:r>
+              <a:rPr lang="en-US" dirty="0"/>
+              <a:t>audio(input can be an audio/voice to be processed by a program)</a:t>
+            </a:r>
+          </a:p>
+          <a:p>
+            <a:r>
+              <a:rPr lang="en-US" dirty="0"/>
+              <a:t>visual(an image to be filtered by a program)</a:t>
+            </a:r>
+          </a:p>
+          <a:p>
+            <a:r>
+              <a:rPr lang="en-US" dirty="0"/>
+              <a:t>text(user input from keyboard or can be a text file input) </a:t>
+            </a:r>
+          </a:p>
+          <a:p>
+            <a:pPr marL="0" indent="0">
+              <a:buNone/>
+            </a:pPr>
+            <a:endParaRPr lang="en-US" dirty="0"/>
+          </a:p>
+          <a:p>
+            <a:pPr marL="0" indent="0">
+              <a:buNone/>
+            </a:pPr>
+            <a:endParaRPr lang="en-US" dirty="0"/>
+          </a:p>
+          <a:p>
+            <a:pPr marL="0" indent="0">
+              <a:buNone/>
+            </a:pPr>
+            <a:r>
+              <a:rPr lang="en-US" b="1" dirty="0"/>
+              <a:t>Program outputs </a:t>
+            </a:r>
+            <a:r>
+              <a:rPr lang="en-US" dirty="0"/>
+              <a:t>are any data sent from a program to a device. Program output can come in a variety of forms, such as tactile, audio, visual, or text. </a:t>
+            </a:r>
+          </a:p>
+          <a:p>
+            <a:pPr marL="0" indent="0">
+              <a:buNone/>
+            </a:pPr>
+            <a:endParaRPr lang="en-US" dirty="0"/>
+          </a:p>
+          <a:p>
+            <a:pPr marL="0" indent="0">
+              <a:buNone/>
+            </a:pPr>
+            <a:endParaRPr lang="en-US" dirty="0"/>
+          </a:p>
+        </p:txBody>
+      </p:sp>
+      <p:sp>
+        <p:nvSpPr>
+          <p:cNvPr id="4" name="Slide Number Placeholder 3">
+            <a:extLst>
+              <a:ext uri="{FF2B5EF4-FFF2-40B4-BE49-F238E27FC236}">
+                <a16:creationId xmlns:a16="http://schemas.microsoft.com/office/drawing/2014/main" id="{75C7B0F0-6928-7047-81B0-E8C50BC3208B}"/>
+              </a:ext>
+            </a:extLst>
+          </p:cNvPr>
+          <p:cNvSpPr>
+            <a:spLocks noGrp="1"/>
+          </p:cNvSpPr>
+          <p:nvPr>
+            <p:ph type="sldNum" sz="quarter" idx="12"/>
+          </p:nvPr>
+        </p:nvSpPr>
+        <p:spPr/>
+        <p:txBody>
+          <a:bodyPr/>
+          <a:lstStyle/>
+          <a:p>
+            <a:fld id="{D57F1E4F-1CFF-5643-939E-02111984F565}" type="slidenum">
+              <a:rPr lang="en-US" smtClean="0"/>
+              <a:t>20</a:t>
+            </a:fld>
+            <a:endParaRPr lang="en-US" dirty="0"/>
+          </a:p>
+        </p:txBody>
+      </p:sp>
+    </p:spTree>
+    <p:extLst>
+      <p:ext uri="{BB962C8B-B14F-4D97-AF65-F5344CB8AC3E}">
+        <p14:creationId xmlns:p14="http://schemas.microsoft.com/office/powerpoint/2010/main" val="273226657"/>
+      </p:ext>
+    </p:extLst>
+  </p:cSld>
+  <p:clrMapOvr>
+    <a:masterClrMapping/>
+  </p:clrMapOvr>
+  <p:timing>
+    <p:tnLst>
+      <p:par>
+        <p:cTn id="1" dur="indefinite" restart="never" nodeType="tmRoot">
+          <p:childTnLst>
+            <p:seq concurrent="1" nextAc="seek">
+              <p:cTn id="2" dur="indefinite" nodeType="mainSeq">
+                <p:childTnLst>
+                  <p:par>
+                    <p:cTn id="3" fill="hold">
+                      <p:stCondLst>
+                        <p:cond delay="indefinite"/>
+                      </p:stCondLst>
+                      <p:childTnLst>
+                        <p:par>
+                          <p:cTn id="4" fill="hold">
+                            <p:stCondLst>
+                              <p:cond delay="0"/>
+                            </p:stCondLst>
+                            <p:childTnLst>
+                              <p:par>
+                                <p:cTn id="5" presetID="1" presetClass="entr" presetSubtype="0" fill="hold" nodeType="clickEffect">
+                                  <p:stCondLst>
+                                    <p:cond delay="0"/>
+                                  </p:stCondLst>
+                                  <p:childTnLst>
+                                    <p:set>
+                                      <p:cBhvr>
+                                        <p:cTn id="6" dur="1" fill="hold">
+                                          <p:stCondLst>
+                                            <p:cond delay="0"/>
+                                          </p:stCondLst>
+                                        </p:cTn>
+                                        <p:tgtEl>
+                                          <p:spTgt spid="3">
+                                            <p:txEl>
+                                              <p:pRg st="1" end="1"/>
+                                            </p:txEl>
+                                          </p:spTgt>
+                                        </p:tgtEl>
+                                        <p:attrNameLst>
+                                          <p:attrName>style.visibility</p:attrName>
+                                        </p:attrNameLst>
+                                      </p:cBhvr>
+                                      <p:to>
+                                        <p:strVal val="visible"/>
+                                      </p:to>
+                                    </p:set>
+                                  </p:childTnLst>
+                                </p:cTn>
+                              </p:par>
+                            </p:childTnLst>
+                          </p:cTn>
+                        </p:par>
+                      </p:childTnLst>
+                    </p:cTn>
+                  </p:par>
+                  <p:par>
+                    <p:cTn id="7" fill="hold">
+                      <p:stCondLst>
+                        <p:cond delay="indefinite"/>
+                      </p:stCondLst>
+                      <p:childTnLst>
+                        <p:par>
+                          <p:cTn id="8" fill="hold">
+                            <p:stCondLst>
+                              <p:cond delay="0"/>
+                            </p:stCondLst>
+                            <p:childTnLst>
+                              <p:par>
+                                <p:cTn id="9" presetID="1" presetClass="entr" presetSubtype="0" fill="hold" nodeType="clickEffect">
+                                  <p:stCondLst>
+                                    <p:cond delay="0"/>
+                                  </p:stCondLst>
+                                  <p:childTnLst>
+                                    <p:set>
+                                      <p:cBhvr>
+                                        <p:cTn id="10" dur="1" fill="hold">
+                                          <p:stCondLst>
+                                            <p:cond delay="0"/>
+                                          </p:stCondLst>
+                                        </p:cTn>
+                                        <p:tgtEl>
+                                          <p:spTgt spid="3">
+                                            <p:txEl>
+                                              <p:pRg st="2" end="2"/>
+                                            </p:txEl>
+                                          </p:spTgt>
+                                        </p:tgtEl>
+                                        <p:attrNameLst>
+                                          <p:attrName>style.visibility</p:attrName>
+                                        </p:attrNameLst>
+                                      </p:cBhvr>
+                                      <p:to>
+                                        <p:strVal val="visible"/>
+                                      </p:to>
+                                    </p:set>
+                                  </p:childTnLst>
+                                </p:cTn>
+                              </p:par>
+                            </p:childTnLst>
+                          </p:cTn>
+                        </p:par>
+                      </p:childTnLst>
+                    </p:cTn>
+                  </p:par>
+                  <p:par>
+                    <p:cTn id="11" fill="hold">
+                      <p:stCondLst>
+                        <p:cond delay="indefinite"/>
+                      </p:stCondLst>
+                      <p:childTnLst>
+                        <p:par>
+                          <p:cTn id="12" fill="hold">
+                            <p:stCondLst>
+                              <p:cond delay="0"/>
+                            </p:stCondLst>
+                            <p:childTnLst>
+                              <p:par>
+                                <p:cTn id="13" presetID="1" presetClass="entr" presetSubtype="0" fill="hold" nodeType="clickEffect">
+                                  <p:stCondLst>
+                                    <p:cond delay="0"/>
+                                  </p:stCondLst>
+                                  <p:childTnLst>
+                                    <p:set>
+                                      <p:cBhvr>
+                                        <p:cTn id="14" dur="1" fill="hold">
+                                          <p:stCondLst>
+                                            <p:cond delay="0"/>
+                                          </p:stCondLst>
+                                        </p:cTn>
+                                        <p:tgtEl>
+                                          <p:spTgt spid="3">
+                                            <p:txEl>
+                                              <p:pRg st="3" end="3"/>
+                                            </p:txEl>
+                                          </p:spTgt>
+                                        </p:tgtEl>
+                                        <p:attrNameLst>
+                                          <p:attrName>style.visibility</p:attrName>
+                                        </p:attrNameLst>
+                                      </p:cBhvr>
+                                      <p:to>
+                                        <p:strVal val="visible"/>
+                                      </p:to>
+                                    </p:set>
+                                  </p:childTnLst>
+                                </p:cTn>
+                              </p:par>
+                            </p:childTnLst>
+                          </p:cTn>
+                        </p:par>
+                      </p:childTnLst>
+                    </p:cTn>
+                  </p:par>
+                  <p:par>
+                    <p:cTn id="15" fill="hold">
+                      <p:stCondLst>
+                        <p:cond delay="indefinite"/>
+                      </p:stCondLst>
+                      <p:childTnLst>
+                        <p:par>
+                          <p:cTn id="16" fill="hold">
+                            <p:stCondLst>
+                              <p:cond delay="0"/>
+                            </p:stCondLst>
+                            <p:childTnLst>
+                              <p:par>
+                                <p:cTn id="17" presetID="1" presetClass="entr" presetSubtype="0" fill="hold" nodeType="clickEffect">
+                                  <p:stCondLst>
+                                    <p:cond delay="0"/>
+                                  </p:stCondLst>
+                                  <p:childTnLst>
+                                    <p:set>
+                                      <p:cBhvr>
+                                        <p:cTn id="18" dur="1" fill="hold">
+                                          <p:stCondLst>
+                                            <p:cond delay="0"/>
+                                          </p:stCondLst>
+                                        </p:cTn>
+                                        <p:tgtEl>
+                                          <p:spTgt spid="3">
+                                            <p:txEl>
+                                              <p:pRg st="4" end="4"/>
+                                            </p:txEl>
+                                          </p:spTgt>
+                                        </p:tgtEl>
+                                        <p:attrNameLst>
+                                          <p:attrName>style.visibility</p:attrName>
+                                        </p:attrNameLst>
+                                      </p:cBhvr>
+                                      <p:to>
+                                        <p:strVal val="visible"/>
+                                      </p:to>
+                                    </p:set>
+                                  </p:childTnLst>
+                                </p:cTn>
+                              </p:par>
+                            </p:childTnLst>
+                          </p:cTn>
+                        </p:par>
+                      </p:childTnLst>
+                    </p:cTn>
+                  </p:par>
+                  <p:par>
+                    <p:cTn id="19" fill="hold">
+                      <p:stCondLst>
+                        <p:cond delay="indefinite"/>
+                      </p:stCondLst>
+                      <p:childTnLst>
+                        <p:par>
+                          <p:cTn id="20" fill="hold">
+                            <p:stCondLst>
+                              <p:cond delay="0"/>
+                            </p:stCondLst>
+                            <p:childTnLst>
+                              <p:par>
+                                <p:cTn id="21" presetID="1" presetClass="entr" presetSubtype="0" fill="hold" nodeType="clickEffect">
+                                  <p:stCondLst>
+                                    <p:cond delay="0"/>
+                                  </p:stCondLst>
+                                  <p:childTnLst>
+                                    <p:set>
+                                      <p:cBhvr>
+                                        <p:cTn id="22" dur="1" fill="hold">
+                                          <p:stCondLst>
+                                            <p:cond delay="0"/>
+                                          </p:stCondLst>
+                                        </p:cTn>
+                                        <p:tgtEl>
+                                          <p:spTgt spid="3">
+                                            <p:txEl>
+                                              <p:pRg st="7" end="7"/>
+                                            </p:txEl>
+                                          </p:spTgt>
+                                        </p:tgtEl>
+                                        <p:attrNameLst>
+                                          <p:attrName>style.visibility</p:attrName>
+                                        </p:attrNameLst>
+                                      </p:cBhvr>
+                                      <p:to>
+                                        <p:strVal val="visible"/>
+                                      </p:to>
+                                    </p:set>
+                                  </p:childTnLst>
+                                </p:cTn>
+                              </p:par>
+                            </p:childTnLst>
+                          </p:cTn>
+                        </p:par>
+                      </p:childTnLst>
+                    </p:cTn>
+                  </p:par>
+                </p:childTnLst>
+              </p:cTn>
+              <p:prevCondLst>
+                <p:cond evt="onPrev" delay="0">
+                  <p:tgtEl>
+                    <p:sldTgt/>
+                  </p:tgtEl>
+                </p:cond>
+              </p:prevCondLst>
+              <p:nextCondLst>
+                <p:cond evt="onNext" delay="0">
+                  <p:tgtEl>
+                    <p:sldTgt/>
+                  </p:tgtEl>
+                </p:cond>
+              </p:nextCondLst>
+            </p:seq>
+          </p:childTnLst>
+        </p:cTn>
+      </p:par>
+    </p:tnLst>
+  </p:timing>
+</p:sld>
+</file>
+
+<file path=ppt/slides/slide21.xml><?xml version="1.0" encoding="utf-8"?>
+<p:sld xmlns:a="http://schemas.openxmlformats.org/drawingml/2006/main" xmlns:r="http://schemas.openxmlformats.org/officeDocument/2006/relationships" xmlns:p="http://schemas.openxmlformats.org/presentationml/2006/main">
+  <p:cSld>
+    <p:spTree>
+      <p:nvGrpSpPr>
+        <p:cNvPr id="1" name=""/>
+        <p:cNvGrpSpPr/>
+        <p:nvPr/>
+      </p:nvGrpSpPr>
+      <p:grpSpPr>
+        <a:xfrm>
+          <a:off x="0" y="0"/>
+          <a:ext cx="0" cy="0"/>
+          <a:chOff x="0" y="0"/>
+          <a:chExt cx="0" cy="0"/>
+        </a:xfrm>
+      </p:grpSpPr>
+      <p:sp>
+        <p:nvSpPr>
+          <p:cNvPr id="2" name="Title 1">
+            <a:extLst>
+              <a:ext uri="{FF2B5EF4-FFF2-40B4-BE49-F238E27FC236}">
+                <a16:creationId xmlns:a16="http://schemas.microsoft.com/office/drawing/2014/main" id="{893AF10F-C12D-6B4A-84C5-206A244BF7C6}"/>
+              </a:ext>
+            </a:extLst>
+          </p:cNvPr>
+          <p:cNvSpPr>
+            <a:spLocks noGrp="1"/>
+          </p:cNvSpPr>
+          <p:nvPr>
+            <p:ph type="title"/>
+          </p:nvPr>
+        </p:nvSpPr>
+        <p:spPr>
+          <a:xfrm>
+            <a:off x="0" y="0"/>
+            <a:ext cx="7886700" cy="540162"/>
+          </a:xfrm>
+        </p:spPr>
+        <p:txBody>
+          <a:bodyPr>
+            <a:normAutofit fontScale="90000"/>
+          </a:bodyPr>
+          <a:lstStyle/>
+          <a:p>
+            <a:r>
+              <a:rPr lang="en-US" dirty="0"/>
+              <a:t>Program Inputs</a:t>
+            </a:r>
+          </a:p>
+        </p:txBody>
+      </p:sp>
+      <p:sp>
+        <p:nvSpPr>
+          <p:cNvPr id="3" name="Content Placeholder 2">
+            <a:extLst>
+              <a:ext uri="{FF2B5EF4-FFF2-40B4-BE49-F238E27FC236}">
+                <a16:creationId xmlns:a16="http://schemas.microsoft.com/office/drawing/2014/main" id="{8EE44610-8AB0-B84C-9003-2B8BA850F328}"/>
+              </a:ext>
+            </a:extLst>
+          </p:cNvPr>
+          <p:cNvSpPr>
+            <a:spLocks noGrp="1"/>
+          </p:cNvSpPr>
+          <p:nvPr>
+            <p:ph idx="1"/>
+          </p:nvPr>
+        </p:nvSpPr>
+        <p:spPr>
+          <a:xfrm>
+            <a:off x="150607" y="540162"/>
+            <a:ext cx="8747588" cy="5061068"/>
+          </a:xfrm>
+        </p:spPr>
+        <p:txBody>
+          <a:bodyPr/>
+          <a:lstStyle/>
+          <a:p>
+            <a:pPr marL="0" indent="0">
+              <a:buNone/>
+            </a:pPr>
+            <a:endParaRPr lang="en-US" dirty="0"/>
+          </a:p>
+          <a:p>
+            <a:pPr marL="0" indent="0">
+              <a:buNone/>
+            </a:pPr>
+            <a:r>
+              <a:rPr lang="en-US" dirty="0"/>
+              <a:t>A program is useful if it takes some input from the user, process it and outputs something meaningful. </a:t>
+            </a:r>
+          </a:p>
+          <a:p>
+            <a:pPr marL="0" indent="0">
+              <a:buNone/>
+            </a:pPr>
+            <a:endParaRPr lang="en-US" dirty="0"/>
+          </a:p>
+          <a:p>
+            <a:pPr marL="0" indent="0">
+              <a:buNone/>
+            </a:pPr>
+            <a:r>
+              <a:rPr lang="en-US" dirty="0"/>
+              <a:t>We will start with a simple program that accepts user inputs from the keyboard and outputs some result by printing it on the console. </a:t>
+            </a:r>
+          </a:p>
+          <a:p>
+            <a:pPr marL="0" indent="0">
+              <a:buNone/>
+            </a:pPr>
+            <a:endParaRPr lang="en-US" dirty="0"/>
+          </a:p>
+          <a:p>
+            <a:pPr marL="0" indent="0">
+              <a:buNone/>
+            </a:pPr>
+            <a:r>
+              <a:rPr lang="en-US" dirty="0"/>
+              <a:t>The input function </a:t>
+            </a:r>
+            <a:r>
+              <a:rPr lang="en-US" b="1" dirty="0">
+                <a:latin typeface="INCONSOLATA" panose="020B0609030003000000" pitchFamily="49" charset="77"/>
+              </a:rPr>
+              <a:t>input()</a:t>
+            </a:r>
+            <a:r>
+              <a:rPr lang="en-US" dirty="0"/>
+              <a:t> can be used to accept inputs from the user. </a:t>
+            </a:r>
+            <a:endParaRPr lang="en-US" b="1" dirty="0">
+              <a:solidFill>
+                <a:srgbClr val="34A327"/>
+              </a:solidFill>
+              <a:latin typeface="Inconsolata" panose="020B0609030003000000" pitchFamily="49" charset="77"/>
+            </a:endParaRPr>
+          </a:p>
+          <a:p>
+            <a:pPr marL="0" indent="0">
+              <a:buNone/>
+            </a:pPr>
+            <a:endParaRPr lang="en-US" dirty="0"/>
+          </a:p>
+        </p:txBody>
+      </p:sp>
+      <p:sp>
+        <p:nvSpPr>
+          <p:cNvPr id="4" name="Slide Number Placeholder 3">
+            <a:extLst>
+              <a:ext uri="{FF2B5EF4-FFF2-40B4-BE49-F238E27FC236}">
+                <a16:creationId xmlns:a16="http://schemas.microsoft.com/office/drawing/2014/main" id="{75C7B0F0-6928-7047-81B0-E8C50BC3208B}"/>
+              </a:ext>
+            </a:extLst>
+          </p:cNvPr>
+          <p:cNvSpPr>
+            <a:spLocks noGrp="1"/>
+          </p:cNvSpPr>
+          <p:nvPr>
+            <p:ph type="sldNum" sz="quarter" idx="12"/>
+          </p:nvPr>
+        </p:nvSpPr>
+        <p:spPr/>
+        <p:txBody>
+          <a:bodyPr/>
+          <a:lstStyle/>
+          <a:p>
+            <a:fld id="{D57F1E4F-1CFF-5643-939E-02111984F565}" type="slidenum">
+              <a:rPr lang="en-US" smtClean="0"/>
+              <a:t>21</a:t>
+            </a:fld>
+            <a:endParaRPr lang="en-US" dirty="0"/>
+          </a:p>
+        </p:txBody>
+      </p:sp>
+    </p:spTree>
+    <p:extLst>
+      <p:ext uri="{BB962C8B-B14F-4D97-AF65-F5344CB8AC3E}">
+        <p14:creationId xmlns:p14="http://schemas.microsoft.com/office/powerpoint/2010/main" val="3067820620"/>
+      </p:ext>
+    </p:extLst>
+  </p:cSld>
+  <p:clrMapOvr>
+    <a:masterClrMapping/>
+  </p:clrMapOvr>
+  <p:timing>
+    <p:tnLst>
+      <p:par>
+        <p:cTn id="1" dur="indefinite" restart="never" nodeType="tmRoot">
+          <p:childTnLst>
+            <p:seq concurrent="1" nextAc="seek">
+              <p:cTn id="2" dur="indefinite" nodeType="mainSeq">
+                <p:childTnLst>
+                  <p:par>
+                    <p:cTn id="3" fill="hold">
+                      <p:stCondLst>
+                        <p:cond delay="indefinite"/>
+                      </p:stCondLst>
+                      <p:childTnLst>
+                        <p:par>
+                          <p:cTn id="4" fill="hold">
+                            <p:stCondLst>
+                              <p:cond delay="0"/>
+                            </p:stCondLst>
+                            <p:childTnLst>
+                              <p:par>
+                                <p:cTn id="5" presetID="1" presetClass="entr" presetSubtype="0" fill="hold" nodeType="clickEffect">
+                                  <p:stCondLst>
+                                    <p:cond delay="0"/>
+                                  </p:stCondLst>
+                                  <p:childTnLst>
+                                    <p:set>
+                                      <p:cBhvr>
+                                        <p:cTn id="6" dur="1" fill="hold">
+                                          <p:stCondLst>
+                                            <p:cond delay="0"/>
+                                          </p:stCondLst>
+                                        </p:cTn>
+                                        <p:tgtEl>
+                                          <p:spTgt spid="3">
+                                            <p:txEl>
+                                              <p:pRg st="3" end="3"/>
+                                            </p:txEl>
+                                          </p:spTgt>
+                                        </p:tgtEl>
+                                        <p:attrNameLst>
+                                          <p:attrName>style.visibility</p:attrName>
+                                        </p:attrNameLst>
+                                      </p:cBhvr>
+                                      <p:to>
+                                        <p:strVal val="visible"/>
+                                      </p:to>
+                                    </p:set>
+                                  </p:childTnLst>
+                                </p:cTn>
+                              </p:par>
+                            </p:childTnLst>
+                          </p:cTn>
+                        </p:par>
+                      </p:childTnLst>
+                    </p:cTn>
+                  </p:par>
+                  <p:par>
+                    <p:cTn id="7" fill="hold">
+                      <p:stCondLst>
+                        <p:cond delay="indefinite"/>
+                      </p:stCondLst>
+                      <p:childTnLst>
+                        <p:par>
+                          <p:cTn id="8" fill="hold">
+                            <p:stCondLst>
+                              <p:cond delay="0"/>
+                            </p:stCondLst>
+                            <p:childTnLst>
+                              <p:par>
+                                <p:cTn id="9" presetID="1" presetClass="entr" presetSubtype="0" fill="hold" nodeType="clickEffect">
+                                  <p:stCondLst>
+                                    <p:cond delay="0"/>
+                                  </p:stCondLst>
+                                  <p:childTnLst>
+                                    <p:set>
+                                      <p:cBhvr>
+                                        <p:cTn id="10" dur="1" fill="hold">
+                                          <p:stCondLst>
+                                            <p:cond delay="0"/>
+                                          </p:stCondLst>
+                                        </p:cTn>
+                                        <p:tgtEl>
+                                          <p:spTgt spid="3">
+                                            <p:txEl>
+                                              <p:pRg st="5" end="5"/>
+                                            </p:txEl>
+                                          </p:spTgt>
+                                        </p:tgtEl>
+                                        <p:attrNameLst>
+                                          <p:attrName>style.visibility</p:attrName>
+                                        </p:attrNameLst>
+                                      </p:cBhvr>
+                                      <p:to>
+                                        <p:strVal val="visible"/>
+                                      </p:to>
+                                    </p:set>
+                                  </p:childTnLst>
+                                </p:cTn>
+                              </p:par>
+                            </p:childTnLst>
+                          </p:cTn>
+                        </p:par>
+                      </p:childTnLst>
+                    </p:cTn>
+                  </p:par>
+                </p:childTnLst>
+              </p:cTn>
+              <p:prevCondLst>
+                <p:cond evt="onPrev" delay="0">
+                  <p:tgtEl>
+                    <p:sldTgt/>
+                  </p:tgtEl>
+                </p:cond>
+              </p:prevCondLst>
+              <p:nextCondLst>
+                <p:cond evt="onNext" delay="0">
+                  <p:tgtEl>
+                    <p:sldTgt/>
+                  </p:tgtEl>
+                </p:cond>
+              </p:nextCondLst>
+            </p:seq>
+          </p:childTnLst>
+        </p:cTn>
+      </p:par>
+    </p:tnLst>
+  </p:timing>
+</p:sld>
+</file>
+
+<file path=ppt/slides/slide22.xml><?xml version="1.0" encoding="utf-8"?>
+<p:sld xmlns:a="http://schemas.openxmlformats.org/drawingml/2006/main" xmlns:r="http://schemas.openxmlformats.org/officeDocument/2006/relationships" xmlns:p="http://schemas.openxmlformats.org/presentationml/2006/main">
+  <p:cSld>
+    <p:spTree>
+      <p:nvGrpSpPr>
+        <p:cNvPr id="1" name=""/>
+        <p:cNvGrpSpPr/>
+        <p:nvPr/>
+      </p:nvGrpSpPr>
+      <p:grpSpPr>
+        <a:xfrm>
+          <a:off x="0" y="0"/>
+          <a:ext cx="0" cy="0"/>
+          <a:chOff x="0" y="0"/>
+          <a:chExt cx="0" cy="0"/>
+        </a:xfrm>
+      </p:grpSpPr>
+      <p:sp>
+        <p:nvSpPr>
+          <p:cNvPr id="2" name="Title 1">
+            <a:extLst>
+              <a:ext uri="{FF2B5EF4-FFF2-40B4-BE49-F238E27FC236}">
                 <a16:creationId xmlns:a16="http://schemas.microsoft.com/office/drawing/2014/main" id="{AA3A228F-61D0-D949-A5E7-F83756230BF8}"/>
               </a:ext>
             </a:extLst>
@@ -14103,7 +14689,7 @@
           <a:p>
             <a:fld id="{D57F1E4F-1CFF-5643-939E-02111984F565}" type="slidenum">
               <a:rPr lang="en-US" smtClean="0"/>
-              <a:t>20</a:t>
+              <a:t>22</a:t>
             </a:fld>
             <a:endParaRPr lang="en-US" dirty="0"/>
           </a:p>
@@ -14667,7 +15253,7 @@
 </p:sld>
 </file>
 
-<file path=ppt/slides/slide21.xml><?xml version="1.0" encoding="utf-8"?>
+<file path=ppt/slides/slide23.xml><?xml version="1.0" encoding="utf-8"?>
 <p:sld xmlns:a="http://schemas.openxmlformats.org/drawingml/2006/main" xmlns:r="http://schemas.openxmlformats.org/officeDocument/2006/relationships" xmlns:p="http://schemas.openxmlformats.org/presentationml/2006/main">
   <p:cSld>
     <p:spTree>
@@ -15157,7 +15743,7 @@
           <a:p>
             <a:fld id="{D57F1E4F-1CFF-5643-939E-02111984F565}" type="slidenum">
               <a:rPr lang="en-US" smtClean="0"/>
-              <a:t>21</a:t>
+              <a:t>23</a:t>
             </a:fld>
             <a:endParaRPr lang="en-US" dirty="0"/>
           </a:p>
@@ -15490,7 +16076,7 @@
 </p:sld>
 </file>
 
-<file path=ppt/slides/slide22.xml><?xml version="1.0" encoding="utf-8"?>
+<file path=ppt/slides/slide24.xml><?xml version="1.0" encoding="utf-8"?>
 <p:sld xmlns:a="http://schemas.openxmlformats.org/drawingml/2006/main" xmlns:r="http://schemas.openxmlformats.org/officeDocument/2006/relationships" xmlns:p="http://schemas.openxmlformats.org/presentationml/2006/main">
   <p:cSld>
     <p:spTree>
@@ -15892,7 +16478,7 @@
           <a:p>
             <a:fld id="{D57F1E4F-1CFF-5643-939E-02111984F565}" type="slidenum">
               <a:rPr lang="en-US" smtClean="0"/>
-              <a:t>22</a:t>
+              <a:t>24</a:t>
             </a:fld>
             <a:endParaRPr lang="en-US" dirty="0"/>
           </a:p>
@@ -16163,7 +16749,7 @@
 </p:sld>
 </file>
 
-<file path=ppt/slides/slide23.xml><?xml version="1.0" encoding="utf-8"?>
+<file path=ppt/slides/slide25.xml><?xml version="1.0" encoding="utf-8"?>
 <p:sld xmlns:a="http://schemas.openxmlformats.org/drawingml/2006/main" xmlns:r="http://schemas.openxmlformats.org/officeDocument/2006/relationships" xmlns:p="http://schemas.openxmlformats.org/presentationml/2006/main">
   <p:cSld>
     <p:spTree>
@@ -16719,7 +17305,7 @@
           <a:p>
             <a:fld id="{D57F1E4F-1CFF-5643-939E-02111984F565}" type="slidenum">
               <a:rPr lang="en-US" smtClean="0"/>
-              <a:t>23</a:t>
+              <a:t>25</a:t>
             </a:fld>
             <a:endParaRPr lang="en-US" dirty="0"/>
           </a:p>
@@ -17124,7 +17710,7 @@
 </p:sld>
 </file>
 
-<file path=ppt/slides/slide24.xml><?xml version="1.0" encoding="utf-8"?>
+<file path=ppt/slides/slide26.xml><?xml version="1.0" encoding="utf-8"?>
 <p:sld xmlns:a="http://schemas.openxmlformats.org/drawingml/2006/main" xmlns:r="http://schemas.openxmlformats.org/officeDocument/2006/relationships" xmlns:p="http://schemas.openxmlformats.org/presentationml/2006/main">
   <p:cSld>
     <p:spTree>
@@ -17271,7 +17857,7 @@
           <a:p>
             <a:fld id="{D57F1E4F-1CFF-5643-939E-02111984F565}" type="slidenum">
               <a:rPr lang="en-US" smtClean="0"/>
-              <a:t>24</a:t>
+              <a:t>26</a:t>
             </a:fld>
             <a:endParaRPr lang="en-US" dirty="0"/>
           </a:p>
@@ -17320,7 +17906,7 @@
 </p:sld>
 </file>
 
-<file path=ppt/slides/slide25.xml><?xml version="1.0" encoding="utf-8"?>
+<file path=ppt/slides/slide27.xml><?xml version="1.0" encoding="utf-8"?>
 <p:sld xmlns:a="http://schemas.openxmlformats.org/drawingml/2006/main" xmlns:r="http://schemas.openxmlformats.org/officeDocument/2006/relationships" xmlns:p="http://schemas.openxmlformats.org/presentationml/2006/main">
   <p:cSld>
     <p:spTree>
@@ -17437,7 +18023,7 @@
           <a:p>
             <a:fld id="{D57F1E4F-1CFF-5643-939E-02111984F565}" type="slidenum">
               <a:rPr lang="en-US" smtClean="0"/>
-              <a:t>25</a:t>
+              <a:t>27</a:t>
             </a:fld>
             <a:endParaRPr lang="en-US" dirty="0"/>
           </a:p>
@@ -17486,7 +18072,7 @@
 </p:sld>
 </file>
 
-<file path=ppt/slides/slide26.xml><?xml version="1.0" encoding="utf-8"?>
+<file path=ppt/slides/slide28.xml><?xml version="1.0" encoding="utf-8"?>
 <p:sld xmlns:a="http://schemas.openxmlformats.org/drawingml/2006/main" xmlns:r="http://schemas.openxmlformats.org/officeDocument/2006/relationships" xmlns:p="http://schemas.openxmlformats.org/presentationml/2006/main">
   <p:cSld>
     <p:spTree>
@@ -17712,7 +18298,7 @@
           <a:p>
             <a:fld id="{D57F1E4F-1CFF-5643-939E-02111984F565}" type="slidenum">
               <a:rPr lang="en-US" smtClean="0"/>
-              <a:t>26</a:t>
+              <a:t>28</a:t>
             </a:fld>
             <a:endParaRPr lang="en-US" dirty="0"/>
           </a:p>
@@ -17731,7 +18317,7 @@
 </p:sld>
 </file>
 
-<file path=ppt/slides/slide27.xml><?xml version="1.0" encoding="utf-8"?>
+<file path=ppt/slides/slide29.xml><?xml version="1.0" encoding="utf-8"?>
 <p:sld xmlns:a="http://schemas.openxmlformats.org/drawingml/2006/main" xmlns:r="http://schemas.openxmlformats.org/officeDocument/2006/relationships" xmlns:p="http://schemas.openxmlformats.org/presentationml/2006/main">
   <p:cSld>
     <p:spTree>
@@ -17895,7 +18481,7 @@
           <a:p>
             <a:fld id="{D57F1E4F-1CFF-5643-939E-02111984F565}" type="slidenum">
               <a:rPr lang="en-US" smtClean="0"/>
-              <a:t>27</a:t>
+              <a:t>29</a:t>
             </a:fld>
             <a:endParaRPr lang="en-US" dirty="0"/>
           </a:p>
